--- a/help/data-sheets/assets/EliteSupportDatasheet.pptx
+++ b/help/data-sheets/assets/EliteSupportDatasheet.pptx
@@ -301,7 +301,7 @@
           <a:p>
             <a:fld id="{C12E57D6-2086-AA47-A7A4-C0CDE7C14E44}" type="datetimeFigureOut">
               <a:rPr lang="en-US" smtClean="0"/>
-              <a:t>9/22/2021</a:t>
+              <a:t>10/1/2021</a:t>
             </a:fld>
             <a:endParaRPr lang="en-US"/>
           </a:p>
@@ -875,7 +875,7 @@
           <a:p>
             <a:fld id="{1D8BD707-D9CF-40AE-B4C6-C98DA3205C09}" type="datetimeFigureOut">
               <a:rPr lang="en-US"/>
-              <a:t>9/22/2021</a:t>
+              <a:t>10/1/2021</a:t>
             </a:fld>
             <a:endParaRPr lang="en-US"/>
           </a:p>
@@ -1120,7 +1120,7 @@
           <a:p>
             <a:fld id="{1D8BD707-D9CF-40AE-B4C6-C98DA3205C09}" type="datetimeFigureOut">
               <a:rPr lang="en-US"/>
-              <a:t>9/22/2021</a:t>
+              <a:t>10/1/2021</a:t>
             </a:fld>
             <a:endParaRPr lang="en-US"/>
           </a:p>
@@ -1378,7 +1378,7 @@
           <a:p>
             <a:fld id="{1D8BD707-D9CF-40AE-B4C6-C98DA3205C09}" type="datetimeFigureOut">
               <a:rPr lang="en-US"/>
-              <a:t>9/22/2021</a:t>
+              <a:t>10/1/2021</a:t>
             </a:fld>
             <a:endParaRPr lang="en-US"/>
           </a:p>
@@ -1570,7 +1570,7 @@
           <a:p>
             <a:fld id="{1D8BD707-D9CF-40AE-B4C6-C98DA3205C09}" type="datetimeFigureOut">
               <a:rPr lang="en-US"/>
-              <a:t>9/22/2021</a:t>
+              <a:t>10/1/2021</a:t>
             </a:fld>
             <a:endParaRPr lang="en-US"/>
           </a:p>
@@ -1733,7 +1733,7 @@
           <a:p>
             <a:fld id="{1D8BD707-D9CF-40AE-B4C6-C98DA3205C09}" type="datetimeFigureOut">
               <a:rPr lang="en-US"/>
-              <a:t>9/22/2021</a:t>
+              <a:t>10/1/2021</a:t>
             </a:fld>
             <a:endParaRPr lang="en-US"/>
           </a:p>
@@ -1996,7 +1996,7 @@
           <a:p>
             <a:fld id="{1D8BD707-D9CF-40AE-B4C6-C98DA3205C09}" type="datetimeFigureOut">
               <a:rPr lang="en-US"/>
-              <a:t>9/22/2021</a:t>
+              <a:t>10/1/2021</a:t>
             </a:fld>
             <a:endParaRPr lang="en-US"/>
           </a:p>
@@ -2293,10 +2293,11 @@
               </a:spcBef>
             </a:pPr>
             <a:r>
-              <a:rPr sz="2300" dirty="0">
-                <a:latin typeface="Adobe Clean" panose="020B0503020404020204" pitchFamily="34" charset="0"/>
+              <a:rPr lang="ja-JP" sz="2300">
+                <a:latin typeface="Adobe Clean Han Regular" panose="020B0500000000000000" pitchFamily="34" charset="-128"/>
+                <a:ea typeface="Adobe Clean Han Regular" panose="020B0500000000000000" pitchFamily="34" charset="-128"/>
               </a:rPr>
-              <a:t>ADOBE SUPPORTOFFERINGS</a:t>
+              <a:t>アドビサポートのサービス</a:t>
             </a:r>
           </a:p>
         </p:txBody>
@@ -2310,7 +2311,7 @@
         <p:spPr>
           <a:xfrm>
             <a:off x="159522" y="560755"/>
-            <a:ext cx="7003277" cy="1466427"/>
+            <a:ext cx="7003277" cy="1327928"/>
           </a:xfrm>
           <a:prstGeom prst="rect">
             <a:avLst/>
@@ -2331,119 +2332,27 @@
               </a:spcBef>
             </a:pPr>
             <a:r>
-              <a:rPr sz="1100" spc="-5" dirty="0">
+              <a:rPr lang="ja-JP" sz="1100" dirty="0">
                 <a:solidFill>
                   <a:srgbClr val="FFFFFF"/>
                 </a:solidFill>
-                <a:latin typeface="AdobeClean-Light"/>
+                <a:latin typeface="Adobe Clean Han Regular" panose="020B0500000000000000" pitchFamily="34" charset="-128"/>
+                <a:ea typeface="Adobe Clean Han Regular" panose="020B0500000000000000" pitchFamily="34" charset="-128"/>
                 <a:cs typeface="AdobeClean-Light"/>
               </a:rPr>
-              <a:t>Online</a:t>
-            </a:r>
-            <a:r>
-              <a:rPr sz="1100" dirty="0">
+              <a:t>オンライン | ビジネス | エンタープライズ | </a:t>
+            </a:r>
+            <a:r>
+              <a:rPr lang="ja-JP" sz="1100" b="1" dirty="0">
                 <a:solidFill>
                   <a:srgbClr val="FFFFFF"/>
                 </a:solidFill>
-                <a:latin typeface="AdobeClean-Light"/>
-                <a:cs typeface="AdobeClean-Light"/>
-              </a:rPr>
-              <a:t> |</a:t>
-            </a:r>
-            <a:r>
-              <a:rPr sz="1100" spc="5" dirty="0">
-                <a:solidFill>
-                  <a:srgbClr val="FFFFFF"/>
-                </a:solidFill>
-                <a:latin typeface="AdobeClean-Light"/>
-                <a:cs typeface="AdobeClean-Light"/>
-              </a:rPr>
-              <a:t> </a:t>
-            </a:r>
-            <a:r>
-              <a:rPr sz="1100" spc="-5" dirty="0">
-                <a:solidFill>
-                  <a:srgbClr val="FFFFFF"/>
-                </a:solidFill>
-                <a:latin typeface="AdobeClean-Light"/>
-                <a:cs typeface="AdobeClean-Light"/>
-              </a:rPr>
-              <a:t>Business</a:t>
-            </a:r>
-            <a:r>
-              <a:rPr sz="1100" dirty="0">
-                <a:solidFill>
-                  <a:srgbClr val="FFFFFF"/>
-                </a:solidFill>
-                <a:latin typeface="AdobeClean-Light"/>
-                <a:cs typeface="AdobeClean-Light"/>
-              </a:rPr>
-              <a:t> |</a:t>
-            </a:r>
-            <a:r>
-              <a:rPr sz="1100" spc="10" dirty="0">
-                <a:solidFill>
-                  <a:srgbClr val="FFFFFF"/>
-                </a:solidFill>
-                <a:latin typeface="AdobeClean-Light"/>
-                <a:cs typeface="AdobeClean-Light"/>
-              </a:rPr>
-              <a:t> </a:t>
-            </a:r>
-            <a:r>
-              <a:rPr sz="1100" spc="-5" dirty="0">
-                <a:solidFill>
-                  <a:srgbClr val="FFFFFF"/>
-                </a:solidFill>
-                <a:latin typeface="AdobeClean-Light"/>
-                <a:cs typeface="AdobeClean-Light"/>
-              </a:rPr>
-              <a:t>Enterprise</a:t>
-            </a:r>
-            <a:r>
-              <a:rPr sz="1100" spc="10" dirty="0">
-                <a:solidFill>
-                  <a:srgbClr val="FFFFFF"/>
-                </a:solidFill>
-                <a:latin typeface="AdobeClean-Light"/>
-                <a:cs typeface="AdobeClean-Light"/>
-              </a:rPr>
-              <a:t> </a:t>
-            </a:r>
-            <a:r>
-              <a:rPr sz="1100" dirty="0">
-                <a:solidFill>
-                  <a:srgbClr val="FFFFFF"/>
-                </a:solidFill>
-                <a:latin typeface="AdobeClean-Light"/>
-                <a:cs typeface="AdobeClean-Light"/>
-              </a:rPr>
-              <a:t>|</a:t>
-            </a:r>
-            <a:r>
-              <a:rPr sz="1100" spc="5" dirty="0">
-                <a:solidFill>
-                  <a:srgbClr val="FFFFFF"/>
-                </a:solidFill>
-                <a:latin typeface="AdobeClean-Light"/>
-                <a:cs typeface="AdobeClean-Light"/>
-              </a:rPr>
-              <a:t> </a:t>
-            </a:r>
-            <a:r>
-              <a:rPr sz="1100" b="1" spc="-65" dirty="0">
-                <a:solidFill>
-                  <a:srgbClr val="FFFFFF"/>
-                </a:solidFill>
-                <a:latin typeface="Arial"/>
+                <a:latin typeface="Adobe Clean Han Regular" panose="020B0500000000000000" pitchFamily="34" charset="-128"/>
+                <a:ea typeface="Adobe Clean Han Regular" panose="020B0500000000000000" pitchFamily="34" charset="-128"/>
                 <a:cs typeface="Arial"/>
               </a:rPr>
-              <a:t>Elite</a:t>
-            </a:r>
-            <a:endParaRPr sz="1100" dirty="0">
-              <a:latin typeface="Arial"/>
-              <a:cs typeface="Arial"/>
-            </a:endParaRPr>
+              <a:t>エリート</a:t>
+            </a:r>
           </a:p>
           <a:p>
             <a:pPr marL="12700" marR="1076325">
@@ -2452,21 +2361,15 @@
               </a:spcBef>
             </a:pPr>
             <a:r>
-              <a:rPr lang="en-US" sz="900" dirty="0">
+              <a:rPr lang="ja-JP" sz="800" dirty="0">
                 <a:solidFill>
                   <a:schemeClr val="bg1"/>
                 </a:solidFill>
-                <a:latin typeface="Adobe Clean SemiLight" panose="020B0403020404020204" pitchFamily="34" charset="0"/>
+                <a:latin typeface="Adobe Clean Han Regular" panose="020B0500000000000000" pitchFamily="34" charset="-128"/>
+                <a:ea typeface="Adobe Clean Han Regular" panose="020B0500000000000000" pitchFamily="34" charset="-128"/>
               </a:rPr>
-              <a:t>Adobe provides a comprehensive range of technical resources to help support your business included as part of your Experience Cloud license subscription and further enhanced in the ELITE support package. ELITE support includes access to personalized learning paths and monitored community forums via the Adobe Experience League. You can also take advantage of our detailed and in-depth technical product documentation and current release notes. ELITE customers will also have access to a Named Support Engineer as well as a Technical Account Manager who combine and work in partnership with you to provide best in class proactive and reactive support while acting as your designated technical contacts in the Adobe Support Team. With deep experience in your designated Experience Cloud solutions, your support team work to ensure that no matter how complex your support needs are, the Adobe Support team will be there side by side with you throughout, to ensure you maximize your investment in the Adobe Experience Cloud solutions and to help you avoid problems before they happen.</a:t>
-            </a:r>
-            <a:endParaRPr sz="900" dirty="0">
-              <a:solidFill>
-                <a:schemeClr val="bg1"/>
-              </a:solidFill>
-              <a:latin typeface="AdobeClean-Light"/>
-              <a:cs typeface="AdobeClean-Light"/>
-            </a:endParaRPr>
+              <a:t>アドビでは、お客様のビジネスをサポートするために、包括的なテクニカルリソースを提供しています。これらのリソースは Experience Cloud のライセンスサブスクリプションに含まれており、エリートサポートではさらに充実したリソースを利用可能です。エリートサポートでは、Adobe Experience League のパーソナライズされたラーニングパスやモニタリングされているコミュニティフォーラムへのアクセスが提供されます。アドビ製品に関する詳細なテクニカルドキュメントや最新のリリースノートは、いつでも参照可能です。また、エリートサポートのお客様には、アドビサポートチーム内における専任の技術相談窓口として、専任サポートエンジニアとテクニカルアカウントマネージャーが対応します。お客様を支援するために、最高水準のプロアクティブサポートおよびリアクティブサポートを提供します。お客様がお使いの Experience Cloud ソリューションに関する豊富な知識と経験を持つアドビサポートチームが、お客様のニーズがどれほど複雑であろうとも、投資効果を最大化し、問題の発生を未然に防ぐために、常にお客様に寄り添います。</a:t>
+            </a:r>
           </a:p>
         </p:txBody>
       </p:sp>
@@ -2478,8 +2381,8 @@
         </p:nvSpPr>
         <p:spPr>
           <a:xfrm>
-            <a:off x="168564" y="7024371"/>
-            <a:ext cx="2780665" cy="238760"/>
+            <a:off x="168564" y="7086600"/>
+            <a:ext cx="3870036" cy="228268"/>
           </a:xfrm>
           <a:prstGeom prst="rect">
             <a:avLst/>
@@ -2500,7 +2403,7 @@
               </a:spcBef>
             </a:pPr>
             <a:r>
-              <a:rPr sz="1400" b="1" u="heavy" spc="20" dirty="0">
+              <a:rPr lang="ja-JP" sz="1400" b="1" u="heavy" dirty="0">
                 <a:solidFill>
                   <a:srgbClr val="020302"/>
                 </a:solidFill>
@@ -2509,450 +2412,12 @@
                     <a:srgbClr val="020302"/>
                   </a:solidFill>
                 </a:uFill>
-                <a:latin typeface="Adobe Clean"/>
+                <a:latin typeface="Adobe Clean Han Regular" panose="020B0500000000000000" pitchFamily="34" charset="-128"/>
+                <a:ea typeface="Adobe Clean Han Regular" panose="020B0500000000000000" pitchFamily="34" charset="-128"/>
                 <a:cs typeface="Adobe Clean"/>
               </a:rPr>
-              <a:t>S</a:t>
-            </a:r>
-            <a:r>
-              <a:rPr sz="1400" b="1" u="heavy" dirty="0">
-                <a:solidFill>
-                  <a:srgbClr val="020302"/>
-                </a:solidFill>
-                <a:uFill>
-                  <a:solidFill>
-                    <a:srgbClr val="020302"/>
-                  </a:solidFill>
-                </a:uFill>
-                <a:latin typeface="Adobe Clean"/>
-                <a:cs typeface="Adobe Clean"/>
-              </a:rPr>
-              <a:t>er</a:t>
-            </a:r>
-            <a:r>
-              <a:rPr sz="1400" b="1" u="heavy" spc="10" dirty="0">
-                <a:solidFill>
-                  <a:srgbClr val="020302"/>
-                </a:solidFill>
-                <a:uFill>
-                  <a:solidFill>
-                    <a:srgbClr val="020302"/>
-                  </a:solidFill>
-                </a:uFill>
-                <a:latin typeface="Adobe Clean"/>
-                <a:cs typeface="Adobe Clean"/>
-              </a:rPr>
-              <a:t>vi</a:t>
-            </a:r>
-            <a:r>
-              <a:rPr sz="1400" b="1" u="heavy" dirty="0">
-                <a:solidFill>
-                  <a:srgbClr val="020302"/>
-                </a:solidFill>
-                <a:uFill>
-                  <a:solidFill>
-                    <a:srgbClr val="020302"/>
-                  </a:solidFill>
-                </a:uFill>
-                <a:latin typeface="Adobe Clean"/>
-                <a:cs typeface="Adobe Clean"/>
-              </a:rPr>
-              <a:t>ce</a:t>
-            </a:r>
-            <a:r>
-              <a:rPr sz="1400" b="1" u="heavy" spc="20" dirty="0">
-                <a:solidFill>
-                  <a:srgbClr val="020302"/>
-                </a:solidFill>
-                <a:uFill>
-                  <a:solidFill>
-                    <a:srgbClr val="020302"/>
-                  </a:solidFill>
-                </a:uFill>
-                <a:latin typeface="Adobe Clean"/>
-                <a:cs typeface="Adobe Clean"/>
-              </a:rPr>
-              <a:t> </a:t>
-            </a:r>
-            <a:r>
-              <a:rPr sz="1400" b="1" u="heavy" spc="-20" dirty="0">
-                <a:solidFill>
-                  <a:srgbClr val="020302"/>
-                </a:solidFill>
-                <a:uFill>
-                  <a:solidFill>
-                    <a:srgbClr val="020302"/>
-                  </a:solidFill>
-                </a:uFill>
-                <a:latin typeface="Adobe Clean"/>
-                <a:cs typeface="Adobe Clean"/>
-              </a:rPr>
-              <a:t>Le</a:t>
-            </a:r>
-            <a:r>
-              <a:rPr sz="1400" b="1" u="heavy" spc="-10" dirty="0">
-                <a:solidFill>
-                  <a:srgbClr val="020302"/>
-                </a:solidFill>
-                <a:uFill>
-                  <a:solidFill>
-                    <a:srgbClr val="020302"/>
-                  </a:solidFill>
-                </a:uFill>
-                <a:latin typeface="Adobe Clean"/>
-                <a:cs typeface="Adobe Clean"/>
-              </a:rPr>
-              <a:t>v</a:t>
-            </a:r>
-            <a:r>
-              <a:rPr sz="1400" b="1" u="heavy" spc="-20" dirty="0">
-                <a:solidFill>
-                  <a:srgbClr val="020302"/>
-                </a:solidFill>
-                <a:uFill>
-                  <a:solidFill>
-                    <a:srgbClr val="020302"/>
-                  </a:solidFill>
-                </a:uFill>
-                <a:latin typeface="Adobe Clean"/>
-                <a:cs typeface="Adobe Clean"/>
-              </a:rPr>
-              <a:t>e</a:t>
-            </a:r>
-            <a:r>
-              <a:rPr sz="1400" b="1" u="heavy" dirty="0">
-                <a:solidFill>
-                  <a:srgbClr val="020302"/>
-                </a:solidFill>
-                <a:uFill>
-                  <a:solidFill>
-                    <a:srgbClr val="020302"/>
-                  </a:solidFill>
-                </a:uFill>
-                <a:latin typeface="Adobe Clean"/>
-                <a:cs typeface="Adobe Clean"/>
-              </a:rPr>
-              <a:t>l</a:t>
-            </a:r>
-            <a:r>
-              <a:rPr sz="1400" b="1" u="heavy" spc="-10" dirty="0">
-                <a:solidFill>
-                  <a:srgbClr val="020302"/>
-                </a:solidFill>
-                <a:uFill>
-                  <a:solidFill>
-                    <a:srgbClr val="020302"/>
-                  </a:solidFill>
-                </a:uFill>
-                <a:latin typeface="Adobe Clean"/>
-                <a:cs typeface="Adobe Clean"/>
-              </a:rPr>
-              <a:t> </a:t>
-            </a:r>
-            <a:r>
-              <a:rPr sz="1400" b="1" u="heavy" spc="-65" dirty="0">
-                <a:solidFill>
-                  <a:srgbClr val="020302"/>
-                </a:solidFill>
-                <a:uFill>
-                  <a:solidFill>
-                    <a:srgbClr val="020302"/>
-                  </a:solidFill>
-                </a:uFill>
-                <a:latin typeface="Adobe Clean"/>
-                <a:cs typeface="Adobe Clean"/>
-              </a:rPr>
-              <a:t>T</a:t>
-            </a:r>
-            <a:r>
-              <a:rPr sz="1400" b="1" u="heavy" spc="-35" dirty="0">
-                <a:solidFill>
-                  <a:srgbClr val="020302"/>
-                </a:solidFill>
-                <a:uFill>
-                  <a:solidFill>
-                    <a:srgbClr val="020302"/>
-                  </a:solidFill>
-                </a:uFill>
-                <a:latin typeface="Adobe Clean"/>
-                <a:cs typeface="Adobe Clean"/>
-              </a:rPr>
-              <a:t>a</a:t>
-            </a:r>
-            <a:r>
-              <a:rPr sz="1400" b="1" u="heavy" spc="-45" dirty="0">
-                <a:solidFill>
-                  <a:srgbClr val="020302"/>
-                </a:solidFill>
-                <a:uFill>
-                  <a:solidFill>
-                    <a:srgbClr val="020302"/>
-                  </a:solidFill>
-                </a:uFill>
-                <a:latin typeface="Adobe Clean"/>
-                <a:cs typeface="Adobe Clean"/>
-              </a:rPr>
-              <a:t>r</a:t>
-            </a:r>
-            <a:r>
-              <a:rPr sz="1400" b="1" u="heavy" spc="-35" dirty="0">
-                <a:solidFill>
-                  <a:srgbClr val="020302"/>
-                </a:solidFill>
-                <a:uFill>
-                  <a:solidFill>
-                    <a:srgbClr val="020302"/>
-                  </a:solidFill>
-                </a:uFill>
-                <a:latin typeface="Adobe Clean"/>
-                <a:cs typeface="Adobe Clean"/>
-              </a:rPr>
-              <a:t>g</a:t>
-            </a:r>
-            <a:r>
-              <a:rPr sz="1400" b="1" u="heavy" spc="-55" dirty="0">
-                <a:solidFill>
-                  <a:srgbClr val="020302"/>
-                </a:solidFill>
-                <a:uFill>
-                  <a:solidFill>
-                    <a:srgbClr val="020302"/>
-                  </a:solidFill>
-                </a:uFill>
-                <a:latin typeface="Adobe Clean"/>
-                <a:cs typeface="Adobe Clean"/>
-              </a:rPr>
-              <a:t>et</a:t>
-            </a:r>
-            <a:r>
-              <a:rPr sz="1400" b="1" u="heavy" spc="-45" dirty="0">
-                <a:solidFill>
-                  <a:srgbClr val="020302"/>
-                </a:solidFill>
-                <a:uFill>
-                  <a:solidFill>
-                    <a:srgbClr val="020302"/>
-                  </a:solidFill>
-                </a:uFill>
-                <a:latin typeface="Adobe Clean"/>
-                <a:cs typeface="Adobe Clean"/>
-              </a:rPr>
-              <a:t>s</a:t>
-            </a:r>
-            <a:r>
-              <a:rPr sz="1400" b="1" u="heavy" dirty="0">
-                <a:solidFill>
-                  <a:srgbClr val="020302"/>
-                </a:solidFill>
-                <a:uFill>
-                  <a:solidFill>
-                    <a:srgbClr val="020302"/>
-                  </a:solidFill>
-                </a:uFill>
-                <a:latin typeface="Adobe Clean"/>
-                <a:cs typeface="Adobe Clean"/>
-              </a:rPr>
-              <a:t>:</a:t>
-            </a:r>
-            <a:r>
-              <a:rPr sz="1400" b="1" u="heavy" spc="-80" dirty="0">
-                <a:solidFill>
-                  <a:srgbClr val="020302"/>
-                </a:solidFill>
-                <a:uFill>
-                  <a:solidFill>
-                    <a:srgbClr val="020302"/>
-                  </a:solidFill>
-                </a:uFill>
-                <a:latin typeface="Adobe Clean"/>
-                <a:cs typeface="Adobe Clean"/>
-              </a:rPr>
-              <a:t> </a:t>
-            </a:r>
-            <a:r>
-              <a:rPr sz="1400" b="1" u="heavy" spc="-20" dirty="0">
-                <a:solidFill>
-                  <a:srgbClr val="020302"/>
-                </a:solidFill>
-                <a:uFill>
-                  <a:solidFill>
-                    <a:srgbClr val="020302"/>
-                  </a:solidFill>
-                </a:uFill>
-                <a:latin typeface="Adobe Clean"/>
-                <a:cs typeface="Adobe Clean"/>
-              </a:rPr>
-              <a:t>I</a:t>
-            </a:r>
-            <a:r>
-              <a:rPr sz="1400" b="1" u="heavy" spc="-10" dirty="0">
-                <a:solidFill>
-                  <a:srgbClr val="020302"/>
-                </a:solidFill>
-                <a:uFill>
-                  <a:solidFill>
-                    <a:srgbClr val="020302"/>
-                  </a:solidFill>
-                </a:uFill>
-                <a:latin typeface="Adobe Clean"/>
-                <a:cs typeface="Adobe Clean"/>
-              </a:rPr>
-              <a:t>ni</a:t>
-            </a:r>
-            <a:r>
-              <a:rPr sz="1400" b="1" u="heavy" spc="-20" dirty="0">
-                <a:solidFill>
-                  <a:srgbClr val="020302"/>
-                </a:solidFill>
-                <a:uFill>
-                  <a:solidFill>
-                    <a:srgbClr val="020302"/>
-                  </a:solidFill>
-                </a:uFill>
-                <a:latin typeface="Adobe Clean"/>
-                <a:cs typeface="Adobe Clean"/>
-              </a:rPr>
-              <a:t>t</a:t>
-            </a:r>
-            <a:r>
-              <a:rPr sz="1400" b="1" u="heavy" spc="-10" dirty="0">
-                <a:solidFill>
-                  <a:srgbClr val="020302"/>
-                </a:solidFill>
-                <a:uFill>
-                  <a:solidFill>
-                    <a:srgbClr val="020302"/>
-                  </a:solidFill>
-                </a:uFill>
-                <a:latin typeface="Adobe Clean"/>
-                <a:cs typeface="Adobe Clean"/>
-              </a:rPr>
-              <a:t>i</a:t>
-            </a:r>
-            <a:r>
-              <a:rPr sz="1400" b="1" u="heavy" dirty="0">
-                <a:solidFill>
-                  <a:srgbClr val="020302"/>
-                </a:solidFill>
-                <a:uFill>
-                  <a:solidFill>
-                    <a:srgbClr val="020302"/>
-                  </a:solidFill>
-                </a:uFill>
-                <a:latin typeface="Adobe Clean"/>
-                <a:cs typeface="Adobe Clean"/>
-              </a:rPr>
-              <a:t>al</a:t>
-            </a:r>
-            <a:r>
-              <a:rPr sz="1400" b="1" u="heavy" spc="-140" dirty="0">
-                <a:solidFill>
-                  <a:srgbClr val="020302"/>
-                </a:solidFill>
-                <a:uFill>
-                  <a:solidFill>
-                    <a:srgbClr val="020302"/>
-                  </a:solidFill>
-                </a:uFill>
-                <a:latin typeface="Adobe Clean"/>
-                <a:cs typeface="Adobe Clean"/>
-              </a:rPr>
-              <a:t> </a:t>
-            </a:r>
-            <a:r>
-              <a:rPr sz="1400" b="1" u="heavy" spc="-15" dirty="0">
-                <a:solidFill>
-                  <a:srgbClr val="020302"/>
-                </a:solidFill>
-                <a:uFill>
-                  <a:solidFill>
-                    <a:srgbClr val="020302"/>
-                  </a:solidFill>
-                </a:uFill>
-                <a:latin typeface="Adobe Clean"/>
-                <a:cs typeface="Adobe Clean"/>
-              </a:rPr>
-              <a:t>R</a:t>
-            </a:r>
-            <a:r>
-              <a:rPr sz="1400" b="1" u="heavy" spc="-25" dirty="0">
-                <a:solidFill>
-                  <a:srgbClr val="020302"/>
-                </a:solidFill>
-                <a:uFill>
-                  <a:solidFill>
-                    <a:srgbClr val="020302"/>
-                  </a:solidFill>
-                </a:uFill>
-                <a:latin typeface="Adobe Clean"/>
-                <a:cs typeface="Adobe Clean"/>
-              </a:rPr>
-              <a:t>e</a:t>
-            </a:r>
-            <a:r>
-              <a:rPr sz="1400" b="1" u="heavy" spc="-15" dirty="0">
-                <a:solidFill>
-                  <a:srgbClr val="020302"/>
-                </a:solidFill>
-                <a:uFill>
-                  <a:solidFill>
-                    <a:srgbClr val="020302"/>
-                  </a:solidFill>
-                </a:uFill>
-                <a:latin typeface="Adobe Clean"/>
-                <a:cs typeface="Adobe Clean"/>
-              </a:rPr>
-              <a:t>s</a:t>
-            </a:r>
-            <a:r>
-              <a:rPr sz="1400" b="1" u="heavy" spc="-25" dirty="0">
-                <a:solidFill>
-                  <a:srgbClr val="020302"/>
-                </a:solidFill>
-                <a:uFill>
-                  <a:solidFill>
-                    <a:srgbClr val="020302"/>
-                  </a:solidFill>
-                </a:uFill>
-                <a:latin typeface="Adobe Clean"/>
-                <a:cs typeface="Adobe Clean"/>
-              </a:rPr>
-              <a:t>p</a:t>
-            </a:r>
-            <a:r>
-              <a:rPr sz="1400" b="1" u="heavy" spc="-15" dirty="0">
-                <a:solidFill>
-                  <a:srgbClr val="020302"/>
-                </a:solidFill>
-                <a:uFill>
-                  <a:solidFill>
-                    <a:srgbClr val="020302"/>
-                  </a:solidFill>
-                </a:uFill>
-                <a:latin typeface="Adobe Clean"/>
-                <a:cs typeface="Adobe Clean"/>
-              </a:rPr>
-              <a:t>ons</a:t>
-            </a:r>
-            <a:r>
-              <a:rPr sz="1400" b="1" u="heavy" dirty="0">
-                <a:solidFill>
-                  <a:srgbClr val="020302"/>
-                </a:solidFill>
-                <a:uFill>
-                  <a:solidFill>
-                    <a:srgbClr val="020302"/>
-                  </a:solidFill>
-                </a:uFill>
-                <a:latin typeface="Adobe Clean"/>
-                <a:cs typeface="Adobe Clean"/>
-              </a:rPr>
-              <a:t>e</a:t>
-            </a:r>
-            <a:endParaRPr sz="1400" dirty="0">
-              <a:latin typeface="Adobe Clean"/>
-              <a:cs typeface="Adobe Clean"/>
-            </a:endParaRPr>
+              <a:t>サービスレベルターゲット：初期対応</a:t>
+            </a:r>
           </a:p>
         </p:txBody>
       </p:sp>
@@ -2965,14 +2430,14 @@
           <p:nvPr>
             <p:extLst>
               <p:ext uri="{D42A27DB-BD31-4B8C-83A1-F6EECF244321}">
-                <p14:modId xmlns:p14="http://schemas.microsoft.com/office/powerpoint/2010/main" val="101721845"/>
+                <p14:modId xmlns:p14="http://schemas.microsoft.com/office/powerpoint/2010/main" val="2962279747"/>
               </p:ext>
             </p:extLst>
           </p:nvPr>
         </p:nvGraphicFramePr>
         <p:xfrm>
-          <a:off x="145668" y="7473158"/>
-          <a:ext cx="7409815" cy="2259721"/>
+          <a:off x="145668" y="7391400"/>
+          <a:ext cx="7409815" cy="2202176"/>
         </p:xfrm>
         <a:graphic>
           <a:graphicData uri="http://schemas.openxmlformats.org/drawingml/2006/table">
@@ -3018,19 +2483,16 @@
                         </a:spcBef>
                       </a:pPr>
                       <a:r>
-                        <a:rPr sz="900" spc="0" dirty="0">
+                        <a:rPr lang="ja-JP" sz="900" dirty="0">
                           <a:solidFill>
                             <a:srgbClr val="020302"/>
                           </a:solidFill>
-                          <a:latin typeface="Adobe Clean"/>
+                          <a:latin typeface="Adobe Clean Han Regular" panose="020B0500000000000000" pitchFamily="34" charset="-128"/>
+                          <a:ea typeface="Adobe Clean Han Regular" panose="020B0500000000000000" pitchFamily="34" charset="-128"/>
                           <a:cs typeface="Adobe Clean"/>
                         </a:rPr>
-                        <a:t>Priority</a:t>
+                        <a:t>優先度</a:t>
                       </a:r>
-                      <a:endParaRPr sz="900" spc="0" dirty="0">
-                        <a:latin typeface="Adobe Clean"/>
-                        <a:cs typeface="Adobe Clean"/>
-                      </a:endParaRPr>
                     </a:p>
                   </a:txBody>
                   <a:tcPr marL="0" marR="0" marT="5715" marB="0" anchor="ctr">
@@ -3068,7 +2530,7 @@
                     <a:bodyPr/>
                     <a:lstStyle/>
                     <a:p>
-                      <a:pPr marL="382905" algn="l">
+                      <a:pPr marL="114300" indent="57150" algn="l">
                         <a:lnSpc>
                           <a:spcPct val="100000"/>
                         </a:lnSpc>
@@ -3077,39 +2539,16 @@
                         </a:spcBef>
                       </a:pPr>
                       <a:r>
-                        <a:rPr sz="900" spc="0" dirty="0">
+                        <a:rPr lang="ja-JP" sz="900" dirty="0">
                           <a:solidFill>
                             <a:srgbClr val="020302"/>
                           </a:solidFill>
-                          <a:latin typeface="Adobe Clean"/>
+                          <a:latin typeface="Adobe Clean Han Regular" panose="020B0500000000000000" pitchFamily="34" charset="-128"/>
+                          <a:ea typeface="Adobe Clean Han Regular" panose="020B0500000000000000" pitchFamily="34" charset="-128"/>
                           <a:cs typeface="Adobe Clean"/>
                         </a:rPr>
-                        <a:t>Online</a:t>
+                        <a:t>オンラインサポート</a:t>
                       </a:r>
-                      <a:r>
-                        <a:rPr lang="en-US" sz="900" spc="0" dirty="0">
-                          <a:solidFill>
-                            <a:srgbClr val="020302"/>
-                          </a:solidFill>
-                          <a:latin typeface="Adobe Clean"/>
-                          <a:cs typeface="Adobe Clean"/>
-                        </a:rPr>
-                        <a:t> </a:t>
-                      </a:r>
-                      <a:r>
-                        <a:rPr sz="900" spc="0" dirty="0">
-                          <a:solidFill>
-                            <a:srgbClr val="020302"/>
-                          </a:solidFill>
-                          <a:latin typeface="Adobe Clean"/>
-                          <a:cs typeface="Adobe Clean"/>
-                        </a:rPr>
-                        <a:t> Support</a:t>
-                      </a:r>
-                      <a:endParaRPr sz="900" spc="0" dirty="0">
-                        <a:latin typeface="Adobe Clean"/>
-                        <a:cs typeface="Adobe Clean"/>
-                      </a:endParaRPr>
                     </a:p>
                   </a:txBody>
                   <a:tcPr marL="0" marR="0" marT="5715" marB="0" anchor="ctr">
@@ -3159,39 +2598,16 @@
                         </a:spcBef>
                       </a:pPr>
                       <a:r>
-                        <a:rPr sz="900" spc="0" dirty="0">
+                        <a:rPr lang="ja-JP" sz="900">
                           <a:solidFill>
                             <a:srgbClr val="FFFFFF"/>
                           </a:solidFill>
-                          <a:latin typeface="Adobe Clean"/>
+                          <a:latin typeface="Adobe Clean Han Regular" panose="020B0500000000000000" pitchFamily="34" charset="-128"/>
+                          <a:ea typeface="Adobe Clean Han Regular" panose="020B0500000000000000" pitchFamily="34" charset="-128"/>
                           <a:cs typeface="Adobe Clean"/>
                         </a:rPr>
-                        <a:t>Elite </a:t>
+                        <a:t>エリートサポート</a:t>
                       </a:r>
-                      <a:r>
-                        <a:rPr lang="en-US" sz="900" spc="0" dirty="0">
-                          <a:solidFill>
-                            <a:srgbClr val="FFFFFF"/>
-                          </a:solidFill>
-                          <a:latin typeface="Adobe Clean"/>
-                          <a:cs typeface="Adobe Clean"/>
-                        </a:rPr>
-                        <a:t> </a:t>
-                      </a:r>
-                      <a:r>
-                        <a:rPr sz="900" spc="0" dirty="0">
-                          <a:solidFill>
-                            <a:srgbClr val="FFFFFF"/>
-                          </a:solidFill>
-                          <a:latin typeface="Adobe Clean"/>
-                          <a:cs typeface="Adobe Clean"/>
-                        </a:rPr>
-                        <a:t>Support</a:t>
-                      </a:r>
-                      <a:endParaRPr sz="900" spc="0" dirty="0">
-                        <a:latin typeface="Adobe Clean"/>
-                        <a:cs typeface="Adobe Clean"/>
-                      </a:endParaRPr>
                     </a:p>
                   </a:txBody>
                   <a:tcPr marL="0" marR="0" marT="8255" marB="0" anchor="ctr">
@@ -3248,19 +2664,16 @@
                         </a:spcBef>
                       </a:pPr>
                       <a:r>
-                        <a:rPr sz="900" b="1" spc="0" dirty="0">
+                        <a:rPr lang="ja-JP" sz="900" b="1" dirty="0">
                           <a:solidFill>
                             <a:srgbClr val="020302"/>
                           </a:solidFill>
-                          <a:latin typeface="Adobe Clean"/>
+                          <a:latin typeface="Adobe Clean Han Regular" panose="020B0500000000000000" pitchFamily="34" charset="-128"/>
+                          <a:ea typeface="Adobe Clean Han Regular" panose="020B0500000000000000" pitchFamily="34" charset="-128"/>
                           <a:cs typeface="Adobe Clean"/>
                         </a:rPr>
-                        <a:t>PRIORITY 1</a:t>
+                        <a:t>優先度 1</a:t>
                       </a:r>
-                      <a:endParaRPr sz="900" spc="0" dirty="0">
-                        <a:latin typeface="Adobe Clean"/>
-                        <a:cs typeface="Adobe Clean"/>
-                      </a:endParaRPr>
                     </a:p>
                     <a:p>
                       <a:pPr marL="50165" marR="495934" algn="l">
@@ -3272,19 +2685,15 @@
                         </a:spcBef>
                       </a:pPr>
                       <a:r>
-                        <a:rPr lang="en-US" sz="900" b="0" i="0" u="none" strike="noStrike" spc="0" dirty="0">
+                        <a:rPr lang="ja-JP" sz="900" b="0" i="0" u="none" strike="noStrike" dirty="0">
                           <a:solidFill>
                             <a:srgbClr val="000000"/>
                           </a:solidFill>
-                          <a:effectLst/>
-                          <a:latin typeface="Adobe Clean Light" panose="020B0303020404020204" pitchFamily="34" charset="0"/>
+                          <a:latin typeface="Adobe Clean Han Regular" panose="020B0500000000000000" pitchFamily="34" charset="-128"/>
+                          <a:ea typeface="Adobe Clean Han Regular" panose="020B0500000000000000" pitchFamily="34" charset="-128"/>
                         </a:rPr>
-                        <a:t>Customer's production business functions are down or have significant data loss or service degradation and immediate attention is required to restore functionality and usability</a:t>
+                        <a:t>お客様の本番業務機能がダウンしている、または著しいデータ損失やサービス低下があり、機能およびユーザビリティを復元するための早急な処置が必要。</a:t>
                       </a:r>
-                      <a:endParaRPr sz="900" spc="0" dirty="0">
-                        <a:latin typeface="AdobeClean-Light"/>
-                        <a:cs typeface="AdobeClean-Light"/>
-                      </a:endParaRPr>
                     </a:p>
                   </a:txBody>
                   <a:tcPr marL="0" marR="0" marT="0" marB="0" anchor="ctr">
@@ -3322,85 +2731,22 @@
                     <a:bodyPr/>
                     <a:lstStyle/>
                     <a:p>
-                      <a:pPr marL="542925" marR="492125" algn="l">
+                      <a:pPr marL="228600" marR="492125" indent="0" algn="l">
                         <a:lnSpc>
                           <a:spcPct val="102200"/>
                         </a:lnSpc>
                       </a:pPr>
                       <a:r>
-                        <a:rPr sz="900" spc="0" dirty="0">
+                        <a:rPr lang="ja-JP" sz="900" dirty="0">
                           <a:solidFill>
                             <a:srgbClr val="020302"/>
                           </a:solidFill>
-                          <a:latin typeface="AdobeClean-Light"/>
+                          <a:latin typeface="Adobe Clean Han Regular" panose="020B0500000000000000" pitchFamily="34" charset="-128"/>
+                          <a:ea typeface="Adobe Clean Han Regular" panose="020B0500000000000000" pitchFamily="34" charset="-128"/>
                           <a:cs typeface="AdobeClean-Light"/>
                         </a:rPr>
-                        <a:t>24x7</a:t>
+                        <a:t>24 時間年中無休／1 時間</a:t>
                       </a:r>
-                      <a:r>
-                        <a:rPr lang="en-US" sz="900" spc="0" dirty="0">
-                          <a:solidFill>
-                            <a:srgbClr val="020302"/>
-                          </a:solidFill>
-                          <a:latin typeface="AdobeClean-Light"/>
-                          <a:cs typeface="AdobeClean-Light"/>
-                        </a:rPr>
-                        <a:t> </a:t>
-                      </a:r>
-                      <a:r>
-                        <a:rPr sz="900" spc="0" dirty="0">
-                          <a:solidFill>
-                            <a:srgbClr val="020302"/>
-                          </a:solidFill>
-                          <a:latin typeface="AdobeClean-Light"/>
-                          <a:cs typeface="AdobeClean-Light"/>
-                        </a:rPr>
-                        <a:t>/</a:t>
-                      </a:r>
-                      <a:r>
-                        <a:rPr lang="en-US" sz="900" spc="0" dirty="0">
-                          <a:solidFill>
-                            <a:srgbClr val="020302"/>
-                          </a:solidFill>
-                          <a:latin typeface="AdobeClean-Light"/>
-                          <a:cs typeface="AdobeClean-Light"/>
-                        </a:rPr>
-                        <a:t>         </a:t>
-                      </a:r>
-                      <a:r>
-                        <a:rPr sz="900" spc="0" dirty="0">
-                          <a:solidFill>
-                            <a:srgbClr val="020302"/>
-                          </a:solidFill>
-                          <a:latin typeface="AdobeClean-Light"/>
-                          <a:cs typeface="AdobeClean-Light"/>
-                        </a:rPr>
-                        <a:t>  1</a:t>
-                      </a:r>
-                      <a:r>
-                        <a:rPr lang="en-US" sz="900" spc="0" dirty="0">
-                          <a:solidFill>
-                            <a:srgbClr val="020302"/>
-                          </a:solidFill>
-                          <a:latin typeface="AdobeClean-Light"/>
-                          <a:cs typeface="AdobeClean-Light"/>
-                        </a:rPr>
-                        <a:t> </a:t>
-                      </a:r>
-                      <a:r>
-                        <a:rPr sz="900" spc="0" dirty="0">
-                          <a:solidFill>
-                            <a:srgbClr val="020302"/>
-                          </a:solidFill>
-                          <a:latin typeface="AdobeClean-Light"/>
-                          <a:cs typeface="AdobeClean-Light"/>
-                        </a:rPr>
-                        <a:t>hour</a:t>
-                      </a:r>
-                      <a:endParaRPr sz="900" spc="0" dirty="0">
-                        <a:latin typeface="AdobeClean-Light"/>
-                        <a:cs typeface="AdobeClean-Light"/>
-                      </a:endParaRPr>
                     </a:p>
                   </a:txBody>
                   <a:tcPr marL="0" marR="0" marT="0" marB="0" anchor="ctr">
@@ -3438,75 +2784,22 @@
                     <a:bodyPr/>
                     <a:lstStyle/>
                     <a:p>
-                      <a:pPr marL="405130" marR="459740" indent="92710" algn="l">
+                      <a:pPr marL="285750" marR="459740" indent="0" algn="l">
                         <a:lnSpc>
                           <a:spcPct val="100000"/>
                         </a:lnSpc>
                       </a:pPr>
                       <a:r>
-                        <a:rPr lang="en-US" sz="900" spc="0" dirty="0">
+                        <a:rPr lang="ja-JP" sz="900" dirty="0">
                           <a:solidFill>
                             <a:srgbClr val="020302"/>
                           </a:solidFill>
-                          <a:latin typeface="AdobeClean-Light"/>
+                          <a:latin typeface="Adobe Clean Han Regular" panose="020B0500000000000000" pitchFamily="34" charset="-128"/>
+                          <a:ea typeface="Adobe Clean Han Regular" panose="020B0500000000000000" pitchFamily="34" charset="-128"/>
                           <a:cs typeface="AdobeClean-Light"/>
                         </a:rPr>
-                        <a:t>2</a:t>
+                        <a:t>24 時間年中無休／15 分</a:t>
                       </a:r>
-                      <a:r>
-                        <a:rPr sz="900" spc="0" dirty="0">
-                          <a:solidFill>
-                            <a:srgbClr val="020302"/>
-                          </a:solidFill>
-                          <a:latin typeface="AdobeClean-Light"/>
-                          <a:cs typeface="AdobeClean-Light"/>
-                        </a:rPr>
-                        <a:t>4x7 / </a:t>
-                      </a:r>
-                      <a:r>
-                        <a:rPr lang="en-US" sz="900" spc="0" dirty="0">
-                          <a:solidFill>
-                            <a:srgbClr val="020302"/>
-                          </a:solidFill>
-                          <a:latin typeface="AdobeClean-Light"/>
-                          <a:cs typeface="AdobeClean-Light"/>
-                        </a:rPr>
-                        <a:t> </a:t>
-                      </a:r>
-                      <a:r>
-                        <a:rPr sz="900" spc="0" dirty="0">
-                          <a:solidFill>
-                            <a:srgbClr val="020302"/>
-                          </a:solidFill>
-                          <a:latin typeface="AdobeClean-Light"/>
-                          <a:cs typeface="AdobeClean-Light"/>
-                        </a:rPr>
-                        <a:t> 15</a:t>
-                      </a:r>
-                      <a:r>
-                        <a:rPr lang="en-US" sz="900" spc="0" dirty="0">
-                          <a:solidFill>
-                            <a:srgbClr val="020302"/>
-                          </a:solidFill>
-                          <a:latin typeface="AdobeClean-Light"/>
-                          <a:cs typeface="AdobeClean-Light"/>
-                        </a:rPr>
-                        <a:t> </a:t>
-                      </a:r>
-                      <a:r>
-                        <a:rPr sz="900" spc="0" dirty="0">
-                          <a:solidFill>
-                            <a:srgbClr val="020302"/>
-                          </a:solidFill>
-                          <a:latin typeface="AdobeClean-Light"/>
-                          <a:cs typeface="AdobeClean-Light"/>
-                        </a:rPr>
-                        <a:t>minutes</a:t>
-                      </a:r>
-                      <a:endParaRPr sz="900" spc="0" dirty="0">
-                        <a:latin typeface="AdobeClean-Light"/>
-                        <a:cs typeface="AdobeClean-Light"/>
-                      </a:endParaRPr>
                     </a:p>
                   </a:txBody>
                   <a:tcPr marL="0" marR="0" marT="2540" marB="0" anchor="ctr">
@@ -3568,19 +2861,16 @@
                         </a:spcBef>
                       </a:pPr>
                       <a:r>
-                        <a:rPr sz="900" b="1" spc="0" dirty="0">
+                        <a:rPr lang="ja-JP" sz="900" b="1" dirty="0">
                           <a:solidFill>
                             <a:srgbClr val="020302"/>
                           </a:solidFill>
-                          <a:latin typeface="Adobe Clean"/>
+                          <a:latin typeface="Adobe Clean Han Regular" panose="020B0500000000000000" pitchFamily="34" charset="-128"/>
+                          <a:ea typeface="Adobe Clean Han Regular" panose="020B0500000000000000" pitchFamily="34" charset="-128"/>
                           <a:cs typeface="Adobe Clean"/>
                         </a:rPr>
-                        <a:t>PRIORITY 2</a:t>
+                        <a:t>優先度 2</a:t>
                       </a:r>
-                      <a:endParaRPr sz="900" spc="0" dirty="0">
-                        <a:latin typeface="Adobe Clean"/>
-                        <a:cs typeface="Adobe Clean"/>
-                      </a:endParaRPr>
                     </a:p>
                     <a:p>
                       <a:pPr marL="49530" marR="719455" algn="l">
@@ -3592,19 +2882,15 @@
                         </a:spcBef>
                       </a:pPr>
                       <a:r>
-                        <a:rPr lang="en-US" sz="900" b="0" i="0" u="none" strike="noStrike" spc="0" dirty="0">
+                        <a:rPr lang="ja-JP" sz="900" b="0" i="0" u="none" strike="noStrike" dirty="0">
                           <a:solidFill>
                             <a:srgbClr val="000000"/>
                           </a:solidFill>
-                          <a:effectLst/>
-                          <a:latin typeface="Adobe Clean Light" panose="020B0303020404020204" pitchFamily="34" charset="0"/>
+                          <a:latin typeface="Adobe Clean Han Regular" panose="020B0500000000000000" pitchFamily="34" charset="-128"/>
+                          <a:ea typeface="Adobe Clean Han Regular" panose="020B0500000000000000" pitchFamily="34" charset="-128"/>
                         </a:rPr>
-                        <a:t>Customer's business functions have major service degradation or potential data loss, or a major feature is impacted</a:t>
+                        <a:t>お客様の業務機能に重大なサービス低下や潜在的なデータ損失があるか、主な機能が影響を受けている。</a:t>
                       </a:r>
-                      <a:endParaRPr sz="900" spc="0" dirty="0">
-                        <a:latin typeface="AdobeClean-Light"/>
-                        <a:cs typeface="AdobeClean-Light"/>
-                      </a:endParaRPr>
                     </a:p>
                   </a:txBody>
                   <a:tcPr marL="0" marR="0" marT="0" marB="0" anchor="ctr">
@@ -3648,59 +2934,37 @@
                         </a:lnSpc>
                       </a:pPr>
                       <a:r>
-                        <a:rPr sz="900" spc="0" dirty="0">
+                        <a:rPr lang="ja-JP" sz="900" dirty="0">
                           <a:solidFill>
                             <a:srgbClr val="020302"/>
                           </a:solidFill>
-                          <a:latin typeface="AdobeClean-Light"/>
+                          <a:latin typeface="Adobe Clean Han Regular" panose="020B0500000000000000" pitchFamily="34" charset="-128"/>
+                          <a:ea typeface="Adobe Clean Han Regular" panose="020B0500000000000000" pitchFamily="34" charset="-128"/>
                           <a:cs typeface="AdobeClean-Light"/>
                         </a:rPr>
-                        <a:t>Business hours</a:t>
+                        <a:t>営業時間／</a:t>
                       </a:r>
-                      <a:r>
-                        <a:rPr lang="en-US" sz="900" spc="0" dirty="0">
+                      <a:br>
+                        <a:rPr lang="sk-SK" altLang="ja-JP" sz="900" dirty="0">
                           <a:solidFill>
                             <a:srgbClr val="020302"/>
                           </a:solidFill>
-                          <a:latin typeface="AdobeClean-Light"/>
+                          <a:latin typeface="Adobe Clean Han Regular" panose="020B0500000000000000" pitchFamily="34" charset="-128"/>
+                          <a:ea typeface="Adobe Clean Han Regular" panose="020B0500000000000000" pitchFamily="34" charset="-128"/>
                           <a:cs typeface="AdobeClean-Light"/>
                         </a:rPr>
-                        <a:t> </a:t>
-                      </a:r>
+                      </a:br>
                       <a:r>
-                        <a:rPr sz="900" spc="0" dirty="0">
+                        <a:rPr lang="ja-JP" sz="900" dirty="0">
                           <a:solidFill>
                             <a:srgbClr val="020302"/>
                           </a:solidFill>
-                          <a:latin typeface="AdobeClean-Light"/>
+                          <a:latin typeface="Adobe Clean Han Regular" panose="020B0500000000000000" pitchFamily="34" charset="-128"/>
+                          <a:ea typeface="Adobe Clean Han Regular" panose="020B0500000000000000" pitchFamily="34" charset="-128"/>
                           <a:cs typeface="AdobeClean-Light"/>
                         </a:rPr>
-                        <a:t>/  </a:t>
+                        <a:t>4 時間</a:t>
                       </a:r>
-                      <a:r>
-                        <a:rPr lang="en-US" sz="900" spc="0" dirty="0">
-                          <a:solidFill>
-                            <a:srgbClr val="020302"/>
-                          </a:solidFill>
-                          <a:latin typeface="AdobeClean-Light"/>
-                          <a:cs typeface="AdobeClean-Light"/>
-                        </a:rPr>
-                        <a:t>     </a:t>
-                      </a:r>
-                      <a:r>
-                        <a:rPr sz="900" spc="0" dirty="0">
-                          <a:solidFill>
-                            <a:srgbClr val="020302"/>
-                          </a:solidFill>
-                          <a:latin typeface="AdobeClean-Light"/>
-                          <a:cs typeface="AdobeClean-Light"/>
-                        </a:rPr>
-                        <a:t>4 hours</a:t>
-                      </a:r>
-                      <a:endParaRPr sz="900" spc="0" dirty="0">
-                        <a:latin typeface="AdobeClean-Light"/>
-                        <a:cs typeface="AdobeClean-Light"/>
-                      </a:endParaRPr>
                     </a:p>
                   </a:txBody>
                   <a:tcPr marL="0" marR="0" marT="0" marB="0" anchor="ctr">
@@ -3735,45 +2999,22 @@
                     <a:bodyPr/>
                     <a:lstStyle/>
                     <a:p>
-                      <a:pPr marL="351790" marR="481330" indent="144145" algn="l">
+                      <a:pPr marL="350838" marR="481330" indent="-65088" algn="l">
                         <a:lnSpc>
                           <a:spcPct val="102299"/>
                         </a:lnSpc>
                       </a:pPr>
                       <a:r>
-                        <a:rPr sz="900" spc="0" dirty="0">
+                        <a:rPr lang="ja-JP" sz="900" dirty="0">
                           <a:solidFill>
                             <a:srgbClr val="020302"/>
                           </a:solidFill>
-                          <a:latin typeface="AdobeClean-Light"/>
+                          <a:latin typeface="Adobe Clean Han Regular" panose="020B0500000000000000" pitchFamily="34" charset="-128"/>
+                          <a:ea typeface="Adobe Clean Han Regular" panose="020B0500000000000000" pitchFamily="34" charset="-128"/>
                           <a:cs typeface="AdobeClean-Light"/>
                         </a:rPr>
-                        <a:t>24x5 /  30</a:t>
+                        <a:t>24 時間週 5 日／30 分</a:t>
                       </a:r>
-                      <a:r>
-                        <a:rPr lang="en-US" sz="900" spc="0" dirty="0">
-                          <a:solidFill>
-                            <a:srgbClr val="020302"/>
-                          </a:solidFill>
-                          <a:latin typeface="AdobeClean-Light"/>
-                          <a:cs typeface="AdobeClean-Light"/>
-                        </a:rPr>
-                        <a:t> m</a:t>
-                      </a:r>
-                      <a:r>
-                        <a:rPr sz="900" spc="0" dirty="0">
-                          <a:solidFill>
-                            <a:srgbClr val="020302"/>
-                          </a:solidFill>
-                          <a:latin typeface="AdobeClean-Light"/>
-                          <a:cs typeface="AdobeClean-Light"/>
-                        </a:rPr>
-                        <a:t>inutes</a:t>
-                      </a:r>
-                      <a:endParaRPr sz="900" spc="0" dirty="0">
-                        <a:latin typeface="AdobeClean-Light"/>
-                        <a:cs typeface="AdobeClean-Light"/>
-                      </a:endParaRPr>
                     </a:p>
                   </a:txBody>
                   <a:tcPr marL="0" marR="0" marT="5080" marB="0" anchor="ctr">
@@ -3832,19 +3073,16 @@
                         </a:spcBef>
                       </a:pPr>
                       <a:r>
-                        <a:rPr sz="900" b="1" spc="0" dirty="0">
+                        <a:rPr lang="ja-JP" sz="900" b="1">
                           <a:solidFill>
                             <a:srgbClr val="020302"/>
                           </a:solidFill>
-                          <a:latin typeface="Adobe Clean"/>
+                          <a:latin typeface="Adobe Clean Han Regular" panose="020B0500000000000000" pitchFamily="34" charset="-128"/>
+                          <a:ea typeface="Adobe Clean Han Regular" panose="020B0500000000000000" pitchFamily="34" charset="-128"/>
                           <a:cs typeface="Adobe Clean"/>
                         </a:rPr>
-                        <a:t>PRIORITY 3</a:t>
+                        <a:t>優先度 3</a:t>
                       </a:r>
-                      <a:endParaRPr sz="900" spc="0" dirty="0">
-                        <a:latin typeface="Adobe Clean"/>
-                        <a:cs typeface="Adobe Clean"/>
-                      </a:endParaRPr>
                     </a:p>
                     <a:p>
                       <a:pPr marL="48895" marR="387985" indent="-2540" algn="l">
@@ -3856,19 +3094,15 @@
                         </a:spcBef>
                       </a:pPr>
                       <a:r>
-                        <a:rPr lang="en-US" sz="900" b="0" i="0" u="none" strike="noStrike" spc="0" dirty="0">
+                        <a:rPr lang="ja-JP" sz="900" b="0" i="0" u="none" strike="noStrike">
                           <a:solidFill>
                             <a:srgbClr val="000000"/>
                           </a:solidFill>
-                          <a:effectLst/>
-                          <a:latin typeface="Adobe Clean Light" panose="020B0303020404020204" pitchFamily="34" charset="0"/>
+                          <a:latin typeface="Adobe Clean Han Regular" panose="020B0500000000000000" pitchFamily="34" charset="-128"/>
+                          <a:ea typeface="Adobe Clean Han Regular" panose="020B0500000000000000" pitchFamily="34" charset="-128"/>
                         </a:rPr>
-                        <a:t>Customer’s business functions has minor to no service degradation but there exists a solution/workaround allowing business functions to continue normally</a:t>
+                        <a:t>お客様の業務機能に軽微なサービス低下があるが、業務機能を正常に続行できるソリューション／回避策が存在する。</a:t>
                       </a:r>
-                      <a:endParaRPr sz="900" spc="0" dirty="0">
-                        <a:latin typeface="AdobeClean-Light"/>
-                        <a:cs typeface="AdobeClean-Light"/>
-                      </a:endParaRPr>
                     </a:p>
                   </a:txBody>
                   <a:tcPr marL="0" marR="0" marT="0" marB="0" anchor="ctr">
@@ -3912,19 +3146,37 @@
                         </a:lnSpc>
                       </a:pPr>
                       <a:r>
-                        <a:rPr lang="en-US" sz="900" spc="0" dirty="0">
+                        <a:rPr lang="ja-JP" sz="900" dirty="0">
                           <a:solidFill>
                             <a:srgbClr val="020302"/>
                           </a:solidFill>
-                          <a:latin typeface="AdobeClean-Light"/>
+                          <a:latin typeface="Adobe Clean Han Regular" panose="020B0500000000000000" pitchFamily="34" charset="-128"/>
+                          <a:ea typeface="Adobe Clean Han Regular" panose="020B0500000000000000" pitchFamily="34" charset="-128"/>
                           <a:cs typeface="AdobeClean-Light"/>
                         </a:rPr>
-                        <a:t>Business hours /       6 hours</a:t>
+                        <a:t>営業時間／</a:t>
                       </a:r>
-                      <a:endParaRPr lang="en-US" sz="900" spc="0" dirty="0">
-                        <a:latin typeface="AdobeClean-Light"/>
-                        <a:cs typeface="AdobeClean-Light"/>
-                      </a:endParaRPr>
+                      <a:br>
+                        <a:rPr lang="sk-SK" altLang="ja-JP" sz="900" dirty="0">
+                          <a:solidFill>
+                            <a:srgbClr val="020302"/>
+                          </a:solidFill>
+                          <a:latin typeface="Adobe Clean Han Regular" panose="020B0500000000000000" pitchFamily="34" charset="-128"/>
+                          <a:ea typeface="Adobe Clean Han Regular" panose="020B0500000000000000" pitchFamily="34" charset="-128"/>
+                          <a:cs typeface="AdobeClean-Light"/>
+                        </a:rPr>
+                      </a:br>
+                      <a:r>
+                        <a:rPr lang="ja-JP" sz="900" dirty="0">
+                          <a:solidFill>
+                            <a:srgbClr val="020302"/>
+                          </a:solidFill>
+                          <a:latin typeface="Adobe Clean Han Regular" panose="020B0500000000000000" pitchFamily="34" charset="-128"/>
+                          <a:ea typeface="Adobe Clean Han Regular" panose="020B0500000000000000" pitchFamily="34" charset="-128"/>
+                          <a:cs typeface="AdobeClean-Light"/>
+                        </a:rPr>
+                        <a:t>6 時間</a:t>
+                      </a:r>
                     </a:p>
                   </a:txBody>
                   <a:tcPr marL="0" marR="0" marT="0" marB="0" anchor="ctr">
@@ -3959,54 +3211,32 @@
                     <a:bodyPr/>
                     <a:lstStyle/>
                     <a:p>
-                      <a:pPr marL="508000" marR="531495" indent="1270" algn="l">
+                      <a:pPr marL="285750" marR="531495" indent="-57150" algn="l">
                         <a:lnSpc>
                           <a:spcPct val="102200"/>
                         </a:lnSpc>
                       </a:pPr>
                       <a:r>
-                        <a:rPr lang="en-US" sz="900" spc="0" dirty="0">
+                        <a:rPr lang="ja-JP" sz="900" dirty="0">
                           <a:solidFill>
                             <a:srgbClr val="020302"/>
                           </a:solidFill>
-                          <a:latin typeface="AdobeClean-Light"/>
-                          <a:ea typeface="+mn-ea"/>
+                          <a:latin typeface="Adobe Clean Han Regular" panose="020B0500000000000000" pitchFamily="34" charset="-128"/>
+                          <a:ea typeface="Adobe Clean Han Regular" panose="020B0500000000000000" pitchFamily="34" charset="-128"/>
                           <a:cs typeface="Times New Roman"/>
                         </a:rPr>
-                        <a:t>2</a:t>
+                        <a:t>24 時間週 5 日</a:t>
                       </a:r>
                       <a:r>
-                        <a:rPr sz="900" spc="0" dirty="0">
+                        <a:rPr lang="ja-JP" sz="900" dirty="0">
                           <a:solidFill>
                             <a:srgbClr val="020302"/>
                           </a:solidFill>
-                          <a:latin typeface="AdobeClean-Light"/>
-                          <a:ea typeface="+mn-ea"/>
+                          <a:latin typeface="Adobe Clean Han Regular" panose="020B0500000000000000" pitchFamily="34" charset="-128"/>
+                          <a:ea typeface="Adobe Clean Han Regular" panose="020B0500000000000000" pitchFamily="34" charset="-128"/>
                           <a:cs typeface="AdobeClean-Light"/>
                         </a:rPr>
-                        <a:t>4x5/  </a:t>
-                      </a:r>
-                      <a:r>
-                        <a:rPr lang="en-US" sz="900" spc="0" dirty="0">
-                          <a:solidFill>
-                            <a:srgbClr val="020302"/>
-                          </a:solidFill>
-                          <a:latin typeface="AdobeClean-Light"/>
-                          <a:ea typeface="+mn-ea"/>
-                          <a:cs typeface="AdobeClean-Light"/>
-                        </a:rPr>
-                        <a:t> </a:t>
-                      </a:r>
-                      <a:r>
-                        <a:rPr sz="900" spc="0" dirty="0">
-                          <a:solidFill>
-                            <a:srgbClr val="020302"/>
-                          </a:solidFill>
-                          <a:latin typeface="AdobeClean-Light"/>
-                          <a:ea typeface="+mn-ea"/>
-                          <a:cs typeface="AdobeClean-Light"/>
-                        </a:rPr>
-                        <a:t>1 hour</a:t>
+                        <a:t>／1 時間</a:t>
                       </a:r>
                     </a:p>
                   </a:txBody>
@@ -4066,19 +3296,16 @@
                         </a:spcBef>
                       </a:pPr>
                       <a:r>
-                        <a:rPr sz="900" b="1" spc="0" dirty="0">
+                        <a:rPr lang="ja-JP" sz="900" b="1" dirty="0">
                           <a:solidFill>
                             <a:srgbClr val="020302"/>
                           </a:solidFill>
-                          <a:latin typeface="Adobe Clean"/>
+                          <a:latin typeface="Adobe Clean Han Regular" panose="020B0500000000000000" pitchFamily="34" charset="-128"/>
+                          <a:ea typeface="Adobe Clean Han Regular" panose="020B0500000000000000" pitchFamily="34" charset="-128"/>
                           <a:cs typeface="Adobe Clean"/>
                         </a:rPr>
-                        <a:t>PRIORITY 4</a:t>
+                        <a:t>優先度 4</a:t>
                       </a:r>
-                      <a:endParaRPr sz="900" spc="0" dirty="0">
-                        <a:latin typeface="Adobe Clean"/>
-                        <a:cs typeface="Adobe Clean"/>
-                      </a:endParaRPr>
                     </a:p>
                     <a:p>
                       <a:pPr marL="62230" algn="l">
@@ -4090,19 +3317,15 @@
                         </a:spcBef>
                       </a:pPr>
                       <a:r>
-                        <a:rPr lang="en-US" sz="900" b="0" i="0" u="none" strike="noStrike" spc="0" dirty="0">
+                        <a:rPr lang="ja-JP" sz="900" b="0" i="0" u="none" strike="noStrike" dirty="0">
                           <a:solidFill>
                             <a:srgbClr val="000000"/>
                           </a:solidFill>
-                          <a:effectLst/>
-                          <a:latin typeface="Adobe Clean Light" panose="020B0303020404020204" pitchFamily="34" charset="0"/>
+                          <a:latin typeface="Adobe Clean Han Regular" panose="020B0500000000000000" pitchFamily="34" charset="-128"/>
+                          <a:ea typeface="Adobe Clean Han Regular" panose="020B0500000000000000" pitchFamily="34" charset="-128"/>
                         </a:rPr>
-                        <a:t>General question regarding current product functionality or an enhancement request</a:t>
+                        <a:t>現在の製品機能に関する一般的な質問または機能拡張のリクエスト。</a:t>
                       </a:r>
-                      <a:endParaRPr sz="900" spc="0" dirty="0">
-                        <a:latin typeface="AdobeClean-Light"/>
-                        <a:cs typeface="AdobeClean-Light"/>
-                      </a:endParaRPr>
                     </a:p>
                   </a:txBody>
                   <a:tcPr marL="0" marR="0" marT="0" marB="0" anchor="ctr">
@@ -4146,19 +3369,16 @@
                         </a:lnSpc>
                       </a:pPr>
                       <a:r>
-                        <a:rPr lang="en-US" sz="900" spc="0" dirty="0">
+                        <a:rPr lang="ja-JP" sz="900">
                           <a:solidFill>
                             <a:srgbClr val="020302"/>
                           </a:solidFill>
-                          <a:latin typeface="AdobeClean-Light"/>
+                          <a:latin typeface="Adobe Clean Han Regular" panose="020B0500000000000000" pitchFamily="34" charset="-128"/>
+                          <a:ea typeface="Adobe Clean Han Regular" panose="020B0500000000000000" pitchFamily="34" charset="-128"/>
                           <a:cs typeface="AdobeClean-Light"/>
                         </a:rPr>
-                        <a:t>Business days /       3 days</a:t>
+                        <a:t>営業日／3 日</a:t>
                       </a:r>
-                      <a:endParaRPr lang="en-US" sz="900" spc="0" dirty="0">
-                        <a:latin typeface="AdobeClean-Light"/>
-                        <a:cs typeface="AdobeClean-Light"/>
-                      </a:endParaRPr>
                     </a:p>
                   </a:txBody>
                   <a:tcPr marL="0" marR="0" marT="0" marB="0" anchor="ctr">
@@ -4199,19 +3419,16 @@
                         </a:lnSpc>
                       </a:pPr>
                       <a:r>
-                        <a:rPr lang="en-US" sz="900" spc="0" dirty="0">
+                        <a:rPr lang="ja-JP" sz="900" dirty="0">
                           <a:solidFill>
                             <a:srgbClr val="020302"/>
                           </a:solidFill>
-                          <a:latin typeface="AdobeClean-Light"/>
+                          <a:latin typeface="Adobe Clean Han Regular" panose="020B0500000000000000" pitchFamily="34" charset="-128"/>
+                          <a:ea typeface="Adobe Clean Han Regular" panose="020B0500000000000000" pitchFamily="34" charset="-128"/>
                           <a:cs typeface="AdobeClean-Light"/>
                         </a:rPr>
-                        <a:t>Business days /       1 day</a:t>
+                        <a:t>営業日／1 日</a:t>
                       </a:r>
-                      <a:endParaRPr lang="en-US" sz="900" spc="0" dirty="0">
-                        <a:latin typeface="AdobeClean-Light"/>
-                        <a:cs typeface="AdobeClean-Light"/>
-                      </a:endParaRPr>
                     </a:p>
                   </a:txBody>
                   <a:tcPr marL="0" marR="0" marT="27940" marB="0" anchor="ctr">
@@ -4289,8 +3506,8 @@
         </p:nvSpPr>
         <p:spPr>
           <a:xfrm>
-            <a:off x="97787" y="9888626"/>
-            <a:ext cx="2202180" cy="149860"/>
+            <a:off x="97786" y="9888626"/>
+            <a:ext cx="2569213" cy="133370"/>
           </a:xfrm>
           <a:prstGeom prst="rect">
             <a:avLst/>
@@ -4311,99 +3528,16 @@
               </a:spcBef>
             </a:pPr>
             <a:r>
-              <a:rPr sz="800" spc="-15" dirty="0">
+              <a:rPr lang="ja-JP" sz="800" dirty="0">
                 <a:solidFill>
                   <a:srgbClr val="6D6D6D"/>
                 </a:solidFill>
-                <a:latin typeface="Adobe Clean"/>
+                <a:latin typeface="Adobe Clean Han Regular" panose="020B0500000000000000" pitchFamily="34" charset="-128"/>
+                <a:ea typeface="Adobe Clean Han Regular" panose="020B0500000000000000" pitchFamily="34" charset="-128"/>
                 <a:cs typeface="Adobe Clean"/>
               </a:rPr>
-              <a:t>©2021 </a:t>
-            </a:r>
-            <a:r>
-              <a:rPr sz="800" spc="-5" dirty="0">
-                <a:solidFill>
-                  <a:srgbClr val="6D6D6D"/>
-                </a:solidFill>
-                <a:latin typeface="Adobe Clean"/>
-                <a:cs typeface="Adobe Clean"/>
-              </a:rPr>
-              <a:t>Adobe. All</a:t>
-            </a:r>
-            <a:r>
-              <a:rPr sz="800" spc="-15" dirty="0">
-                <a:solidFill>
-                  <a:srgbClr val="6D6D6D"/>
-                </a:solidFill>
-                <a:latin typeface="Adobe Clean"/>
-                <a:cs typeface="Adobe Clean"/>
-              </a:rPr>
-              <a:t> Rights</a:t>
-            </a:r>
-            <a:r>
-              <a:rPr sz="800" spc="-5" dirty="0">
-                <a:solidFill>
-                  <a:srgbClr val="6D6D6D"/>
-                </a:solidFill>
-                <a:latin typeface="Adobe Clean"/>
-                <a:cs typeface="Adobe Clean"/>
-              </a:rPr>
-              <a:t> </a:t>
-            </a:r>
-            <a:r>
-              <a:rPr sz="800" spc="-15" dirty="0">
-                <a:solidFill>
-                  <a:srgbClr val="6D6D6D"/>
-                </a:solidFill>
-                <a:latin typeface="Adobe Clean"/>
-                <a:cs typeface="Adobe Clean"/>
-              </a:rPr>
-              <a:t>Reserved.</a:t>
-            </a:r>
-            <a:r>
-              <a:rPr sz="800" spc="-10" dirty="0">
-                <a:solidFill>
-                  <a:srgbClr val="6D6D6D"/>
-                </a:solidFill>
-                <a:latin typeface="Adobe Clean"/>
-                <a:cs typeface="Adobe Clean"/>
-              </a:rPr>
-              <a:t> </a:t>
-            </a:r>
-            <a:r>
-              <a:rPr sz="800" spc="-5" dirty="0">
-                <a:solidFill>
-                  <a:srgbClr val="6D6D6D"/>
-                </a:solidFill>
-                <a:latin typeface="Adobe Clean"/>
-                <a:cs typeface="Adobe Clean"/>
-              </a:rPr>
-              <a:t>Adobe</a:t>
-            </a:r>
-            <a:r>
-              <a:rPr sz="800" spc="65" dirty="0">
-                <a:solidFill>
-                  <a:srgbClr val="6D6D6D"/>
-                </a:solidFill>
-                <a:latin typeface="Adobe Clean"/>
-                <a:cs typeface="Adobe Clean"/>
-              </a:rPr>
-              <a:t> </a:t>
-            </a:r>
-            <a:r>
-              <a:rPr sz="800" spc="-15" dirty="0">
-                <a:solidFill>
-                  <a:srgbClr val="6D6D6D"/>
-                </a:solidFill>
-                <a:latin typeface="Adobe Clean"/>
-                <a:cs typeface="Adobe Clean"/>
-              </a:rPr>
-              <a:t>Confidential.</a:t>
-            </a:r>
-            <a:endParaRPr sz="800">
-              <a:latin typeface="Adobe Clean"/>
-              <a:cs typeface="Adobe Clean"/>
-            </a:endParaRPr>
+              <a:t>©2021 Adobe.All Rights Reserved.Adobe Confidential.</a:t>
+            </a:r>
           </a:p>
         </p:txBody>
       </p:sp>
@@ -4436,10 +3570,12 @@
           <a:lstStyle/>
           <a:p>
             <a:r>
-              <a:rPr lang="en-US" sz="700" i="1" dirty="0">
+              <a:rPr lang="ja-JP" sz="700" i="1">
                 <a:solidFill>
                   <a:schemeClr val="bg1"/>
                 </a:solidFill>
+                <a:latin typeface="Adobe Clean Han Regular" panose="020B0500000000000000" pitchFamily="34" charset="-128"/>
+                <a:ea typeface="Adobe Clean Han Regular" panose="020B0500000000000000" pitchFamily="34" charset="-128"/>
               </a:rPr>
               <a:t>Adobe Experience Cloud</a:t>
             </a:r>
@@ -4461,14 +3597,14 @@
           <p:nvPr>
             <p:extLst>
               <p:ext uri="{D42A27DB-BD31-4B8C-83A1-F6EECF244321}">
-                <p14:modId xmlns:p14="http://schemas.microsoft.com/office/powerpoint/2010/main" val="1734001763"/>
+                <p14:modId xmlns:p14="http://schemas.microsoft.com/office/powerpoint/2010/main" val="665969244"/>
               </p:ext>
             </p:extLst>
           </p:nvPr>
         </p:nvGraphicFramePr>
         <p:xfrm>
-          <a:off x="273550" y="2258474"/>
-          <a:ext cx="7281935" cy="4738570"/>
+          <a:off x="273550" y="2070493"/>
+          <a:ext cx="7281935" cy="4939907"/>
         </p:xfrm>
         <a:graphic>
           <a:graphicData uri="http://schemas.openxmlformats.org/drawingml/2006/table">
@@ -4512,7 +3648,10 @@
                     <a:bodyPr/>
                     <a:lstStyle/>
                     <a:p>
-                      <a:endParaRPr lang="en-US" dirty="0"/>
+                      <a:endParaRPr lang="en-US" dirty="0">
+                        <a:latin typeface="Adobe Clean Han Regular" panose="020B0500000000000000" pitchFamily="34" charset="-128"/>
+                        <a:ea typeface="Adobe Clean Han Regular" panose="020B0500000000000000" pitchFamily="34" charset="-128"/>
+                      </a:endParaRPr>
                     </a:p>
                   </a:txBody>
                   <a:tcPr/>
@@ -4550,39 +3689,16 @@
                         <a:defRPr/>
                       </a:pPr>
                       <a:r>
-                        <a:rPr lang="en-US" sz="900" spc="-20" dirty="0">
+                        <a:rPr lang="ja-JP" sz="900">
                           <a:solidFill>
                             <a:srgbClr val="404040"/>
                           </a:solidFill>
-                          <a:latin typeface="Adobe Clean"/>
+                          <a:latin typeface="Adobe Clean Han Regular" panose="020B0500000000000000" pitchFamily="34" charset="-128"/>
+                          <a:ea typeface="Adobe Clean Han Regular" panose="020B0500000000000000" pitchFamily="34" charset="-128"/>
                           <a:cs typeface="Adobe Clean"/>
                         </a:rPr>
-                        <a:t>Online </a:t>
+                        <a:t>オンラインサポート</a:t>
                       </a:r>
-                      <a:r>
-                        <a:rPr lang="en-US" sz="900" spc="-135" dirty="0">
-                          <a:solidFill>
-                            <a:srgbClr val="404040"/>
-                          </a:solidFill>
-                          <a:latin typeface="Adobe Clean"/>
-                          <a:cs typeface="Adobe Clean"/>
-                        </a:rPr>
-                        <a:t> </a:t>
-                      </a:r>
-                      <a:r>
-                        <a:rPr lang="en-US" sz="900" spc="-20" dirty="0">
-                          <a:solidFill>
-                            <a:srgbClr val="404040"/>
-                          </a:solidFill>
-                          <a:latin typeface="Adobe Clean"/>
-                          <a:cs typeface="Adobe Clean"/>
-                        </a:rPr>
-                        <a:t>Support</a:t>
-                      </a:r>
-                      <a:endParaRPr lang="en-US" sz="900" dirty="0">
-                        <a:latin typeface="Adobe Clean"/>
-                        <a:cs typeface="Adobe Clean"/>
-                      </a:endParaRPr>
                     </a:p>
                   </a:txBody>
                   <a:tcPr marL="0" marR="0" marT="7620" marB="0" anchor="ctr">
@@ -4623,29 +3739,16 @@
                         </a:spcBef>
                       </a:pPr>
                       <a:r>
-                        <a:rPr lang="en-US" sz="900" spc="-20" dirty="0">
+                        <a:rPr lang="ja-JP" sz="900">
                           <a:solidFill>
                             <a:srgbClr val="FFFFFF"/>
                           </a:solidFill>
-                          <a:latin typeface="Adobe Clean"/>
+                          <a:latin typeface="Adobe Clean Han Regular" panose="020B0500000000000000" pitchFamily="34" charset="-128"/>
+                          <a:ea typeface="Adobe Clean Han Regular" panose="020B0500000000000000" pitchFamily="34" charset="-128"/>
                           <a:cs typeface="Adobe Clean"/>
                         </a:rPr>
-                        <a:t>Elite </a:t>
+                        <a:t>エリートサポート</a:t>
                       </a:r>
-                      <a:r>
-                        <a:rPr sz="900" spc="-20" dirty="0">
-                          <a:solidFill>
-                            <a:srgbClr val="FFFFFF"/>
-                          </a:solidFill>
-                          <a:latin typeface="Adobe Clean"/>
-                          <a:cs typeface="Adobe Clean"/>
-                        </a:rPr>
-                        <a:t>Support</a:t>
-                      </a:r>
-                      <a:endParaRPr sz="900" dirty="0">
-                        <a:latin typeface="Adobe Clean"/>
-                        <a:cs typeface="Adobe Clean"/>
-                      </a:endParaRPr>
                     </a:p>
                   </a:txBody>
                   <a:tcPr marL="0" marR="0" marT="7620" marB="0" anchor="ctr">
@@ -4690,7 +3793,10 @@
                     <a:bodyPr/>
                     <a:lstStyle/>
                     <a:p>
-                      <a:endParaRPr lang="en-US" dirty="0"/>
+                      <a:endParaRPr lang="en-US" dirty="0">
+                        <a:latin typeface="Adobe Clean Han Regular" panose="020B0500000000000000" pitchFamily="34" charset="-128"/>
+                        <a:ea typeface="Adobe Clean Han Regular" panose="020B0500000000000000" pitchFamily="34" charset="-128"/>
+                      </a:endParaRPr>
                     </a:p>
                   </a:txBody>
                   <a:tcPr/>
@@ -4710,7 +3816,7 @@
                     <a:bodyPr/>
                     <a:lstStyle/>
                     <a:p>
-                      <a:pPr marL="0" marR="0" lvl="0" indent="0" algn="ctr" defTabSz="914400" eaLnBrk="1" fontAlgn="auto" latinLnBrk="0" hangingPunct="1">
+                      <a:pPr marL="0" marR="0" lvl="0" indent="0" algn="l" defTabSz="914400" rtl="0" eaLnBrk="1" fontAlgn="auto" latinLnBrk="0" hangingPunct="1">
                         <a:lnSpc>
                           <a:spcPct val="100000"/>
                         </a:lnSpc>
@@ -4731,7 +3837,8 @@
                         <a:solidFill>
                           <a:sysClr val="windowText" lastClr="000000"/>
                         </a:solidFill>
-                        <a:latin typeface="Adobe Clean Light" panose="020B0303020404020204" pitchFamily="34" charset="0"/>
+                        <a:latin typeface="Adobe Clean Han Regular" panose="020B0500000000000000" pitchFamily="34" charset="-128"/>
+                        <a:ea typeface="Adobe Clean Han Regular" panose="020B0500000000000000" pitchFamily="34" charset="-128"/>
                       </a:endParaRPr>
                     </a:p>
                   </a:txBody>
@@ -4791,13 +3898,14 @@
                         <a:defRPr/>
                       </a:pPr>
                       <a:r>
-                        <a:rPr lang="en-US" sz="800" i="1" dirty="0">
+                        <a:rPr lang="ja-JP" sz="800" i="1">
                           <a:solidFill>
                             <a:schemeClr val="bg1"/>
                           </a:solidFill>
-                          <a:latin typeface="Adobe Clean Light" panose="020B0303020404020204" pitchFamily="34" charset="0"/>
+                          <a:latin typeface="Adobe Clean Han Regular" panose="020B0500000000000000" pitchFamily="34" charset="-128"/>
+                          <a:ea typeface="Adobe Clean Han Regular" panose="020B0500000000000000" pitchFamily="34" charset="-128"/>
                         </a:rPr>
-                        <a:t>Paid Support ($)</a:t>
+                        <a:t>有償サポート（$）</a:t>
                       </a:r>
                     </a:p>
                   </a:txBody>
@@ -4861,22 +3969,16 @@
                         </a:spcBef>
                       </a:pPr>
                       <a:r>
-                        <a:rPr lang="en-US" sz="1000" b="1" i="0" spc="0" dirty="0">
+                        <a:rPr lang="ja-JP" sz="1000" b="1" i="0">
                           <a:solidFill>
                             <a:schemeClr val="bg1"/>
                           </a:solidFill>
-                          <a:latin typeface="Adobe Clean" panose="020B0503020404020204" pitchFamily="34" charset="0"/>
+                          <a:latin typeface="Adobe Clean Han Regular" panose="020B0500000000000000" pitchFamily="34" charset="-128"/>
+                          <a:ea typeface="Adobe Clean Han Regular" panose="020B0500000000000000" pitchFamily="34" charset="-128"/>
                           <a:cs typeface="AdobeClean-Light"/>
                         </a:rPr>
-                        <a:t>Assigned Experts</a:t>
+                        <a:t>担当エキスパート</a:t>
                       </a:r>
-                      <a:endParaRPr sz="1000" b="1" i="0" spc="0" dirty="0">
-                        <a:solidFill>
-                          <a:schemeClr val="bg1"/>
-                        </a:solidFill>
-                        <a:latin typeface="Adobe Clean" panose="020B0503020404020204" pitchFamily="34" charset="0"/>
-                        <a:cs typeface="AdobeClean-Light"/>
-                      </a:endParaRPr>
                     </a:p>
                   </a:txBody>
                   <a:tcPr marL="0" marR="0" marT="58419" marB="0" anchor="ctr">
@@ -4923,19 +4025,16 @@
                         </a:spcBef>
                       </a:pPr>
                       <a:r>
-                        <a:rPr sz="900" spc="0" dirty="0">
+                        <a:rPr lang="ja-JP" sz="900">
                           <a:solidFill>
                             <a:srgbClr val="020302"/>
                           </a:solidFill>
-                          <a:latin typeface="AdobeClean-Light"/>
+                          <a:latin typeface="Adobe Clean Han Regular" panose="020B0500000000000000" pitchFamily="34" charset="-128"/>
+                          <a:ea typeface="Adobe Clean Han Regular" panose="020B0500000000000000" pitchFamily="34" charset="-128"/>
                           <a:cs typeface="AdobeClean-Light"/>
                         </a:rPr>
-                        <a:t>Account Support Lead</a:t>
+                        <a:t>アカウントサポートリード</a:t>
                       </a:r>
-                      <a:endParaRPr sz="900" spc="0" dirty="0">
-                        <a:latin typeface="AdobeClean-Light"/>
-                        <a:cs typeface="AdobeClean-Light"/>
-                      </a:endParaRPr>
                     </a:p>
                   </a:txBody>
                   <a:tcPr marL="0" marR="0" marT="58419" marB="0">
@@ -4970,7 +4069,7 @@
                     <a:bodyPr/>
                     <a:lstStyle/>
                     <a:p>
-                      <a:pPr algn="ctr">
+                      <a:pPr algn="l" rtl="0">
                         <a:lnSpc>
                           <a:spcPct val="100000"/>
                         </a:lnSpc>
@@ -4979,7 +4078,8 @@
                         </a:spcBef>
                       </a:pPr>
                       <a:endParaRPr sz="900" dirty="0">
-                        <a:latin typeface="Wingdings"/>
+                        <a:latin typeface="Adobe Clean Han Regular" panose="020B0500000000000000" pitchFamily="34" charset="-128"/>
+                        <a:ea typeface="Adobe Clean Han Regular" panose="020B0500000000000000" pitchFamily="34" charset="-128"/>
                         <a:cs typeface="Wingdings"/>
                       </a:endParaRPr>
                     </a:p>
@@ -5011,7 +4111,7 @@
                     <a:bodyPr/>
                     <a:lstStyle/>
                     <a:p>
-                      <a:pPr algn="ctr">
+                      <a:pPr algn="l" rtl="0">
                         <a:lnSpc>
                           <a:spcPct val="100000"/>
                         </a:lnSpc>
@@ -5020,7 +4120,8 @@
                         </a:spcBef>
                       </a:pPr>
                       <a:endParaRPr sz="900" dirty="0">
-                        <a:latin typeface="Wingdings"/>
+                        <a:latin typeface="Adobe Clean Han Regular" panose="020B0500000000000000" pitchFamily="34" charset="-128"/>
+                        <a:ea typeface="Adobe Clean Han Regular" panose="020B0500000000000000" pitchFamily="34" charset="-128"/>
                         <a:cs typeface="Wingdings"/>
                       </a:endParaRPr>
                     </a:p>
@@ -5054,7 +4155,7 @@
                     <a:bodyPr/>
                     <a:lstStyle/>
                     <a:p>
-                      <a:pPr marL="50800">
+                      <a:pPr marL="50800" algn="l" rtl="0">
                         <a:lnSpc>
                           <a:spcPct val="100000"/>
                         </a:lnSpc>
@@ -5100,19 +4201,16 @@
                         </a:spcBef>
                       </a:pPr>
                       <a:r>
-                        <a:rPr sz="900" spc="0" dirty="0">
+                        <a:rPr lang="ja-JP" sz="900">
                           <a:solidFill>
                             <a:srgbClr val="020302"/>
                           </a:solidFill>
-                          <a:latin typeface="AdobeClean-Light"/>
+                          <a:latin typeface="Adobe Clean Han Regular" panose="020B0500000000000000" pitchFamily="34" charset="-128"/>
+                          <a:ea typeface="Adobe Clean Han Regular" panose="020B0500000000000000" pitchFamily="34" charset="-128"/>
                           <a:cs typeface="AdobeClean-Light"/>
                         </a:rPr>
-                        <a:t>Named Support Engineer</a:t>
+                        <a:t>専任サポートエンジニア</a:t>
                       </a:r>
-                      <a:endParaRPr sz="900" spc="0" dirty="0">
-                        <a:latin typeface="AdobeClean-Light"/>
-                        <a:cs typeface="AdobeClean-Light"/>
-                      </a:endParaRPr>
                     </a:p>
                   </a:txBody>
                   <a:tcPr marL="0" marR="0" marT="58419" marB="0">
@@ -5135,13 +4233,14 @@
                     <a:bodyPr/>
                     <a:lstStyle/>
                     <a:p>
-                      <a:pPr algn="ctr">
+                      <a:pPr algn="l" rtl="0">
                         <a:lnSpc>
                           <a:spcPct val="100000"/>
                         </a:lnSpc>
                       </a:pPr>
                       <a:endParaRPr sz="900" dirty="0">
-                        <a:latin typeface="Times New Roman"/>
+                        <a:latin typeface="Adobe Clean Han Regular" panose="020B0500000000000000" pitchFamily="34" charset="-128"/>
+                        <a:ea typeface="Adobe Clean Han Regular" panose="020B0500000000000000" pitchFamily="34" charset="-128"/>
                         <a:cs typeface="Times New Roman"/>
                       </a:endParaRPr>
                     </a:p>
@@ -5182,19 +4281,16 @@
                         <a:defRPr/>
                       </a:pPr>
                       <a:r>
-                        <a:rPr lang="en-US" sz="900" dirty="0">
+                        <a:rPr lang="ja-JP" sz="900">
                           <a:solidFill>
                             <a:srgbClr val="020302"/>
                           </a:solidFill>
-                          <a:latin typeface="Wingdings"/>
+                          <a:latin typeface="Adobe Clean Han Regular" panose="020B0500000000000000" pitchFamily="34" charset="-128"/>
+                          <a:ea typeface="Adobe Clean Han Regular" panose="020B0500000000000000" pitchFamily="34" charset="-128"/>
                           <a:cs typeface="Wingdings"/>
                         </a:rPr>
                         <a:t></a:t>
                       </a:r>
-                      <a:endParaRPr lang="en-US" sz="900" dirty="0">
-                        <a:latin typeface="Wingdings"/>
-                        <a:cs typeface="Wingdings"/>
-                      </a:endParaRPr>
                     </a:p>
                   </a:txBody>
                   <a:tcPr marL="0" marR="0" marT="0" marB="0" anchor="ctr">
@@ -5217,7 +4313,7 @@
                     <a:bodyPr/>
                     <a:lstStyle/>
                     <a:p>
-                      <a:pPr marL="50800">
+                      <a:pPr marL="50800" algn="l" rtl="0">
                         <a:lnSpc>
                           <a:spcPct val="100000"/>
                         </a:lnSpc>
@@ -5275,19 +4371,16 @@
                         </a:spcBef>
                       </a:pPr>
                       <a:r>
-                        <a:rPr sz="900" spc="0" dirty="0">
+                        <a:rPr lang="ja-JP" sz="900">
                           <a:solidFill>
                             <a:srgbClr val="020302"/>
                           </a:solidFill>
-                          <a:latin typeface="AdobeClean-Light"/>
+                          <a:latin typeface="Adobe Clean Han Regular" panose="020B0500000000000000" pitchFamily="34" charset="-128"/>
+                          <a:ea typeface="Adobe Clean Han Regular" panose="020B0500000000000000" pitchFamily="34" charset="-128"/>
                           <a:cs typeface="AdobeClean-Light"/>
                         </a:rPr>
-                        <a:t>Technical Account Manager</a:t>
+                        <a:t>テクニカルアカウントマネージャー</a:t>
                       </a:r>
-                      <a:endParaRPr sz="900" spc="0" dirty="0">
-                        <a:latin typeface="AdobeClean-Light"/>
-                        <a:cs typeface="AdobeClean-Light"/>
-                      </a:endParaRPr>
                     </a:p>
                   </a:txBody>
                   <a:tcPr marL="0" marR="0" marT="63500" marB="0">
@@ -5316,13 +4409,14 @@
                     <a:bodyPr/>
                     <a:lstStyle/>
                     <a:p>
-                      <a:pPr algn="ctr">
+                      <a:pPr algn="l" rtl="0">
                         <a:lnSpc>
                           <a:spcPct val="100000"/>
                         </a:lnSpc>
                       </a:pPr>
                       <a:endParaRPr sz="900" dirty="0">
-                        <a:latin typeface="Times New Roman"/>
+                        <a:latin typeface="Adobe Clean Han Regular" panose="020B0500000000000000" pitchFamily="34" charset="-128"/>
+                        <a:ea typeface="Adobe Clean Han Regular" panose="020B0500000000000000" pitchFamily="34" charset="-128"/>
                         <a:cs typeface="Times New Roman"/>
                       </a:endParaRPr>
                     </a:p>
@@ -5372,19 +4466,16 @@
                         <a:defRPr/>
                       </a:pPr>
                       <a:r>
-                        <a:rPr lang="en-US" sz="900" dirty="0">
+                        <a:rPr lang="ja-JP" sz="900">
                           <a:solidFill>
                             <a:srgbClr val="020302"/>
                           </a:solidFill>
-                          <a:latin typeface="Wingdings"/>
+                          <a:latin typeface="Adobe Clean Han Regular" panose="020B0500000000000000" pitchFamily="34" charset="-128"/>
+                          <a:ea typeface="Adobe Clean Han Regular" panose="020B0500000000000000" pitchFamily="34" charset="-128"/>
                           <a:cs typeface="Wingdings"/>
                         </a:rPr>
                         <a:t></a:t>
                       </a:r>
-                      <a:endParaRPr lang="en-US" sz="900" dirty="0">
-                        <a:latin typeface="Wingdings"/>
-                        <a:cs typeface="Wingdings"/>
-                      </a:endParaRPr>
                     </a:p>
                   </a:txBody>
                   <a:tcPr marL="0" marR="0" marT="0" marB="0" anchor="ctr">
@@ -5425,22 +4516,16 @@
                         </a:spcBef>
                       </a:pPr>
                       <a:r>
-                        <a:rPr lang="en-US" sz="1000" b="1" i="0" spc="0" dirty="0">
+                        <a:rPr lang="ja-JP" sz="1000" b="1" i="0">
                           <a:solidFill>
                             <a:schemeClr val="bg1"/>
                           </a:solidFill>
-                          <a:latin typeface="Adobe Clean" panose="020B0503020404020204" pitchFamily="34" charset="0"/>
+                          <a:latin typeface="Adobe Clean Han Regular" panose="020B0500000000000000" pitchFamily="34" charset="-128"/>
+                          <a:ea typeface="Adobe Clean Han Regular" panose="020B0500000000000000" pitchFamily="34" charset="-128"/>
                           <a:cs typeface="AdobeClean-Light"/>
                         </a:rPr>
-                        <a:t>Support Services</a:t>
+                        <a:t>サポートサービス</a:t>
                       </a:r>
-                      <a:endParaRPr sz="1000" b="1" i="0" spc="0" dirty="0">
-                        <a:solidFill>
-                          <a:schemeClr val="bg1"/>
-                        </a:solidFill>
-                        <a:latin typeface="Adobe Clean" panose="020B0503020404020204" pitchFamily="34" charset="0"/>
-                        <a:cs typeface="AdobeClean-Light"/>
-                      </a:endParaRPr>
                     </a:p>
                   </a:txBody>
                   <a:tcPr marL="0" marR="0" marT="57150" marB="0" anchor="ctr">
@@ -5496,29 +4581,16 @@
                         </a:spcBef>
                       </a:pPr>
                       <a:r>
-                        <a:rPr lang="en-US" sz="900" spc="0" dirty="0">
+                        <a:rPr lang="ja-JP" sz="900">
                           <a:solidFill>
                             <a:srgbClr val="020302"/>
                           </a:solidFill>
-                          <a:latin typeface="AdobeClean-Light"/>
+                          <a:latin typeface="Adobe Clean Han Regular" panose="020B0500000000000000" pitchFamily="34" charset="-128"/>
+                          <a:ea typeface="Adobe Clean Han Regular" panose="020B0500000000000000" pitchFamily="34" charset="-128"/>
                           <a:cs typeface="AdobeClean-Light"/>
                         </a:rPr>
-                        <a:t>Online</a:t>
+                        <a:t>オンラインサポート</a:t>
                       </a:r>
-                      <a:r>
-                        <a:rPr sz="900" spc="0" dirty="0">
-                          <a:solidFill>
-                            <a:srgbClr val="020302"/>
-                          </a:solidFill>
-                          <a:latin typeface="AdobeClean-Light"/>
-                          <a:cs typeface="AdobeClean-Light"/>
-                        </a:rPr>
-                        <a:t> Support</a:t>
-                      </a:r>
-                      <a:endParaRPr sz="900" spc="0" dirty="0">
-                        <a:latin typeface="AdobeClean-Light"/>
-                        <a:cs typeface="AdobeClean-Light"/>
-                      </a:endParaRPr>
                     </a:p>
                   </a:txBody>
                   <a:tcPr marL="0" marR="0" marT="57150" marB="0">
@@ -5556,39 +4628,16 @@
                         </a:spcBef>
                       </a:pPr>
                       <a:r>
-                        <a:rPr sz="900" spc="-25" dirty="0">
+                        <a:rPr lang="ja-JP" sz="900">
                           <a:solidFill>
                             <a:srgbClr val="020302"/>
                           </a:solidFill>
-                          <a:latin typeface="AdobeClean-Light"/>
+                          <a:latin typeface="Adobe Clean Han Regular" panose="020B0500000000000000" pitchFamily="34" charset="-128"/>
+                          <a:ea typeface="Adobe Clean Han Regular" panose="020B0500000000000000" pitchFamily="34" charset="-128"/>
                           <a:cs typeface="AdobeClean-Light"/>
                         </a:rPr>
-                        <a:t>Business</a:t>
+                        <a:t>営業時間</a:t>
                       </a:r>
-                      <a:r>
-                        <a:rPr sz="900" spc="-15" dirty="0">
-                          <a:solidFill>
-                            <a:srgbClr val="020302"/>
-                          </a:solidFill>
-                          <a:latin typeface="AdobeClean-Light"/>
-                          <a:cs typeface="AdobeClean-Light"/>
-                        </a:rPr>
-                        <a:t> </a:t>
-                      </a:r>
-                      <a:r>
-                        <a:rPr sz="900" spc="-30" dirty="0">
-                          <a:solidFill>
-                            <a:srgbClr val="020302"/>
-                          </a:solidFill>
-                          <a:latin typeface="AdobeClean-Light"/>
-                          <a:cs typeface="AdobeClean-Light"/>
-                        </a:rPr>
-                        <a:t>hours</a:t>
-                      </a:r>
-                      <a:endParaRPr sz="900" dirty="0">
-                        <a:latin typeface="AdobeClean-Light"/>
-                        <a:cs typeface="AdobeClean-Light"/>
-                      </a:endParaRPr>
                     </a:p>
                   </a:txBody>
                   <a:tcPr marL="0" marR="0" marT="67945" marB="0">
@@ -5627,19 +4676,16 @@
                         </a:spcBef>
                       </a:pPr>
                       <a:r>
-                        <a:rPr lang="en-US" sz="900" spc="-25" dirty="0">
+                        <a:rPr lang="ja-JP" sz="900">
                           <a:solidFill>
                             <a:srgbClr val="020302"/>
                           </a:solidFill>
-                          <a:latin typeface="AdobeClean-Light"/>
+                          <a:latin typeface="Adobe Clean Han Regular" panose="020B0500000000000000" pitchFamily="34" charset="-128"/>
+                          <a:ea typeface="Adobe Clean Han Regular" panose="020B0500000000000000" pitchFamily="34" charset="-128"/>
                           <a:cs typeface="AdobeClean-Light"/>
                         </a:rPr>
-                        <a:t>24x5</a:t>
+                        <a:t>24 時間週 5 日</a:t>
                       </a:r>
-                      <a:endParaRPr sz="900" dirty="0">
-                        <a:latin typeface="AdobeClean-Light"/>
-                        <a:cs typeface="AdobeClean-Light"/>
-                      </a:endParaRPr>
                     </a:p>
                   </a:txBody>
                   <a:tcPr marL="0" marR="0" marT="67945" marB="0" anchor="ctr">
@@ -5671,7 +4717,7 @@
                     <a:bodyPr/>
                     <a:lstStyle/>
                     <a:p>
-                      <a:pPr marL="50800">
+                      <a:pPr marL="50800" algn="l" rtl="0">
                         <a:lnSpc>
                           <a:spcPct val="100000"/>
                         </a:lnSpc>
@@ -5720,39 +4766,16 @@
                         </a:spcBef>
                       </a:pPr>
                       <a:r>
-                        <a:rPr sz="900" spc="0" dirty="0">
+                        <a:rPr lang="ja-JP" sz="900">
                           <a:solidFill>
                             <a:srgbClr val="020302"/>
                           </a:solidFill>
-                          <a:latin typeface="AdobeClean-Light"/>
+                          <a:latin typeface="Adobe Clean Han Regular" panose="020B0500000000000000" pitchFamily="34" charset="-128"/>
+                          <a:ea typeface="Adobe Clean Han Regular" panose="020B0500000000000000" pitchFamily="34" charset="-128"/>
                           <a:cs typeface="AdobeClean-Light"/>
                         </a:rPr>
-                        <a:t>24x7</a:t>
+                        <a:t>24 時間年中無休の P1 の問題のサポート</a:t>
                       </a:r>
-                      <a:r>
-                        <a:rPr lang="en-US" sz="900" spc="0" dirty="0">
-                          <a:solidFill>
-                            <a:srgbClr val="020302"/>
-                          </a:solidFill>
-                          <a:latin typeface="AdobeClean-Light"/>
-                          <a:cs typeface="AdobeClean-Light"/>
-                        </a:rPr>
-                        <a:t>x365</a:t>
-                      </a:r>
-                      <a:r>
-                        <a:rPr sz="900" spc="0" dirty="0">
-                          <a:solidFill>
-                            <a:srgbClr val="020302"/>
-                          </a:solidFill>
-                          <a:latin typeface="AdobeClean-Light"/>
-                          <a:cs typeface="AdobeClean-Light"/>
-                        </a:rPr>
-                        <a:t> P1 Issue Support</a:t>
-                      </a:r>
-                      <a:endParaRPr sz="900" spc="0" dirty="0">
-                        <a:latin typeface="AdobeClean-Light"/>
-                        <a:cs typeface="AdobeClean-Light"/>
-                      </a:endParaRPr>
                     </a:p>
                   </a:txBody>
                   <a:tcPr marL="0" marR="0" marT="57785" marB="0">
@@ -5784,19 +4807,16 @@
                         </a:spcBef>
                       </a:pPr>
                       <a:r>
-                        <a:rPr sz="900" dirty="0">
+                        <a:rPr lang="ja-JP" sz="900">
                           <a:solidFill>
                             <a:srgbClr val="020302"/>
                           </a:solidFill>
-                          <a:latin typeface="Wingdings"/>
+                          <a:latin typeface="Adobe Clean Han Regular" panose="020B0500000000000000" pitchFamily="34" charset="-128"/>
+                          <a:ea typeface="Adobe Clean Han Regular" panose="020B0500000000000000" pitchFamily="34" charset="-128"/>
                           <a:cs typeface="Wingdings"/>
                         </a:rPr>
                         <a:t></a:t>
                       </a:r>
-                      <a:endParaRPr sz="900" dirty="0">
-                        <a:latin typeface="Wingdings"/>
-                        <a:cs typeface="Wingdings"/>
-                      </a:endParaRPr>
                     </a:p>
                   </a:txBody>
                   <a:tcPr marL="0" marR="0" marT="58419" marB="0">
@@ -5826,19 +4846,16 @@
                         </a:spcBef>
                       </a:pPr>
                       <a:r>
-                        <a:rPr sz="900" dirty="0">
+                        <a:rPr lang="ja-JP" sz="900">
                           <a:solidFill>
                             <a:srgbClr val="020302"/>
                           </a:solidFill>
-                          <a:latin typeface="Wingdings"/>
+                          <a:latin typeface="Adobe Clean Han Regular" panose="020B0500000000000000" pitchFamily="34" charset="-128"/>
+                          <a:ea typeface="Adobe Clean Han Regular" panose="020B0500000000000000" pitchFamily="34" charset="-128"/>
                           <a:cs typeface="Wingdings"/>
                         </a:rPr>
                         <a:t></a:t>
                       </a:r>
-                      <a:endParaRPr sz="900" dirty="0">
-                        <a:latin typeface="Wingdings"/>
-                        <a:cs typeface="Wingdings"/>
-                      </a:endParaRPr>
                     </a:p>
                   </a:txBody>
                   <a:tcPr marL="0" marR="0" marT="58419" marB="0" anchor="ctr">
@@ -5861,7 +4878,7 @@
                     <a:bodyPr/>
                     <a:lstStyle/>
                     <a:p>
-                      <a:pPr marL="50800">
+                      <a:pPr marL="50800" algn="l" rtl="0">
                         <a:lnSpc>
                           <a:spcPct val="100000"/>
                         </a:lnSpc>
@@ -5919,19 +4936,16 @@
                         </a:spcBef>
                       </a:pPr>
                       <a:r>
-                        <a:rPr lang="en-US" sz="900" spc="0" dirty="0">
+                        <a:rPr lang="ja-JP" sz="900">
                           <a:solidFill>
                             <a:srgbClr val="020302"/>
                           </a:solidFill>
-                          <a:latin typeface="AdobeClean-Light"/>
+                          <a:latin typeface="Adobe Clean Han Regular" panose="020B0500000000000000" pitchFamily="34" charset="-128"/>
+                          <a:ea typeface="Adobe Clean Han Regular" panose="020B0500000000000000" pitchFamily="34" charset="-128"/>
                           <a:cs typeface="AdobeClean-Light"/>
                         </a:rPr>
-                        <a:t>Named Support Contacts (per product)</a:t>
+                        <a:t>サポート対象ユーザー（製品単位）</a:t>
                       </a:r>
-                      <a:endParaRPr sz="900" spc="0" dirty="0">
-                        <a:latin typeface="AdobeClean-Light"/>
-                        <a:cs typeface="AdobeClean-Light"/>
-                      </a:endParaRPr>
                     </a:p>
                   </a:txBody>
                   <a:tcPr marL="0" marR="0" marT="57785" marB="0">
@@ -5969,19 +4983,16 @@
                         </a:spcBef>
                       </a:pPr>
                       <a:r>
-                        <a:rPr sz="900" dirty="0">
+                        <a:rPr lang="ja-JP" sz="900">
                           <a:solidFill>
                             <a:srgbClr val="020302"/>
                           </a:solidFill>
-                          <a:latin typeface="AdobeClean-Light"/>
+                          <a:latin typeface="Adobe Clean Han Regular" panose="020B0500000000000000" pitchFamily="34" charset="-128"/>
+                          <a:ea typeface="Adobe Clean Han Regular" panose="020B0500000000000000" pitchFamily="34" charset="-128"/>
                           <a:cs typeface="AdobeClean-Light"/>
                         </a:rPr>
                         <a:t>4</a:t>
                       </a:r>
-                      <a:endParaRPr sz="900" dirty="0">
-                        <a:latin typeface="AdobeClean-Light"/>
-                        <a:cs typeface="AdobeClean-Light"/>
-                      </a:endParaRPr>
                     </a:p>
                   </a:txBody>
                   <a:tcPr marL="0" marR="0" marT="57785" marB="0">
@@ -6011,19 +5022,16 @@
                         </a:spcBef>
                       </a:pPr>
                       <a:r>
-                        <a:rPr lang="en-US" sz="900" dirty="0">
+                        <a:rPr lang="ja-JP" sz="900">
                           <a:solidFill>
                             <a:srgbClr val="020302"/>
                           </a:solidFill>
-                          <a:latin typeface="AdobeClean-Light"/>
+                          <a:latin typeface="Adobe Clean Han Regular" panose="020B0500000000000000" pitchFamily="34" charset="-128"/>
+                          <a:ea typeface="Adobe Clean Han Regular" panose="020B0500000000000000" pitchFamily="34" charset="-128"/>
                           <a:cs typeface="AdobeClean-Light"/>
                         </a:rPr>
                         <a:t>15</a:t>
                       </a:r>
-                      <a:endParaRPr sz="900" dirty="0">
-                        <a:latin typeface="AdobeClean-Light"/>
-                        <a:cs typeface="AdobeClean-Light"/>
-                      </a:endParaRPr>
                     </a:p>
                   </a:txBody>
                   <a:tcPr marL="0" marR="0" marT="57785" marB="0" anchor="ctr">
@@ -6046,7 +5054,7 @@
                     <a:bodyPr/>
                     <a:lstStyle/>
                     <a:p>
-                      <a:pPr marL="50800">
+                      <a:pPr marL="50800" algn="l" rtl="0">
                         <a:lnSpc>
                           <a:spcPct val="100000"/>
                         </a:lnSpc>
@@ -6095,19 +5103,16 @@
                         </a:spcBef>
                       </a:pPr>
                       <a:r>
-                        <a:rPr lang="en-US" sz="900" spc="0" dirty="0">
+                        <a:rPr lang="ja-JP" sz="900">
                           <a:solidFill>
                             <a:srgbClr val="020302"/>
                           </a:solidFill>
-                          <a:latin typeface="AdobeClean-Light"/>
+                          <a:latin typeface="Adobe Clean Han Regular" panose="020B0500000000000000" pitchFamily="34" charset="-128"/>
+                          <a:ea typeface="Adobe Clean Han Regular" panose="020B0500000000000000" pitchFamily="34" charset="-128"/>
                           <a:cs typeface="AdobeClean-Light"/>
                         </a:rPr>
-                        <a:t>Live Telephone Support</a:t>
+                        <a:t>電話サポート（ライブ）</a:t>
                       </a:r>
-                      <a:endParaRPr sz="900" spc="0" dirty="0">
-                        <a:latin typeface="AdobeClean-Light"/>
-                        <a:cs typeface="AdobeClean-Light"/>
-                      </a:endParaRPr>
                     </a:p>
                   </a:txBody>
                   <a:tcPr marL="0" marR="0" marT="57785" marB="0">
@@ -6130,7 +5135,7 @@
                     <a:bodyPr/>
                     <a:lstStyle/>
                     <a:p>
-                      <a:pPr algn="ctr">
+                      <a:pPr algn="l" rtl="0">
                         <a:lnSpc>
                           <a:spcPct val="100000"/>
                         </a:lnSpc>
@@ -6139,7 +5144,8 @@
                         </a:spcBef>
                       </a:pPr>
                       <a:endParaRPr sz="900" dirty="0">
-                        <a:latin typeface="Wingdings"/>
+                        <a:latin typeface="Adobe Clean Han Regular" panose="020B0500000000000000" pitchFamily="34" charset="-128"/>
+                        <a:ea typeface="Adobe Clean Han Regular" panose="020B0500000000000000" pitchFamily="34" charset="-128"/>
                         <a:cs typeface="Wingdings"/>
                       </a:endParaRPr>
                     </a:p>
@@ -6171,19 +5177,16 @@
                         </a:spcBef>
                       </a:pPr>
                       <a:r>
-                        <a:rPr sz="900" dirty="0">
+                        <a:rPr lang="ja-JP" sz="900">
                           <a:solidFill>
                             <a:srgbClr val="020302"/>
                           </a:solidFill>
-                          <a:latin typeface="Wingdings"/>
+                          <a:latin typeface="Adobe Clean Han Regular" panose="020B0500000000000000" pitchFamily="34" charset="-128"/>
+                          <a:ea typeface="Adobe Clean Han Regular" panose="020B0500000000000000" pitchFamily="34" charset="-128"/>
                           <a:cs typeface="Wingdings"/>
                         </a:rPr>
                         <a:t></a:t>
                       </a:r>
-                      <a:endParaRPr sz="900" dirty="0">
-                        <a:latin typeface="Wingdings"/>
-                        <a:cs typeface="Wingdings"/>
-                      </a:endParaRPr>
                     </a:p>
                   </a:txBody>
                   <a:tcPr marL="0" marR="0" marT="59054" marB="0" anchor="ctr">
@@ -6206,7 +5209,7 @@
                     <a:bodyPr/>
                     <a:lstStyle/>
                     <a:p>
-                      <a:pPr marL="50800">
+                      <a:pPr marL="50800" algn="l" rtl="0">
                         <a:lnSpc>
                           <a:spcPct val="100000"/>
                         </a:lnSpc>
@@ -6255,19 +5258,16 @@
                         </a:spcBef>
                       </a:pPr>
                       <a:r>
-                        <a:rPr sz="900" spc="0" dirty="0">
+                        <a:rPr lang="ja-JP" sz="900">
                           <a:solidFill>
                             <a:srgbClr val="020302"/>
                           </a:solidFill>
-                          <a:latin typeface="AdobeClean-Light"/>
+                          <a:latin typeface="Adobe Clean Han Regular" panose="020B0500000000000000" pitchFamily="34" charset="-128"/>
+                          <a:ea typeface="Adobe Clean Han Regular" panose="020B0500000000000000" pitchFamily="34" charset="-128"/>
                           <a:cs typeface="AdobeClean-Light"/>
                         </a:rPr>
-                        <a:t>Escalation Management</a:t>
+                        <a:t>エスカレーション管理</a:t>
                       </a:r>
-                      <a:endParaRPr sz="900" spc="0" dirty="0">
-                        <a:latin typeface="AdobeClean-Light"/>
-                        <a:cs typeface="AdobeClean-Light"/>
-                      </a:endParaRPr>
                     </a:p>
                   </a:txBody>
                   <a:tcPr marL="0" marR="0" marT="58419" marB="0">
@@ -6290,7 +5290,7 @@
                     <a:bodyPr/>
                     <a:lstStyle/>
                     <a:p>
-                      <a:pPr algn="ctr">
+                      <a:pPr algn="l" rtl="0">
                         <a:lnSpc>
                           <a:spcPct val="100000"/>
                         </a:lnSpc>
@@ -6299,7 +5299,8 @@
                         </a:spcBef>
                       </a:pPr>
                       <a:endParaRPr sz="900" dirty="0">
-                        <a:latin typeface="Wingdings"/>
+                        <a:latin typeface="Adobe Clean Han Regular" panose="020B0500000000000000" pitchFamily="34" charset="-128"/>
+                        <a:ea typeface="Adobe Clean Han Regular" panose="020B0500000000000000" pitchFamily="34" charset="-128"/>
                         <a:cs typeface="Wingdings"/>
                       </a:endParaRPr>
                     </a:p>
@@ -6331,19 +5332,16 @@
                         </a:spcBef>
                       </a:pPr>
                       <a:r>
-                        <a:rPr sz="900" dirty="0">
+                        <a:rPr lang="ja-JP" sz="900">
                           <a:solidFill>
                             <a:srgbClr val="020302"/>
                           </a:solidFill>
-                          <a:latin typeface="Wingdings"/>
+                          <a:latin typeface="Adobe Clean Han Regular" panose="020B0500000000000000" pitchFamily="34" charset="-128"/>
+                          <a:ea typeface="Adobe Clean Han Regular" panose="020B0500000000000000" pitchFamily="34" charset="-128"/>
                           <a:cs typeface="Wingdings"/>
                         </a:rPr>
                         <a:t></a:t>
                       </a:r>
-                      <a:endParaRPr sz="900" dirty="0">
-                        <a:latin typeface="Wingdings"/>
-                        <a:cs typeface="Wingdings"/>
-                      </a:endParaRPr>
                     </a:p>
                   </a:txBody>
                   <a:tcPr marL="0" marR="0" marT="59690" marB="0" anchor="ctr">
@@ -6366,7 +5364,7 @@
                     <a:bodyPr/>
                     <a:lstStyle/>
                     <a:p>
-                      <a:pPr marL="50800">
+                      <a:pPr marL="50800" algn="l" rtl="0">
                         <a:lnSpc>
                           <a:spcPct val="100000"/>
                         </a:lnSpc>
@@ -6415,29 +5413,16 @@
                         </a:spcBef>
                       </a:pPr>
                       <a:r>
-                        <a:rPr sz="900" spc="0" dirty="0">
+                        <a:rPr lang="ja-JP" sz="900">
                           <a:solidFill>
                             <a:srgbClr val="020302"/>
                           </a:solidFill>
-                          <a:latin typeface="AdobeClean-Light"/>
+                          <a:latin typeface="Adobe Clean Han Regular" panose="020B0500000000000000" pitchFamily="34" charset="-128"/>
+                          <a:ea typeface="Adobe Clean Han Regular" panose="020B0500000000000000" pitchFamily="34" charset="-128"/>
                           <a:cs typeface="AdobeClean-Light"/>
                         </a:rPr>
-                        <a:t>Service Reviews </a:t>
+                        <a:t>年間のサービスレビュー</a:t>
                       </a:r>
-                      <a:r>
-                        <a:rPr lang="en-US" sz="900" spc="0" dirty="0">
-                          <a:solidFill>
-                            <a:srgbClr val="020302"/>
-                          </a:solidFill>
-                          <a:latin typeface="AdobeClean-Light"/>
-                          <a:cs typeface="AdobeClean-Light"/>
-                        </a:rPr>
-                        <a:t>per Year</a:t>
-                      </a:r>
-                      <a:endParaRPr sz="900" spc="0" dirty="0">
-                        <a:latin typeface="AdobeClean-Light"/>
-                        <a:cs typeface="AdobeClean-Light"/>
-                      </a:endParaRPr>
                     </a:p>
                   </a:txBody>
                   <a:tcPr marL="0" marR="0" marT="57150" marB="0">
@@ -6460,13 +5445,14 @@
                     <a:bodyPr/>
                     <a:lstStyle/>
                     <a:p>
-                      <a:pPr>
+                      <a:pPr algn="l" rtl="0">
                         <a:lnSpc>
                           <a:spcPct val="100000"/>
                         </a:lnSpc>
                       </a:pPr>
                       <a:endParaRPr sz="900" dirty="0">
-                        <a:latin typeface="Times New Roman"/>
+                        <a:latin typeface="Adobe Clean Han Regular" panose="020B0500000000000000" pitchFamily="34" charset="-128"/>
+                        <a:ea typeface="Adobe Clean Han Regular" panose="020B0500000000000000" pitchFamily="34" charset="-128"/>
                         <a:cs typeface="Times New Roman"/>
                       </a:endParaRPr>
                     </a:p>
@@ -6495,16 +5481,13 @@
                         </a:lnSpc>
                       </a:pPr>
                       <a:r>
-                        <a:rPr lang="en-US" sz="900" dirty="0">
-                          <a:latin typeface="Times New Roman"/>
+                        <a:rPr lang="ja-JP" sz="900">
+                          <a:latin typeface="Adobe Clean Han Regular" panose="020B0500000000000000" pitchFamily="34" charset="-128"/>
+                          <a:ea typeface="Adobe Clean Han Regular" panose="020B0500000000000000" pitchFamily="34" charset="-128"/>
                           <a:cs typeface="Times New Roman"/>
                         </a:rPr>
                         <a:t>4</a:t>
                       </a:r>
-                      <a:endParaRPr sz="900" dirty="0">
-                        <a:latin typeface="Times New Roman"/>
-                        <a:cs typeface="Times New Roman"/>
-                      </a:endParaRPr>
                     </a:p>
                   </a:txBody>
                   <a:tcPr marL="0" marR="0" marT="0" marB="0" anchor="ctr">
@@ -6546,14 +5529,16 @@
                         </a:spcBef>
                       </a:pPr>
                       <a:r>
-                        <a:rPr lang="en-US" sz="900" spc="0" dirty="0">
-                          <a:latin typeface="AdobeClean-Light"/>
+                        <a:rPr lang="ja-JP" sz="900">
+                          <a:latin typeface="Adobe Clean Han Regular" panose="020B0500000000000000" pitchFamily="34" charset="-128"/>
+                          <a:ea typeface="Adobe Clean Han Regular" panose="020B0500000000000000" pitchFamily="34" charset="-128"/>
                           <a:cs typeface="AdobeClean-Light"/>
                         </a:rPr>
-                        <a:t>Expert Sessions per Year</a:t>
+                        <a:t>年間のエキスパートセッション</a:t>
                       </a:r>
-                      <a:endParaRPr sz="900" spc="0" dirty="0">
-                        <a:latin typeface="AdobeClean-Light"/>
+                      <a:endParaRPr lang="ja-JP" sz="900" dirty="0">
+                        <a:latin typeface="Adobe Clean Han Regular" panose="020B0500000000000000" pitchFamily="34" charset="-128"/>
+                        <a:ea typeface="Adobe Clean Han Regular" panose="020B0500000000000000" pitchFamily="34" charset="-128"/>
                         <a:cs typeface="AdobeClean-Light"/>
                       </a:endParaRPr>
                     </a:p>
@@ -6584,13 +5569,14 @@
                     <a:bodyPr/>
                     <a:lstStyle/>
                     <a:p>
-                      <a:pPr>
+                      <a:pPr algn="l" rtl="0">
                         <a:lnSpc>
                           <a:spcPct val="100000"/>
                         </a:lnSpc>
                       </a:pPr>
                       <a:endParaRPr sz="900" dirty="0">
-                        <a:latin typeface="Times New Roman"/>
+                        <a:latin typeface="Adobe Clean Han Regular" panose="020B0500000000000000" pitchFamily="34" charset="-128"/>
+                        <a:ea typeface="Adobe Clean Han Regular" panose="020B0500000000000000" pitchFamily="34" charset="-128"/>
                         <a:cs typeface="Times New Roman"/>
                       </a:endParaRPr>
                     </a:p>
@@ -6619,16 +5605,13 @@
                         </a:lnSpc>
                       </a:pPr>
                       <a:r>
-                        <a:rPr lang="en-US" sz="900" dirty="0">
-                          <a:latin typeface="Times New Roman"/>
+                        <a:rPr lang="ja-JP" sz="900">
+                          <a:latin typeface="Adobe Clean Han Regular" panose="020B0500000000000000" pitchFamily="34" charset="-128"/>
+                          <a:ea typeface="Adobe Clean Han Regular" panose="020B0500000000000000" pitchFamily="34" charset="-128"/>
                           <a:cs typeface="Times New Roman"/>
                         </a:rPr>
                         <a:t>4</a:t>
                       </a:r>
-                      <a:endParaRPr sz="900" dirty="0">
-                        <a:latin typeface="Times New Roman"/>
-                        <a:cs typeface="Times New Roman"/>
-                      </a:endParaRPr>
                     </a:p>
                   </a:txBody>
                   <a:tcPr marL="0" marR="0" marT="0" marB="0" anchor="ctr">
@@ -6670,16 +5653,13 @@
                         </a:spcBef>
                       </a:pPr>
                       <a:r>
-                        <a:rPr lang="en-US" sz="900" spc="0" dirty="0">
-                          <a:latin typeface="AdobeClean-Light"/>
+                        <a:rPr lang="ja-JP" sz="900">
+                          <a:latin typeface="Adobe Clean Han Regular" panose="020B0500000000000000" pitchFamily="34" charset="-128"/>
+                          <a:ea typeface="Adobe Clean Han Regular" panose="020B0500000000000000" pitchFamily="34" charset="-128"/>
                           <a:cs typeface="AdobeClean-Light"/>
                         </a:rPr>
-                        <a:t>Case Reviews</a:t>
+                        <a:t>ケースレビュー</a:t>
                       </a:r>
-                      <a:endParaRPr sz="900" spc="0" dirty="0">
-                        <a:latin typeface="AdobeClean-Light"/>
-                        <a:cs typeface="AdobeClean-Light"/>
-                      </a:endParaRPr>
                     </a:p>
                   </a:txBody>
                   <a:tcPr marL="0" marR="0" marT="57150" marB="0">
@@ -6708,13 +5688,14 @@
                     <a:bodyPr/>
                     <a:lstStyle/>
                     <a:p>
-                      <a:pPr>
+                      <a:pPr algn="l" rtl="0">
                         <a:lnSpc>
                           <a:spcPct val="100000"/>
                         </a:lnSpc>
                       </a:pPr>
                       <a:endParaRPr sz="900" dirty="0">
-                        <a:latin typeface="Times New Roman"/>
+                        <a:latin typeface="Adobe Clean Han Regular" panose="020B0500000000000000" pitchFamily="34" charset="-128"/>
+                        <a:ea typeface="Adobe Clean Han Regular" panose="020B0500000000000000" pitchFamily="34" charset="-128"/>
                         <a:cs typeface="Times New Roman"/>
                       </a:endParaRPr>
                     </a:p>
@@ -6755,19 +5736,16 @@
                         <a:defRPr/>
                       </a:pPr>
                       <a:r>
-                        <a:rPr lang="en-US" sz="900" dirty="0">
+                        <a:rPr lang="ja-JP" sz="900">
                           <a:solidFill>
                             <a:srgbClr val="020302"/>
                           </a:solidFill>
-                          <a:latin typeface="Wingdings"/>
+                          <a:latin typeface="Adobe Clean Han Regular" panose="020B0500000000000000" pitchFamily="34" charset="-128"/>
+                          <a:ea typeface="Adobe Clean Han Regular" panose="020B0500000000000000" pitchFamily="34" charset="-128"/>
                           <a:cs typeface="Wingdings"/>
                         </a:rPr>
                         <a:t></a:t>
                       </a:r>
-                      <a:endParaRPr lang="en-US" sz="900" dirty="0">
-                        <a:latin typeface="Wingdings"/>
-                        <a:cs typeface="Wingdings"/>
-                      </a:endParaRPr>
                     </a:p>
                   </a:txBody>
                   <a:tcPr marL="0" marR="0" marT="0" marB="0" anchor="ctr">
@@ -6790,7 +5768,7 @@
                     <a:bodyPr/>
                     <a:lstStyle/>
                     <a:p>
-                      <a:pPr marL="48895">
+                      <a:pPr marL="48895" algn="l" rtl="0">
                         <a:lnSpc>
                           <a:spcPct val="100000"/>
                         </a:lnSpc>
@@ -6848,29 +5826,16 @@
                         </a:spcBef>
                       </a:pPr>
                       <a:r>
-                        <a:rPr sz="900" spc="0" dirty="0">
+                        <a:rPr lang="ja-JP" sz="900">
                           <a:solidFill>
                             <a:srgbClr val="020302"/>
                           </a:solidFill>
-                          <a:latin typeface="AdobeClean-Light"/>
+                          <a:latin typeface="Adobe Clean Han Regular" panose="020B0500000000000000" pitchFamily="34" charset="-128"/>
+                          <a:ea typeface="Adobe Clean Han Regular" panose="020B0500000000000000" pitchFamily="34" charset="-128"/>
                           <a:cs typeface="AdobeClean-Light"/>
                         </a:rPr>
-                        <a:t>Event </a:t>
+                        <a:t>イベント管理</a:t>
                       </a:r>
-                      <a:r>
-                        <a:rPr lang="en-US" sz="900" spc="0" dirty="0">
-                          <a:solidFill>
-                            <a:srgbClr val="020302"/>
-                          </a:solidFill>
-                          <a:latin typeface="AdobeClean-Light"/>
-                          <a:cs typeface="AdobeClean-Light"/>
-                        </a:rPr>
-                        <a:t>Management</a:t>
-                      </a:r>
-                      <a:endParaRPr sz="900" spc="0" dirty="0">
-                        <a:latin typeface="AdobeClean-Light"/>
-                        <a:cs typeface="AdobeClean-Light"/>
-                      </a:endParaRPr>
                     </a:p>
                   </a:txBody>
                   <a:tcPr marL="0" marR="0" marT="58419" marB="0">
@@ -6899,13 +5864,14 @@
                     <a:bodyPr/>
                     <a:lstStyle/>
                     <a:p>
-                      <a:pPr>
+                      <a:pPr algn="l" rtl="0">
                         <a:lnSpc>
                           <a:spcPct val="100000"/>
                         </a:lnSpc>
                       </a:pPr>
                       <a:endParaRPr sz="900" dirty="0">
-                        <a:latin typeface="Times New Roman"/>
+                        <a:latin typeface="Adobe Clean Han Regular" panose="020B0500000000000000" pitchFamily="34" charset="-128"/>
+                        <a:ea typeface="Adobe Clean Han Regular" panose="020B0500000000000000" pitchFamily="34" charset="-128"/>
                         <a:cs typeface="Times New Roman"/>
                       </a:endParaRPr>
                     </a:p>
@@ -6946,19 +5912,16 @@
                         <a:defRPr/>
                       </a:pPr>
                       <a:r>
-                        <a:rPr lang="en-US" sz="900" dirty="0">
+                        <a:rPr lang="ja-JP" sz="900">
                           <a:solidFill>
                             <a:srgbClr val="020302"/>
                           </a:solidFill>
-                          <a:latin typeface="Wingdings"/>
+                          <a:latin typeface="Adobe Clean Han Regular" panose="020B0500000000000000" pitchFamily="34" charset="-128"/>
+                          <a:ea typeface="Adobe Clean Han Regular" panose="020B0500000000000000" pitchFamily="34" charset="-128"/>
                           <a:cs typeface="Wingdings"/>
                         </a:rPr>
                         <a:t></a:t>
                       </a:r>
-                      <a:endParaRPr lang="en-US" sz="900" dirty="0">
-                        <a:latin typeface="Wingdings"/>
-                        <a:cs typeface="Wingdings"/>
-                      </a:endParaRPr>
                     </a:p>
                   </a:txBody>
                   <a:tcPr marL="0" marR="0" marT="0" marB="0" anchor="ctr">
@@ -6981,7 +5944,7 @@
                     <a:bodyPr/>
                     <a:lstStyle/>
                     <a:p>
-                      <a:pPr marL="48895">
+                      <a:pPr marL="48895" algn="l" rtl="0">
                         <a:lnSpc>
                           <a:spcPct val="100000"/>
                         </a:lnSpc>
@@ -7030,39 +5993,16 @@
                         </a:spcBef>
                       </a:pPr>
                       <a:r>
-                        <a:rPr sz="900" spc="0" dirty="0">
+                        <a:rPr lang="ja-JP" sz="900">
                           <a:solidFill>
                             <a:srgbClr val="020302"/>
                           </a:solidFill>
-                          <a:latin typeface="AdobeClean-Light"/>
+                          <a:latin typeface="Adobe Clean Han Regular" panose="020B0500000000000000" pitchFamily="34" charset="-128"/>
+                          <a:ea typeface="Adobe Clean Han Regular" panose="020B0500000000000000" pitchFamily="34" charset="-128"/>
                           <a:cs typeface="AdobeClean-Light"/>
                         </a:rPr>
-                        <a:t>Environment</a:t>
+                        <a:t>環境レビュー、メンテナンスと監視</a:t>
                       </a:r>
-                      <a:r>
-                        <a:rPr lang="en-US" sz="900" spc="0" dirty="0">
-                          <a:solidFill>
-                            <a:srgbClr val="020302"/>
-                          </a:solidFill>
-                          <a:latin typeface="AdobeClean-Light"/>
-                          <a:cs typeface="AdobeClean-Light"/>
-                        </a:rPr>
-                        <a:t> </a:t>
-                      </a:r>
-                      <a:r>
-                        <a:rPr sz="900" spc="0" dirty="0">
-                          <a:solidFill>
-                            <a:srgbClr val="020302"/>
-                          </a:solidFill>
-                          <a:latin typeface="AdobeClean-Light"/>
-                          <a:cs typeface="AdobeClean-Light"/>
-                        </a:rPr>
-                        <a:t>Review, Maintenance &amp; Monitoring</a:t>
-                      </a:r>
-                      <a:endParaRPr sz="900" spc="0" dirty="0">
-                        <a:latin typeface="AdobeClean-Light"/>
-                        <a:cs typeface="AdobeClean-Light"/>
-                      </a:endParaRPr>
                     </a:p>
                   </a:txBody>
                   <a:tcPr marL="0" marR="0" marT="59055" marB="0">
@@ -7085,13 +6025,14 @@
                     <a:bodyPr/>
                     <a:lstStyle/>
                     <a:p>
-                      <a:pPr>
+                      <a:pPr algn="l" rtl="0">
                         <a:lnSpc>
                           <a:spcPct val="100000"/>
                         </a:lnSpc>
                       </a:pPr>
                       <a:endParaRPr sz="900" dirty="0">
-                        <a:latin typeface="Times New Roman"/>
+                        <a:latin typeface="Adobe Clean Han Regular" panose="020B0500000000000000" pitchFamily="34" charset="-128"/>
+                        <a:ea typeface="Adobe Clean Han Regular" panose="020B0500000000000000" pitchFamily="34" charset="-128"/>
                         <a:cs typeface="Times New Roman"/>
                       </a:endParaRPr>
                     </a:p>
@@ -7132,19 +6073,16 @@
                         <a:defRPr/>
                       </a:pPr>
                       <a:r>
-                        <a:rPr lang="en-US" sz="900" dirty="0">
+                        <a:rPr lang="ja-JP" sz="900" dirty="0">
                           <a:solidFill>
                             <a:srgbClr val="020302"/>
                           </a:solidFill>
-                          <a:latin typeface="Wingdings"/>
+                          <a:latin typeface="Adobe Clean Han Regular" panose="020B0500000000000000" pitchFamily="34" charset="-128"/>
+                          <a:ea typeface="Adobe Clean Han Regular" panose="020B0500000000000000" pitchFamily="34" charset="-128"/>
                           <a:cs typeface="Wingdings"/>
                         </a:rPr>
                         <a:t></a:t>
                       </a:r>
-                      <a:endParaRPr lang="en-US" sz="900" dirty="0">
-                        <a:latin typeface="Wingdings"/>
-                        <a:cs typeface="Wingdings"/>
-                      </a:endParaRPr>
                     </a:p>
                   </a:txBody>
                   <a:tcPr marL="0" marR="0" marT="0" marB="0" anchor="ctr">
@@ -7167,7 +6105,7 @@
                     <a:bodyPr/>
                     <a:lstStyle/>
                     <a:p>
-                      <a:pPr marL="49530">
+                      <a:pPr marL="49530" algn="l" rtl="0">
                         <a:lnSpc>
                           <a:spcPct val="100000"/>
                         </a:lnSpc>
@@ -7216,19 +6154,37 @@
                         </a:spcBef>
                       </a:pPr>
                       <a:r>
-                        <a:rPr sz="900" spc="0" dirty="0">
+                        <a:rPr lang="ja-JP" sz="900" dirty="0">
                           <a:solidFill>
                             <a:srgbClr val="020302"/>
                           </a:solidFill>
-                          <a:latin typeface="AdobeClean-Light"/>
+                          <a:latin typeface="Adobe Clean Han Regular" panose="020B0500000000000000" pitchFamily="34" charset="-128"/>
+                          <a:ea typeface="Adobe Clean Han Regular" panose="020B0500000000000000" pitchFamily="34" charset="-128"/>
                           <a:cs typeface="AdobeClean-Light"/>
                         </a:rPr>
-                        <a:t>Release, Migration, Upgrade &amp; Product Roadmap Review</a:t>
+                        <a:t>リリース、移行、アップグレード、</a:t>
                       </a:r>
-                      <a:endParaRPr sz="900" spc="0" dirty="0">
-                        <a:latin typeface="AdobeClean-Light"/>
-                        <a:cs typeface="AdobeClean-Light"/>
-                      </a:endParaRPr>
+                      <a:br>
+                        <a:rPr lang="sk-SK" altLang="ja-JP" sz="900" dirty="0">
+                          <a:solidFill>
+                            <a:srgbClr val="020302"/>
+                          </a:solidFill>
+                          <a:latin typeface="Adobe Clean Han Regular" panose="020B0500000000000000" pitchFamily="34" charset="-128"/>
+                          <a:ea typeface="Adobe Clean Han Regular" panose="020B0500000000000000" pitchFamily="34" charset="-128"/>
+                          <a:cs typeface="AdobeClean-Light"/>
+                        </a:rPr>
+                      </a:br>
+                      <a:r>
+                        <a:rPr lang="ja-JP" sz="900" dirty="0">
+                          <a:solidFill>
+                            <a:srgbClr val="020302"/>
+                          </a:solidFill>
+                          <a:latin typeface="Adobe Clean Han Regular" panose="020B0500000000000000" pitchFamily="34" charset="-128"/>
+                          <a:ea typeface="Adobe Clean Han Regular" panose="020B0500000000000000" pitchFamily="34" charset="-128"/>
+                          <a:cs typeface="AdobeClean-Light"/>
+                        </a:rPr>
+                        <a:t>製品ロードマップのレビュー</a:t>
+                      </a:r>
                     </a:p>
                   </a:txBody>
                   <a:tcPr marL="0" marR="0" marT="63500" marB="0">
@@ -7251,13 +6207,14 @@
                     <a:bodyPr/>
                     <a:lstStyle/>
                     <a:p>
-                      <a:pPr>
+                      <a:pPr algn="l" rtl="0">
                         <a:lnSpc>
                           <a:spcPct val="100000"/>
                         </a:lnSpc>
                       </a:pPr>
                       <a:endParaRPr sz="900" dirty="0">
-                        <a:latin typeface="Times New Roman"/>
+                        <a:latin typeface="Adobe Clean Han Regular" panose="020B0500000000000000" pitchFamily="34" charset="-128"/>
+                        <a:ea typeface="Adobe Clean Han Regular" panose="020B0500000000000000" pitchFamily="34" charset="-128"/>
                         <a:cs typeface="Times New Roman"/>
                       </a:endParaRPr>
                     </a:p>
@@ -7298,19 +6255,16 @@
                         <a:defRPr/>
                       </a:pPr>
                       <a:r>
-                        <a:rPr lang="en-US" sz="900" dirty="0">
+                        <a:rPr lang="ja-JP" sz="900">
                           <a:solidFill>
                             <a:srgbClr val="020302"/>
                           </a:solidFill>
-                          <a:latin typeface="Wingdings"/>
+                          <a:latin typeface="Adobe Clean Han Regular" panose="020B0500000000000000" pitchFamily="34" charset="-128"/>
+                          <a:ea typeface="Adobe Clean Han Regular" panose="020B0500000000000000" pitchFamily="34" charset="-128"/>
                           <a:cs typeface="Wingdings"/>
                         </a:rPr>
                         <a:t></a:t>
                       </a:r>
-                      <a:endParaRPr lang="en-US" sz="900" dirty="0">
-                        <a:latin typeface="Wingdings"/>
-                        <a:cs typeface="Wingdings"/>
-                      </a:endParaRPr>
                     </a:p>
                   </a:txBody>
                   <a:tcPr marL="0" marR="0" marT="0" marB="0" anchor="ctr">
@@ -7333,7 +6287,7 @@
                     <a:bodyPr/>
                     <a:lstStyle/>
                     <a:p>
-                      <a:pPr marL="49530">
+                      <a:pPr marL="49530" algn="l" rtl="0">
                         <a:lnSpc>
                           <a:spcPct val="100000"/>
                         </a:lnSpc>
@@ -7391,11 +6345,27 @@
                         </a:spcBef>
                       </a:pPr>
                       <a:r>
-                        <a:rPr sz="900" spc="0" dirty="0">
-                          <a:latin typeface="AdobeClean-Light"/>
+                        <a:rPr lang="ja-JP" sz="900" dirty="0">
+                          <a:latin typeface="Adobe Clean Han Regular" panose="020B0500000000000000" pitchFamily="34" charset="-128"/>
+                          <a:ea typeface="Adobe Clean Han Regular" panose="020B0500000000000000" pitchFamily="34" charset="-128"/>
                           <a:cs typeface="AdobeClean-Light"/>
                         </a:rPr>
-                        <a:t>Cloud Support Activities – Experience Manager as Cloud</a:t>
+                        <a:t>クラウドサポートアクティビティ – </a:t>
+                      </a:r>
+                      <a:br>
+                        <a:rPr lang="sk-SK" altLang="ja-JP" sz="900" dirty="0">
+                          <a:latin typeface="Adobe Clean Han Regular" panose="020B0500000000000000" pitchFamily="34" charset="-128"/>
+                          <a:ea typeface="Adobe Clean Han Regular" panose="020B0500000000000000" pitchFamily="34" charset="-128"/>
+                          <a:cs typeface="AdobeClean-Light"/>
+                        </a:rPr>
+                      </a:br>
+                      <a:r>
+                        <a:rPr lang="ja-JP" sz="900" dirty="0">
+                          <a:latin typeface="Adobe Clean Han Regular" panose="020B0500000000000000" pitchFamily="34" charset="-128"/>
+                          <a:ea typeface="Adobe Clean Han Regular" panose="020B0500000000000000" pitchFamily="34" charset="-128"/>
+                          <a:cs typeface="AdobeClean-Light"/>
+                        </a:rPr>
+                        <a:t>Experience Manager as Cloud</a:t>
                       </a:r>
                     </a:p>
                   </a:txBody>
@@ -7425,13 +6395,14 @@
                     <a:bodyPr/>
                     <a:lstStyle/>
                     <a:p>
-                      <a:pPr>
+                      <a:pPr algn="l" rtl="0">
                         <a:lnSpc>
                           <a:spcPct val="100000"/>
                         </a:lnSpc>
                       </a:pPr>
                       <a:endParaRPr sz="900" dirty="0">
-                        <a:latin typeface="Times New Roman"/>
+                        <a:latin typeface="Adobe Clean Han Regular" panose="020B0500000000000000" pitchFamily="34" charset="-128"/>
+                        <a:ea typeface="Adobe Clean Han Regular" panose="020B0500000000000000" pitchFamily="34" charset="-128"/>
                         <a:cs typeface="Times New Roman"/>
                       </a:endParaRPr>
                     </a:p>
@@ -7481,19 +6452,16 @@
                         <a:defRPr/>
                       </a:pPr>
                       <a:r>
-                        <a:rPr lang="en-US" sz="900" dirty="0">
+                        <a:rPr lang="ja-JP" sz="900">
                           <a:solidFill>
                             <a:srgbClr val="020302"/>
                           </a:solidFill>
-                          <a:latin typeface="Wingdings"/>
+                          <a:latin typeface="Adobe Clean Han Regular" panose="020B0500000000000000" pitchFamily="34" charset="-128"/>
+                          <a:ea typeface="Adobe Clean Han Regular" panose="020B0500000000000000" pitchFamily="34" charset="-128"/>
                           <a:cs typeface="Wingdings"/>
                         </a:rPr>
                         <a:t></a:t>
                       </a:r>
-                      <a:endParaRPr lang="en-US" sz="900" dirty="0">
-                        <a:latin typeface="Wingdings"/>
-                        <a:cs typeface="Wingdings"/>
-                      </a:endParaRPr>
                     </a:p>
                   </a:txBody>
                   <a:tcPr marL="0" marR="0" marT="0" marB="0" anchor="ctr">
@@ -7534,22 +6502,16 @@
                         </a:spcBef>
                       </a:pPr>
                       <a:r>
-                        <a:rPr lang="en-US" sz="1000" b="1" i="0" spc="0" dirty="0">
+                        <a:rPr lang="ja-JP" sz="1000" b="1" i="0" dirty="0">
                           <a:solidFill>
                             <a:schemeClr val="bg1"/>
                           </a:solidFill>
-                          <a:latin typeface="Adobe Clean" panose="020B0503020404020204" pitchFamily="34" charset="0"/>
+                          <a:latin typeface="Adobe Clean Han Regular" panose="020B0500000000000000" pitchFamily="34" charset="-128"/>
+                          <a:ea typeface="Adobe Clean Han Regular" panose="020B0500000000000000" pitchFamily="34" charset="-128"/>
                           <a:cs typeface="AdobeClean-Light"/>
                         </a:rPr>
-                        <a:t>Field Services</a:t>
+                        <a:t>フィールドサービス</a:t>
                       </a:r>
-                      <a:endParaRPr sz="1000" b="1" i="0" spc="0" dirty="0">
-                        <a:solidFill>
-                          <a:schemeClr val="bg1"/>
-                        </a:solidFill>
-                        <a:latin typeface="Adobe Clean" panose="020B0503020404020204" pitchFamily="34" charset="0"/>
-                        <a:cs typeface="AdobeClean-Light"/>
-                      </a:endParaRPr>
                     </a:p>
                   </a:txBody>
                   <a:tcPr marL="0" marR="0" marT="48260" marB="0" anchor="ctr">
@@ -7602,14 +6564,15 @@
                         </a:spcBef>
                       </a:pPr>
                       <a:r>
-                        <a:rPr sz="900" spc="0" dirty="0">
+                        <a:rPr lang="ja-JP" sz="900">
                           <a:solidFill>
                             <a:srgbClr val="020302"/>
                           </a:solidFill>
-                          <a:latin typeface="AdobeClean-Light"/>
+                          <a:latin typeface="Adobe Clean Han Regular" panose="020B0500000000000000" pitchFamily="34" charset="-128"/>
+                          <a:ea typeface="Adobe Clean Han Regular" panose="020B0500000000000000" pitchFamily="34" charset="-128"/>
                           <a:cs typeface="AdobeClean-Light"/>
                         </a:rPr>
-                        <a:t>Launch Advisory Services – First Year of new solution</a:t>
+                        <a:t>Launch Advisory サービス – 製品導入の初年度</a:t>
                       </a:r>
                     </a:p>
                   </a:txBody>
@@ -7649,13 +6612,14 @@
                     <a:bodyPr/>
                     <a:lstStyle/>
                     <a:p>
-                      <a:pPr>
+                      <a:pPr algn="l" rtl="0">
                         <a:lnSpc>
                           <a:spcPct val="100000"/>
                         </a:lnSpc>
                       </a:pPr>
                       <a:endParaRPr sz="900" dirty="0">
-                        <a:latin typeface="Times New Roman"/>
+                        <a:latin typeface="Adobe Clean Han Regular" panose="020B0500000000000000" pitchFamily="34" charset="-128"/>
+                        <a:ea typeface="Adobe Clean Han Regular" panose="020B0500000000000000" pitchFamily="34" charset="-128"/>
                         <a:cs typeface="Times New Roman"/>
                       </a:endParaRPr>
                     </a:p>
@@ -7721,19 +6685,16 @@
                         <a:defRPr/>
                       </a:pPr>
                       <a:r>
-                        <a:rPr lang="en-US" sz="900" dirty="0">
+                        <a:rPr lang="ja-JP" sz="900">
                           <a:solidFill>
                             <a:srgbClr val="020302"/>
                           </a:solidFill>
-                          <a:latin typeface="Wingdings"/>
+                          <a:latin typeface="Adobe Clean Han Regular" panose="020B0500000000000000" pitchFamily="34" charset="-128"/>
+                          <a:ea typeface="Adobe Clean Han Regular" panose="020B0500000000000000" pitchFamily="34" charset="-128"/>
                           <a:cs typeface="Wingdings"/>
                         </a:rPr>
                         <a:t></a:t>
                       </a:r>
-                      <a:endParaRPr lang="en-US" sz="900" dirty="0">
-                        <a:latin typeface="Wingdings"/>
-                        <a:cs typeface="Wingdings"/>
-                      </a:endParaRPr>
                     </a:p>
                   </a:txBody>
                   <a:tcPr marL="0" marR="0" marT="0" marB="0" anchor="ctr">
@@ -7812,11 +6773,12 @@
                         <a:defRPr/>
                       </a:pPr>
                       <a:r>
-                        <a:rPr lang="en-US" sz="900" spc="0" dirty="0">
-                          <a:latin typeface="AdobeClean-Light"/>
+                        <a:rPr lang="ja-JP" sz="900" dirty="0">
+                          <a:latin typeface="Adobe Clean Han Regular" panose="020B0500000000000000" pitchFamily="34" charset="-128"/>
+                          <a:ea typeface="Adobe Clean Han Regular" panose="020B0500000000000000" pitchFamily="34" charset="-128"/>
                           <a:cs typeface="AdobeClean-Light"/>
                         </a:rPr>
-                        <a:t>Field Service Activities </a:t>
+                        <a:t>フィールドサービスアクティビティ </a:t>
                       </a:r>
                     </a:p>
                   </a:txBody>
@@ -7850,8 +6812,11 @@
                     <a:bodyPr/>
                     <a:lstStyle/>
                     <a:p>
-                      <a:pPr algn="ctr"/>
-                      <a:endParaRPr lang="en-US" dirty="0"/>
+                      <a:pPr algn="l" rtl="0"/>
+                      <a:endParaRPr lang="en-US" dirty="0">
+                        <a:latin typeface="Adobe Clean Han Regular" panose="020B0500000000000000" pitchFamily="34" charset="-128"/>
+                        <a:ea typeface="Adobe Clean Han Regular" panose="020B0500000000000000" pitchFamily="34" charset="-128"/>
+                      </a:endParaRPr>
                     </a:p>
                   </a:txBody>
                   <a:tcPr marL="0" marR="0" marT="0" marB="0">
@@ -7899,13 +6864,13 @@
                     <a:p>
                       <a:pPr algn="ctr"/>
                       <a:r>
-                        <a:rPr lang="en-US" sz="900" dirty="0">
-                          <a:latin typeface="Times New Roman"/>
+                        <a:rPr lang="ja-JP" sz="900" dirty="0">
+                          <a:latin typeface="Adobe Clean Han Regular" panose="020B0500000000000000" pitchFamily="34" charset="-128"/>
+                          <a:ea typeface="Adobe Clean Han Regular" panose="020B0500000000000000" pitchFamily="34" charset="-128"/>
                           <a:cs typeface="Times New Roman"/>
                         </a:rPr>
                         <a:t>4</a:t>
                       </a:r>
-                      <a:endParaRPr lang="en-US" dirty="0"/>
                     </a:p>
                   </a:txBody>
                   <a:tcPr marL="0" marR="0" marT="0" marB="0" anchor="ctr">
@@ -7996,8 +6961,8 @@
         </p:nvSpPr>
         <p:spPr>
           <a:xfrm>
-            <a:off x="357339" y="897487"/>
-            <a:ext cx="1736725" cy="0"/>
+            <a:off x="357339" y="897486"/>
+            <a:ext cx="2004861" cy="45719"/>
           </a:xfrm>
           <a:custGeom>
             <a:avLst/>
@@ -8026,7 +6991,10 @@
           <a:bodyPr wrap="square" lIns="0" tIns="0" rIns="0" bIns="0" rtlCol="0"/>
           <a:lstStyle/>
           <a:p>
-            <a:endParaRPr/>
+            <a:endParaRPr>
+              <a:latin typeface="Adobe Clean Han Regular" panose="020B0500000000000000" pitchFamily="34" charset="-128"/>
+              <a:ea typeface="Adobe Clean Han Regular" panose="020B0500000000000000" pitchFamily="34" charset="-128"/>
+            </a:endParaRPr>
           </a:p>
         </p:txBody>
       </p:sp>
@@ -8039,7 +7007,7 @@
         <p:spPr>
           <a:xfrm>
             <a:off x="357339" y="608961"/>
-            <a:ext cx="1647825" cy="238760"/>
+            <a:ext cx="2161562" cy="228268"/>
           </a:xfrm>
           <a:prstGeom prst="rect">
             <a:avLst/>
@@ -8060,59 +7028,16 @@
               </a:spcBef>
             </a:pPr>
             <a:r>
-              <a:rPr sz="1400" b="1" spc="-10" dirty="0">
+              <a:rPr lang="ja-JP" sz="1400" b="1" dirty="0">
                 <a:solidFill>
                   <a:srgbClr val="020302"/>
                 </a:solidFill>
-                <a:latin typeface="Adobe Clean"/>
+                <a:latin typeface="Adobe Clean Han Regular" panose="020B0500000000000000" pitchFamily="34" charset="-128"/>
+                <a:ea typeface="Adobe Clean Han Regular" panose="020B0500000000000000" pitchFamily="34" charset="-128"/>
                 <a:cs typeface="Adobe Clean"/>
               </a:rPr>
-              <a:t>Elite</a:t>
-            </a:r>
-            <a:r>
-              <a:rPr sz="1400" b="1" spc="-50" dirty="0">
-                <a:solidFill>
-                  <a:srgbClr val="020302"/>
-                </a:solidFill>
-                <a:latin typeface="Adobe Clean"/>
-                <a:cs typeface="Adobe Clean"/>
-              </a:rPr>
-              <a:t> </a:t>
-            </a:r>
-            <a:r>
-              <a:rPr sz="1400" b="1" spc="-10" dirty="0">
-                <a:solidFill>
-                  <a:srgbClr val="020302"/>
-                </a:solidFill>
-                <a:latin typeface="Adobe Clean"/>
-                <a:cs typeface="Adobe Clean"/>
-              </a:rPr>
-              <a:t>Support</a:t>
-            </a:r>
-            <a:r>
-              <a:rPr sz="1400" b="1" spc="-45" dirty="0">
-                <a:solidFill>
-                  <a:srgbClr val="020302"/>
-                </a:solidFill>
-                <a:latin typeface="Adobe Clean"/>
-                <a:cs typeface="Adobe Clean"/>
-              </a:rPr>
-              <a:t> </a:t>
-            </a:r>
-            <a:r>
-              <a:rPr sz="1400" b="1" spc="-15" dirty="0">
-                <a:solidFill>
-                  <a:srgbClr val="020302"/>
-                </a:solidFill>
-                <a:latin typeface="Adobe Clean"/>
-                <a:cs typeface="Adobe Clean"/>
-              </a:rPr>
-              <a:t>Features</a:t>
-            </a:r>
-            <a:endParaRPr sz="1400" dirty="0">
-              <a:latin typeface="Adobe Clean"/>
-              <a:cs typeface="Adobe Clean"/>
-            </a:endParaRPr>
+              <a:t>エリートサポートの特長</a:t>
+            </a:r>
           </a:p>
         </p:txBody>
       </p:sp>
@@ -8146,19 +7071,16 @@
               </a:spcBef>
             </a:pPr>
             <a:r>
-              <a:rPr sz="1000" dirty="0">
+              <a:rPr lang="ja-JP" sz="1000" dirty="0">
                 <a:solidFill>
                   <a:srgbClr val="4B4B4B"/>
                 </a:solidFill>
-                <a:latin typeface="AdobeClean-Light"/>
+                <a:latin typeface="Adobe Clean Han Regular" panose="020B0500000000000000" pitchFamily="34" charset="-128"/>
+                <a:ea typeface="Adobe Clean Han Regular" panose="020B0500000000000000" pitchFamily="34" charset="-128"/>
                 <a:cs typeface="AdobeClean-Light"/>
               </a:rPr>
-              <a:t>A designated support engineer who  becomes familiar with your solution  environment and business goals. The NSE  is an experienced support engineer that  helps coordinate your Enterprise Support  experience..</a:t>
-            </a:r>
-            <a:endParaRPr sz="1000" dirty="0">
-              <a:latin typeface="AdobeClean-Light"/>
-              <a:cs typeface="AdobeClean-Light"/>
-            </a:endParaRPr>
+              <a:t>お客様のソリューション環境およびビジネス目標をよく理解している、専任のサポートエンジニアです。豊富な経験を活かして、お客様のエンタープライズサポートエクスペリエンスの調整を支援します。</a:t>
+            </a:r>
           </a:p>
         </p:txBody>
       </p:sp>
@@ -8240,19 +7162,16 @@
               </a:spcBef>
             </a:pPr>
             <a:r>
-              <a:rPr sz="1000" dirty="0">
+              <a:rPr lang="ja-JP" sz="1000" dirty="0">
                 <a:solidFill>
                   <a:srgbClr val="4B4B4B"/>
                 </a:solidFill>
-                <a:latin typeface="AdobeClean-Light"/>
+                <a:latin typeface="Adobe Clean Han Regular" panose="020B0500000000000000" pitchFamily="34" charset="-128"/>
+                <a:ea typeface="Adobe Clean Han Regular" panose="020B0500000000000000" pitchFamily="34" charset="-128"/>
                 <a:cs typeface="AdobeClean-Light"/>
               </a:rPr>
-              <a:t>Regular scheduled review of open  support requests, ensuring customer  alignment on case description, business  impact, status, priority and agreement on  next steps required to ensure an  expedient resolution.</a:t>
-            </a:r>
-            <a:endParaRPr sz="1000" dirty="0">
-              <a:latin typeface="AdobeClean-Light"/>
-              <a:cs typeface="AdobeClean-Light"/>
-            </a:endParaRPr>
+              <a:t>オープン中のサポートリクエストを定期的にレビューし、ケースの説明、ビジネスへの影響、ステータス、優先度、迅速な解決に必要な次のステップへの合意について、お客様と調整します。</a:t>
+            </a:r>
           </a:p>
         </p:txBody>
       </p:sp>
@@ -8289,7 +7208,7 @@
         <p:spPr>
           <a:xfrm>
             <a:off x="324341" y="1433668"/>
-            <a:ext cx="2194560" cy="782265"/>
+            <a:ext cx="2344636" cy="936154"/>
           </a:xfrm>
           <a:prstGeom prst="rect">
             <a:avLst/>
@@ -8310,24 +7229,15 @@
               </a:spcBef>
             </a:pPr>
             <a:r>
-              <a:rPr sz="1000" dirty="0">
+              <a:rPr lang="ja-JP" sz="1000" dirty="0">
                 <a:solidFill>
                   <a:srgbClr val="020302"/>
                 </a:solidFill>
-                <a:latin typeface="AdobeClean-Light"/>
+                <a:latin typeface="Adobe Clean Han Regular" panose="020B0500000000000000" pitchFamily="34" charset="-128"/>
+                <a:ea typeface="Adobe Clean Han Regular" panose="020B0500000000000000" pitchFamily="34" charset="-128"/>
                 <a:cs typeface="AdobeClean-Light"/>
               </a:rPr>
-              <a:t>A designated Technical Account Manager to  oversee your Elite experience, coordinate  the support and field services  engagements, and provide proactive services  to maximize your business valu</a:t>
-            </a:r>
-            <a:r>
-              <a:rPr lang="en-US" sz="1000" dirty="0">
-                <a:solidFill>
-                  <a:srgbClr val="020302"/>
-                </a:solidFill>
-                <a:latin typeface="AdobeClean-Light"/>
-                <a:cs typeface="AdobeClean-Light"/>
-              </a:rPr>
-              <a:t>e.</a:t>
+              <a:t>エリートエクスペリエンスを監視し、サポートおよびフィールドサービスのエンゲージメントを調整し、ビジネス価値を最大化するためのプロアクティブなサービスを提供する、専任のテクニカルアカウントマネージャーです。</a:t>
             </a:r>
           </a:p>
         </p:txBody>
@@ -8341,7 +7251,7 @@
         <p:spPr>
           <a:xfrm>
             <a:off x="689237" y="1126245"/>
-            <a:ext cx="2194560" cy="169277"/>
+            <a:ext cx="1925405" cy="338554"/>
           </a:xfrm>
           <a:prstGeom prst="rect">
             <a:avLst/>
@@ -8362,19 +7272,16 @@
               </a:spcBef>
             </a:pPr>
             <a:r>
-              <a:rPr sz="1100" b="1" dirty="0">
+              <a:rPr lang="ja-JP" sz="1100" b="1" dirty="0">
                 <a:solidFill>
                   <a:srgbClr val="020302"/>
                 </a:solidFill>
-                <a:latin typeface="Adobe Clean" panose="020B0503020404020204" pitchFamily="34" charset="0"/>
+                <a:latin typeface="Adobe Clean Han Regular" panose="020B0500000000000000" pitchFamily="34" charset="-128"/>
+                <a:ea typeface="Adobe Clean Han Regular" panose="020B0500000000000000" pitchFamily="34" charset="-128"/>
                 <a:cs typeface="Arial"/>
               </a:rPr>
-              <a:t>Technical Account Manager</a:t>
-            </a:r>
-            <a:endParaRPr sz="1100" dirty="0">
-              <a:latin typeface="Adobe Clean" panose="020B0503020404020204" pitchFamily="34" charset="0"/>
-              <a:cs typeface="Arial"/>
-            </a:endParaRPr>
+              <a:t>テクニカルアカウントマネージャー</a:t>
+            </a:r>
           </a:p>
         </p:txBody>
       </p:sp>
@@ -8435,7 +7342,7 @@
         <p:spPr>
           <a:xfrm>
             <a:off x="2791726" y="5243920"/>
-            <a:ext cx="2194560" cy="499111"/>
+            <a:ext cx="2194560" cy="672877"/>
           </a:xfrm>
           <a:prstGeom prst="rect">
             <a:avLst/>
@@ -8456,49 +7363,16 @@
               </a:spcBef>
             </a:pPr>
             <a:r>
-              <a:rPr sz="1000" dirty="0">
+              <a:rPr lang="ja-JP" sz="1000">
                 <a:solidFill>
                   <a:srgbClr val="020302"/>
                 </a:solidFill>
-                <a:latin typeface="AdobeClean-Light"/>
+                <a:latin typeface="Adobe Clean Han Regular" panose="020B0500000000000000" pitchFamily="34" charset="-128"/>
+                <a:ea typeface="Adobe Clean Han Regular" panose="020B0500000000000000" pitchFamily="34" charset="-128"/>
                 <a:cs typeface="AdobeClean-Light"/>
               </a:rPr>
-              <a:t>Ongoing knowledge transfer from Adobe  </a:t>
-            </a:r>
-            <a:r>
-              <a:rPr lang="en-US" sz="1000" dirty="0">
-                <a:solidFill>
-                  <a:srgbClr val="020302"/>
-                </a:solidFill>
-                <a:latin typeface="AdobeClean-Light"/>
-                <a:cs typeface="AdobeClean-Light"/>
-              </a:rPr>
-              <a:t>Support team</a:t>
-            </a:r>
-            <a:r>
-              <a:rPr sz="1000" dirty="0">
-                <a:solidFill>
-                  <a:srgbClr val="020302"/>
-                </a:solidFill>
-                <a:latin typeface="AdobeClean-Light"/>
-                <a:cs typeface="AdobeClean-Light"/>
-              </a:rPr>
-              <a:t> to provide </a:t>
-            </a:r>
-            <a:r>
-              <a:rPr lang="en-US" sz="1000" dirty="0">
-                <a:solidFill>
-                  <a:srgbClr val="020302"/>
-                </a:solidFill>
-                <a:latin typeface="AdobeClean-Light"/>
-                <a:cs typeface="AdobeClean-Light"/>
-              </a:rPr>
-              <a:t>best practices around solution usage.</a:t>
-            </a:r>
-            <a:endParaRPr sz="1000" dirty="0">
-              <a:latin typeface="AdobeClean-Light"/>
-              <a:cs typeface="AdobeClean-Light"/>
-            </a:endParaRPr>
+              <a:t>アドビサポートチームからの継続的なナレッジトランスファーにより、ソリューションの使用に関するベストプラクティスを提供します。</a:t>
+            </a:r>
           </a:p>
         </p:txBody>
       </p:sp>
@@ -8510,8 +7384,8 @@
         </p:nvSpPr>
         <p:spPr>
           <a:xfrm>
-            <a:off x="5265661" y="5243920"/>
-            <a:ext cx="2194560" cy="669927"/>
+            <a:off x="5265660" y="5243920"/>
+            <a:ext cx="2360419" cy="672877"/>
           </a:xfrm>
           <a:prstGeom prst="rect">
             <a:avLst/>
@@ -8532,19 +7406,16 @@
               </a:spcBef>
             </a:pPr>
             <a:r>
-              <a:rPr sz="1000" dirty="0">
+              <a:rPr lang="ja-JP" sz="1000" dirty="0">
                 <a:solidFill>
                   <a:srgbClr val="020302"/>
                 </a:solidFill>
-                <a:latin typeface="AdobeClean-Light"/>
+                <a:latin typeface="Adobe Clean Han Regular" panose="020B0500000000000000" pitchFamily="34" charset="-128"/>
+                <a:ea typeface="Adobe Clean Han Regular" panose="020B0500000000000000" pitchFamily="34" charset="-128"/>
                 <a:cs typeface="AdobeClean-Light"/>
               </a:rPr>
-              <a:t>Manage key events to ensure you have the  right level of support, coverage, and  mitigation plan in place during those key  business and project milestones.</a:t>
-            </a:r>
-            <a:endParaRPr sz="1000" dirty="0">
-              <a:latin typeface="AdobeClean-Light"/>
-              <a:cs typeface="AdobeClean-Light"/>
-            </a:endParaRPr>
+              <a:t>ビジネスおよびプロジェクトの主要なマイルストーンで、適切なレベルのサポート、適用、緩和計画を確実に実施するために、主要なイベントを管理します。</a:t>
+            </a:r>
           </a:p>
         </p:txBody>
       </p:sp>
@@ -8557,7 +7428,7 @@
         <p:spPr>
           <a:xfrm>
             <a:off x="324341" y="5262204"/>
-            <a:ext cx="2194560" cy="698781"/>
+            <a:ext cx="2344636" cy="880241"/>
           </a:xfrm>
           <a:prstGeom prst="rect">
             <a:avLst/>
@@ -8578,19 +7449,16 @@
               </a:spcBef>
             </a:pPr>
             <a:r>
-              <a:rPr sz="1000" dirty="0">
+              <a:rPr lang="ja-JP" sz="1000" spc="-50" dirty="0">
                 <a:solidFill>
                   <a:srgbClr val="020302"/>
                 </a:solidFill>
-                <a:latin typeface="AdobeClean-Light"/>
+                <a:latin typeface="Adobe Clean Han Regular" panose="020B0500000000000000" pitchFamily="34" charset="-128"/>
+                <a:ea typeface="Adobe Clean Han Regular" panose="020B0500000000000000" pitchFamily="34" charset="-128"/>
                 <a:cs typeface="AdobeClean-Light"/>
               </a:rPr>
-              <a:t>Receive personalized guidance on new  product features to take advantage of  latest innovations, and have Adobe  experts review release and upgrade plan.</a:t>
-            </a:r>
-            <a:endParaRPr sz="1000" dirty="0">
-              <a:latin typeface="AdobeClean-Light"/>
-              <a:cs typeface="AdobeClean-Light"/>
-            </a:endParaRPr>
+              <a:t>最新のイノベーションを活用するために新製品の機能についてパーソナライズされたガイダンスを受けたり、アドビのエキスパートがリリースやアップグレード計画をレビューしたりします。</a:t>
+            </a:r>
           </a:p>
         </p:txBody>
       </p:sp>
@@ -8603,7 +7471,7 @@
         <p:spPr>
           <a:xfrm>
             <a:off x="97787" y="9888626"/>
-            <a:ext cx="2202180" cy="149860"/>
+            <a:ext cx="2786010" cy="133370"/>
           </a:xfrm>
           <a:prstGeom prst="rect">
             <a:avLst/>
@@ -8624,99 +7492,16 @@
               </a:spcBef>
             </a:pPr>
             <a:r>
-              <a:rPr sz="800" spc="-15" dirty="0">
+              <a:rPr lang="ja-JP" sz="800" dirty="0">
                 <a:solidFill>
                   <a:srgbClr val="6D6D6D"/>
                 </a:solidFill>
-                <a:latin typeface="Adobe Clean"/>
+                <a:latin typeface="Adobe Clean Han Regular" panose="020B0500000000000000" pitchFamily="34" charset="-128"/>
+                <a:ea typeface="Adobe Clean Han Regular" panose="020B0500000000000000" pitchFamily="34" charset="-128"/>
                 <a:cs typeface="Adobe Clean"/>
               </a:rPr>
-              <a:t>©2021 </a:t>
-            </a:r>
-            <a:r>
-              <a:rPr sz="800" spc="-5" dirty="0">
-                <a:solidFill>
-                  <a:srgbClr val="6D6D6D"/>
-                </a:solidFill>
-                <a:latin typeface="Adobe Clean"/>
-                <a:cs typeface="Adobe Clean"/>
-              </a:rPr>
-              <a:t>Adobe. All</a:t>
-            </a:r>
-            <a:r>
-              <a:rPr sz="800" spc="-15" dirty="0">
-                <a:solidFill>
-                  <a:srgbClr val="6D6D6D"/>
-                </a:solidFill>
-                <a:latin typeface="Adobe Clean"/>
-                <a:cs typeface="Adobe Clean"/>
-              </a:rPr>
-              <a:t> Rights</a:t>
-            </a:r>
-            <a:r>
-              <a:rPr sz="800" spc="-5" dirty="0">
-                <a:solidFill>
-                  <a:srgbClr val="6D6D6D"/>
-                </a:solidFill>
-                <a:latin typeface="Adobe Clean"/>
-                <a:cs typeface="Adobe Clean"/>
-              </a:rPr>
-              <a:t> </a:t>
-            </a:r>
-            <a:r>
-              <a:rPr sz="800" spc="-15" dirty="0">
-                <a:solidFill>
-                  <a:srgbClr val="6D6D6D"/>
-                </a:solidFill>
-                <a:latin typeface="Adobe Clean"/>
-                <a:cs typeface="Adobe Clean"/>
-              </a:rPr>
-              <a:t>Reserved.</a:t>
-            </a:r>
-            <a:r>
-              <a:rPr sz="800" spc="-10" dirty="0">
-                <a:solidFill>
-                  <a:srgbClr val="6D6D6D"/>
-                </a:solidFill>
-                <a:latin typeface="Adobe Clean"/>
-                <a:cs typeface="Adobe Clean"/>
-              </a:rPr>
-              <a:t> </a:t>
-            </a:r>
-            <a:r>
-              <a:rPr sz="800" spc="-5" dirty="0">
-                <a:solidFill>
-                  <a:srgbClr val="6D6D6D"/>
-                </a:solidFill>
-                <a:latin typeface="Adobe Clean"/>
-                <a:cs typeface="Adobe Clean"/>
-              </a:rPr>
-              <a:t>Adobe</a:t>
-            </a:r>
-            <a:r>
-              <a:rPr sz="800" spc="65" dirty="0">
-                <a:solidFill>
-                  <a:srgbClr val="6D6D6D"/>
-                </a:solidFill>
-                <a:latin typeface="Adobe Clean"/>
-                <a:cs typeface="Adobe Clean"/>
-              </a:rPr>
-              <a:t> </a:t>
-            </a:r>
-            <a:r>
-              <a:rPr sz="800" spc="-15" dirty="0">
-                <a:solidFill>
-                  <a:srgbClr val="6D6D6D"/>
-                </a:solidFill>
-                <a:latin typeface="Adobe Clean"/>
-                <a:cs typeface="Adobe Clean"/>
-              </a:rPr>
-              <a:t>Confidential.</a:t>
-            </a:r>
-            <a:endParaRPr sz="800">
-              <a:latin typeface="Adobe Clean"/>
-              <a:cs typeface="Adobe Clean"/>
-            </a:endParaRPr>
+              <a:t>©2021 Adobe.All Rights Reserved.Adobe Confidential.</a:t>
+            </a:r>
           </a:p>
         </p:txBody>
       </p:sp>
@@ -8774,7 +7559,7 @@
         <p:spPr>
           <a:xfrm>
             <a:off x="2791726" y="9060487"/>
-            <a:ext cx="2194560" cy="487313"/>
+            <a:ext cx="2194560" cy="795089"/>
           </a:xfrm>
           <a:prstGeom prst="rect">
             <a:avLst/>
@@ -8798,152 +7583,16 @@
               </a:tabLst>
             </a:pPr>
             <a:r>
-              <a:rPr sz="1000" spc="-20" dirty="0">
+              <a:rPr lang="ja-JP" sz="1000">
                 <a:solidFill>
                   <a:srgbClr val="020302"/>
                 </a:solidFill>
-                <a:latin typeface="AdobeClean-Light"/>
+                <a:latin typeface="Adobe Clean Han Regular" panose="020B0500000000000000" pitchFamily="34" charset="-128"/>
+                <a:ea typeface="Adobe Clean Han Regular" panose="020B0500000000000000" pitchFamily="34" charset="-128"/>
                 <a:cs typeface="AdobeClean-Light"/>
               </a:rPr>
-              <a:t>Start </a:t>
-            </a:r>
-            <a:r>
-              <a:rPr sz="1000" dirty="0">
-                <a:solidFill>
-                  <a:srgbClr val="020302"/>
-                </a:solidFill>
-                <a:latin typeface="AdobeClean-Light"/>
-                <a:cs typeface="AdobeClean-Light"/>
-              </a:rPr>
-              <a:t>a </a:t>
-            </a:r>
-            <a:r>
-              <a:rPr sz="1000" spc="-15" dirty="0">
-                <a:solidFill>
-                  <a:srgbClr val="020302"/>
-                </a:solidFill>
-                <a:latin typeface="AdobeClean-Light"/>
-                <a:cs typeface="AdobeClean-Light"/>
-              </a:rPr>
-              <a:t>chat </a:t>
-            </a:r>
-            <a:r>
-              <a:rPr sz="1000" spc="-10" dirty="0">
-                <a:solidFill>
-                  <a:srgbClr val="020302"/>
-                </a:solidFill>
-                <a:latin typeface="AdobeClean-Light"/>
-                <a:cs typeface="AdobeClean-Light"/>
-              </a:rPr>
-              <a:t>session </a:t>
-            </a:r>
-            <a:r>
-              <a:rPr sz="1000" spc="-5" dirty="0">
-                <a:solidFill>
-                  <a:srgbClr val="020302"/>
-                </a:solidFill>
-                <a:latin typeface="AdobeClean-Light"/>
-                <a:cs typeface="AdobeClean-Light"/>
-              </a:rPr>
-              <a:t>to </a:t>
-            </a:r>
-            <a:r>
-              <a:rPr sz="1000" spc="-10" dirty="0">
-                <a:solidFill>
-                  <a:srgbClr val="020302"/>
-                </a:solidFill>
-                <a:latin typeface="AdobeClean-Light"/>
-                <a:cs typeface="AdobeClean-Light"/>
-              </a:rPr>
-              <a:t>get </a:t>
-            </a:r>
-            <a:r>
-              <a:rPr sz="1000" spc="-20" dirty="0">
-                <a:solidFill>
-                  <a:srgbClr val="020302"/>
-                </a:solidFill>
-                <a:latin typeface="AdobeClean-Light"/>
-                <a:cs typeface="AdobeClean-Light"/>
-              </a:rPr>
-              <a:t>answers</a:t>
-            </a:r>
-            <a:r>
-              <a:rPr lang="en-US" sz="1000" spc="-45" dirty="0">
-                <a:solidFill>
-                  <a:srgbClr val="020302"/>
-                </a:solidFill>
-                <a:latin typeface="AdobeClean-Light"/>
-                <a:cs typeface="AdobeClean-Light"/>
-              </a:rPr>
-              <a:t> </a:t>
-            </a:r>
-            <a:r>
-              <a:rPr lang="en-US" sz="1000" dirty="0">
-                <a:solidFill>
-                  <a:srgbClr val="020302"/>
-                </a:solidFill>
-                <a:latin typeface="AdobeClean-Light"/>
-                <a:cs typeface="AdobeClean-Light"/>
-              </a:rPr>
-              <a:t>&amp; </a:t>
-            </a:r>
-            <a:r>
-              <a:rPr sz="1000" spc="-15" dirty="0">
-                <a:solidFill>
-                  <a:srgbClr val="020302"/>
-                </a:solidFill>
-                <a:latin typeface="AdobeClean-Light"/>
-                <a:cs typeface="AdobeClean-Light"/>
-              </a:rPr>
-              <a:t>help </a:t>
-            </a:r>
-            <a:r>
-              <a:rPr sz="1000" spc="-10" dirty="0">
-                <a:solidFill>
-                  <a:srgbClr val="020302"/>
-                </a:solidFill>
-                <a:latin typeface="AdobeClean-Light"/>
-                <a:cs typeface="AdobeClean-Light"/>
-              </a:rPr>
-              <a:t>with</a:t>
-            </a:r>
-            <a:r>
-              <a:rPr sz="1000" spc="85" dirty="0">
-                <a:solidFill>
-                  <a:srgbClr val="020302"/>
-                </a:solidFill>
-                <a:latin typeface="AdobeClean-Light"/>
-                <a:cs typeface="AdobeClean-Light"/>
-              </a:rPr>
-              <a:t> </a:t>
-            </a:r>
-            <a:r>
-              <a:rPr sz="1000" spc="-10" dirty="0">
-                <a:solidFill>
-                  <a:srgbClr val="020302"/>
-                </a:solidFill>
-                <a:latin typeface="AdobeClean-Light"/>
-                <a:cs typeface="AdobeClean-Light"/>
-              </a:rPr>
-              <a:t>case </a:t>
-            </a:r>
-            <a:r>
-              <a:rPr sz="1000" spc="-20" dirty="0">
-                <a:solidFill>
-                  <a:srgbClr val="020302"/>
-                </a:solidFill>
-                <a:latin typeface="AdobeClean-Light"/>
-                <a:cs typeface="AdobeClean-Light"/>
-              </a:rPr>
-              <a:t>submission</a:t>
-            </a:r>
-            <a:endParaRPr lang="en-US" sz="1000" spc="-20" dirty="0">
-              <a:solidFill>
-                <a:srgbClr val="020302"/>
-              </a:solidFill>
-              <a:latin typeface="AdobeClean-Light"/>
-              <a:cs typeface="AdobeClean-Light"/>
-            </a:endParaRPr>
+              <a:t>チャットセッションを開始すると、回答やケース申請による支援を受けることができます。</a:t>
+            </a:r>
           </a:p>
           <a:p>
             <a:pPr marL="33020" marR="159385">
@@ -8958,39 +7607,27 @@
               </a:tabLst>
             </a:pPr>
             <a:r>
-              <a:rPr sz="1000" i="1" spc="-10" dirty="0">
+              <a:rPr lang="ja-JP" sz="1000" i="1">
                 <a:solidFill>
                   <a:srgbClr val="7A7A7A"/>
                 </a:solidFill>
-                <a:latin typeface="AdobeClean-LightIt"/>
+                <a:latin typeface="Adobe Clean Han Regular" panose="020B0500000000000000" pitchFamily="34" charset="-128"/>
+                <a:ea typeface="Adobe Clean Han Regular" panose="020B0500000000000000" pitchFamily="34" charset="-128"/>
                 <a:cs typeface="AdobeClean-LightIt"/>
               </a:rPr>
-              <a:t>*Not all </a:t>
-            </a:r>
-            <a:r>
-              <a:rPr sz="1000" i="1" spc="-20" dirty="0">
+              <a:t>* すべての製品にライブチャットサポートがあるわけではありません</a:t>
+            </a:r>
+            <a:r>
+              <a:rPr lang="ja-JP" sz="900" i="1">
                 <a:solidFill>
                   <a:srgbClr val="7A7A7A"/>
                 </a:solidFill>
-                <a:latin typeface="AdobeClean-LightIt"/>
+                <a:latin typeface="Adobe Clean Han Regular" panose="020B0500000000000000" pitchFamily="34" charset="-128"/>
+                <a:ea typeface="Adobe Clean Han Regular" panose="020B0500000000000000" pitchFamily="34" charset="-128"/>
                 <a:cs typeface="AdobeClean-LightIt"/>
               </a:rPr>
-              <a:t>products have live chat support</a:t>
-            </a:r>
-            <a:r>
-              <a:rPr sz="900" i="1" spc="-20" dirty="0">
-                <a:solidFill>
-                  <a:srgbClr val="7A7A7A"/>
-                </a:solidFill>
-                <a:latin typeface="AdobeClean-LightIt"/>
-                <a:cs typeface="AdobeClean-LightIt"/>
-              </a:rPr>
-              <a:t>.  </a:t>
-            </a:r>
-            <a:endParaRPr sz="900" dirty="0">
-              <a:latin typeface="AdobeClean-Light"/>
-              <a:cs typeface="AdobeClean-Light"/>
-            </a:endParaRPr>
+              <a:t>。  </a:t>
+            </a:r>
           </a:p>
         </p:txBody>
       </p:sp>
@@ -9011,7 +7648,7 @@
         <p:spPr>
           <a:xfrm>
             <a:off x="689237" y="6756914"/>
-            <a:ext cx="1568246" cy="184666"/>
+            <a:ext cx="2194560" cy="184666"/>
           </a:xfrm>
           <a:prstGeom prst="rect">
             <a:avLst/>
@@ -9037,12 +7674,14 @@
               <a:defRPr/>
             </a:pPr>
             <a:r>
-              <a:rPr lang="en-US" sz="1200" dirty="0">
+              <a:rPr lang="ja-JP" sz="1200" dirty="0">
                 <a:solidFill>
                   <a:srgbClr val="000000"/>
                 </a:solidFill>
+                <a:latin typeface="Adobe Clean Han Regular" panose="020B0500000000000000" pitchFamily="34" charset="-128"/>
+                <a:ea typeface="Adobe Clean Han Regular" panose="020B0500000000000000" pitchFamily="34" charset="-128"/>
               </a:rPr>
-              <a:t>Community Forums</a:t>
+              <a:t>コミュニティフォーラム</a:t>
             </a:r>
           </a:p>
         </p:txBody>
@@ -9064,7 +7703,7 @@
         <p:spPr>
           <a:xfrm>
             <a:off x="689237" y="6960100"/>
-            <a:ext cx="959314" cy="184666"/>
+            <a:ext cx="2163190" cy="184666"/>
           </a:xfrm>
           <a:prstGeom prst="rect">
             <a:avLst/>
@@ -9085,12 +7724,12 @@
               </a:spcAft>
             </a:pPr>
             <a:r>
-              <a:rPr lang="en-US" sz="1200" b="1" dirty="0">
-                <a:latin typeface="+mj-lt"/>
-                <a:ea typeface="Open Sans" pitchFamily="34" charset="0"/>
+              <a:rPr lang="ja-JP" sz="1200" b="1" dirty="0">
+                <a:latin typeface="Adobe Clean Han Regular" panose="020B0500000000000000" pitchFamily="34" charset="-128"/>
+                <a:ea typeface="Adobe Clean Han Regular" panose="020B0500000000000000" pitchFamily="34" charset="-128"/>
                 <a:cs typeface="Open Sans" pitchFamily="34" charset="0"/>
               </a:rPr>
-              <a:t>Online Forums</a:t>
+              <a:t>オンラインフォーラム</a:t>
             </a:r>
           </a:p>
         </p:txBody>
@@ -9110,7 +7749,7 @@
         <p:spPr>
           <a:xfrm>
             <a:off x="324341" y="7152361"/>
-            <a:ext cx="2194560" cy="959237"/>
+            <a:ext cx="2194560" cy="1113125"/>
           </a:xfrm>
           <a:prstGeom prst="rect">
             <a:avLst/>
@@ -9123,13 +7762,14 @@
           <a:lstStyle/>
           <a:p>
             <a:r>
-              <a:rPr lang="en-US" sz="1000" dirty="0">
+              <a:rPr lang="ja-JP" sz="1000" dirty="0">
                 <a:solidFill>
                   <a:srgbClr val="4B4B4B"/>
                 </a:solidFill>
-                <a:latin typeface="Adobe Clean Light" panose="020B0303020404020204" pitchFamily="34" charset="0"/>
+                <a:latin typeface="Adobe Clean Han Regular" panose="020B0500000000000000" pitchFamily="34" charset="-128"/>
+                <a:ea typeface="Adobe Clean Han Regular" panose="020B0500000000000000" pitchFamily="34" charset="-128"/>
               </a:rPr>
-              <a:t>Continuous online access to a growing database of technical solutions, product documentation, FAQs and more. Connect with practitioners and other customers on Adobe Community to share best practices and lessons learned</a:t>
+              <a:t>テクニカルソリューション、製品ドキュメント、FAQ などの増大するデータベースにオンラインで継続的にアクセスできます。また、アドビコミュニティで実務担当者や他のお客様と繋がり、ベストプラクティスや学習した内容を共有できます。</a:t>
             </a:r>
           </a:p>
         </p:txBody>
@@ -9177,10 +7817,12 @@
               <a:defRPr/>
             </a:pPr>
             <a:r>
-              <a:rPr lang="en-US" sz="1200" dirty="0">
+              <a:rPr lang="ja-JP" sz="1200">
                 <a:solidFill>
                   <a:srgbClr val="000000"/>
                 </a:solidFill>
+                <a:latin typeface="Adobe Clean Han Regular" panose="020B0500000000000000" pitchFamily="34" charset="-128"/>
+                <a:ea typeface="Adobe Clean Han Regular" panose="020B0500000000000000" pitchFamily="34" charset="-128"/>
               </a:rPr>
               <a:t>Experience League</a:t>
             </a:r>
@@ -9204,7 +7846,7 @@
         <p:spPr>
           <a:xfrm>
             <a:off x="5723508" y="6960100"/>
-            <a:ext cx="1316707" cy="184666"/>
+            <a:ext cx="1745671" cy="184666"/>
           </a:xfrm>
           <a:prstGeom prst="rect">
             <a:avLst/>
@@ -9225,12 +7867,12 @@
               </a:spcAft>
             </a:pPr>
             <a:r>
-              <a:rPr lang="en-US" sz="1200" b="1" dirty="0">
-                <a:latin typeface="+mj-lt"/>
-                <a:ea typeface="Open Sans" pitchFamily="34" charset="0"/>
+              <a:rPr lang="ja-JP" sz="1200" b="1">
+                <a:latin typeface="Adobe Clean Han Regular" panose="020B0500000000000000" pitchFamily="34" charset="-128"/>
+                <a:ea typeface="Adobe Clean Han Regular" panose="020B0500000000000000" pitchFamily="34" charset="-128"/>
                 <a:cs typeface="Open Sans" pitchFamily="34" charset="0"/>
               </a:rPr>
-              <a:t>Self-guided Journeys</a:t>
+              <a:t>セルフガイドジャーニー</a:t>
             </a:r>
           </a:p>
         </p:txBody>
@@ -9250,7 +7892,7 @@
         <p:spPr>
           <a:xfrm>
             <a:off x="5265661" y="7152361"/>
-            <a:ext cx="2194560" cy="1113125"/>
+            <a:ext cx="2360418" cy="1267014"/>
           </a:xfrm>
           <a:prstGeom prst="rect">
             <a:avLst/>
@@ -9263,13 +7905,14 @@
           <a:lstStyle/>
           <a:p>
             <a:r>
-              <a:rPr lang="en-US" sz="1000" dirty="0">
+              <a:rPr lang="ja-JP" sz="1000" dirty="0">
                 <a:solidFill>
                   <a:srgbClr val="4B4B4B"/>
                 </a:solidFill>
-                <a:latin typeface="Adobe Clean Light" panose="020B0303020404020204" pitchFamily="34" charset="0"/>
+                <a:latin typeface="Adobe Clean Han Regular" panose="020B0500000000000000" pitchFamily="34" charset="-128"/>
+                <a:ea typeface="Adobe Clean Han Regular" panose="020B0500000000000000" pitchFamily="34" charset="-128"/>
               </a:rPr>
-              <a:t>Experience Makers are made with Experience League. Customers can kickstart their Customer Experience Management abilities with personalized learning to develop skills, engage with a global community of peers, and earn career advancing recognition</a:t>
+              <a:t>エクスペリエンスメーカーは、Experience League から誕生します。Experience League に参加すると、パーソナライズされた学習で、顧客体験管理能力を強化することができます。スキルの向上や、グローバルコミュニティでの仲間との交流のほか、キャリアアップに役立つ評価の獲得も可能です。</a:t>
             </a:r>
           </a:p>
         </p:txBody>
@@ -9291,7 +7934,7 @@
         <p:spPr>
           <a:xfrm>
             <a:off x="3201544" y="8560230"/>
-            <a:ext cx="1543003" cy="184666"/>
+            <a:ext cx="1861183" cy="184666"/>
           </a:xfrm>
           <a:prstGeom prst="rect">
             <a:avLst/>
@@ -9317,12 +7960,14 @@
               <a:defRPr/>
             </a:pPr>
             <a:r>
-              <a:rPr lang="en-US" sz="1200" dirty="0">
+              <a:rPr lang="ja-JP" sz="1200" dirty="0">
                 <a:solidFill>
                   <a:srgbClr val="000000"/>
                 </a:solidFill>
+                <a:latin typeface="Adobe Clean Han Regular" panose="020B0500000000000000" pitchFamily="34" charset="-128"/>
+                <a:ea typeface="Adobe Clean Han Regular" panose="020B0500000000000000" pitchFamily="34" charset="-128"/>
               </a:rPr>
-              <a:t>Live Chat  Support*</a:t>
+              <a:t>ライブチャットサポート*</a:t>
             </a:r>
           </a:p>
         </p:txBody>
@@ -9344,7 +7989,7 @@
         <p:spPr>
           <a:xfrm>
             <a:off x="3201544" y="8741449"/>
-            <a:ext cx="840166" cy="184666"/>
+            <a:ext cx="1269578" cy="184666"/>
           </a:xfrm>
           <a:prstGeom prst="rect">
             <a:avLst/>
@@ -9365,12 +8010,12 @@
               </a:spcAft>
             </a:pPr>
             <a:r>
-              <a:rPr lang="en-US" sz="1200" b="1" dirty="0">
-                <a:latin typeface="+mj-lt"/>
-                <a:ea typeface="Open Sans" pitchFamily="34" charset="0"/>
+              <a:rPr lang="ja-JP" sz="1200" b="1" dirty="0">
+                <a:latin typeface="Adobe Clean Han Regular" panose="020B0500000000000000" pitchFamily="34" charset="-128"/>
+                <a:ea typeface="Adobe Clean Han Regular" panose="020B0500000000000000" pitchFamily="34" charset="-128"/>
                 <a:cs typeface="Open Sans" pitchFamily="34" charset="0"/>
               </a:rPr>
-              <a:t>Chat Support</a:t>
+              <a:t>チャットサポート</a:t>
             </a:r>
           </a:p>
         </p:txBody>
@@ -9418,12 +8063,14 @@
               <a:defRPr/>
             </a:pPr>
             <a:r>
-              <a:rPr lang="en-US" sz="1200" dirty="0">
+              <a:rPr lang="ja-JP" sz="1200">
                 <a:solidFill>
                   <a:srgbClr val="000000"/>
                 </a:solidFill>
+                <a:latin typeface="Adobe Clean Han Regular" panose="020B0500000000000000" pitchFamily="34" charset="-128"/>
+                <a:ea typeface="Adobe Clean Han Regular" panose="020B0500000000000000" pitchFamily="34" charset="-128"/>
               </a:rPr>
-              <a:t>24X7 P1 </a:t>
+              <a:t>24 時間年中無休 P1 </a:t>
             </a:r>
           </a:p>
         </p:txBody>
@@ -9445,7 +8092,7 @@
         <p:spPr>
           <a:xfrm>
             <a:off x="3201544" y="6960100"/>
-            <a:ext cx="992259" cy="184666"/>
+            <a:ext cx="952184" cy="184666"/>
           </a:xfrm>
           <a:prstGeom prst="rect">
             <a:avLst/>
@@ -9466,12 +8113,12 @@
               </a:spcAft>
             </a:pPr>
             <a:r>
-              <a:rPr lang="en-US" sz="1200" b="1" dirty="0">
-                <a:latin typeface="+mj-lt"/>
-                <a:ea typeface="Open Sans" pitchFamily="34" charset="0"/>
+              <a:rPr lang="ja-JP" sz="1200" b="1">
+                <a:latin typeface="Adobe Clean Han Regular" panose="020B0500000000000000" pitchFamily="34" charset="-128"/>
+                <a:ea typeface="Adobe Clean Han Regular" panose="020B0500000000000000" pitchFamily="34" charset="-128"/>
                 <a:cs typeface="Open Sans" pitchFamily="34" charset="0"/>
               </a:rPr>
-              <a:t>Phone  Support</a:t>
+              <a:t>電話サポート</a:t>
             </a:r>
           </a:p>
         </p:txBody>
@@ -9491,7 +8138,7 @@
         <p:spPr>
           <a:xfrm>
             <a:off x="2791726" y="7152361"/>
-            <a:ext cx="2194560" cy="805349"/>
+            <a:ext cx="2194560" cy="959237"/>
           </a:xfrm>
           <a:prstGeom prst="rect">
             <a:avLst/>
@@ -9504,35 +8151,32 @@
           <a:lstStyle/>
           <a:p>
             <a:r>
-              <a:rPr lang="en-US" sz="1000" dirty="0">
+              <a:rPr lang="ja-JP" sz="1000">
                 <a:solidFill>
                   <a:srgbClr val="020302"/>
                 </a:solidFill>
-                <a:latin typeface="AdobeClean-Light"/>
+                <a:latin typeface="Adobe Clean Han Regular" panose="020B0500000000000000" pitchFamily="34" charset="-128"/>
+                <a:ea typeface="Adobe Clean Han Regular" panose="020B0500000000000000" pitchFamily="34" charset="-128"/>
               </a:rPr>
-              <a:t>Authorized users or </a:t>
-            </a:r>
-            <a:r>
-              <a:rPr lang="en-US" sz="1000" b="1" dirty="0">
+              <a:t>承認済みユーザーまたは</a:t>
+            </a:r>
+            <a:r>
+              <a:rPr lang="ja-JP" sz="1000" b="1">
                 <a:solidFill>
                   <a:srgbClr val="020302"/>
                 </a:solidFill>
-                <a:latin typeface="AdobeClean-Light"/>
+                <a:latin typeface="Adobe Clean Han Regular" panose="020B0500000000000000" pitchFamily="34" charset="-128"/>
+                <a:ea typeface="Adobe Clean Han Regular" panose="020B0500000000000000" pitchFamily="34" charset="-128"/>
               </a:rPr>
-              <a:t>Named Support Contacts </a:t>
-            </a:r>
-            <a:r>
-              <a:rPr lang="en-US" sz="1000" dirty="0">
-                <a:latin typeface="Adobe Clean Light" panose="020B0303020404020204" pitchFamily="34" charset="0"/>
+              <a:t>サポート対象ユーザー</a:t>
+            </a:r>
+            <a:r>
+              <a:rPr lang="ja-JP" sz="1000">
+                <a:latin typeface="Adobe Clean Han Regular" panose="020B0500000000000000" pitchFamily="34" charset="-128"/>
+                <a:ea typeface="Adobe Clean Han Regular" panose="020B0500000000000000" pitchFamily="34" charset="-128"/>
               </a:rPr>
-              <a:t>can submit issues through all available  channels (including phone for P1) and interact with our technical support team on behalf of your company. </a:t>
-            </a:r>
-            <a:endParaRPr lang="en-US" sz="1000" dirty="0">
-              <a:solidFill>
-                <a:srgbClr val="000000"/>
-              </a:solidFill>
-              <a:latin typeface="Adobe Clean Light" panose="020B0303020404020204" pitchFamily="34" charset="0"/>
-            </a:endParaRPr>
+              <a:t>は、使用可能なすべてのチャネル（P1 の場合は電話を含む）を通じて問題を申請でき、お客様の会社を代表してアドビのテクニカルサポートチームとやり取りできます。 </a:t>
+            </a:r>
           </a:p>
         </p:txBody>
       </p:sp>
@@ -9550,8 +8194,8 @@
         </p:nvSpPr>
         <p:spPr>
           <a:xfrm>
-            <a:off x="214971" y="6447157"/>
-            <a:ext cx="1848207" cy="45719"/>
+            <a:off x="214971" y="6690432"/>
+            <a:ext cx="2194560" cy="91368"/>
           </a:xfrm>
           <a:custGeom>
             <a:avLst/>
@@ -9580,7 +8224,10 @@
           <a:bodyPr wrap="square" lIns="0" tIns="0" rIns="0" bIns="0" rtlCol="0"/>
           <a:lstStyle/>
           <a:p>
-            <a:endParaRPr/>
+            <a:endParaRPr>
+              <a:latin typeface="Adobe Clean Han Regular" panose="020B0500000000000000" pitchFamily="34" charset="-128"/>
+              <a:ea typeface="Adobe Clean Han Regular" panose="020B0500000000000000" pitchFamily="34" charset="-128"/>
+            </a:endParaRPr>
           </a:p>
         </p:txBody>
       </p:sp>
@@ -9627,10 +8274,12 @@
               <a:defRPr/>
             </a:pPr>
             <a:r>
-              <a:rPr lang="en-US" sz="1200" dirty="0">
+              <a:rPr lang="ja-JP" sz="1200">
                 <a:solidFill>
                   <a:srgbClr val="000000"/>
                 </a:solidFill>
+                <a:latin typeface="Adobe Clean Han Regular" panose="020B0500000000000000" pitchFamily="34" charset="-128"/>
+                <a:ea typeface="Adobe Clean Han Regular" panose="020B0500000000000000" pitchFamily="34" charset="-128"/>
               </a:rPr>
               <a:t>Office Hours</a:t>
             </a:r>
@@ -9654,7 +8303,7 @@
         <p:spPr>
           <a:xfrm>
             <a:off x="689237" y="8741449"/>
-            <a:ext cx="604974" cy="184666"/>
+            <a:ext cx="793487" cy="184666"/>
           </a:xfrm>
           <a:prstGeom prst="rect">
             <a:avLst/>
@@ -9675,12 +8324,12 @@
               </a:spcAft>
             </a:pPr>
             <a:r>
-              <a:rPr lang="en-US" sz="1200" b="1" dirty="0">
-                <a:latin typeface="+mj-lt"/>
-                <a:ea typeface="Open Sans" pitchFamily="34" charset="0"/>
+              <a:rPr lang="ja-JP" sz="1200" b="1">
+                <a:latin typeface="Adobe Clean Han Regular" panose="020B0500000000000000" pitchFamily="34" charset="-128"/>
+                <a:ea typeface="Adobe Clean Han Regular" panose="020B0500000000000000" pitchFamily="34" charset="-128"/>
                 <a:cs typeface="Open Sans" pitchFamily="34" charset="0"/>
               </a:rPr>
-              <a:t>Webinars</a:t>
+              <a:t>ウェビナー</a:t>
             </a:r>
           </a:p>
         </p:txBody>
@@ -9699,8 +8348,8 @@
         </p:nvSpPr>
         <p:spPr>
           <a:xfrm>
-            <a:off x="355868" y="9026059"/>
-            <a:ext cx="2194560" cy="805349"/>
+            <a:off x="355868" y="8962896"/>
+            <a:ext cx="2194560" cy="866904"/>
           </a:xfrm>
           <a:prstGeom prst="rect">
             <a:avLst/>
@@ -9713,13 +8362,14 @@
           <a:lstStyle/>
           <a:p>
             <a:r>
-              <a:rPr lang="en-US" sz="1000" dirty="0">
+              <a:rPr lang="ja-JP" sz="900" dirty="0">
                 <a:solidFill>
                   <a:srgbClr val="4B4B4B"/>
                 </a:solidFill>
-                <a:latin typeface="Adobe Clean Light" panose="020B0303020404020204" pitchFamily="34" charset="0"/>
+                <a:latin typeface="Adobe Clean Han Regular" panose="020B0500000000000000" pitchFamily="34" charset="-128"/>
+                <a:ea typeface="Adobe Clean Han Regular" panose="020B0500000000000000" pitchFamily="34" charset="-128"/>
               </a:rPr>
-              <a:t>Office Hours led by the Adobe Customer Support team includes sessions designed to inform as well as help participants troubleshoot problems and provide tips and tricks for success with Adobe solutions. </a:t>
+              <a:t>アドビカスタマーサポートチームによる Office Hours には、参加者に情報を提供するだけでなく、問題のトラブルシューティングやアドビソリューションで成功するためのヒントやテクニックを紹介することを目的としたセッションが含まれています。 </a:t>
             </a:r>
           </a:p>
         </p:txBody>
@@ -9741,7 +8391,7 @@
         <p:spPr>
           <a:xfrm>
             <a:off x="5723508" y="8560230"/>
-            <a:ext cx="1303746" cy="184666"/>
+            <a:ext cx="2090406" cy="184666"/>
           </a:xfrm>
           <a:prstGeom prst="rect">
             <a:avLst/>
@@ -9767,12 +8417,14 @@
               <a:defRPr/>
             </a:pPr>
             <a:r>
-              <a:rPr lang="en-US" sz="1200" dirty="0">
+              <a:rPr lang="ja-JP" sz="1200" dirty="0">
                 <a:solidFill>
                   <a:srgbClr val="000000"/>
                 </a:solidFill>
+                <a:latin typeface="Adobe Clean Han Regular" panose="020B0500000000000000" pitchFamily="34" charset="-128"/>
+                <a:ea typeface="Adobe Clean Han Regular" panose="020B0500000000000000" pitchFamily="34" charset="-128"/>
               </a:rPr>
-              <a:t>Self-help Portals</a:t>
+              <a:t>セルフサービスポータル</a:t>
             </a:r>
           </a:p>
         </p:txBody>
@@ -9794,7 +8446,7 @@
         <p:spPr>
           <a:xfrm>
             <a:off x="5723508" y="8741449"/>
-            <a:ext cx="1267206" cy="184666"/>
+            <a:ext cx="1328056" cy="369332"/>
           </a:xfrm>
           <a:prstGeom prst="rect">
             <a:avLst/>
@@ -9815,12 +8467,27 @@
               </a:spcAft>
             </a:pPr>
             <a:r>
-              <a:rPr lang="en-US" sz="1200" b="1" dirty="0">
-                <a:latin typeface="+mj-lt"/>
-                <a:ea typeface="Open Sans" pitchFamily="34" charset="0"/>
+              <a:rPr lang="ja-JP" sz="1200" b="1" dirty="0">
+                <a:latin typeface="Adobe Clean Han Regular" panose="020B0500000000000000" pitchFamily="34" charset="-128"/>
+                <a:ea typeface="Adobe Clean Han Regular" panose="020B0500000000000000" pitchFamily="34" charset="-128"/>
                 <a:cs typeface="Open Sans" pitchFamily="34" charset="0"/>
               </a:rPr>
-              <a:t>24/7 Support Portal</a:t>
+              <a:t>24 時間年中無休の</a:t>
+            </a:r>
+            <a:br>
+              <a:rPr lang="sk-SK" altLang="ja-JP" sz="1200" b="1" dirty="0">
+                <a:latin typeface="Adobe Clean Han Regular" panose="020B0500000000000000" pitchFamily="34" charset="-128"/>
+                <a:ea typeface="Adobe Clean Han Regular" panose="020B0500000000000000" pitchFamily="34" charset="-128"/>
+                <a:cs typeface="Open Sans" pitchFamily="34" charset="0"/>
+              </a:rPr>
+            </a:br>
+            <a:r>
+              <a:rPr lang="ja-JP" sz="1200" b="1" dirty="0">
+                <a:latin typeface="Adobe Clean Han Regular" panose="020B0500000000000000" pitchFamily="34" charset="-128"/>
+                <a:ea typeface="Adobe Clean Han Regular" panose="020B0500000000000000" pitchFamily="34" charset="-128"/>
+                <a:cs typeface="Open Sans" pitchFamily="34" charset="0"/>
+              </a:rPr>
+              <a:t>サポートポータル</a:t>
             </a:r>
           </a:p>
         </p:txBody>
@@ -9839,8 +8506,8 @@
         </p:nvSpPr>
         <p:spPr>
           <a:xfrm>
-            <a:off x="5265661" y="8987081"/>
-            <a:ext cx="2194560" cy="805349"/>
+            <a:off x="5265661" y="9144000"/>
+            <a:ext cx="2506740" cy="866904"/>
           </a:xfrm>
           <a:prstGeom prst="rect">
             <a:avLst/>
@@ -9853,30 +8520,14 @@
           <a:lstStyle/>
           <a:p>
             <a:r>
-              <a:rPr lang="en-US" sz="1000" dirty="0">
+              <a:rPr lang="ja-JP" sz="900" dirty="0">
                 <a:solidFill>
                   <a:srgbClr val="4B4B4B"/>
                 </a:solidFill>
-                <a:latin typeface="Adobe Clean Light" panose="020B0303020404020204" pitchFamily="34" charset="0"/>
+                <a:latin typeface="Adobe Clean Han Regular" panose="020B0500000000000000" pitchFamily="34" charset="-128"/>
+                <a:ea typeface="Adobe Clean Han Regular" panose="020B0500000000000000" pitchFamily="34" charset="-128"/>
               </a:rPr>
-              <a:t>On-demand access to the online </a:t>
-            </a:r>
-            <a:br>
-              <a:rPr lang="en-US" sz="1000" dirty="0">
-                <a:solidFill>
-                  <a:srgbClr val="4B4B4B"/>
-                </a:solidFill>
-                <a:latin typeface="Adobe Clean Light" panose="020B0303020404020204" pitchFamily="34" charset="0"/>
-              </a:rPr>
-            </a:br>
-            <a:r>
-              <a:rPr lang="en-US" sz="1000" dirty="0">
-                <a:solidFill>
-                  <a:srgbClr val="4B4B4B"/>
-                </a:solidFill>
-                <a:latin typeface="Adobe Clean Light" panose="020B0303020404020204" pitchFamily="34" charset="0"/>
-              </a:rPr>
-              <a:t>Self-help Support Portal to submit support requests, review case status, and browse other resources, like our knowledgebase, news and alerts, featured tips, and more.</a:t>
+              <a:t>オンラインのセルフサービスサポートポータルにオンデマンドでアクセスして、サポートリクエストを申請したり、ケースのステータスを確認したり、その他のリソース（ナレッジベース、ニュースとアラート、注目すべきヒントなど）を参照したりできます。</a:t>
             </a:r>
           </a:p>
         </p:txBody>
@@ -10166,7 +8817,10 @@
           <a:bodyPr wrap="square" lIns="0" tIns="0" rIns="0" bIns="0" rtlCol="0"/>
           <a:lstStyle/>
           <a:p>
-            <a:endParaRPr/>
+            <a:endParaRPr>
+              <a:latin typeface="Adobe Clean Han Regular" panose="020B0500000000000000" pitchFamily="34" charset="-128"/>
+              <a:ea typeface="Adobe Clean Han Regular" panose="020B0500000000000000" pitchFamily="34" charset="-128"/>
+            </a:endParaRPr>
           </a:p>
         </p:txBody>
       </p:sp>
@@ -10184,8 +8838,8 @@
         </p:nvSpPr>
         <p:spPr>
           <a:xfrm>
-            <a:off x="214971" y="6124178"/>
-            <a:ext cx="1930978" cy="307777"/>
+            <a:off x="214971" y="6367453"/>
+            <a:ext cx="2304477" cy="307777"/>
           </a:xfrm>
           <a:prstGeom prst="rect">
             <a:avLst/>
@@ -10206,19 +8860,16 @@
               </a:spcBef>
             </a:pPr>
             <a:r>
-              <a:rPr lang="en-US" sz="1400" b="1" dirty="0">
+              <a:rPr lang="ja-JP" sz="1400" b="1" dirty="0">
                 <a:solidFill>
                   <a:srgbClr val="020302"/>
                 </a:solidFill>
-                <a:latin typeface="Adobe Clean"/>
+                <a:latin typeface="Adobe Clean Han Regular" panose="020B0500000000000000" pitchFamily="34" charset="-128"/>
+                <a:ea typeface="Adobe Clean Han Regular" panose="020B0500000000000000" pitchFamily="34" charset="-128"/>
                 <a:cs typeface="Adobe Clean"/>
               </a:rPr>
-              <a:t>Online Support Features</a:t>
-            </a:r>
-            <a:endParaRPr lang="en-US" sz="1400" dirty="0">
-              <a:latin typeface="Adobe Clean"/>
-              <a:cs typeface="Adobe Clean"/>
-            </a:endParaRPr>
+              <a:t>オンラインサポートの特長</a:t>
+            </a:r>
           </a:p>
         </p:txBody>
       </p:sp>
@@ -10236,7 +8887,7 @@
         </p:nvGrpSpPr>
         <p:grpSpPr>
           <a:xfrm rot="5400000">
-            <a:off x="1113102" y="-747421"/>
+            <a:off x="1113102" y="-594205"/>
             <a:ext cx="5753361" cy="7931849"/>
             <a:chOff x="-247019" y="421767"/>
             <a:chExt cx="3875281" cy="7641336"/>
@@ -10286,7 +8937,10 @@
             <a:bodyPr wrap="square" lIns="0" tIns="0" rIns="0" bIns="0" rtlCol="0"/>
             <a:lstStyle/>
             <a:p>
-              <a:endParaRPr/>
+              <a:endParaRPr>
+                <a:latin typeface="Adobe Clean Han Regular" panose="020B0500000000000000" pitchFamily="34" charset="-128"/>
+                <a:ea typeface="Adobe Clean Han Regular" panose="020B0500000000000000" pitchFamily="34" charset="-128"/>
+              </a:endParaRPr>
             </a:p>
           </p:txBody>
         </p:sp>
@@ -10344,7 +8998,10 @@
             <a:bodyPr wrap="square" lIns="0" tIns="0" rIns="0" bIns="0" rtlCol="0"/>
             <a:lstStyle/>
             <a:p>
-              <a:endParaRPr/>
+              <a:endParaRPr>
+                <a:latin typeface="Adobe Clean Han Regular" panose="020B0500000000000000" pitchFamily="34" charset="-128"/>
+                <a:ea typeface="Adobe Clean Han Regular" panose="020B0500000000000000" pitchFamily="34" charset="-128"/>
+              </a:endParaRPr>
             </a:p>
           </p:txBody>
         </p:sp>
@@ -10400,7 +9057,10 @@
           <a:bodyPr wrap="square" lIns="0" tIns="0" rIns="0" bIns="0" rtlCol="0"/>
           <a:lstStyle/>
           <a:p>
-            <a:endParaRPr/>
+            <a:endParaRPr>
+              <a:latin typeface="Adobe Clean Han Regular" panose="020B0500000000000000" pitchFamily="34" charset="-128"/>
+              <a:ea typeface="Adobe Clean Han Regular" panose="020B0500000000000000" pitchFamily="34" charset="-128"/>
+            </a:endParaRPr>
           </a:p>
         </p:txBody>
       </p:sp>
@@ -10419,7 +9079,7 @@
         <p:spPr>
           <a:xfrm>
             <a:off x="324341" y="4031705"/>
-            <a:ext cx="2194560" cy="499111"/>
+            <a:ext cx="2194560" cy="672877"/>
           </a:xfrm>
           <a:prstGeom prst="rect">
             <a:avLst/>
@@ -10440,22 +9100,16 @@
               </a:spcBef>
             </a:pPr>
             <a:r>
-              <a:rPr lang="en-US" sz="1000" dirty="0">
+              <a:rPr lang="ja-JP" sz="1000">
                 <a:solidFill>
                   <a:srgbClr val="020302"/>
                 </a:solidFill>
-                <a:latin typeface="AdobeClean-Light"/>
+                <a:latin typeface="Adobe Clean Han Regular" panose="020B0500000000000000" pitchFamily="34" charset="-128"/>
+                <a:ea typeface="Adobe Clean Han Regular" panose="020B0500000000000000" pitchFamily="34" charset="-128"/>
                 <a:cs typeface="AdobeClean-Light"/>
               </a:rPr>
-              <a:t>Proactive review of your solution  deployment, configuration, and overall  architecture, including integrations.</a:t>
-            </a:r>
-            <a:endParaRPr lang="en-US" sz="1000" dirty="0">
-              <a:solidFill>
-                <a:prstClr val="black"/>
-              </a:solidFill>
-              <a:latin typeface="AdobeClean-Light"/>
-              <a:cs typeface="AdobeClean-Light"/>
-            </a:endParaRPr>
+              <a:t>ソリューションのデプロイメント、設定、全体的なアーキテクチャ（統合を含む）のプロアクティブなレビューを行います。</a:t>
+            </a:r>
           </a:p>
         </p:txBody>
       </p:sp>
@@ -10474,14 +9128,14 @@
         <p:spPr>
           <a:xfrm>
             <a:off x="5265661" y="4031705"/>
-            <a:ext cx="2194560" cy="652615"/>
+            <a:ext cx="2440960" cy="655564"/>
           </a:xfrm>
           <a:prstGeom prst="rect">
             <a:avLst/>
           </a:prstGeom>
         </p:spPr>
         <p:txBody>
-          <a:bodyPr lIns="0" tIns="0" rIns="0" bIns="0">
+          <a:bodyPr wrap="square" lIns="0" tIns="0" rIns="0" bIns="0">
             <a:spAutoFit/>
           </a:bodyPr>
           <a:lstStyle/>
@@ -10495,22 +9149,16 @@
               </a:spcBef>
             </a:pPr>
             <a:r>
-              <a:rPr lang="en-US" sz="1000" dirty="0">
+              <a:rPr lang="ja-JP" sz="1000" dirty="0">
                 <a:solidFill>
                   <a:srgbClr val="020302"/>
                 </a:solidFill>
-                <a:latin typeface="AdobeClean-Light"/>
+                <a:latin typeface="Adobe Clean Han Regular" panose="020B0500000000000000" pitchFamily="34" charset="-128"/>
+                <a:ea typeface="Adobe Clean Han Regular" panose="020B0500000000000000" pitchFamily="34" charset="-128"/>
                 <a:cs typeface="AdobeClean-Light"/>
               </a:rPr>
-              <a:t>Receive maintenance best practices and latest  fixes (SPs, MR, patches, FPs) to remain up-to-  date on all maintenance checks</a:t>
-            </a:r>
-            <a:endParaRPr lang="en-US" sz="1000" dirty="0">
-              <a:solidFill>
-                <a:prstClr val="black"/>
-              </a:solidFill>
-              <a:latin typeface="AdobeClean-Light"/>
-              <a:cs typeface="AdobeClean-Light"/>
-            </a:endParaRPr>
+              <a:t>メンテナンスのベストプラクティスや最新の修正プログラム（SP、MR、パッチ、FP）を受け取り、すべてのメンテナンスチェックについて最新の状態を維持します</a:t>
+            </a:r>
           </a:p>
         </p:txBody>
       </p:sp>
@@ -10547,22 +9195,16 @@
               </a:spcBef>
             </a:pPr>
             <a:r>
-              <a:rPr lang="en-US" sz="1000" dirty="0">
+              <a:rPr lang="ja-JP" sz="1000" dirty="0">
                 <a:solidFill>
                   <a:srgbClr val="4B4B4B"/>
                 </a:solidFill>
-                <a:latin typeface="AdobeClean-Light"/>
+                <a:latin typeface="Adobe Clean Han Regular" panose="020B0500000000000000" pitchFamily="34" charset="-128"/>
+                <a:ea typeface="Adobe Clean Han Regular" panose="020B0500000000000000" pitchFamily="34" charset="-128"/>
                 <a:cs typeface="AdobeClean-Light"/>
               </a:rPr>
-              <a:t>A regular review of Elite program services, support metrics, and deliverables, including a forward-looking plan</a:t>
-            </a:r>
-            <a:endParaRPr lang="en-US" sz="1000" dirty="0">
-              <a:solidFill>
-                <a:prstClr val="black"/>
-              </a:solidFill>
-              <a:latin typeface="AdobeClean-Light"/>
-              <a:cs typeface="AdobeClean-Light"/>
-            </a:endParaRPr>
+              <a:t>エリートプログラムのサービス、サポート関連指標、成果物（将来的な計画を含む）に関して、定期的なレビューを行います。</a:t>
+            </a:r>
           </a:p>
         </p:txBody>
       </p:sp>
@@ -10599,22 +9241,16 @@
               </a:spcBef>
             </a:pPr>
             <a:r>
-              <a:rPr lang="en-US" sz="1000" dirty="0">
+              <a:rPr lang="ja-JP" sz="1000">
                 <a:solidFill>
                   <a:srgbClr val="4B4B4B"/>
                 </a:solidFill>
-                <a:latin typeface="AdobeClean-Light"/>
+                <a:latin typeface="Adobe Clean Han Regular" panose="020B0500000000000000" pitchFamily="34" charset="-128"/>
+                <a:ea typeface="Adobe Clean Han Regular" panose="020B0500000000000000" pitchFamily="34" charset="-128"/>
                 <a:cs typeface="AdobeClean-Light"/>
               </a:rPr>
-              <a:t>A 60-minute session focusing on a  specific product feature and how it can  be utilized to solve common business  problems.</a:t>
-            </a:r>
-            <a:endParaRPr lang="en-US" sz="1000" dirty="0">
-              <a:solidFill>
-                <a:prstClr val="black"/>
-              </a:solidFill>
-              <a:latin typeface="AdobeClean-Light"/>
-              <a:cs typeface="AdobeClean-Light"/>
-            </a:endParaRPr>
+              <a:t>特定の製品の機能と、それを活用して一般的なビジネス上の問題を解決する方法に焦点を当てた 60 分のセッションです。</a:t>
+            </a:r>
           </a:p>
         </p:txBody>
       </p:sp>
@@ -10632,15 +9268,15 @@
         </p:nvSpPr>
         <p:spPr>
           <a:xfrm>
-            <a:off x="324341" y="2842848"/>
-            <a:ext cx="2194560" cy="615553"/>
+            <a:off x="324340" y="2842848"/>
+            <a:ext cx="2290301" cy="769441"/>
           </a:xfrm>
           <a:prstGeom prst="rect">
             <a:avLst/>
           </a:prstGeom>
         </p:spPr>
         <p:txBody>
-          <a:bodyPr lIns="0" tIns="0" rIns="0" bIns="0">
+          <a:bodyPr wrap="square" lIns="0" tIns="0" rIns="0" bIns="0">
             <a:spAutoFit/>
           </a:bodyPr>
           <a:lstStyle/>
@@ -10651,16 +9287,16 @@
               </a:spcBef>
             </a:pPr>
             <a:r>
-              <a:rPr lang="en-US" sz="1000" dirty="0">
+              <a:rPr lang="ja-JP" sz="1000" dirty="0">
                 <a:solidFill>
                   <a:srgbClr val="4B4B4B"/>
                 </a:solidFill>
-                <a:latin typeface="AdobeClean-Light"/>
+                <a:latin typeface="Adobe Clean Han Regular" panose="020B0500000000000000" pitchFamily="34" charset="-128"/>
+                <a:ea typeface="Adobe Clean Han Regular" panose="020B0500000000000000" pitchFamily="34" charset="-128"/>
                 <a:cs typeface="AdobeClean-Light"/>
               </a:rPr>
-              <a:t>A designated point of contact within Adobe  who can provide escalation assistance,  regular updates and ensure priority is given  to your most critical open support requests.</a:t>
-            </a:r>
-            <a:endParaRPr lang="en-US" dirty="0"/>
+              <a:t>アドビ内の専任連絡窓口が、エスカレーション支援や定期的なアップデートを提供し、お客様の最も重要なオープン中のサポートリクエストに優先的に対応します。</a:t>
+            </a:r>
           </a:p>
         </p:txBody>
       </p:sp>
@@ -10697,22 +9333,16 @@
               </a:spcBef>
             </a:pPr>
             <a:r>
-              <a:rPr lang="en-US" sz="1100" b="1" dirty="0">
+              <a:rPr lang="ja-JP" sz="1100" b="1">
                 <a:solidFill>
                   <a:srgbClr val="020302"/>
                 </a:solidFill>
-                <a:latin typeface="Adobe Clean" panose="020B0503020404020204" pitchFamily="34" charset="0"/>
+                <a:latin typeface="Adobe Clean Han Regular" panose="020B0500000000000000" pitchFamily="34" charset="-128"/>
+                <a:ea typeface="Adobe Clean Han Regular" panose="020B0500000000000000" pitchFamily="34" charset="-128"/>
                 <a:cs typeface="Arial"/>
               </a:rPr>
-              <a:t>Named Support Engineer</a:t>
-            </a:r>
-            <a:endParaRPr lang="en-US" sz="1100" dirty="0">
-              <a:solidFill>
-                <a:prstClr val="black"/>
-              </a:solidFill>
-              <a:latin typeface="Adobe Clean" panose="020B0503020404020204" pitchFamily="34" charset="0"/>
-              <a:cs typeface="Arial"/>
-            </a:endParaRPr>
+              <a:t>専任サポートエンジニア</a:t>
+            </a:r>
           </a:p>
         </p:txBody>
       </p:sp>
@@ -10749,22 +9379,16 @@
               </a:spcBef>
             </a:pPr>
             <a:r>
-              <a:rPr lang="en-US" sz="1100" b="1" dirty="0">
+              <a:rPr lang="ja-JP" sz="1100" b="1">
                 <a:solidFill>
                   <a:srgbClr val="020302"/>
                 </a:solidFill>
-                <a:latin typeface="Adobe Clean" panose="020B0503020404020204" pitchFamily="34" charset="0"/>
+                <a:latin typeface="Adobe Clean Han Regular" panose="020B0500000000000000" pitchFamily="34" charset="-128"/>
+                <a:ea typeface="Adobe Clean Han Regular" panose="020B0500000000000000" pitchFamily="34" charset="-128"/>
                 <a:cs typeface="Arial"/>
               </a:rPr>
-              <a:t>Case Reviews</a:t>
-            </a:r>
-            <a:endParaRPr lang="en-US" sz="1100" dirty="0">
-              <a:solidFill>
-                <a:prstClr val="black"/>
-              </a:solidFill>
-              <a:latin typeface="Adobe Clean" panose="020B0503020404020204" pitchFamily="34" charset="0"/>
-              <a:cs typeface="Arial"/>
-            </a:endParaRPr>
+              <a:t>ケースレビュー</a:t>
+            </a:r>
           </a:p>
         </p:txBody>
       </p:sp>
@@ -10801,22 +9425,16 @@
               </a:spcBef>
             </a:pPr>
             <a:r>
-              <a:rPr lang="en-US" sz="1100" b="1" dirty="0">
+              <a:rPr lang="ja-JP" sz="1100" b="1">
                 <a:solidFill>
                   <a:srgbClr val="020302"/>
                 </a:solidFill>
-                <a:latin typeface="Adobe Clean" panose="020B0503020404020204" pitchFamily="34" charset="0"/>
+                <a:latin typeface="Adobe Clean Han Regular" panose="020B0500000000000000" pitchFamily="34" charset="-128"/>
+                <a:ea typeface="Adobe Clean Han Regular" panose="020B0500000000000000" pitchFamily="34" charset="-128"/>
                 <a:cs typeface="Adobe Clean"/>
               </a:rPr>
-              <a:t>Maintenance &amp; Monitoring</a:t>
-            </a:r>
-            <a:endParaRPr lang="en-US" sz="1100" dirty="0">
-              <a:solidFill>
-                <a:prstClr val="black"/>
-              </a:solidFill>
-              <a:latin typeface="Adobe Clean" panose="020B0503020404020204" pitchFamily="34" charset="0"/>
-              <a:cs typeface="Adobe Clean"/>
-            </a:endParaRPr>
+              <a:t>メンテナンスと監視</a:t>
+            </a:r>
           </a:p>
         </p:txBody>
       </p:sp>
@@ -10835,7 +9453,7 @@
         <p:spPr>
           <a:xfrm>
             <a:off x="3138805" y="3778989"/>
-            <a:ext cx="2194560" cy="169277"/>
+            <a:ext cx="2194560" cy="338554"/>
           </a:xfrm>
           <a:prstGeom prst="rect">
             <a:avLst/>
@@ -10853,22 +9471,16 @@
               </a:spcBef>
             </a:pPr>
             <a:r>
-              <a:rPr lang="en-US" sz="1100" b="1" dirty="0">
+              <a:rPr lang="ja-JP" sz="1100" b="1">
                 <a:solidFill>
                   <a:srgbClr val="020302"/>
                 </a:solidFill>
-                <a:latin typeface="Adobe Clean" panose="020B0503020404020204" pitchFamily="34" charset="0"/>
+                <a:latin typeface="Adobe Clean Han Regular" panose="020B0500000000000000" pitchFamily="34" charset="-128"/>
+                <a:ea typeface="Adobe Clean Han Regular" panose="020B0500000000000000" pitchFamily="34" charset="-128"/>
                 <a:cs typeface="Adobe Clean"/>
               </a:rPr>
-              <a:t>Solution Roadmap Review</a:t>
-            </a:r>
-            <a:endParaRPr lang="en-US" sz="1100" dirty="0">
-              <a:solidFill>
-                <a:prstClr val="black"/>
-              </a:solidFill>
-              <a:latin typeface="Adobe Clean" panose="020B0503020404020204" pitchFamily="34" charset="0"/>
-              <a:cs typeface="Adobe Clean"/>
-            </a:endParaRPr>
+              <a:t>ソリューションロードマップのレビュー</a:t>
+            </a:r>
           </a:p>
         </p:txBody>
       </p:sp>
@@ -10905,22 +9517,16 @@
               </a:spcBef>
             </a:pPr>
             <a:r>
-              <a:rPr lang="en-US" sz="1100" b="1" dirty="0">
+              <a:rPr lang="ja-JP" sz="1100" b="1">
                 <a:solidFill>
                   <a:srgbClr val="020302"/>
                 </a:solidFill>
-                <a:latin typeface="Adobe Clean" panose="020B0503020404020204" pitchFamily="34" charset="0"/>
+                <a:latin typeface="Adobe Clean Han Regular" panose="020B0500000000000000" pitchFamily="34" charset="-128"/>
+                <a:ea typeface="Adobe Clean Han Regular" panose="020B0500000000000000" pitchFamily="34" charset="-128"/>
                 <a:cs typeface="Adobe Clean"/>
               </a:rPr>
-              <a:t>Environment Review</a:t>
-            </a:r>
-            <a:endParaRPr lang="en-US" sz="1100" dirty="0">
-              <a:solidFill>
-                <a:prstClr val="black"/>
-              </a:solidFill>
-              <a:latin typeface="Adobe Clean" panose="020B0503020404020204" pitchFamily="34" charset="0"/>
-              <a:cs typeface="Adobe Clean"/>
-            </a:endParaRPr>
+              <a:t>環境レビュー</a:t>
+            </a:r>
           </a:p>
         </p:txBody>
       </p:sp>
@@ -10957,22 +9563,16 @@
               </a:spcBef>
             </a:pPr>
             <a:r>
-              <a:rPr lang="en-US" sz="1100" b="1" dirty="0">
+              <a:rPr lang="ja-JP" sz="1100" b="1">
                 <a:solidFill>
                   <a:srgbClr val="020302"/>
                 </a:solidFill>
-                <a:latin typeface="Adobe Clean" panose="020B0503020404020204" pitchFamily="34" charset="0"/>
+                <a:latin typeface="Adobe Clean Han Regular" panose="020B0500000000000000" pitchFamily="34" charset="-128"/>
+                <a:ea typeface="Adobe Clean Han Regular" panose="020B0500000000000000" pitchFamily="34" charset="-128"/>
                 <a:cs typeface="Adobe Clean"/>
               </a:rPr>
-              <a:t>Escalation Management</a:t>
-            </a:r>
-            <a:endParaRPr lang="en-US" sz="1100" dirty="0">
-              <a:solidFill>
-                <a:prstClr val="black"/>
-              </a:solidFill>
-              <a:latin typeface="Adobe Clean" panose="020B0503020404020204" pitchFamily="34" charset="0"/>
-              <a:cs typeface="Adobe Clean"/>
-            </a:endParaRPr>
+              <a:t>エスカレーション管理</a:t>
+            </a:r>
           </a:p>
         </p:txBody>
       </p:sp>
@@ -11009,22 +9609,16 @@
               </a:spcBef>
             </a:pPr>
             <a:r>
-              <a:rPr lang="en-US" sz="1100" b="1" dirty="0">
+              <a:rPr lang="ja-JP" sz="1100" b="1">
                 <a:solidFill>
                   <a:srgbClr val="020302"/>
                 </a:solidFill>
-                <a:latin typeface="Adobe Clean" panose="020B0503020404020204" pitchFamily="34" charset="0"/>
+                <a:latin typeface="Adobe Clean Han Regular" panose="020B0500000000000000" pitchFamily="34" charset="-128"/>
+                <a:ea typeface="Adobe Clean Han Regular" panose="020B0500000000000000" pitchFamily="34" charset="-128"/>
                 <a:cs typeface="Adobe Clean"/>
               </a:rPr>
-              <a:t>Service Reviews</a:t>
-            </a:r>
-            <a:endParaRPr lang="en-US" sz="1100" dirty="0">
-              <a:solidFill>
-                <a:prstClr val="black"/>
-              </a:solidFill>
-              <a:latin typeface="Adobe Clean" panose="020B0503020404020204" pitchFamily="34" charset="0"/>
-              <a:cs typeface="Adobe Clean"/>
-            </a:endParaRPr>
+              <a:t>サービスレビュー</a:t>
+            </a:r>
           </a:p>
         </p:txBody>
       </p:sp>
@@ -11061,22 +9655,16 @@
               </a:spcBef>
             </a:pPr>
             <a:r>
-              <a:rPr lang="en-US" sz="1100" b="1" dirty="0">
+              <a:rPr lang="ja-JP" sz="1100" b="1">
                 <a:solidFill>
                   <a:srgbClr val="020302"/>
                 </a:solidFill>
-                <a:latin typeface="Adobe Clean" panose="020B0503020404020204" pitchFamily="34" charset="0"/>
+                <a:latin typeface="Adobe Clean Han Regular" panose="020B0500000000000000" pitchFamily="34" charset="-128"/>
+                <a:ea typeface="Adobe Clean Han Regular" panose="020B0500000000000000" pitchFamily="34" charset="-128"/>
                 <a:cs typeface="Adobe Clean"/>
               </a:rPr>
-              <a:t>Expert Sessions</a:t>
-            </a:r>
-            <a:endParaRPr lang="en-US" sz="1100" dirty="0">
-              <a:solidFill>
-                <a:prstClr val="black"/>
-              </a:solidFill>
-              <a:latin typeface="Adobe Clean" panose="020B0503020404020204" pitchFamily="34" charset="0"/>
-              <a:cs typeface="Adobe Clean"/>
-            </a:endParaRPr>
+              <a:t>エキスパートによるセッション</a:t>
+            </a:r>
           </a:p>
         </p:txBody>
       </p:sp>
@@ -11113,22 +9701,16 @@
               </a:spcBef>
             </a:pPr>
             <a:r>
-              <a:rPr lang="en-US" sz="1100" b="1" dirty="0">
+              <a:rPr lang="ja-JP" sz="1100" b="1">
                 <a:solidFill>
                   <a:srgbClr val="020302"/>
                 </a:solidFill>
-                <a:latin typeface="Adobe Clean" panose="020B0503020404020204" pitchFamily="34" charset="0"/>
+                <a:latin typeface="Adobe Clean Han Regular" panose="020B0500000000000000" pitchFamily="34" charset="-128"/>
+                <a:ea typeface="Adobe Clean Han Regular" panose="020B0500000000000000" pitchFamily="34" charset="-128"/>
                 <a:cs typeface="Adobe Clean"/>
               </a:rPr>
-              <a:t>Release Preparation &amp; Review</a:t>
-            </a:r>
-            <a:endParaRPr lang="en-US" sz="1100" dirty="0">
-              <a:solidFill>
-                <a:prstClr val="black"/>
-              </a:solidFill>
-              <a:latin typeface="Adobe Clean" panose="020B0503020404020204" pitchFamily="34" charset="0"/>
-              <a:cs typeface="Adobe Clean"/>
-            </a:endParaRPr>
+              <a:t>リリースの準備とレビュー</a:t>
+            </a:r>
           </a:p>
         </p:txBody>
       </p:sp>
@@ -11168,19 +9750,16 @@
               </a:spcBef>
             </a:pPr>
             <a:r>
-              <a:rPr lang="en-US" sz="1100" b="1" dirty="0">
+              <a:rPr lang="ja-JP" sz="1100" b="1">
                 <a:solidFill>
                   <a:srgbClr val="020302"/>
                 </a:solidFill>
-                <a:latin typeface="Adobe Clean" panose="020B0503020404020204" pitchFamily="34" charset="0"/>
+                <a:latin typeface="Adobe Clean Han Regular" panose="020B0500000000000000" pitchFamily="34" charset="-128"/>
+                <a:ea typeface="Adobe Clean Han Regular" panose="020B0500000000000000" pitchFamily="34" charset="-128"/>
                 <a:cs typeface="Adobe Clean"/>
               </a:rPr>
-              <a:t>Knowledge Transfer</a:t>
-            </a:r>
-            <a:endParaRPr lang="en-US" sz="1100" dirty="0">
-              <a:latin typeface="Adobe Clean" panose="020B0503020404020204" pitchFamily="34" charset="0"/>
-              <a:cs typeface="Adobe Clean"/>
-            </a:endParaRPr>
+              <a:t>ナレッジトランスファー</a:t>
+            </a:r>
           </a:p>
         </p:txBody>
       </p:sp>
@@ -11220,19 +9799,16 @@
               </a:spcBef>
             </a:pPr>
             <a:r>
-              <a:rPr lang="en-US" sz="1100" b="1" dirty="0">
+              <a:rPr lang="ja-JP" sz="1100" b="1">
                 <a:solidFill>
                   <a:srgbClr val="020302"/>
                 </a:solidFill>
-                <a:latin typeface="Adobe Clean" panose="020B0503020404020204" pitchFamily="34" charset="0"/>
+                <a:latin typeface="Adobe Clean Han Regular" panose="020B0500000000000000" pitchFamily="34" charset="-128"/>
+                <a:ea typeface="Adobe Clean Han Regular" panose="020B0500000000000000" pitchFamily="34" charset="-128"/>
                 <a:cs typeface="Adobe Clean"/>
               </a:rPr>
-              <a:t>Event Management</a:t>
-            </a:r>
-            <a:endParaRPr lang="en-US" sz="1100" dirty="0">
-              <a:latin typeface="Adobe Clean" panose="020B0503020404020204" pitchFamily="34" charset="0"/>
-              <a:cs typeface="Adobe Clean"/>
-            </a:endParaRPr>
+              <a:t>イベント管理</a:t>
+            </a:r>
           </a:p>
         </p:txBody>
       </p:sp>
@@ -11287,7 +9863,10 @@
           <a:bodyPr wrap="square" lIns="0" tIns="0" rIns="0" bIns="0" rtlCol="0"/>
           <a:lstStyle/>
           <a:p>
-            <a:endParaRPr/>
+            <a:endParaRPr>
+              <a:latin typeface="Adobe Clean Han Regular" panose="020B0500000000000000" pitchFamily="34" charset="-128"/>
+              <a:ea typeface="Adobe Clean Han Regular" panose="020B0500000000000000" pitchFamily="34" charset="-128"/>
+            </a:endParaRPr>
           </a:p>
         </p:txBody>
       </p:sp>
@@ -11342,7 +9921,10 @@
           <a:bodyPr wrap="square" lIns="0" tIns="0" rIns="0" bIns="0" rtlCol="0"/>
           <a:lstStyle/>
           <a:p>
-            <a:endParaRPr/>
+            <a:endParaRPr>
+              <a:latin typeface="Adobe Clean Han Regular" panose="020B0500000000000000" pitchFamily="34" charset="-128"/>
+              <a:ea typeface="Adobe Clean Han Regular" panose="020B0500000000000000" pitchFamily="34" charset="-128"/>
+            </a:endParaRPr>
           </a:p>
         </p:txBody>
       </p:sp>
@@ -11559,7 +10141,7 @@
         <p:spPr>
           <a:xfrm>
             <a:off x="2764975" y="4039530"/>
-            <a:ext cx="2282011" cy="708399"/>
+            <a:ext cx="2401425" cy="882165"/>
           </a:xfrm>
           <a:prstGeom prst="rect">
             <a:avLst/>
@@ -11580,19 +10162,16 @@
               </a:spcBef>
             </a:pPr>
             <a:r>
-              <a:rPr lang="en-US" sz="1000" dirty="0">
+              <a:rPr lang="ja-JP" sz="1000" dirty="0">
                 <a:solidFill>
                   <a:srgbClr val="020302"/>
                 </a:solidFill>
-                <a:latin typeface="AdobeClean-Light"/>
+                <a:latin typeface="Adobe Clean Han Regular" panose="020B0500000000000000" pitchFamily="34" charset="-128"/>
+                <a:ea typeface="Adobe Clean Han Regular" panose="020B0500000000000000" pitchFamily="34" charset="-128"/>
                 <a:cs typeface="AdobeClean-Light"/>
               </a:rPr>
-              <a:t>Compare and align Adobe solution  roadmap with your project roadmap to  mitigate risk and prepare for the future.</a:t>
-            </a:r>
-            <a:endParaRPr lang="en-US" sz="1000" dirty="0">
-              <a:latin typeface="AdobeClean-Light"/>
-              <a:cs typeface="AdobeClean-Light"/>
-            </a:endParaRPr>
+              <a:t>アドビのソリューションロードマップとお客様のプロジェクトロードマップを比較および調整して、リスクを軽減し、将来に備えます。</a:t>
+            </a:r>
           </a:p>
           <a:p>
             <a:pPr marL="18415" marR="262255" lvl="0">
@@ -11604,22 +10183,16 @@
               </a:spcBef>
             </a:pPr>
             <a:r>
-              <a:rPr lang="en-US" sz="1000" dirty="0">
+              <a:rPr lang="ja-JP" sz="1000" dirty="0">
                 <a:solidFill>
                   <a:srgbClr val="020302"/>
                 </a:solidFill>
-                <a:latin typeface="AdobeClean-Light"/>
+                <a:latin typeface="Adobe Clean Han Regular" panose="020B0500000000000000" pitchFamily="34" charset="-128"/>
+                <a:ea typeface="Adobe Clean Han Regular" panose="020B0500000000000000" pitchFamily="34" charset="-128"/>
                 <a:cs typeface="AdobeClean-Light"/>
               </a:rPr>
-              <a:t>.</a:t>
-            </a:r>
-            <a:endParaRPr lang="en-US" sz="1000" dirty="0">
-              <a:solidFill>
-                <a:prstClr val="black"/>
-              </a:solidFill>
-              <a:latin typeface="AdobeClean-Light"/>
-              <a:cs typeface="AdobeClean-Light"/>
-            </a:endParaRPr>
+              <a:t>。</a:t>
+            </a:r>
           </a:p>
         </p:txBody>
       </p:sp>
@@ -11698,7 +10271,10 @@
           <a:bodyPr wrap="square" lIns="0" tIns="0" rIns="0" bIns="0" rtlCol="0"/>
           <a:lstStyle/>
           <a:p>
-            <a:endParaRPr/>
+            <a:endParaRPr>
+              <a:latin typeface="Adobe Clean Han Regular" panose="020B0500000000000000" pitchFamily="34" charset="-128"/>
+              <a:ea typeface="Adobe Clean Han Regular" panose="020B0500000000000000" pitchFamily="34" charset="-128"/>
+            </a:endParaRPr>
           </a:p>
         </p:txBody>
       </p:sp>
@@ -11747,7 +10323,10 @@
           <a:bodyPr wrap="square" lIns="0" tIns="0" rIns="0" bIns="0" rtlCol="0"/>
           <a:lstStyle/>
           <a:p>
-            <a:endParaRPr/>
+            <a:endParaRPr>
+              <a:latin typeface="Adobe Clean Han Regular" panose="020B0500000000000000" pitchFamily="34" charset="-128"/>
+              <a:ea typeface="Adobe Clean Han Regular" panose="020B0500000000000000" pitchFamily="34" charset="-128"/>
+            </a:endParaRPr>
           </a:p>
         </p:txBody>
       </p:sp>
@@ -11796,7 +10375,10 @@
           <a:bodyPr wrap="square" lIns="0" tIns="0" rIns="0" bIns="0" rtlCol="0"/>
           <a:lstStyle/>
           <a:p>
-            <a:endParaRPr/>
+            <a:endParaRPr>
+              <a:latin typeface="Adobe Clean Han Regular" panose="020B0500000000000000" pitchFamily="34" charset="-128"/>
+              <a:ea typeface="Adobe Clean Han Regular" panose="020B0500000000000000" pitchFamily="34" charset="-128"/>
+            </a:endParaRPr>
           </a:p>
         </p:txBody>
       </p:sp>
@@ -11845,7 +10427,10 @@
           <a:bodyPr wrap="square" lIns="0" tIns="0" rIns="0" bIns="0" rtlCol="0"/>
           <a:lstStyle/>
           <a:p>
-            <a:endParaRPr/>
+            <a:endParaRPr>
+              <a:latin typeface="Adobe Clean Han Regular" panose="020B0500000000000000" pitchFamily="34" charset="-128"/>
+              <a:ea typeface="Adobe Clean Han Regular" panose="020B0500000000000000" pitchFamily="34" charset="-128"/>
+            </a:endParaRPr>
           </a:p>
         </p:txBody>
       </p:sp>
@@ -11894,7 +10479,10 @@
           <a:bodyPr wrap="square" lIns="0" tIns="0" rIns="0" bIns="0" rtlCol="0"/>
           <a:lstStyle/>
           <a:p>
-            <a:endParaRPr/>
+            <a:endParaRPr>
+              <a:latin typeface="Adobe Clean Han Regular" panose="020B0500000000000000" pitchFamily="34" charset="-128"/>
+              <a:ea typeface="Adobe Clean Han Regular" panose="020B0500000000000000" pitchFamily="34" charset="-128"/>
+            </a:endParaRPr>
           </a:p>
         </p:txBody>
       </p:sp>
@@ -11905,9 +10493,9 @@
           <p:nvPr/>
         </p:nvSpPr>
         <p:spPr>
-          <a:xfrm>
-            <a:off x="4724779" y="2654678"/>
-            <a:ext cx="1894205" cy="0"/>
+          <a:xfrm flipV="1">
+            <a:off x="4309872" y="2608958"/>
+            <a:ext cx="2908230" cy="92582"/>
           </a:xfrm>
           <a:custGeom>
             <a:avLst/>
@@ -11936,7 +10524,10 @@
           <a:bodyPr wrap="square" lIns="0" tIns="0" rIns="0" bIns="0" rtlCol="0"/>
           <a:lstStyle/>
           <a:p>
-            <a:endParaRPr/>
+            <a:endParaRPr>
+              <a:latin typeface="Adobe Clean Han Regular" panose="020B0500000000000000" pitchFamily="34" charset="-128"/>
+              <a:ea typeface="Adobe Clean Han Regular" panose="020B0500000000000000" pitchFamily="34" charset="-128"/>
+            </a:endParaRPr>
           </a:p>
         </p:txBody>
       </p:sp>
@@ -11948,8 +10539,8 @@
         </p:nvSpPr>
         <p:spPr>
           <a:xfrm>
-            <a:off x="4843269" y="2329688"/>
-            <a:ext cx="1656080" cy="238760"/>
+            <a:off x="4309871" y="2329688"/>
+            <a:ext cx="3157729" cy="228268"/>
           </a:xfrm>
           <a:prstGeom prst="rect">
             <a:avLst/>
@@ -11970,179 +10561,16 @@
               </a:spcBef>
             </a:pPr>
             <a:r>
-              <a:rPr sz="1400" b="1" spc="-25" dirty="0">
+              <a:rPr lang="ja-JP" sz="1400" b="1">
                 <a:solidFill>
                   <a:srgbClr val="020302"/>
                 </a:solidFill>
-                <a:latin typeface="Adobe Clean"/>
+                <a:latin typeface="Adobe Clean Han Regular" panose="020B0500000000000000" pitchFamily="34" charset="-128"/>
+                <a:ea typeface="Adobe Clean Han Regular" panose="020B0500000000000000" pitchFamily="34" charset="-128"/>
                 <a:cs typeface="Adobe Clean"/>
               </a:rPr>
-              <a:t>Fi</a:t>
-            </a:r>
-            <a:r>
-              <a:rPr sz="1400" b="1" spc="-35" dirty="0">
-                <a:solidFill>
-                  <a:srgbClr val="020302"/>
-                </a:solidFill>
-                <a:latin typeface="Adobe Clean"/>
-                <a:cs typeface="Adobe Clean"/>
-              </a:rPr>
-              <a:t>e</a:t>
-            </a:r>
-            <a:r>
-              <a:rPr sz="1400" b="1" spc="-25" dirty="0">
-                <a:solidFill>
-                  <a:srgbClr val="020302"/>
-                </a:solidFill>
-                <a:latin typeface="Adobe Clean"/>
-                <a:cs typeface="Adobe Clean"/>
-              </a:rPr>
-              <a:t>l</a:t>
-            </a:r>
-            <a:r>
-              <a:rPr sz="1400" b="1" dirty="0">
-                <a:solidFill>
-                  <a:srgbClr val="020302"/>
-                </a:solidFill>
-                <a:latin typeface="Adobe Clean"/>
-                <a:cs typeface="Adobe Clean"/>
-              </a:rPr>
-              <a:t>d</a:t>
-            </a:r>
-            <a:r>
-              <a:rPr sz="1400" b="1" spc="-40" dirty="0">
-                <a:solidFill>
-                  <a:srgbClr val="020302"/>
-                </a:solidFill>
-                <a:latin typeface="Adobe Clean"/>
-                <a:cs typeface="Adobe Clean"/>
-              </a:rPr>
-              <a:t> </a:t>
-            </a:r>
-            <a:r>
-              <a:rPr sz="1400" b="1" spc="25" dirty="0">
-                <a:solidFill>
-                  <a:srgbClr val="020302"/>
-                </a:solidFill>
-                <a:latin typeface="Adobe Clean"/>
-                <a:cs typeface="Adobe Clean"/>
-              </a:rPr>
-              <a:t>S</a:t>
-            </a:r>
-            <a:r>
-              <a:rPr sz="1400" b="1" spc="5" dirty="0">
-                <a:solidFill>
-                  <a:srgbClr val="020302"/>
-                </a:solidFill>
-                <a:latin typeface="Adobe Clean"/>
-                <a:cs typeface="Adobe Clean"/>
-              </a:rPr>
-              <a:t>e</a:t>
-            </a:r>
-            <a:r>
-              <a:rPr sz="1400" b="1" spc="15" dirty="0">
-                <a:solidFill>
-                  <a:srgbClr val="020302"/>
-                </a:solidFill>
-                <a:latin typeface="Adobe Clean"/>
-                <a:cs typeface="Adobe Clean"/>
-              </a:rPr>
-              <a:t>rvi</a:t>
-            </a:r>
-            <a:r>
-              <a:rPr sz="1400" b="1" spc="5" dirty="0">
-                <a:solidFill>
-                  <a:srgbClr val="020302"/>
-                </a:solidFill>
-                <a:latin typeface="Adobe Clean"/>
-                <a:cs typeface="Adobe Clean"/>
-              </a:rPr>
-              <a:t>c</a:t>
-            </a:r>
-            <a:r>
-              <a:rPr sz="1400" b="1" dirty="0">
-                <a:solidFill>
-                  <a:srgbClr val="020302"/>
-                </a:solidFill>
-                <a:latin typeface="Adobe Clean"/>
-                <a:cs typeface="Adobe Clean"/>
-              </a:rPr>
-              <a:t>e</a:t>
-            </a:r>
-            <a:r>
-              <a:rPr sz="1400" b="1" spc="-190" dirty="0">
-                <a:solidFill>
-                  <a:srgbClr val="020302"/>
-                </a:solidFill>
-                <a:latin typeface="Adobe Clean"/>
-                <a:cs typeface="Adobe Clean"/>
-              </a:rPr>
-              <a:t> </a:t>
-            </a:r>
-            <a:r>
-              <a:rPr sz="1400" b="1" spc="5" dirty="0">
-                <a:solidFill>
-                  <a:srgbClr val="020302"/>
-                </a:solidFill>
-                <a:latin typeface="Adobe Clean"/>
-                <a:cs typeface="Adobe Clean"/>
-              </a:rPr>
-              <a:t>A</a:t>
-            </a:r>
-            <a:r>
-              <a:rPr sz="1400" b="1" spc="-5" dirty="0">
-                <a:solidFill>
-                  <a:srgbClr val="020302"/>
-                </a:solidFill>
-                <a:latin typeface="Adobe Clean"/>
-                <a:cs typeface="Adobe Clean"/>
-              </a:rPr>
-              <a:t>ct</a:t>
-            </a:r>
-            <a:r>
-              <a:rPr sz="1400" b="1" spc="5" dirty="0">
-                <a:solidFill>
-                  <a:srgbClr val="020302"/>
-                </a:solidFill>
-                <a:latin typeface="Adobe Clean"/>
-                <a:cs typeface="Adobe Clean"/>
-              </a:rPr>
-              <a:t>ivi</a:t>
-            </a:r>
-            <a:r>
-              <a:rPr sz="1400" b="1" spc="-5" dirty="0">
-                <a:solidFill>
-                  <a:srgbClr val="020302"/>
-                </a:solidFill>
-                <a:latin typeface="Adobe Clean"/>
-                <a:cs typeface="Adobe Clean"/>
-              </a:rPr>
-              <a:t>t</a:t>
-            </a:r>
-            <a:r>
-              <a:rPr sz="1400" b="1" spc="5" dirty="0">
-                <a:solidFill>
-                  <a:srgbClr val="020302"/>
-                </a:solidFill>
-                <a:latin typeface="Adobe Clean"/>
-                <a:cs typeface="Adobe Clean"/>
-              </a:rPr>
-              <a:t>i</a:t>
-            </a:r>
-            <a:r>
-              <a:rPr sz="1400" b="1" spc="-5" dirty="0">
-                <a:solidFill>
-                  <a:srgbClr val="020302"/>
-                </a:solidFill>
-                <a:latin typeface="Adobe Clean"/>
-                <a:cs typeface="Adobe Clean"/>
-              </a:rPr>
-              <a:t>es</a:t>
-            </a:r>
-            <a:endParaRPr sz="1400">
-              <a:latin typeface="Adobe Clean"/>
-              <a:cs typeface="Adobe Clean"/>
-            </a:endParaRPr>
+              <a:t>フィールドサービスアクティビティ</a:t>
+            </a:r>
           </a:p>
         </p:txBody>
       </p:sp>
@@ -12155,7 +10583,7 @@
         <p:spPr>
           <a:xfrm>
             <a:off x="914422" y="2342312"/>
-            <a:ext cx="1242060" cy="238760"/>
+            <a:ext cx="1523978" cy="228268"/>
           </a:xfrm>
           <a:prstGeom prst="rect">
             <a:avLst/>
@@ -12176,99 +10604,16 @@
               </a:spcBef>
             </a:pPr>
             <a:r>
-              <a:rPr sz="1400" b="1" spc="-25" dirty="0">
+              <a:rPr lang="ja-JP" sz="1400" b="1" dirty="0">
                 <a:solidFill>
                   <a:srgbClr val="020302"/>
                 </a:solidFill>
-                <a:latin typeface="Adobe Clean"/>
+                <a:latin typeface="Adobe Clean Han Regular" panose="020B0500000000000000" pitchFamily="34" charset="-128"/>
+                <a:ea typeface="Adobe Clean Han Regular" panose="020B0500000000000000" pitchFamily="34" charset="-128"/>
                 <a:cs typeface="Adobe Clean"/>
               </a:rPr>
-              <a:t>L</a:t>
-            </a:r>
-            <a:r>
-              <a:rPr sz="1400" b="1" spc="-5" dirty="0">
-                <a:solidFill>
-                  <a:srgbClr val="020302"/>
-                </a:solidFill>
-                <a:latin typeface="Adobe Clean"/>
-                <a:cs typeface="Adobe Clean"/>
-              </a:rPr>
-              <a:t>a</a:t>
-            </a:r>
-            <a:r>
-              <a:rPr sz="1400" b="1" spc="-20" dirty="0">
-                <a:solidFill>
-                  <a:srgbClr val="020302"/>
-                </a:solidFill>
-                <a:latin typeface="Adobe Clean"/>
-                <a:cs typeface="Adobe Clean"/>
-              </a:rPr>
-              <a:t>u</a:t>
-            </a:r>
-            <a:r>
-              <a:rPr sz="1400" b="1" spc="-15" dirty="0">
-                <a:solidFill>
-                  <a:srgbClr val="020302"/>
-                </a:solidFill>
-                <a:latin typeface="Adobe Clean"/>
-                <a:cs typeface="Adobe Clean"/>
-              </a:rPr>
-              <a:t>n</a:t>
-            </a:r>
-            <a:r>
-              <a:rPr sz="1400" b="1" spc="-25" dirty="0">
-                <a:solidFill>
-                  <a:srgbClr val="020302"/>
-                </a:solidFill>
-                <a:latin typeface="Adobe Clean"/>
-                <a:cs typeface="Adobe Clean"/>
-              </a:rPr>
-              <a:t>c</a:t>
-            </a:r>
-            <a:r>
-              <a:rPr sz="1400" b="1" dirty="0">
-                <a:solidFill>
-                  <a:srgbClr val="020302"/>
-                </a:solidFill>
-                <a:latin typeface="Adobe Clean"/>
-                <a:cs typeface="Adobe Clean"/>
-              </a:rPr>
-              <a:t>h</a:t>
-            </a:r>
-            <a:r>
-              <a:rPr sz="1400" b="1" spc="-25" dirty="0">
-                <a:solidFill>
-                  <a:srgbClr val="020302"/>
-                </a:solidFill>
-                <a:latin typeface="Adobe Clean"/>
-                <a:cs typeface="Adobe Clean"/>
-              </a:rPr>
-              <a:t> </a:t>
-            </a:r>
-            <a:r>
-              <a:rPr sz="1400" b="1" spc="-10" dirty="0">
-                <a:solidFill>
-                  <a:srgbClr val="020302"/>
-                </a:solidFill>
-                <a:latin typeface="Adobe Clean"/>
-                <a:cs typeface="Adobe Clean"/>
-              </a:rPr>
-              <a:t>Advisor</a:t>
-            </a:r>
-            <a:r>
-              <a:rPr sz="1400" b="1" dirty="0">
-                <a:solidFill>
-                  <a:srgbClr val="020302"/>
-                </a:solidFill>
-                <a:latin typeface="Adobe Clean"/>
-                <a:cs typeface="Adobe Clean"/>
-              </a:rPr>
-              <a:t>y</a:t>
-            </a:r>
-            <a:endParaRPr sz="1400">
-              <a:latin typeface="Adobe Clean"/>
-              <a:cs typeface="Adobe Clean"/>
-            </a:endParaRPr>
+              <a:t>Launch Advisory</a:t>
+            </a:r>
           </a:p>
         </p:txBody>
       </p:sp>
@@ -12281,7 +10626,7 @@
         <p:spPr>
           <a:xfrm>
             <a:off x="242187" y="2787904"/>
-            <a:ext cx="3004185" cy="635000"/>
+            <a:ext cx="3357498" cy="782265"/>
           </a:xfrm>
           <a:prstGeom prst="rect">
             <a:avLst/>
@@ -12302,50 +10647,48 @@
               </a:spcBef>
             </a:pPr>
             <a:r>
-              <a:rPr sz="1000" dirty="0">
+              <a:rPr lang="ja-JP" sz="1000" b="1" dirty="0">
                 <a:solidFill>
                   <a:srgbClr val="1F1F1F"/>
                 </a:solidFill>
-                <a:latin typeface="AdobeClean-Light"/>
+                <a:latin typeface="Adobe Clean Han Regular" panose="020B0500000000000000" pitchFamily="34" charset="-128"/>
+                <a:ea typeface="Adobe Clean Han Regular" panose="020B0500000000000000" pitchFamily="34" charset="-128"/>
                 <a:cs typeface="AdobeClean-Light"/>
               </a:rPr>
-              <a:t>For customers implementing a </a:t>
-            </a:r>
-            <a:r>
-              <a:rPr sz="1000" b="1" dirty="0">
-                <a:solidFill>
-                  <a:srgbClr val="1F1F1F"/>
-                </a:solidFill>
-                <a:latin typeface="Adobe Clean"/>
+              <a:t>新しい Adobe Experience Cloud ソリューション</a:t>
+            </a:r>
+            <a:r>
+              <a:rPr lang="ja-JP" sz="1000" b="1" dirty="0">
+                <a:latin typeface="Adobe Clean Han Regular" panose="020B0500000000000000" pitchFamily="34" charset="-128"/>
+                <a:ea typeface="Adobe Clean Han Regular" panose="020B0500000000000000" pitchFamily="34" charset="-128"/>
                 <a:cs typeface="Adobe Clean"/>
               </a:rPr>
-              <a:t>new Adobe Experience Cloud  solution, </a:t>
-            </a:r>
-            <a:r>
-              <a:rPr sz="1000" dirty="0">
-                <a:latin typeface="AdobeClean-Light"/>
+              <a:t>を実装するお客様のための </a:t>
+            </a:r>
+            <a:r>
+              <a:rPr lang="ja-JP" sz="1000" b="1" dirty="0">
+                <a:latin typeface="Adobe Clean Han Regular" panose="020B0500000000000000" pitchFamily="34" charset="-128"/>
+                <a:ea typeface="Adobe Clean Han Regular" panose="020B0500000000000000" pitchFamily="34" charset="-128"/>
                 <a:cs typeface="AdobeClean-Light"/>
               </a:rPr>
-              <a:t>Launch Advisory </a:t>
-            </a:r>
-            <a:r>
-              <a:rPr sz="1000" dirty="0">
-                <a:latin typeface="AdobeClean-SemiLight"/>
+              <a:t>Launch Advisory</a:t>
+            </a:r>
+            <a:r>
+              <a:rPr lang="ja-JP" sz="1000" b="1" dirty="0">
+                <a:latin typeface="Adobe Clean Han Regular" panose="020B0500000000000000" pitchFamily="34" charset="-128"/>
+                <a:ea typeface="Adobe Clean Han Regular" panose="020B0500000000000000" pitchFamily="34" charset="-128"/>
                 <a:cs typeface="AdobeClean-SemiLight"/>
               </a:rPr>
-              <a:t>is a </a:t>
-            </a:r>
-            <a:r>
-              <a:rPr sz="950" dirty="0">
-                <a:latin typeface="AdobeClean-SemiLight"/>
+              <a:t> は</a:t>
+            </a:r>
+            <a:r>
+              <a:rPr lang="ja-JP" sz="1000" dirty="0">
+                <a:latin typeface="Adobe Clean Han Regular" panose="020B0500000000000000" pitchFamily="34" charset="-128"/>
+                <a:ea typeface="Adobe Clean Han Regular" panose="020B0500000000000000" pitchFamily="34" charset="-128"/>
                 <a:cs typeface="AdobeClean-SemiLight"/>
               </a:rPr>
-              <a:t>core set of advisory</a:t>
-            </a:r>
-            <a:endParaRPr sz="950">
-              <a:latin typeface="AdobeClean-SemiLight"/>
-              <a:cs typeface="AdobeClean-SemiLight"/>
-            </a:endParaRPr>
+              <a:t>、</a:t>
+            </a:r>
           </a:p>
           <a:p>
             <a:pPr marL="12700" marR="86995" indent="-635">
@@ -12354,51 +10697,12 @@
               </a:lnSpc>
             </a:pPr>
             <a:r>
-              <a:rPr sz="950" dirty="0">
-                <a:latin typeface="AdobeClean-SemiLight"/>
-                <a:cs typeface="AdobeClean-SemiLight"/>
+              <a:rPr lang="ja-JP" sz="1000" dirty="0">
+                <a:latin typeface="Adobe Clean Han Regular" panose="020B0500000000000000" pitchFamily="34" charset="-128"/>
+                <a:ea typeface="Adobe Clean Han Regular" panose="020B0500000000000000" pitchFamily="34" charset="-128"/>
               </a:rPr>
-              <a:t>services </a:t>
-            </a:r>
-            <a:r>
-              <a:rPr sz="1000" dirty="0">
-                <a:latin typeface="AdobeClean-Light"/>
-                <a:cs typeface="AdobeClean-Light"/>
-              </a:rPr>
-              <a:t>and recommendations that are proven to </a:t>
-            </a:r>
-            <a:r>
-              <a:rPr sz="950" dirty="0">
-                <a:latin typeface="AdobeClean-Light"/>
-                <a:cs typeface="AdobeClean-Light"/>
-              </a:rPr>
-              <a:t>support  successful deployments </a:t>
-            </a:r>
-            <a:r>
-              <a:rPr sz="1000" dirty="0">
-                <a:latin typeface="AdobeClean-Light"/>
-                <a:cs typeface="AdobeClean-Light"/>
-              </a:rPr>
-              <a:t>and </a:t>
-            </a:r>
-            <a:r>
-              <a:rPr sz="950" dirty="0">
-                <a:latin typeface="AdobeClean-Light"/>
-                <a:cs typeface="AdobeClean-Light"/>
-              </a:rPr>
-              <a:t>accelerate time-to-value</a:t>
-            </a:r>
-            <a:r>
-              <a:rPr sz="1000" dirty="0">
-                <a:latin typeface="AdobeClean-Light"/>
-                <a:cs typeface="AdobeClean-Light"/>
-              </a:rPr>
-              <a:t>.</a:t>
-            </a:r>
-            <a:endParaRPr sz="1000">
-              <a:latin typeface="AdobeClean-Light"/>
-              <a:cs typeface="AdobeClean-Light"/>
-            </a:endParaRPr>
+              <a:t>デプロイメントの成功をサポートし、価値実現までの時間を短縮することが実証されている、アドバイザリサービスおよび提案の中核です。</a:t>
+            </a:r>
           </a:p>
         </p:txBody>
       </p:sp>
@@ -12476,7 +10780,10 @@
             <a:bodyPr wrap="square" lIns="0" tIns="0" rIns="0" bIns="0" rtlCol="0"/>
             <a:lstStyle/>
             <a:p>
-              <a:endParaRPr/>
+              <a:endParaRPr>
+                <a:latin typeface="Adobe Clean Han Regular" panose="020B0500000000000000" pitchFamily="34" charset="-128"/>
+                <a:ea typeface="Adobe Clean Han Regular" panose="020B0500000000000000" pitchFamily="34" charset="-128"/>
+              </a:endParaRPr>
             </a:p>
           </p:txBody>
         </p:sp>
@@ -12490,7 +10797,7 @@
         <p:spPr>
           <a:xfrm>
             <a:off x="3976901" y="2790952"/>
-            <a:ext cx="3543300" cy="628377"/>
+            <a:ext cx="3543300" cy="782265"/>
           </a:xfrm>
           <a:prstGeom prst="rect">
             <a:avLst/>
@@ -12511,79 +10818,108 @@
               </a:spcBef>
             </a:pPr>
             <a:r>
-              <a:rPr sz="1000" dirty="0">
+              <a:rPr lang="ja-JP" sz="1000" dirty="0">
                 <a:solidFill>
                   <a:srgbClr val="4B4B4B"/>
                 </a:solidFill>
-                <a:latin typeface="AdobeClean-Light"/>
+                <a:latin typeface="Adobe Clean Han Regular" panose="020B0500000000000000" pitchFamily="34" charset="-128"/>
+                <a:ea typeface="Adobe Clean Han Regular" panose="020B0500000000000000" pitchFamily="34" charset="-128"/>
                 <a:cs typeface="AdobeClean-Light"/>
               </a:rPr>
-              <a:t>Field Services are used for </a:t>
-            </a:r>
-            <a:r>
-              <a:rPr sz="1000" b="1" dirty="0">
+              <a:t>フィールドサービス</a:t>
+            </a:r>
+            <a:r>
+              <a:rPr lang="ja-JP" sz="1000" dirty="0">
                 <a:solidFill>
                   <a:srgbClr val="4B4B4B"/>
                 </a:solidFill>
-                <a:latin typeface="Adobe Clean"/>
-                <a:cs typeface="Adobe Clean"/>
+                <a:latin typeface="Adobe Clean Han Regular" panose="020B0500000000000000" pitchFamily="34" charset="-128"/>
+                <a:ea typeface="Adobe Clean Han Regular" panose="020B0500000000000000" pitchFamily="34" charset="-128"/>
               </a:rPr>
-              <a:t>quick resolution</a:t>
-            </a:r>
-            <a:r>
-              <a:rPr sz="1000" dirty="0">
+              <a:t>は、</a:t>
+            </a:r>
+            <a:r>
+              <a:rPr lang="ja-JP" sz="1000" b="1" dirty="0">
                 <a:solidFill>
                   <a:srgbClr val="4B4B4B"/>
                 </a:solidFill>
-                <a:latin typeface="AdobeClean-Light"/>
-                <a:cs typeface="AdobeClean-Light"/>
+                <a:latin typeface="Adobe Clean Han Regular" panose="020B0500000000000000" pitchFamily="34" charset="-128"/>
+                <a:ea typeface="Adobe Clean Han Regular" panose="020B0500000000000000" pitchFamily="34" charset="-128"/>
               </a:rPr>
-              <a:t>, focused customer success  and accelerated </a:t>
-            </a:r>
-            <a:r>
-              <a:rPr sz="1000" b="1" dirty="0">
+              <a:t>迅速な解決</a:t>
+            </a:r>
+            <a:r>
+              <a:rPr lang="ja-JP" sz="1000" dirty="0">
                 <a:solidFill>
                   <a:srgbClr val="4B4B4B"/>
                 </a:solidFill>
-                <a:latin typeface="Adobe Clean"/>
-                <a:cs typeface="Adobe Clean"/>
+                <a:latin typeface="Adobe Clean Han Regular" panose="020B0500000000000000" pitchFamily="34" charset="-128"/>
+                <a:ea typeface="Adobe Clean Han Regular" panose="020B0500000000000000" pitchFamily="34" charset="-128"/>
               </a:rPr>
-              <a:t>time-to-value</a:t>
-            </a:r>
-            <a:r>
-              <a:rPr sz="1000" dirty="0">
+              <a:t>、集中的なカスタマーサクセス、</a:t>
+            </a:r>
+            <a:r>
+              <a:rPr lang="ja-JP" sz="1000" b="1" dirty="0">
                 <a:solidFill>
                   <a:srgbClr val="4B4B4B"/>
                 </a:solidFill>
-                <a:latin typeface="AdobeClean-Light"/>
-                <a:cs typeface="AdobeClean-Light"/>
+                <a:latin typeface="Adobe Clean Han Regular" panose="020B0500000000000000" pitchFamily="34" charset="-128"/>
+                <a:ea typeface="Adobe Clean Han Regular" panose="020B0500000000000000" pitchFamily="34" charset="-128"/>
               </a:rPr>
-              <a:t>. If Launch advisory is active there will be  </a:t>
-            </a:r>
-            <a:r>
-              <a:rPr sz="1000" b="1" dirty="0">
+              <a:t>価値実現までの時間</a:t>
+            </a:r>
+            <a:r>
+              <a:rPr lang="ja-JP" sz="1000" dirty="0">
                 <a:solidFill>
                   <a:srgbClr val="4B4B4B"/>
                 </a:solidFill>
-                <a:latin typeface="Adobe Clean"/>
-                <a:cs typeface="Adobe Clean"/>
+                <a:latin typeface="Adobe Clean Han Regular" panose="020B0500000000000000" pitchFamily="34" charset="-128"/>
+                <a:ea typeface="Adobe Clean Han Regular" panose="020B0500000000000000" pitchFamily="34" charset="-128"/>
               </a:rPr>
-              <a:t>no Field Services in year 1 </a:t>
-            </a:r>
-            <a:r>
-              <a:rPr sz="1000" dirty="0">
+              <a:t>の短縮のために使用されます</a:t>
+            </a:r>
+            <a:r>
+              <a:rPr lang="ja-JP" sz="1000" dirty="0">
                 <a:solidFill>
                   <a:srgbClr val="4B4B4B"/>
                 </a:solidFill>
-                <a:latin typeface="AdobeClean-Light"/>
+                <a:latin typeface="Adobe Clean Han Regular" panose="020B0500000000000000" pitchFamily="34" charset="-128"/>
+                <a:ea typeface="Adobe Clean Han Regular" panose="020B0500000000000000" pitchFamily="34" charset="-128"/>
                 <a:cs typeface="AdobeClean-Light"/>
               </a:rPr>
-              <a:t>for any solution product covered by a  Support contract.</a:t>
-            </a:r>
-            <a:endParaRPr sz="1000" dirty="0">
-              <a:latin typeface="AdobeClean-Light"/>
-              <a:cs typeface="AdobeClean-Light"/>
-            </a:endParaRPr>
+              <a:t>。</a:t>
+            </a:r>
+            <a:r>
+              <a:rPr lang="ja-JP" sz="1000" dirty="0">
+                <a:solidFill>
+                  <a:srgbClr val="4B4B4B"/>
+                </a:solidFill>
+                <a:latin typeface="Adobe Clean Han Regular" panose="020B0500000000000000" pitchFamily="34" charset="-128"/>
+                <a:ea typeface="Adobe Clean Han Regular" panose="020B0500000000000000" pitchFamily="34" charset="-128"/>
+              </a:rPr>
+              <a:t>サポート契約の対象となるソリューション製品で、Launch Advisory が適用される場合、</a:t>
+            </a:r>
+            <a:r>
+              <a:rPr lang="ja-JP" sz="1000" b="1" dirty="0">
+                <a:solidFill>
+                  <a:srgbClr val="4B4B4B"/>
+                </a:solidFill>
+                <a:latin typeface="Adobe Clean Han Regular" panose="020B0500000000000000" pitchFamily="34" charset="-128"/>
+                <a:ea typeface="Adobe Clean Han Regular" panose="020B0500000000000000" pitchFamily="34" charset="-128"/>
+                <a:cs typeface="Adobe Clean"/>
+              </a:rPr>
+              <a:t>1 年目のフィールドサービス</a:t>
+            </a:r>
+            <a:r>
+              <a:rPr lang="ja-JP" sz="1000" dirty="0">
+                <a:solidFill>
+                  <a:srgbClr val="4B4B4B"/>
+                </a:solidFill>
+                <a:latin typeface="Adobe Clean Han Regular" panose="020B0500000000000000" pitchFamily="34" charset="-128"/>
+                <a:ea typeface="Adobe Clean Han Regular" panose="020B0500000000000000" pitchFamily="34" charset="-128"/>
+              </a:rPr>
+              <a:t>はありません。</a:t>
+            </a:r>
           </a:p>
         </p:txBody>
       </p:sp>
@@ -12595,8 +10931,8 @@
         </p:nvSpPr>
         <p:spPr>
           <a:xfrm>
-            <a:off x="924304" y="2667378"/>
-            <a:ext cx="1245870" cy="0"/>
+            <a:off x="924303" y="2667377"/>
+            <a:ext cx="1455638" cy="54660"/>
           </a:xfrm>
           <a:custGeom>
             <a:avLst/>
@@ -12625,7 +10961,10 @@
           <a:bodyPr wrap="square" lIns="0" tIns="0" rIns="0" bIns="0" rtlCol="0"/>
           <a:lstStyle/>
           <a:p>
-            <a:endParaRPr/>
+            <a:endParaRPr>
+              <a:latin typeface="Adobe Clean Han Regular" panose="020B0500000000000000" pitchFamily="34" charset="-128"/>
+              <a:ea typeface="Adobe Clean Han Regular" panose="020B0500000000000000" pitchFamily="34" charset="-128"/>
+            </a:endParaRPr>
           </a:p>
         </p:txBody>
       </p:sp>
@@ -12667,7 +11006,10 @@
           <a:bodyPr wrap="square" lIns="0" tIns="0" rIns="0" bIns="0" rtlCol="0"/>
           <a:lstStyle/>
           <a:p>
-            <a:endParaRPr/>
+            <a:endParaRPr>
+              <a:latin typeface="Adobe Clean Han Regular" panose="020B0500000000000000" pitchFamily="34" charset="-128"/>
+              <a:ea typeface="Adobe Clean Han Regular" panose="020B0500000000000000" pitchFamily="34" charset="-128"/>
+            </a:endParaRPr>
           </a:p>
         </p:txBody>
       </p:sp>
@@ -12679,8 +11021,8 @@
         </p:nvSpPr>
         <p:spPr>
           <a:xfrm>
-            <a:off x="263464" y="5348732"/>
-            <a:ext cx="3114040" cy="482600"/>
+            <a:off x="263463" y="5348732"/>
+            <a:ext cx="3335019" cy="628377"/>
           </a:xfrm>
           <a:prstGeom prst="rect">
             <a:avLst/>
@@ -12701,11 +11043,12 @@
               </a:spcBef>
             </a:pPr>
             <a:r>
-              <a:rPr sz="1000" dirty="0">
-                <a:latin typeface="AdobeClean-Light"/>
+              <a:rPr lang="ja-JP" sz="1000" dirty="0">
+                <a:latin typeface="Adobe Clean Han Regular" panose="020B0500000000000000" pitchFamily="34" charset="-128"/>
+                <a:ea typeface="Adobe Clean Han Regular" panose="020B0500000000000000" pitchFamily="34" charset="-128"/>
                 <a:cs typeface="AdobeClean-Light"/>
               </a:rPr>
-              <a:t>Launch Advisory will align with your project schedule through  common milestones (Kickoff, Define, Design, Go-live and Post  Launch) to guide, validate, assess and make recommendations.</a:t>
+              <a:t>Launch Advisory では、お客様のプロジェクトスケジュールの一般的なマイルストーン（キックオフ、定義、デザイン、サービスイン、ポストローンチ）に合わせて、ガイド、検証、評価、提案を行います。</a:t>
             </a:r>
           </a:p>
         </p:txBody>
@@ -12740,16 +11083,13 @@
               </a:spcBef>
             </a:pPr>
             <a:r>
-              <a:rPr sz="1000" dirty="0">
-                <a:latin typeface="AdobeClean-Light"/>
+              <a:rPr lang="ja-JP" sz="1000">
+                <a:latin typeface="Adobe Clean Han Regular" panose="020B0500000000000000" pitchFamily="34" charset="-128"/>
+                <a:ea typeface="Adobe Clean Han Regular" panose="020B0500000000000000" pitchFamily="34" charset="-128"/>
                 <a:cs typeface="AdobeClean-Light"/>
               </a:rPr>
-              <a:t>Key Deliverables include:</a:t>
-            </a:r>
-            <a:endParaRPr sz="1000">
-              <a:latin typeface="AdobeClean-Light"/>
-              <a:cs typeface="AdobeClean-Light"/>
-            </a:endParaRPr>
+              <a:t>主な成果物：</a:t>
+            </a:r>
           </a:p>
         </p:txBody>
       </p:sp>
@@ -12762,7 +11102,7 @@
         <p:spPr>
           <a:xfrm>
             <a:off x="205422" y="6308299"/>
-            <a:ext cx="2745105" cy="592470"/>
+            <a:ext cx="3771479" cy="592470"/>
           </a:xfrm>
           <a:prstGeom prst="rect">
             <a:avLst/>
@@ -12782,12 +11122,14 @@
               <a:buChar char="•"/>
             </a:pPr>
             <a:r>
-              <a:rPr lang="en-US" sz="1000" dirty="0">
+              <a:rPr lang="ja-JP" sz="900" dirty="0">
                 <a:solidFill>
                   <a:prstClr val="black"/>
                 </a:solidFill>
+                <a:latin typeface="Adobe Clean Han Regular" panose="020B0500000000000000" pitchFamily="34" charset="-128"/>
+                <a:ea typeface="Adobe Clean Han Regular" panose="020B0500000000000000" pitchFamily="34" charset="-128"/>
               </a:rPr>
-              <a:t>Kickoff (including project collaboration plan) deck</a:t>
+              <a:t>キックオフ（プロジェクトコラボレーション計画を含む）資料</a:t>
             </a:r>
           </a:p>
           <a:p>
@@ -12799,12 +11141,14 @@
               <a:buChar char="•"/>
             </a:pPr>
             <a:r>
-              <a:rPr lang="en-US" sz="1000" dirty="0">
+              <a:rPr lang="ja-JP" sz="1000" dirty="0">
                 <a:solidFill>
                   <a:prstClr val="black"/>
                 </a:solidFill>
+                <a:latin typeface="Adobe Clean Han Regular" panose="020B0500000000000000" pitchFamily="34" charset="-128"/>
+                <a:ea typeface="Adobe Clean Han Regular" panose="020B0500000000000000" pitchFamily="34" charset="-128"/>
               </a:rPr>
-              <a:t>Assessment &amp; recommendations document(s)</a:t>
+              <a:t>評価および提案ドキュメント</a:t>
             </a:r>
           </a:p>
           <a:p>
@@ -12816,12 +11160,14 @@
               <a:buChar char="•"/>
             </a:pPr>
             <a:r>
-              <a:rPr lang="en-US" sz="1000" dirty="0">
+              <a:rPr lang="ja-JP" sz="1000" dirty="0">
                 <a:solidFill>
                   <a:prstClr val="black"/>
                 </a:solidFill>
+                <a:latin typeface="Adobe Clean Han Regular" panose="020B0500000000000000" pitchFamily="34" charset="-128"/>
+                <a:ea typeface="Adobe Clean Han Regular" panose="020B0500000000000000" pitchFamily="34" charset="-128"/>
               </a:rPr>
-              <a:t>Engagement summary</a:t>
+              <a:t>エンゲージメントの概要</a:t>
             </a:r>
           </a:p>
         </p:txBody>
@@ -12835,7 +11181,7 @@
         <p:spPr>
           <a:xfrm>
             <a:off x="263464" y="4126991"/>
-            <a:ext cx="3141980" cy="1070610"/>
+            <a:ext cx="3141980" cy="1066959"/>
           </a:xfrm>
           <a:prstGeom prst="rect">
             <a:avLst/>
@@ -12856,19 +11202,16 @@
               </a:spcBef>
             </a:pPr>
             <a:r>
-              <a:rPr sz="1600" dirty="0">
+              <a:rPr lang="ja-JP" sz="1600" dirty="0">
                 <a:solidFill>
                   <a:srgbClr val="FFFFFF"/>
                 </a:solidFill>
-                <a:latin typeface="Arial"/>
+                <a:latin typeface="Adobe Clean Han Regular" panose="020B0500000000000000" pitchFamily="34" charset="-128"/>
+                <a:ea typeface="Adobe Clean Han Regular" panose="020B0500000000000000" pitchFamily="34" charset="-128"/>
                 <a:cs typeface="Arial"/>
               </a:rPr>
-              <a:t>Implementation</a:t>
-            </a:r>
-            <a:endParaRPr sz="1600" dirty="0">
-              <a:latin typeface="Arial"/>
-              <a:cs typeface="Arial"/>
-            </a:endParaRPr>
+              <a:t>実装</a:t>
+            </a:r>
           </a:p>
           <a:p>
             <a:pPr marL="12700" marR="5080">
@@ -12880,32 +11223,11 @@
               </a:spcBef>
             </a:pPr>
             <a:r>
-              <a:rPr sz="1000" dirty="0">
-                <a:latin typeface="AdobeClean-Light"/>
-                <a:cs typeface="AdobeClean-Light"/>
+              <a:rPr lang="ja-JP" sz="1000" dirty="0">
+                <a:latin typeface="Adobe Clean Han Regular" panose="020B0500000000000000" pitchFamily="34" charset="-128"/>
+                <a:ea typeface="Adobe Clean Han Regular" panose="020B0500000000000000" pitchFamily="34" charset="-128"/>
               </a:rPr>
-              <a:t>Adobe solution experts help validate requirements, architecture,  development process, and launch readiness reviews </a:t>
-            </a:r>
-            <a:r>
-              <a:rPr sz="1000" dirty="0">
-                <a:latin typeface="AdobeClean-SemiLight"/>
-                <a:cs typeface="AdobeClean-SemiLight"/>
-              </a:rPr>
-              <a:t>with </a:t>
-            </a:r>
-            <a:r>
-              <a:rPr sz="950" dirty="0">
-                <a:latin typeface="AdobeClean-SemiLight"/>
-                <a:cs typeface="AdobeClean-SemiLight"/>
-              </a:rPr>
-              <a:t>best  practice-based guidance </a:t>
-            </a:r>
-            <a:r>
-              <a:rPr sz="1000" dirty="0">
-                <a:latin typeface="AdobeClean-SemiLight"/>
-                <a:cs typeface="AdobeClean-SemiLight"/>
-              </a:rPr>
-              <a:t>to customers and implementation  partners.</a:t>
+              <a:t>アドビソリューションエキスパートは、お客様や実装パートナーに対して、ベストプラクティスに基づいたガイダンスで、要件、アーキテクチャ、開発プロセス、ローンチ準備レビューの検証を支援します。</a:t>
             </a:r>
           </a:p>
         </p:txBody>
@@ -12917,15 +11239,20 @@
           <p:nvPr/>
         </p:nvPicPr>
         <p:blipFill>
-          <a:blip r:embed="rId3" cstate="print"/>
-          <a:stretch>
-            <a:fillRect/>
-          </a:stretch>
+          <a:blip r:embed="rId3">
+            <a:extLst>
+              <a:ext uri="{28A0092B-C50C-407E-A947-70E740481C1C}">
+                <a14:useLocalDpi xmlns:a14="http://schemas.microsoft.com/office/drawing/2010/main" val="0"/>
+              </a:ext>
+            </a:extLst>
+          </a:blip>
+          <a:srcRect/>
+          <a:stretch/>
         </p:blipFill>
         <p:spPr>
           <a:xfrm>
-            <a:off x="363328" y="6930985"/>
-            <a:ext cx="3053821" cy="2818913"/>
+            <a:off x="363328" y="6932449"/>
+            <a:ext cx="3053821" cy="2815984"/>
           </a:xfrm>
           <a:prstGeom prst="rect">
             <a:avLst/>
@@ -12962,18 +11289,32 @@
               </a:spcBef>
             </a:pPr>
             <a:r>
-              <a:rPr sz="1000" b="1" dirty="0">
-                <a:latin typeface="Arial"/>
-                <a:cs typeface="Arial"/>
+              <a:rPr lang="ja-JP" sz="1000" b="1" dirty="0">
+                <a:latin typeface="Adobe Clean Han Regular" panose="020B0500000000000000" pitchFamily="34" charset="-128"/>
+                <a:ea typeface="Adobe Clean Han Regular" panose="020B0500000000000000" pitchFamily="34" charset="-128"/>
               </a:rPr>
-              <a:t>Technical Track Activities </a:t>
-            </a:r>
-            <a:r>
-              <a:rPr sz="1000" dirty="0">
-                <a:latin typeface="AdobeClean-Light"/>
+              <a:t>テクニカルトラックアクティビティ</a:t>
+            </a:r>
+            <a:r>
+              <a:rPr lang="ja-JP" sz="1000" dirty="0">
+                <a:latin typeface="Adobe Clean Han Regular" panose="020B0500000000000000" pitchFamily="34" charset="-128"/>
+                <a:ea typeface="Adobe Clean Han Regular" panose="020B0500000000000000" pitchFamily="34" charset="-128"/>
+              </a:rPr>
+              <a:t>は、お客様が技術的に安定し、ツールを最大限に活用できるようにします。</a:t>
+            </a:r>
+            <a:br>
+              <a:rPr lang="sk-SK" altLang="ja-JP" sz="1000" dirty="0">
+                <a:latin typeface="Adobe Clean Han Regular" panose="020B0500000000000000" pitchFamily="34" charset="-128"/>
+                <a:ea typeface="Adobe Clean Han Regular" panose="020B0500000000000000" pitchFamily="34" charset="-128"/>
+              </a:rPr>
+            </a:br>
+            <a:r>
+              <a:rPr lang="ja-JP" sz="1000" dirty="0">
+                <a:latin typeface="Adobe Clean Han Regular" panose="020B0500000000000000" pitchFamily="34" charset="-128"/>
+                <a:ea typeface="Adobe Clean Han Regular" panose="020B0500000000000000" pitchFamily="34" charset="-128"/>
                 <a:cs typeface="AdobeClean-Light"/>
               </a:rPr>
-              <a:t>ensure customers are technically sound  and maximizing their tool adoption. Specifically, these types of  activities include support and recommendations related to platform  configurations, integrations and troubleshooting</a:t>
+              <a:t>具体的には、プラットフォームの設定、統合、トラブルシューティングに関するサポートや提案などがあります。</a:t>
             </a:r>
           </a:p>
         </p:txBody>
@@ -12986,8 +11327,8 @@
         </p:nvSpPr>
         <p:spPr>
           <a:xfrm>
-            <a:off x="3947346" y="6174740"/>
-            <a:ext cx="2099310" cy="1436291"/>
+            <a:off x="3947345" y="6174740"/>
+            <a:ext cx="3335019" cy="1436291"/>
           </a:xfrm>
           <a:prstGeom prst="rect">
             <a:avLst/>
@@ -13008,11 +11349,12 @@
               </a:spcBef>
             </a:pPr>
             <a:r>
-              <a:rPr sz="1000" dirty="0">
-                <a:latin typeface="AdobeClean-Light"/>
+              <a:rPr lang="ja-JP" sz="1000" dirty="0">
+                <a:latin typeface="Adobe Clean Han Regular" panose="020B0500000000000000" pitchFamily="34" charset="-128"/>
+                <a:ea typeface="Adobe Clean Han Regular" panose="020B0500000000000000" pitchFamily="34" charset="-128"/>
                 <a:cs typeface="AdobeClean-Light"/>
               </a:rPr>
-              <a:t>Types of technical activities available::</a:t>
+              <a:t>利用可能なテクニカルアクティビティのタイプ：</a:t>
             </a:r>
           </a:p>
           <a:p>
@@ -13027,12 +11369,14 @@
               <a:buChar char="ü"/>
             </a:pPr>
             <a:r>
-              <a:rPr lang="en-US" sz="1000" dirty="0">
+              <a:rPr lang="ja-JP" sz="1000" dirty="0">
                 <a:solidFill>
                   <a:prstClr val="black"/>
                 </a:solidFill>
+                <a:latin typeface="Adobe Clean Han Regular" panose="020B0500000000000000" pitchFamily="34" charset="-128"/>
+                <a:ea typeface="Adobe Clean Han Regular" panose="020B0500000000000000" pitchFamily="34" charset="-128"/>
               </a:rPr>
-              <a:t>Health audit</a:t>
+              <a:t>健全性監査</a:t>
             </a:r>
           </a:p>
           <a:p>
@@ -13047,12 +11391,14 @@
               <a:buChar char="ü"/>
             </a:pPr>
             <a:r>
-              <a:rPr lang="en-US" sz="1000" dirty="0">
+              <a:rPr lang="ja-JP" sz="1000" dirty="0">
                 <a:solidFill>
                   <a:prstClr val="black"/>
                 </a:solidFill>
+                <a:latin typeface="Adobe Clean Han Regular" panose="020B0500000000000000" pitchFamily="34" charset="-128"/>
+                <a:ea typeface="Adobe Clean Han Regular" panose="020B0500000000000000" pitchFamily="34" charset="-128"/>
               </a:rPr>
-              <a:t>Platform audit</a:t>
+              <a:t>プラットフォーム監査</a:t>
             </a:r>
           </a:p>
           <a:p>
@@ -13067,12 +11413,14 @@
               <a:buChar char="ü"/>
             </a:pPr>
             <a:r>
-              <a:rPr lang="en-US" sz="1000" dirty="0">
+              <a:rPr lang="ja-JP" sz="1000" dirty="0">
                 <a:solidFill>
                   <a:prstClr val="black"/>
                 </a:solidFill>
+                <a:latin typeface="Adobe Clean Han Regular" panose="020B0500000000000000" pitchFamily="34" charset="-128"/>
+                <a:ea typeface="Adobe Clean Han Regular" panose="020B0500000000000000" pitchFamily="34" charset="-128"/>
               </a:rPr>
-              <a:t>Feature set enablement</a:t>
+              <a:t>機能セットの有効化</a:t>
             </a:r>
           </a:p>
           <a:p>
@@ -13087,12 +11435,14 @@
               <a:buChar char="ü"/>
             </a:pPr>
             <a:r>
-              <a:rPr lang="en-US" sz="1000" dirty="0">
+              <a:rPr lang="ja-JP" sz="1000" dirty="0">
                 <a:solidFill>
                   <a:prstClr val="black"/>
                 </a:solidFill>
+                <a:latin typeface="Adobe Clean Han Regular" panose="020B0500000000000000" pitchFamily="34" charset="-128"/>
+                <a:ea typeface="Adobe Clean Han Regular" panose="020B0500000000000000" pitchFamily="34" charset="-128"/>
               </a:rPr>
-              <a:t>Basic integrations and configurations</a:t>
+              <a:t>基本的な統合と設定</a:t>
             </a:r>
           </a:p>
           <a:p>
@@ -13107,12 +11457,14 @@
               <a:buChar char="ü"/>
             </a:pPr>
             <a:r>
-              <a:rPr lang="en-US" sz="1000" dirty="0">
+              <a:rPr lang="ja-JP" sz="1000" dirty="0">
                 <a:solidFill>
                   <a:prstClr val="black"/>
                 </a:solidFill>
+                <a:latin typeface="Adobe Clean Han Regular" panose="020B0500000000000000" pitchFamily="34" charset="-128"/>
+                <a:ea typeface="Adobe Clean Han Regular" panose="020B0500000000000000" pitchFamily="34" charset="-128"/>
               </a:rPr>
-              <a:t>Customer solution troubleshooting</a:t>
+              <a:t>お客様のソリューションのトラブルシューティング</a:t>
             </a:r>
           </a:p>
           <a:p>
@@ -13127,12 +11479,14 @@
               <a:buChar char="ü"/>
             </a:pPr>
             <a:r>
-              <a:rPr lang="en-US" sz="1000" dirty="0">
+              <a:rPr lang="ja-JP" sz="1000" dirty="0">
                 <a:solidFill>
                   <a:prstClr val="black"/>
                 </a:solidFill>
+                <a:latin typeface="Adobe Clean Han Regular" panose="020B0500000000000000" pitchFamily="34" charset="-128"/>
+                <a:ea typeface="Adobe Clean Han Regular" panose="020B0500000000000000" pitchFamily="34" charset="-128"/>
               </a:rPr>
-              <a:t>Cloud service support</a:t>
+              <a:t>クラウドサービスのサポート</a:t>
             </a:r>
           </a:p>
         </p:txBody>
@@ -13167,18 +11521,41 @@
               </a:spcBef>
             </a:pPr>
             <a:r>
-              <a:rPr sz="1000" b="1" dirty="0">
-                <a:latin typeface="Arial"/>
-                <a:cs typeface="Arial"/>
+              <a:rPr lang="ja-JP" sz="1000" b="1" dirty="0">
+                <a:latin typeface="Adobe Clean Han Regular" panose="020B0500000000000000" pitchFamily="34" charset="-128"/>
+                <a:ea typeface="Adobe Clean Han Regular" panose="020B0500000000000000" pitchFamily="34" charset="-128"/>
               </a:rPr>
-              <a:t>Strategic Track Activities </a:t>
-            </a:r>
-            <a:r>
-              <a:rPr sz="1000" dirty="0">
-                <a:latin typeface="AdobeClean-Light"/>
+              <a:t>戦略的トラックアクティビティ</a:t>
+            </a:r>
+            <a:r>
+              <a:rPr lang="ja-JP" sz="1000" dirty="0">
+                <a:latin typeface="Adobe Clean Han Regular" panose="020B0500000000000000" pitchFamily="34" charset="-128"/>
+                <a:ea typeface="Adobe Clean Han Regular" panose="020B0500000000000000" pitchFamily="34" charset="-128"/>
+              </a:rPr>
+              <a:t>は、お客様のアドビソリューションから価値が実現されるようにするオポチュニティを提供します。</a:t>
+            </a:r>
+            <a:r>
+              <a:rPr lang="ja-JP" sz="1000" dirty="0">
+                <a:latin typeface="Adobe Clean Han Regular" panose="020B0500000000000000" pitchFamily="34" charset="-128"/>
+                <a:ea typeface="Adobe Clean Han Regular" panose="020B0500000000000000" pitchFamily="34" charset="-128"/>
                 <a:cs typeface="AdobeClean-Light"/>
               </a:rPr>
-              <a:t>locate opportunities to ensure value is  being realized from a customer’s Adobe solutions. They include  support recommendations related to strategy, measurement and  maturity to drive value realization across one or more Adobe  solutions.</a:t>
+              <a:t>これには、1 つ以上のアドビソリューションで価値実現を促進するための戦略、</a:t>
+            </a:r>
+            <a:br>
+              <a:rPr lang="sk-SK" altLang="ja-JP" sz="1000" dirty="0">
+                <a:latin typeface="Adobe Clean Han Regular" panose="020B0500000000000000" pitchFamily="34" charset="-128"/>
+                <a:ea typeface="Adobe Clean Han Regular" panose="020B0500000000000000" pitchFamily="34" charset="-128"/>
+                <a:cs typeface="AdobeClean-Light"/>
+              </a:rPr>
+            </a:br>
+            <a:r>
+              <a:rPr lang="ja-JP" sz="1000" dirty="0">
+                <a:latin typeface="Adobe Clean Han Regular" panose="020B0500000000000000" pitchFamily="34" charset="-128"/>
+                <a:ea typeface="Adobe Clean Han Regular" panose="020B0500000000000000" pitchFamily="34" charset="-128"/>
+                <a:cs typeface="AdobeClean-Light"/>
+              </a:rPr>
+              <a:t>測定、成熟度に関するサポートの提案が含まれます。</a:t>
             </a:r>
           </a:p>
           <a:p>
@@ -13191,7 +11568,8 @@
               </a:spcBef>
             </a:pPr>
             <a:endParaRPr sz="1100" dirty="0">
-              <a:latin typeface="AdobeClean-Light"/>
+              <a:latin typeface="Adobe Clean Han Regular" panose="020B0500000000000000" pitchFamily="34" charset="-128"/>
+              <a:ea typeface="Adobe Clean Han Regular" panose="020B0500000000000000" pitchFamily="34" charset="-128"/>
               <a:cs typeface="AdobeClean-Light"/>
             </a:endParaRPr>
           </a:p>
@@ -13202,11 +11580,12 @@
               </a:lnSpc>
             </a:pPr>
             <a:r>
-              <a:rPr sz="1000" dirty="0">
-                <a:latin typeface="AdobeClean-Light"/>
+              <a:rPr lang="ja-JP" sz="1000" dirty="0">
+                <a:latin typeface="Adobe Clean Han Regular" panose="020B0500000000000000" pitchFamily="34" charset="-128"/>
+                <a:ea typeface="Adobe Clean Han Regular" panose="020B0500000000000000" pitchFamily="34" charset="-128"/>
                 <a:cs typeface="AdobeClean-Light"/>
               </a:rPr>
-              <a:t>Types of strategic activities available::</a:t>
+              <a:t>利用可能な戦略的アクティビティのタイプ：</a:t>
             </a:r>
           </a:p>
           <a:p>
@@ -13221,12 +11600,14 @@
               <a:buChar char="ü"/>
             </a:pPr>
             <a:r>
-              <a:rPr lang="en-US" sz="1000" dirty="0">
+              <a:rPr lang="ja-JP" sz="1000" dirty="0">
                 <a:solidFill>
                   <a:prstClr val="black"/>
                 </a:solidFill>
+                <a:latin typeface="Adobe Clean Han Regular" panose="020B0500000000000000" pitchFamily="34" charset="-128"/>
+                <a:ea typeface="Adobe Clean Han Regular" panose="020B0500000000000000" pitchFamily="34" charset="-128"/>
               </a:rPr>
-              <a:t>Maturity Roadmap</a:t>
+              <a:t>成熟度ロードマップ</a:t>
             </a:r>
           </a:p>
           <a:p>
@@ -13241,12 +11622,14 @@
               <a:buChar char="ü"/>
             </a:pPr>
             <a:r>
-              <a:rPr lang="en-US" sz="1000" dirty="0">
+              <a:rPr lang="ja-JP" sz="1000" dirty="0">
                 <a:solidFill>
                   <a:prstClr val="black"/>
                 </a:solidFill>
+                <a:latin typeface="Adobe Clean Han Regular" panose="020B0500000000000000" pitchFamily="34" charset="-128"/>
+                <a:ea typeface="Adobe Clean Han Regular" panose="020B0500000000000000" pitchFamily="34" charset="-128"/>
               </a:rPr>
-              <a:t>Use case development/measurement</a:t>
+              <a:t>ユースケース開発／測定</a:t>
             </a:r>
           </a:p>
           <a:p>
@@ -13261,12 +11644,14 @@
               <a:buChar char="ü"/>
             </a:pPr>
             <a:r>
-              <a:rPr lang="en-US" sz="1000" dirty="0">
+              <a:rPr lang="ja-JP" sz="1000" dirty="0">
                 <a:solidFill>
                   <a:prstClr val="black"/>
                 </a:solidFill>
+                <a:latin typeface="Adobe Clean Han Regular" panose="020B0500000000000000" pitchFamily="34" charset="-128"/>
+                <a:ea typeface="Adobe Clean Han Regular" panose="020B0500000000000000" pitchFamily="34" charset="-128"/>
               </a:rPr>
-              <a:t>Reporting &amp; analysis</a:t>
+              <a:t>レポートおよび分析</a:t>
             </a:r>
           </a:p>
           <a:p>
@@ -13281,12 +11666,14 @@
               <a:buChar char="ü"/>
             </a:pPr>
             <a:r>
-              <a:rPr lang="en-US" sz="1000" dirty="0">
+              <a:rPr lang="ja-JP" sz="1000" dirty="0">
                 <a:solidFill>
                   <a:prstClr val="black"/>
                 </a:solidFill>
+                <a:latin typeface="Adobe Clean Han Regular" panose="020B0500000000000000" pitchFamily="34" charset="-128"/>
+                <a:ea typeface="Adobe Clean Han Regular" panose="020B0500000000000000" pitchFamily="34" charset="-128"/>
               </a:rPr>
-              <a:t>Best practices enablement</a:t>
+              <a:t>ベストプラクティスの有効化</a:t>
             </a:r>
           </a:p>
         </p:txBody>
@@ -13300,7 +11687,7 @@
         <p:spPr>
           <a:xfrm>
             <a:off x="3942773" y="4126991"/>
-            <a:ext cx="3275329" cy="969496"/>
+            <a:ext cx="3275329" cy="1092607"/>
           </a:xfrm>
           <a:prstGeom prst="rect">
             <a:avLst/>
@@ -13321,19 +11708,16 @@
               </a:spcBef>
             </a:pPr>
             <a:r>
-              <a:rPr sz="1600" dirty="0">
+              <a:rPr lang="ja-JP" sz="1600" dirty="0">
                 <a:solidFill>
                   <a:srgbClr val="FFFFFF"/>
                 </a:solidFill>
-                <a:latin typeface="Arial"/>
+                <a:latin typeface="Adobe Clean Han Regular" panose="020B0500000000000000" pitchFamily="34" charset="-128"/>
+                <a:ea typeface="Adobe Clean Han Regular" panose="020B0500000000000000" pitchFamily="34" charset="-128"/>
                 <a:cs typeface="Arial"/>
               </a:rPr>
-              <a:t>Run &amp; Operate</a:t>
-            </a:r>
-            <a:endParaRPr sz="1600" dirty="0">
-              <a:latin typeface="Arial"/>
-              <a:cs typeface="Arial"/>
-            </a:endParaRPr>
+              <a:t>実行と運用</a:t>
+            </a:r>
           </a:p>
           <a:p>
             <a:pPr marL="12700">
@@ -13345,89 +11729,16 @@
               </a:spcBef>
             </a:pPr>
             <a:r>
-              <a:rPr sz="1000" dirty="0">
+              <a:rPr lang="ja-JP" sz="1000" dirty="0">
                 <a:solidFill>
                   <a:srgbClr val="1F1F1F"/>
                 </a:solidFill>
-                <a:latin typeface="Adobe Clean"/>
+                <a:latin typeface="Adobe Clean Han Regular" panose="020B0500000000000000" pitchFamily="34" charset="-128"/>
+                <a:ea typeface="Adobe Clean Han Regular" panose="020B0500000000000000" pitchFamily="34" charset="-128"/>
                 <a:cs typeface="Adobe Clean"/>
               </a:rPr>
-              <a:t>As an </a:t>
-            </a:r>
-            <a:r>
-              <a:rPr lang="en-US" sz="1000" dirty="0">
-                <a:solidFill>
-                  <a:srgbClr val="1F1F1F"/>
-                </a:solidFill>
-                <a:latin typeface="Adobe Clean"/>
-                <a:cs typeface="Adobe Clean"/>
-              </a:rPr>
-              <a:t>Elite</a:t>
-            </a:r>
-            <a:r>
-              <a:rPr sz="1000" dirty="0">
-                <a:solidFill>
-                  <a:srgbClr val="1F1F1F"/>
-                </a:solidFill>
-                <a:latin typeface="Adobe Clean"/>
-                <a:cs typeface="Adobe Clean"/>
-              </a:rPr>
-              <a:t> customer, you are  eligible for</a:t>
-            </a:r>
-            <a:r>
-              <a:rPr lang="en-US" sz="1200" dirty="0">
-                <a:solidFill>
-                  <a:srgbClr val="1F1F1F"/>
-                </a:solidFill>
-                <a:uFill>
-                  <a:solidFill>
-                    <a:srgbClr val="1F1F1F"/>
-                  </a:solidFill>
-                </a:uFill>
-                <a:latin typeface="Times New Roman"/>
-                <a:cs typeface="Times New Roman"/>
-              </a:rPr>
-              <a:t> </a:t>
-            </a:r>
-            <a:r>
-              <a:rPr lang="en-US" sz="1200" u="sng" dirty="0">
-                <a:solidFill>
-                  <a:srgbClr val="1F1F1F"/>
-                </a:solidFill>
-                <a:uFill>
-                  <a:solidFill>
-                    <a:srgbClr val="1F1F1F"/>
-                  </a:solidFill>
-                </a:uFill>
-                <a:latin typeface="Times New Roman"/>
-                <a:cs typeface="Times New Roman"/>
-              </a:rPr>
-              <a:t>4</a:t>
-            </a:r>
-            <a:r>
-              <a:rPr sz="1200" b="1" dirty="0">
-                <a:solidFill>
-                  <a:srgbClr val="1F1F1F"/>
-                </a:solidFill>
-                <a:latin typeface="Arial"/>
-                <a:cs typeface="Arial"/>
-              </a:rPr>
-              <a:t> </a:t>
-            </a:r>
-            <a:r>
-              <a:rPr sz="1000" b="1" dirty="0">
-                <a:solidFill>
-                  <a:srgbClr val="1F1F1F"/>
-                </a:solidFill>
-                <a:latin typeface="Arial"/>
-                <a:cs typeface="Arial"/>
-              </a:rPr>
-              <a:t>activities per year</a:t>
-            </a:r>
-            <a:endParaRPr sz="1000" dirty="0">
-              <a:latin typeface="Arial"/>
-              <a:cs typeface="Arial"/>
-            </a:endParaRPr>
+              <a:t>エリートのお客様は、</a:t>
+            </a:r>
           </a:p>
           <a:p>
             <a:pPr marL="12700">
@@ -13439,59 +11750,86 @@
               </a:spcBef>
             </a:pPr>
             <a:r>
-              <a:rPr sz="1000" dirty="0">
+              <a:rPr lang="ja-JP" sz="1000" dirty="0">
                 <a:solidFill>
                   <a:srgbClr val="1F1F1F"/>
                 </a:solidFill>
-                <a:latin typeface="Adobe Clean"/>
+                <a:latin typeface="Adobe Clean Han Regular" panose="020B0500000000000000" pitchFamily="34" charset="-128"/>
+                <a:ea typeface="Adobe Clean Han Regular" panose="020B0500000000000000" pitchFamily="34" charset="-128"/>
                 <a:cs typeface="Adobe Clean"/>
               </a:rPr>
-              <a:t>from the following two tracks: </a:t>
-            </a:r>
-            <a:r>
-              <a:rPr sz="1000" b="1" dirty="0">
+              <a:t>2 つのトラック</a:t>
+            </a:r>
+            <a:r>
+              <a:rPr lang="ja-JP" sz="1000" dirty="0">
                 <a:solidFill>
                   <a:srgbClr val="1F1F1F"/>
                 </a:solidFill>
-                <a:latin typeface="Arial"/>
-                <a:cs typeface="Arial"/>
+                <a:latin typeface="Adobe Clean Han Regular" panose="020B0500000000000000" pitchFamily="34" charset="-128"/>
+                <a:ea typeface="Adobe Clean Han Regular" panose="020B0500000000000000" pitchFamily="34" charset="-128"/>
               </a:rPr>
-              <a:t>Technical </a:t>
-            </a:r>
-            <a:r>
-              <a:rPr sz="1000" dirty="0">
+              <a:t>（</a:t>
+            </a:r>
+            <a:r>
+              <a:rPr lang="ja-JP" sz="1000" b="1" dirty="0">
                 <a:solidFill>
                   <a:srgbClr val="1F1F1F"/>
                 </a:solidFill>
-                <a:latin typeface="Adobe Clean"/>
-                <a:cs typeface="Adobe Clean"/>
+                <a:latin typeface="Adobe Clean Han Regular" panose="020B0500000000000000" pitchFamily="34" charset="-128"/>
+                <a:ea typeface="Adobe Clean Han Regular" panose="020B0500000000000000" pitchFamily="34" charset="-128"/>
               </a:rPr>
-              <a:t>and/or </a:t>
-            </a:r>
-            <a:r>
-              <a:rPr sz="1000" b="1" dirty="0">
+              <a:t>テクニカルトラック</a:t>
+            </a:r>
+            <a:r>
+              <a:rPr lang="ja-JP" sz="1000" dirty="0">
                 <a:solidFill>
                   <a:srgbClr val="1F1F1F"/>
                 </a:solidFill>
-                <a:latin typeface="Arial"/>
-                <a:cs typeface="Arial"/>
+                <a:latin typeface="Adobe Clean Han Regular" panose="020B0500000000000000" pitchFamily="34" charset="-128"/>
+                <a:ea typeface="Adobe Clean Han Regular" panose="020B0500000000000000" pitchFamily="34" charset="-128"/>
               </a:rPr>
-              <a:t>Strategic</a:t>
-            </a:r>
-            <a:r>
-              <a:rPr sz="1000" dirty="0">
+              <a:t>および／または</a:t>
+            </a:r>
+            <a:r>
+              <a:rPr lang="ja-JP" sz="1000" b="1" dirty="0">
                 <a:solidFill>
                   <a:srgbClr val="1F1F1F"/>
                 </a:solidFill>
-                <a:latin typeface="AdobeClean-Light"/>
-                <a:cs typeface="AdobeClean-Light"/>
+                <a:latin typeface="Adobe Clean Han Regular" panose="020B0500000000000000" pitchFamily="34" charset="-128"/>
+                <a:ea typeface="Adobe Clean Han Regular" panose="020B0500000000000000" pitchFamily="34" charset="-128"/>
               </a:rPr>
-              <a:t>.</a:t>
-            </a:r>
-            <a:endParaRPr sz="1000" dirty="0">
-              <a:latin typeface="AdobeClean-Light"/>
-              <a:cs typeface="AdobeClean-Light"/>
-            </a:endParaRPr>
+              <a:t>戦略的トラック</a:t>
+            </a:r>
+            <a:r>
+              <a:rPr lang="ja-JP" sz="1000" dirty="0">
+                <a:solidFill>
+                  <a:srgbClr val="1F1F1F"/>
+                </a:solidFill>
+                <a:latin typeface="Adobe Clean Han Regular" panose="020B0500000000000000" pitchFamily="34" charset="-128"/>
+                <a:ea typeface="Adobe Clean Han Regular" panose="020B0500000000000000" pitchFamily="34" charset="-128"/>
+              </a:rPr>
+              <a:t>）から、</a:t>
+            </a:r>
+            <a:r>
+              <a:rPr lang="ja-JP" sz="1000" b="1" dirty="0">
+                <a:solidFill>
+                  <a:srgbClr val="1F1F1F"/>
+                </a:solidFill>
+                <a:latin typeface="Adobe Clean Han Regular" panose="020B0500000000000000" pitchFamily="34" charset="-128"/>
+                <a:ea typeface="Adobe Clean Han Regular" panose="020B0500000000000000" pitchFamily="34" charset="-128"/>
+              </a:rPr>
+              <a:t>1 年ごとに 4 つのアクティビティ</a:t>
+            </a:r>
+            <a:r>
+              <a:rPr lang="ja-JP" sz="1000" dirty="0">
+                <a:solidFill>
+                  <a:srgbClr val="1F1F1F"/>
+                </a:solidFill>
+                <a:latin typeface="Adobe Clean Han Regular" panose="020B0500000000000000" pitchFamily="34" charset="-128"/>
+                <a:ea typeface="Adobe Clean Han Regular" panose="020B0500000000000000" pitchFamily="34" charset="-128"/>
+              </a:rPr>
+              <a:t>を利用できます。</a:t>
+            </a:r>
           </a:p>
         </p:txBody>
       </p:sp>
@@ -13503,8 +11841,8 @@
         </p:nvSpPr>
         <p:spPr>
           <a:xfrm>
-            <a:off x="923023" y="538480"/>
-            <a:ext cx="2323349" cy="228268"/>
+            <a:off x="923023" y="538479"/>
+            <a:ext cx="3920246" cy="228268"/>
           </a:xfrm>
           <a:prstGeom prst="rect">
             <a:avLst/>
@@ -13525,69 +11863,16 @@
               </a:spcBef>
             </a:pPr>
             <a:r>
-              <a:rPr sz="1400" b="1" spc="-15" dirty="0">
+              <a:rPr lang="ja-JP" sz="1400" b="1" dirty="0">
                 <a:solidFill>
                   <a:srgbClr val="020302"/>
                 </a:solidFill>
-                <a:latin typeface="Adobe Clean"/>
+                <a:latin typeface="Adobe Clean Han Regular" panose="020B0500000000000000" pitchFamily="34" charset="-128"/>
+                <a:ea typeface="Adobe Clean Han Regular" panose="020B0500000000000000" pitchFamily="34" charset="-128"/>
                 <a:cs typeface="Adobe Clean"/>
               </a:rPr>
-              <a:t>Cloud</a:t>
-            </a:r>
-            <a:r>
-              <a:rPr sz="1400" b="1" spc="-45" dirty="0">
-                <a:solidFill>
-                  <a:srgbClr val="020302"/>
-                </a:solidFill>
-                <a:latin typeface="Adobe Clean"/>
-                <a:cs typeface="Adobe Clean"/>
-              </a:rPr>
-              <a:t> </a:t>
-            </a:r>
-            <a:r>
-              <a:rPr sz="1400" b="1" spc="-15" dirty="0">
-                <a:solidFill>
-                  <a:srgbClr val="020302"/>
-                </a:solidFill>
-                <a:latin typeface="Adobe Clean"/>
-                <a:cs typeface="Adobe Clean"/>
-              </a:rPr>
-              <a:t>Support</a:t>
-            </a:r>
-            <a:r>
-              <a:rPr sz="1400" b="1" spc="-50" dirty="0">
-                <a:solidFill>
-                  <a:srgbClr val="020302"/>
-                </a:solidFill>
-                <a:latin typeface="Adobe Clean"/>
-                <a:cs typeface="Adobe Clean"/>
-              </a:rPr>
-              <a:t> </a:t>
-            </a:r>
-            <a:r>
-              <a:rPr sz="1400" b="1" spc="-15" dirty="0">
-                <a:solidFill>
-                  <a:srgbClr val="020302"/>
-                </a:solidFill>
-                <a:latin typeface="Adobe Clean"/>
-                <a:cs typeface="Adobe Clean"/>
-              </a:rPr>
-              <a:t>Activities</a:t>
-            </a:r>
-            <a:r>
-              <a:rPr lang="en-US" sz="1400" b="1" spc="-15" dirty="0">
-                <a:solidFill>
-                  <a:srgbClr val="020302"/>
-                </a:solidFill>
-                <a:latin typeface="Adobe Clean"/>
-                <a:cs typeface="Adobe Clean"/>
-              </a:rPr>
-              <a:t> - AEM</a:t>
-            </a:r>
-            <a:endParaRPr sz="1400" dirty="0">
-              <a:latin typeface="Adobe Clean"/>
-              <a:cs typeface="Adobe Clean"/>
-            </a:endParaRPr>
+              <a:t>クラウドサポートアクティビティ - AEM</a:t>
+            </a:r>
           </a:p>
         </p:txBody>
       </p:sp>
@@ -13600,7 +11885,7 @@
         <p:spPr>
           <a:xfrm>
             <a:off x="924894" y="814263"/>
-            <a:ext cx="2321477" cy="45719"/>
+            <a:ext cx="3266106" cy="45719"/>
           </a:xfrm>
           <a:custGeom>
             <a:avLst/>
@@ -13629,7 +11914,10 @@
           <a:bodyPr wrap="square" lIns="0" tIns="0" rIns="0" bIns="0" rtlCol="0"/>
           <a:lstStyle/>
           <a:p>
-            <a:endParaRPr/>
+            <a:endParaRPr>
+              <a:latin typeface="Adobe Clean Han Regular" panose="020B0500000000000000" pitchFamily="34" charset="-128"/>
+              <a:ea typeface="Adobe Clean Han Regular" panose="020B0500000000000000" pitchFamily="34" charset="-128"/>
+            </a:endParaRPr>
           </a:p>
         </p:txBody>
       </p:sp>
@@ -13703,6 +11991,10 @@
           </p:nvPr>
         </p:nvSpPr>
         <p:spPr>
+          <a:xfrm>
+            <a:off x="97787" y="9861194"/>
+            <a:ext cx="2820499" cy="133370"/>
+          </a:xfrm>
           <a:prstGeom prst="rect">
             <a:avLst/>
           </a:prstGeom>
@@ -13722,36 +12014,11 @@
               </a:spcBef>
             </a:pPr>
             <a:r>
-              <a:rPr spc="-5" dirty="0"/>
-              <a:t>©2021 Adobe. All</a:t>
-            </a:r>
-            <a:r>
-              <a:rPr spc="-15" dirty="0"/>
-              <a:t> Rights</a:t>
-            </a:r>
-            <a:r>
-              <a:rPr spc="-10" dirty="0"/>
-              <a:t> </a:t>
-            </a:r>
-            <a:r>
-              <a:rPr spc="-15" dirty="0"/>
-              <a:t>Reserved.</a:t>
-            </a:r>
-            <a:r>
-              <a:rPr spc="-10" dirty="0"/>
-              <a:t> </a:t>
-            </a:r>
-            <a:r>
-              <a:rPr spc="-5" dirty="0"/>
-              <a:t>Adobe</a:t>
-            </a:r>
-            <a:r>
-              <a:rPr spc="60" dirty="0"/>
-              <a:t> </a:t>
-            </a:r>
-            <a:r>
-              <a:rPr spc="-15" dirty="0"/>
-              <a:t>Confidential.</a:t>
+              <a:rPr lang="ja-JP" dirty="0">
+                <a:latin typeface="Adobe Clean Han Regular" panose="020B0500000000000000" pitchFamily="34" charset="-128"/>
+                <a:ea typeface="Adobe Clean Han Regular" panose="020B0500000000000000" pitchFamily="34" charset="-128"/>
+              </a:rPr>
+              <a:t>©2021 Adobe.All Rights Reserved.Adobe Confidential.</a:t>
             </a:r>
           </a:p>
         </p:txBody>
@@ -13807,8 +12074,11 @@
           <a:p>
             <a:pPr algn="ctr"/>
             <a:r>
-              <a:rPr lang="en-US" sz="1600" dirty="0"/>
-              <a:t>Run &amp; Operate</a:t>
+              <a:rPr lang="ja-JP" sz="1600">
+                <a:latin typeface="Adobe Clean Han Regular" panose="020B0500000000000000" pitchFamily="34" charset="-128"/>
+                <a:ea typeface="Adobe Clean Han Regular" panose="020B0500000000000000" pitchFamily="34" charset="-128"/>
+              </a:rPr>
+              <a:t>実行と運用</a:t>
             </a:r>
           </a:p>
         </p:txBody>
@@ -13864,8 +12134,11 @@
           <a:p>
             <a:pPr algn="ctr"/>
             <a:r>
-              <a:rPr lang="en-US" sz="1600" dirty="0"/>
-              <a:t>Implementation</a:t>
+              <a:rPr lang="ja-JP" sz="1600">
+                <a:latin typeface="Adobe Clean Han Regular" panose="020B0500000000000000" pitchFamily="34" charset="-128"/>
+                <a:ea typeface="Adobe Clean Han Regular" panose="020B0500000000000000" pitchFamily="34" charset="-128"/>
+              </a:rPr>
+              <a:t>実装</a:t>
             </a:r>
           </a:p>
         </p:txBody>
@@ -13884,8 +12157,8 @@
         </p:nvSpPr>
         <p:spPr>
           <a:xfrm>
-            <a:off x="2918286" y="3586760"/>
-            <a:ext cx="933111" cy="261610"/>
+            <a:off x="2918286" y="3455313"/>
+            <a:ext cx="933111" cy="430887"/>
           </a:xfrm>
           <a:prstGeom prst="rect">
             <a:avLst/>
@@ -13900,8 +12173,11 @@
           <a:p>
             <a:pPr algn="ctr"/>
             <a:r>
-              <a:rPr lang="en-US" sz="1100" dirty="0"/>
-              <a:t>Post Launch</a:t>
+              <a:rPr lang="ja-JP" sz="1100" dirty="0">
+                <a:latin typeface="Adobe Clean Han Regular" panose="020B0500000000000000" pitchFamily="34" charset="-128"/>
+                <a:ea typeface="Adobe Clean Han Regular" panose="020B0500000000000000" pitchFamily="34" charset="-128"/>
+              </a:rPr>
+              <a:t>ポストローンチ</a:t>
             </a:r>
           </a:p>
         </p:txBody>
@@ -13920,8 +12196,8 @@
         </p:nvSpPr>
         <p:spPr>
           <a:xfrm>
-            <a:off x="2236134" y="3586760"/>
-            <a:ext cx="826006" cy="261610"/>
+            <a:off x="2232154" y="3455313"/>
+            <a:ext cx="815846" cy="430887"/>
           </a:xfrm>
           <a:prstGeom prst="rect">
             <a:avLst/>
@@ -13936,8 +12212,11 @@
           <a:p>
             <a:pPr algn="ctr"/>
             <a:r>
-              <a:rPr lang="en-US" sz="1100" dirty="0"/>
-              <a:t>Go-Live</a:t>
+              <a:rPr lang="ja-JP" sz="1100" dirty="0">
+                <a:latin typeface="Adobe Clean Han Regular" panose="020B0500000000000000" pitchFamily="34" charset="-128"/>
+                <a:ea typeface="Adobe Clean Han Regular" panose="020B0500000000000000" pitchFamily="34" charset="-128"/>
+              </a:rPr>
+              <a:t>サービスイン</a:t>
             </a:r>
           </a:p>
         </p:txBody>
@@ -13972,8 +12251,11 @@
           <a:p>
             <a:pPr algn="ctr"/>
             <a:r>
-              <a:rPr lang="en-US" sz="1100" dirty="0"/>
-              <a:t>Define</a:t>
+              <a:rPr lang="ja-JP" sz="1100">
+                <a:latin typeface="Adobe Clean Han Regular" panose="020B0500000000000000" pitchFamily="34" charset="-128"/>
+                <a:ea typeface="Adobe Clean Han Regular" panose="020B0500000000000000" pitchFamily="34" charset="-128"/>
+              </a:rPr>
+              <a:t>定義</a:t>
             </a:r>
           </a:p>
         </p:txBody>
@@ -13992,8 +12274,8 @@
         </p:nvSpPr>
         <p:spPr>
           <a:xfrm>
-            <a:off x="205422" y="3599713"/>
-            <a:ext cx="826006" cy="261610"/>
+            <a:off x="152400" y="3599713"/>
+            <a:ext cx="933641" cy="261610"/>
           </a:xfrm>
           <a:prstGeom prst="rect">
             <a:avLst/>
@@ -14008,8 +12290,11 @@
           <a:p>
             <a:pPr algn="ctr"/>
             <a:r>
-              <a:rPr lang="en-US" sz="1100" dirty="0"/>
-              <a:t>Kickoff</a:t>
+              <a:rPr lang="ja-JP" sz="1100" dirty="0">
+                <a:latin typeface="Adobe Clean Han Regular" panose="020B0500000000000000" pitchFamily="34" charset="-128"/>
+                <a:ea typeface="Adobe Clean Han Regular" panose="020B0500000000000000" pitchFamily="34" charset="-128"/>
+              </a:rPr>
+              <a:t>キックオフ</a:t>
             </a:r>
           </a:p>
         </p:txBody>
@@ -14044,8 +12329,11 @@
           <a:p>
             <a:pPr algn="ctr"/>
             <a:r>
-              <a:rPr lang="en-US" sz="1100" dirty="0"/>
-              <a:t>Design</a:t>
+              <a:rPr lang="ja-JP" sz="1100">
+                <a:latin typeface="Adobe Clean Han Regular" panose="020B0500000000000000" pitchFamily="34" charset="-128"/>
+                <a:ea typeface="Adobe Clean Han Regular" panose="020B0500000000000000" pitchFamily="34" charset="-128"/>
+              </a:rPr>
+              <a:t>デザイン</a:t>
             </a:r>
           </a:p>
         </p:txBody>
@@ -14102,14 +12390,16 @@
           <a:p>
             <a:pPr algn="ctr"/>
             <a:r>
-              <a:rPr lang="en-US" sz="1400" dirty="0">
+              <a:rPr lang="ja-JP" sz="1400" dirty="0">
                 <a:solidFill>
                   <a:schemeClr val="accent1">
                     <a:lumMod val="50000"/>
                   </a:schemeClr>
                 </a:solidFill>
+                <a:latin typeface="Adobe Clean Han Regular" panose="020B0500000000000000" pitchFamily="34" charset="-128"/>
+                <a:ea typeface="Adobe Clean Han Regular" panose="020B0500000000000000" pitchFamily="34" charset="-128"/>
               </a:rPr>
-              <a:t>4 Activities per Year</a:t>
+              <a:t>1 年ごとに 4 つのアクティビティ</a:t>
             </a:r>
           </a:p>
         </p:txBody>
@@ -14150,20 +12440,15 @@
               </a:spcBef>
             </a:pPr>
             <a:r>
-              <a:rPr lang="en-US" sz="1000" dirty="0">
+              <a:rPr lang="ja-JP" sz="1000">
                 <a:solidFill>
                   <a:srgbClr val="4B4B4B"/>
                 </a:solidFill>
-                <a:latin typeface="Adobe Clean Light" panose="020B0303020404020204" pitchFamily="34" charset="0"/>
+                <a:latin typeface="Adobe Clean Han Regular" panose="020B0500000000000000" pitchFamily="34" charset="-128"/>
+                <a:ea typeface="Adobe Clean Han Regular" panose="020B0500000000000000" pitchFamily="34" charset="-128"/>
               </a:rPr>
-              <a:t>Drive adoption of customization best practices and core components in AEM as a Cloud Service</a:t>
-            </a:r>
-            <a:endParaRPr sz="1000" dirty="0">
-              <a:solidFill>
-                <a:srgbClr val="4B4B4B"/>
-              </a:solidFill>
-              <a:latin typeface="Adobe Clean Light" panose="020B0303020404020204" pitchFamily="34" charset="0"/>
-            </a:endParaRPr>
+              <a:t>AEM as a Cloud Service におけるカスタマイズのベストプラクティスとコアコンポーネントの採用を促進します。</a:t>
+            </a:r>
           </a:p>
         </p:txBody>
       </p:sp>
@@ -14182,7 +12467,7 @@
         <p:spPr>
           <a:xfrm>
             <a:off x="2835999" y="1464006"/>
-            <a:ext cx="2194560" cy="717376"/>
+            <a:ext cx="2194560" cy="540276"/>
           </a:xfrm>
           <a:prstGeom prst="rect">
             <a:avLst/>
@@ -14203,20 +12488,15 @@
               </a:spcBef>
             </a:pPr>
             <a:r>
-              <a:rPr lang="en-US" sz="1000" dirty="0">
+              <a:rPr lang="ja-JP" sz="1000">
                 <a:solidFill>
                   <a:srgbClr val="4B4B4B"/>
                 </a:solidFill>
-                <a:latin typeface="Adobe Clean Light" panose="020B0303020404020204" pitchFamily="34" charset="0"/>
+                <a:latin typeface="Adobe Clean Han Regular" panose="020B0500000000000000" pitchFamily="34" charset="-128"/>
+                <a:ea typeface="Adobe Clean Han Regular" panose="020B0500000000000000" pitchFamily="34" charset="-128"/>
               </a:rPr>
-              <a:t>Identify, review and provide recommendations on customized solution adoption areas that have opportunities for optimization</a:t>
-            </a:r>
-            <a:endParaRPr sz="1000" dirty="0">
-              <a:solidFill>
-                <a:srgbClr val="4B4B4B"/>
-              </a:solidFill>
-              <a:latin typeface="Adobe Clean Light" panose="020B0303020404020204" pitchFamily="34" charset="0"/>
-            </a:endParaRPr>
+              <a:t>最適化のチャンスがあるカスタマイズソリューションの採用領域を特定、レビュー、提案します。</a:t>
+            </a:r>
           </a:p>
         </p:txBody>
       </p:sp>
@@ -14235,7 +12515,7 @@
         <p:spPr>
           <a:xfrm>
             <a:off x="355868" y="1417898"/>
-            <a:ext cx="2194560" cy="717376"/>
+            <a:ext cx="2194560" cy="900375"/>
           </a:xfrm>
           <a:prstGeom prst="rect">
             <a:avLst/>
@@ -14256,20 +12536,15 @@
               </a:spcBef>
             </a:pPr>
             <a:r>
-              <a:rPr lang="en-US" sz="1000" dirty="0">
+              <a:rPr lang="ja-JP" sz="1000" dirty="0">
                 <a:solidFill>
                   <a:srgbClr val="4B4B4B"/>
                 </a:solidFill>
-                <a:latin typeface="Adobe Clean Light" panose="020B0303020404020204" pitchFamily="34" charset="0"/>
+                <a:latin typeface="Adobe Clean Han Regular" panose="020B0500000000000000" pitchFamily="34" charset="-128"/>
+                <a:ea typeface="Adobe Clean Han Regular" panose="020B0500000000000000" pitchFamily="34" charset="-128"/>
               </a:rPr>
-              <a:t>Technical &amp; operational governance to assist AEM as a Cloud Service Customers in adhering to industry standards and best practices for AEM as a Cloud Service</a:t>
-            </a:r>
-            <a:endParaRPr sz="1000" dirty="0">
-              <a:solidFill>
-                <a:srgbClr val="4B4B4B"/>
-              </a:solidFill>
-              <a:latin typeface="Adobe Clean Light" panose="020B0303020404020204" pitchFamily="34" charset="0"/>
-            </a:endParaRPr>
+              <a:t>AEM as a Cloud Service のお客様が業界標準や AEM as a Cloud Service のベストプラクティスを遵守することを支援するための技術的および運用上のガバナンスを提供します。</a:t>
+            </a:r>
           </a:p>
         </p:txBody>
       </p:sp>
@@ -14288,7 +12563,7 @@
         <p:spPr>
           <a:xfrm>
             <a:off x="5181600" y="936612"/>
-            <a:ext cx="1972258" cy="461665"/>
+            <a:ext cx="1972258" cy="646331"/>
           </a:xfrm>
           <a:prstGeom prst="rect">
             <a:avLst/>
@@ -14309,489 +12584,16 @@
               </a:spcBef>
             </a:pPr>
             <a:r>
-              <a:rPr lang="en-US" sz="1200" b="1" spc="-15" dirty="0">
+              <a:rPr lang="ja-JP" sz="1200" b="1">
                 <a:solidFill>
                   <a:srgbClr val="020302"/>
                 </a:solidFill>
-                <a:latin typeface="Adobe Clean"/>
+                <a:latin typeface="Adobe Clean Han Regular" panose="020B0500000000000000" pitchFamily="34" charset="-128"/>
+                <a:ea typeface="Adobe Clean Han Regular" panose="020B0500000000000000" pitchFamily="34" charset="-128"/>
                 <a:cs typeface="Adobe Clean"/>
               </a:rPr>
-              <a:t>C</a:t>
-            </a:r>
-            <a:r>
-              <a:rPr lang="en-US" sz="1200" b="1" spc="-20" dirty="0">
-                <a:solidFill>
-                  <a:srgbClr val="020302"/>
-                </a:solidFill>
-                <a:latin typeface="Adobe Clean"/>
-                <a:cs typeface="Adobe Clean"/>
-              </a:rPr>
-              <a:t>u</a:t>
-            </a:r>
-            <a:r>
-              <a:rPr lang="en-US" sz="1200" b="1" spc="-25" dirty="0">
-                <a:solidFill>
-                  <a:srgbClr val="020302"/>
-                </a:solidFill>
-                <a:latin typeface="Adobe Clean"/>
-                <a:cs typeface="Adobe Clean"/>
-              </a:rPr>
-              <a:t>st</a:t>
-            </a:r>
-            <a:r>
-              <a:rPr lang="en-US" sz="1200" b="1" spc="-15" dirty="0">
-                <a:solidFill>
-                  <a:srgbClr val="020302"/>
-                </a:solidFill>
-                <a:latin typeface="Adobe Clean"/>
-                <a:cs typeface="Adobe Clean"/>
-              </a:rPr>
-              <a:t>o</a:t>
-            </a:r>
-            <a:r>
-              <a:rPr lang="en-US" sz="1200" b="1" spc="-20" dirty="0">
-                <a:solidFill>
-                  <a:srgbClr val="020302"/>
-                </a:solidFill>
-                <a:latin typeface="Adobe Clean"/>
-                <a:cs typeface="Adobe Clean"/>
-              </a:rPr>
-              <a:t>miza</a:t>
-            </a:r>
-            <a:r>
-              <a:rPr lang="en-US" sz="1200" b="1" spc="-25" dirty="0">
-                <a:solidFill>
-                  <a:srgbClr val="020302"/>
-                </a:solidFill>
-                <a:latin typeface="Adobe Clean"/>
-                <a:cs typeface="Adobe Clean"/>
-              </a:rPr>
-              <a:t>t</a:t>
-            </a:r>
-            <a:r>
-              <a:rPr lang="en-US" sz="1200" b="1" spc="-20" dirty="0">
-                <a:solidFill>
-                  <a:srgbClr val="020302"/>
-                </a:solidFill>
-                <a:latin typeface="Adobe Clean"/>
-                <a:cs typeface="Adobe Clean"/>
-              </a:rPr>
-              <a:t>i</a:t>
-            </a:r>
-            <a:r>
-              <a:rPr lang="en-US" sz="1200" b="1" spc="-15" dirty="0">
-                <a:solidFill>
-                  <a:srgbClr val="020302"/>
-                </a:solidFill>
-                <a:latin typeface="Adobe Clean"/>
-                <a:cs typeface="Adobe Clean"/>
-              </a:rPr>
-              <a:t>o</a:t>
-            </a:r>
-            <a:r>
-              <a:rPr lang="en-US" sz="1200" b="1" dirty="0">
-                <a:solidFill>
-                  <a:srgbClr val="020302"/>
-                </a:solidFill>
-                <a:latin typeface="Adobe Clean"/>
-                <a:cs typeface="Adobe Clean"/>
-              </a:rPr>
-              <a:t>n</a:t>
-            </a:r>
-            <a:r>
-              <a:rPr lang="en-US" sz="1200" b="1" spc="-50" dirty="0">
-                <a:solidFill>
-                  <a:srgbClr val="020302"/>
-                </a:solidFill>
-                <a:latin typeface="Adobe Clean"/>
-                <a:cs typeface="Adobe Clean"/>
-              </a:rPr>
-              <a:t> </a:t>
-            </a:r>
-            <a:r>
-              <a:rPr lang="en-US" sz="1200" b="1" spc="-20" dirty="0">
-                <a:solidFill>
-                  <a:srgbClr val="020302"/>
-                </a:solidFill>
-                <a:latin typeface="Adobe Clean"/>
-                <a:cs typeface="Adobe Clean"/>
-              </a:rPr>
-              <a:t>B</a:t>
-            </a:r>
-            <a:r>
-              <a:rPr lang="en-US" sz="1200" b="1" spc="-25" dirty="0">
-                <a:solidFill>
-                  <a:srgbClr val="020302"/>
-                </a:solidFill>
-                <a:latin typeface="Adobe Clean"/>
-                <a:cs typeface="Adobe Clean"/>
-              </a:rPr>
-              <a:t>es</a:t>
-            </a:r>
-            <a:r>
-              <a:rPr lang="en-US" sz="1200" b="1" dirty="0">
-                <a:solidFill>
-                  <a:srgbClr val="020302"/>
-                </a:solidFill>
-                <a:latin typeface="Adobe Clean"/>
-                <a:cs typeface="Adobe Clean"/>
-              </a:rPr>
-              <a:t>t</a:t>
-            </a:r>
-            <a:r>
-              <a:rPr lang="en-US" sz="1200" b="1" spc="-50" dirty="0">
-                <a:solidFill>
-                  <a:srgbClr val="020302"/>
-                </a:solidFill>
-                <a:latin typeface="Adobe Clean"/>
-                <a:cs typeface="Adobe Clean"/>
-              </a:rPr>
-              <a:t> </a:t>
-            </a:r>
-            <a:r>
-              <a:rPr lang="en-US" sz="1200" b="1" spc="-25" dirty="0">
-                <a:solidFill>
-                  <a:srgbClr val="020302"/>
-                </a:solidFill>
-                <a:latin typeface="Adobe Clean"/>
-                <a:cs typeface="Adobe Clean"/>
-              </a:rPr>
-              <a:t>P</a:t>
-            </a:r>
-            <a:r>
-              <a:rPr lang="en-US" sz="1200" b="1" spc="-20" dirty="0">
-                <a:solidFill>
-                  <a:srgbClr val="020302"/>
-                </a:solidFill>
-                <a:latin typeface="Adobe Clean"/>
-                <a:cs typeface="Adobe Clean"/>
-              </a:rPr>
-              <a:t>ra</a:t>
-            </a:r>
-            <a:r>
-              <a:rPr lang="en-US" sz="1200" b="1" spc="-30" dirty="0">
-                <a:solidFill>
-                  <a:srgbClr val="020302"/>
-                </a:solidFill>
-                <a:latin typeface="Adobe Clean"/>
-                <a:cs typeface="Adobe Clean"/>
-              </a:rPr>
-              <a:t>c</a:t>
-            </a:r>
-            <a:r>
-              <a:rPr lang="en-US" sz="1200" b="1" spc="-25" dirty="0">
-                <a:solidFill>
-                  <a:srgbClr val="020302"/>
-                </a:solidFill>
-                <a:latin typeface="Adobe Clean"/>
-                <a:cs typeface="Adobe Clean"/>
-              </a:rPr>
-              <a:t>t</a:t>
-            </a:r>
-            <a:r>
-              <a:rPr lang="en-US" sz="1200" b="1" spc="-20" dirty="0">
-                <a:solidFill>
-                  <a:srgbClr val="020302"/>
-                </a:solidFill>
-                <a:latin typeface="Adobe Clean"/>
-                <a:cs typeface="Adobe Clean"/>
-              </a:rPr>
-              <a:t>i</a:t>
-            </a:r>
-            <a:r>
-              <a:rPr lang="en-US" sz="1200" b="1" spc="-30" dirty="0">
-                <a:solidFill>
-                  <a:srgbClr val="020302"/>
-                </a:solidFill>
-                <a:latin typeface="Adobe Clean"/>
-                <a:cs typeface="Adobe Clean"/>
-              </a:rPr>
-              <a:t>c</a:t>
-            </a:r>
-            <a:r>
-              <a:rPr lang="en-US" sz="1200" b="1" spc="-25" dirty="0">
-                <a:solidFill>
-                  <a:srgbClr val="020302"/>
-                </a:solidFill>
-                <a:latin typeface="Adobe Clean"/>
-                <a:cs typeface="Adobe Clean"/>
-              </a:rPr>
-              <a:t>e</a:t>
-            </a:r>
-            <a:r>
-              <a:rPr lang="en-US" sz="1200" b="1" dirty="0">
-                <a:solidFill>
-                  <a:srgbClr val="020302"/>
-                </a:solidFill>
-                <a:latin typeface="Adobe Clean"/>
-                <a:cs typeface="Adobe Clean"/>
-              </a:rPr>
-              <a:t>s</a:t>
-            </a:r>
-            <a:r>
-              <a:rPr lang="en-US" sz="1200" b="1" spc="-45" dirty="0">
-                <a:solidFill>
-                  <a:srgbClr val="020302"/>
-                </a:solidFill>
-                <a:latin typeface="Adobe Clean"/>
-                <a:cs typeface="Adobe Clean"/>
-              </a:rPr>
-              <a:t> </a:t>
-            </a:r>
-            <a:r>
-              <a:rPr lang="en-US" sz="1200" b="1" spc="-25" dirty="0">
-                <a:solidFill>
-                  <a:srgbClr val="020302"/>
-                </a:solidFill>
-                <a:latin typeface="Adobe Clean"/>
-                <a:cs typeface="Adobe Clean"/>
-              </a:rPr>
-              <a:t>f</a:t>
-            </a:r>
-            <a:r>
-              <a:rPr lang="en-US" sz="1200" b="1" spc="-15" dirty="0">
-                <a:solidFill>
-                  <a:srgbClr val="020302"/>
-                </a:solidFill>
-                <a:latin typeface="Adobe Clean"/>
-                <a:cs typeface="Adobe Clean"/>
-              </a:rPr>
-              <a:t>o</a:t>
-            </a:r>
-            <a:r>
-              <a:rPr lang="en-US" sz="1200" b="1" dirty="0">
-                <a:solidFill>
-                  <a:srgbClr val="020302"/>
-                </a:solidFill>
-                <a:latin typeface="Adobe Clean"/>
-                <a:cs typeface="Adobe Clean"/>
-              </a:rPr>
-              <a:t>r</a:t>
-            </a:r>
-            <a:r>
-              <a:rPr lang="en-US" sz="1200" b="1" spc="-45" dirty="0">
-                <a:solidFill>
-                  <a:srgbClr val="020302"/>
-                </a:solidFill>
-                <a:latin typeface="Adobe Clean"/>
-                <a:cs typeface="Adobe Clean"/>
-              </a:rPr>
-              <a:t> </a:t>
-            </a:r>
-            <a:r>
-              <a:rPr lang="en-US" sz="1200" b="1" spc="-30" dirty="0">
-                <a:solidFill>
-                  <a:srgbClr val="020302"/>
-                </a:solidFill>
-                <a:latin typeface="Adobe Clean"/>
-                <a:cs typeface="Adobe Clean"/>
-              </a:rPr>
-              <a:t>AE</a:t>
-            </a:r>
-            <a:r>
-              <a:rPr lang="en-US" sz="1200" b="1" dirty="0">
-                <a:solidFill>
-                  <a:srgbClr val="020302"/>
-                </a:solidFill>
-                <a:latin typeface="Adobe Clean"/>
-                <a:cs typeface="Adobe Clean"/>
-              </a:rPr>
-              <a:t>M</a:t>
-            </a:r>
-            <a:r>
-              <a:rPr lang="en-US" sz="1200" b="1" spc="-55" dirty="0">
-                <a:solidFill>
-                  <a:srgbClr val="020302"/>
-                </a:solidFill>
-                <a:latin typeface="Adobe Clean"/>
-                <a:cs typeface="Adobe Clean"/>
-              </a:rPr>
-              <a:t> </a:t>
-            </a:r>
-            <a:r>
-              <a:rPr lang="en-US" sz="1200" b="1" spc="-20" dirty="0">
-                <a:solidFill>
-                  <a:srgbClr val="020302"/>
-                </a:solidFill>
-                <a:latin typeface="Adobe Clean"/>
-                <a:cs typeface="Adobe Clean"/>
-              </a:rPr>
-              <a:t>a</a:t>
-            </a:r>
-            <a:r>
-              <a:rPr lang="en-US" sz="1200" b="1" dirty="0">
-                <a:solidFill>
-                  <a:srgbClr val="020302"/>
-                </a:solidFill>
-                <a:latin typeface="Adobe Clean"/>
-                <a:cs typeface="Adobe Clean"/>
-              </a:rPr>
-              <a:t>s</a:t>
-            </a:r>
-            <a:r>
-              <a:rPr lang="en-US" sz="1200" b="1" spc="-45" dirty="0">
-                <a:solidFill>
-                  <a:srgbClr val="020302"/>
-                </a:solidFill>
-                <a:latin typeface="Adobe Clean"/>
-                <a:cs typeface="Adobe Clean"/>
-              </a:rPr>
-              <a:t> </a:t>
-            </a:r>
-            <a:r>
-              <a:rPr lang="en-US" sz="1200" b="1" dirty="0">
-                <a:solidFill>
-                  <a:srgbClr val="020302"/>
-                </a:solidFill>
-                <a:latin typeface="Adobe Clean"/>
-                <a:cs typeface="Adobe Clean"/>
-              </a:rPr>
-              <a:t>a</a:t>
-            </a:r>
-            <a:r>
-              <a:rPr lang="en-US" sz="1200" b="1" spc="-45" dirty="0">
-                <a:solidFill>
-                  <a:srgbClr val="020302"/>
-                </a:solidFill>
-                <a:latin typeface="Adobe Clean"/>
-                <a:cs typeface="Adobe Clean"/>
-              </a:rPr>
-              <a:t> </a:t>
-            </a:r>
-            <a:r>
-              <a:rPr lang="en-US" sz="1200" b="1" spc="-15" dirty="0">
-                <a:solidFill>
-                  <a:srgbClr val="020302"/>
-                </a:solidFill>
-                <a:latin typeface="Adobe Clean"/>
-                <a:cs typeface="Adobe Clean"/>
-              </a:rPr>
-              <a:t>C</a:t>
-            </a:r>
-            <a:r>
-              <a:rPr lang="en-US" sz="1200" b="1" spc="-25" dirty="0">
-                <a:solidFill>
-                  <a:srgbClr val="020302"/>
-                </a:solidFill>
-                <a:latin typeface="Adobe Clean"/>
-                <a:cs typeface="Adobe Clean"/>
-              </a:rPr>
-              <a:t>l</a:t>
-            </a:r>
-            <a:r>
-              <a:rPr lang="en-US" sz="1200" b="1" spc="-15" dirty="0">
-                <a:solidFill>
-                  <a:srgbClr val="020302"/>
-                </a:solidFill>
-                <a:latin typeface="Adobe Clean"/>
-                <a:cs typeface="Adobe Clean"/>
-              </a:rPr>
-              <a:t>o</a:t>
-            </a:r>
-            <a:r>
-              <a:rPr lang="en-US" sz="1200" b="1" spc="-20" dirty="0">
-                <a:solidFill>
-                  <a:srgbClr val="020302"/>
-                </a:solidFill>
-                <a:latin typeface="Adobe Clean"/>
-                <a:cs typeface="Adobe Clean"/>
-              </a:rPr>
-              <a:t>u</a:t>
-            </a:r>
-            <a:r>
-              <a:rPr lang="en-US" sz="1200" b="1" dirty="0">
-                <a:solidFill>
-                  <a:srgbClr val="020302"/>
-                </a:solidFill>
-                <a:latin typeface="Adobe Clean"/>
-                <a:cs typeface="Adobe Clean"/>
-              </a:rPr>
-              <a:t>d</a:t>
-            </a:r>
-            <a:r>
-              <a:rPr lang="en-US" sz="1200" b="1" spc="-50" dirty="0">
-                <a:solidFill>
-                  <a:srgbClr val="020302"/>
-                </a:solidFill>
-                <a:latin typeface="Adobe Clean"/>
-                <a:cs typeface="Adobe Clean"/>
-              </a:rPr>
-              <a:t> </a:t>
-            </a:r>
-            <a:r>
-              <a:rPr lang="en-US" sz="1200" b="1" spc="-20" dirty="0">
-                <a:solidFill>
-                  <a:srgbClr val="020302"/>
-                </a:solidFill>
-                <a:latin typeface="Adobe Clean"/>
-                <a:cs typeface="Adobe Clean"/>
-              </a:rPr>
-              <a:t>S</a:t>
-            </a:r>
-            <a:r>
-              <a:rPr lang="en-US" sz="1200" b="1" spc="-25" dirty="0">
-                <a:solidFill>
-                  <a:srgbClr val="020302"/>
-                </a:solidFill>
-                <a:latin typeface="Adobe Clean"/>
-                <a:cs typeface="Adobe Clean"/>
-              </a:rPr>
-              <a:t>e</a:t>
-            </a:r>
-            <a:r>
-              <a:rPr lang="en-US" sz="1200" b="1" spc="-20" dirty="0">
-                <a:solidFill>
-                  <a:srgbClr val="020302"/>
-                </a:solidFill>
-                <a:latin typeface="Adobe Clean"/>
-                <a:cs typeface="Adobe Clean"/>
-              </a:rPr>
-              <a:t>r</a:t>
-            </a:r>
-            <a:r>
-              <a:rPr lang="en-US" sz="1200" b="1" spc="-30" dirty="0">
-                <a:solidFill>
-                  <a:srgbClr val="020302"/>
-                </a:solidFill>
-                <a:latin typeface="Adobe Clean"/>
-                <a:cs typeface="Adobe Clean"/>
-              </a:rPr>
-              <a:t>v</a:t>
-            </a:r>
-            <a:r>
-              <a:rPr lang="en-US" sz="1200" b="1" spc="-20" dirty="0">
-                <a:solidFill>
-                  <a:srgbClr val="020302"/>
-                </a:solidFill>
-                <a:latin typeface="Adobe Clean"/>
-                <a:cs typeface="Adobe Clean"/>
-              </a:rPr>
-              <a:t>i</a:t>
-            </a:r>
-            <a:r>
-              <a:rPr lang="en-US" sz="1200" b="1" spc="-30" dirty="0">
-                <a:solidFill>
-                  <a:srgbClr val="020302"/>
-                </a:solidFill>
-                <a:latin typeface="Adobe Clean"/>
-                <a:cs typeface="Adobe Clean"/>
-              </a:rPr>
-              <a:t>c</a:t>
-            </a:r>
-            <a:r>
-              <a:rPr lang="en-US" sz="1200" b="1" dirty="0">
-                <a:solidFill>
-                  <a:srgbClr val="020302"/>
-                </a:solidFill>
-                <a:latin typeface="Adobe Clean"/>
-                <a:cs typeface="Adobe Clean"/>
-              </a:rPr>
-              <a:t>e</a:t>
-            </a:r>
-            <a:endParaRPr lang="en-US" sz="1200" dirty="0">
-              <a:latin typeface="Adobe Clean"/>
-              <a:cs typeface="Adobe Clean"/>
-            </a:endParaRPr>
+              <a:t>AEM as a Cloud Service のカスタマイズのベストプラクティス</a:t>
+            </a:r>
           </a:p>
         </p:txBody>
       </p:sp>
@@ -14810,7 +12612,7 @@
         <p:spPr>
           <a:xfrm>
             <a:off x="2752588" y="908302"/>
-            <a:ext cx="1708650" cy="461665"/>
+            <a:ext cx="1708650" cy="646331"/>
           </a:xfrm>
           <a:prstGeom prst="rect">
             <a:avLst/>
@@ -14831,19 +12633,16 @@
               </a:spcBef>
             </a:pPr>
             <a:r>
-              <a:rPr lang="en-US" sz="1200" b="1" spc="-25" dirty="0">
+              <a:rPr lang="ja-JP" sz="1200" b="1" dirty="0">
                 <a:solidFill>
                   <a:srgbClr val="020302"/>
                 </a:solidFill>
-                <a:latin typeface="Adobe Clean"/>
+                <a:latin typeface="Adobe Clean Han Regular" panose="020B0500000000000000" pitchFamily="34" charset="-128"/>
+                <a:ea typeface="Adobe Clean Han Regular" panose="020B0500000000000000" pitchFamily="34" charset="-128"/>
                 <a:cs typeface="Adobe Clean"/>
               </a:rPr>
-              <a:t>Value-added Services for AEM as a Cloud Service</a:t>
-            </a:r>
-            <a:endParaRPr lang="en-US" sz="1200" dirty="0">
-              <a:latin typeface="Adobe Clean"/>
-              <a:cs typeface="Adobe Clean"/>
-            </a:endParaRPr>
+              <a:t>AEM as a Cloud Service の付加価値サービス</a:t>
+            </a:r>
           </a:p>
         </p:txBody>
       </p:sp>
@@ -14883,359 +12682,16 @@
               </a:spcBef>
             </a:pPr>
             <a:r>
-              <a:rPr lang="en-US" sz="1200" b="1" spc="-20" dirty="0">
+              <a:rPr lang="ja-JP" sz="1200" b="1">
                 <a:solidFill>
                   <a:srgbClr val="020302"/>
                 </a:solidFill>
-                <a:latin typeface="Adobe Clean"/>
+                <a:latin typeface="Adobe Clean Han Regular" panose="020B0500000000000000" pitchFamily="34" charset="-128"/>
+                <a:ea typeface="Adobe Clean Han Regular" panose="020B0500000000000000" pitchFamily="34" charset="-128"/>
                 <a:cs typeface="Adobe Clean"/>
               </a:rPr>
-              <a:t>G</a:t>
-            </a:r>
-            <a:r>
-              <a:rPr lang="en-US" sz="1200" b="1" spc="-15" dirty="0">
-                <a:solidFill>
-                  <a:srgbClr val="020302"/>
-                </a:solidFill>
-                <a:latin typeface="Adobe Clean"/>
-                <a:cs typeface="Adobe Clean"/>
-              </a:rPr>
-              <a:t>o</a:t>
-            </a:r>
-            <a:r>
-              <a:rPr lang="en-US" sz="1200" b="1" spc="-25" dirty="0">
-                <a:solidFill>
-                  <a:srgbClr val="020302"/>
-                </a:solidFill>
-                <a:latin typeface="Adobe Clean"/>
-                <a:cs typeface="Adobe Clean"/>
-              </a:rPr>
-              <a:t>ve</a:t>
-            </a:r>
-            <a:r>
-              <a:rPr lang="en-US" sz="1200" b="1" spc="-20" dirty="0">
-                <a:solidFill>
-                  <a:srgbClr val="020302"/>
-                </a:solidFill>
-                <a:latin typeface="Adobe Clean"/>
-                <a:cs typeface="Adobe Clean"/>
-              </a:rPr>
-              <a:t>r</a:t>
-            </a:r>
-            <a:r>
-              <a:rPr lang="en-US" sz="1200" b="1" spc="-25" dirty="0">
-                <a:solidFill>
-                  <a:srgbClr val="020302"/>
-                </a:solidFill>
-                <a:latin typeface="Adobe Clean"/>
-                <a:cs typeface="Adobe Clean"/>
-              </a:rPr>
-              <a:t>n</a:t>
-            </a:r>
-            <a:r>
-              <a:rPr lang="en-US" sz="1200" b="1" spc="-20" dirty="0">
-                <a:solidFill>
-                  <a:srgbClr val="020302"/>
-                </a:solidFill>
-                <a:latin typeface="Adobe Clean"/>
-                <a:cs typeface="Adobe Clean"/>
-              </a:rPr>
-              <a:t>a</a:t>
-            </a:r>
-            <a:r>
-              <a:rPr lang="en-US" sz="1200" b="1" spc="-25" dirty="0">
-                <a:solidFill>
-                  <a:srgbClr val="020302"/>
-                </a:solidFill>
-                <a:latin typeface="Adobe Clean"/>
-                <a:cs typeface="Adobe Clean"/>
-              </a:rPr>
-              <a:t>n</a:t>
-            </a:r>
-            <a:r>
-              <a:rPr lang="en-US" sz="1200" b="1" spc="-30" dirty="0">
-                <a:solidFill>
-                  <a:srgbClr val="020302"/>
-                </a:solidFill>
-                <a:latin typeface="Adobe Clean"/>
-                <a:cs typeface="Adobe Clean"/>
-              </a:rPr>
-              <a:t>c</a:t>
-            </a:r>
-            <a:r>
-              <a:rPr lang="en-US" sz="1200" b="1" dirty="0">
-                <a:solidFill>
-                  <a:srgbClr val="020302"/>
-                </a:solidFill>
-                <a:latin typeface="Adobe Clean"/>
-                <a:cs typeface="Adobe Clean"/>
-              </a:rPr>
-              <a:t>e</a:t>
-            </a:r>
-            <a:r>
-              <a:rPr lang="en-US" sz="1200" b="1" spc="-50" dirty="0">
-                <a:solidFill>
-                  <a:srgbClr val="020302"/>
-                </a:solidFill>
-                <a:latin typeface="Adobe Clean"/>
-                <a:cs typeface="Adobe Clean"/>
-              </a:rPr>
-              <a:t> </a:t>
-            </a:r>
-            <a:r>
-              <a:rPr lang="en-US" sz="1200" b="1" spc="-25" dirty="0">
-                <a:solidFill>
-                  <a:srgbClr val="020302"/>
-                </a:solidFill>
-                <a:latin typeface="Adobe Clean"/>
-                <a:cs typeface="Adobe Clean"/>
-              </a:rPr>
-              <a:t>f</a:t>
-            </a:r>
-            <a:r>
-              <a:rPr lang="en-US" sz="1200" b="1" spc="-15" dirty="0">
-                <a:solidFill>
-                  <a:srgbClr val="020302"/>
-                </a:solidFill>
-                <a:latin typeface="Adobe Clean"/>
-                <a:cs typeface="Adobe Clean"/>
-              </a:rPr>
-              <a:t>o</a:t>
-            </a:r>
-            <a:r>
-              <a:rPr lang="en-US" sz="1200" b="1" dirty="0">
-                <a:solidFill>
-                  <a:srgbClr val="020302"/>
-                </a:solidFill>
-                <a:latin typeface="Adobe Clean"/>
-                <a:cs typeface="Adobe Clean"/>
-              </a:rPr>
-              <a:t>r</a:t>
-            </a:r>
-            <a:r>
-              <a:rPr lang="en-US" sz="1200" b="1" spc="-45" dirty="0">
-                <a:solidFill>
-                  <a:srgbClr val="020302"/>
-                </a:solidFill>
-                <a:latin typeface="Adobe Clean"/>
-                <a:cs typeface="Adobe Clean"/>
-              </a:rPr>
-              <a:t> </a:t>
-            </a:r>
-            <a:r>
-              <a:rPr lang="en-US" sz="1200" b="1" spc="-30" dirty="0">
-                <a:solidFill>
-                  <a:srgbClr val="020302"/>
-                </a:solidFill>
-                <a:latin typeface="Adobe Clean"/>
-                <a:cs typeface="Adobe Clean"/>
-              </a:rPr>
-              <a:t>A</a:t>
-            </a:r>
-            <a:r>
-              <a:rPr lang="en-US" sz="1200" b="1" spc="-25" dirty="0">
-                <a:solidFill>
-                  <a:srgbClr val="020302"/>
-                </a:solidFill>
-                <a:latin typeface="Adobe Clean"/>
-                <a:cs typeface="Adobe Clean"/>
-              </a:rPr>
-              <a:t>E</a:t>
-            </a:r>
-            <a:r>
-              <a:rPr lang="en-US" sz="1200" b="1" dirty="0">
-                <a:solidFill>
-                  <a:srgbClr val="020302"/>
-                </a:solidFill>
-                <a:latin typeface="Adobe Clean"/>
-                <a:cs typeface="Adobe Clean"/>
-              </a:rPr>
-              <a:t>M</a:t>
-            </a:r>
-            <a:r>
-              <a:rPr lang="en-US" sz="1200" b="1" spc="-50" dirty="0">
-                <a:solidFill>
-                  <a:srgbClr val="020302"/>
-                </a:solidFill>
-                <a:latin typeface="Adobe Clean"/>
-                <a:cs typeface="Adobe Clean"/>
-              </a:rPr>
-              <a:t> </a:t>
-            </a:r>
-            <a:r>
-              <a:rPr lang="en-US" sz="1200" b="1" spc="-20" dirty="0">
-                <a:solidFill>
-                  <a:srgbClr val="020302"/>
-                </a:solidFill>
-                <a:latin typeface="Adobe Clean"/>
-                <a:cs typeface="Adobe Clean"/>
-              </a:rPr>
-              <a:t>a</a:t>
-            </a:r>
-            <a:r>
-              <a:rPr lang="en-US" sz="1200" b="1" dirty="0">
-                <a:solidFill>
-                  <a:srgbClr val="020302"/>
-                </a:solidFill>
-                <a:latin typeface="Adobe Clean"/>
-                <a:cs typeface="Adobe Clean"/>
-              </a:rPr>
-              <a:t>s</a:t>
-            </a:r>
-            <a:r>
-              <a:rPr lang="en-US" sz="1200" b="1" spc="-45" dirty="0">
-                <a:solidFill>
-                  <a:srgbClr val="020302"/>
-                </a:solidFill>
-                <a:latin typeface="Adobe Clean"/>
-                <a:cs typeface="Adobe Clean"/>
-              </a:rPr>
-              <a:t> </a:t>
-            </a:r>
-            <a:r>
-              <a:rPr lang="en-US" sz="1200" b="1" dirty="0">
-                <a:solidFill>
-                  <a:srgbClr val="020302"/>
-                </a:solidFill>
-                <a:latin typeface="Adobe Clean"/>
-                <a:cs typeface="Adobe Clean"/>
-              </a:rPr>
-              <a:t>a</a:t>
-            </a:r>
-            <a:r>
-              <a:rPr lang="en-US" sz="1200" b="1" spc="-40" dirty="0">
-                <a:solidFill>
-                  <a:srgbClr val="020302"/>
-                </a:solidFill>
-                <a:latin typeface="Adobe Clean"/>
-                <a:cs typeface="Adobe Clean"/>
-              </a:rPr>
-              <a:t> </a:t>
-            </a:r>
-            <a:r>
-              <a:rPr lang="en-US" sz="1200" b="1" spc="-15" dirty="0">
-                <a:solidFill>
-                  <a:srgbClr val="020302"/>
-                </a:solidFill>
-                <a:latin typeface="Adobe Clean"/>
-                <a:cs typeface="Adobe Clean"/>
-              </a:rPr>
-              <a:t>C</a:t>
-            </a:r>
-            <a:r>
-              <a:rPr lang="en-US" sz="1200" b="1" spc="-25" dirty="0">
-                <a:solidFill>
-                  <a:srgbClr val="020302"/>
-                </a:solidFill>
-                <a:latin typeface="Adobe Clean"/>
-                <a:cs typeface="Adobe Clean"/>
-              </a:rPr>
-              <a:t>l</a:t>
-            </a:r>
-            <a:r>
-              <a:rPr lang="en-US" sz="1200" b="1" spc="-15" dirty="0">
-                <a:solidFill>
-                  <a:srgbClr val="020302"/>
-                </a:solidFill>
-                <a:latin typeface="Adobe Clean"/>
-                <a:cs typeface="Adobe Clean"/>
-              </a:rPr>
-              <a:t>ou</a:t>
-            </a:r>
-            <a:r>
-              <a:rPr lang="en-US" sz="1200" b="1" dirty="0">
-                <a:solidFill>
-                  <a:srgbClr val="020302"/>
-                </a:solidFill>
-                <a:latin typeface="Adobe Clean"/>
-                <a:cs typeface="Adobe Clean"/>
-              </a:rPr>
-              <a:t>d</a:t>
-            </a:r>
-            <a:r>
-              <a:rPr lang="en-US" sz="1200" b="1" spc="-50" dirty="0">
-                <a:solidFill>
-                  <a:srgbClr val="020302"/>
-                </a:solidFill>
-                <a:latin typeface="Adobe Clean"/>
-                <a:cs typeface="Adobe Clean"/>
-              </a:rPr>
-              <a:t> </a:t>
-            </a:r>
-            <a:r>
-              <a:rPr lang="en-US" sz="1200" b="1" spc="-20" dirty="0">
-                <a:solidFill>
-                  <a:srgbClr val="020302"/>
-                </a:solidFill>
-                <a:latin typeface="Adobe Clean"/>
-                <a:cs typeface="Adobe Clean"/>
-              </a:rPr>
-              <a:t>S</a:t>
-            </a:r>
-            <a:r>
-              <a:rPr lang="en-US" sz="1200" b="1" spc="-25" dirty="0">
-                <a:solidFill>
-                  <a:srgbClr val="020302"/>
-                </a:solidFill>
-                <a:latin typeface="Adobe Clean"/>
-                <a:cs typeface="Adobe Clean"/>
-              </a:rPr>
-              <a:t>e</a:t>
-            </a:r>
-            <a:r>
-              <a:rPr lang="en-US" sz="1200" b="1" spc="-20" dirty="0">
-                <a:solidFill>
-                  <a:srgbClr val="020302"/>
-                </a:solidFill>
-                <a:latin typeface="Adobe Clean"/>
-                <a:cs typeface="Adobe Clean"/>
-              </a:rPr>
-              <a:t>r</a:t>
-            </a:r>
-            <a:r>
-              <a:rPr lang="en-US" sz="1200" b="1" spc="-25" dirty="0">
-                <a:solidFill>
-                  <a:srgbClr val="020302"/>
-                </a:solidFill>
-                <a:latin typeface="Adobe Clean"/>
-                <a:cs typeface="Adobe Clean"/>
-              </a:rPr>
-              <a:t>v</a:t>
-            </a:r>
-            <a:r>
-              <a:rPr lang="en-US" sz="1200" b="1" spc="-20" dirty="0">
-                <a:solidFill>
-                  <a:srgbClr val="020302"/>
-                </a:solidFill>
-                <a:latin typeface="Adobe Clean"/>
-                <a:cs typeface="Adobe Clean"/>
-              </a:rPr>
-              <a:t>i</a:t>
-            </a:r>
-            <a:r>
-              <a:rPr lang="en-US" sz="1200" b="1" spc="-30" dirty="0">
-                <a:solidFill>
-                  <a:srgbClr val="020302"/>
-                </a:solidFill>
-                <a:latin typeface="Adobe Clean"/>
-                <a:cs typeface="Adobe Clean"/>
-              </a:rPr>
-              <a:t>c</a:t>
-            </a:r>
-            <a:r>
-              <a:rPr lang="en-US" sz="1200" b="1" dirty="0">
-                <a:solidFill>
-                  <a:srgbClr val="020302"/>
-                </a:solidFill>
-                <a:latin typeface="Adobe Clean"/>
-                <a:cs typeface="Adobe Clean"/>
-              </a:rPr>
-              <a:t>e</a:t>
-            </a:r>
-            <a:endParaRPr lang="en-US" sz="1200" dirty="0">
-              <a:latin typeface="Adobe Clean"/>
-              <a:cs typeface="Adobe Clean"/>
-            </a:endParaRPr>
+              <a:t>AEM as a Cloud Service 向けガバナンス</a:t>
+            </a:r>
           </a:p>
         </p:txBody>
       </p:sp>
@@ -15296,49 +12752,16 @@
               </a:lnSpc>
             </a:pPr>
             <a:r>
-              <a:rPr sz="500" spc="-5" dirty="0">
+              <a:rPr lang="ja-JP" sz="500">
                 <a:solidFill>
                   <a:srgbClr val="6C6C6C"/>
                 </a:solidFill>
-                <a:latin typeface="Adobe Clean"/>
+                <a:latin typeface="Adobe Clean Han Regular" panose="020B0500000000000000" pitchFamily="34" charset="-128"/>
+                <a:ea typeface="Adobe Clean Han Regular" panose="020B0500000000000000" pitchFamily="34" charset="-128"/>
                 <a:cs typeface="Adobe Clean"/>
               </a:rPr>
-              <a:t>©2020 Adobe. All Rights Reserved. </a:t>
-            </a:r>
-            <a:r>
-              <a:rPr sz="500" dirty="0">
-                <a:solidFill>
-                  <a:srgbClr val="6C6C6C"/>
-                </a:solidFill>
-                <a:latin typeface="Adobe Clean"/>
-                <a:cs typeface="Adobe Clean"/>
-              </a:rPr>
-              <a:t>Adobe</a:t>
-            </a:r>
-            <a:r>
-              <a:rPr sz="500" spc="5" dirty="0">
-                <a:solidFill>
-                  <a:srgbClr val="6C6C6C"/>
-                </a:solidFill>
-                <a:latin typeface="Adobe Clean"/>
-                <a:cs typeface="Adobe Clean"/>
-              </a:rPr>
-              <a:t> </a:t>
-            </a:r>
-            <a:r>
-              <a:rPr sz="500" spc="-5" dirty="0">
-                <a:solidFill>
-                  <a:srgbClr val="6C6C6C"/>
-                </a:solidFill>
-                <a:latin typeface="Adobe Clean"/>
-                <a:cs typeface="Adobe Clean"/>
-              </a:rPr>
-              <a:t>Confidential.</a:t>
-            </a:r>
-            <a:endParaRPr sz="500">
-              <a:latin typeface="Adobe Clean"/>
-              <a:cs typeface="Adobe Clean"/>
-            </a:endParaRPr>
+              <a:t>©2020 Adobe.All Rights Reserved.Adobe Confidential.</a:t>
+            </a:r>
           </a:p>
           <a:p>
             <a:pPr>
@@ -15350,7 +12773,8 @@
               </a:spcBef>
             </a:pPr>
             <a:endParaRPr sz="800">
-              <a:latin typeface="Adobe Clean"/>
+              <a:latin typeface="Adobe Clean Han Regular" panose="020B0500000000000000" pitchFamily="34" charset="-128"/>
+              <a:ea typeface="Adobe Clean Han Regular" panose="020B0500000000000000" pitchFamily="34" charset="-128"/>
               <a:cs typeface="Adobe Clean"/>
             </a:endParaRPr>
           </a:p>
@@ -15364,39 +12788,16 @@
               </a:spcBef>
             </a:pPr>
             <a:r>
-              <a:rPr sz="800" spc="-5" dirty="0">
+              <a:rPr lang="ja-JP" sz="800">
                 <a:solidFill>
                   <a:srgbClr val="6D6D6D"/>
                 </a:solidFill>
-                <a:latin typeface="Adobe Clean"/>
+                <a:latin typeface="Adobe Clean Han Regular" panose="020B0500000000000000" pitchFamily="34" charset="-128"/>
+                <a:ea typeface="Adobe Clean Han Regular" panose="020B0500000000000000" pitchFamily="34" charset="-128"/>
                 <a:cs typeface="Adobe Clean"/>
               </a:rPr>
-              <a:t>©2020 Adobe. All Rights Reserved. Adobe</a:t>
-            </a:r>
-            <a:r>
-              <a:rPr sz="800" spc="75" dirty="0">
-                <a:solidFill>
-                  <a:srgbClr val="6D6D6D"/>
-                </a:solidFill>
-                <a:latin typeface="Adobe Clean"/>
-                <a:cs typeface="Adobe Clean"/>
-              </a:rPr>
-              <a:t> </a:t>
-            </a:r>
-            <a:r>
-              <a:rPr sz="800" spc="-5" dirty="0">
-                <a:solidFill>
-                  <a:srgbClr val="6D6D6D"/>
-                </a:solidFill>
-                <a:latin typeface="Adobe Clean"/>
-                <a:cs typeface="Adobe Clean"/>
-              </a:rPr>
-              <a:t>Confidential.</a:t>
-            </a:r>
-            <a:endParaRPr sz="800">
-              <a:latin typeface="Adobe Clean"/>
-              <a:cs typeface="Adobe Clean"/>
-            </a:endParaRPr>
+              <a:t>©2020 Adobe.All Rights Reserved.Adobe Confidential.</a:t>
+            </a:r>
           </a:p>
         </p:txBody>
       </p:sp>
@@ -15446,7 +12847,10 @@
           <a:bodyPr wrap="square" lIns="0" tIns="0" rIns="0" bIns="0" rtlCol="0"/>
           <a:lstStyle/>
           <a:p>
-            <a:endParaRPr/>
+            <a:endParaRPr>
+              <a:latin typeface="Adobe Clean Han Regular" panose="020B0500000000000000" pitchFamily="34" charset="-128"/>
+              <a:ea typeface="Adobe Clean Han Regular" panose="020B0500000000000000" pitchFamily="34" charset="-128"/>
+            </a:endParaRPr>
           </a:p>
         </p:txBody>
       </p:sp>
@@ -15480,19 +12884,16 @@
               </a:spcBef>
             </a:pPr>
             <a:r>
-              <a:rPr lang="en-US" sz="1400" b="1" spc="-15" dirty="0">
+              <a:rPr lang="ja-JP" sz="1400" b="1">
                 <a:solidFill>
                   <a:srgbClr val="020302"/>
                 </a:solidFill>
-                <a:latin typeface="Adobe Clean"/>
+                <a:latin typeface="Adobe Clean Han Regular" panose="020B0500000000000000" pitchFamily="34" charset="-128"/>
+                <a:ea typeface="Adobe Clean Han Regular" panose="020B0500000000000000" pitchFamily="34" charset="-128"/>
                 <a:cs typeface="Adobe Clean"/>
               </a:rPr>
-              <a:t>Resources</a:t>
-            </a:r>
-            <a:endParaRPr sz="1400" dirty="0">
-              <a:latin typeface="Adobe Clean"/>
-              <a:cs typeface="Adobe Clean"/>
-            </a:endParaRPr>
+              <a:t>リソース</a:t>
+            </a:r>
           </a:p>
         </p:txBody>
       </p:sp>
@@ -15505,7 +12906,7 @@
         <p:spPr>
           <a:xfrm>
             <a:off x="6754821" y="9283729"/>
-            <a:ext cx="930275" cy="662305"/>
+            <a:ext cx="930275" cy="758541"/>
           </a:xfrm>
           <a:prstGeom prst="rect">
             <a:avLst/>
@@ -15526,19 +12927,16 @@
               </a:spcBef>
             </a:pPr>
             <a:r>
-              <a:rPr sz="800" spc="-15" dirty="0">
+              <a:rPr lang="ja-JP" sz="800">
                 <a:solidFill>
                   <a:srgbClr val="777879"/>
                 </a:solidFill>
-                <a:latin typeface="Adobe Clean"/>
+                <a:latin typeface="Adobe Clean Han Regular" panose="020B0500000000000000" pitchFamily="34" charset="-128"/>
+                <a:ea typeface="Adobe Clean Han Regular" panose="020B0500000000000000" pitchFamily="34" charset="-128"/>
                 <a:cs typeface="Adobe Clean"/>
               </a:rPr>
               <a:t>Adobe</a:t>
             </a:r>
-            <a:endParaRPr sz="800">
-              <a:latin typeface="Adobe Clean"/>
-              <a:cs typeface="Adobe Clean"/>
-            </a:endParaRPr>
           </a:p>
           <a:p>
             <a:pPr marL="12700">
@@ -15547,39 +12945,16 @@
               </a:lnSpc>
             </a:pPr>
             <a:r>
-              <a:rPr sz="800" spc="-15" dirty="0">
+              <a:rPr lang="ja-JP" sz="800">
                 <a:solidFill>
                   <a:srgbClr val="777879"/>
                 </a:solidFill>
-                <a:latin typeface="Adobe Clean"/>
+                <a:latin typeface="Adobe Clean Han Regular" panose="020B0500000000000000" pitchFamily="34" charset="-128"/>
+                <a:ea typeface="Adobe Clean Han Regular" panose="020B0500000000000000" pitchFamily="34" charset="-128"/>
                 <a:cs typeface="Adobe Clean"/>
               </a:rPr>
-              <a:t>345 Park</a:t>
-            </a:r>
-            <a:r>
-              <a:rPr sz="800" spc="-100" dirty="0">
-                <a:solidFill>
-                  <a:srgbClr val="777879"/>
-                </a:solidFill>
-                <a:latin typeface="Adobe Clean"/>
-                <a:cs typeface="Adobe Clean"/>
-              </a:rPr>
-              <a:t> </a:t>
-            </a:r>
-            <a:r>
-              <a:rPr sz="800" spc="-15" dirty="0">
-                <a:solidFill>
-                  <a:srgbClr val="777879"/>
-                </a:solidFill>
-                <a:latin typeface="Adobe Clean"/>
-                <a:cs typeface="Adobe Clean"/>
-              </a:rPr>
-              <a:t>Avenue</a:t>
-            </a:r>
-            <a:endParaRPr sz="800">
-              <a:latin typeface="Adobe Clean"/>
-              <a:cs typeface="Adobe Clean"/>
-            </a:endParaRPr>
+              <a:t>345 Park Avenue</a:t>
+            </a:r>
           </a:p>
           <a:p>
             <a:pPr marL="12700">
@@ -15588,49 +12963,16 @@
               </a:lnSpc>
             </a:pPr>
             <a:r>
-              <a:rPr sz="800" spc="-10" dirty="0">
+              <a:rPr lang="ja-JP" sz="800">
                 <a:solidFill>
                   <a:srgbClr val="777879"/>
                 </a:solidFill>
-                <a:latin typeface="Adobe Clean"/>
+                <a:latin typeface="Adobe Clean Han Regular" panose="020B0500000000000000" pitchFamily="34" charset="-128"/>
+                <a:ea typeface="Adobe Clean Han Regular" panose="020B0500000000000000" pitchFamily="34" charset="-128"/>
                 <a:cs typeface="Adobe Clean"/>
               </a:rPr>
-              <a:t>San </a:t>
-            </a:r>
-            <a:r>
-              <a:rPr sz="800" spc="-15" dirty="0">
-                <a:solidFill>
-                  <a:srgbClr val="777879"/>
-                </a:solidFill>
-                <a:latin typeface="Adobe Clean"/>
-                <a:cs typeface="Adobe Clean"/>
-              </a:rPr>
-              <a:t>Jose,</a:t>
-            </a:r>
-            <a:r>
-              <a:rPr sz="800" spc="-140" dirty="0">
-                <a:solidFill>
-                  <a:srgbClr val="777879"/>
-                </a:solidFill>
-                <a:latin typeface="Adobe Clean"/>
-                <a:cs typeface="Adobe Clean"/>
-              </a:rPr>
-              <a:t> </a:t>
-            </a:r>
-            <a:r>
-              <a:rPr sz="800" spc="-20" dirty="0">
-                <a:solidFill>
-                  <a:srgbClr val="777879"/>
-                </a:solidFill>
-                <a:latin typeface="Adobe Clean"/>
-                <a:cs typeface="Adobe Clean"/>
-              </a:rPr>
-              <a:t>CA95110-2704</a:t>
-            </a:r>
-            <a:endParaRPr sz="800">
-              <a:latin typeface="Adobe Clean"/>
-              <a:cs typeface="Adobe Clean"/>
-            </a:endParaRPr>
+              <a:t>San Jose, CA95110-2704</a:t>
+            </a:r>
           </a:p>
           <a:p>
             <a:pPr marL="12700">
@@ -15642,19 +12984,16 @@
               </a:spcBef>
             </a:pPr>
             <a:r>
-              <a:rPr sz="800" spc="-10" dirty="0">
+              <a:rPr lang="ja-JP" sz="800">
                 <a:solidFill>
                   <a:srgbClr val="777879"/>
                 </a:solidFill>
-                <a:latin typeface="Adobe Clean"/>
+                <a:latin typeface="Adobe Clean Han Regular" panose="020B0500000000000000" pitchFamily="34" charset="-128"/>
+                <a:ea typeface="Adobe Clean Han Regular" panose="020B0500000000000000" pitchFamily="34" charset="-128"/>
                 <a:cs typeface="Adobe Clean"/>
               </a:rPr>
               <a:t>USA</a:t>
             </a:r>
-            <a:endParaRPr sz="800">
-              <a:latin typeface="Adobe Clean"/>
-              <a:cs typeface="Adobe Clean"/>
-            </a:endParaRPr>
           </a:p>
           <a:p>
             <a:pPr marL="12700">
@@ -15666,7 +13005,7 @@
               </a:spcBef>
             </a:pPr>
             <a:r>
-              <a:rPr sz="800" u="sng" spc="-25" dirty="0">
+              <a:rPr lang="ja-JP" sz="800" u="sng">
                 <a:solidFill>
                   <a:srgbClr val="5F5F5F"/>
                 </a:solidFill>
@@ -15675,16 +13014,13 @@
                     <a:srgbClr val="0000FF"/>
                   </a:solidFill>
                 </a:uFill>
-                <a:latin typeface="Adobe Clean"/>
+                <a:latin typeface="Adobe Clean Han Regular" panose="020B0500000000000000" pitchFamily="34" charset="-128"/>
+                <a:ea typeface="Adobe Clean Han Regular" panose="020B0500000000000000" pitchFamily="34" charset="-128"/>
                 <a:cs typeface="Adobe Clean"/>
                 <a:hlinkClick r:id="rId3"/>
               </a:rPr>
               <a:t>www.adobe.com</a:t>
             </a:r>
-            <a:endParaRPr sz="800">
-              <a:latin typeface="Adobe Clean"/>
-              <a:cs typeface="Adobe Clean"/>
-            </a:endParaRPr>
           </a:p>
         </p:txBody>
       </p:sp>
@@ -15713,7 +13049,10 @@
           <a:bodyPr wrap="square" lIns="0" tIns="0" rIns="0" bIns="0" rtlCol="0"/>
           <a:lstStyle/>
           <a:p>
-            <a:endParaRPr/>
+            <a:endParaRPr>
+              <a:latin typeface="Adobe Clean Han Regular" panose="020B0500000000000000" pitchFamily="34" charset="-128"/>
+              <a:ea typeface="Adobe Clean Han Regular" panose="020B0500000000000000" pitchFamily="34" charset="-128"/>
+            </a:endParaRPr>
           </a:p>
         </p:txBody>
       </p:sp>
@@ -15796,7 +13135,10 @@
           <a:bodyPr wrap="square" lIns="0" tIns="0" rIns="0" bIns="0" rtlCol="0"/>
           <a:lstStyle/>
           <a:p>
-            <a:endParaRPr/>
+            <a:endParaRPr>
+              <a:latin typeface="Adobe Clean Han Regular" panose="020B0500000000000000" pitchFamily="34" charset="-128"/>
+              <a:ea typeface="Adobe Clean Han Regular" panose="020B0500000000000000" pitchFamily="34" charset="-128"/>
+            </a:endParaRPr>
           </a:p>
         </p:txBody>
       </p:sp>
@@ -15825,7 +13167,10 @@
           <a:bodyPr wrap="square" lIns="0" tIns="0" rIns="0" bIns="0" rtlCol="0"/>
           <a:lstStyle/>
           <a:p>
-            <a:endParaRPr/>
+            <a:endParaRPr>
+              <a:latin typeface="Adobe Clean Han Regular" panose="020B0500000000000000" pitchFamily="34" charset="-128"/>
+              <a:ea typeface="Adobe Clean Han Regular" panose="020B0500000000000000" pitchFamily="34" charset="-128"/>
+            </a:endParaRPr>
           </a:p>
         </p:txBody>
       </p:sp>
@@ -15838,7 +13183,7 @@
         <p:spPr>
           <a:xfrm>
             <a:off x="75947" y="9437110"/>
-            <a:ext cx="5466715" cy="570865"/>
+            <a:ext cx="5896662" cy="563616"/>
           </a:xfrm>
           <a:prstGeom prst="rect">
             <a:avLst/>
@@ -15859,409 +13204,16 @@
               </a:spcBef>
             </a:pPr>
             <a:r>
-              <a:rPr sz="1100" i="1" spc="-10" dirty="0">
+              <a:rPr lang="ja-JP" sz="1100" i="1" dirty="0">
                 <a:solidFill>
                   <a:srgbClr val="777879"/>
                 </a:solidFill>
-                <a:latin typeface="AdobeClean-LightIt"/>
+                <a:latin typeface="Adobe Clean Han Regular" panose="020B0500000000000000" pitchFamily="34" charset="-128"/>
+                <a:ea typeface="Adobe Clean Han Regular" panose="020B0500000000000000" pitchFamily="34" charset="-128"/>
                 <a:cs typeface="AdobeClean-LightIt"/>
               </a:rPr>
-              <a:t>To</a:t>
-            </a:r>
-            <a:r>
-              <a:rPr sz="1100" i="1" spc="-50" dirty="0">
-                <a:solidFill>
-                  <a:srgbClr val="777879"/>
-                </a:solidFill>
-                <a:latin typeface="AdobeClean-LightIt"/>
-                <a:cs typeface="AdobeClean-LightIt"/>
-              </a:rPr>
-              <a:t> </a:t>
-            </a:r>
-            <a:r>
-              <a:rPr sz="1100" i="1" spc="-15" dirty="0">
-                <a:solidFill>
-                  <a:srgbClr val="777879"/>
-                </a:solidFill>
-                <a:latin typeface="AdobeClean-LightIt"/>
-                <a:cs typeface="AdobeClean-LightIt"/>
-              </a:rPr>
-              <a:t>learn</a:t>
-            </a:r>
-            <a:r>
-              <a:rPr sz="1100" i="1" spc="-40" dirty="0">
-                <a:solidFill>
-                  <a:srgbClr val="777879"/>
-                </a:solidFill>
-                <a:latin typeface="AdobeClean-LightIt"/>
-                <a:cs typeface="AdobeClean-LightIt"/>
-              </a:rPr>
-              <a:t> </a:t>
-            </a:r>
-            <a:r>
-              <a:rPr sz="1100" i="1" spc="-15" dirty="0">
-                <a:solidFill>
-                  <a:srgbClr val="777879"/>
-                </a:solidFill>
-                <a:latin typeface="AdobeClean-LightIt"/>
-                <a:cs typeface="AdobeClean-LightIt"/>
-              </a:rPr>
-              <a:t>more</a:t>
-            </a:r>
-            <a:r>
-              <a:rPr sz="1100" i="1" spc="-45" dirty="0">
-                <a:solidFill>
-                  <a:srgbClr val="777879"/>
-                </a:solidFill>
-                <a:latin typeface="AdobeClean-LightIt"/>
-                <a:cs typeface="AdobeClean-LightIt"/>
-              </a:rPr>
-              <a:t> </a:t>
-            </a:r>
-            <a:r>
-              <a:rPr sz="1100" i="1" spc="-15" dirty="0">
-                <a:solidFill>
-                  <a:srgbClr val="777879"/>
-                </a:solidFill>
-                <a:latin typeface="AdobeClean-LightIt"/>
-                <a:cs typeface="AdobeClean-LightIt"/>
-              </a:rPr>
-              <a:t>about</a:t>
-            </a:r>
-            <a:r>
-              <a:rPr sz="1100" i="1" spc="-45" dirty="0">
-                <a:solidFill>
-                  <a:srgbClr val="777879"/>
-                </a:solidFill>
-                <a:latin typeface="AdobeClean-LightIt"/>
-                <a:cs typeface="AdobeClean-LightIt"/>
-              </a:rPr>
-              <a:t> </a:t>
-            </a:r>
-            <a:r>
-              <a:rPr sz="1100" i="1" spc="-15" dirty="0">
-                <a:solidFill>
-                  <a:srgbClr val="777879"/>
-                </a:solidFill>
-                <a:latin typeface="AdobeClean-LightIt"/>
-                <a:cs typeface="AdobeClean-LightIt"/>
-              </a:rPr>
-              <a:t>Adobe</a:t>
-            </a:r>
-            <a:r>
-              <a:rPr sz="1100" i="1" spc="-60" dirty="0">
-                <a:solidFill>
-                  <a:srgbClr val="777879"/>
-                </a:solidFill>
-                <a:latin typeface="AdobeClean-LightIt"/>
-                <a:cs typeface="AdobeClean-LightIt"/>
-              </a:rPr>
-              <a:t> </a:t>
-            </a:r>
-            <a:r>
-              <a:rPr sz="1100" i="1" spc="-15" dirty="0">
-                <a:solidFill>
-                  <a:srgbClr val="777879"/>
-                </a:solidFill>
-                <a:latin typeface="AdobeClean-LightIt"/>
-                <a:cs typeface="AdobeClean-LightIt"/>
-              </a:rPr>
-              <a:t>Support</a:t>
-            </a:r>
-            <a:r>
-              <a:rPr lang="en-US" sz="1100" i="1" spc="-15" dirty="0">
-                <a:solidFill>
-                  <a:srgbClr val="777879"/>
-                </a:solidFill>
-                <a:latin typeface="AdobeClean-LightIt"/>
-                <a:cs typeface="AdobeClean-LightIt"/>
-              </a:rPr>
-              <a:t> Offerings</a:t>
-            </a:r>
-            <a:r>
-              <a:rPr sz="1100" i="1" spc="-75" dirty="0">
-                <a:solidFill>
-                  <a:srgbClr val="777879"/>
-                </a:solidFill>
-                <a:latin typeface="AdobeClean-LightIt"/>
-                <a:cs typeface="AdobeClean-LightIt"/>
-              </a:rPr>
-              <a:t> </a:t>
-            </a:r>
-            <a:r>
-              <a:rPr sz="1100" i="1" spc="-15" dirty="0">
-                <a:solidFill>
-                  <a:srgbClr val="777879"/>
-                </a:solidFill>
-                <a:latin typeface="AdobeClean-LightIt"/>
-                <a:cs typeface="AdobeClean-LightIt"/>
-              </a:rPr>
-              <a:t>and</a:t>
-            </a:r>
-            <a:r>
-              <a:rPr sz="1100" i="1" spc="-50" dirty="0">
-                <a:solidFill>
-                  <a:srgbClr val="777879"/>
-                </a:solidFill>
-                <a:latin typeface="AdobeClean-LightIt"/>
-                <a:cs typeface="AdobeClean-LightIt"/>
-              </a:rPr>
-              <a:t> </a:t>
-            </a:r>
-            <a:r>
-              <a:rPr sz="1100" i="1" spc="-15" dirty="0">
-                <a:solidFill>
-                  <a:srgbClr val="777879"/>
-                </a:solidFill>
-                <a:latin typeface="AdobeClean-LightIt"/>
-                <a:cs typeface="AdobeClean-LightIt"/>
-              </a:rPr>
-              <a:t>the</a:t>
-            </a:r>
-            <a:r>
-              <a:rPr sz="1100" i="1" spc="-55" dirty="0">
-                <a:solidFill>
-                  <a:srgbClr val="777879"/>
-                </a:solidFill>
-                <a:latin typeface="AdobeClean-LightIt"/>
-                <a:cs typeface="AdobeClean-LightIt"/>
-              </a:rPr>
-              <a:t> </a:t>
-            </a:r>
-            <a:r>
-              <a:rPr sz="1100" i="1" spc="-15" dirty="0">
-                <a:solidFill>
-                  <a:srgbClr val="777879"/>
-                </a:solidFill>
-                <a:latin typeface="AdobeClean-LightIt"/>
-                <a:cs typeface="AdobeClean-LightIt"/>
-              </a:rPr>
-              <a:t>right</a:t>
-            </a:r>
-            <a:r>
-              <a:rPr sz="1100" i="1" spc="-95" dirty="0">
-                <a:solidFill>
-                  <a:srgbClr val="777879"/>
-                </a:solidFill>
-                <a:latin typeface="AdobeClean-LightIt"/>
-                <a:cs typeface="AdobeClean-LightIt"/>
-              </a:rPr>
-              <a:t> </a:t>
-            </a:r>
-            <a:r>
-              <a:rPr sz="1100" i="1" spc="-15" dirty="0">
-                <a:solidFill>
-                  <a:srgbClr val="777879"/>
-                </a:solidFill>
-                <a:latin typeface="AdobeClean-LightIt"/>
-                <a:cs typeface="AdobeClean-LightIt"/>
-              </a:rPr>
-              <a:t>level</a:t>
-            </a:r>
-            <a:r>
-              <a:rPr sz="1100" i="1" spc="-55" dirty="0">
-                <a:solidFill>
-                  <a:srgbClr val="777879"/>
-                </a:solidFill>
-                <a:latin typeface="AdobeClean-LightIt"/>
-                <a:cs typeface="AdobeClean-LightIt"/>
-              </a:rPr>
-              <a:t> </a:t>
-            </a:r>
-            <a:r>
-              <a:rPr sz="1100" i="1" spc="-15" dirty="0">
-                <a:solidFill>
-                  <a:srgbClr val="777879"/>
-                </a:solidFill>
-                <a:latin typeface="AdobeClean-LightIt"/>
-                <a:cs typeface="AdobeClean-LightIt"/>
-              </a:rPr>
-              <a:t>for</a:t>
-            </a:r>
-            <a:r>
-              <a:rPr sz="1100" i="1" spc="-85" dirty="0">
-                <a:solidFill>
-                  <a:srgbClr val="777879"/>
-                </a:solidFill>
-                <a:latin typeface="AdobeClean-LightIt"/>
-                <a:cs typeface="AdobeClean-LightIt"/>
-              </a:rPr>
-              <a:t> </a:t>
-            </a:r>
-            <a:r>
-              <a:rPr sz="1100" i="1" spc="-15" dirty="0">
-                <a:solidFill>
-                  <a:srgbClr val="777879"/>
-                </a:solidFill>
-                <a:latin typeface="AdobeClean-LightIt"/>
-                <a:cs typeface="AdobeClean-LightIt"/>
-              </a:rPr>
-              <a:t>you,</a:t>
-            </a:r>
-            <a:r>
-              <a:rPr sz="1100" i="1" spc="-65" dirty="0">
-                <a:solidFill>
-                  <a:srgbClr val="777879"/>
-                </a:solidFill>
-                <a:latin typeface="AdobeClean-LightIt"/>
-                <a:cs typeface="AdobeClean-LightIt"/>
-              </a:rPr>
-              <a:t> </a:t>
-            </a:r>
-            <a:r>
-              <a:rPr sz="1100" i="1" spc="-15" dirty="0">
-                <a:solidFill>
-                  <a:srgbClr val="777879"/>
-                </a:solidFill>
-                <a:latin typeface="AdobeClean-LightIt"/>
-                <a:cs typeface="AdobeClean-LightIt"/>
-              </a:rPr>
-              <a:t>contact</a:t>
-            </a:r>
-            <a:r>
-              <a:rPr sz="1100" i="1" spc="-85" dirty="0">
-                <a:solidFill>
-                  <a:srgbClr val="777879"/>
-                </a:solidFill>
-                <a:latin typeface="AdobeClean-LightIt"/>
-                <a:cs typeface="AdobeClean-LightIt"/>
-              </a:rPr>
-              <a:t> </a:t>
-            </a:r>
-            <a:r>
-              <a:rPr sz="1100" i="1" spc="-15" dirty="0">
-                <a:solidFill>
-                  <a:srgbClr val="777879"/>
-                </a:solidFill>
-                <a:latin typeface="AdobeClean-LightIt"/>
-                <a:cs typeface="AdobeClean-LightIt"/>
-              </a:rPr>
-              <a:t>your</a:t>
-            </a:r>
-            <a:r>
-              <a:rPr sz="1100" i="1" spc="-70" dirty="0">
-                <a:solidFill>
-                  <a:srgbClr val="777879"/>
-                </a:solidFill>
-                <a:latin typeface="AdobeClean-LightIt"/>
-                <a:cs typeface="AdobeClean-LightIt"/>
-              </a:rPr>
-              <a:t> </a:t>
-            </a:r>
-            <a:r>
-              <a:rPr sz="1100" i="1" spc="-15" dirty="0">
-                <a:solidFill>
-                  <a:srgbClr val="777879"/>
-                </a:solidFill>
-                <a:latin typeface="AdobeClean-LightIt"/>
-                <a:cs typeface="AdobeClean-LightIt"/>
-              </a:rPr>
-              <a:t>Named</a:t>
-            </a:r>
-            <a:r>
-              <a:rPr sz="1100" i="1" spc="-55" dirty="0">
-                <a:solidFill>
-                  <a:srgbClr val="777879"/>
-                </a:solidFill>
-                <a:latin typeface="AdobeClean-LightIt"/>
-                <a:cs typeface="AdobeClean-LightIt"/>
-              </a:rPr>
-              <a:t> </a:t>
-            </a:r>
-            <a:r>
-              <a:rPr sz="1100" i="1" spc="-25" dirty="0">
-                <a:solidFill>
-                  <a:srgbClr val="777879"/>
-                </a:solidFill>
-                <a:latin typeface="AdobeClean-LightIt"/>
-                <a:cs typeface="AdobeClean-LightIt"/>
-              </a:rPr>
-              <a:t>Account</a:t>
-            </a:r>
-            <a:r>
-              <a:rPr sz="1100" i="1" spc="-120" dirty="0">
-                <a:solidFill>
-                  <a:srgbClr val="777879"/>
-                </a:solidFill>
-                <a:latin typeface="AdobeClean-LightIt"/>
-                <a:cs typeface="AdobeClean-LightIt"/>
-              </a:rPr>
-              <a:t> </a:t>
-            </a:r>
-            <a:r>
-              <a:rPr sz="1100" i="1" spc="-20" dirty="0">
-                <a:solidFill>
-                  <a:srgbClr val="777879"/>
-                </a:solidFill>
-                <a:latin typeface="AdobeClean-LightIt"/>
-                <a:cs typeface="AdobeClean-LightIt"/>
-              </a:rPr>
-              <a:t>Manager  </a:t>
-            </a:r>
-            <a:r>
-              <a:rPr sz="1100" i="1" spc="-15" dirty="0">
-                <a:solidFill>
-                  <a:srgbClr val="777879"/>
-                </a:solidFill>
-                <a:latin typeface="AdobeClean-LightIt"/>
-                <a:cs typeface="AdobeClean-LightIt"/>
-              </a:rPr>
-              <a:t>(NAM) </a:t>
-            </a:r>
-            <a:r>
-              <a:rPr sz="1100" i="1" spc="-10" dirty="0">
-                <a:solidFill>
-                  <a:srgbClr val="777879"/>
-                </a:solidFill>
-                <a:latin typeface="AdobeClean-LightIt"/>
-                <a:cs typeface="AdobeClean-LightIt"/>
-              </a:rPr>
-              <a:t>or </a:t>
-            </a:r>
-            <a:r>
-              <a:rPr sz="1100" i="1" spc="-15" dirty="0">
-                <a:solidFill>
-                  <a:srgbClr val="777879"/>
-                </a:solidFill>
-                <a:latin typeface="AdobeClean-LightIt"/>
-                <a:cs typeface="AdobeClean-LightIt"/>
-              </a:rPr>
-              <a:t>Customer </a:t>
-            </a:r>
-            <a:r>
-              <a:rPr sz="1100" i="1" spc="-20" dirty="0">
-                <a:solidFill>
-                  <a:srgbClr val="777879"/>
-                </a:solidFill>
-                <a:latin typeface="AdobeClean-LightIt"/>
-                <a:cs typeface="AdobeClean-LightIt"/>
-              </a:rPr>
-              <a:t>Success</a:t>
-            </a:r>
-            <a:r>
-              <a:rPr sz="1100" i="1" spc="-180" dirty="0">
-                <a:solidFill>
-                  <a:srgbClr val="777879"/>
-                </a:solidFill>
-                <a:latin typeface="AdobeClean-LightIt"/>
-                <a:cs typeface="AdobeClean-LightIt"/>
-              </a:rPr>
-              <a:t> </a:t>
-            </a:r>
-            <a:r>
-              <a:rPr sz="1100" i="1" spc="-15" dirty="0">
-                <a:solidFill>
-                  <a:srgbClr val="777879"/>
-                </a:solidFill>
-                <a:latin typeface="AdobeClean-LightIt"/>
-                <a:cs typeface="AdobeClean-LightIt"/>
-              </a:rPr>
-              <a:t>Manager(CSM)</a:t>
-            </a:r>
-            <a:endParaRPr sz="1100" dirty="0">
-              <a:latin typeface="AdobeClean-LightIt"/>
-              <a:cs typeface="AdobeClean-LightIt"/>
-            </a:endParaRPr>
+              <a:t>アドビサポートのサービスやお客様に最適なレベルについて詳しくは、専任アカウントマネージャー（NAM）またはカスタマーサクセスマネージャー（CSM）にお問い合わせください。</a:t>
+            </a:r>
           </a:p>
           <a:p>
             <a:pPr marL="34290">
@@ -16273,59 +13225,16 @@
               </a:spcBef>
             </a:pPr>
             <a:r>
-              <a:rPr sz="800" spc="-5" dirty="0">
+              <a:rPr lang="ja-JP" sz="800" dirty="0">
                 <a:solidFill>
                   <a:srgbClr val="6D6D6D"/>
                 </a:solidFill>
-                <a:latin typeface="Adobe Clean"/>
+                <a:latin typeface="Adobe Clean Han Regular" panose="020B0500000000000000" pitchFamily="34" charset="-128"/>
+                <a:ea typeface="Adobe Clean Han Regular" panose="020B0500000000000000" pitchFamily="34" charset="-128"/>
                 <a:cs typeface="Adobe Clean"/>
               </a:rPr>
-              <a:t>©202</a:t>
-            </a:r>
-            <a:r>
-              <a:rPr lang="en-US" sz="800" spc="-5" dirty="0">
-                <a:solidFill>
-                  <a:srgbClr val="6D6D6D"/>
-                </a:solidFill>
-                <a:latin typeface="Adobe Clean"/>
-                <a:cs typeface="Adobe Clean"/>
-              </a:rPr>
-              <a:t>1</a:t>
-            </a:r>
-            <a:r>
-              <a:rPr sz="800" spc="-5" dirty="0">
-                <a:solidFill>
-                  <a:srgbClr val="6D6D6D"/>
-                </a:solidFill>
-                <a:latin typeface="Adobe Clean"/>
-                <a:cs typeface="Adobe Clean"/>
-              </a:rPr>
-              <a:t> Adobe. All Rights Reserved. Adobe</a:t>
-            </a:r>
-            <a:r>
-              <a:rPr sz="800" spc="75" dirty="0">
-                <a:solidFill>
-                  <a:srgbClr val="6D6D6D"/>
-                </a:solidFill>
-                <a:latin typeface="Adobe Clean"/>
-                <a:cs typeface="Adobe Clean"/>
-              </a:rPr>
-              <a:t> </a:t>
-            </a:r>
-            <a:r>
-              <a:rPr sz="800" spc="-5" dirty="0">
-                <a:solidFill>
-                  <a:srgbClr val="6D6D6D"/>
-                </a:solidFill>
-                <a:latin typeface="Adobe Clean"/>
-                <a:cs typeface="Adobe Clean"/>
-              </a:rPr>
-              <a:t>Confidential.</a:t>
-            </a:r>
-            <a:endParaRPr sz="800" dirty="0">
-              <a:latin typeface="Adobe Clean"/>
-              <a:cs typeface="Adobe Clean"/>
-            </a:endParaRPr>
+              <a:t>©2021 Adobe.All Rights Reserved.Adobe Confidential.</a:t>
+            </a:r>
           </a:p>
         </p:txBody>
       </p:sp>
@@ -16362,19 +13271,16 @@
               </a:spcBef>
             </a:pPr>
             <a:r>
-              <a:rPr lang="en-US" sz="1400" b="1" spc="-15" dirty="0">
+              <a:rPr lang="ja-JP" sz="1400" b="1" dirty="0">
                 <a:solidFill>
                   <a:srgbClr val="020302"/>
                 </a:solidFill>
-                <a:latin typeface="Adobe Clean"/>
+                <a:latin typeface="Adobe Clean Han Regular" panose="020B0500000000000000" pitchFamily="34" charset="-128"/>
+                <a:ea typeface="Adobe Clean Han Regular" panose="020B0500000000000000" pitchFamily="34" charset="-128"/>
                 <a:cs typeface="Adobe Clean"/>
               </a:rPr>
-              <a:t>Regional scope of Adobe Support, Local Hours Of Operation And Language Support</a:t>
-            </a:r>
-            <a:endParaRPr lang="en-US" sz="1400" spc="-15" dirty="0">
-              <a:ea typeface="+mn-lt"/>
-              <a:cs typeface="+mn-lt"/>
-            </a:endParaRPr>
+              <a:t>アドビサポートの対象地域、現地の営業時間、言語サポート</a:t>
+            </a:r>
           </a:p>
           <a:p>
             <a:pPr>
@@ -16383,17 +13289,34 @@
               </a:spcBef>
             </a:pPr>
             <a:r>
-              <a:rPr lang="en-US" sz="1000" spc="-15" dirty="0">
+              <a:rPr lang="ja-JP" sz="1000" dirty="0">
                 <a:solidFill>
                   <a:srgbClr val="1F1F1F"/>
                 </a:solidFill>
-                <a:latin typeface="AdobeClean-Light"/>
+                <a:latin typeface="Adobe Clean Han Regular" panose="020B0500000000000000" pitchFamily="34" charset="-128"/>
+                <a:ea typeface="Adobe Clean Han Regular" panose="020B0500000000000000" pitchFamily="34" charset="-128"/>
               </a:rPr>
-              <a:t>The regional scope of Adobe Support is established by aligning the customer's billing address (via the Sales Order or other Adobe Support purchasing document) to one of the following regions:</a:t>
-            </a:r>
-            <a:endParaRPr lang="en-US" sz="1000" dirty="0">
-              <a:latin typeface="AdobeClean-Light"/>
-            </a:endParaRPr>
+              <a:t>アドビサポートの対象地域と現地営業時間は、以下のとおりです。対象地域は、</a:t>
+            </a:r>
+            <a:br>
+              <a:rPr lang="sk-SK" altLang="ja-JP" sz="1000" dirty="0">
+                <a:solidFill>
+                  <a:srgbClr val="1F1F1F"/>
+                </a:solidFill>
+                <a:latin typeface="Adobe Clean Han Regular" panose="020B0500000000000000" pitchFamily="34" charset="-128"/>
+                <a:ea typeface="Adobe Clean Han Regular" panose="020B0500000000000000" pitchFamily="34" charset="-128"/>
+              </a:rPr>
+            </a:br>
+            <a:r>
+              <a:rPr lang="ja-JP" sz="1000" dirty="0">
+                <a:solidFill>
+                  <a:srgbClr val="1F1F1F"/>
+                </a:solidFill>
+                <a:latin typeface="Adobe Clean Han Regular" panose="020B0500000000000000" pitchFamily="34" charset="-128"/>
+                <a:ea typeface="Adobe Clean Han Regular" panose="020B0500000000000000" pitchFamily="34" charset="-128"/>
+              </a:rPr>
+              <a:t>お客様のセールスオーダーやその他のアドビサポートの購買記録に記載されている請求先の地域に準じます。</a:t>
+            </a:r>
           </a:p>
         </p:txBody>
       </p:sp>
@@ -16412,7 +13335,7 @@
           <p:nvPr>
             <p:extLst>
               <p:ext uri="{D42A27DB-BD31-4B8C-83A1-F6EECF244321}">
-                <p14:modId xmlns:p14="http://schemas.microsoft.com/office/powerpoint/2010/main" val="3975465108"/>
+                <p14:modId xmlns:p14="http://schemas.microsoft.com/office/powerpoint/2010/main" val="1761200756"/>
               </p:ext>
             </p:extLst>
           </p:nvPr>
@@ -16465,13 +13388,14 @@
                     <a:p>
                       <a:pPr algn="ctr"/>
                       <a:r>
-                        <a:rPr lang="en-US" sz="1100" dirty="0">
+                        <a:rPr lang="ja-JP" sz="1100">
                           <a:solidFill>
                             <a:schemeClr val="tx1"/>
                           </a:solidFill>
-                          <a:latin typeface="Adobe Clean" panose="020B0503020404020204" pitchFamily="34" charset="0"/>
+                          <a:latin typeface="Adobe Clean Han Regular" panose="020B0500000000000000" pitchFamily="34" charset="-128"/>
+                          <a:ea typeface="Adobe Clean Han Regular" panose="020B0500000000000000" pitchFamily="34" charset="-128"/>
                         </a:rPr>
-                        <a:t>Americas</a:t>
+                        <a:t>南北アメリカ</a:t>
                       </a:r>
                     </a:p>
                   </a:txBody>
@@ -16530,13 +13454,14 @@
                     <a:p>
                       <a:pPr algn="ctr"/>
                       <a:r>
-                        <a:rPr lang="en-US" sz="1100" dirty="0">
+                        <a:rPr lang="ja-JP" sz="1100" dirty="0">
                           <a:solidFill>
                             <a:schemeClr val="tx1"/>
                           </a:solidFill>
-                          <a:latin typeface="Adobe Clean" panose="020B0503020404020204" pitchFamily="34" charset="0"/>
+                          <a:latin typeface="Adobe Clean Han Regular" panose="020B0500000000000000" pitchFamily="34" charset="-128"/>
+                          <a:ea typeface="Adobe Clean Han Regular" panose="020B0500000000000000" pitchFamily="34" charset="-128"/>
                         </a:rPr>
-                        <a:t>Europe, Middle East &amp; Africa</a:t>
+                        <a:t>ヨーロッパ、中東、アフリカ</a:t>
                       </a:r>
                     </a:p>
                   </a:txBody>
@@ -16595,13 +13520,14 @@
                     <a:p>
                       <a:pPr algn="ctr"/>
                       <a:r>
-                        <a:rPr lang="en-US" sz="1100" dirty="0">
+                        <a:rPr lang="ja-JP" sz="1100">
                           <a:solidFill>
                             <a:schemeClr val="tx1"/>
                           </a:solidFill>
-                          <a:latin typeface="Adobe Clean" panose="020B0503020404020204" pitchFamily="34" charset="0"/>
+                          <a:latin typeface="Adobe Clean Han Regular" panose="020B0500000000000000" pitchFamily="34" charset="-128"/>
+                          <a:ea typeface="Adobe Clean Han Regular" panose="020B0500000000000000" pitchFamily="34" charset="-128"/>
                         </a:rPr>
-                        <a:t>Asia Pacific</a:t>
+                        <a:t>アジア太平洋</a:t>
                       </a:r>
                     </a:p>
                   </a:txBody>
@@ -16660,29 +13586,25 @@
                     <a:p>
                       <a:pPr algn="ctr"/>
                       <a:r>
-                        <a:rPr lang="en-US" sz="1100" dirty="0">
+                        <a:rPr lang="ja-JP" sz="1100">
                           <a:solidFill>
                             <a:schemeClr val="tx1"/>
                           </a:solidFill>
-                          <a:latin typeface="Adobe Clean" panose="020B0503020404020204" pitchFamily="34" charset="0"/>
+                          <a:latin typeface="Adobe Clean Han Regular" panose="020B0500000000000000" pitchFamily="34" charset="-128"/>
+                          <a:ea typeface="Adobe Clean Han Regular" panose="020B0500000000000000" pitchFamily="34" charset="-128"/>
                         </a:rPr>
-                        <a:t>Japan </a:t>
+                        <a:t>日本 </a:t>
                       </a:r>
                       <a:r>
-                        <a:rPr lang="en-US" sz="1100" baseline="30000" dirty="0">
+                        <a:rPr lang="ja-JP" sz="1100" baseline="30000">
                           <a:solidFill>
                             <a:schemeClr val="tx1"/>
                           </a:solidFill>
-                          <a:latin typeface="Adobe Clean" panose="020B0503020404020204" pitchFamily="34" charset="0"/>
+                          <a:latin typeface="Adobe Clean Han Regular" panose="020B0500000000000000" pitchFamily="34" charset="-128"/>
+                          <a:ea typeface="Adobe Clean Han Regular" panose="020B0500000000000000" pitchFamily="34" charset="-128"/>
                         </a:rPr>
                         <a:t>1 </a:t>
                       </a:r>
-                      <a:endParaRPr lang="en-US" sz="1100" dirty="0">
-                        <a:solidFill>
-                          <a:schemeClr val="tx1"/>
-                        </a:solidFill>
-                        <a:latin typeface="Adobe Clean" panose="020B0503020404020204" pitchFamily="34" charset="0"/>
-                      </a:endParaRPr>
                     </a:p>
                   </a:txBody>
                   <a:tcPr anchor="ctr">
@@ -16747,13 +13669,14 @@
                     <a:p>
                       <a:pPr algn="ctr"/>
                       <a:r>
-                        <a:rPr lang="en-US" sz="1100" dirty="0">
+                        <a:rPr lang="ja-JP" sz="1100">
                           <a:solidFill>
                             <a:schemeClr val="tx1"/>
                           </a:solidFill>
-                          <a:latin typeface="Adobe Clean" panose="020B0503020404020204" pitchFamily="34" charset="0"/>
+                          <a:latin typeface="Adobe Clean Han Regular" panose="020B0500000000000000" pitchFamily="34" charset="-128"/>
+                          <a:ea typeface="Adobe Clean Han Regular" panose="020B0500000000000000" pitchFamily="34" charset="-128"/>
                         </a:rPr>
-                        <a:t>6 am – 5:30 pm</a:t>
+                        <a:t>午前 6:00 ～午後 5:30</a:t>
                       </a:r>
                     </a:p>
                   </a:txBody>
@@ -16812,13 +13735,14 @@
                     <a:p>
                       <a:pPr algn="ctr"/>
                       <a:r>
-                        <a:rPr lang="en-US" sz="1100" dirty="0">
+                        <a:rPr lang="ja-JP" sz="1100">
                           <a:solidFill>
                             <a:schemeClr val="tx1"/>
                           </a:solidFill>
-                          <a:latin typeface="Adobe Clean" panose="020B0503020404020204" pitchFamily="34" charset="0"/>
+                          <a:latin typeface="Adobe Clean Han Regular" panose="020B0500000000000000" pitchFamily="34" charset="-128"/>
+                          <a:ea typeface="Adobe Clean Han Regular" panose="020B0500000000000000" pitchFamily="34" charset="-128"/>
                         </a:rPr>
-                        <a:t>9 am – 5 pm</a:t>
+                        <a:t>午前 9:00 ～午後 5:00</a:t>
                       </a:r>
                     </a:p>
                   </a:txBody>
@@ -16877,13 +13801,14 @@
                     <a:p>
                       <a:pPr algn="ctr"/>
                       <a:r>
-                        <a:rPr lang="en-US" sz="1100" dirty="0">
+                        <a:rPr lang="ja-JP" sz="1100">
                           <a:solidFill>
                             <a:schemeClr val="tx1"/>
                           </a:solidFill>
-                          <a:latin typeface="Adobe Clean" panose="020B0503020404020204" pitchFamily="34" charset="0"/>
+                          <a:latin typeface="Adobe Clean Han Regular" panose="020B0500000000000000" pitchFamily="34" charset="-128"/>
+                          <a:ea typeface="Adobe Clean Han Regular" panose="020B0500000000000000" pitchFamily="34" charset="-128"/>
                         </a:rPr>
-                        <a:t>9 am – 5 pm</a:t>
+                        <a:t>午前 9:00 ～午後 5:00</a:t>
                       </a:r>
                     </a:p>
                   </a:txBody>
@@ -16942,13 +13867,14 @@
                     <a:p>
                       <a:pPr algn="ctr"/>
                       <a:r>
-                        <a:rPr lang="en-US" sz="1100" dirty="0">
+                        <a:rPr lang="ja-JP" sz="1100">
                           <a:solidFill>
                             <a:schemeClr val="tx1"/>
                           </a:solidFill>
-                          <a:latin typeface="Adobe Clean" panose="020B0503020404020204" pitchFamily="34" charset="0"/>
+                          <a:latin typeface="Adobe Clean Han Regular" panose="020B0500000000000000" pitchFamily="34" charset="-128"/>
+                          <a:ea typeface="Adobe Clean Han Regular" panose="020B0500000000000000" pitchFamily="34" charset="-128"/>
                         </a:rPr>
-                        <a:t>9 am – 5:30 pm</a:t>
+                        <a:t>午前 9:00 ～午後 5:30</a:t>
                       </a:r>
                     </a:p>
                   </a:txBody>
@@ -17028,23 +13954,18 @@
                         <a:buNone/>
                       </a:pPr>
                       <a:r>
-                        <a:rPr lang="en-US" sz="1100" dirty="0">
+                        <a:rPr lang="ja-JP" sz="1100" dirty="0">
                           <a:solidFill>
                             <a:schemeClr val="tx1"/>
                           </a:solidFill>
-                          <a:latin typeface="Adobe Clean"/>
+                          <a:latin typeface="Adobe Clean Han Regular" panose="020B0500000000000000" pitchFamily="34" charset="-128"/>
+                          <a:ea typeface="Adobe Clean Han Regular" panose="020B0500000000000000" pitchFamily="34" charset="-128"/>
                         </a:rPr>
-                        <a:t>Language support is only available in English and Japanese. </a:t>
+                        <a:t>サポートで対応している言語は、英語および日本語のみです。 </a:t>
                       </a:r>
-                      <a:endParaRPr lang="en-US" sz="1100" dirty="0">
-                        <a:solidFill>
-                          <a:schemeClr val="tx1"/>
-                        </a:solidFill>
-                        <a:latin typeface="Adobe Clean" panose="020B0503020404020204" pitchFamily="34" charset="0"/>
-                      </a:endParaRPr>
                     </a:p>
                     <a:p>
-                      <a:pPr marL="0" marR="0" lvl="0" indent="0" algn="ctr" defTabSz="914400" eaLnBrk="1" fontAlgn="auto" latinLnBrk="0" hangingPunct="1">
+                      <a:pPr marL="0" marR="0" lvl="0" indent="0" algn="l" defTabSz="914400" rtl="0" eaLnBrk="1" fontAlgn="auto" latinLnBrk="0" hangingPunct="1">
                         <a:lnSpc>
                           <a:spcPct val="100000"/>
                         </a:lnSpc>
@@ -17071,46 +13992,43 @@
                         <a:effectLst/>
                         <a:uLnTx/>
                         <a:uFillTx/>
-                        <a:latin typeface="Adobe Clean" panose="020B0503020404020204" pitchFamily="34" charset="0"/>
-                        <a:ea typeface="+mn-ea"/>
+                        <a:latin typeface="Adobe Clean Han Regular" panose="020B0500000000000000" pitchFamily="34" charset="-128"/>
+                        <a:ea typeface="Adobe Clean Han Regular" panose="020B0500000000000000" pitchFamily="34" charset="-128"/>
                         <a:cs typeface="+mn-cs"/>
                       </a:endParaRPr>
                     </a:p>
                     <a:p>
                       <a:pPr algn="ctr"/>
                       <a:r>
-                        <a:rPr lang="en-US" sz="1100" i="0" dirty="0">
+                        <a:rPr lang="ja-JP" sz="1100" i="0" dirty="0">
                           <a:solidFill>
                             <a:schemeClr val="tx1"/>
                           </a:solidFill>
-                          <a:latin typeface="Adobe Clean"/>
+                          <a:latin typeface="Adobe Clean Han Regular" panose="020B0500000000000000" pitchFamily="34" charset="-128"/>
+                          <a:ea typeface="Adobe Clean Han Regular" panose="020B0500000000000000" pitchFamily="34" charset="-128"/>
                         </a:rPr>
                         <a:t> </a:t>
                       </a:r>
                       <a:r>
-                        <a:rPr lang="en-US" sz="1100" i="0" baseline="30000" dirty="0">
+                        <a:rPr lang="ja-JP" sz="1100" i="0" baseline="30000" dirty="0">
                           <a:solidFill>
                             <a:schemeClr val="tx1"/>
                           </a:solidFill>
-                          <a:latin typeface="Adobe Clean"/>
+                          <a:latin typeface="Adobe Clean Han Regular" panose="020B0500000000000000" pitchFamily="34" charset="-128"/>
+                          <a:ea typeface="Adobe Clean Han Regular" panose="020B0500000000000000" pitchFamily="34" charset="-128"/>
                         </a:rPr>
                         <a:t>1 </a:t>
                       </a:r>
                       <a:r>
-                        <a:rPr lang="en-US" sz="1100" i="0" dirty="0">
+                        <a:rPr lang="ja-JP" sz="1100" i="0" dirty="0">
                           <a:solidFill>
                             <a:schemeClr val="tx1"/>
                           </a:solidFill>
-                          <a:latin typeface="Adobe Clean"/>
+                          <a:latin typeface="Adobe Clean Han Regular" panose="020B0500000000000000" pitchFamily="34" charset="-128"/>
+                          <a:ea typeface="Adobe Clean Han Regular" panose="020B0500000000000000" pitchFamily="34" charset="-128"/>
                         </a:rPr>
-                        <a:t>P2, P3, P4 cases are limited to business hours only in Japan.</a:t>
+                        <a:t>P2、P3、P4 の場合は、営業時間内のみの対応です。</a:t>
                       </a:r>
-                      <a:endParaRPr lang="en-US" sz="1100" b="1" i="0" dirty="0">
-                        <a:solidFill>
-                          <a:schemeClr val="tx1"/>
-                        </a:solidFill>
-                        <a:latin typeface="Adobe Clean"/>
-                      </a:endParaRPr>
                     </a:p>
                   </a:txBody>
                   <a:tcPr anchor="ctr">
@@ -17406,7 +14324,10 @@
           <a:bodyPr wrap="square" lIns="0" tIns="0" rIns="0" bIns="0" rtlCol="0"/>
           <a:lstStyle/>
           <a:p>
-            <a:endParaRPr/>
+            <a:endParaRPr>
+              <a:latin typeface="Adobe Clean Han Regular" panose="020B0500000000000000" pitchFamily="34" charset="-128"/>
+              <a:ea typeface="Adobe Clean Han Regular" panose="020B0500000000000000" pitchFamily="34" charset="-128"/>
+            </a:endParaRPr>
           </a:p>
         </p:txBody>
       </p:sp>
@@ -17453,7 +14374,7 @@
         <p:spPr>
           <a:xfrm>
             <a:off x="2840871" y="8528519"/>
-            <a:ext cx="810895" cy="385445"/>
+            <a:ext cx="810895" cy="370230"/>
           </a:xfrm>
           <a:prstGeom prst="rect">
             <a:avLst/>
@@ -17465,7 +14386,7 @@
           </a:bodyPr>
           <a:lstStyle/>
           <a:p>
-            <a:pPr marL="139065" marR="5080" indent="-139065">
+            <a:pPr marR="5080" algn="ctr">
               <a:lnSpc>
                 <a:spcPts val="1390"/>
               </a:lnSpc>
@@ -17474,129 +14395,37 @@
               </a:spcBef>
             </a:pPr>
             <a:r>
-              <a:rPr sz="1200" b="1" spc="-15" dirty="0">
+              <a:rPr lang="ja-JP" sz="1000" b="1" dirty="0">
                 <a:solidFill>
                   <a:srgbClr val="FFFFFF"/>
                 </a:solidFill>
-                <a:latin typeface="Adobe Clean"/>
+                <a:latin typeface="Adobe Clean Han Regular" panose="020B0500000000000000" pitchFamily="34" charset="-128"/>
+                <a:ea typeface="Adobe Clean Han Regular" panose="020B0500000000000000" pitchFamily="34" charset="-128"/>
                 <a:cs typeface="Adobe Clean"/>
               </a:rPr>
-              <a:t>U</a:t>
-            </a:r>
-            <a:r>
-              <a:rPr sz="1200" b="1" spc="-20" dirty="0">
+              <a:t>卓越した</a:t>
+            </a:r>
+            <a:br>
+              <a:rPr lang="ja-JP" sz="1000" b="1" dirty="0">
                 <a:solidFill>
                   <a:srgbClr val="FFFFFF"/>
                 </a:solidFill>
-                <a:latin typeface="Adobe Clean"/>
+                <a:latin typeface="Adobe Clean Han Regular" panose="020B0500000000000000" pitchFamily="34" charset="-128"/>
+                <a:ea typeface="Adobe Clean Han Regular" panose="020B0500000000000000" pitchFamily="34" charset="-128"/>
                 <a:cs typeface="Adobe Clean"/>
               </a:rPr>
-              <a:t>n</a:t>
-            </a:r>
-            <a:r>
-              <a:rPr sz="1200" b="1" spc="-25" dirty="0">
+            </a:br>
+            <a:r>
+              <a:rPr lang="ja-JP" sz="1000" b="1" dirty="0">
                 <a:solidFill>
                   <a:srgbClr val="FFFFFF"/>
                 </a:solidFill>
-                <a:latin typeface="Adobe Clean"/>
+                <a:latin typeface="Adobe Clean Han Regular" panose="020B0500000000000000" pitchFamily="34" charset="-128"/>
+                <a:ea typeface="Adobe Clean Han Regular" panose="020B0500000000000000" pitchFamily="34" charset="-128"/>
                 <a:cs typeface="Adobe Clean"/>
               </a:rPr>
-              <a:t>p</a:t>
-            </a:r>
-            <a:r>
-              <a:rPr sz="1200" b="1" spc="-15" dirty="0">
-                <a:solidFill>
-                  <a:srgbClr val="FFFFFF"/>
-                </a:solidFill>
-                <a:latin typeface="Adobe Clean"/>
-                <a:cs typeface="Adobe Clean"/>
-              </a:rPr>
-              <a:t>a</a:t>
-            </a:r>
-            <a:r>
-              <a:rPr sz="1200" b="1" spc="-25" dirty="0">
-                <a:solidFill>
-                  <a:srgbClr val="FFFFFF"/>
-                </a:solidFill>
-                <a:latin typeface="Adobe Clean"/>
-                <a:cs typeface="Adobe Clean"/>
-              </a:rPr>
-              <a:t>r</a:t>
-            </a:r>
-            <a:r>
-              <a:rPr sz="1200" b="1" spc="-15" dirty="0">
-                <a:solidFill>
-                  <a:srgbClr val="FFFFFF"/>
-                </a:solidFill>
-                <a:latin typeface="Adobe Clean"/>
-                <a:cs typeface="Adobe Clean"/>
-              </a:rPr>
-              <a:t>a</a:t>
-            </a:r>
-            <a:r>
-              <a:rPr sz="1200" b="1" spc="-30" dirty="0">
-                <a:solidFill>
-                  <a:srgbClr val="FFFFFF"/>
-                </a:solidFill>
-                <a:latin typeface="Adobe Clean"/>
-                <a:cs typeface="Adobe Clean"/>
-              </a:rPr>
-              <a:t>ll</a:t>
-            </a:r>
-            <a:r>
-              <a:rPr sz="1200" b="1" spc="-25" dirty="0">
-                <a:solidFill>
-                  <a:srgbClr val="FFFFFF"/>
-                </a:solidFill>
-                <a:latin typeface="Adobe Clean"/>
-                <a:cs typeface="Adobe Clean"/>
-              </a:rPr>
-              <a:t>e</a:t>
-            </a:r>
-            <a:r>
-              <a:rPr sz="1200" b="1" spc="-30" dirty="0">
-                <a:solidFill>
-                  <a:srgbClr val="FFFFFF"/>
-                </a:solidFill>
-                <a:latin typeface="Adobe Clean"/>
-                <a:cs typeface="Adobe Clean"/>
-              </a:rPr>
-              <a:t>l</a:t>
-            </a:r>
-            <a:r>
-              <a:rPr sz="1200" b="1" spc="-25" dirty="0">
-                <a:solidFill>
-                  <a:srgbClr val="FFFFFF"/>
-                </a:solidFill>
-                <a:latin typeface="Adobe Clean"/>
-                <a:cs typeface="Adobe Clean"/>
-              </a:rPr>
-              <a:t>e</a:t>
-            </a:r>
-            <a:r>
-              <a:rPr sz="1200" b="1" dirty="0">
-                <a:solidFill>
-                  <a:srgbClr val="FFFFFF"/>
-                </a:solidFill>
-                <a:latin typeface="Adobe Clean"/>
-                <a:cs typeface="Adobe Clean"/>
-              </a:rPr>
-              <a:t>d  </a:t>
-            </a:r>
-            <a:r>
-              <a:rPr sz="1200" b="1" spc="-25" dirty="0">
-                <a:solidFill>
-                  <a:srgbClr val="FFFFFF"/>
-                </a:solidFill>
-                <a:latin typeface="Adobe Clean"/>
-                <a:cs typeface="Adobe Clean"/>
-              </a:rPr>
-              <a:t>Expertise</a:t>
-            </a:r>
-            <a:endParaRPr sz="1200" dirty="0">
-              <a:latin typeface="Adobe Clean"/>
-              <a:cs typeface="Adobe Clean"/>
-            </a:endParaRPr>
+              <a:t>専門知識</a:t>
+            </a:r>
           </a:p>
         </p:txBody>
       </p:sp>
@@ -17614,7 +14443,7 @@
         </p:nvSpPr>
         <p:spPr>
           <a:xfrm>
-            <a:off x="4732495" y="8541244"/>
+            <a:off x="4648200" y="8541244"/>
             <a:ext cx="810895" cy="382797"/>
           </a:xfrm>
           <a:prstGeom prst="rect">
@@ -17627,7 +14456,7 @@
           </a:bodyPr>
           <a:lstStyle/>
           <a:p>
-            <a:pPr marL="139065" marR="5080" indent="-139065">
+            <a:pPr marR="5080" algn="ctr">
               <a:lnSpc>
                 <a:spcPts val="1390"/>
               </a:lnSpc>
@@ -17636,19 +14465,37 @@
               </a:spcBef>
             </a:pPr>
             <a:r>
-              <a:rPr lang="en-US" sz="1200" b="1" spc="-15" dirty="0">
+              <a:rPr lang="ja-JP" sz="1200" b="1" dirty="0">
                 <a:solidFill>
                   <a:srgbClr val="FFFFFF"/>
                 </a:solidFill>
-                <a:latin typeface="Adobe Clean"/>
+                <a:latin typeface="Adobe Clean Han Regular" panose="020B0500000000000000" pitchFamily="34" charset="-128"/>
+                <a:ea typeface="Adobe Clean Han Regular" panose="020B0500000000000000" pitchFamily="34" charset="-128"/>
                 <a:cs typeface="Adobe Clean"/>
               </a:rPr>
-              <a:t>Accelerated Support</a:t>
-            </a:r>
-            <a:endParaRPr sz="1200" dirty="0">
-              <a:latin typeface="Adobe Clean"/>
-              <a:cs typeface="Adobe Clean"/>
-            </a:endParaRPr>
+              <a:t>迅速な</a:t>
+            </a:r>
+            <a:br>
+              <a:rPr lang="ja-JP" sz="1200" b="1" dirty="0">
+                <a:solidFill>
+                  <a:srgbClr val="FFFFFF"/>
+                </a:solidFill>
+                <a:latin typeface="Adobe Clean Han Regular" panose="020B0500000000000000" pitchFamily="34" charset="-128"/>
+                <a:ea typeface="Adobe Clean Han Regular" panose="020B0500000000000000" pitchFamily="34" charset="-128"/>
+                <a:cs typeface="Adobe Clean"/>
+              </a:rPr>
+            </a:br>
+            <a:r>
+              <a:rPr lang="ja-JP" sz="1200" b="1" dirty="0">
+                <a:solidFill>
+                  <a:srgbClr val="FFFFFF"/>
+                </a:solidFill>
+                <a:latin typeface="Adobe Clean Han Regular" panose="020B0500000000000000" pitchFamily="34" charset="-128"/>
+                <a:ea typeface="Adobe Clean Han Regular" panose="020B0500000000000000" pitchFamily="34" charset="-128"/>
+                <a:cs typeface="Adobe Clean"/>
+              </a:rPr>
+              <a:t>サポート</a:t>
+            </a:r>
           </a:p>
         </p:txBody>
       </p:sp>
@@ -17666,8 +14513,8 @@
         </p:nvSpPr>
         <p:spPr>
           <a:xfrm>
-            <a:off x="6624119" y="8543943"/>
-            <a:ext cx="510540" cy="385445"/>
+            <a:off x="6400800" y="8543943"/>
+            <a:ext cx="930274" cy="382797"/>
           </a:xfrm>
           <a:prstGeom prst="rect">
             <a:avLst/>
@@ -17679,7 +14526,7 @@
           </a:bodyPr>
           <a:lstStyle/>
           <a:p>
-            <a:pPr marL="50800" marR="5080" indent="-51435">
+            <a:pPr marR="5080" algn="ctr">
               <a:lnSpc>
                 <a:spcPts val="1390"/>
               </a:lnSpc>
@@ -17688,109 +14535,37 @@
               </a:spcBef>
             </a:pPr>
             <a:r>
-              <a:rPr sz="1200" b="1" spc="-50" dirty="0">
+              <a:rPr lang="ja-JP" sz="1200" b="1" dirty="0">
                 <a:solidFill>
                   <a:srgbClr val="FFFFFF"/>
                 </a:solidFill>
-                <a:latin typeface="Adobe Clean"/>
+                <a:latin typeface="Adobe Clean Han Regular" panose="020B0500000000000000" pitchFamily="34" charset="-128"/>
+                <a:ea typeface="Adobe Clean Han Regular" panose="020B0500000000000000" pitchFamily="34" charset="-128"/>
                 <a:cs typeface="Adobe Clean"/>
               </a:rPr>
-              <a:t>S</a:t>
-            </a:r>
-            <a:r>
-              <a:rPr sz="1200" b="1" spc="-20" dirty="0">
+              <a:t>戦略的</a:t>
+            </a:r>
+            <a:br>
+              <a:rPr lang="ja-JP" sz="1200" b="1" dirty="0">
                 <a:solidFill>
                   <a:srgbClr val="FFFFFF"/>
                 </a:solidFill>
-                <a:latin typeface="Adobe Clean"/>
+                <a:latin typeface="Adobe Clean Han Regular" panose="020B0500000000000000" pitchFamily="34" charset="-128"/>
+                <a:ea typeface="Adobe Clean Han Regular" panose="020B0500000000000000" pitchFamily="34" charset="-128"/>
                 <a:cs typeface="Adobe Clean"/>
               </a:rPr>
-              <a:t>t</a:t>
-            </a:r>
-            <a:r>
-              <a:rPr sz="1200" b="1" spc="-75" dirty="0">
+            </a:br>
+            <a:r>
+              <a:rPr lang="ja-JP" sz="1200" b="1" dirty="0">
                 <a:solidFill>
                   <a:srgbClr val="FFFFFF"/>
                 </a:solidFill>
-                <a:latin typeface="Adobe Clean"/>
+                <a:latin typeface="Adobe Clean Han Regular" panose="020B0500000000000000" pitchFamily="34" charset="-128"/>
+                <a:ea typeface="Adobe Clean Han Regular" panose="020B0500000000000000" pitchFamily="34" charset="-128"/>
                 <a:cs typeface="Adobe Clean"/>
               </a:rPr>
-              <a:t>r</a:t>
-            </a:r>
-            <a:r>
-              <a:rPr sz="1200" b="1" spc="-90" dirty="0">
-                <a:solidFill>
-                  <a:srgbClr val="FFFFFF"/>
-                </a:solidFill>
-                <a:latin typeface="Adobe Clean"/>
-                <a:cs typeface="Adobe Clean"/>
-              </a:rPr>
-              <a:t>a</a:t>
-            </a:r>
-            <a:r>
-              <a:rPr sz="1200" b="1" spc="-55" dirty="0">
-                <a:solidFill>
-                  <a:srgbClr val="FFFFFF"/>
-                </a:solidFill>
-                <a:latin typeface="Adobe Clean"/>
-                <a:cs typeface="Adobe Clean"/>
-              </a:rPr>
-              <a:t>t</a:t>
-            </a:r>
-            <a:r>
-              <a:rPr sz="1200" b="1" spc="-100" dirty="0">
-                <a:solidFill>
-                  <a:srgbClr val="FFFFFF"/>
-                </a:solidFill>
-                <a:latin typeface="Adobe Clean"/>
-                <a:cs typeface="Adobe Clean"/>
-              </a:rPr>
-              <a:t>e</a:t>
-            </a:r>
-            <a:r>
-              <a:rPr sz="1200" b="1" spc="-80" dirty="0">
-                <a:solidFill>
-                  <a:srgbClr val="FFFFFF"/>
-                </a:solidFill>
-                <a:latin typeface="Adobe Clean"/>
-                <a:cs typeface="Adobe Clean"/>
-              </a:rPr>
-              <a:t>g</a:t>
-            </a:r>
-            <a:r>
-              <a:rPr sz="1200" b="1" spc="-35" dirty="0">
-                <a:solidFill>
-                  <a:srgbClr val="FFFFFF"/>
-                </a:solidFill>
-                <a:latin typeface="Adobe Clean"/>
-                <a:cs typeface="Adobe Clean"/>
-              </a:rPr>
-              <a:t>i</a:t>
-            </a:r>
-            <a:r>
-              <a:rPr sz="1200" b="1" dirty="0">
-                <a:solidFill>
-                  <a:srgbClr val="FFFFFF"/>
-                </a:solidFill>
-                <a:latin typeface="Adobe Clean"/>
-                <a:cs typeface="Adobe Clean"/>
-              </a:rPr>
-              <a:t>c  </a:t>
-            </a:r>
-            <a:r>
-              <a:rPr sz="1200" b="1" spc="-45" dirty="0">
-                <a:solidFill>
-                  <a:srgbClr val="FFFFFF"/>
-                </a:solidFill>
-                <a:latin typeface="Adobe Clean"/>
-                <a:cs typeface="Adobe Clean"/>
-              </a:rPr>
-              <a:t>Advice</a:t>
-            </a:r>
-            <a:endParaRPr sz="1200" dirty="0">
-              <a:latin typeface="Adobe Clean"/>
-              <a:cs typeface="Adobe Clean"/>
-            </a:endParaRPr>
+              <a:t>アドバイス</a:t>
+            </a:r>
           </a:p>
         </p:txBody>
       </p:sp>
@@ -17809,14 +14584,14 @@
           <p:nvPr>
             <p:extLst>
               <p:ext uri="{D42A27DB-BD31-4B8C-83A1-F6EECF244321}">
-                <p14:modId xmlns:p14="http://schemas.microsoft.com/office/powerpoint/2010/main" val="1493671087"/>
+                <p14:modId xmlns:p14="http://schemas.microsoft.com/office/powerpoint/2010/main" val="1024323629"/>
               </p:ext>
             </p:extLst>
           </p:nvPr>
         </p:nvGraphicFramePr>
         <p:xfrm>
           <a:off x="194236" y="1059345"/>
-          <a:ext cx="7368291" cy="3235960"/>
+          <a:ext cx="7368291" cy="3388360"/>
         </p:xfrm>
         <a:graphic>
           <a:graphicData uri="http://schemas.openxmlformats.org/drawingml/2006/table">
@@ -17847,25 +14622,17 @@
                     <a:lstStyle/>
                     <a:p>
                       <a:r>
-                        <a:rPr lang="en-US" sz="1100" b="0" dirty="0">
+                        <a:rPr lang="ja-JP" sz="1100" b="0" dirty="0">
                           <a:solidFill>
                             <a:schemeClr val="tx1"/>
                           </a:solidFill>
-                          <a:latin typeface="Adobe Clean" panose="020B0503020404020204" pitchFamily="34" charset="0"/>
-                          <a:ea typeface="+mn-ea"/>
+                          <a:latin typeface="Adobe Clean Han Regular" panose="020B0500000000000000" pitchFamily="34" charset="-128"/>
+                          <a:ea typeface="Adobe Clean Han Regular" panose="020B0500000000000000" pitchFamily="34" charset="-128"/>
                           <a:cs typeface="+mn-cs"/>
                           <a:hlinkClick r:id="rId7"/>
                         </a:rPr>
                         <a:t>Experience League</a:t>
                       </a:r>
-                      <a:endParaRPr lang="en-US" sz="1100" b="0" dirty="0">
-                        <a:solidFill>
-                          <a:schemeClr val="tx1"/>
-                        </a:solidFill>
-                        <a:latin typeface="Adobe Clean" panose="020B0503020404020204" pitchFamily="34" charset="0"/>
-                        <a:ea typeface="+mn-ea"/>
-                        <a:cs typeface="+mn-cs"/>
-                      </a:endParaRPr>
                     </a:p>
                   </a:txBody>
                   <a:tcPr marL="47625" marR="47625" marT="0" marB="0" anchor="ctr">
@@ -17939,15 +14706,15 @@
                         <a:defRPr/>
                       </a:pPr>
                       <a:r>
-                        <a:rPr lang="en-US" sz="1000" b="0" kern="1200" dirty="0">
+                        <a:rPr lang="ja-JP" sz="1000" b="0">
                           <a:solidFill>
                             <a:srgbClr val="000000"/>
                           </a:solidFill>
-                          <a:latin typeface="Adobe Clean Light" panose="020B0303020404020204" pitchFamily="34" charset="0"/>
-                          <a:ea typeface="+mn-ea"/>
+                          <a:latin typeface="Adobe Clean Han Regular" panose="020B0500000000000000" pitchFamily="34" charset="-128"/>
+                          <a:ea typeface="Adobe Clean Han Regular" panose="020B0500000000000000" pitchFamily="34" charset="-128"/>
                           <a:cs typeface="+mn-cs"/>
                         </a:rPr>
-                        <a:t>Experience League is how Adobe helps businesses achieve the value they expect from their Adobe investment. It’s the unified place where customers can learn, connect, and grow along a personalized path to success that includes self-help tutorials, product documentation, instructor-led training, community and technical support. </a:t>
+                        <a:t>Experience League では、アドビへの投資に対して企業が期待している価値を実現するための支援を行います。セルフサービスのチュートリアル、製品ドキュメント、講師によるトレーニング、コミュニティ、テクニカルサポートなど、パーソナライズされた成功への道筋に沿って、お客様が学習し、繋がり、成長できる、統合された場所です。 </a:t>
                       </a:r>
                     </a:p>
                   </a:txBody>
@@ -18029,39 +14796,28 @@
                         <a:defRPr/>
                       </a:pPr>
                       <a:r>
-                        <a:rPr lang="en-US" sz="1100" dirty="0">
+                        <a:rPr lang="ja-JP" sz="1100">
                           <a:solidFill>
                             <a:schemeClr val="dk1"/>
                           </a:solidFill>
-                          <a:effectLst/>
-                          <a:latin typeface="Adobe Clean" panose="020B0503020404020204" pitchFamily="34" charset="0"/>
-                          <a:ea typeface="+mn-ea"/>
+                          <a:latin typeface="Adobe Clean Han Regular" panose="020B0500000000000000" pitchFamily="34" charset="-128"/>
+                          <a:ea typeface="Adobe Clean Han Regular" panose="020B0500000000000000" pitchFamily="34" charset="-128"/>
                           <a:cs typeface="+mn-cs"/>
                           <a:hlinkClick r:id="rId8"/>
                         </a:rPr>
-                        <a:t>Training</a:t>
+                        <a:t>トレーニング</a:t>
                       </a:r>
                       <a:r>
-                        <a:rPr lang="en-US" sz="1100" dirty="0">
+                        <a:rPr lang="ja-JP" sz="1100">
                           <a:solidFill>
                             <a:schemeClr val="dk1"/>
                           </a:solidFill>
-                          <a:effectLst/>
-                          <a:latin typeface="Adobe Clean" panose="020B0503020404020204" pitchFamily="34" charset="0"/>
-                          <a:ea typeface="+mn-ea"/>
+                          <a:latin typeface="Adobe Clean Han Regular" panose="020B0500000000000000" pitchFamily="34" charset="-128"/>
+                          <a:ea typeface="Adobe Clean Han Regular" panose="020B0500000000000000" pitchFamily="34" charset="-128"/>
                           <a:cs typeface="+mn-cs"/>
                         </a:rPr>
                         <a:t> </a:t>
                       </a:r>
-                      <a:endParaRPr lang="en-US" sz="1100" dirty="0">
-                        <a:solidFill>
-                          <a:schemeClr val="tx1"/>
-                        </a:solidFill>
-                        <a:effectLst/>
-                        <a:latin typeface="Adobe Clean" panose="020B0503020404020204" pitchFamily="34" charset="0"/>
-                        <a:ea typeface="+mn-ea"/>
-                        <a:cs typeface="+mn-cs"/>
-                      </a:endParaRPr>
                     </a:p>
                   </a:txBody>
                   <a:tcPr anchor="ctr">
@@ -18135,15 +14891,15 @@
                         <a:defRPr/>
                       </a:pPr>
                       <a:r>
-                        <a:rPr lang="en-US" sz="1000" kern="1200" dirty="0">
+                        <a:rPr lang="ja-JP" sz="1000" dirty="0">
                           <a:solidFill>
                             <a:srgbClr val="000000"/>
                           </a:solidFill>
-                          <a:latin typeface="Adobe Clean Light" panose="020B0303020404020204" pitchFamily="34" charset="0"/>
-                          <a:ea typeface="+mn-ea"/>
+                          <a:latin typeface="Adobe Clean Han Regular" panose="020B0500000000000000" pitchFamily="34" charset="-128"/>
+                          <a:ea typeface="Adobe Clean Han Regular" panose="020B0500000000000000" pitchFamily="34" charset="-128"/>
                           <a:cs typeface="+mn-cs"/>
                         </a:rPr>
-                        <a:t>Adobe Digital Learning Services courses are accessible from Experience League. Learning courses integrate both on-demand and instructor-led lessons.  Here you can accrue skills that have recognized market value and position them to drive success in your organizations.</a:t>
+                        <a:t>Adobe Digital Learning Services のコースには、Experience League からアクセスできます。ラーニングコースは、オンデマンドレッスンと講師によるレッスンが統合されています。  市場価値が認められたスキルを習得し、組織での成功を促進するために活用できます。</a:t>
                       </a:r>
                     </a:p>
                   </a:txBody>
@@ -18225,27 +14981,17 @@
                         <a:defRPr/>
                       </a:pPr>
                       <a:r>
-                        <a:rPr lang="en-US" sz="1100" dirty="0">
+                        <a:rPr lang="ja-JP" sz="1100">
                           <a:solidFill>
                             <a:schemeClr val="tx1"/>
                           </a:solidFill>
-                          <a:effectLst/>
-                          <a:latin typeface="Adobe Clean" panose="020B0503020404020204" pitchFamily="34" charset="0"/>
-                          <a:ea typeface="+mn-ea"/>
+                          <a:latin typeface="Adobe Clean Han Regular" panose="020B0500000000000000" pitchFamily="34" charset="-128"/>
+                          <a:ea typeface="Adobe Clean Han Regular" panose="020B0500000000000000" pitchFamily="34" charset="-128"/>
                           <a:cs typeface="+mn-cs"/>
                           <a:hlinkClick r:id="rId9"/>
                         </a:rPr>
-                        <a:t>Production Issues &amp; System Outages</a:t>
+                        <a:t>本番環境の問題とシステム障害</a:t>
                       </a:r>
-                      <a:endParaRPr lang="en-US" sz="1100" dirty="0">
-                        <a:solidFill>
-                          <a:schemeClr val="tx1"/>
-                        </a:solidFill>
-                        <a:effectLst/>
-                        <a:latin typeface="Adobe Clean" panose="020B0503020404020204" pitchFamily="34" charset="0"/>
-                        <a:ea typeface="+mn-ea"/>
-                        <a:cs typeface="+mn-cs"/>
-                      </a:endParaRPr>
                     </a:p>
                   </a:txBody>
                   <a:tcPr anchor="ctr">
@@ -18319,15 +15065,15 @@
                         <a:defRPr/>
                       </a:pPr>
                       <a:r>
-                        <a:rPr lang="en-US" sz="1000" kern="1200" dirty="0">
+                        <a:rPr lang="ja-JP" sz="1000" dirty="0">
                           <a:solidFill>
                             <a:srgbClr val="000000"/>
                           </a:solidFill>
-                          <a:latin typeface="Adobe Clean Light" panose="020B0303020404020204" pitchFamily="34" charset="0"/>
-                          <a:ea typeface="+mn-ea"/>
+                          <a:latin typeface="Adobe Clean Han Regular" panose="020B0500000000000000" pitchFamily="34" charset="-128"/>
+                          <a:ea typeface="Adobe Clean Han Regular" panose="020B0500000000000000" pitchFamily="34" charset="-128"/>
                           <a:cs typeface="+mn-cs"/>
                         </a:rPr>
-                        <a:t>Status.adobe.com conveys the health information of all Adobe products and services that are deployed in multi-tenant environments. Customers can choose their subscription preferences to get email notifications whenever Adobe creates, updates or resolves a product event. This can include scheduled maintenance or service issues of varying levels of severity. </a:t>
+                        <a:t>status.adobe.com では、マルチテナント環境にデプロイされたすべてのアドビ製品およびサービスのシステムステータス情報が表示されます。お客様は、アドビが製品イベントを作成、更新、解決した際に電子メール通知を受け取るようサブスクリプション設定を選択できます。イベントには、定期的なメンテナンスや、様々な重大度レベルの問題が含まれています。 </a:t>
                       </a:r>
                     </a:p>
                   </a:txBody>
@@ -18409,27 +15155,17 @@
                         <a:defRPr/>
                       </a:pPr>
                       <a:r>
-                        <a:rPr lang="en-US" sz="1100" dirty="0">
+                        <a:rPr lang="ja-JP" sz="1100">
                           <a:solidFill>
                             <a:schemeClr val="tx1"/>
                           </a:solidFill>
-                          <a:effectLst/>
-                          <a:latin typeface="Adobe Clean" panose="020B0503020404020204" pitchFamily="34" charset="0"/>
-                          <a:ea typeface="+mn-ea"/>
+                          <a:latin typeface="Adobe Clean Han Regular" panose="020B0500000000000000" pitchFamily="34" charset="-128"/>
+                          <a:ea typeface="Adobe Clean Han Regular" panose="020B0500000000000000" pitchFamily="34" charset="-128"/>
                           <a:cs typeface="+mn-cs"/>
                           <a:hlinkClick r:id="rId10"/>
                         </a:rPr>
-                        <a:t>Terms and Conditions</a:t>
+                        <a:t>利用規約</a:t>
                       </a:r>
-                      <a:endParaRPr lang="en-US" sz="1100" dirty="0">
-                        <a:solidFill>
-                          <a:schemeClr val="tx1"/>
-                        </a:solidFill>
-                        <a:effectLst/>
-                        <a:latin typeface="Adobe Clean" panose="020B0503020404020204" pitchFamily="34" charset="0"/>
-                        <a:ea typeface="+mn-ea"/>
-                        <a:cs typeface="+mn-cs"/>
-                      </a:endParaRPr>
                     </a:p>
                   </a:txBody>
                   <a:tcPr anchor="ctr">
@@ -18486,15 +15222,15 @@
                     <a:lstStyle/>
                     <a:p>
                       <a:r>
-                        <a:rPr lang="en-US" sz="1000" kern="1200" dirty="0">
+                        <a:rPr lang="ja-JP" sz="1000" dirty="0">
                           <a:solidFill>
                             <a:srgbClr val="000000"/>
                           </a:solidFill>
-                          <a:latin typeface="Adobe Clean Light" panose="020B0303020404020204" pitchFamily="34" charset="0"/>
-                          <a:ea typeface="+mn-ea"/>
+                          <a:latin typeface="Adobe Clean Han Regular" panose="020B0500000000000000" pitchFamily="34" charset="-128"/>
+                          <a:ea typeface="Adobe Clean Han Regular" panose="020B0500000000000000" pitchFamily="34" charset="-128"/>
                           <a:cs typeface="+mn-cs"/>
                         </a:rPr>
-                        <a:t>Terms and conditions detailing Support Services offerings</a:t>
+                        <a:t>提供するサポートサービスについて詳しく説明されています。</a:t>
                       </a:r>
                     </a:p>
                   </a:txBody>
@@ -18730,71 +15466,13 @@
     <a:fontScheme name="Office">
       <a:majorFont>
         <a:latin typeface="Calibri"/>
-        <a:ea typeface=""/>
+        <a:ea typeface="MS Mincho"/>
         <a:cs typeface=""/>
-        <a:font script="Jpan" typeface="ＭＳ Ｐゴシック"/>
-        <a:font script="Hang" typeface="맑은 고딕"/>
-        <a:font script="Hans" typeface="宋体"/>
-        <a:font script="Hant" typeface="新細明體"/>
-        <a:font script="Arab" typeface="Times New Roman"/>
-        <a:font script="Hebr" typeface="Times New Roman"/>
-        <a:font script="Thai" typeface="Angsana New"/>
-        <a:font script="Ethi" typeface="Nyala"/>
-        <a:font script="Beng" typeface="Vrinda"/>
-        <a:font script="Gujr" typeface="Shruti"/>
-        <a:font script="Khmr" typeface="MoolBoran"/>
-        <a:font script="Knda" typeface="Tunga"/>
-        <a:font script="Guru" typeface="Raavi"/>
-        <a:font script="Cans" typeface="Euphemia"/>
-        <a:font script="Cher" typeface="Plantagenet Cherokee"/>
-        <a:font script="Yiii" typeface="Microsoft Yi Baiti"/>
-        <a:font script="Tibt" typeface="Microsoft Himalaya"/>
-        <a:font script="Thaa" typeface="MV Boli"/>
-        <a:font script="Deva" typeface="Mangal"/>
-        <a:font script="Telu" typeface="Gautami"/>
-        <a:font script="Taml" typeface="Latha"/>
-        <a:font script="Syrc" typeface="Estrangelo Edessa"/>
-        <a:font script="Orya" typeface="Kalinga"/>
-        <a:font script="Mlym" typeface="Kartika"/>
-        <a:font script="Laoo" typeface="DokChampa"/>
-        <a:font script="Sinh" typeface="Iskoola Pota"/>
-        <a:font script="Mong" typeface="Mongolian Baiti"/>
-        <a:font script="Viet" typeface="Times New Roman"/>
-        <a:font script="Uigh" typeface="Microsoft Uighur"/>
       </a:majorFont>
       <a:minorFont>
         <a:latin typeface="Calibri"/>
-        <a:ea typeface=""/>
+        <a:ea typeface="MS Mincho"/>
         <a:cs typeface=""/>
-        <a:font script="Jpan" typeface="ＭＳ Ｐゴシック"/>
-        <a:font script="Hang" typeface="맑은 고딕"/>
-        <a:font script="Hans" typeface="宋体"/>
-        <a:font script="Hant" typeface="新細明體"/>
-        <a:font script="Arab" typeface="Arial"/>
-        <a:font script="Hebr" typeface="Arial"/>
-        <a:font script="Thai" typeface="Cordia New"/>
-        <a:font script="Ethi" typeface="Nyala"/>
-        <a:font script="Beng" typeface="Vrinda"/>
-        <a:font script="Gujr" typeface="Shruti"/>
-        <a:font script="Khmr" typeface="DaunPenh"/>
-        <a:font script="Knda" typeface="Tunga"/>
-        <a:font script="Guru" typeface="Raavi"/>
-        <a:font script="Cans" typeface="Euphemia"/>
-        <a:font script="Cher" typeface="Plantagenet Cherokee"/>
-        <a:font script="Yiii" typeface="Microsoft Yi Baiti"/>
-        <a:font script="Tibt" typeface="Microsoft Himalaya"/>
-        <a:font script="Thaa" typeface="MV Boli"/>
-        <a:font script="Deva" typeface="Mangal"/>
-        <a:font script="Telu" typeface="Gautami"/>
-        <a:font script="Taml" typeface="Latha"/>
-        <a:font script="Syrc" typeface="Estrangelo Edessa"/>
-        <a:font script="Orya" typeface="Kalinga"/>
-        <a:font script="Mlym" typeface="Kartika"/>
-        <a:font script="Laoo" typeface="DokChampa"/>
-        <a:font script="Sinh" typeface="Iskoola Pota"/>
-        <a:font script="Mong" typeface="Mongolian Baiti"/>
-        <a:font script="Viet" typeface="Arial"/>
-        <a:font script="Uigh" typeface="Microsoft Uighur"/>
       </a:minorFont>
     </a:fontScheme>
     <a:fmtScheme name="Office">
@@ -19013,107 +15691,13 @@
     <a:fontScheme name="Office">
       <a:majorFont>
         <a:latin typeface="Calibri Light" panose="020F0302020204030204"/>
-        <a:ea typeface=""/>
+        <a:ea typeface="MS Mincho"/>
         <a:cs typeface=""/>
-        <a:font script="Jpan" typeface="游ゴシック Light"/>
-        <a:font script="Hang" typeface="맑은 고딕"/>
-        <a:font script="Hans" typeface="等线 Light"/>
-        <a:font script="Hant" typeface="新細明體"/>
-        <a:font script="Arab" typeface="Times New Roman"/>
-        <a:font script="Hebr" typeface="Times New Roman"/>
-        <a:font script="Thai" typeface="Angsana New"/>
-        <a:font script="Ethi" typeface="Nyala"/>
-        <a:font script="Beng" typeface="Vrinda"/>
-        <a:font script="Gujr" typeface="Shruti"/>
-        <a:font script="Khmr" typeface="MoolBoran"/>
-        <a:font script="Knda" typeface="Tunga"/>
-        <a:font script="Guru" typeface="Raavi"/>
-        <a:font script="Cans" typeface="Euphemia"/>
-        <a:font script="Cher" typeface="Plantagenet Cherokee"/>
-        <a:font script="Yiii" typeface="Microsoft Yi Baiti"/>
-        <a:font script="Tibt" typeface="Microsoft Himalaya"/>
-        <a:font script="Thaa" typeface="MV Boli"/>
-        <a:font script="Deva" typeface="Mangal"/>
-        <a:font script="Telu" typeface="Gautami"/>
-        <a:font script="Taml" typeface="Latha"/>
-        <a:font script="Syrc" typeface="Estrangelo Edessa"/>
-        <a:font script="Orya" typeface="Kalinga"/>
-        <a:font script="Mlym" typeface="Kartika"/>
-        <a:font script="Laoo" typeface="DokChampa"/>
-        <a:font script="Sinh" typeface="Iskoola Pota"/>
-        <a:font script="Mong" typeface="Mongolian Baiti"/>
-        <a:font script="Viet" typeface="Times New Roman"/>
-        <a:font script="Uigh" typeface="Microsoft Uighur"/>
-        <a:font script="Geor" typeface="Sylfaen"/>
-        <a:font script="Armn" typeface="Arial"/>
-        <a:font script="Bugi" typeface="Leelawadee UI"/>
-        <a:font script="Bopo" typeface="Microsoft JhengHei"/>
-        <a:font script="Java" typeface="Javanese Text"/>
-        <a:font script="Lisu" typeface="Segoe UI"/>
-        <a:font script="Mymr" typeface="Myanmar Text"/>
-        <a:font script="Nkoo" typeface="Ebrima"/>
-        <a:font script="Olck" typeface="Nirmala UI"/>
-        <a:font script="Osma" typeface="Ebrima"/>
-        <a:font script="Phag" typeface="Phagspa"/>
-        <a:font script="Syrn" typeface="Estrangelo Edessa"/>
-        <a:font script="Syrj" typeface="Estrangelo Edessa"/>
-        <a:font script="Syre" typeface="Estrangelo Edessa"/>
-        <a:font script="Sora" typeface="Nirmala UI"/>
-        <a:font script="Tale" typeface="Microsoft Tai Le"/>
-        <a:font script="Talu" typeface="Microsoft New Tai Lue"/>
-        <a:font script="Tfng" typeface="Ebrima"/>
       </a:majorFont>
       <a:minorFont>
         <a:latin typeface="Calibri" panose="020F0502020204030204"/>
-        <a:ea typeface=""/>
+        <a:ea typeface="MS Mincho"/>
         <a:cs typeface=""/>
-        <a:font script="Jpan" typeface="游ゴシック"/>
-        <a:font script="Hang" typeface="맑은 고딕"/>
-        <a:font script="Hans" typeface="等线"/>
-        <a:font script="Hant" typeface="新細明體"/>
-        <a:font script="Arab" typeface="Arial"/>
-        <a:font script="Hebr" typeface="Arial"/>
-        <a:font script="Thai" typeface="Cordia New"/>
-        <a:font script="Ethi" typeface="Nyala"/>
-        <a:font script="Beng" typeface="Vrinda"/>
-        <a:font script="Gujr" typeface="Shruti"/>
-        <a:font script="Khmr" typeface="DaunPenh"/>
-        <a:font script="Knda" typeface="Tunga"/>
-        <a:font script="Guru" typeface="Raavi"/>
-        <a:font script="Cans" typeface="Euphemia"/>
-        <a:font script="Cher" typeface="Plantagenet Cherokee"/>
-        <a:font script="Yiii" typeface="Microsoft Yi Baiti"/>
-        <a:font script="Tibt" typeface="Microsoft Himalaya"/>
-        <a:font script="Thaa" typeface="MV Boli"/>
-        <a:font script="Deva" typeface="Mangal"/>
-        <a:font script="Telu" typeface="Gautami"/>
-        <a:font script="Taml" typeface="Latha"/>
-        <a:font script="Syrc" typeface="Estrangelo Edessa"/>
-        <a:font script="Orya" typeface="Kalinga"/>
-        <a:font script="Mlym" typeface="Kartika"/>
-        <a:font script="Laoo" typeface="DokChampa"/>
-        <a:font script="Sinh" typeface="Iskoola Pota"/>
-        <a:font script="Mong" typeface="Mongolian Baiti"/>
-        <a:font script="Viet" typeface="Arial"/>
-        <a:font script="Uigh" typeface="Microsoft Uighur"/>
-        <a:font script="Geor" typeface="Sylfaen"/>
-        <a:font script="Armn" typeface="Arial"/>
-        <a:font script="Bugi" typeface="Leelawadee UI"/>
-        <a:font script="Bopo" typeface="Microsoft JhengHei"/>
-        <a:font script="Java" typeface="Javanese Text"/>
-        <a:font script="Lisu" typeface="Segoe UI"/>
-        <a:font script="Mymr" typeface="Myanmar Text"/>
-        <a:font script="Nkoo" typeface="Ebrima"/>
-        <a:font script="Olck" typeface="Nirmala UI"/>
-        <a:font script="Osma" typeface="Ebrima"/>
-        <a:font script="Phag" typeface="Phagspa"/>
-        <a:font script="Syrn" typeface="Estrangelo Edessa"/>
-        <a:font script="Syrj" typeface="Estrangelo Edessa"/>
-        <a:font script="Syre" typeface="Estrangelo Edessa"/>
-        <a:font script="Sora" typeface="Nirmala UI"/>
-        <a:font script="Tale" typeface="Microsoft Tai Le"/>
-        <a:font script="Talu" typeface="Microsoft New Tai Lue"/>
-        <a:font script="Tfng" typeface="Ebrima"/>
       </a:minorFont>
     </a:fontScheme>
     <a:fmtScheme name="Office">
@@ -19265,6 +15849,21 @@
 </file>
 
 <file path=customXml/item1.xml><?xml version="1.0" encoding="utf-8"?>
+<?mso-contentType ?>
+<FormTemplates xmlns="http://schemas.microsoft.com/sharepoint/v3/contenttype/forms">
+  <Display>DocumentLibraryForm</Display>
+  <Edit>DocumentLibraryForm</Edit>
+  <New>DocumentLibraryForm</New>
+</FormTemplates>
+</file>
+
+<file path=customXml/item2.xml><?xml version="1.0" encoding="utf-8"?>
+<p:properties xmlns:p="http://schemas.microsoft.com/office/2006/metadata/properties" xmlns:xsi="http://www.w3.org/2001/XMLSchema-instance" xmlns:pc="http://schemas.microsoft.com/office/infopath/2007/PartnerControls">
+  <documentManagement/>
+</p:properties>
+</file>
+
+<file path=customXml/item3.xml><?xml version="1.0" encoding="utf-8"?>
 <ct:contentTypeSchema xmlns:ct="http://schemas.microsoft.com/office/2006/metadata/contentType" xmlns:ma="http://schemas.microsoft.com/office/2006/metadata/properties/metaAttributes" ct:_="" ma:_="" ma:contentTypeName="Document" ma:contentTypeID="0x010100E783BF6876BCC646A459363AF21A7736" ma:contentTypeVersion="10" ma:contentTypeDescription="Create a new document." ma:contentTypeScope="" ma:versionID="c4ffda7f4f415767600769e454c2ea87">
   <xsd:schema xmlns:xsd="http://www.w3.org/2001/XMLSchema" xmlns:xs="http://www.w3.org/2001/XMLSchema" xmlns:p="http://schemas.microsoft.com/office/2006/metadata/properties" xmlns:ns2="8a053bff-88be-49e4-9a87-e748e18b8b62" xmlns:ns3="6c8368ec-3776-49b5-a5bb-90648cf9530f" targetNamespace="http://schemas.microsoft.com/office/2006/metadata/properties" ma:root="true" ma:fieldsID="df3ec33bccc23e23bce7bc897fad43d1" ns2:_="" ns3:_="">
     <xsd:import namespace="8a053bff-88be-49e4-9a87-e748e18b8b62"/>
@@ -19469,22 +16068,24 @@
 </ct:contentTypeSchema>
 </file>
 
-<file path=customXml/item2.xml><?xml version="1.0" encoding="utf-8"?>
-<?mso-contentType ?>
-<FormTemplates xmlns="http://schemas.microsoft.com/sharepoint/v3/contenttype/forms">
-  <Display>DocumentLibraryForm</Display>
-  <Edit>DocumentLibraryForm</Edit>
-  <New>DocumentLibraryForm</New>
-</FormTemplates>
+<file path=customXml/itemProps1.xml><?xml version="1.0" encoding="utf-8"?>
+<ds:datastoreItem xmlns:ds="http://schemas.openxmlformats.org/officeDocument/2006/customXml" ds:itemID="{669D9D3B-3229-44EE-9964-24A06AE66887}">
+  <ds:schemaRefs>
+    <ds:schemaRef ds:uri="http://schemas.microsoft.com/sharepoint/v3/contenttype/forms"/>
+  </ds:schemaRefs>
+</ds:datastoreItem>
 </file>
 
-<file path=customXml/item3.xml><?xml version="1.0" encoding="utf-8"?>
-<p:properties xmlns:p="http://schemas.microsoft.com/office/2006/metadata/properties" xmlns:xsi="http://www.w3.org/2001/XMLSchema-instance" xmlns:pc="http://schemas.microsoft.com/office/infopath/2007/PartnerControls">
-  <documentManagement/>
-</p:properties>
+<file path=customXml/itemProps2.xml><?xml version="1.0" encoding="utf-8"?>
+<ds:datastoreItem xmlns:ds="http://schemas.openxmlformats.org/officeDocument/2006/customXml" ds:itemID="{CED41536-010B-47B1-9229-B72BE4090090}">
+  <ds:schemaRefs>
+    <ds:schemaRef ds:uri="http://schemas.microsoft.com/office/2006/metadata/properties"/>
+    <ds:schemaRef ds:uri="http://schemas.microsoft.com/office/infopath/2007/PartnerControls"/>
+  </ds:schemaRefs>
+</ds:datastoreItem>
 </file>
 
-<file path=customXml/itemProps1.xml><?xml version="1.0" encoding="utf-8"?>
+<file path=customXml/itemProps3.xml><?xml version="1.0" encoding="utf-8"?>
 <ds:datastoreItem xmlns:ds="http://schemas.openxmlformats.org/officeDocument/2006/customXml" ds:itemID="{75C1A8FD-3884-41A0-BE37-D15776C885D1}">
   <ds:schemaRefs>
     <ds:schemaRef ds:uri="http://schemas.microsoft.com/office/2006/metadata/contentType"/>
@@ -19501,21 +16102,4 @@
     <ds:schemaRef ds:uri="http://schemas.microsoft.com/internal/obd"/>
   </ds:schemaRefs>
 </ds:datastoreItem>
-</file>
-
-<file path=customXml/itemProps2.xml><?xml version="1.0" encoding="utf-8"?>
-<ds:datastoreItem xmlns:ds="http://schemas.openxmlformats.org/officeDocument/2006/customXml" ds:itemID="{669D9D3B-3229-44EE-9964-24A06AE66887}">
-  <ds:schemaRefs>
-    <ds:schemaRef ds:uri="http://schemas.microsoft.com/sharepoint/v3/contenttype/forms"/>
-  </ds:schemaRefs>
-</ds:datastoreItem>
-</file>
-
-<file path=customXml/itemProps3.xml><?xml version="1.0" encoding="utf-8"?>
-<ds:datastoreItem xmlns:ds="http://schemas.openxmlformats.org/officeDocument/2006/customXml" ds:itemID="{CED41536-010B-47B1-9229-B72BE4090090}">
-  <ds:schemaRefs>
-    <ds:schemaRef ds:uri="http://schemas.microsoft.com/office/2006/metadata/properties"/>
-    <ds:schemaRef ds:uri="http://schemas.microsoft.com/office/infopath/2007/PartnerControls"/>
-  </ds:schemaRefs>
-</ds:datastoreItem>
 </file>
--- a/help/data-sheets/assets/EliteSupportDatasheet.pptx
+++ b/help/data-sheets/assets/EliteSupportDatasheet.pptx
@@ -151,9 +151,7 @@
 <file path=ppt/revisionInfo.xml><?xml version="1.0" encoding="utf-8"?>
 <p1510:revInfo xmlns:a="http://schemas.openxmlformats.org/drawingml/2006/main" xmlns:r="http://schemas.openxmlformats.org/officeDocument/2006/relationships" xmlns:p1510="http://schemas.microsoft.com/office/powerpoint/2015/10/main">
   <p1510:revLst>
-    <p1510:client id="{306579C9-8574-E621-57BF-C5D6F4C605CC}" v="6" dt="2021-09-22T22:58:26.163"/>
-    <p1510:client id="{86768B6F-E5DF-274A-B928-9320E1DF9962}" v="132" dt="2021-08-07T02:18:13.925"/>
-    <p1510:client id="{8C285145-5FF7-2B49-D44C-ABA3390CC068}" v="48" dt="2021-09-22T19:02:31.738"/>
+    <p1510:client id="{0BC4D7A0-4BBD-1B49-BE14-170949F0EA37}" v="4" dt="2021-10-13T19:10:14.670"/>
   </p1510:revLst>
 </p1510:revInfo>
 </file>
@@ -161,58 +159,26 @@
 <file path=ppt/changesInfos/changesInfo1.xml><?xml version="1.0" encoding="utf-8"?>
 <pc:chgInfo xmlns:a="http://schemas.openxmlformats.org/drawingml/2006/main" xmlns:r="http://schemas.openxmlformats.org/officeDocument/2006/relationships" xmlns:ac="http://schemas.microsoft.com/office/drawing/2013/main/command" xmlns:pc="http://schemas.microsoft.com/office/powerpoint/2013/main/command">
   <pc:docChgLst>
-    <pc:chgData name="Akilah Johnson" userId="S::akjohnso@adobe.com::2fa3aa60-0c9c-4d06-bae2-795983241227" providerId="AD" clId="Web-{306579C9-8574-E621-57BF-C5D6F4C605CC}"/>
+    <pc:chgData name="Lauren Schutte" userId="6e08b2d3-447a-4d66-86be-444d50df187f" providerId="ADAL" clId="{0BC4D7A0-4BBD-1B49-BE14-170949F0EA37}"/>
     <pc:docChg chg="modSld">
-      <pc:chgData name="Akilah Johnson" userId="S::akjohnso@adobe.com::2fa3aa60-0c9c-4d06-bae2-795983241227" providerId="AD" clId="Web-{306579C9-8574-E621-57BF-C5D6F4C605CC}" dt="2021-09-22T22:58:18.491" v="3"/>
+      <pc:chgData name="Lauren Schutte" userId="6e08b2d3-447a-4d66-86be-444d50df187f" providerId="ADAL" clId="{0BC4D7A0-4BBD-1B49-BE14-170949F0EA37}" dt="2021-10-13T19:10:14.671" v="3" actId="1035"/>
       <pc:docMkLst>
         <pc:docMk/>
       </pc:docMkLst>
-      <pc:sldChg chg="modSp">
-        <pc:chgData name="Akilah Johnson" userId="S::akjohnso@adobe.com::2fa3aa60-0c9c-4d06-bae2-795983241227" providerId="AD" clId="Web-{306579C9-8574-E621-57BF-C5D6F4C605CC}" dt="2021-09-22T22:58:18.491" v="3"/>
+      <pc:sldChg chg="modSp mod">
+        <pc:chgData name="Lauren Schutte" userId="6e08b2d3-447a-4d66-86be-444d50df187f" providerId="ADAL" clId="{0BC4D7A0-4BBD-1B49-BE14-170949F0EA37}" dt="2021-10-13T19:10:14.671" v="3" actId="1035"/>
         <pc:sldMkLst>
           <pc:docMk/>
-          <pc:sldMk cId="1050037809" sldId="261"/>
-        </pc:sldMkLst>
-        <pc:graphicFrameChg chg="mod modGraphic">
-          <ac:chgData name="Akilah Johnson" userId="S::akjohnso@adobe.com::2fa3aa60-0c9c-4d06-bae2-795983241227" providerId="AD" clId="Web-{306579C9-8574-E621-57BF-C5D6F4C605CC}" dt="2021-09-22T22:58:18.491" v="3"/>
-          <ac:graphicFrameMkLst>
-            <pc:docMk/>
-            <pc:sldMk cId="1050037809" sldId="261"/>
-            <ac:graphicFrameMk id="25" creationId="{3A91F5B0-3974-A14D-A146-FB590F2AAD18}"/>
-          </ac:graphicFrameMkLst>
-        </pc:graphicFrameChg>
-      </pc:sldChg>
-    </pc:docChg>
-  </pc:docChgLst>
-  <pc:docChgLst>
-    <pc:chgData name="Akilah Johnson" userId="S::akjohnso@adobe.com::2fa3aa60-0c9c-4d06-bae2-795983241227" providerId="AD" clId="Web-{8C285145-5FF7-2B49-D44C-ABA3390CC068}"/>
-    <pc:docChg chg="modSld">
-      <pc:chgData name="Akilah Johnson" userId="S::akjohnso@adobe.com::2fa3aa60-0c9c-4d06-bae2-795983241227" providerId="AD" clId="Web-{8C285145-5FF7-2B49-D44C-ABA3390CC068}" dt="2021-09-22T19:02:31.738" v="36" actId="1076"/>
-      <pc:docMkLst>
-        <pc:docMk/>
-      </pc:docMkLst>
-      <pc:sldChg chg="modSp">
-        <pc:chgData name="Akilah Johnson" userId="S::akjohnso@adobe.com::2fa3aa60-0c9c-4d06-bae2-795983241227" providerId="AD" clId="Web-{8C285145-5FF7-2B49-D44C-ABA3390CC068}" dt="2021-09-22T19:02:31.738" v="36" actId="1076"/>
-        <pc:sldMkLst>
-          <pc:docMk/>
-          <pc:sldMk cId="1050037809" sldId="261"/>
+          <pc:sldMk cId="0" sldId="256"/>
         </pc:sldMkLst>
         <pc:spChg chg="mod">
-          <ac:chgData name="Akilah Johnson" userId="S::akjohnso@adobe.com::2fa3aa60-0c9c-4d06-bae2-795983241227" providerId="AD" clId="Web-{8C285145-5FF7-2B49-D44C-ABA3390CC068}" dt="2021-09-22T19:02:31.738" v="36" actId="1076"/>
+          <ac:chgData name="Lauren Schutte" userId="6e08b2d3-447a-4d66-86be-444d50df187f" providerId="ADAL" clId="{0BC4D7A0-4BBD-1B49-BE14-170949F0EA37}" dt="2021-10-13T19:10:14.671" v="3" actId="1035"/>
           <ac:spMkLst>
             <pc:docMk/>
-            <pc:sldMk cId="1050037809" sldId="261"/>
-            <ac:spMk id="64" creationId="{41467BDC-3D83-D844-B922-CD07E94E5AAB}"/>
+            <pc:sldMk cId="0" sldId="256"/>
+            <ac:spMk id="4" creationId="{00000000-0000-0000-0000-000000000000}"/>
           </ac:spMkLst>
         </pc:spChg>
-        <pc:graphicFrameChg chg="mod modGraphic">
-          <ac:chgData name="Akilah Johnson" userId="S::akjohnso@adobe.com::2fa3aa60-0c9c-4d06-bae2-795983241227" providerId="AD" clId="Web-{8C285145-5FF7-2B49-D44C-ABA3390CC068}" dt="2021-09-22T18:59:49.504" v="34"/>
-          <ac:graphicFrameMkLst>
-            <pc:docMk/>
-            <pc:sldMk cId="1050037809" sldId="261"/>
-            <ac:graphicFrameMk id="25" creationId="{3A91F5B0-3974-A14D-A146-FB590F2AAD18}"/>
-          </ac:graphicFrameMkLst>
-        </pc:graphicFrameChg>
       </pc:sldChg>
     </pc:docChg>
   </pc:docChgLst>
@@ -301,7 +267,7 @@
           <a:p>
             <a:fld id="{C12E57D6-2086-AA47-A7A4-C0CDE7C14E44}" type="datetimeFigureOut">
               <a:rPr lang="en-US" smtClean="0"/>
-              <a:t>10/1/2021</a:t>
+              <a:t>11/19/2021</a:t>
             </a:fld>
             <a:endParaRPr lang="en-US"/>
           </a:p>
@@ -612,7 +578,7 @@
           <a:bodyPr/>
           <a:lstStyle/>
           <a:p>
-            <a:endParaRPr lang="en-US" dirty="0"/>
+            <a:endParaRPr lang="en-US"/>
           </a:p>
         </p:txBody>
       </p:sp>
@@ -696,7 +662,7 @@
           <a:bodyPr/>
           <a:lstStyle/>
           <a:p>
-            <a:endParaRPr lang="en-US" dirty="0"/>
+            <a:endParaRPr lang="en-US"/>
           </a:p>
         </p:txBody>
       </p:sp>
@@ -875,7 +841,7 @@
           <a:p>
             <a:fld id="{1D8BD707-D9CF-40AE-B4C6-C98DA3205C09}" type="datetimeFigureOut">
               <a:rPr lang="en-US"/>
-              <a:t>10/1/2021</a:t>
+              <a:t>11/19/2021</a:t>
             </a:fld>
             <a:endParaRPr lang="en-US"/>
           </a:p>
@@ -915,7 +881,7 @@
               </a:spcBef>
             </a:pPr>
             <a:r>
-              <a:rPr spc="-5" dirty="0"/>
+              <a:rPr spc="-5"/>
               <a:t>©</a:t>
             </a:r>
             <a:fld id="{81D60167-4931-47E6-BA6A-407CBD079E47}" type="slidenum">
@@ -923,35 +889,35 @@
               <a:t>‹#›</a:t>
             </a:fld>
             <a:r>
-              <a:rPr spc="-5" dirty="0"/>
+              <a:rPr spc="-5"/>
               <a:t> Adobe. All</a:t>
             </a:r>
             <a:r>
-              <a:rPr spc="-15" dirty="0"/>
+              <a:rPr spc="-15"/>
               <a:t> Rights</a:t>
             </a:r>
             <a:r>
-              <a:rPr spc="-10" dirty="0"/>
+              <a:rPr spc="-10"/>
               <a:t> </a:t>
             </a:r>
             <a:r>
-              <a:rPr spc="-15" dirty="0"/>
+              <a:rPr spc="-15"/>
               <a:t>Reserved.</a:t>
             </a:r>
             <a:r>
-              <a:rPr spc="-10" dirty="0"/>
+              <a:rPr spc="-10"/>
               <a:t> </a:t>
             </a:r>
             <a:r>
-              <a:rPr spc="-5" dirty="0"/>
+              <a:rPr spc="-5"/>
               <a:t>Adobe</a:t>
             </a:r>
             <a:r>
-              <a:rPr spc="60" dirty="0"/>
+              <a:rPr spc="60"/>
               <a:t> </a:t>
             </a:r>
             <a:r>
-              <a:rPr spc="-15" dirty="0"/>
+              <a:rPr spc="-15"/>
               <a:t>Confidential.</a:t>
             </a:r>
           </a:p>
@@ -1120,7 +1086,7 @@
           <a:p>
             <a:fld id="{1D8BD707-D9CF-40AE-B4C6-C98DA3205C09}" type="datetimeFigureOut">
               <a:rPr lang="en-US"/>
-              <a:t>10/1/2021</a:t>
+              <a:t>11/19/2021</a:t>
             </a:fld>
             <a:endParaRPr lang="en-US"/>
           </a:p>
@@ -1160,7 +1126,7 @@
               </a:spcBef>
             </a:pPr>
             <a:r>
-              <a:rPr spc="-5" dirty="0"/>
+              <a:rPr spc="-5"/>
               <a:t>©</a:t>
             </a:r>
             <a:fld id="{81D60167-4931-47E6-BA6A-407CBD079E47}" type="slidenum">
@@ -1168,35 +1134,35 @@
               <a:t>‹#›</a:t>
             </a:fld>
             <a:r>
-              <a:rPr spc="-5" dirty="0"/>
+              <a:rPr spc="-5"/>
               <a:t> Adobe. All</a:t>
             </a:r>
             <a:r>
-              <a:rPr spc="-15" dirty="0"/>
+              <a:rPr spc="-15"/>
               <a:t> Rights</a:t>
             </a:r>
             <a:r>
-              <a:rPr spc="-10" dirty="0"/>
+              <a:rPr spc="-10"/>
               <a:t> </a:t>
             </a:r>
             <a:r>
-              <a:rPr spc="-15" dirty="0"/>
+              <a:rPr spc="-15"/>
               <a:t>Reserved.</a:t>
             </a:r>
             <a:r>
-              <a:rPr spc="-10" dirty="0"/>
+              <a:rPr spc="-10"/>
               <a:t> </a:t>
             </a:r>
             <a:r>
-              <a:rPr spc="-5" dirty="0"/>
+              <a:rPr spc="-5"/>
               <a:t>Adobe</a:t>
             </a:r>
             <a:r>
-              <a:rPr spc="60" dirty="0"/>
+              <a:rPr spc="60"/>
               <a:t> </a:t>
             </a:r>
             <a:r>
-              <a:rPr spc="-15" dirty="0"/>
+              <a:rPr spc="-15"/>
               <a:t>Confidential.</a:t>
             </a:r>
           </a:p>
@@ -1378,7 +1344,7 @@
           <a:p>
             <a:fld id="{1D8BD707-D9CF-40AE-B4C6-C98DA3205C09}" type="datetimeFigureOut">
               <a:rPr lang="en-US"/>
-              <a:t>10/1/2021</a:t>
+              <a:t>11/19/2021</a:t>
             </a:fld>
             <a:endParaRPr lang="en-US"/>
           </a:p>
@@ -1418,7 +1384,7 @@
               </a:spcBef>
             </a:pPr>
             <a:r>
-              <a:rPr spc="-5" dirty="0"/>
+              <a:rPr spc="-5"/>
               <a:t>©</a:t>
             </a:r>
             <a:fld id="{81D60167-4931-47E6-BA6A-407CBD079E47}" type="slidenum">
@@ -1426,35 +1392,35 @@
               <a:t>‹#›</a:t>
             </a:fld>
             <a:r>
-              <a:rPr spc="-5" dirty="0"/>
+              <a:rPr spc="-5"/>
               <a:t> Adobe. All</a:t>
             </a:r>
             <a:r>
-              <a:rPr spc="-15" dirty="0"/>
+              <a:rPr spc="-15"/>
               <a:t> Rights</a:t>
             </a:r>
             <a:r>
-              <a:rPr spc="-10" dirty="0"/>
+              <a:rPr spc="-10"/>
               <a:t> </a:t>
             </a:r>
             <a:r>
-              <a:rPr spc="-15" dirty="0"/>
+              <a:rPr spc="-15"/>
               <a:t>Reserved.</a:t>
             </a:r>
             <a:r>
-              <a:rPr spc="-10" dirty="0"/>
+              <a:rPr spc="-10"/>
               <a:t> </a:t>
             </a:r>
             <a:r>
-              <a:rPr spc="-5" dirty="0"/>
+              <a:rPr spc="-5"/>
               <a:t>Adobe</a:t>
             </a:r>
             <a:r>
-              <a:rPr spc="60" dirty="0"/>
+              <a:rPr spc="60"/>
               <a:t> </a:t>
             </a:r>
             <a:r>
-              <a:rPr spc="-15" dirty="0"/>
+              <a:rPr spc="-15"/>
               <a:t>Confidential.</a:t>
             </a:r>
           </a:p>
@@ -1570,7 +1536,7 @@
           <a:p>
             <a:fld id="{1D8BD707-D9CF-40AE-B4C6-C98DA3205C09}" type="datetimeFigureOut">
               <a:rPr lang="en-US"/>
-              <a:t>10/1/2021</a:t>
+              <a:t>11/19/2021</a:t>
             </a:fld>
             <a:endParaRPr lang="en-US"/>
           </a:p>
@@ -1610,7 +1576,7 @@
               </a:spcBef>
             </a:pPr>
             <a:r>
-              <a:rPr spc="-5" dirty="0"/>
+              <a:rPr spc="-5"/>
               <a:t>©</a:t>
             </a:r>
             <a:fld id="{81D60167-4931-47E6-BA6A-407CBD079E47}" type="slidenum">
@@ -1618,35 +1584,35 @@
               <a:t>‹#›</a:t>
             </a:fld>
             <a:r>
-              <a:rPr spc="-5" dirty="0"/>
+              <a:rPr spc="-5"/>
               <a:t> Adobe. All</a:t>
             </a:r>
             <a:r>
-              <a:rPr spc="-15" dirty="0"/>
+              <a:rPr spc="-15"/>
               <a:t> Rights</a:t>
             </a:r>
             <a:r>
-              <a:rPr spc="-10" dirty="0"/>
+              <a:rPr spc="-10"/>
               <a:t> </a:t>
             </a:r>
             <a:r>
-              <a:rPr spc="-15" dirty="0"/>
+              <a:rPr spc="-15"/>
               <a:t>Reserved.</a:t>
             </a:r>
             <a:r>
-              <a:rPr spc="-10" dirty="0"/>
+              <a:rPr spc="-10"/>
               <a:t> </a:t>
             </a:r>
             <a:r>
-              <a:rPr spc="-5" dirty="0"/>
+              <a:rPr spc="-5"/>
               <a:t>Adobe</a:t>
             </a:r>
             <a:r>
-              <a:rPr spc="60" dirty="0"/>
+              <a:rPr spc="60"/>
               <a:t> </a:t>
             </a:r>
             <a:r>
-              <a:rPr spc="-15" dirty="0"/>
+              <a:rPr spc="-15"/>
               <a:t>Confidential.</a:t>
             </a:r>
           </a:p>
@@ -1733,7 +1699,7 @@
           <a:p>
             <a:fld id="{1D8BD707-D9CF-40AE-B4C6-C98DA3205C09}" type="datetimeFigureOut">
               <a:rPr lang="en-US"/>
-              <a:t>10/1/2021</a:t>
+              <a:t>11/19/2021</a:t>
             </a:fld>
             <a:endParaRPr lang="en-US"/>
           </a:p>
@@ -1773,7 +1739,7 @@
               </a:spcBef>
             </a:pPr>
             <a:r>
-              <a:rPr spc="-5" dirty="0"/>
+              <a:rPr spc="-5"/>
               <a:t>©</a:t>
             </a:r>
             <a:fld id="{81D60167-4931-47E6-BA6A-407CBD079E47}" type="slidenum">
@@ -1781,35 +1747,35 @@
               <a:t>‹#›</a:t>
             </a:fld>
             <a:r>
-              <a:rPr spc="-5" dirty="0"/>
+              <a:rPr spc="-5"/>
               <a:t> Adobe. All</a:t>
             </a:r>
             <a:r>
-              <a:rPr spc="-15" dirty="0"/>
+              <a:rPr spc="-15"/>
               <a:t> Rights</a:t>
             </a:r>
             <a:r>
-              <a:rPr spc="-10" dirty="0"/>
+              <a:rPr spc="-10"/>
               <a:t> </a:t>
             </a:r>
             <a:r>
-              <a:rPr spc="-15" dirty="0"/>
+              <a:rPr spc="-15"/>
               <a:t>Reserved.</a:t>
             </a:r>
             <a:r>
-              <a:rPr spc="-10" dirty="0"/>
+              <a:rPr spc="-10"/>
               <a:t> </a:t>
             </a:r>
             <a:r>
-              <a:rPr spc="-5" dirty="0"/>
+              <a:rPr spc="-5"/>
               <a:t>Adobe</a:t>
             </a:r>
             <a:r>
-              <a:rPr spc="60" dirty="0"/>
+              <a:rPr spc="60"/>
               <a:t> </a:t>
             </a:r>
             <a:r>
-              <a:rPr spc="-15" dirty="0"/>
+              <a:rPr spc="-15"/>
               <a:t>Confidential.</a:t>
             </a:r>
           </a:p>
@@ -1996,7 +1962,7 @@
           <a:p>
             <a:fld id="{1D8BD707-D9CF-40AE-B4C6-C98DA3205C09}" type="datetimeFigureOut">
               <a:rPr lang="en-US"/>
-              <a:t>10/1/2021</a:t>
+              <a:t>11/19/2021</a:t>
             </a:fld>
             <a:endParaRPr lang="en-US"/>
           </a:p>
@@ -2046,7 +2012,7 @@
               </a:spcBef>
             </a:pPr>
             <a:r>
-              <a:rPr spc="-5" dirty="0"/>
+              <a:rPr spc="-5"/>
               <a:t>©</a:t>
             </a:r>
             <a:fld id="{81D60167-4931-47E6-BA6A-407CBD079E47}" type="slidenum">
@@ -2054,35 +2020,35 @@
               <a:t>‹#›</a:t>
             </a:fld>
             <a:r>
-              <a:rPr spc="-5" dirty="0"/>
+              <a:rPr spc="-5"/>
               <a:t> Adobe. All</a:t>
             </a:r>
             <a:r>
-              <a:rPr spc="-15" dirty="0"/>
+              <a:rPr spc="-15"/>
               <a:t> Rights</a:t>
             </a:r>
             <a:r>
-              <a:rPr spc="-10" dirty="0"/>
+              <a:rPr spc="-10"/>
               <a:t> </a:t>
             </a:r>
             <a:r>
-              <a:rPr spc="-15" dirty="0"/>
+              <a:rPr spc="-15"/>
               <a:t>Reserved.</a:t>
             </a:r>
             <a:r>
-              <a:rPr spc="-10" dirty="0"/>
+              <a:rPr spc="-10"/>
               <a:t> </a:t>
             </a:r>
             <a:r>
-              <a:rPr spc="-5" dirty="0"/>
+              <a:rPr spc="-5"/>
               <a:t>Adobe</a:t>
             </a:r>
             <a:r>
-              <a:rPr spc="60" dirty="0"/>
+              <a:rPr spc="60"/>
               <a:t> </a:t>
             </a:r>
             <a:r>
-              <a:rPr spc="-15" dirty="0"/>
+              <a:rPr spc="-15"/>
               <a:t>Confidential.</a:t>
             </a:r>
           </a:p>
@@ -2279,25 +2245,22 @@
           </a:prstGeom>
         </p:spPr>
         <p:txBody>
-          <a:bodyPr vert="horz" wrap="square" lIns="0" tIns="12700" rIns="0" bIns="0" rtlCol="0">
+          <a:bodyPr vert="horz" wrap="square" lIns="0" tIns="12700" rIns="0" bIns="0" rtlCol="0" anchor="t">
             <a:spAutoFit/>
           </a:bodyPr>
           <a:lstStyle/>
           <a:p>
             <a:pPr marL="12700">
-              <a:lnSpc>
-                <a:spcPct val="100000"/>
-              </a:lnSpc>
               <a:spcBef>
                 <a:spcPts val="100"/>
               </a:spcBef>
             </a:pPr>
             <a:r>
-              <a:rPr lang="ja-JP" sz="2300">
+              <a:rPr lang="ja-JP" sz="2300" dirty="0">
                 <a:latin typeface="Adobe Clean Han Regular" panose="020B0500000000000000" pitchFamily="34" charset="-128"/>
                 <a:ea typeface="Adobe Clean Han Regular" panose="020B0500000000000000" pitchFamily="34" charset="-128"/>
               </a:rPr>
-              <a:t>アドビサポートのサービス</a:t>
+              <a:t>アドビサポートのプラン</a:t>
             </a:r>
           </a:p>
         </p:txBody>
@@ -2310,8 +2273,8 @@
         </p:nvSpPr>
         <p:spPr>
           <a:xfrm>
-            <a:off x="159522" y="560755"/>
-            <a:ext cx="7003277" cy="1327928"/>
+            <a:off x="159523" y="560755"/>
+            <a:ext cx="6976608" cy="1411027"/>
           </a:xfrm>
           <a:prstGeom prst="rect">
             <a:avLst/>
@@ -2336,8 +2299,8 @@
                 <a:solidFill>
                   <a:srgbClr val="FFFFFF"/>
                 </a:solidFill>
-                <a:latin typeface="Adobe Clean Han Regular" panose="020B0500000000000000" pitchFamily="34" charset="-128"/>
-                <a:ea typeface="Adobe Clean Han Regular" panose="020B0500000000000000" pitchFamily="34" charset="-128"/>
+                <a:latin typeface="Adobe Clean Han Light" panose="020B0300000000000000" pitchFamily="34" charset="-128"/>
+                <a:ea typeface="Adobe Clean Han Light" panose="020B0300000000000000" pitchFamily="34" charset="-128"/>
                 <a:cs typeface="AdobeClean-Light"/>
               </a:rPr>
               <a:t>オンライン | ビジネス | エンタープライズ | </a:t>
@@ -2361,12 +2324,12 @@
               </a:spcBef>
             </a:pPr>
             <a:r>
-              <a:rPr lang="ja-JP" sz="800" dirty="0">
+              <a:rPr lang="ja-JP" sz="860" spc="-10" dirty="0">
                 <a:solidFill>
                   <a:schemeClr val="bg1"/>
                 </a:solidFill>
-                <a:latin typeface="Adobe Clean Han Regular" panose="020B0500000000000000" pitchFamily="34" charset="-128"/>
-                <a:ea typeface="Adobe Clean Han Regular" panose="020B0500000000000000" pitchFamily="34" charset="-128"/>
+                <a:latin typeface="Adobe Clean Han Light" panose="020B0300000000000000" pitchFamily="34" charset="-128"/>
+                <a:ea typeface="Adobe Clean Han Light" panose="020B0300000000000000" pitchFamily="34" charset="-128"/>
               </a:rPr>
               <a:t>アドビでは、お客様のビジネスをサポートするために、包括的なテクニカルリソースを提供しています。これらのリソースは Experience Cloud のライセンスサブスクリプションに含まれており、エリートサポートではさらに充実したリソースを利用可能です。エリートサポートでは、Adobe Experience League のパーソナライズされたラーニングパスやモニタリングされているコミュニティフォーラムへのアクセスが提供されます。アドビ製品に関する詳細なテクニカルドキュメントや最新のリリースノートは、いつでも参照可能です。また、エリートサポートのお客様には、アドビサポートチーム内における専任の技術相談窓口として、専任サポートエンジニアとテクニカルアカウントマネージャーが対応します。お客様を支援するために、最高水準のプロアクティブサポートおよびリアクティブサポートを提供します。お客様がお使いの Experience Cloud ソリューションに関する豊富な知識と経験を持つアドビサポートチームが、お客様のニーズがどれほど複雑であろうとも、投資効果を最大化し、問題の発生を未然に防ぐために、常にお客様に寄り添います。</a:t>
             </a:r>
@@ -2381,8 +2344,8 @@
         </p:nvSpPr>
         <p:spPr>
           <a:xfrm>
-            <a:off x="168564" y="7086600"/>
-            <a:ext cx="3870036" cy="228268"/>
+            <a:off x="168564" y="7162800"/>
+            <a:ext cx="4418676" cy="228268"/>
           </a:xfrm>
           <a:prstGeom prst="rect">
             <a:avLst/>
@@ -2430,14 +2393,14 @@
           <p:nvPr>
             <p:extLst>
               <p:ext uri="{D42A27DB-BD31-4B8C-83A1-F6EECF244321}">
-                <p14:modId xmlns:p14="http://schemas.microsoft.com/office/powerpoint/2010/main" val="2962279747"/>
+                <p14:modId xmlns:p14="http://schemas.microsoft.com/office/powerpoint/2010/main" val="2766205288"/>
               </p:ext>
             </p:extLst>
           </p:nvPr>
         </p:nvGraphicFramePr>
         <p:xfrm>
-          <a:off x="145668" y="7391400"/>
-          <a:ext cx="7409815" cy="2202176"/>
+          <a:off x="145668" y="7473158"/>
+          <a:ext cx="7405032" cy="2202176"/>
         </p:xfrm>
         <a:graphic>
           <a:graphicData uri="http://schemas.openxmlformats.org/drawingml/2006/table">
@@ -2453,14 +2416,14 @@
                     </a:ext>
                   </a:extLst>
                 </a:gridCol>
-                <a:gridCol w="1371600">
+                <a:gridCol w="1436370">
                   <a:extLst>
                     <a:ext uri="{9D8B030D-6E8A-4147-A177-3AD203B41FA5}">
                       <a16:colId xmlns:a16="http://schemas.microsoft.com/office/drawing/2014/main" val="20001"/>
                     </a:ext>
                   </a:extLst>
                 </a:gridCol>
-                <a:gridCol w="1383283">
+                <a:gridCol w="1313730">
                   <a:extLst>
                     <a:ext uri="{9D8B030D-6E8A-4147-A177-3AD203B41FA5}">
                       <a16:colId xmlns:a16="http://schemas.microsoft.com/office/drawing/2014/main" val="20002"/>
@@ -2530,7 +2493,7 @@
                     <a:bodyPr/>
                     <a:lstStyle/>
                     <a:p>
-                      <a:pPr marL="114300" indent="57150" algn="l">
+                      <a:pPr marL="0" indent="0" algn="ctr">
                         <a:lnSpc>
                           <a:spcPct val="100000"/>
                         </a:lnSpc>
@@ -2589,7 +2552,7 @@
                     <a:bodyPr/>
                     <a:lstStyle/>
                     <a:p>
-                      <a:pPr marL="263525" algn="l">
+                      <a:pPr marL="0" indent="0" algn="ctr">
                         <a:lnSpc>
                           <a:spcPct val="100000"/>
                         </a:lnSpc>
@@ -2598,7 +2561,7 @@
                         </a:spcBef>
                       </a:pPr>
                       <a:r>
-                        <a:rPr lang="ja-JP" sz="900">
+                        <a:rPr lang="ja-JP" sz="900" dirty="0">
                           <a:solidFill>
                             <a:srgbClr val="FFFFFF"/>
                           </a:solidFill>
@@ -2689,8 +2652,8 @@
                           <a:solidFill>
                             <a:srgbClr val="000000"/>
                           </a:solidFill>
-                          <a:latin typeface="Adobe Clean Han Regular" panose="020B0500000000000000" pitchFamily="34" charset="-128"/>
-                          <a:ea typeface="Adobe Clean Han Regular" panose="020B0500000000000000" pitchFamily="34" charset="-128"/>
+                          <a:latin typeface="Adobe Clean Han Light" panose="020B0300000000000000" pitchFamily="34" charset="-128"/>
+                          <a:ea typeface="Adobe Clean Han Light" panose="020B0300000000000000" pitchFamily="34" charset="-128"/>
                         </a:rPr>
                         <a:t>お客様の本番業務機能がダウンしている、または著しいデータ損失やサービス低下があり、機能およびユーザビリティを復元するための早急な処置が必要。</a:t>
                       </a:r>
@@ -2731,21 +2694,55 @@
                     <a:bodyPr/>
                     <a:lstStyle/>
                     <a:p>
-                      <a:pPr marL="228600" marR="492125" indent="0" algn="l">
-                        <a:lnSpc>
-                          <a:spcPct val="102200"/>
-                        </a:lnSpc>
-                      </a:pPr>
+                      <a:pPr algn="ctr" fontAlgn="t"/>
                       <a:r>
-                        <a:rPr lang="ja-JP" sz="900" dirty="0">
+                        <a:rPr lang="en-US" altLang="ja-JP" sz="900" b="0" i="0" u="none" strike="noStrike" dirty="0">
                           <a:solidFill>
                             <a:srgbClr val="020302"/>
                           </a:solidFill>
-                          <a:latin typeface="Adobe Clean Han Regular" panose="020B0500000000000000" pitchFamily="34" charset="-128"/>
-                          <a:ea typeface="Adobe Clean Han Regular" panose="020B0500000000000000" pitchFamily="34" charset="-128"/>
-                          <a:cs typeface="AdobeClean-Light"/>
+                          <a:latin typeface="Adobe Clean Han Light" panose="020B0300000000000000" pitchFamily="34" charset="-128"/>
+                          <a:ea typeface="Adobe Clean Han Light" panose="020B0300000000000000" pitchFamily="34" charset="-128"/>
                         </a:rPr>
-                        <a:t>24 時間年中無休／1 時間</a:t>
+                        <a:t>24 </a:t>
+                      </a:r>
+                      <a:r>
+                        <a:rPr lang="ja-JP" altLang="en-US" sz="900" b="0" i="0" u="none" strike="noStrike" dirty="0">
+                          <a:solidFill>
+                            <a:srgbClr val="020302"/>
+                          </a:solidFill>
+                          <a:latin typeface="Adobe Clean Han Light" panose="020B0300000000000000" pitchFamily="34" charset="-128"/>
+                          <a:ea typeface="Adobe Clean Han Light" panose="020B0300000000000000" pitchFamily="34" charset="-128"/>
+                        </a:rPr>
+                        <a:t>時間年中無休／</a:t>
+                      </a:r>
+                      <a:br>
+                        <a:rPr lang="en-US" altLang="ja-JP" sz="900" b="0" i="0" u="none" strike="noStrike" dirty="0">
+                          <a:solidFill>
+                            <a:srgbClr val="020302"/>
+                          </a:solidFill>
+                          <a:latin typeface="Adobe Clean Han Light" panose="020B0300000000000000" pitchFamily="34" charset="-128"/>
+                          <a:ea typeface="Adobe Clean Han Light" panose="020B0300000000000000" pitchFamily="34" charset="-128"/>
+                        </a:rPr>
+                      </a:br>
+                      <a:r>
+                        <a:rPr lang="en-US" altLang="ja-JP" sz="900" b="0" i="0" u="none" strike="noStrike" dirty="0">
+                          <a:solidFill>
+                            <a:srgbClr val="020302"/>
+                          </a:solidFill>
+                          <a:latin typeface="Adobe Clean Han Light" panose="020B0300000000000000" pitchFamily="34" charset="-128"/>
+                          <a:ea typeface="Adobe Clean Han Light" panose="020B0300000000000000" pitchFamily="34" charset="-128"/>
+                        </a:rPr>
+                        <a:t>1 </a:t>
+                      </a:r>
+                      <a:r>
+                        <a:rPr lang="ja-JP" altLang="en-US" sz="900" b="0" i="0" u="none" strike="noStrike" dirty="0">
+                          <a:solidFill>
+                            <a:srgbClr val="020302"/>
+                          </a:solidFill>
+                          <a:latin typeface="Adobe Clean Han Light" panose="020B0300000000000000" pitchFamily="34" charset="-128"/>
+                          <a:ea typeface="Adobe Clean Han Light" panose="020B0300000000000000" pitchFamily="34" charset="-128"/>
+                        </a:rPr>
+                        <a:t>時間</a:t>
                       </a:r>
                     </a:p>
                   </a:txBody>
@@ -2784,25 +2781,59 @@
                     <a:bodyPr/>
                     <a:lstStyle/>
                     <a:p>
-                      <a:pPr marL="285750" marR="459740" indent="0" algn="l">
-                        <a:lnSpc>
-                          <a:spcPct val="100000"/>
-                        </a:lnSpc>
-                      </a:pPr>
+                      <a:pPr algn="ctr" fontAlgn="t"/>
                       <a:r>
-                        <a:rPr lang="ja-JP" sz="900" dirty="0">
+                        <a:rPr lang="en-US" altLang="ja-JP" sz="900" b="0" i="0" u="none" strike="noStrike" dirty="0">
                           <a:solidFill>
                             <a:srgbClr val="020302"/>
                           </a:solidFill>
-                          <a:latin typeface="Adobe Clean Han Regular" panose="020B0500000000000000" pitchFamily="34" charset="-128"/>
-                          <a:ea typeface="Adobe Clean Han Regular" panose="020B0500000000000000" pitchFamily="34" charset="-128"/>
-                          <a:cs typeface="AdobeClean-Light"/>
+                          <a:latin typeface="Adobe Clean Han Light" panose="020B0300000000000000" pitchFamily="34" charset="-128"/>
+                          <a:ea typeface="Adobe Clean Han Light" panose="020B0300000000000000" pitchFamily="34" charset="-128"/>
                         </a:rPr>
-                        <a:t>24 時間年中無休／15 分</a:t>
+                        <a:t>24 </a:t>
+                      </a:r>
+                      <a:r>
+                        <a:rPr lang="ja-JP" altLang="en-US" sz="900" b="0" i="0" u="none" strike="noStrike" dirty="0">
+                          <a:solidFill>
+                            <a:srgbClr val="020302"/>
+                          </a:solidFill>
+                          <a:latin typeface="Adobe Clean Han Light" panose="020B0300000000000000" pitchFamily="34" charset="-128"/>
+                          <a:ea typeface="Adobe Clean Han Light" panose="020B0300000000000000" pitchFamily="34" charset="-128"/>
+                        </a:rPr>
+                        <a:t>時間年中無休／</a:t>
+                      </a:r>
+                      <a:br>
+                        <a:rPr lang="en-US" altLang="ja-JP" sz="900" b="0" i="0" u="none" strike="noStrike" dirty="0">
+                          <a:solidFill>
+                            <a:srgbClr val="020302"/>
+                          </a:solidFill>
+                          <a:latin typeface="Adobe Clean Han Light" panose="020B0300000000000000" pitchFamily="34" charset="-128"/>
+                          <a:ea typeface="Adobe Clean Han Light" panose="020B0300000000000000" pitchFamily="34" charset="-128"/>
+                        </a:rPr>
+                      </a:br>
+                      <a:r>
+                        <a:rPr lang="en-US" altLang="ja-JP" sz="900" b="0" i="0" u="none" strike="noStrike" dirty="0">
+                          <a:solidFill>
+                            <a:srgbClr val="020302"/>
+                          </a:solidFill>
+                          <a:latin typeface="Adobe Clean Han Light" panose="020B0300000000000000" pitchFamily="34" charset="-128"/>
+                          <a:ea typeface="Adobe Clean Han Light" panose="020B0300000000000000" pitchFamily="34" charset="-128"/>
+                        </a:rPr>
+                        <a:t>15 </a:t>
+                      </a:r>
+                      <a:r>
+                        <a:rPr lang="ja-JP" altLang="en-US" sz="900" b="0" i="0" u="none" strike="noStrike" dirty="0">
+                          <a:solidFill>
+                            <a:srgbClr val="020302"/>
+                          </a:solidFill>
+                          <a:latin typeface="Adobe Clean Han Light" panose="020B0300000000000000" pitchFamily="34" charset="-128"/>
+                          <a:ea typeface="Adobe Clean Han Light" panose="020B0300000000000000" pitchFamily="34" charset="-128"/>
+                        </a:rPr>
+                        <a:t>分</a:t>
                       </a:r>
                     </a:p>
                   </a:txBody>
-                  <a:tcPr marL="0" marR="0" marT="2540" marB="0" anchor="ctr">
+                  <a:tcPr marL="0" marR="0" marT="0" marB="0" anchor="ctr">
                     <a:lnL w="6350" cap="flat" cmpd="sng" algn="ctr">
                       <a:solidFill>
                         <a:srgbClr val="B7B8B8"/>
@@ -2886,8 +2917,8 @@
                           <a:solidFill>
                             <a:srgbClr val="000000"/>
                           </a:solidFill>
-                          <a:latin typeface="Adobe Clean Han Regular" panose="020B0500000000000000" pitchFamily="34" charset="-128"/>
-                          <a:ea typeface="Adobe Clean Han Regular" panose="020B0500000000000000" pitchFamily="34" charset="-128"/>
+                          <a:latin typeface="Adobe Clean Han Light" panose="020B0300000000000000" pitchFamily="34" charset="-128"/>
+                          <a:ea typeface="Adobe Clean Han Light" panose="020B0300000000000000" pitchFamily="34" charset="-128"/>
                         </a:rPr>
                         <a:t>お客様の業務機能に重大なサービス低下や潜在的なデータ損失があるか、主な機能が影響を受けている。</a:t>
                       </a:r>
@@ -2928,29 +2959,40 @@
                     <a:bodyPr/>
                     <a:lstStyle/>
                     <a:p>
-                      <a:pPr marL="473709" marR="343535" indent="-175895" algn="l">
+                      <a:pPr marL="269875" marR="343535" indent="-3175" algn="ctr">
                         <a:lnSpc>
                           <a:spcPct val="102200"/>
                         </a:lnSpc>
                       </a:pPr>
                       <a:r>
+                        <a:rPr lang="ja-JP" altLang="en-US" sz="900" dirty="0">
+                          <a:solidFill>
+                            <a:srgbClr val="020302"/>
+                          </a:solidFill>
+                          <a:latin typeface="Adobe Clean Han Light" panose="020B0300000000000000" pitchFamily="34" charset="-128"/>
+                          <a:ea typeface="Adobe Clean Han Light" panose="020B0300000000000000" pitchFamily="34" charset="-128"/>
+                          <a:cs typeface="AdobeClean-Light"/>
+                        </a:rPr>
+                        <a:t>営業時間</a:t>
+                      </a:r>
+                      <a:r>
                         <a:rPr lang="ja-JP" sz="900" dirty="0">
                           <a:solidFill>
                             <a:srgbClr val="020302"/>
                           </a:solidFill>
-                          <a:latin typeface="Adobe Clean Han Regular" panose="020B0500000000000000" pitchFamily="34" charset="-128"/>
-                          <a:ea typeface="Adobe Clean Han Regular" panose="020B0500000000000000" pitchFamily="34" charset="-128"/>
+                          <a:latin typeface="Adobe Clean Han Light" panose="020B0300000000000000" pitchFamily="34" charset="-128"/>
+                          <a:ea typeface="Adobe Clean Han Light" panose="020B0300000000000000" pitchFamily="34" charset="-128"/>
                           <a:cs typeface="AdobeClean-Light"/>
                         </a:rPr>
-                        <a:t>営業時間／</a:t>
+                        <a:t>／</a:t>
                       </a:r>
                       <a:br>
                         <a:rPr lang="sk-SK" altLang="ja-JP" sz="900" dirty="0">
                           <a:solidFill>
                             <a:srgbClr val="020302"/>
                           </a:solidFill>
-                          <a:latin typeface="Adobe Clean Han Regular" panose="020B0500000000000000" pitchFamily="34" charset="-128"/>
-                          <a:ea typeface="Adobe Clean Han Regular" panose="020B0500000000000000" pitchFamily="34" charset="-128"/>
+                          <a:latin typeface="Adobe Clean Han Light" panose="020B0300000000000000" pitchFamily="34" charset="-128"/>
+                          <a:ea typeface="Adobe Clean Han Light" panose="020B0300000000000000" pitchFamily="34" charset="-128"/>
                           <a:cs typeface="AdobeClean-Light"/>
                         </a:rPr>
                       </a:br>
@@ -2959,8 +3001,8 @@
                           <a:solidFill>
                             <a:srgbClr val="020302"/>
                           </a:solidFill>
-                          <a:latin typeface="Adobe Clean Han Regular" panose="020B0500000000000000" pitchFamily="34" charset="-128"/>
-                          <a:ea typeface="Adobe Clean Han Regular" panose="020B0500000000000000" pitchFamily="34" charset="-128"/>
+                          <a:latin typeface="Adobe Clean Han Light" panose="020B0300000000000000" pitchFamily="34" charset="-128"/>
+                          <a:ea typeface="Adobe Clean Han Light" panose="020B0300000000000000" pitchFamily="34" charset="-128"/>
                           <a:cs typeface="AdobeClean-Light"/>
                         </a:rPr>
                         <a:t>4 時間</a:t>
@@ -2999,25 +3041,69 @@
                     <a:bodyPr/>
                     <a:lstStyle/>
                     <a:p>
-                      <a:pPr marL="350838" marR="481330" indent="-65088" algn="l">
-                        <a:lnSpc>
-                          <a:spcPct val="102299"/>
-                        </a:lnSpc>
-                      </a:pPr>
+                      <a:pPr algn="ctr" fontAlgn="t"/>
                       <a:r>
-                        <a:rPr lang="ja-JP" sz="900" dirty="0">
+                        <a:rPr lang="ja-JP" altLang="en-US" sz="900" b="0" i="0" u="none" strike="noStrike" dirty="0">
                           <a:solidFill>
                             <a:srgbClr val="020302"/>
                           </a:solidFill>
-                          <a:latin typeface="Adobe Clean Han Regular" panose="020B0500000000000000" pitchFamily="34" charset="-128"/>
-                          <a:ea typeface="Adobe Clean Han Regular" panose="020B0500000000000000" pitchFamily="34" charset="-128"/>
-                          <a:cs typeface="AdobeClean-Light"/>
+                          <a:latin typeface="Adobe Clean Han Light" panose="020B0300000000000000" pitchFamily="34" charset="-128"/>
+                          <a:ea typeface="Adobe Clean Han Light" panose="020B0300000000000000" pitchFamily="34" charset="-128"/>
                         </a:rPr>
-                        <a:t>24 時間週 5 日／30 分</a:t>
+                        <a:t>平日</a:t>
+                      </a:r>
+                      <a:r>
+                        <a:rPr lang="en-US" altLang="ja-JP" sz="900" b="0" i="0" u="none" strike="noStrike" dirty="0">
+                          <a:solidFill>
+                            <a:srgbClr val="020302"/>
+                          </a:solidFill>
+                          <a:latin typeface="Adobe Clean Han Light" panose="020B0300000000000000" pitchFamily="34" charset="-128"/>
+                          <a:ea typeface="Adobe Clean Han Light" panose="020B0300000000000000" pitchFamily="34" charset="-128"/>
+                        </a:rPr>
+                        <a:t>24</a:t>
+                      </a:r>
+                      <a:r>
+                        <a:rPr lang="ja-JP" altLang="en-US" sz="900" b="0" i="0" u="none" strike="noStrike" dirty="0">
+                          <a:solidFill>
+                            <a:srgbClr val="020302"/>
+                          </a:solidFill>
+                          <a:latin typeface="Adobe Clean Han Light" panose="020B0300000000000000" pitchFamily="34" charset="-128"/>
+                          <a:ea typeface="Adobe Clean Han Light" panose="020B0300000000000000" pitchFamily="34" charset="-128"/>
+                        </a:rPr>
+                        <a:t>時間／</a:t>
+                      </a:r>
+                      <a:br>
+                        <a:rPr lang="en-US" altLang="ja-JP" sz="900" b="0" i="0" u="none" strike="noStrike" dirty="0">
+                          <a:solidFill>
+                            <a:srgbClr val="020302"/>
+                          </a:solidFill>
+                          <a:latin typeface="Adobe Clean Han Light" panose="020B0300000000000000" pitchFamily="34" charset="-128"/>
+                          <a:ea typeface="Adobe Clean Han Light" panose="020B0300000000000000" pitchFamily="34" charset="-128"/>
+                        </a:rPr>
+                      </a:br>
+                      <a:r>
+                        <a:rPr lang="en-US" altLang="ja-JP" sz="900" b="0" i="0" u="none" strike="noStrike" dirty="0">
+                          <a:solidFill>
+                            <a:srgbClr val="020302"/>
+                          </a:solidFill>
+                          <a:latin typeface="Adobe Clean Han Light" panose="020B0300000000000000" pitchFamily="34" charset="-128"/>
+                          <a:ea typeface="Adobe Clean Han Light" panose="020B0300000000000000" pitchFamily="34" charset="-128"/>
+                        </a:rPr>
+                        <a:t>30 </a:t>
+                      </a:r>
+                      <a:r>
+                        <a:rPr lang="ja-JP" altLang="en-US" sz="900" b="0" i="0" u="none" strike="noStrike" dirty="0">
+                          <a:solidFill>
+                            <a:srgbClr val="020302"/>
+                          </a:solidFill>
+                          <a:latin typeface="Adobe Clean Han Light" panose="020B0300000000000000" pitchFamily="34" charset="-128"/>
+                          <a:ea typeface="Adobe Clean Han Light" panose="020B0300000000000000" pitchFamily="34" charset="-128"/>
+                        </a:rPr>
+                        <a:t>分</a:t>
                       </a:r>
                     </a:p>
                   </a:txBody>
-                  <a:tcPr marL="0" marR="0" marT="5080" marB="0" anchor="ctr">
+                  <a:tcPr marL="0" marR="0" marT="0" marB="0" anchor="ctr">
                     <a:lnL w="6350" cap="flat" cmpd="sng" algn="ctr">
                       <a:solidFill>
                         <a:srgbClr val="B7B8B8"/>
@@ -3073,7 +3159,7 @@
                         </a:spcBef>
                       </a:pPr>
                       <a:r>
-                        <a:rPr lang="ja-JP" sz="900" b="1">
+                        <a:rPr lang="ja-JP" sz="900" b="1" dirty="0">
                           <a:solidFill>
                             <a:srgbClr val="020302"/>
                           </a:solidFill>
@@ -3094,14 +3180,14 @@
                         </a:spcBef>
                       </a:pPr>
                       <a:r>
-                        <a:rPr lang="ja-JP" sz="900" b="0" i="0" u="none" strike="noStrike">
+                        <a:rPr lang="ja-JP" sz="900" b="0" i="0" u="none" strike="noStrike" dirty="0">
                           <a:solidFill>
                             <a:srgbClr val="000000"/>
                           </a:solidFill>
-                          <a:latin typeface="Adobe Clean Han Regular" panose="020B0500000000000000" pitchFamily="34" charset="-128"/>
-                          <a:ea typeface="Adobe Clean Han Regular" panose="020B0500000000000000" pitchFamily="34" charset="-128"/>
+                          <a:latin typeface="Adobe Clean Han Light" panose="020B0300000000000000" pitchFamily="34" charset="-128"/>
+                          <a:ea typeface="Adobe Clean Han Light" panose="020B0300000000000000" pitchFamily="34" charset="-128"/>
                         </a:rPr>
-                        <a:t>お客様の業務機能に軽微なサービス低下があるが、業務機能を正常に続行できるソリューション／回避策が存在する。</a:t>
+                        <a:t>お客様の業務機能に軽微なサービス低下があるが、業務機能を正常に続行できる解決策／回避策が存在する。</a:t>
                       </a:r>
                     </a:p>
                   </a:txBody>
@@ -3140,29 +3226,40 @@
                     <a:bodyPr/>
                     <a:lstStyle/>
                     <a:p>
-                      <a:pPr marL="473709" marR="343535" indent="-175895" algn="l">
+                      <a:pPr marL="258763" marR="343535" indent="-7938" algn="ctr">
                         <a:lnSpc>
                           <a:spcPct val="102200"/>
                         </a:lnSpc>
                       </a:pPr>
                       <a:r>
+                        <a:rPr lang="ja-JP" altLang="en-US" sz="900" dirty="0">
+                          <a:solidFill>
+                            <a:srgbClr val="020302"/>
+                          </a:solidFill>
+                          <a:latin typeface="Adobe Clean Han Light" panose="020B0300000000000000" pitchFamily="34" charset="-128"/>
+                          <a:ea typeface="Adobe Clean Han Light" panose="020B0300000000000000" pitchFamily="34" charset="-128"/>
+                          <a:cs typeface="AdobeClean-Light"/>
+                        </a:rPr>
+                        <a:t>営業時間</a:t>
+                      </a:r>
+                      <a:r>
                         <a:rPr lang="ja-JP" sz="900" dirty="0">
                           <a:solidFill>
                             <a:srgbClr val="020302"/>
                           </a:solidFill>
-                          <a:latin typeface="Adobe Clean Han Regular" panose="020B0500000000000000" pitchFamily="34" charset="-128"/>
-                          <a:ea typeface="Adobe Clean Han Regular" panose="020B0500000000000000" pitchFamily="34" charset="-128"/>
+                          <a:latin typeface="Adobe Clean Han Light" panose="020B0300000000000000" pitchFamily="34" charset="-128"/>
+                          <a:ea typeface="Adobe Clean Han Light" panose="020B0300000000000000" pitchFamily="34" charset="-128"/>
                           <a:cs typeface="AdobeClean-Light"/>
                         </a:rPr>
-                        <a:t>営業時間／</a:t>
+                        <a:t>／</a:t>
                       </a:r>
                       <a:br>
                         <a:rPr lang="sk-SK" altLang="ja-JP" sz="900" dirty="0">
                           <a:solidFill>
                             <a:srgbClr val="020302"/>
                           </a:solidFill>
-                          <a:latin typeface="Adobe Clean Han Regular" panose="020B0500000000000000" pitchFamily="34" charset="-128"/>
-                          <a:ea typeface="Adobe Clean Han Regular" panose="020B0500000000000000" pitchFamily="34" charset="-128"/>
+                          <a:latin typeface="Adobe Clean Han Light" panose="020B0300000000000000" pitchFamily="34" charset="-128"/>
+                          <a:ea typeface="Adobe Clean Han Light" panose="020B0300000000000000" pitchFamily="34" charset="-128"/>
                           <a:cs typeface="AdobeClean-Light"/>
                         </a:rPr>
                       </a:br>
@@ -3171,8 +3268,8 @@
                           <a:solidFill>
                             <a:srgbClr val="020302"/>
                           </a:solidFill>
-                          <a:latin typeface="Adobe Clean Han Regular" panose="020B0500000000000000" pitchFamily="34" charset="-128"/>
-                          <a:ea typeface="Adobe Clean Han Regular" panose="020B0500000000000000" pitchFamily="34" charset="-128"/>
+                          <a:latin typeface="Adobe Clean Han Light" panose="020B0300000000000000" pitchFamily="34" charset="-128"/>
+                          <a:ea typeface="Adobe Clean Han Light" panose="020B0300000000000000" pitchFamily="34" charset="-128"/>
                           <a:cs typeface="AdobeClean-Light"/>
                         </a:rPr>
                         <a:t>6 時間</a:t>
@@ -3211,36 +3308,69 @@
                     <a:bodyPr/>
                     <a:lstStyle/>
                     <a:p>
-                      <a:pPr marL="285750" marR="531495" indent="-57150" algn="l">
-                        <a:lnSpc>
-                          <a:spcPct val="102200"/>
-                        </a:lnSpc>
-                      </a:pPr>
+                      <a:pPr algn="ctr" fontAlgn="t"/>
                       <a:r>
-                        <a:rPr lang="ja-JP" sz="900" dirty="0">
+                        <a:rPr lang="ja-JP" altLang="en-US" sz="900" b="0" i="0" u="none" strike="noStrike" dirty="0">
                           <a:solidFill>
                             <a:srgbClr val="020302"/>
                           </a:solidFill>
-                          <a:latin typeface="Adobe Clean Han Regular" panose="020B0500000000000000" pitchFamily="34" charset="-128"/>
-                          <a:ea typeface="Adobe Clean Han Regular" panose="020B0500000000000000" pitchFamily="34" charset="-128"/>
-                          <a:cs typeface="Times New Roman"/>
+                          <a:latin typeface="Adobe Clean Han Light" panose="020B0300000000000000" pitchFamily="34" charset="-128"/>
+                          <a:ea typeface="Adobe Clean Han Light" panose="020B0300000000000000" pitchFamily="34" charset="-128"/>
                         </a:rPr>
-                        <a:t>24 時間週 5 日</a:t>
+                        <a:t>平日</a:t>
                       </a:r>
                       <a:r>
-                        <a:rPr lang="ja-JP" sz="900" dirty="0">
+                        <a:rPr lang="en-US" altLang="ja-JP" sz="900" b="0" i="0" u="none" strike="noStrike" dirty="0">
                           <a:solidFill>
                             <a:srgbClr val="020302"/>
                           </a:solidFill>
-                          <a:latin typeface="Adobe Clean Han Regular" panose="020B0500000000000000" pitchFamily="34" charset="-128"/>
-                          <a:ea typeface="Adobe Clean Han Regular" panose="020B0500000000000000" pitchFamily="34" charset="-128"/>
-                          <a:cs typeface="AdobeClean-Light"/>
+                          <a:latin typeface="Adobe Clean Han Light" panose="020B0300000000000000" pitchFamily="34" charset="-128"/>
+                          <a:ea typeface="Adobe Clean Han Light" panose="020B0300000000000000" pitchFamily="34" charset="-128"/>
                         </a:rPr>
-                        <a:t>／1 時間</a:t>
+                        <a:t>24</a:t>
+                      </a:r>
+                      <a:r>
+                        <a:rPr lang="ja-JP" altLang="en-US" sz="900" b="0" i="0" u="none" strike="noStrike" dirty="0">
+                          <a:solidFill>
+                            <a:srgbClr val="020302"/>
+                          </a:solidFill>
+                          <a:latin typeface="Adobe Clean Han Light" panose="020B0300000000000000" pitchFamily="34" charset="-128"/>
+                          <a:ea typeface="Adobe Clean Han Light" panose="020B0300000000000000" pitchFamily="34" charset="-128"/>
+                        </a:rPr>
+                        <a:t>時間／</a:t>
+                      </a:r>
+                      <a:br>
+                        <a:rPr lang="sk-SK" altLang="ja-JP" sz="900" b="0" i="0" u="none" strike="noStrike" dirty="0">
+                          <a:solidFill>
+                            <a:srgbClr val="020302"/>
+                          </a:solidFill>
+                          <a:latin typeface="Adobe Clean Han Light" panose="020B0300000000000000" pitchFamily="34" charset="-128"/>
+                          <a:ea typeface="Adobe Clean Han Light" panose="020B0300000000000000" pitchFamily="34" charset="-128"/>
+                        </a:rPr>
+                      </a:br>
+                      <a:r>
+                        <a:rPr lang="en-US" altLang="ja-JP" sz="900" b="0" i="0" u="none" strike="noStrike" dirty="0">
+                          <a:solidFill>
+                            <a:srgbClr val="020302"/>
+                          </a:solidFill>
+                          <a:latin typeface="Adobe Clean Han Light" panose="020B0300000000000000" pitchFamily="34" charset="-128"/>
+                          <a:ea typeface="Adobe Clean Han Light" panose="020B0300000000000000" pitchFamily="34" charset="-128"/>
+                        </a:rPr>
+                        <a:t>1 </a:t>
+                      </a:r>
+                      <a:r>
+                        <a:rPr lang="ja-JP" altLang="en-US" sz="900" b="0" i="0" u="none" strike="noStrike" dirty="0">
+                          <a:solidFill>
+                            <a:srgbClr val="020302"/>
+                          </a:solidFill>
+                          <a:latin typeface="Adobe Clean Han Light" panose="020B0300000000000000" pitchFamily="34" charset="-128"/>
+                          <a:ea typeface="Adobe Clean Han Light" panose="020B0300000000000000" pitchFamily="34" charset="-128"/>
+                        </a:rPr>
+                        <a:t>時間</a:t>
                       </a:r>
                     </a:p>
                   </a:txBody>
-                  <a:tcPr marL="0" marR="0" marT="6985" marB="0" anchor="ctr">
+                  <a:tcPr marL="0" marR="0" marT="0" marB="0" anchor="ctr">
                     <a:lnL w="6350" cap="flat" cmpd="sng" algn="ctr">
                       <a:solidFill>
                         <a:srgbClr val="B7B8B8"/>
@@ -3321,8 +3451,8 @@
                           <a:solidFill>
                             <a:srgbClr val="000000"/>
                           </a:solidFill>
-                          <a:latin typeface="Adobe Clean Han Regular" panose="020B0500000000000000" pitchFamily="34" charset="-128"/>
-                          <a:ea typeface="Adobe Clean Han Regular" panose="020B0500000000000000" pitchFamily="34" charset="-128"/>
+                          <a:latin typeface="Adobe Clean Han Light" panose="020B0300000000000000" pitchFamily="34" charset="-128"/>
+                          <a:ea typeface="Adobe Clean Han Light" panose="020B0300000000000000" pitchFamily="34" charset="-128"/>
                         </a:rPr>
                         <a:t>現在の製品機能に関する一般的な質問または機能拡張のリクエスト。</a:t>
                       </a:r>
@@ -3343,56 +3473,6 @@
                       <a:round/>
                       <a:headEnd type="none" w="med" len="med"/>
                       <a:tailEnd type="none" w="med" len="med"/>
-                    </a:lnR>
-                    <a:lnT w="6350">
-                      <a:solidFill>
-                        <a:srgbClr val="B7B8B8"/>
-                      </a:solidFill>
-                      <a:prstDash val="solid"/>
-                    </a:lnT>
-                    <a:lnB w="6350">
-                      <a:solidFill>
-                        <a:srgbClr val="B7B8B8"/>
-                      </a:solidFill>
-                      <a:prstDash val="solid"/>
-                    </a:lnB>
-                  </a:tcPr>
-                </a:tc>
-                <a:tc>
-                  <a:txBody>
-                    <a:bodyPr/>
-                    <a:lstStyle/>
-                    <a:p>
-                      <a:pPr marL="473709" marR="343535" indent="-175895" algn="l">
-                        <a:lnSpc>
-                          <a:spcPct val="102200"/>
-                        </a:lnSpc>
-                      </a:pPr>
-                      <a:r>
-                        <a:rPr lang="ja-JP" sz="900">
-                          <a:solidFill>
-                            <a:srgbClr val="020302"/>
-                          </a:solidFill>
-                          <a:latin typeface="Adobe Clean Han Regular" panose="020B0500000000000000" pitchFamily="34" charset="-128"/>
-                          <a:ea typeface="Adobe Clean Han Regular" panose="020B0500000000000000" pitchFamily="34" charset="-128"/>
-                          <a:cs typeface="AdobeClean-Light"/>
-                        </a:rPr>
-                        <a:t>営業日／3 日</a:t>
-                      </a:r>
-                    </a:p>
-                  </a:txBody>
-                  <a:tcPr marL="0" marR="0" marT="0" marB="0" anchor="ctr">
-                    <a:lnL w="6350">
-                      <a:solidFill>
-                        <a:srgbClr val="B7B8B8"/>
-                      </a:solidFill>
-                      <a:prstDash val="solid"/>
-                    </a:lnL>
-                    <a:lnR w="6350">
-                      <a:solidFill>
-                        <a:srgbClr val="B7B8B8"/>
-                      </a:solidFill>
-                      <a:prstDash val="solid"/>
                     </a:lnR>
                     <a:lnT w="6350">
                       <a:solidFill>
@@ -3423,15 +3503,65 @@
                           <a:solidFill>
                             <a:srgbClr val="020302"/>
                           </a:solidFill>
-                          <a:latin typeface="Adobe Clean Han Regular" panose="020B0500000000000000" pitchFamily="34" charset="-128"/>
-                          <a:ea typeface="Adobe Clean Han Regular" panose="020B0500000000000000" pitchFamily="34" charset="-128"/>
+                          <a:latin typeface="Adobe Clean Han Light" panose="020B0300000000000000" pitchFamily="34" charset="-128"/>
+                          <a:ea typeface="Adobe Clean Han Light" panose="020B0300000000000000" pitchFamily="34" charset="-128"/>
+                          <a:cs typeface="AdobeClean-Light"/>
+                        </a:rPr>
+                        <a:t>営業日／3 日</a:t>
+                      </a:r>
+                    </a:p>
+                  </a:txBody>
+                  <a:tcPr marL="0" marR="0" marT="0" marB="0" anchor="ctr">
+                    <a:lnL w="6350">
+                      <a:solidFill>
+                        <a:srgbClr val="B7B8B8"/>
+                      </a:solidFill>
+                      <a:prstDash val="solid"/>
+                    </a:lnL>
+                    <a:lnR w="6350">
+                      <a:solidFill>
+                        <a:srgbClr val="B7B8B8"/>
+                      </a:solidFill>
+                      <a:prstDash val="solid"/>
+                    </a:lnR>
+                    <a:lnT w="6350">
+                      <a:solidFill>
+                        <a:srgbClr val="B7B8B8"/>
+                      </a:solidFill>
+                      <a:prstDash val="solid"/>
+                    </a:lnT>
+                    <a:lnB w="6350">
+                      <a:solidFill>
+                        <a:srgbClr val="B7B8B8"/>
+                      </a:solidFill>
+                      <a:prstDash val="solid"/>
+                    </a:lnB>
+                  </a:tcPr>
+                </a:tc>
+                <a:tc>
+                  <a:txBody>
+                    <a:bodyPr/>
+                    <a:lstStyle/>
+                    <a:p>
+                      <a:pPr marL="304800" marR="343535" indent="-6350" algn="ctr">
+                        <a:lnSpc>
+                          <a:spcPct val="102200"/>
+                        </a:lnSpc>
+                      </a:pPr>
+                      <a:r>
+                        <a:rPr lang="ja-JP" sz="900" dirty="0">
+                          <a:solidFill>
+                            <a:srgbClr val="020302"/>
+                          </a:solidFill>
+                          <a:latin typeface="Adobe Clean Han Light" panose="020B0300000000000000" pitchFamily="34" charset="-128"/>
+                          <a:ea typeface="Adobe Clean Han Light" panose="020B0300000000000000" pitchFamily="34" charset="-128"/>
                           <a:cs typeface="AdobeClean-Light"/>
                         </a:rPr>
                         <a:t>営業日／1 日</a:t>
                       </a:r>
                     </a:p>
                   </a:txBody>
-                  <a:tcPr marL="0" marR="0" marT="27940" marB="0" anchor="ctr">
+                  <a:tcPr marL="0" marR="0" marT="0" marB="0" anchor="ctr">
                     <a:lnL w="6350" cap="flat" cmpd="sng" algn="ctr">
                       <a:solidFill>
                         <a:srgbClr val="B7B8B8"/>
@@ -3506,8 +3636,8 @@
         </p:nvSpPr>
         <p:spPr>
           <a:xfrm>
-            <a:off x="97786" y="9888626"/>
-            <a:ext cx="2569213" cy="133370"/>
+            <a:off x="97787" y="9888626"/>
+            <a:ext cx="2202180" cy="149860"/>
           </a:xfrm>
           <a:prstGeom prst="rect">
             <a:avLst/>
@@ -3528,12 +3658,12 @@
               </a:spcBef>
             </a:pPr>
             <a:r>
-              <a:rPr lang="ja-JP" sz="800" dirty="0">
+              <a:rPr lang="ja-JP" sz="800">
                 <a:solidFill>
                   <a:srgbClr val="6D6D6D"/>
                 </a:solidFill>
-                <a:latin typeface="Adobe Clean Han Regular" panose="020B0500000000000000" pitchFamily="34" charset="-128"/>
-                <a:ea typeface="Adobe Clean Han Regular" panose="020B0500000000000000" pitchFamily="34" charset="-128"/>
+                <a:latin typeface="Adobe Clean"/>
+                <a:ea typeface="MS Mincho"/>
                 <a:cs typeface="Adobe Clean"/>
               </a:rPr>
               <a:t>©2021 Adobe.All Rights Reserved.Adobe Confidential.</a:t>
@@ -3574,8 +3704,6 @@
                 <a:solidFill>
                   <a:schemeClr val="bg1"/>
                 </a:solidFill>
-                <a:latin typeface="Adobe Clean Han Regular" panose="020B0500000000000000" pitchFamily="34" charset="-128"/>
-                <a:ea typeface="Adobe Clean Han Regular" panose="020B0500000000000000" pitchFamily="34" charset="-128"/>
               </a:rPr>
               <a:t>Adobe Experience Cloud</a:t>
             </a:r>
@@ -3597,14 +3725,14 @@
           <p:nvPr>
             <p:extLst>
               <p:ext uri="{D42A27DB-BD31-4B8C-83A1-F6EECF244321}">
-                <p14:modId xmlns:p14="http://schemas.microsoft.com/office/powerpoint/2010/main" val="665969244"/>
+                <p14:modId xmlns:p14="http://schemas.microsoft.com/office/powerpoint/2010/main" val="4145001690"/>
               </p:ext>
             </p:extLst>
           </p:nvPr>
         </p:nvGraphicFramePr>
         <p:xfrm>
-          <a:off x="273550" y="2070493"/>
-          <a:ext cx="7281935" cy="4939907"/>
+          <a:off x="273550" y="2258474"/>
+          <a:ext cx="7281935" cy="4738570"/>
         </p:xfrm>
         <a:graphic>
           <a:graphicData uri="http://schemas.openxmlformats.org/drawingml/2006/table">
@@ -3620,21 +3748,21 @@
                     </a:ext>
                   </a:extLst>
                 </a:gridCol>
-                <a:gridCol w="3042833">
+                <a:gridCol w="3403944">
                   <a:extLst>
                     <a:ext uri="{9D8B030D-6E8A-4147-A177-3AD203B41FA5}">
                       <a16:colId xmlns:a16="http://schemas.microsoft.com/office/drawing/2014/main" val="20001"/>
                     </a:ext>
                   </a:extLst>
                 </a:gridCol>
-                <a:gridCol w="1384643">
+                <a:gridCol w="1215390">
                   <a:extLst>
                     <a:ext uri="{9D8B030D-6E8A-4147-A177-3AD203B41FA5}">
                       <a16:colId xmlns:a16="http://schemas.microsoft.com/office/drawing/2014/main" val="2563521174"/>
                     </a:ext>
                   </a:extLst>
                 </a:gridCol>
-                <a:gridCol w="1384643">
+                <a:gridCol w="1192785">
                   <a:extLst>
                     <a:ext uri="{9D8B030D-6E8A-4147-A177-3AD203B41FA5}">
                       <a16:colId xmlns:a16="http://schemas.microsoft.com/office/drawing/2014/main" val="20003"/>
@@ -3648,10 +3776,7 @@
                     <a:bodyPr/>
                     <a:lstStyle/>
                     <a:p>
-                      <a:endParaRPr lang="en-US" dirty="0">
-                        <a:latin typeface="Adobe Clean Han Regular" panose="020B0500000000000000" pitchFamily="34" charset="-128"/>
-                        <a:ea typeface="Adobe Clean Han Regular" panose="020B0500000000000000" pitchFamily="34" charset="-128"/>
-                      </a:endParaRPr>
+                      <a:endParaRPr lang="en-US" dirty="0"/>
                     </a:p>
                   </a:txBody>
                   <a:tcPr/>
@@ -3739,7 +3864,7 @@
                         </a:spcBef>
                       </a:pPr>
                       <a:r>
-                        <a:rPr lang="ja-JP" sz="900">
+                        <a:rPr lang="ja-JP" sz="900" dirty="0">
                           <a:solidFill>
                             <a:srgbClr val="FFFFFF"/>
                           </a:solidFill>
@@ -3793,10 +3918,7 @@
                     <a:bodyPr/>
                     <a:lstStyle/>
                     <a:p>
-                      <a:endParaRPr lang="en-US" dirty="0">
-                        <a:latin typeface="Adobe Clean Han Regular" panose="020B0500000000000000" pitchFamily="34" charset="-128"/>
-                        <a:ea typeface="Adobe Clean Han Regular" panose="020B0500000000000000" pitchFamily="34" charset="-128"/>
-                      </a:endParaRPr>
+                      <a:endParaRPr lang="en-US"/>
                     </a:p>
                   </a:txBody>
                   <a:tcPr/>
@@ -3833,12 +3955,11 @@
                         <a:tabLst/>
                         <a:defRPr/>
                       </a:pPr>
-                      <a:endParaRPr lang="en-US" sz="800" i="1" dirty="0">
+                      <a:endParaRPr lang="en-US" sz="800" i="1">
                         <a:solidFill>
                           <a:sysClr val="windowText" lastClr="000000"/>
                         </a:solidFill>
-                        <a:latin typeface="Adobe Clean Han Regular" panose="020B0500000000000000" pitchFamily="34" charset="-128"/>
-                        <a:ea typeface="Adobe Clean Han Regular" panose="020B0500000000000000" pitchFamily="34" charset="-128"/>
+                        <a:latin typeface="Adobe Clean Light" panose="020B0303020404020204" pitchFamily="34" charset="0"/>
                       </a:endParaRPr>
                     </a:p>
                   </a:txBody>
@@ -3898,12 +4019,12 @@
                         <a:defRPr/>
                       </a:pPr>
                       <a:r>
-                        <a:rPr lang="ja-JP" sz="800" i="1">
+                        <a:rPr lang="ja-JP" sz="800" i="1" dirty="0">
                           <a:solidFill>
                             <a:schemeClr val="bg1"/>
                           </a:solidFill>
-                          <a:latin typeface="Adobe Clean Han Regular" panose="020B0500000000000000" pitchFamily="34" charset="-128"/>
-                          <a:ea typeface="Adobe Clean Han Regular" panose="020B0500000000000000" pitchFamily="34" charset="-128"/>
+                          <a:latin typeface="Adobe Clean Han Light" panose="020B0300000000000000" pitchFamily="34" charset="-128"/>
+                          <a:ea typeface="Adobe Clean Han Light" panose="020B0300000000000000" pitchFamily="34" charset="-128"/>
                         </a:rPr>
                         <a:t>有償サポート（$）</a:t>
                       </a:r>
@@ -3969,7 +4090,7 @@
                         </a:spcBef>
                       </a:pPr>
                       <a:r>
-                        <a:rPr lang="ja-JP" sz="1000" b="1" i="0">
+                        <a:rPr lang="ja-JP" sz="1000" b="1" i="0" dirty="0">
                           <a:solidFill>
                             <a:schemeClr val="bg1"/>
                           </a:solidFill>
@@ -4025,12 +4146,12 @@
                         </a:spcBef>
                       </a:pPr>
                       <a:r>
-                        <a:rPr lang="ja-JP" sz="900">
+                        <a:rPr lang="ja-JP" sz="900" dirty="0">
                           <a:solidFill>
                             <a:srgbClr val="020302"/>
                           </a:solidFill>
-                          <a:latin typeface="Adobe Clean Han Regular" panose="020B0500000000000000" pitchFamily="34" charset="-128"/>
-                          <a:ea typeface="Adobe Clean Han Regular" panose="020B0500000000000000" pitchFamily="34" charset="-128"/>
+                          <a:latin typeface="Adobe Clean Han Light" panose="020B0300000000000000" pitchFamily="34" charset="-128"/>
+                          <a:ea typeface="Adobe Clean Han Light" panose="020B0300000000000000" pitchFamily="34" charset="-128"/>
                           <a:cs typeface="AdobeClean-Light"/>
                         </a:rPr>
                         <a:t>アカウントサポートリード</a:t>
@@ -4077,9 +4198,8 @@
                           <a:spcPts val="470"/>
                         </a:spcBef>
                       </a:pPr>
-                      <a:endParaRPr sz="900" dirty="0">
-                        <a:latin typeface="Adobe Clean Han Regular" panose="020B0500000000000000" pitchFamily="34" charset="-128"/>
-                        <a:ea typeface="Adobe Clean Han Regular" panose="020B0500000000000000" pitchFamily="34" charset="-128"/>
+                      <a:endParaRPr sz="900">
+                        <a:latin typeface="Wingdings"/>
                         <a:cs typeface="Wingdings"/>
                       </a:endParaRPr>
                     </a:p>
@@ -4119,9 +4239,8 @@
                           <a:spcPts val="470"/>
                         </a:spcBef>
                       </a:pPr>
-                      <a:endParaRPr sz="900" dirty="0">
-                        <a:latin typeface="Adobe Clean Han Regular" panose="020B0500000000000000" pitchFamily="34" charset="-128"/>
-                        <a:ea typeface="Adobe Clean Han Regular" panose="020B0500000000000000" pitchFamily="34" charset="-128"/>
+                      <a:endParaRPr sz="900">
+                        <a:latin typeface="Wingdings"/>
                         <a:cs typeface="Wingdings"/>
                       </a:endParaRPr>
                     </a:p>
@@ -4163,7 +4282,7 @@
                           <a:spcPts val="459"/>
                         </a:spcBef>
                       </a:pPr>
-                      <a:endParaRPr sz="900" dirty="0">
+                      <a:endParaRPr sz="900">
                         <a:latin typeface="AdobeClean-Light"/>
                         <a:cs typeface="AdobeClean-Light"/>
                       </a:endParaRPr>
@@ -4201,12 +4320,12 @@
                         </a:spcBef>
                       </a:pPr>
                       <a:r>
-                        <a:rPr lang="ja-JP" sz="900">
+                        <a:rPr lang="ja-JP" sz="900" dirty="0">
                           <a:solidFill>
                             <a:srgbClr val="020302"/>
                           </a:solidFill>
-                          <a:latin typeface="Adobe Clean Han Regular" panose="020B0500000000000000" pitchFamily="34" charset="-128"/>
-                          <a:ea typeface="Adobe Clean Han Regular" panose="020B0500000000000000" pitchFamily="34" charset="-128"/>
+                          <a:latin typeface="Adobe Clean Han Light" panose="020B0300000000000000" pitchFamily="34" charset="-128"/>
+                          <a:ea typeface="Adobe Clean Han Light" panose="020B0300000000000000" pitchFamily="34" charset="-128"/>
                           <a:cs typeface="AdobeClean-Light"/>
                         </a:rPr>
                         <a:t>専任サポートエンジニア</a:t>
@@ -4238,9 +4357,8 @@
                           <a:spcPct val="100000"/>
                         </a:lnSpc>
                       </a:pPr>
-                      <a:endParaRPr sz="900" dirty="0">
-                        <a:latin typeface="Adobe Clean Han Regular" panose="020B0500000000000000" pitchFamily="34" charset="-128"/>
-                        <a:ea typeface="Adobe Clean Han Regular" panose="020B0500000000000000" pitchFamily="34" charset="-128"/>
+                      <a:endParaRPr sz="900">
+                        <a:latin typeface="Times New Roman"/>
                         <a:cs typeface="Times New Roman"/>
                       </a:endParaRPr>
                     </a:p>
@@ -4285,8 +4403,8 @@
                           <a:solidFill>
                             <a:srgbClr val="020302"/>
                           </a:solidFill>
-                          <a:latin typeface="Adobe Clean Han Regular" panose="020B0500000000000000" pitchFamily="34" charset="-128"/>
-                          <a:ea typeface="Adobe Clean Han Regular" panose="020B0500000000000000" pitchFamily="34" charset="-128"/>
+                          <a:latin typeface="Wingdings"/>
+                          <a:ea typeface="MS Mincho"/>
                           <a:cs typeface="Wingdings"/>
                         </a:rPr>
                         <a:t></a:t>
@@ -4321,7 +4439,7 @@
                           <a:spcPts val="500"/>
                         </a:spcBef>
                       </a:pPr>
-                      <a:endParaRPr sz="900" dirty="0">
+                      <a:endParaRPr sz="900">
                         <a:latin typeface="AdobeClean-Light"/>
                         <a:cs typeface="AdobeClean-Light"/>
                       </a:endParaRPr>
@@ -4371,12 +4489,12 @@
                         </a:spcBef>
                       </a:pPr>
                       <a:r>
-                        <a:rPr lang="ja-JP" sz="900">
+                        <a:rPr lang="ja-JP" sz="900" dirty="0">
                           <a:solidFill>
                             <a:srgbClr val="020302"/>
                           </a:solidFill>
-                          <a:latin typeface="Adobe Clean Han Regular" panose="020B0500000000000000" pitchFamily="34" charset="-128"/>
-                          <a:ea typeface="Adobe Clean Han Regular" panose="020B0500000000000000" pitchFamily="34" charset="-128"/>
+                          <a:latin typeface="Adobe Clean Han Light" panose="020B0300000000000000" pitchFamily="34" charset="-128"/>
+                          <a:ea typeface="Adobe Clean Han Light" panose="020B0300000000000000" pitchFamily="34" charset="-128"/>
                           <a:cs typeface="AdobeClean-Light"/>
                         </a:rPr>
                         <a:t>テクニカルアカウントマネージャー</a:t>
@@ -4414,9 +4532,8 @@
                           <a:spcPct val="100000"/>
                         </a:lnSpc>
                       </a:pPr>
-                      <a:endParaRPr sz="900" dirty="0">
-                        <a:latin typeface="Adobe Clean Han Regular" panose="020B0500000000000000" pitchFamily="34" charset="-128"/>
-                        <a:ea typeface="Adobe Clean Han Regular" panose="020B0500000000000000" pitchFamily="34" charset="-128"/>
+                      <a:endParaRPr sz="900">
+                        <a:latin typeface="Times New Roman"/>
                         <a:cs typeface="Times New Roman"/>
                       </a:endParaRPr>
                     </a:p>
@@ -4470,8 +4587,8 @@
                           <a:solidFill>
                             <a:srgbClr val="020302"/>
                           </a:solidFill>
-                          <a:latin typeface="Adobe Clean Han Regular" panose="020B0500000000000000" pitchFamily="34" charset="-128"/>
-                          <a:ea typeface="Adobe Clean Han Regular" panose="020B0500000000000000" pitchFamily="34" charset="-128"/>
+                          <a:latin typeface="Wingdings"/>
+                          <a:ea typeface="MS Mincho"/>
                           <a:cs typeface="Wingdings"/>
                         </a:rPr>
                         <a:t></a:t>
@@ -4516,7 +4633,7 @@
                         </a:spcBef>
                       </a:pPr>
                       <a:r>
-                        <a:rPr lang="ja-JP" sz="1000" b="1" i="0">
+                        <a:rPr lang="ja-JP" sz="1000" b="1" i="0" dirty="0">
                           <a:solidFill>
                             <a:schemeClr val="bg1"/>
                           </a:solidFill>
@@ -4585,8 +4702,8 @@
                           <a:solidFill>
                             <a:srgbClr val="020302"/>
                           </a:solidFill>
-                          <a:latin typeface="Adobe Clean Han Regular" panose="020B0500000000000000" pitchFamily="34" charset="-128"/>
-                          <a:ea typeface="Adobe Clean Han Regular" panose="020B0500000000000000" pitchFamily="34" charset="-128"/>
+                          <a:latin typeface="Adobe Clean Han Light" panose="020B0300000000000000" pitchFamily="34" charset="-128"/>
+                          <a:ea typeface="Adobe Clean Han Light" panose="020B0300000000000000" pitchFamily="34" charset="-128"/>
                           <a:cs typeface="AdobeClean-Light"/>
                         </a:rPr>
                         <a:t>オンラインサポート</a:t>
@@ -4628,16 +4745,24 @@
                         </a:spcBef>
                       </a:pPr>
                       <a:r>
-                        <a:rPr lang="ja-JP" sz="900">
+                        <a:rPr lang="ja-JP" altLang="en-US" sz="900" dirty="0">
                           <a:solidFill>
                             <a:srgbClr val="020302"/>
                           </a:solidFill>
-                          <a:latin typeface="Adobe Clean Han Regular" panose="020B0500000000000000" pitchFamily="34" charset="-128"/>
-                          <a:ea typeface="Adobe Clean Han Regular" panose="020B0500000000000000" pitchFamily="34" charset="-128"/>
+                          <a:latin typeface="Adobe Clean Han Light" panose="020B0300000000000000" pitchFamily="34" charset="-128"/>
+                          <a:ea typeface="Adobe Clean Han Light" panose="020B0300000000000000" pitchFamily="34" charset="-128"/>
                           <a:cs typeface="AdobeClean-Light"/>
                         </a:rPr>
-                        <a:t>営業時間</a:t>
+                        <a:t>営業時間内</a:t>
                       </a:r>
+                      <a:endParaRPr lang="ja-JP" sz="900" dirty="0">
+                        <a:solidFill>
+                          <a:srgbClr val="020302"/>
+                        </a:solidFill>
+                        <a:latin typeface="Adobe Clean Han Light" panose="020B0300000000000000" pitchFamily="34" charset="-128"/>
+                        <a:ea typeface="Adobe Clean Han Light" panose="020B0300000000000000" pitchFamily="34" charset="-128"/>
+                        <a:cs typeface="AdobeClean-Light"/>
+                      </a:endParaRPr>
                     </a:p>
                   </a:txBody>
                   <a:tcPr marL="0" marR="0" marT="67945" marB="0">
@@ -4676,16 +4801,46 @@
                         </a:spcBef>
                       </a:pPr>
                       <a:r>
-                        <a:rPr lang="ja-JP" sz="900">
+                        <a:rPr lang="ja-JP" altLang="en-US" sz="900" dirty="0">
                           <a:solidFill>
                             <a:srgbClr val="020302"/>
                           </a:solidFill>
-                          <a:latin typeface="Adobe Clean Han Regular" panose="020B0500000000000000" pitchFamily="34" charset="-128"/>
-                          <a:ea typeface="Adobe Clean Han Regular" panose="020B0500000000000000" pitchFamily="34" charset="-128"/>
+                          <a:latin typeface="Adobe Clean Han Light" panose="020B0300000000000000" pitchFamily="34" charset="-128"/>
+                          <a:ea typeface="Adobe Clean Han Light" panose="020B0300000000000000" pitchFamily="34" charset="-128"/>
                           <a:cs typeface="AdobeClean-Light"/>
                         </a:rPr>
-                        <a:t>24 時間週 5 日</a:t>
+                        <a:t>平日</a:t>
                       </a:r>
+                      <a:r>
+                        <a:rPr lang="en-US" altLang="ja-JP" sz="900" dirty="0">
+                          <a:solidFill>
+                            <a:srgbClr val="020302"/>
+                          </a:solidFill>
+                          <a:latin typeface="Adobe Clean Han Light" panose="020B0300000000000000" pitchFamily="34" charset="-128"/>
+                          <a:ea typeface="Adobe Clean Han Light" panose="020B0300000000000000" pitchFamily="34" charset="-128"/>
+                          <a:cs typeface="AdobeClean-Light"/>
+                        </a:rPr>
+                        <a:t>24</a:t>
+                      </a:r>
+                      <a:r>
+                        <a:rPr lang="ja-JP" altLang="en-US" sz="900" dirty="0">
+                          <a:solidFill>
+                            <a:srgbClr val="020302"/>
+                          </a:solidFill>
+                          <a:latin typeface="Adobe Clean Han Light" panose="020B0300000000000000" pitchFamily="34" charset="-128"/>
+                          <a:ea typeface="Adobe Clean Han Light" panose="020B0300000000000000" pitchFamily="34" charset="-128"/>
+                          <a:cs typeface="AdobeClean-Light"/>
+                        </a:rPr>
+                        <a:t>時間</a:t>
+                      </a:r>
+                      <a:endParaRPr lang="ja-JP" sz="900" dirty="0">
+                        <a:solidFill>
+                          <a:srgbClr val="020302"/>
+                        </a:solidFill>
+                        <a:latin typeface="Adobe Clean Han Light" panose="020B0300000000000000" pitchFamily="34" charset="-128"/>
+                        <a:ea typeface="Adobe Clean Han Light" panose="020B0300000000000000" pitchFamily="34" charset="-128"/>
+                        <a:cs typeface="AdobeClean-Light"/>
+                      </a:endParaRPr>
                     </a:p>
                   </a:txBody>
                   <a:tcPr marL="0" marR="0" marT="67945" marB="0" anchor="ctr">
@@ -4725,7 +4880,7 @@
                           <a:spcPts val="455"/>
                         </a:spcBef>
                       </a:pPr>
-                      <a:endParaRPr sz="900" dirty="0">
+                      <a:endParaRPr sz="900">
                         <a:latin typeface="AdobeClean-Light"/>
                         <a:cs typeface="AdobeClean-Light"/>
                       </a:endParaRPr>
@@ -4770,8 +4925,8 @@
                           <a:solidFill>
                             <a:srgbClr val="020302"/>
                           </a:solidFill>
-                          <a:latin typeface="Adobe Clean Han Regular" panose="020B0500000000000000" pitchFamily="34" charset="-128"/>
-                          <a:ea typeface="Adobe Clean Han Regular" panose="020B0500000000000000" pitchFamily="34" charset="-128"/>
+                          <a:latin typeface="Adobe Clean Han Light" panose="020B0300000000000000" pitchFamily="34" charset="-128"/>
+                          <a:ea typeface="Adobe Clean Han Light" panose="020B0300000000000000" pitchFamily="34" charset="-128"/>
                           <a:cs typeface="AdobeClean-Light"/>
                         </a:rPr>
                         <a:t>24 時間年中無休の P1 の問題のサポート</a:t>
@@ -4811,8 +4966,8 @@
                           <a:solidFill>
                             <a:srgbClr val="020302"/>
                           </a:solidFill>
-                          <a:latin typeface="Adobe Clean Han Regular" panose="020B0500000000000000" pitchFamily="34" charset="-128"/>
-                          <a:ea typeface="Adobe Clean Han Regular" panose="020B0500000000000000" pitchFamily="34" charset="-128"/>
+                          <a:latin typeface="Wingdings"/>
+                          <a:ea typeface="MS Mincho"/>
                           <a:cs typeface="Wingdings"/>
                         </a:rPr>
                         <a:t></a:t>
@@ -4850,8 +5005,8 @@
                           <a:solidFill>
                             <a:srgbClr val="020302"/>
                           </a:solidFill>
-                          <a:latin typeface="Adobe Clean Han Regular" panose="020B0500000000000000" pitchFamily="34" charset="-128"/>
-                          <a:ea typeface="Adobe Clean Han Regular" panose="020B0500000000000000" pitchFamily="34" charset="-128"/>
+                          <a:latin typeface="Wingdings"/>
+                          <a:ea typeface="MS Mincho"/>
                           <a:cs typeface="Wingdings"/>
                         </a:rPr>
                         <a:t></a:t>
@@ -4886,7 +5041,7 @@
                           <a:spcPts val="455"/>
                         </a:spcBef>
                       </a:pPr>
-                      <a:endParaRPr sz="900" dirty="0">
+                      <a:endParaRPr sz="900">
                         <a:latin typeface="AdobeClean-Light"/>
                         <a:cs typeface="AdobeClean-Light"/>
                       </a:endParaRPr>
@@ -4936,12 +5091,12 @@
                         </a:spcBef>
                       </a:pPr>
                       <a:r>
-                        <a:rPr lang="ja-JP" sz="900">
+                        <a:rPr lang="ja-JP" sz="900" dirty="0">
                           <a:solidFill>
                             <a:srgbClr val="020302"/>
                           </a:solidFill>
-                          <a:latin typeface="Adobe Clean Han Regular" panose="020B0500000000000000" pitchFamily="34" charset="-128"/>
-                          <a:ea typeface="Adobe Clean Han Regular" panose="020B0500000000000000" pitchFamily="34" charset="-128"/>
+                          <a:latin typeface="Adobe Clean Han Light" panose="020B0300000000000000" pitchFamily="34" charset="-128"/>
+                          <a:ea typeface="Adobe Clean Han Light" panose="020B0300000000000000" pitchFamily="34" charset="-128"/>
                           <a:cs typeface="AdobeClean-Light"/>
                         </a:rPr>
                         <a:t>サポート対象ユーザー（製品単位）</a:t>
@@ -4983,12 +5138,12 @@
                         </a:spcBef>
                       </a:pPr>
                       <a:r>
-                        <a:rPr lang="ja-JP" sz="900">
+                        <a:rPr lang="ja-JP" sz="900" dirty="0">
                           <a:solidFill>
                             <a:srgbClr val="020302"/>
                           </a:solidFill>
-                          <a:latin typeface="Adobe Clean Han Regular" panose="020B0500000000000000" pitchFamily="34" charset="-128"/>
-                          <a:ea typeface="Adobe Clean Han Regular" panose="020B0500000000000000" pitchFamily="34" charset="-128"/>
+                          <a:latin typeface="Adobe Clean Han Light" panose="020B0300000000000000" pitchFamily="34" charset="-128"/>
+                          <a:ea typeface="Adobe Clean Han Light" panose="020B0300000000000000" pitchFamily="34" charset="-128"/>
                           <a:cs typeface="AdobeClean-Light"/>
                         </a:rPr>
                         <a:t>4</a:t>
@@ -5022,12 +5177,12 @@
                         </a:spcBef>
                       </a:pPr>
                       <a:r>
-                        <a:rPr lang="ja-JP" sz="900">
+                        <a:rPr lang="ja-JP" sz="900" dirty="0">
                           <a:solidFill>
                             <a:srgbClr val="020302"/>
                           </a:solidFill>
-                          <a:latin typeface="Adobe Clean Han Regular" panose="020B0500000000000000" pitchFamily="34" charset="-128"/>
-                          <a:ea typeface="Adobe Clean Han Regular" panose="020B0500000000000000" pitchFamily="34" charset="-128"/>
+                          <a:latin typeface="Adobe Clean Han Light" panose="020B0300000000000000" pitchFamily="34" charset="-128"/>
+                          <a:ea typeface="Adobe Clean Han Light" panose="020B0300000000000000" pitchFamily="34" charset="-128"/>
                           <a:cs typeface="AdobeClean-Light"/>
                         </a:rPr>
                         <a:t>15</a:t>
@@ -5062,7 +5217,7 @@
                           <a:spcPts val="455"/>
                         </a:spcBef>
                       </a:pPr>
-                      <a:endParaRPr sz="900" dirty="0">
+                      <a:endParaRPr sz="900">
                         <a:latin typeface="AdobeClean-Light"/>
                         <a:cs typeface="AdobeClean-Light"/>
                       </a:endParaRPr>
@@ -5107,8 +5262,8 @@
                           <a:solidFill>
                             <a:srgbClr val="020302"/>
                           </a:solidFill>
-                          <a:latin typeface="Adobe Clean Han Regular" panose="020B0500000000000000" pitchFamily="34" charset="-128"/>
-                          <a:ea typeface="Adobe Clean Han Regular" panose="020B0500000000000000" pitchFamily="34" charset="-128"/>
+                          <a:latin typeface="Adobe Clean Han Light" panose="020B0300000000000000" pitchFamily="34" charset="-128"/>
+                          <a:ea typeface="Adobe Clean Han Light" panose="020B0300000000000000" pitchFamily="34" charset="-128"/>
                           <a:cs typeface="AdobeClean-Light"/>
                         </a:rPr>
                         <a:t>電話サポート（ライブ）</a:t>
@@ -5143,9 +5298,8 @@
                           <a:spcPts val="464"/>
                         </a:spcBef>
                       </a:pPr>
-                      <a:endParaRPr sz="900" dirty="0">
-                        <a:latin typeface="Adobe Clean Han Regular" panose="020B0500000000000000" pitchFamily="34" charset="-128"/>
-                        <a:ea typeface="Adobe Clean Han Regular" panose="020B0500000000000000" pitchFamily="34" charset="-128"/>
+                      <a:endParaRPr sz="900">
+                        <a:latin typeface="Wingdings"/>
                         <a:cs typeface="Wingdings"/>
                       </a:endParaRPr>
                     </a:p>
@@ -5181,8 +5335,8 @@
                           <a:solidFill>
                             <a:srgbClr val="020302"/>
                           </a:solidFill>
-                          <a:latin typeface="Adobe Clean Han Regular" panose="020B0500000000000000" pitchFamily="34" charset="-128"/>
-                          <a:ea typeface="Adobe Clean Han Regular" panose="020B0500000000000000" pitchFamily="34" charset="-128"/>
+                          <a:latin typeface="Wingdings"/>
+                          <a:ea typeface="MS Mincho"/>
                           <a:cs typeface="Wingdings"/>
                         </a:rPr>
                         <a:t></a:t>
@@ -5217,7 +5371,7 @@
                           <a:spcPts val="459"/>
                         </a:spcBef>
                       </a:pPr>
-                      <a:endParaRPr sz="900" dirty="0">
+                      <a:endParaRPr sz="900">
                         <a:latin typeface="AdobeClean-Light"/>
                         <a:cs typeface="AdobeClean-Light"/>
                       </a:endParaRPr>
@@ -5258,12 +5412,12 @@
                         </a:spcBef>
                       </a:pPr>
                       <a:r>
-                        <a:rPr lang="ja-JP" sz="900">
+                        <a:rPr lang="ja-JP" sz="900" dirty="0">
                           <a:solidFill>
                             <a:srgbClr val="020302"/>
                           </a:solidFill>
-                          <a:latin typeface="Adobe Clean Han Regular" panose="020B0500000000000000" pitchFamily="34" charset="-128"/>
-                          <a:ea typeface="Adobe Clean Han Regular" panose="020B0500000000000000" pitchFamily="34" charset="-128"/>
+                          <a:latin typeface="Adobe Clean Han Light" panose="020B0300000000000000" pitchFamily="34" charset="-128"/>
+                          <a:ea typeface="Adobe Clean Han Light" panose="020B0300000000000000" pitchFamily="34" charset="-128"/>
                           <a:cs typeface="AdobeClean-Light"/>
                         </a:rPr>
                         <a:t>エスカレーション管理</a:t>
@@ -5298,9 +5452,8 @@
                           <a:spcPts val="470"/>
                         </a:spcBef>
                       </a:pPr>
-                      <a:endParaRPr sz="900" dirty="0">
-                        <a:latin typeface="Adobe Clean Han Regular" panose="020B0500000000000000" pitchFamily="34" charset="-128"/>
-                        <a:ea typeface="Adobe Clean Han Regular" panose="020B0500000000000000" pitchFamily="34" charset="-128"/>
+                      <a:endParaRPr sz="900">
+                        <a:latin typeface="Wingdings"/>
                         <a:cs typeface="Wingdings"/>
                       </a:endParaRPr>
                     </a:p>
@@ -5336,8 +5489,8 @@
                           <a:solidFill>
                             <a:srgbClr val="020302"/>
                           </a:solidFill>
-                          <a:latin typeface="Adobe Clean Han Regular" panose="020B0500000000000000" pitchFamily="34" charset="-128"/>
-                          <a:ea typeface="Adobe Clean Han Regular" panose="020B0500000000000000" pitchFamily="34" charset="-128"/>
+                          <a:latin typeface="Wingdings"/>
+                          <a:ea typeface="MS Mincho"/>
                           <a:cs typeface="Wingdings"/>
                         </a:rPr>
                         <a:t></a:t>
@@ -5372,7 +5525,7 @@
                           <a:spcPts val="450"/>
                         </a:spcBef>
                       </a:pPr>
-                      <a:endParaRPr sz="900" dirty="0">
+                      <a:endParaRPr sz="900">
                         <a:latin typeface="AdobeClean-Light"/>
                         <a:cs typeface="AdobeClean-Light"/>
                       </a:endParaRPr>
@@ -5413,12 +5566,12 @@
                         </a:spcBef>
                       </a:pPr>
                       <a:r>
-                        <a:rPr lang="ja-JP" sz="900">
+                        <a:rPr lang="ja-JP" sz="900" dirty="0">
                           <a:solidFill>
                             <a:srgbClr val="020302"/>
                           </a:solidFill>
-                          <a:latin typeface="Adobe Clean Han Regular" panose="020B0500000000000000" pitchFamily="34" charset="-128"/>
-                          <a:ea typeface="Adobe Clean Han Regular" panose="020B0500000000000000" pitchFamily="34" charset="-128"/>
+                          <a:latin typeface="Adobe Clean Han Light" panose="020B0300000000000000" pitchFamily="34" charset="-128"/>
+                          <a:ea typeface="Adobe Clean Han Light" panose="020B0300000000000000" pitchFamily="34" charset="-128"/>
                           <a:cs typeface="AdobeClean-Light"/>
                         </a:rPr>
                         <a:t>年間のサービスレビュー</a:t>
@@ -5450,9 +5603,8 @@
                           <a:spcPct val="100000"/>
                         </a:lnSpc>
                       </a:pPr>
-                      <a:endParaRPr sz="900" dirty="0">
-                        <a:latin typeface="Adobe Clean Han Regular" panose="020B0500000000000000" pitchFamily="34" charset="-128"/>
-                        <a:ea typeface="Adobe Clean Han Regular" panose="020B0500000000000000" pitchFamily="34" charset="-128"/>
+                      <a:endParaRPr sz="900">
+                        <a:latin typeface="Times New Roman"/>
                         <a:cs typeface="Times New Roman"/>
                       </a:endParaRPr>
                     </a:p>
@@ -5481,9 +5633,9 @@
                         </a:lnSpc>
                       </a:pPr>
                       <a:r>
-                        <a:rPr lang="ja-JP" sz="900">
-                          <a:latin typeface="Adobe Clean Han Regular" panose="020B0500000000000000" pitchFamily="34" charset="-128"/>
-                          <a:ea typeface="Adobe Clean Han Regular" panose="020B0500000000000000" pitchFamily="34" charset="-128"/>
+                        <a:rPr lang="ja-JP" sz="900" dirty="0">
+                          <a:latin typeface="Adobe Clean Han Light" panose="020B0300000000000000" pitchFamily="34" charset="-128"/>
+                          <a:ea typeface="Adobe Clean Han Light" panose="020B0300000000000000" pitchFamily="34" charset="-128"/>
                           <a:cs typeface="Times New Roman"/>
                         </a:rPr>
                         <a:t>4</a:t>
@@ -5529,18 +5681,13 @@
                         </a:spcBef>
                       </a:pPr>
                       <a:r>
-                        <a:rPr lang="ja-JP" sz="900">
-                          <a:latin typeface="Adobe Clean Han Regular" panose="020B0500000000000000" pitchFamily="34" charset="-128"/>
-                          <a:ea typeface="Adobe Clean Han Regular" panose="020B0500000000000000" pitchFamily="34" charset="-128"/>
+                        <a:rPr lang="ja-JP" sz="900" dirty="0">
+                          <a:latin typeface="Adobe Clean Han Light" panose="020B0300000000000000" pitchFamily="34" charset="-128"/>
+                          <a:ea typeface="Adobe Clean Han Light" panose="020B0300000000000000" pitchFamily="34" charset="-128"/>
                           <a:cs typeface="AdobeClean-Light"/>
                         </a:rPr>
                         <a:t>年間のエキスパートセッション</a:t>
                       </a:r>
-                      <a:endParaRPr lang="ja-JP" sz="900" dirty="0">
-                        <a:latin typeface="Adobe Clean Han Regular" panose="020B0500000000000000" pitchFamily="34" charset="-128"/>
-                        <a:ea typeface="Adobe Clean Han Regular" panose="020B0500000000000000" pitchFamily="34" charset="-128"/>
-                        <a:cs typeface="AdobeClean-Light"/>
-                      </a:endParaRPr>
                     </a:p>
                   </a:txBody>
                   <a:tcPr marL="0" marR="0" marT="57150" marB="0">
@@ -5574,9 +5721,8 @@
                           <a:spcPct val="100000"/>
                         </a:lnSpc>
                       </a:pPr>
-                      <a:endParaRPr sz="900" dirty="0">
-                        <a:latin typeface="Adobe Clean Han Regular" panose="020B0500000000000000" pitchFamily="34" charset="-128"/>
-                        <a:ea typeface="Adobe Clean Han Regular" panose="020B0500000000000000" pitchFamily="34" charset="-128"/>
+                      <a:endParaRPr sz="900">
+                        <a:latin typeface="Times New Roman"/>
                         <a:cs typeface="Times New Roman"/>
                       </a:endParaRPr>
                     </a:p>
@@ -5605,9 +5751,9 @@
                         </a:lnSpc>
                       </a:pPr>
                       <a:r>
-                        <a:rPr lang="ja-JP" sz="900">
-                          <a:latin typeface="Adobe Clean Han Regular" panose="020B0500000000000000" pitchFamily="34" charset="-128"/>
-                          <a:ea typeface="Adobe Clean Han Regular" panose="020B0500000000000000" pitchFamily="34" charset="-128"/>
+                        <a:rPr lang="ja-JP" sz="900" dirty="0">
+                          <a:latin typeface="Adobe Clean Han Light" panose="020B0300000000000000" pitchFamily="34" charset="-128"/>
+                          <a:ea typeface="Adobe Clean Han Light" panose="020B0300000000000000" pitchFamily="34" charset="-128"/>
                           <a:cs typeface="Times New Roman"/>
                         </a:rPr>
                         <a:t>4</a:t>
@@ -5654,8 +5800,8 @@
                       </a:pPr>
                       <a:r>
                         <a:rPr lang="ja-JP" sz="900">
-                          <a:latin typeface="Adobe Clean Han Regular" panose="020B0500000000000000" pitchFamily="34" charset="-128"/>
-                          <a:ea typeface="Adobe Clean Han Regular" panose="020B0500000000000000" pitchFamily="34" charset="-128"/>
+                          <a:latin typeface="Adobe Clean Han Light" panose="020B0300000000000000" pitchFamily="34" charset="-128"/>
+                          <a:ea typeface="Adobe Clean Han Light" panose="020B0300000000000000" pitchFamily="34" charset="-128"/>
                           <a:cs typeface="AdobeClean-Light"/>
                         </a:rPr>
                         <a:t>ケースレビュー</a:t>
@@ -5693,9 +5839,8 @@
                           <a:spcPct val="100000"/>
                         </a:lnSpc>
                       </a:pPr>
-                      <a:endParaRPr sz="900" dirty="0">
-                        <a:latin typeface="Adobe Clean Han Regular" panose="020B0500000000000000" pitchFamily="34" charset="-128"/>
-                        <a:ea typeface="Adobe Clean Han Regular" panose="020B0500000000000000" pitchFamily="34" charset="-128"/>
+                      <a:endParaRPr sz="900">
+                        <a:latin typeface="Times New Roman"/>
                         <a:cs typeface="Times New Roman"/>
                       </a:endParaRPr>
                     </a:p>
@@ -5740,8 +5885,8 @@
                           <a:solidFill>
                             <a:srgbClr val="020302"/>
                           </a:solidFill>
-                          <a:latin typeface="Adobe Clean Han Regular" panose="020B0500000000000000" pitchFamily="34" charset="-128"/>
-                          <a:ea typeface="Adobe Clean Han Regular" panose="020B0500000000000000" pitchFamily="34" charset="-128"/>
+                          <a:latin typeface="Wingdings"/>
+                          <a:ea typeface="MS Mincho"/>
                           <a:cs typeface="Wingdings"/>
                         </a:rPr>
                         <a:t></a:t>
@@ -5776,7 +5921,7 @@
                           <a:spcPts val="459"/>
                         </a:spcBef>
                       </a:pPr>
-                      <a:endParaRPr sz="900" dirty="0">
+                      <a:endParaRPr sz="900">
                         <a:latin typeface="AdobeClean-Light"/>
                         <a:cs typeface="AdobeClean-Light"/>
                       </a:endParaRPr>
@@ -5826,12 +5971,12 @@
                         </a:spcBef>
                       </a:pPr>
                       <a:r>
-                        <a:rPr lang="ja-JP" sz="900">
+                        <a:rPr lang="ja-JP" sz="900" dirty="0">
                           <a:solidFill>
                             <a:srgbClr val="020302"/>
                           </a:solidFill>
-                          <a:latin typeface="Adobe Clean Han Regular" panose="020B0500000000000000" pitchFamily="34" charset="-128"/>
-                          <a:ea typeface="Adobe Clean Han Regular" panose="020B0500000000000000" pitchFamily="34" charset="-128"/>
+                          <a:latin typeface="Adobe Clean Han Light" panose="020B0300000000000000" pitchFamily="34" charset="-128"/>
+                          <a:ea typeface="Adobe Clean Han Light" panose="020B0300000000000000" pitchFamily="34" charset="-128"/>
                           <a:cs typeface="AdobeClean-Light"/>
                         </a:rPr>
                         <a:t>イベント管理</a:t>
@@ -5869,9 +6014,8 @@
                           <a:spcPct val="100000"/>
                         </a:lnSpc>
                       </a:pPr>
-                      <a:endParaRPr sz="900" dirty="0">
-                        <a:latin typeface="Adobe Clean Han Regular" panose="020B0500000000000000" pitchFamily="34" charset="-128"/>
-                        <a:ea typeface="Adobe Clean Han Regular" panose="020B0500000000000000" pitchFamily="34" charset="-128"/>
+                      <a:endParaRPr sz="900">
+                        <a:latin typeface="Times New Roman"/>
                         <a:cs typeface="Times New Roman"/>
                       </a:endParaRPr>
                     </a:p>
@@ -5916,8 +6060,8 @@
                           <a:solidFill>
                             <a:srgbClr val="020302"/>
                           </a:solidFill>
-                          <a:latin typeface="Adobe Clean Han Regular" panose="020B0500000000000000" pitchFamily="34" charset="-128"/>
-                          <a:ea typeface="Adobe Clean Han Regular" panose="020B0500000000000000" pitchFamily="34" charset="-128"/>
+                          <a:latin typeface="Wingdings"/>
+                          <a:ea typeface="MS Mincho"/>
                           <a:cs typeface="Wingdings"/>
                         </a:rPr>
                         <a:t></a:t>
@@ -5952,7 +6096,7 @@
                           <a:spcPts val="465"/>
                         </a:spcBef>
                       </a:pPr>
-                      <a:endParaRPr sz="900" dirty="0">
+                      <a:endParaRPr sz="900">
                         <a:latin typeface="AdobeClean-Light"/>
                         <a:cs typeface="AdobeClean-Light"/>
                       </a:endParaRPr>
@@ -5993,12 +6137,12 @@
                         </a:spcBef>
                       </a:pPr>
                       <a:r>
-                        <a:rPr lang="ja-JP" sz="900">
+                        <a:rPr lang="ja-JP" sz="900" dirty="0">
                           <a:solidFill>
                             <a:srgbClr val="020302"/>
                           </a:solidFill>
-                          <a:latin typeface="Adobe Clean Han Regular" panose="020B0500000000000000" pitchFamily="34" charset="-128"/>
-                          <a:ea typeface="Adobe Clean Han Regular" panose="020B0500000000000000" pitchFamily="34" charset="-128"/>
+                          <a:latin typeface="Adobe Clean Han Light" panose="020B0300000000000000" pitchFamily="34" charset="-128"/>
+                          <a:ea typeface="Adobe Clean Han Light" panose="020B0300000000000000" pitchFamily="34" charset="-128"/>
                           <a:cs typeface="AdobeClean-Light"/>
                         </a:rPr>
                         <a:t>環境レビュー、メンテナンスと監視</a:t>
@@ -6030,9 +6174,8 @@
                           <a:spcPct val="100000"/>
                         </a:lnSpc>
                       </a:pPr>
-                      <a:endParaRPr sz="900" dirty="0">
-                        <a:latin typeface="Adobe Clean Han Regular" panose="020B0500000000000000" pitchFamily="34" charset="-128"/>
-                        <a:ea typeface="Adobe Clean Han Regular" panose="020B0500000000000000" pitchFamily="34" charset="-128"/>
+                      <a:endParaRPr sz="900">
+                        <a:latin typeface="Times New Roman"/>
                         <a:cs typeface="Times New Roman"/>
                       </a:endParaRPr>
                     </a:p>
@@ -6073,12 +6216,12 @@
                         <a:defRPr/>
                       </a:pPr>
                       <a:r>
-                        <a:rPr lang="ja-JP" sz="900" dirty="0">
+                        <a:rPr lang="ja-JP" sz="900">
                           <a:solidFill>
                             <a:srgbClr val="020302"/>
                           </a:solidFill>
-                          <a:latin typeface="Adobe Clean Han Regular" panose="020B0500000000000000" pitchFamily="34" charset="-128"/>
-                          <a:ea typeface="Adobe Clean Han Regular" panose="020B0500000000000000" pitchFamily="34" charset="-128"/>
+                          <a:latin typeface="Wingdings"/>
+                          <a:ea typeface="MS Mincho"/>
                           <a:cs typeface="Wingdings"/>
                         </a:rPr>
                         <a:t></a:t>
@@ -6113,7 +6256,7 @@
                           <a:spcPts val="500"/>
                         </a:spcBef>
                       </a:pPr>
-                      <a:endParaRPr sz="900" dirty="0">
+                      <a:endParaRPr sz="900">
                         <a:latin typeface="AdobeClean-Light"/>
                         <a:cs typeface="AdobeClean-Light"/>
                       </a:endParaRPr>
@@ -6158,32 +6301,11 @@
                           <a:solidFill>
                             <a:srgbClr val="020302"/>
                           </a:solidFill>
-                          <a:latin typeface="Adobe Clean Han Regular" panose="020B0500000000000000" pitchFamily="34" charset="-128"/>
-                          <a:ea typeface="Adobe Clean Han Regular" panose="020B0500000000000000" pitchFamily="34" charset="-128"/>
+                          <a:latin typeface="Adobe Clean Han Light" panose="020B0300000000000000" pitchFamily="34" charset="-128"/>
+                          <a:ea typeface="Adobe Clean Han Light" panose="020B0300000000000000" pitchFamily="34" charset="-128"/>
                           <a:cs typeface="AdobeClean-Light"/>
                         </a:rPr>
-                        <a:t>リリース、移行、アップグレード、</a:t>
-                      </a:r>
-                      <a:br>
-                        <a:rPr lang="sk-SK" altLang="ja-JP" sz="900" dirty="0">
-                          <a:solidFill>
-                            <a:srgbClr val="020302"/>
-                          </a:solidFill>
-                          <a:latin typeface="Adobe Clean Han Regular" panose="020B0500000000000000" pitchFamily="34" charset="-128"/>
-                          <a:ea typeface="Adobe Clean Han Regular" panose="020B0500000000000000" pitchFamily="34" charset="-128"/>
-                          <a:cs typeface="AdobeClean-Light"/>
-                        </a:rPr>
-                      </a:br>
-                      <a:r>
-                        <a:rPr lang="ja-JP" sz="900" dirty="0">
-                          <a:solidFill>
-                            <a:srgbClr val="020302"/>
-                          </a:solidFill>
-                          <a:latin typeface="Adobe Clean Han Regular" panose="020B0500000000000000" pitchFamily="34" charset="-128"/>
-                          <a:ea typeface="Adobe Clean Han Regular" panose="020B0500000000000000" pitchFamily="34" charset="-128"/>
-                          <a:cs typeface="AdobeClean-Light"/>
-                        </a:rPr>
-                        <a:t>製品ロードマップのレビュー</a:t>
+                        <a:t>リリース、移行、アップグレード、製品ロードマップのレビュー</a:t>
                       </a:r>
                     </a:p>
                   </a:txBody>
@@ -6213,8 +6335,7 @@
                         </a:lnSpc>
                       </a:pPr>
                       <a:endParaRPr sz="900" dirty="0">
-                        <a:latin typeface="Adobe Clean Han Regular" panose="020B0500000000000000" pitchFamily="34" charset="-128"/>
-                        <a:ea typeface="Adobe Clean Han Regular" panose="020B0500000000000000" pitchFamily="34" charset="-128"/>
+                        <a:latin typeface="Times New Roman"/>
                         <a:cs typeface="Times New Roman"/>
                       </a:endParaRPr>
                     </a:p>
@@ -6259,8 +6380,8 @@
                           <a:solidFill>
                             <a:srgbClr val="020302"/>
                           </a:solidFill>
-                          <a:latin typeface="Adobe Clean Han Regular" panose="020B0500000000000000" pitchFamily="34" charset="-128"/>
-                          <a:ea typeface="Adobe Clean Han Regular" panose="020B0500000000000000" pitchFamily="34" charset="-128"/>
+                          <a:latin typeface="Wingdings"/>
+                          <a:ea typeface="MS Mincho"/>
                           <a:cs typeface="Wingdings"/>
                         </a:rPr>
                         <a:t></a:t>
@@ -6295,7 +6416,7 @@
                           <a:spcPts val="530"/>
                         </a:spcBef>
                       </a:pPr>
-                      <a:endParaRPr sz="900" dirty="0">
+                      <a:endParaRPr sz="900">
                         <a:latin typeface="AdobeClean-Light"/>
                         <a:cs typeface="AdobeClean-Light"/>
                       </a:endParaRPr>
@@ -6346,26 +6467,11 @@
                       </a:pPr>
                       <a:r>
                         <a:rPr lang="ja-JP" sz="900" dirty="0">
-                          <a:latin typeface="Adobe Clean Han Regular" panose="020B0500000000000000" pitchFamily="34" charset="-128"/>
-                          <a:ea typeface="Adobe Clean Han Regular" panose="020B0500000000000000" pitchFamily="34" charset="-128"/>
+                          <a:latin typeface="Adobe Clean Han Light" panose="020B0300000000000000" pitchFamily="34" charset="-128"/>
+                          <a:ea typeface="Adobe Clean Han Light" panose="020B0300000000000000" pitchFamily="34" charset="-128"/>
                           <a:cs typeface="AdobeClean-Light"/>
                         </a:rPr>
-                        <a:t>クラウドサポートアクティビティ – </a:t>
-                      </a:r>
-                      <a:br>
-                        <a:rPr lang="sk-SK" altLang="ja-JP" sz="900" dirty="0">
-                          <a:latin typeface="Adobe Clean Han Regular" panose="020B0500000000000000" pitchFamily="34" charset="-128"/>
-                          <a:ea typeface="Adobe Clean Han Regular" panose="020B0500000000000000" pitchFamily="34" charset="-128"/>
-                          <a:cs typeface="AdobeClean-Light"/>
-                        </a:rPr>
-                      </a:br>
-                      <a:r>
-                        <a:rPr lang="ja-JP" sz="900" dirty="0">
-                          <a:latin typeface="Adobe Clean Han Regular" panose="020B0500000000000000" pitchFamily="34" charset="-128"/>
-                          <a:ea typeface="Adobe Clean Han Regular" panose="020B0500000000000000" pitchFamily="34" charset="-128"/>
-                          <a:cs typeface="AdobeClean-Light"/>
-                        </a:rPr>
-                        <a:t>Experience Manager as Cloud</a:t>
+                        <a:t>クラウドサポートアクティビティ – Experience Manager as Cloud</a:t>
                       </a:r>
                     </a:p>
                   </a:txBody>
@@ -6400,9 +6506,8 @@
                           <a:spcPct val="100000"/>
                         </a:lnSpc>
                       </a:pPr>
-                      <a:endParaRPr sz="900" dirty="0">
-                        <a:latin typeface="Adobe Clean Han Regular" panose="020B0500000000000000" pitchFamily="34" charset="-128"/>
-                        <a:ea typeface="Adobe Clean Han Regular" panose="020B0500000000000000" pitchFamily="34" charset="-128"/>
+                      <a:endParaRPr sz="900">
+                        <a:latin typeface="Times New Roman"/>
                         <a:cs typeface="Times New Roman"/>
                       </a:endParaRPr>
                     </a:p>
@@ -6456,8 +6561,8 @@
                           <a:solidFill>
                             <a:srgbClr val="020302"/>
                           </a:solidFill>
-                          <a:latin typeface="Adobe Clean Han Regular" panose="020B0500000000000000" pitchFamily="34" charset="-128"/>
-                          <a:ea typeface="Adobe Clean Han Regular" panose="020B0500000000000000" pitchFamily="34" charset="-128"/>
+                          <a:latin typeface="Wingdings"/>
+                          <a:ea typeface="MS Mincho"/>
                           <a:cs typeface="Wingdings"/>
                         </a:rPr>
                         <a:t></a:t>
@@ -6564,12 +6669,12 @@
                         </a:spcBef>
                       </a:pPr>
                       <a:r>
-                        <a:rPr lang="ja-JP" sz="900">
+                        <a:rPr lang="ja-JP" sz="900" dirty="0">
                           <a:solidFill>
                             <a:srgbClr val="020302"/>
                           </a:solidFill>
-                          <a:latin typeface="Adobe Clean Han Regular" panose="020B0500000000000000" pitchFamily="34" charset="-128"/>
-                          <a:ea typeface="Adobe Clean Han Regular" panose="020B0500000000000000" pitchFamily="34" charset="-128"/>
+                          <a:latin typeface="Adobe Clean Han Light" panose="020B0300000000000000" pitchFamily="34" charset="-128"/>
+                          <a:ea typeface="Adobe Clean Han Light" panose="020B0300000000000000" pitchFamily="34" charset="-128"/>
                           <a:cs typeface="AdobeClean-Light"/>
                         </a:rPr>
                         <a:t>Launch Advisory サービス – 製品導入の初年度</a:t>
@@ -6617,9 +6722,8 @@
                           <a:spcPct val="100000"/>
                         </a:lnSpc>
                       </a:pPr>
-                      <a:endParaRPr sz="900" dirty="0">
-                        <a:latin typeface="Adobe Clean Han Regular" panose="020B0500000000000000" pitchFamily="34" charset="-128"/>
-                        <a:ea typeface="Adobe Clean Han Regular" panose="020B0500000000000000" pitchFamily="34" charset="-128"/>
+                      <a:endParaRPr sz="900">
+                        <a:latin typeface="Times New Roman"/>
                         <a:cs typeface="Times New Roman"/>
                       </a:endParaRPr>
                     </a:p>
@@ -6689,8 +6793,8 @@
                           <a:solidFill>
                             <a:srgbClr val="020302"/>
                           </a:solidFill>
-                          <a:latin typeface="Adobe Clean Han Regular" panose="020B0500000000000000" pitchFamily="34" charset="-128"/>
-                          <a:ea typeface="Adobe Clean Han Regular" panose="020B0500000000000000" pitchFamily="34" charset="-128"/>
+                          <a:latin typeface="Wingdings"/>
+                          <a:ea typeface="MS Mincho"/>
                           <a:cs typeface="Wingdings"/>
                         </a:rPr>
                         <a:t></a:t>
@@ -6774,8 +6878,8 @@
                       </a:pPr>
                       <a:r>
                         <a:rPr lang="ja-JP" sz="900" dirty="0">
-                          <a:latin typeface="Adobe Clean Han Regular" panose="020B0500000000000000" pitchFamily="34" charset="-128"/>
-                          <a:ea typeface="Adobe Clean Han Regular" panose="020B0500000000000000" pitchFamily="34" charset="-128"/>
+                          <a:latin typeface="Adobe Clean Han Light" panose="020B0300000000000000" pitchFamily="34" charset="-128"/>
+                          <a:ea typeface="Adobe Clean Han Light" panose="020B0300000000000000" pitchFamily="34" charset="-128"/>
                           <a:cs typeface="AdobeClean-Light"/>
                         </a:rPr>
                         <a:t>フィールドサービスアクティビティ </a:t>
@@ -6813,10 +6917,7 @@
                     <a:lstStyle/>
                     <a:p>
                       <a:pPr algn="l" rtl="0"/>
-                      <a:endParaRPr lang="en-US" dirty="0">
-                        <a:latin typeface="Adobe Clean Han Regular" panose="020B0500000000000000" pitchFamily="34" charset="-128"/>
-                        <a:ea typeface="Adobe Clean Han Regular" panose="020B0500000000000000" pitchFamily="34" charset="-128"/>
-                      </a:endParaRPr>
+                      <a:endParaRPr lang="en-US"/>
                     </a:p>
                   </a:txBody>
                   <a:tcPr marL="0" marR="0" marT="0" marB="0">
@@ -6865,8 +6966,8 @@
                       <a:pPr algn="ctr"/>
                       <a:r>
                         <a:rPr lang="ja-JP" sz="900" dirty="0">
-                          <a:latin typeface="Adobe Clean Han Regular" panose="020B0500000000000000" pitchFamily="34" charset="-128"/>
-                          <a:ea typeface="Adobe Clean Han Regular" panose="020B0500000000000000" pitchFamily="34" charset="-128"/>
+                          <a:latin typeface="Adobe Clean Han Light" panose="020B0300000000000000" pitchFamily="34" charset="-128"/>
+                          <a:ea typeface="Adobe Clean Han Light" panose="020B0300000000000000" pitchFamily="34" charset="-128"/>
                           <a:cs typeface="Times New Roman"/>
                         </a:rPr>
                         <a:t>4</a:t>
@@ -6960,9 +7061,9 @@
           <p:nvPr/>
         </p:nvSpPr>
         <p:spPr>
-          <a:xfrm>
-            <a:off x="357339" y="897486"/>
-            <a:ext cx="2004861" cy="45719"/>
+          <a:xfrm flipV="1">
+            <a:off x="357339" y="851767"/>
+            <a:ext cx="2054391" cy="45719"/>
           </a:xfrm>
           <a:custGeom>
             <a:avLst/>
@@ -6991,10 +7092,7 @@
           <a:bodyPr wrap="square" lIns="0" tIns="0" rIns="0" bIns="0" rtlCol="0"/>
           <a:lstStyle/>
           <a:p>
-            <a:endParaRPr>
-              <a:latin typeface="Adobe Clean Han Regular" panose="020B0500000000000000" pitchFamily="34" charset="-128"/>
-              <a:ea typeface="Adobe Clean Han Regular" panose="020B0500000000000000" pitchFamily="34" charset="-128"/>
-            </a:endParaRPr>
+            <a:endParaRPr/>
           </a:p>
         </p:txBody>
       </p:sp>
@@ -7050,7 +7148,7 @@
         <p:spPr>
           <a:xfrm>
             <a:off x="2868167" y="1433668"/>
-            <a:ext cx="2194560" cy="936154"/>
+            <a:ext cx="2194560" cy="843821"/>
           </a:xfrm>
           <a:prstGeom prst="rect">
             <a:avLst/>
@@ -7071,12 +7169,12 @@
               </a:spcBef>
             </a:pPr>
             <a:r>
-              <a:rPr lang="ja-JP" sz="1000" dirty="0">
+              <a:rPr lang="ja-JP" sz="900" dirty="0">
                 <a:solidFill>
                   <a:srgbClr val="4B4B4B"/>
                 </a:solidFill>
-                <a:latin typeface="Adobe Clean Han Regular" panose="020B0500000000000000" pitchFamily="34" charset="-128"/>
-                <a:ea typeface="Adobe Clean Han Regular" panose="020B0500000000000000" pitchFamily="34" charset="-128"/>
+                <a:latin typeface="Adobe Clean Han Light" panose="020B0300000000000000" pitchFamily="34" charset="-128"/>
+                <a:ea typeface="Adobe Clean Han Light" panose="020B0300000000000000" pitchFamily="34" charset="-128"/>
                 <a:cs typeface="AdobeClean-Light"/>
               </a:rPr>
               <a:t>お客様のソリューション環境およびビジネス目標をよく理解している、専任のサポートエンジニアです。豊富な経験を活かして、お客様のエンタープライズサポートエクスペリエンスの調整を支援します。</a:t>
@@ -7124,8 +7222,8 @@
         </p:blipFill>
         <p:spPr>
           <a:xfrm>
-            <a:off x="5257800" y="2561747"/>
-            <a:ext cx="365760" cy="365760"/>
+            <a:off x="5294417" y="2503114"/>
+            <a:ext cx="292526" cy="292526"/>
           </a:xfrm>
           <a:prstGeom prst="rect">
             <a:avLst/>
@@ -7141,7 +7239,7 @@
         <p:spPr>
           <a:xfrm>
             <a:off x="5333365" y="1433668"/>
-            <a:ext cx="2194560" cy="936154"/>
+            <a:ext cx="2194560" cy="705321"/>
           </a:xfrm>
           <a:prstGeom prst="rect">
             <a:avLst/>
@@ -7162,12 +7260,12 @@
               </a:spcBef>
             </a:pPr>
             <a:r>
-              <a:rPr lang="ja-JP" sz="1000" dirty="0">
+              <a:rPr lang="ja-JP" sz="900" dirty="0">
                 <a:solidFill>
                   <a:srgbClr val="4B4B4B"/>
                 </a:solidFill>
-                <a:latin typeface="Adobe Clean Han Regular" panose="020B0500000000000000" pitchFamily="34" charset="-128"/>
-                <a:ea typeface="Adobe Clean Han Regular" panose="020B0500000000000000" pitchFamily="34" charset="-128"/>
+                <a:latin typeface="Adobe Clean Han Light" panose="020B0300000000000000" pitchFamily="34" charset="-128"/>
+                <a:ea typeface="Adobe Clean Han Light" panose="020B0300000000000000" pitchFamily="34" charset="-128"/>
                 <a:cs typeface="AdobeClean-Light"/>
               </a:rPr>
               <a:t>オープン中のサポートリクエストを定期的にレビューし、ケースの説明、ビジネスへの影響、ステータス、優先度、迅速な解決に必要な次のステップへの合意について、お客様と調整します。</a:t>
@@ -7191,7 +7289,7 @@
         </p:blipFill>
         <p:spPr>
           <a:xfrm>
-            <a:off x="2768925" y="2500787"/>
+            <a:off x="2768925" y="2432207"/>
             <a:ext cx="241555" cy="365760"/>
           </a:xfrm>
           <a:prstGeom prst="rect">
@@ -7208,7 +7306,7 @@
         <p:spPr>
           <a:xfrm>
             <a:off x="324341" y="1433668"/>
-            <a:ext cx="2344636" cy="936154"/>
+            <a:ext cx="2273188" cy="843821"/>
           </a:xfrm>
           <a:prstGeom prst="rect">
             <a:avLst/>
@@ -7229,12 +7327,12 @@
               </a:spcBef>
             </a:pPr>
             <a:r>
-              <a:rPr lang="ja-JP" sz="1000" dirty="0">
+              <a:rPr lang="ja-JP" sz="900" dirty="0">
                 <a:solidFill>
                   <a:srgbClr val="020302"/>
                 </a:solidFill>
-                <a:latin typeface="Adobe Clean Han Regular" panose="020B0500000000000000" pitchFamily="34" charset="-128"/>
-                <a:ea typeface="Adobe Clean Han Regular" panose="020B0500000000000000" pitchFamily="34" charset="-128"/>
+                <a:latin typeface="Adobe Clean Han Light" panose="020B0300000000000000" pitchFamily="34" charset="-128"/>
+                <a:ea typeface="Adobe Clean Han Light" panose="020B0300000000000000" pitchFamily="34" charset="-128"/>
                 <a:cs typeface="AdobeClean-Light"/>
               </a:rPr>
               <a:t>エリートエクスペリエンスを監視し、サポートおよびフィールドサービスのエンゲージメントを調整し、ビジネス価値を最大化するためのプロアクティブなサービスを提供する、専任のテクニカルアカウントマネージャーです。</a:t>
@@ -7250,8 +7348,8 @@
         </p:nvSpPr>
         <p:spPr>
           <a:xfrm>
-            <a:off x="689237" y="1126245"/>
-            <a:ext cx="1925405" cy="338554"/>
+            <a:off x="689237" y="1084335"/>
+            <a:ext cx="1861191" cy="338554"/>
           </a:xfrm>
           <a:prstGeom prst="rect">
             <a:avLst/>
@@ -7280,7 +7378,28 @@
                 <a:ea typeface="Adobe Clean Han Regular" panose="020B0500000000000000" pitchFamily="34" charset="-128"/>
                 <a:cs typeface="Arial"/>
               </a:rPr>
-              <a:t>テクニカルアカウントマネージャー</a:t>
+              <a:t>テクニカルアカウント</a:t>
+            </a:r>
+            <a:br>
+              <a:rPr lang="en-US" altLang="ja-JP" sz="1100" b="1" dirty="0">
+                <a:solidFill>
+                  <a:srgbClr val="020302"/>
+                </a:solidFill>
+                <a:latin typeface="Adobe Clean Han Regular" panose="020B0500000000000000" pitchFamily="34" charset="-128"/>
+                <a:ea typeface="Adobe Clean Han Regular" panose="020B0500000000000000" pitchFamily="34" charset="-128"/>
+                <a:cs typeface="Arial"/>
+              </a:rPr>
+            </a:br>
+            <a:r>
+              <a:rPr lang="ja-JP" sz="1100" b="1" dirty="0">
+                <a:solidFill>
+                  <a:srgbClr val="020302"/>
+                </a:solidFill>
+                <a:latin typeface="Adobe Clean Han Regular" panose="020B0500000000000000" pitchFamily="34" charset="-128"/>
+                <a:ea typeface="Adobe Clean Han Regular" panose="020B0500000000000000" pitchFamily="34" charset="-128"/>
+                <a:cs typeface="Arial"/>
+              </a:rPr>
+              <a:t>マネージャー</a:t>
             </a:r>
           </a:p>
         </p:txBody>
@@ -7341,8 +7460,8 @@
         </p:nvSpPr>
         <p:spPr>
           <a:xfrm>
-            <a:off x="2791726" y="5243920"/>
-            <a:ext cx="2194560" cy="672877"/>
+            <a:off x="2791726" y="5111840"/>
+            <a:ext cx="2194560" cy="605743"/>
           </a:xfrm>
           <a:prstGeom prst="rect">
             <a:avLst/>
@@ -7363,12 +7482,12 @@
               </a:spcBef>
             </a:pPr>
             <a:r>
-              <a:rPr lang="ja-JP" sz="1000">
+              <a:rPr lang="ja-JP" sz="900" dirty="0">
                 <a:solidFill>
                   <a:srgbClr val="020302"/>
                 </a:solidFill>
-                <a:latin typeface="Adobe Clean Han Regular" panose="020B0500000000000000" pitchFamily="34" charset="-128"/>
-                <a:ea typeface="Adobe Clean Han Regular" panose="020B0500000000000000" pitchFamily="34" charset="-128"/>
+                <a:latin typeface="Adobe Clean Han Light" panose="020B0300000000000000" pitchFamily="34" charset="-128"/>
+                <a:ea typeface="Adobe Clean Han Light" panose="020B0300000000000000" pitchFamily="34" charset="-128"/>
                 <a:cs typeface="AdobeClean-Light"/>
               </a:rPr>
               <a:t>アドビサポートチームからの継続的なナレッジトランスファーにより、ソリューションの使用に関するベストプラクティスを提供します。</a:t>
@@ -7384,8 +7503,8 @@
         </p:nvSpPr>
         <p:spPr>
           <a:xfrm>
-            <a:off x="5265660" y="5243920"/>
-            <a:ext cx="2360419" cy="672877"/>
+            <a:off x="5265661" y="5111840"/>
+            <a:ext cx="2308619" cy="605743"/>
           </a:xfrm>
           <a:prstGeom prst="rect">
             <a:avLst/>
@@ -7406,15 +7525,15 @@
               </a:spcBef>
             </a:pPr>
             <a:r>
-              <a:rPr lang="ja-JP" sz="1000" dirty="0">
+              <a:rPr lang="ja-JP" sz="900" spc="-30" dirty="0">
                 <a:solidFill>
                   <a:srgbClr val="020302"/>
                 </a:solidFill>
-                <a:latin typeface="Adobe Clean Han Regular" panose="020B0500000000000000" pitchFamily="34" charset="-128"/>
-                <a:ea typeface="Adobe Clean Han Regular" panose="020B0500000000000000" pitchFamily="34" charset="-128"/>
+                <a:latin typeface="Adobe Clean Han Light" panose="020B0300000000000000" pitchFamily="34" charset="-128"/>
+                <a:ea typeface="Adobe Clean Han Light" panose="020B0300000000000000" pitchFamily="34" charset="-128"/>
                 <a:cs typeface="AdobeClean-Light"/>
               </a:rPr>
-              <a:t>ビジネスおよびプロジェクトの主要なマイルストーンで、適切なレベルのサポート、適用、緩和計画を確実に実施するために、主要なイベントを管理します。</a:t>
+              <a:t>ビジネスおよびプロジェクトの主要なマイルストーンで、適切なレベルのサポート、サポート範囲、緩和計画を確実に実施するために、主要なイベントを管理します。</a:t>
             </a:r>
           </a:p>
         </p:txBody>
@@ -7427,8 +7546,8 @@
         </p:nvSpPr>
         <p:spPr>
           <a:xfrm>
-            <a:off x="324341" y="5262204"/>
-            <a:ext cx="2344636" cy="880241"/>
+            <a:off x="324341" y="5160604"/>
+            <a:ext cx="2333134" cy="792396"/>
           </a:xfrm>
           <a:prstGeom prst="rect">
             <a:avLst/>
@@ -7440,7 +7559,7 @@
           </a:bodyPr>
           <a:lstStyle/>
           <a:p>
-            <a:pPr marL="12700" marR="5080" indent="97790">
+            <a:pPr marL="12700" marR="5080" indent="6350">
               <a:lnSpc>
                 <a:spcPct val="116199"/>
               </a:lnSpc>
@@ -7449,12 +7568,12 @@
               </a:spcBef>
             </a:pPr>
             <a:r>
-              <a:rPr lang="ja-JP" sz="1000" spc="-50" dirty="0">
+              <a:rPr lang="ja-JP" sz="900" dirty="0">
                 <a:solidFill>
                   <a:srgbClr val="020302"/>
                 </a:solidFill>
-                <a:latin typeface="Adobe Clean Han Regular" panose="020B0500000000000000" pitchFamily="34" charset="-128"/>
-                <a:ea typeface="Adobe Clean Han Regular" panose="020B0500000000000000" pitchFamily="34" charset="-128"/>
+                <a:latin typeface="Adobe Clean Han Light" panose="020B0300000000000000" pitchFamily="34" charset="-128"/>
+                <a:ea typeface="Adobe Clean Han Light" panose="020B0300000000000000" pitchFamily="34" charset="-128"/>
                 <a:cs typeface="AdobeClean-Light"/>
               </a:rPr>
               <a:t>最新のイノベーションを活用するために新製品の機能についてパーソナライズされたガイダンスを受けたり、アドビのエキスパートがリリースやアップグレード計画をレビューしたりします。</a:t>
@@ -7471,7 +7590,7 @@
         <p:spPr>
           <a:xfrm>
             <a:off x="97787" y="9888626"/>
-            <a:ext cx="2786010" cy="133370"/>
+            <a:ext cx="2202180" cy="149860"/>
           </a:xfrm>
           <a:prstGeom prst="rect">
             <a:avLst/>
@@ -7492,12 +7611,12 @@
               </a:spcBef>
             </a:pPr>
             <a:r>
-              <a:rPr lang="ja-JP" sz="800" dirty="0">
+              <a:rPr lang="ja-JP" sz="800">
                 <a:solidFill>
                   <a:srgbClr val="6D6D6D"/>
                 </a:solidFill>
-                <a:latin typeface="Adobe Clean Han Regular" panose="020B0500000000000000" pitchFamily="34" charset="-128"/>
-                <a:ea typeface="Adobe Clean Han Regular" panose="020B0500000000000000" pitchFamily="34" charset="-128"/>
+                <a:latin typeface="Adobe Clean"/>
+                <a:ea typeface="MS Mincho"/>
                 <a:cs typeface="Adobe Clean"/>
               </a:rPr>
               <a:t>©2021 Adobe.All Rights Reserved.Adobe Confidential.</a:t>
@@ -7536,7 +7655,7 @@
         </p:blipFill>
         <p:spPr>
           <a:xfrm>
-            <a:off x="228599" y="2472569"/>
+            <a:off x="228599" y="2403989"/>
             <a:ext cx="365760" cy="365760"/>
           </a:xfrm>
           <a:prstGeom prst="rect">
@@ -7558,8 +7677,8 @@
         </p:nvSpPr>
         <p:spPr>
           <a:xfrm>
-            <a:off x="2791726" y="9060487"/>
-            <a:ext cx="2194560" cy="795089"/>
+            <a:off x="2875546" y="8793787"/>
+            <a:ext cx="2194560" cy="1007968"/>
           </a:xfrm>
           <a:prstGeom prst="rect">
             <a:avLst/>
@@ -7583,12 +7702,12 @@
               </a:tabLst>
             </a:pPr>
             <a:r>
-              <a:rPr lang="ja-JP" sz="1000">
+              <a:rPr lang="ja-JP" sz="900" dirty="0">
                 <a:solidFill>
                   <a:srgbClr val="020302"/>
                 </a:solidFill>
-                <a:latin typeface="Adobe Clean Han Regular" panose="020B0500000000000000" pitchFamily="34" charset="-128"/>
-                <a:ea typeface="Adobe Clean Han Regular" panose="020B0500000000000000" pitchFamily="34" charset="-128"/>
+                <a:latin typeface="Adobe Clean Han Light" panose="020B0300000000000000" pitchFamily="34" charset="-128"/>
+                <a:ea typeface="Adobe Clean Han Light" panose="020B0300000000000000" pitchFamily="34" charset="-128"/>
                 <a:cs typeface="AdobeClean-Light"/>
               </a:rPr>
               <a:t>チャットセッションを開始すると、回答やケース申請による支援を受けることができます。</a:t>
@@ -7607,27 +7726,56 @@
               </a:tabLst>
             </a:pPr>
             <a:r>
-              <a:rPr lang="ja-JP" sz="1000" i="1">
+              <a:rPr lang="ja-JP" sz="900" i="1" dirty="0">
                 <a:solidFill>
                   <a:srgbClr val="7A7A7A"/>
                 </a:solidFill>
-                <a:latin typeface="Adobe Clean Han Regular" panose="020B0500000000000000" pitchFamily="34" charset="-128"/>
-                <a:ea typeface="Adobe Clean Han Regular" panose="020B0500000000000000" pitchFamily="34" charset="-128"/>
+                <a:latin typeface="Adobe Clean Han Light" panose="020B0300000000000000" pitchFamily="34" charset="-128"/>
+                <a:ea typeface="Adobe Clean Han Light" panose="020B0300000000000000" pitchFamily="34" charset="-128"/>
                 <a:cs typeface="AdobeClean-LightIt"/>
               </a:rPr>
-              <a:t>* すべての製品にライブチャットサポートがあるわけではありません</a:t>
-            </a:r>
-            <a:r>
-              <a:rPr lang="ja-JP" sz="900" i="1">
+              <a:t>* すべての製品にライブチャットサポートがあるわけではありません。  </a:t>
+            </a:r>
+            <a:endParaRPr lang="en-US" altLang="ja-JP" sz="900" i="1" dirty="0">
+              <a:solidFill>
+                <a:srgbClr val="7A7A7A"/>
+              </a:solidFill>
+              <a:latin typeface="Adobe Clean Han Light" panose="020B0300000000000000" pitchFamily="34" charset="-128"/>
+              <a:ea typeface="Adobe Clean Han Light" panose="020B0300000000000000" pitchFamily="34" charset="-128"/>
+              <a:cs typeface="AdobeClean-LightIt"/>
+            </a:endParaRPr>
+          </a:p>
+          <a:p>
+            <a:pPr marL="33020" marR="159385">
+              <a:lnSpc>
+                <a:spcPct val="100000"/>
+              </a:lnSpc>
+              <a:spcBef>
+                <a:spcPts val="100"/>
+              </a:spcBef>
+              <a:tabLst>
+                <a:tab pos="1786889" algn="l"/>
+              </a:tabLst>
+            </a:pPr>
+            <a:r>
+              <a:rPr lang="ja-JP" altLang="en-US" sz="900" i="1" dirty="0">
                 <a:solidFill>
                   <a:srgbClr val="7A7A7A"/>
                 </a:solidFill>
-                <a:latin typeface="Adobe Clean Han Regular" panose="020B0500000000000000" pitchFamily="34" charset="-128"/>
-                <a:ea typeface="Adobe Clean Han Regular" panose="020B0500000000000000" pitchFamily="34" charset="-128"/>
+                <a:latin typeface="Adobe Clean Han Light" panose="020B0300000000000000" pitchFamily="34" charset="-128"/>
+                <a:ea typeface="Adobe Clean Han Light" panose="020B0300000000000000" pitchFamily="34" charset="-128"/>
                 <a:cs typeface="AdobeClean-LightIt"/>
               </a:rPr>
-              <a:t>。  </a:t>
-            </a:r>
+              <a:t>* チャットサポートは日本語に対応していません。</a:t>
+            </a:r>
+            <a:endParaRPr lang="ja-JP" sz="900" i="1" dirty="0">
+              <a:solidFill>
+                <a:srgbClr val="7A7A7A"/>
+              </a:solidFill>
+              <a:latin typeface="Adobe Clean Han Light" panose="020B0300000000000000" pitchFamily="34" charset="-128"/>
+              <a:ea typeface="Adobe Clean Han Light" panose="020B0300000000000000" pitchFamily="34" charset="-128"/>
+              <a:cs typeface="AdobeClean-LightIt"/>
+            </a:endParaRPr>
           </a:p>
         </p:txBody>
       </p:sp>
@@ -7647,8 +7795,8 @@
         </p:nvSpPr>
         <p:spPr>
           <a:xfrm>
-            <a:off x="689237" y="6756914"/>
-            <a:ext cx="2194560" cy="184666"/>
+            <a:off x="689237" y="6566414"/>
+            <a:ext cx="1829664" cy="184666"/>
           </a:xfrm>
           <a:prstGeom prst="rect">
             <a:avLst/>
@@ -7678,8 +7826,8 @@
                 <a:solidFill>
                   <a:srgbClr val="000000"/>
                 </a:solidFill>
-                <a:latin typeface="Adobe Clean Han Regular" panose="020B0500000000000000" pitchFamily="34" charset="-128"/>
-                <a:ea typeface="Adobe Clean Han Regular" panose="020B0500000000000000" pitchFamily="34" charset="-128"/>
+                <a:latin typeface="Adobe Clean Han Light" panose="020B0300000000000000" pitchFamily="34" charset="-128"/>
+                <a:ea typeface="Adobe Clean Han Light" panose="020B0300000000000000" pitchFamily="34" charset="-128"/>
               </a:rPr>
               <a:t>コミュニティフォーラム</a:t>
             </a:r>
@@ -7702,8 +7850,8 @@
         </p:nvSpPr>
         <p:spPr>
           <a:xfrm>
-            <a:off x="689237" y="6960100"/>
-            <a:ext cx="2163190" cy="184666"/>
+            <a:off x="689237" y="6769600"/>
+            <a:ext cx="1720294" cy="184666"/>
           </a:xfrm>
           <a:prstGeom prst="rect">
             <a:avLst/>
@@ -7748,8 +7896,8 @@
         </p:nvSpPr>
         <p:spPr>
           <a:xfrm>
-            <a:off x="324341" y="7152361"/>
-            <a:ext cx="2194560" cy="1113125"/>
+            <a:off x="324341" y="6961861"/>
+            <a:ext cx="2194560" cy="866904"/>
           </a:xfrm>
           <a:prstGeom prst="rect">
             <a:avLst/>
@@ -7762,12 +7910,12 @@
           <a:lstStyle/>
           <a:p>
             <a:r>
-              <a:rPr lang="ja-JP" sz="1000" dirty="0">
+              <a:rPr lang="ja-JP" sz="900" dirty="0">
                 <a:solidFill>
                   <a:srgbClr val="4B4B4B"/>
                 </a:solidFill>
-                <a:latin typeface="Adobe Clean Han Regular" panose="020B0500000000000000" pitchFamily="34" charset="-128"/>
-                <a:ea typeface="Adobe Clean Han Regular" panose="020B0500000000000000" pitchFamily="34" charset="-128"/>
+                <a:latin typeface="Adobe Clean Han Light" panose="020B0300000000000000" pitchFamily="34" charset="-128"/>
+                <a:ea typeface="Adobe Clean Han Light" panose="020B0300000000000000" pitchFamily="34" charset="-128"/>
               </a:rPr>
               <a:t>テクニカルソリューション、製品ドキュメント、FAQ などの増大するデータベースにオンラインで継続的にアクセスできます。また、アドビコミュニティで実務担当者や他のお客様と繋がり、ベストプラクティスや学習した内容を共有できます。</a:t>
             </a:r>
@@ -7790,7 +7938,7 @@
         </p:nvSpPr>
         <p:spPr>
           <a:xfrm>
-            <a:off x="5723508" y="6756914"/>
+            <a:off x="5723508" y="6566414"/>
             <a:ext cx="1463040" cy="184666"/>
           </a:xfrm>
           <a:prstGeom prst="rect">
@@ -7821,8 +7969,8 @@
                 <a:solidFill>
                   <a:srgbClr val="000000"/>
                 </a:solidFill>
-                <a:latin typeface="Adobe Clean Han Regular" panose="020B0500000000000000" pitchFamily="34" charset="-128"/>
-                <a:ea typeface="Adobe Clean Han Regular" panose="020B0500000000000000" pitchFamily="34" charset="-128"/>
+                <a:latin typeface="Adobe Clean Han Light" panose="020B0300000000000000" pitchFamily="34" charset="-128"/>
+                <a:ea typeface="Adobe Clean Han Light" panose="020B0300000000000000" pitchFamily="34" charset="-128"/>
               </a:rPr>
               <a:t>Experience League</a:t>
             </a:r>
@@ -7845,7 +7993,7 @@
         </p:nvSpPr>
         <p:spPr>
           <a:xfrm>
-            <a:off x="5723508" y="6960100"/>
+            <a:off x="5723508" y="6769600"/>
             <a:ext cx="1745671" cy="184666"/>
           </a:xfrm>
           <a:prstGeom prst="rect">
@@ -7867,7 +8015,7 @@
               </a:spcAft>
             </a:pPr>
             <a:r>
-              <a:rPr lang="ja-JP" sz="1200" b="1">
+              <a:rPr lang="ja-JP" sz="1200" b="1" dirty="0">
                 <a:latin typeface="Adobe Clean Han Regular" panose="020B0500000000000000" pitchFamily="34" charset="-128"/>
                 <a:ea typeface="Adobe Clean Han Regular" panose="020B0500000000000000" pitchFamily="34" charset="-128"/>
                 <a:cs typeface="Open Sans" pitchFamily="34" charset="0"/>
@@ -7891,8 +8039,8 @@
         </p:nvSpPr>
         <p:spPr>
           <a:xfrm>
-            <a:off x="5265661" y="7152361"/>
-            <a:ext cx="2360418" cy="1267014"/>
+            <a:off x="5265660" y="6961861"/>
+            <a:ext cx="2360419" cy="1005403"/>
           </a:xfrm>
           <a:prstGeom prst="rect">
             <a:avLst/>
@@ -7905,12 +8053,12 @@
           <a:lstStyle/>
           <a:p>
             <a:r>
-              <a:rPr lang="ja-JP" sz="1000" dirty="0">
+              <a:rPr lang="ja-JP" sz="900" dirty="0">
                 <a:solidFill>
                   <a:srgbClr val="4B4B4B"/>
                 </a:solidFill>
-                <a:latin typeface="Adobe Clean Han Regular" panose="020B0500000000000000" pitchFamily="34" charset="-128"/>
-                <a:ea typeface="Adobe Clean Han Regular" panose="020B0500000000000000" pitchFamily="34" charset="-128"/>
+                <a:latin typeface="Adobe Clean Han Light" panose="020B0300000000000000" pitchFamily="34" charset="-128"/>
+                <a:ea typeface="Adobe Clean Han Light" panose="020B0300000000000000" pitchFamily="34" charset="-128"/>
               </a:rPr>
               <a:t>エクスペリエンスメーカーは、Experience League から誕生します。Experience League に参加すると、パーソナライズされた学習で、顧客体験管理能力を強化することができます。スキルの向上や、グローバルコミュニティでの仲間との交流のほか、キャリアアップに役立つ評価の獲得も可能です。</a:t>
             </a:r>
@@ -7933,8 +8081,8 @@
         </p:nvSpPr>
         <p:spPr>
           <a:xfrm>
-            <a:off x="3201544" y="8560230"/>
-            <a:ext cx="1861183" cy="184666"/>
+            <a:off x="3285364" y="8293530"/>
+            <a:ext cx="1820036" cy="184666"/>
           </a:xfrm>
           <a:prstGeom prst="rect">
             <a:avLst/>
@@ -7960,12 +8108,12 @@
               <a:defRPr/>
             </a:pPr>
             <a:r>
-              <a:rPr lang="ja-JP" sz="1200" dirty="0">
+              <a:rPr lang="ja-JP" sz="1200" spc="-30" dirty="0">
                 <a:solidFill>
                   <a:srgbClr val="000000"/>
                 </a:solidFill>
-                <a:latin typeface="Adobe Clean Han Regular" panose="020B0500000000000000" pitchFamily="34" charset="-128"/>
-                <a:ea typeface="Adobe Clean Han Regular" panose="020B0500000000000000" pitchFamily="34" charset="-128"/>
+                <a:latin typeface="Adobe Clean Han Light" panose="020B0300000000000000" pitchFamily="34" charset="-128"/>
+                <a:ea typeface="Adobe Clean Han Light" panose="020B0300000000000000" pitchFamily="34" charset="-128"/>
               </a:rPr>
               <a:t>ライブチャットサポート*</a:t>
             </a:r>
@@ -7988,7 +8136,7 @@
         </p:nvSpPr>
         <p:spPr>
           <a:xfrm>
-            <a:off x="3201544" y="8741449"/>
+            <a:off x="3285364" y="8474749"/>
             <a:ext cx="1269578" cy="184666"/>
           </a:xfrm>
           <a:prstGeom prst="rect">
@@ -8010,7 +8158,7 @@
               </a:spcAft>
             </a:pPr>
             <a:r>
-              <a:rPr lang="ja-JP" sz="1200" b="1" dirty="0">
+              <a:rPr lang="ja-JP" sz="1200" b="1">
                 <a:latin typeface="Adobe Clean Han Regular" panose="020B0500000000000000" pitchFamily="34" charset="-128"/>
                 <a:ea typeface="Adobe Clean Han Regular" panose="020B0500000000000000" pitchFamily="34" charset="-128"/>
                 <a:cs typeface="Open Sans" pitchFamily="34" charset="0"/>
@@ -8036,7 +8184,7 @@
         </p:nvSpPr>
         <p:spPr>
           <a:xfrm>
-            <a:off x="3201544" y="6756914"/>
+            <a:off x="3285364" y="6566414"/>
             <a:ext cx="2520000" cy="184666"/>
           </a:xfrm>
           <a:prstGeom prst="rect">
@@ -8063,12 +8211,12 @@
               <a:defRPr/>
             </a:pPr>
             <a:r>
-              <a:rPr lang="ja-JP" sz="1200">
+              <a:rPr lang="ja-JP" sz="1200" dirty="0">
                 <a:solidFill>
                   <a:srgbClr val="000000"/>
                 </a:solidFill>
-                <a:latin typeface="Adobe Clean Han Regular" panose="020B0500000000000000" pitchFamily="34" charset="-128"/>
-                <a:ea typeface="Adobe Clean Han Regular" panose="020B0500000000000000" pitchFamily="34" charset="-128"/>
+                <a:latin typeface="Adobe Clean Han Light" panose="020B0300000000000000" pitchFamily="34" charset="-128"/>
+                <a:ea typeface="Adobe Clean Han Light" panose="020B0300000000000000" pitchFamily="34" charset="-128"/>
               </a:rPr>
               <a:t>24 時間年中無休 P1 </a:t>
             </a:r>
@@ -8091,7 +8239,7 @@
         </p:nvSpPr>
         <p:spPr>
           <a:xfrm>
-            <a:off x="3201544" y="6960100"/>
+            <a:off x="3285364" y="6769600"/>
             <a:ext cx="952184" cy="184666"/>
           </a:xfrm>
           <a:prstGeom prst="rect">
@@ -8113,7 +8261,7 @@
               </a:spcAft>
             </a:pPr>
             <a:r>
-              <a:rPr lang="ja-JP" sz="1200" b="1">
+              <a:rPr lang="ja-JP" sz="1200" b="1" dirty="0">
                 <a:latin typeface="Adobe Clean Han Regular" panose="020B0500000000000000" pitchFamily="34" charset="-128"/>
                 <a:ea typeface="Adobe Clean Han Regular" panose="020B0500000000000000" pitchFamily="34" charset="-128"/>
                 <a:cs typeface="Open Sans" pitchFamily="34" charset="0"/>
@@ -8137,8 +8285,8 @@
         </p:nvSpPr>
         <p:spPr>
           <a:xfrm>
-            <a:off x="2791726" y="7152361"/>
-            <a:ext cx="2194560" cy="959237"/>
+            <a:off x="2875546" y="6961861"/>
+            <a:ext cx="2194560" cy="866904"/>
           </a:xfrm>
           <a:prstGeom prst="rect">
             <a:avLst/>
@@ -8151,29 +8299,29 @@
           <a:lstStyle/>
           <a:p>
             <a:r>
-              <a:rPr lang="ja-JP" sz="1000">
+              <a:rPr lang="ja-JP" sz="900" dirty="0">
                 <a:solidFill>
                   <a:srgbClr val="020302"/>
                 </a:solidFill>
-                <a:latin typeface="Adobe Clean Han Regular" panose="020B0500000000000000" pitchFamily="34" charset="-128"/>
-                <a:ea typeface="Adobe Clean Han Regular" panose="020B0500000000000000" pitchFamily="34" charset="-128"/>
+                <a:latin typeface="Adobe Clean Han Light" panose="020B0300000000000000" pitchFamily="34" charset="-128"/>
+                <a:ea typeface="Adobe Clean Han Light" panose="020B0300000000000000" pitchFamily="34" charset="-128"/>
               </a:rPr>
               <a:t>承認済みユーザーまたは</a:t>
             </a:r>
             <a:r>
-              <a:rPr lang="ja-JP" sz="1000" b="1">
+              <a:rPr lang="ja-JP" sz="900" b="1" dirty="0">
                 <a:solidFill>
                   <a:srgbClr val="020302"/>
                 </a:solidFill>
-                <a:latin typeface="Adobe Clean Han Regular" panose="020B0500000000000000" pitchFamily="34" charset="-128"/>
-                <a:ea typeface="Adobe Clean Han Regular" panose="020B0500000000000000" pitchFamily="34" charset="-128"/>
+                <a:latin typeface="Adobe Clean Han Light" panose="020B0300000000000000" pitchFamily="34" charset="-128"/>
+                <a:ea typeface="Adobe Clean Han Light" panose="020B0300000000000000" pitchFamily="34" charset="-128"/>
               </a:rPr>
               <a:t>サポート対象ユーザー</a:t>
             </a:r>
             <a:r>
-              <a:rPr lang="ja-JP" sz="1000">
-                <a:latin typeface="Adobe Clean Han Regular" panose="020B0500000000000000" pitchFamily="34" charset="-128"/>
-                <a:ea typeface="Adobe Clean Han Regular" panose="020B0500000000000000" pitchFamily="34" charset="-128"/>
+              <a:rPr lang="ja-JP" sz="900" dirty="0">
+                <a:latin typeface="Adobe Clean Han Light" panose="020B0300000000000000" pitchFamily="34" charset="-128"/>
+                <a:ea typeface="Adobe Clean Han Light" panose="020B0300000000000000" pitchFamily="34" charset="-128"/>
               </a:rPr>
               <a:t>は、使用可能なすべてのチャネル（P1 の場合は電話を含む）を通じて問題を申請でき、お客様の会社を代表してアドビのテクニカルサポートチームとやり取りできます。 </a:t>
             </a:r>
@@ -8194,8 +8342,8 @@
         </p:nvSpPr>
         <p:spPr>
           <a:xfrm>
-            <a:off x="214971" y="6690432"/>
-            <a:ext cx="2194560" cy="91368"/>
+            <a:off x="214971" y="6447157"/>
+            <a:ext cx="2194560" cy="45719"/>
           </a:xfrm>
           <a:custGeom>
             <a:avLst/>
@@ -8224,10 +8372,7 @@
           <a:bodyPr wrap="square" lIns="0" tIns="0" rIns="0" bIns="0" rtlCol="0"/>
           <a:lstStyle/>
           <a:p>
-            <a:endParaRPr>
-              <a:latin typeface="Adobe Clean Han Regular" panose="020B0500000000000000" pitchFamily="34" charset="-128"/>
-              <a:ea typeface="Adobe Clean Han Regular" panose="020B0500000000000000" pitchFamily="34" charset="-128"/>
-            </a:endParaRPr>
+            <a:endParaRPr/>
           </a:p>
         </p:txBody>
       </p:sp>
@@ -8247,7 +8392,7 @@
         </p:nvSpPr>
         <p:spPr>
           <a:xfrm>
-            <a:off x="689237" y="8560230"/>
+            <a:off x="689237" y="8293530"/>
             <a:ext cx="991521" cy="184666"/>
           </a:xfrm>
           <a:prstGeom prst="rect">
@@ -8278,8 +8423,8 @@
                 <a:solidFill>
                   <a:srgbClr val="000000"/>
                 </a:solidFill>
-                <a:latin typeface="Adobe Clean Han Regular" panose="020B0500000000000000" pitchFamily="34" charset="-128"/>
-                <a:ea typeface="Adobe Clean Han Regular" panose="020B0500000000000000" pitchFamily="34" charset="-128"/>
+                <a:latin typeface="Adobe Clean Han Light" panose="020B0300000000000000" pitchFamily="34" charset="-128"/>
+                <a:ea typeface="Adobe Clean Han Light" panose="020B0300000000000000" pitchFamily="34" charset="-128"/>
               </a:rPr>
               <a:t>Office Hours</a:t>
             </a:r>
@@ -8302,7 +8447,7 @@
         </p:nvSpPr>
         <p:spPr>
           <a:xfrm>
-            <a:off x="689237" y="8741449"/>
+            <a:off x="689237" y="8474749"/>
             <a:ext cx="793487" cy="184666"/>
           </a:xfrm>
           <a:prstGeom prst="rect">
@@ -8348,8 +8493,8 @@
         </p:nvSpPr>
         <p:spPr>
           <a:xfrm>
-            <a:off x="355868" y="8962896"/>
-            <a:ext cx="2194560" cy="866904"/>
+            <a:off x="355868" y="8759359"/>
+            <a:ext cx="2435858" cy="866904"/>
           </a:xfrm>
           <a:prstGeom prst="rect">
             <a:avLst/>
@@ -8362,12 +8507,12 @@
           <a:lstStyle/>
           <a:p>
             <a:r>
-              <a:rPr lang="ja-JP" sz="900" dirty="0">
+              <a:rPr lang="ja-JP" sz="900" spc="-30" dirty="0">
                 <a:solidFill>
                   <a:srgbClr val="4B4B4B"/>
                 </a:solidFill>
-                <a:latin typeface="Adobe Clean Han Regular" panose="020B0500000000000000" pitchFamily="34" charset="-128"/>
-                <a:ea typeface="Adobe Clean Han Regular" panose="020B0500000000000000" pitchFamily="34" charset="-128"/>
+                <a:latin typeface="Adobe Clean Han Light" panose="020B0300000000000000" pitchFamily="34" charset="-128"/>
+                <a:ea typeface="Adobe Clean Han Light" panose="020B0300000000000000" pitchFamily="34" charset="-128"/>
               </a:rPr>
               <a:t>アドビカスタマーサポートチームによる Office Hours には、参加者に情報を提供するだけでなく、問題のトラブルシューティングやアドビソリューションで成功するためのヒントやテクニックを紹介することを目的としたセッションが含まれています。 </a:t>
             </a:r>
@@ -8390,8 +8535,8 @@
         </p:nvSpPr>
         <p:spPr>
           <a:xfrm>
-            <a:off x="5723508" y="8560230"/>
-            <a:ext cx="2090406" cy="184666"/>
+            <a:off x="5723507" y="8205900"/>
+            <a:ext cx="2015239" cy="184666"/>
           </a:xfrm>
           <a:prstGeom prst="rect">
             <a:avLst/>
@@ -8421,8 +8566,8 @@
                 <a:solidFill>
                   <a:srgbClr val="000000"/>
                 </a:solidFill>
-                <a:latin typeface="Adobe Clean Han Regular" panose="020B0500000000000000" pitchFamily="34" charset="-128"/>
-                <a:ea typeface="Adobe Clean Han Regular" panose="020B0500000000000000" pitchFamily="34" charset="-128"/>
+                <a:latin typeface="Adobe Clean Han Light" panose="020B0300000000000000" pitchFamily="34" charset="-128"/>
+                <a:ea typeface="Adobe Clean Han Light" panose="020B0300000000000000" pitchFamily="34" charset="-128"/>
               </a:rPr>
               <a:t>セルフサービスポータル</a:t>
             </a:r>
@@ -8445,7 +8590,7 @@
         </p:nvSpPr>
         <p:spPr>
           <a:xfrm>
-            <a:off x="5723508" y="8741449"/>
+            <a:off x="5723508" y="8387119"/>
             <a:ext cx="1328056" cy="369332"/>
           </a:xfrm>
           <a:prstGeom prst="rect">
@@ -8458,14 +8603,6 @@
           </a:bodyPr>
           <a:lstStyle/>
           <a:p>
-            <a:pPr>
-              <a:spcBef>
-                <a:spcPts val="600"/>
-              </a:spcBef>
-              <a:spcAft>
-                <a:spcPts val="600"/>
-              </a:spcAft>
-            </a:pPr>
             <a:r>
               <a:rPr lang="ja-JP" sz="1200" b="1" dirty="0">
                 <a:latin typeface="Adobe Clean Han Regular" panose="020B0500000000000000" pitchFamily="34" charset="-128"/>
@@ -8474,13 +8611,13 @@
               </a:rPr>
               <a:t>24 時間年中無休の</a:t>
             </a:r>
-            <a:br>
-              <a:rPr lang="sk-SK" altLang="ja-JP" sz="1200" b="1" dirty="0">
-                <a:latin typeface="Adobe Clean Han Regular" panose="020B0500000000000000" pitchFamily="34" charset="-128"/>
-                <a:ea typeface="Adobe Clean Han Regular" panose="020B0500000000000000" pitchFamily="34" charset="-128"/>
-                <a:cs typeface="Open Sans" pitchFamily="34" charset="0"/>
-              </a:rPr>
-            </a:br>
+            <a:endParaRPr lang="sk-SK" altLang="ja-JP" sz="1200" b="1" dirty="0">
+              <a:latin typeface="Adobe Clean Han Regular" panose="020B0500000000000000" pitchFamily="34" charset="-128"/>
+              <a:ea typeface="Adobe Clean Han Regular" panose="020B0500000000000000" pitchFamily="34" charset="-128"/>
+              <a:cs typeface="Open Sans" pitchFamily="34" charset="0"/>
+            </a:endParaRPr>
+          </a:p>
+          <a:p>
             <a:r>
               <a:rPr lang="ja-JP" sz="1200" b="1" dirty="0">
                 <a:latin typeface="Adobe Clean Han Regular" panose="020B0500000000000000" pitchFamily="34" charset="-128"/>
@@ -8506,8 +8643,8 @@
         </p:nvSpPr>
         <p:spPr>
           <a:xfrm>
-            <a:off x="5265661" y="9144000"/>
-            <a:ext cx="2506740" cy="866904"/>
+            <a:off x="5265661" y="8720381"/>
+            <a:ext cx="2360418" cy="866904"/>
           </a:xfrm>
           <a:prstGeom prst="rect">
             <a:avLst/>
@@ -8524,8 +8661,8 @@
                 <a:solidFill>
                   <a:srgbClr val="4B4B4B"/>
                 </a:solidFill>
-                <a:latin typeface="Adobe Clean Han Regular" panose="020B0500000000000000" pitchFamily="34" charset="-128"/>
-                <a:ea typeface="Adobe Clean Han Regular" panose="020B0500000000000000" pitchFamily="34" charset="-128"/>
+                <a:latin typeface="Adobe Clean Han Light" panose="020B0300000000000000" pitchFamily="34" charset="-128"/>
+                <a:ea typeface="Adobe Clean Han Light" panose="020B0300000000000000" pitchFamily="34" charset="-128"/>
               </a:rPr>
               <a:t>オンラインのセルフサービスサポートポータルにオンデマンドでアクセスして、サポートリクエストを申請したり、ケースのステータスを確認したり、その他のリソース（ナレッジベース、ニュースとアラート、注目すべきヒントなど）を参照したりできます。</a:t>
             </a:r>
@@ -8563,7 +8700,7 @@
         </p:blipFill>
         <p:spPr>
           <a:xfrm>
-            <a:off x="2768925" y="6771954"/>
+            <a:off x="2852745" y="6581454"/>
             <a:ext cx="411480" cy="411480"/>
           </a:xfrm>
           <a:prstGeom prst="rect">
@@ -8602,7 +8739,7 @@
         </p:blipFill>
         <p:spPr>
           <a:xfrm>
-            <a:off x="228600" y="8560230"/>
+            <a:off x="228600" y="8293530"/>
             <a:ext cx="411480" cy="411480"/>
           </a:xfrm>
           <a:prstGeom prst="rect">
@@ -8641,7 +8778,7 @@
         </p:blipFill>
         <p:spPr>
           <a:xfrm>
-            <a:off x="228600" y="6733286"/>
+            <a:off x="228600" y="6542786"/>
             <a:ext cx="411480" cy="411480"/>
           </a:xfrm>
           <a:prstGeom prst="rect">
@@ -8680,7 +8817,7 @@
         </p:blipFill>
         <p:spPr>
           <a:xfrm>
-            <a:off x="5257800" y="6721476"/>
+            <a:off x="5257800" y="6557646"/>
             <a:ext cx="411480" cy="411480"/>
           </a:xfrm>
           <a:prstGeom prst="rect">
@@ -8719,7 +8856,7 @@
         </p:blipFill>
         <p:spPr>
           <a:xfrm>
-            <a:off x="5257800" y="8560230"/>
+            <a:off x="5257800" y="8293530"/>
             <a:ext cx="411480" cy="411480"/>
           </a:xfrm>
           <a:prstGeom prst="rect">
@@ -8758,7 +8895,7 @@
         </p:blipFill>
         <p:spPr>
           <a:xfrm>
-            <a:off x="2776853" y="8560230"/>
+            <a:off x="2860673" y="8293530"/>
             <a:ext cx="411480" cy="411480"/>
           </a:xfrm>
           <a:prstGeom prst="rect">
@@ -8780,7 +8917,7 @@
         </p:nvSpPr>
         <p:spPr>
           <a:xfrm rot="5400000" flipH="1">
-            <a:off x="3863341" y="5600443"/>
+            <a:off x="3863341" y="5295643"/>
             <a:ext cx="45719" cy="5577840"/>
           </a:xfrm>
           <a:custGeom>
@@ -8817,10 +8954,7 @@
           <a:bodyPr wrap="square" lIns="0" tIns="0" rIns="0" bIns="0" rtlCol="0"/>
           <a:lstStyle/>
           <a:p>
-            <a:endParaRPr>
-              <a:latin typeface="Adobe Clean Han Regular" panose="020B0500000000000000" pitchFamily="34" charset="-128"/>
-              <a:ea typeface="Adobe Clean Han Regular" panose="020B0500000000000000" pitchFamily="34" charset="-128"/>
-            </a:endParaRPr>
+            <a:endParaRPr/>
           </a:p>
         </p:txBody>
       </p:sp>
@@ -8838,7 +8972,7 @@
         </p:nvSpPr>
         <p:spPr>
           <a:xfrm>
-            <a:off x="214971" y="6367453"/>
+            <a:off x="214971" y="6124178"/>
             <a:ext cx="2304477" cy="307777"/>
           </a:xfrm>
           <a:prstGeom prst="rect">
@@ -8860,7 +8994,7 @@
               </a:spcBef>
             </a:pPr>
             <a:r>
-              <a:rPr lang="ja-JP" sz="1400" b="1" dirty="0">
+              <a:rPr lang="ja-JP" sz="1400" b="1">
                 <a:solidFill>
                   <a:srgbClr val="020302"/>
                 </a:solidFill>
@@ -8887,7 +9021,7 @@
         </p:nvGrpSpPr>
         <p:grpSpPr>
           <a:xfrm rot="5400000">
-            <a:off x="1113102" y="-594205"/>
+            <a:off x="1113102" y="-747421"/>
             <a:ext cx="5753361" cy="7931849"/>
             <a:chOff x="-247019" y="421767"/>
             <a:chExt cx="3875281" cy="7641336"/>
@@ -8937,10 +9071,7 @@
             <a:bodyPr wrap="square" lIns="0" tIns="0" rIns="0" bIns="0" rtlCol="0"/>
             <a:lstStyle/>
             <a:p>
-              <a:endParaRPr>
-                <a:latin typeface="Adobe Clean Han Regular" panose="020B0500000000000000" pitchFamily="34" charset="-128"/>
-                <a:ea typeface="Adobe Clean Han Regular" panose="020B0500000000000000" pitchFamily="34" charset="-128"/>
-              </a:endParaRPr>
+              <a:endParaRPr/>
             </a:p>
           </p:txBody>
         </p:sp>
@@ -8998,10 +9129,7 @@
             <a:bodyPr wrap="square" lIns="0" tIns="0" rIns="0" bIns="0" rtlCol="0"/>
             <a:lstStyle/>
             <a:p>
-              <a:endParaRPr>
-                <a:latin typeface="Adobe Clean Han Regular" panose="020B0500000000000000" pitchFamily="34" charset="-128"/>
-                <a:ea typeface="Adobe Clean Han Regular" panose="020B0500000000000000" pitchFamily="34" charset="-128"/>
-              </a:endParaRPr>
+              <a:endParaRPr/>
             </a:p>
           </p:txBody>
         </p:sp>
@@ -9020,7 +9148,7 @@
         </p:nvSpPr>
         <p:spPr>
           <a:xfrm rot="5400000" flipH="1">
-            <a:off x="3863341" y="1912620"/>
+            <a:off x="3863341" y="1832610"/>
             <a:ext cx="45719" cy="5577840"/>
           </a:xfrm>
           <a:custGeom>
@@ -9057,10 +9185,7 @@
           <a:bodyPr wrap="square" lIns="0" tIns="0" rIns="0" bIns="0" rtlCol="0"/>
           <a:lstStyle/>
           <a:p>
-            <a:endParaRPr>
-              <a:latin typeface="Adobe Clean Han Regular" panose="020B0500000000000000" pitchFamily="34" charset="-128"/>
-              <a:ea typeface="Adobe Clean Han Regular" panose="020B0500000000000000" pitchFamily="34" charset="-128"/>
-            </a:endParaRPr>
+            <a:endParaRPr/>
           </a:p>
         </p:txBody>
       </p:sp>
@@ -9078,8 +9203,8 @@
         </p:nvSpPr>
         <p:spPr>
           <a:xfrm>
-            <a:off x="324341" y="4031705"/>
-            <a:ext cx="2194560" cy="672877"/>
+            <a:off x="324341" y="3963125"/>
+            <a:ext cx="2194560" cy="605743"/>
           </a:xfrm>
           <a:prstGeom prst="rect">
             <a:avLst/>
@@ -9100,12 +9225,12 @@
               </a:spcBef>
             </a:pPr>
             <a:r>
-              <a:rPr lang="ja-JP" sz="1000">
+              <a:rPr lang="ja-JP" sz="900" dirty="0">
                 <a:solidFill>
                   <a:srgbClr val="020302"/>
                 </a:solidFill>
-                <a:latin typeface="Adobe Clean Han Regular" panose="020B0500000000000000" pitchFamily="34" charset="-128"/>
-                <a:ea typeface="Adobe Clean Han Regular" panose="020B0500000000000000" pitchFamily="34" charset="-128"/>
+                <a:latin typeface="Adobe Clean Han Light" panose="020B0300000000000000" pitchFamily="34" charset="-128"/>
+                <a:ea typeface="Adobe Clean Han Light" panose="020B0300000000000000" pitchFamily="34" charset="-128"/>
                 <a:cs typeface="AdobeClean-Light"/>
               </a:rPr>
               <a:t>ソリューションのデプロイメント、設定、全体的なアーキテクチャ（統合を含む）のプロアクティブなレビューを行います。</a:t>
@@ -9127,8 +9252,8 @@
         </p:nvSpPr>
         <p:spPr>
           <a:xfrm>
-            <a:off x="5265661" y="4031705"/>
-            <a:ext cx="2440960" cy="655564"/>
+            <a:off x="5265661" y="3963125"/>
+            <a:ext cx="2262264" cy="590098"/>
           </a:xfrm>
           <a:prstGeom prst="rect">
             <a:avLst/>
@@ -9149,15 +9274,15 @@
               </a:spcBef>
             </a:pPr>
             <a:r>
-              <a:rPr lang="ja-JP" sz="1000" dirty="0">
+              <a:rPr lang="ja-JP" sz="900" spc="-40" dirty="0">
                 <a:solidFill>
                   <a:srgbClr val="020302"/>
                 </a:solidFill>
-                <a:latin typeface="Adobe Clean Han Regular" panose="020B0500000000000000" pitchFamily="34" charset="-128"/>
-                <a:ea typeface="Adobe Clean Han Regular" panose="020B0500000000000000" pitchFamily="34" charset="-128"/>
+                <a:latin typeface="Adobe Clean Han Light" panose="020B0300000000000000" pitchFamily="34" charset="-128"/>
+                <a:ea typeface="Adobe Clean Han Light" panose="020B0300000000000000" pitchFamily="34" charset="-128"/>
                 <a:cs typeface="AdobeClean-Light"/>
               </a:rPr>
-              <a:t>メンテナンスのベストプラクティスや最新の修正プログラム（SP、MR、パッチ、FP）を受け取り、すべてのメンテナンスチェックについて最新の状態を維持します</a:t>
+              <a:t>メンテナンスのベストプラクティスや最新の修正プログラム（SP、MR、パッチ、FP）を受け取り、すべてのメンテナンスチェックについて最新の状態を維持します。</a:t>
             </a:r>
           </a:p>
         </p:txBody>
@@ -9176,15 +9301,15 @@
         </p:nvSpPr>
         <p:spPr>
           <a:xfrm>
-            <a:off x="2852427" y="2847845"/>
-            <a:ext cx="2194560" cy="615553"/>
+            <a:off x="2852426" y="2779265"/>
+            <a:ext cx="2332619" cy="553998"/>
           </a:xfrm>
           <a:prstGeom prst="rect">
             <a:avLst/>
           </a:prstGeom>
         </p:spPr>
         <p:txBody>
-          <a:bodyPr lIns="0" tIns="0" rIns="0" bIns="0">
+          <a:bodyPr wrap="square" lIns="0" tIns="0" rIns="0" bIns="0">
             <a:spAutoFit/>
           </a:bodyPr>
           <a:lstStyle/>
@@ -9195,12 +9320,12 @@
               </a:spcBef>
             </a:pPr>
             <a:r>
-              <a:rPr lang="ja-JP" sz="1000" dirty="0">
+              <a:rPr lang="ja-JP" sz="900" dirty="0">
                 <a:solidFill>
                   <a:srgbClr val="4B4B4B"/>
                 </a:solidFill>
-                <a:latin typeface="Adobe Clean Han Regular" panose="020B0500000000000000" pitchFamily="34" charset="-128"/>
-                <a:ea typeface="Adobe Clean Han Regular" panose="020B0500000000000000" pitchFamily="34" charset="-128"/>
+                <a:latin typeface="Adobe Clean Han Light" panose="020B0300000000000000" pitchFamily="34" charset="-128"/>
+                <a:ea typeface="Adobe Clean Han Light" panose="020B0300000000000000" pitchFamily="34" charset="-128"/>
                 <a:cs typeface="AdobeClean-Light"/>
               </a:rPr>
               <a:t>エリートプログラムのサービス、サポート関連指標、成果物（将来的な計画を含む）に関して、定期的なレビューを行います。</a:t>
@@ -9222,8 +9347,8 @@
         </p:nvSpPr>
         <p:spPr>
           <a:xfrm>
-            <a:off x="5431520" y="2854370"/>
-            <a:ext cx="2194560" cy="615553"/>
+            <a:off x="5431520" y="2785790"/>
+            <a:ext cx="2194560" cy="553998"/>
           </a:xfrm>
           <a:prstGeom prst="rect">
             <a:avLst/>
@@ -9241,12 +9366,12 @@
               </a:spcBef>
             </a:pPr>
             <a:r>
-              <a:rPr lang="ja-JP" sz="1000">
+              <a:rPr lang="ja-JP" sz="900" dirty="0">
                 <a:solidFill>
                   <a:srgbClr val="4B4B4B"/>
                 </a:solidFill>
-                <a:latin typeface="Adobe Clean Han Regular" panose="020B0500000000000000" pitchFamily="34" charset="-128"/>
-                <a:ea typeface="Adobe Clean Han Regular" panose="020B0500000000000000" pitchFamily="34" charset="-128"/>
+                <a:latin typeface="Adobe Clean Han Light" panose="020B0300000000000000" pitchFamily="34" charset="-128"/>
+                <a:ea typeface="Adobe Clean Han Light" panose="020B0300000000000000" pitchFamily="34" charset="-128"/>
                 <a:cs typeface="AdobeClean-Light"/>
               </a:rPr>
               <a:t>特定の製品の機能と、それを活用して一般的なビジネス上の問題を解決する方法に焦点を当てた 60 分のセッションです。</a:t>
@@ -9268,8 +9393,8 @@
         </p:nvSpPr>
         <p:spPr>
           <a:xfrm>
-            <a:off x="324340" y="2842848"/>
-            <a:ext cx="2290301" cy="769441"/>
+            <a:off x="324340" y="2774268"/>
+            <a:ext cx="2226087" cy="553998"/>
           </a:xfrm>
           <a:prstGeom prst="rect">
             <a:avLst/>
@@ -9287,12 +9412,12 @@
               </a:spcBef>
             </a:pPr>
             <a:r>
-              <a:rPr lang="ja-JP" sz="1000" dirty="0">
+              <a:rPr lang="ja-JP" sz="900" dirty="0">
                 <a:solidFill>
                   <a:srgbClr val="4B4B4B"/>
                 </a:solidFill>
-                <a:latin typeface="Adobe Clean Han Regular" panose="020B0500000000000000" pitchFamily="34" charset="-128"/>
-                <a:ea typeface="Adobe Clean Han Regular" panose="020B0500000000000000" pitchFamily="34" charset="-128"/>
+                <a:latin typeface="Adobe Clean Han Light" panose="020B0300000000000000" pitchFamily="34" charset="-128"/>
+                <a:ea typeface="Adobe Clean Han Light" panose="020B0300000000000000" pitchFamily="34" charset="-128"/>
                 <a:cs typeface="AdobeClean-Light"/>
               </a:rPr>
               <a:t>アドビ内の専任連絡窓口が、エスカレーション支援や定期的なアップデートを提供し、お客様の最も重要なオープン中のサポートリクエストに優先的に対応します。</a:t>
@@ -9379,7 +9504,7 @@
               </a:spcBef>
             </a:pPr>
             <a:r>
-              <a:rPr lang="ja-JP" sz="1100" b="1">
+              <a:rPr lang="ja-JP" sz="1100" b="1" dirty="0">
                 <a:solidFill>
                   <a:srgbClr val="020302"/>
                 </a:solidFill>
@@ -9406,7 +9531,7 @@
         </p:nvSpPr>
         <p:spPr>
           <a:xfrm>
-            <a:off x="5723508" y="3778989"/>
+            <a:off x="5723508" y="3710409"/>
             <a:ext cx="2194560" cy="169277"/>
           </a:xfrm>
           <a:prstGeom prst="rect">
@@ -9452,7 +9577,7 @@
         </p:nvSpPr>
         <p:spPr>
           <a:xfrm>
-            <a:off x="3138805" y="3778989"/>
+            <a:off x="3138805" y="3626589"/>
             <a:ext cx="2194560" cy="338554"/>
           </a:xfrm>
           <a:prstGeom prst="rect">
@@ -9471,7 +9596,7 @@
               </a:spcBef>
             </a:pPr>
             <a:r>
-              <a:rPr lang="ja-JP" sz="1100" b="1">
+              <a:rPr lang="ja-JP" sz="1100" b="1" dirty="0">
                 <a:solidFill>
                   <a:srgbClr val="020302"/>
                 </a:solidFill>
@@ -9479,7 +9604,28 @@
                 <a:ea typeface="Adobe Clean Han Regular" panose="020B0500000000000000" pitchFamily="34" charset="-128"/>
                 <a:cs typeface="Adobe Clean"/>
               </a:rPr>
-              <a:t>ソリューションロードマップのレビュー</a:t>
+              <a:t>ソリューションロード</a:t>
+            </a:r>
+            <a:br>
+              <a:rPr lang="sk-SK" altLang="ja-JP" sz="1100" b="1" dirty="0">
+                <a:solidFill>
+                  <a:srgbClr val="020302"/>
+                </a:solidFill>
+                <a:latin typeface="Adobe Clean Han Regular" panose="020B0500000000000000" pitchFamily="34" charset="-128"/>
+                <a:ea typeface="Adobe Clean Han Regular" panose="020B0500000000000000" pitchFamily="34" charset="-128"/>
+                <a:cs typeface="Adobe Clean"/>
+              </a:rPr>
+            </a:br>
+            <a:r>
+              <a:rPr lang="ja-JP" sz="1100" b="1" dirty="0">
+                <a:solidFill>
+                  <a:srgbClr val="020302"/>
+                </a:solidFill>
+                <a:latin typeface="Adobe Clean Han Regular" panose="020B0500000000000000" pitchFamily="34" charset="-128"/>
+                <a:ea typeface="Adobe Clean Han Regular" panose="020B0500000000000000" pitchFamily="34" charset="-128"/>
+                <a:cs typeface="Adobe Clean"/>
+              </a:rPr>
+              <a:t>マップのレビュー</a:t>
             </a:r>
           </a:p>
         </p:txBody>
@@ -9498,7 +9644,7 @@
         </p:nvSpPr>
         <p:spPr>
           <a:xfrm>
-            <a:off x="689237" y="3778989"/>
+            <a:off x="689237" y="3710409"/>
             <a:ext cx="2194560" cy="169277"/>
           </a:xfrm>
           <a:prstGeom prst="rect">
@@ -9544,7 +9690,7 @@
         </p:nvSpPr>
         <p:spPr>
           <a:xfrm>
-            <a:off x="689237" y="2599639"/>
+            <a:off x="689237" y="2531059"/>
             <a:ext cx="2194560" cy="169277"/>
           </a:xfrm>
           <a:prstGeom prst="rect">
@@ -9563,7 +9709,7 @@
               </a:spcBef>
             </a:pPr>
             <a:r>
-              <a:rPr lang="ja-JP" sz="1100" b="1">
+              <a:rPr lang="ja-JP" sz="1100" b="1" dirty="0">
                 <a:solidFill>
                   <a:srgbClr val="020302"/>
                 </a:solidFill>
@@ -9590,7 +9736,7 @@
         </p:nvSpPr>
         <p:spPr>
           <a:xfrm>
-            <a:off x="3153726" y="2599639"/>
+            <a:off x="3153726" y="2531059"/>
             <a:ext cx="2194560" cy="169277"/>
           </a:xfrm>
           <a:prstGeom prst="rect">
@@ -9636,7 +9782,7 @@
         </p:nvSpPr>
         <p:spPr>
           <a:xfrm>
-            <a:off x="5723508" y="2599639"/>
+            <a:off x="5723508" y="2531059"/>
             <a:ext cx="2194560" cy="169277"/>
           </a:xfrm>
           <a:prstGeom prst="rect">
@@ -9655,7 +9801,7 @@
               </a:spcBef>
             </a:pPr>
             <a:r>
-              <a:rPr lang="ja-JP" sz="1100" b="1">
+              <a:rPr lang="ja-JP" sz="1100" b="1" dirty="0">
                 <a:solidFill>
                   <a:srgbClr val="020302"/>
                 </a:solidFill>
@@ -9663,7 +9809,7 @@
                 <a:ea typeface="Adobe Clean Han Regular" panose="020B0500000000000000" pitchFamily="34" charset="-128"/>
                 <a:cs typeface="Adobe Clean"/>
               </a:rPr>
-              <a:t>エキスパートによるセッション</a:t>
+              <a:t>エキスパートセッション</a:t>
             </a:r>
           </a:p>
         </p:txBody>
@@ -9682,7 +9828,7 @@
         </p:nvSpPr>
         <p:spPr>
           <a:xfrm>
-            <a:off x="689237" y="4935181"/>
+            <a:off x="689237" y="4806276"/>
             <a:ext cx="2194560" cy="169277"/>
           </a:xfrm>
           <a:prstGeom prst="rect">
@@ -9728,7 +9874,7 @@
         </p:nvSpPr>
         <p:spPr>
           <a:xfrm>
-            <a:off x="3113405" y="4935181"/>
+            <a:off x="3113405" y="4806276"/>
             <a:ext cx="2194560" cy="169277"/>
           </a:xfrm>
           <a:prstGeom prst="rect">
@@ -9777,7 +9923,7 @@
         </p:nvSpPr>
         <p:spPr>
           <a:xfrm>
-            <a:off x="5723508" y="4935181"/>
+            <a:off x="5723508" y="4806276"/>
             <a:ext cx="2194560" cy="169277"/>
           </a:xfrm>
           <a:prstGeom prst="rect">
@@ -9826,7 +9972,7 @@
         </p:nvSpPr>
         <p:spPr>
           <a:xfrm rot="5400000" flipH="1">
-            <a:off x="3863341" y="756920"/>
+            <a:off x="3863341" y="680085"/>
             <a:ext cx="45719" cy="5577840"/>
           </a:xfrm>
           <a:custGeom>
@@ -9863,10 +10009,7 @@
           <a:bodyPr wrap="square" lIns="0" tIns="0" rIns="0" bIns="0" rtlCol="0"/>
           <a:lstStyle/>
           <a:p>
-            <a:endParaRPr>
-              <a:latin typeface="Adobe Clean Han Regular" panose="020B0500000000000000" pitchFamily="34" charset="-128"/>
-              <a:ea typeface="Adobe Clean Han Regular" panose="020B0500000000000000" pitchFamily="34" charset="-128"/>
-            </a:endParaRPr>
+            <a:endParaRPr/>
           </a:p>
         </p:txBody>
       </p:sp>
@@ -9884,7 +10027,7 @@
         </p:nvSpPr>
         <p:spPr>
           <a:xfrm rot="5400000" flipH="1">
-            <a:off x="3863341" y="-322580"/>
+            <a:off x="3863341" y="-391160"/>
             <a:ext cx="45719" cy="5577840"/>
           </a:xfrm>
           <a:custGeom>
@@ -9921,10 +10064,7 @@
           <a:bodyPr wrap="square" lIns="0" tIns="0" rIns="0" bIns="0" rtlCol="0"/>
           <a:lstStyle/>
           <a:p>
-            <a:endParaRPr>
-              <a:latin typeface="Adobe Clean Han Regular" panose="020B0500000000000000" pitchFamily="34" charset="-128"/>
-              <a:ea typeface="Adobe Clean Han Regular" panose="020B0500000000000000" pitchFamily="34" charset="-128"/>
-            </a:endParaRPr>
+            <a:endParaRPr/>
           </a:p>
         </p:txBody>
       </p:sp>
@@ -9959,7 +10099,7 @@
         </p:blipFill>
         <p:spPr>
           <a:xfrm>
-            <a:off x="228599" y="3634381"/>
+            <a:off x="228599" y="3565801"/>
             <a:ext cx="457200" cy="457200"/>
           </a:xfrm>
           <a:prstGeom prst="rect">
@@ -9989,7 +10129,7 @@
         </p:blipFill>
         <p:spPr>
           <a:xfrm>
-            <a:off x="2768925" y="3722747"/>
+            <a:off x="2768925" y="3654167"/>
             <a:ext cx="309943" cy="288000"/>
           </a:xfrm>
           <a:prstGeom prst="rect">
@@ -10019,7 +10159,7 @@
         </p:blipFill>
         <p:spPr>
           <a:xfrm>
-            <a:off x="355868" y="4878393"/>
+            <a:off x="355868" y="4749488"/>
             <a:ext cx="240657" cy="300821"/>
           </a:xfrm>
           <a:prstGeom prst="rect">
@@ -10049,7 +10189,7 @@
         </p:blipFill>
         <p:spPr>
           <a:xfrm>
-            <a:off x="5276601" y="3720877"/>
+            <a:off x="5276601" y="3652297"/>
             <a:ext cx="328157" cy="284207"/>
           </a:xfrm>
           <a:prstGeom prst="rect">
@@ -10079,7 +10219,7 @@
         </p:blipFill>
         <p:spPr>
           <a:xfrm>
-            <a:off x="5276601" y="4928329"/>
+            <a:off x="5276601" y="4799424"/>
             <a:ext cx="347646" cy="264530"/>
           </a:xfrm>
           <a:prstGeom prst="rect">
@@ -10118,7 +10258,7 @@
         </p:blipFill>
         <p:spPr>
           <a:xfrm>
-            <a:off x="2768925" y="4836780"/>
+            <a:off x="2768925" y="4707875"/>
             <a:ext cx="365760" cy="365760"/>
           </a:xfrm>
           <a:prstGeom prst="rect">
@@ -10140,8 +10280,8 @@
         </p:nvSpPr>
         <p:spPr>
           <a:xfrm>
-            <a:off x="2764975" y="4039530"/>
-            <a:ext cx="2401425" cy="882165"/>
+            <a:off x="2764975" y="3970950"/>
+            <a:ext cx="2463047" cy="797975"/>
           </a:xfrm>
           <a:prstGeom prst="rect">
             <a:avLst/>
@@ -10162,12 +10302,12 @@
               </a:spcBef>
             </a:pPr>
             <a:r>
-              <a:rPr lang="ja-JP" sz="1000" dirty="0">
+              <a:rPr lang="ja-JP" sz="900" dirty="0">
                 <a:solidFill>
                   <a:srgbClr val="020302"/>
                 </a:solidFill>
-                <a:latin typeface="Adobe Clean Han Regular" panose="020B0500000000000000" pitchFamily="34" charset="-128"/>
-                <a:ea typeface="Adobe Clean Han Regular" panose="020B0500000000000000" pitchFamily="34" charset="-128"/>
+                <a:latin typeface="Adobe Clean Han Light" panose="020B0300000000000000" pitchFamily="34" charset="-128"/>
+                <a:ea typeface="Adobe Clean Han Light" panose="020B0300000000000000" pitchFamily="34" charset="-128"/>
                 <a:cs typeface="AdobeClean-Light"/>
               </a:rPr>
               <a:t>アドビのソリューションロードマップとお客様のプロジェクトロードマップを比較および調整して、リスクを軽減し、将来に備えます。</a:t>
@@ -10183,12 +10323,12 @@
               </a:spcBef>
             </a:pPr>
             <a:r>
-              <a:rPr lang="ja-JP" sz="1000" dirty="0">
+              <a:rPr lang="ja-JP" sz="900" dirty="0">
                 <a:solidFill>
                   <a:srgbClr val="020302"/>
                 </a:solidFill>
-                <a:latin typeface="Adobe Clean Han Regular" panose="020B0500000000000000" pitchFamily="34" charset="-128"/>
-                <a:ea typeface="Adobe Clean Han Regular" panose="020B0500000000000000" pitchFamily="34" charset="-128"/>
+                <a:latin typeface="Adobe Clean Han Light" panose="020B0300000000000000" pitchFamily="34" charset="-128"/>
+                <a:ea typeface="Adobe Clean Han Light" panose="020B0300000000000000" pitchFamily="34" charset="-128"/>
                 <a:cs typeface="AdobeClean-Light"/>
               </a:rPr>
               <a:t>。</a:t>
@@ -10271,10 +10411,7 @@
           <a:bodyPr wrap="square" lIns="0" tIns="0" rIns="0" bIns="0" rtlCol="0"/>
           <a:lstStyle/>
           <a:p>
-            <a:endParaRPr>
-              <a:latin typeface="Adobe Clean Han Regular" panose="020B0500000000000000" pitchFamily="34" charset="-128"/>
-              <a:ea typeface="Adobe Clean Han Regular" panose="020B0500000000000000" pitchFamily="34" charset="-128"/>
-            </a:endParaRPr>
+            <a:endParaRPr/>
           </a:p>
         </p:txBody>
       </p:sp>
@@ -10323,10 +10460,7 @@
           <a:bodyPr wrap="square" lIns="0" tIns="0" rIns="0" bIns="0" rtlCol="0"/>
           <a:lstStyle/>
           <a:p>
-            <a:endParaRPr>
-              <a:latin typeface="Adobe Clean Han Regular" panose="020B0500000000000000" pitchFamily="34" charset="-128"/>
-              <a:ea typeface="Adobe Clean Han Regular" panose="020B0500000000000000" pitchFamily="34" charset="-128"/>
-            </a:endParaRPr>
+            <a:endParaRPr/>
           </a:p>
         </p:txBody>
       </p:sp>
@@ -10375,10 +10509,7 @@
           <a:bodyPr wrap="square" lIns="0" tIns="0" rIns="0" bIns="0" rtlCol="0"/>
           <a:lstStyle/>
           <a:p>
-            <a:endParaRPr>
-              <a:latin typeface="Adobe Clean Han Regular" panose="020B0500000000000000" pitchFamily="34" charset="-128"/>
-              <a:ea typeface="Adobe Clean Han Regular" panose="020B0500000000000000" pitchFamily="34" charset="-128"/>
-            </a:endParaRPr>
+            <a:endParaRPr/>
           </a:p>
         </p:txBody>
       </p:sp>
@@ -10427,10 +10558,7 @@
           <a:bodyPr wrap="square" lIns="0" tIns="0" rIns="0" bIns="0" rtlCol="0"/>
           <a:lstStyle/>
           <a:p>
-            <a:endParaRPr>
-              <a:latin typeface="Adobe Clean Han Regular" panose="020B0500000000000000" pitchFamily="34" charset="-128"/>
-              <a:ea typeface="Adobe Clean Han Regular" panose="020B0500000000000000" pitchFamily="34" charset="-128"/>
-            </a:endParaRPr>
+            <a:endParaRPr/>
           </a:p>
         </p:txBody>
       </p:sp>
@@ -10479,10 +10607,7 @@
           <a:bodyPr wrap="square" lIns="0" tIns="0" rIns="0" bIns="0" rtlCol="0"/>
           <a:lstStyle/>
           <a:p>
-            <a:endParaRPr>
-              <a:latin typeface="Adobe Clean Han Regular" panose="020B0500000000000000" pitchFamily="34" charset="-128"/>
-              <a:ea typeface="Adobe Clean Han Regular" panose="020B0500000000000000" pitchFamily="34" charset="-128"/>
-            </a:endParaRPr>
+            <a:endParaRPr/>
           </a:p>
         </p:txBody>
       </p:sp>
@@ -10493,9 +10618,9 @@
           <p:nvPr/>
         </p:nvSpPr>
         <p:spPr>
-          <a:xfrm flipV="1">
-            <a:off x="4309872" y="2608958"/>
-            <a:ext cx="2908230" cy="92582"/>
+          <a:xfrm>
+            <a:off x="4469509" y="2654678"/>
+            <a:ext cx="2819021" cy="132288"/>
           </a:xfrm>
           <a:custGeom>
             <a:avLst/>
@@ -10524,10 +10649,7 @@
           <a:bodyPr wrap="square" lIns="0" tIns="0" rIns="0" bIns="0" rtlCol="0"/>
           <a:lstStyle/>
           <a:p>
-            <a:endParaRPr>
-              <a:latin typeface="Adobe Clean Han Regular" panose="020B0500000000000000" pitchFamily="34" charset="-128"/>
-              <a:ea typeface="Adobe Clean Han Regular" panose="020B0500000000000000" pitchFamily="34" charset="-128"/>
-            </a:endParaRPr>
+            <a:endParaRPr/>
           </a:p>
         </p:txBody>
       </p:sp>
@@ -10539,8 +10661,8 @@
         </p:nvSpPr>
         <p:spPr>
           <a:xfrm>
-            <a:off x="4309871" y="2329688"/>
-            <a:ext cx="3157729" cy="228268"/>
+            <a:off x="4439408" y="2329688"/>
+            <a:ext cx="2971039" cy="228268"/>
           </a:xfrm>
           <a:prstGeom prst="rect">
             <a:avLst/>
@@ -10561,7 +10683,7 @@
               </a:spcBef>
             </a:pPr>
             <a:r>
-              <a:rPr lang="ja-JP" sz="1400" b="1">
+              <a:rPr lang="ja-JP" sz="1400" b="1" spc="-30" dirty="0">
                 <a:solidFill>
                   <a:srgbClr val="020302"/>
                 </a:solidFill>
@@ -10582,8 +10704,8 @@
         </p:nvSpPr>
         <p:spPr>
           <a:xfrm>
-            <a:off x="914422" y="2342312"/>
-            <a:ext cx="1523978" cy="228268"/>
+            <a:off x="914421" y="2342312"/>
+            <a:ext cx="1562077" cy="228268"/>
           </a:xfrm>
           <a:prstGeom prst="rect">
             <a:avLst/>
@@ -10625,8 +10747,8 @@
         </p:nvSpPr>
         <p:spPr>
           <a:xfrm>
-            <a:off x="242187" y="2787904"/>
-            <a:ext cx="3357498" cy="782265"/>
+            <a:off x="242188" y="2787904"/>
+            <a:ext cx="3357498" cy="597599"/>
           </a:xfrm>
           <a:prstGeom prst="rect">
             <a:avLst/>
@@ -10647,7 +10769,7 @@
               </a:spcBef>
             </a:pPr>
             <a:r>
-              <a:rPr lang="ja-JP" sz="1000" b="1" dirty="0">
+              <a:rPr lang="ja-JP" sz="950" b="1" dirty="0">
                 <a:solidFill>
                   <a:srgbClr val="1F1F1F"/>
                 </a:solidFill>
@@ -10658,48 +10780,41 @@
               <a:t>新しい Adobe Experience Cloud ソリューション</a:t>
             </a:r>
             <a:r>
-              <a:rPr lang="ja-JP" sz="1000" b="1" dirty="0">
-                <a:latin typeface="Adobe Clean Han Regular" panose="020B0500000000000000" pitchFamily="34" charset="-128"/>
-                <a:ea typeface="Adobe Clean Han Regular" panose="020B0500000000000000" pitchFamily="34" charset="-128"/>
+              <a:rPr lang="ja-JP" sz="950" dirty="0">
+                <a:latin typeface="Adobe Clean Han Light" panose="020B0300000000000000" pitchFamily="34" charset="-128"/>
+                <a:ea typeface="Adobe Clean Han Light" panose="020B0300000000000000" pitchFamily="34" charset="-128"/>
                 <a:cs typeface="Adobe Clean"/>
               </a:rPr>
-              <a:t>を実装するお客様のための </a:t>
-            </a:r>
-            <a:r>
-              <a:rPr lang="ja-JP" sz="1000" b="1" dirty="0">
-                <a:latin typeface="Adobe Clean Han Regular" panose="020B0500000000000000" pitchFamily="34" charset="-128"/>
-                <a:ea typeface="Adobe Clean Han Regular" panose="020B0500000000000000" pitchFamily="34" charset="-128"/>
+              <a:t>を実装するお客様のための</a:t>
+            </a:r>
+            <a:r>
+              <a:rPr lang="ja-JP" sz="950" b="1" dirty="0">
+                <a:latin typeface="Adobe Clean Han Light" panose="020B0300000000000000" pitchFamily="34" charset="-128"/>
+                <a:ea typeface="Adobe Clean Han Light" panose="020B0300000000000000" pitchFamily="34" charset="-128"/>
+                <a:cs typeface="Adobe Clean"/>
+              </a:rPr>
+              <a:t> </a:t>
+            </a:r>
+            <a:r>
+              <a:rPr lang="ja-JP" sz="950" dirty="0">
+                <a:latin typeface="Adobe Clean Han Light" panose="020B0300000000000000" pitchFamily="34" charset="-128"/>
+                <a:ea typeface="Adobe Clean Han Light" panose="020B0300000000000000" pitchFamily="34" charset="-128"/>
                 <a:cs typeface="AdobeClean-Light"/>
               </a:rPr>
               <a:t>Launch Advisory</a:t>
             </a:r>
             <a:r>
-              <a:rPr lang="ja-JP" sz="1000" b="1" dirty="0">
-                <a:latin typeface="Adobe Clean Han Regular" panose="020B0500000000000000" pitchFamily="34" charset="-128"/>
-                <a:ea typeface="Adobe Clean Han Regular" panose="020B0500000000000000" pitchFamily="34" charset="-128"/>
+              <a:rPr lang="ja-JP" sz="950" dirty="0">
+                <a:latin typeface="Adobe Clean Han Light" panose="020B0300000000000000" pitchFamily="34" charset="-128"/>
+                <a:ea typeface="Adobe Clean Han Light" panose="020B0300000000000000" pitchFamily="34" charset="-128"/>
                 <a:cs typeface="AdobeClean-SemiLight"/>
               </a:rPr>
-              <a:t> は</a:t>
-            </a:r>
-            <a:r>
-              <a:rPr lang="ja-JP" sz="1000" dirty="0">
-                <a:latin typeface="Adobe Clean Han Regular" panose="020B0500000000000000" pitchFamily="34" charset="-128"/>
-                <a:ea typeface="Adobe Clean Han Regular" panose="020B0500000000000000" pitchFamily="34" charset="-128"/>
-                <a:cs typeface="AdobeClean-SemiLight"/>
-              </a:rPr>
-              <a:t>、</a:t>
-            </a:r>
-          </a:p>
-          <a:p>
-            <a:pPr marL="12700" marR="86995" indent="-635">
-              <a:lnSpc>
-                <a:spcPct val="100000"/>
-              </a:lnSpc>
-            </a:pPr>
-            <a:r>
-              <a:rPr lang="ja-JP" sz="1000" dirty="0">
-                <a:latin typeface="Adobe Clean Han Regular" panose="020B0500000000000000" pitchFamily="34" charset="-128"/>
-                <a:ea typeface="Adobe Clean Han Regular" panose="020B0500000000000000" pitchFamily="34" charset="-128"/>
+              <a:t> は、</a:t>
+            </a:r>
+            <a:r>
+              <a:rPr lang="ja-JP" sz="950" dirty="0">
+                <a:latin typeface="Adobe Clean Han Light" panose="020B0300000000000000" pitchFamily="34" charset="-128"/>
+                <a:ea typeface="Adobe Clean Han Light" panose="020B0300000000000000" pitchFamily="34" charset="-128"/>
               </a:rPr>
               <a:t>デプロイメントの成功をサポートし、価値実現までの時間を短縮することが実証されている、アドバイザリサービスおよび提案の中核です。</a:t>
             </a:r>
@@ -10780,10 +10895,7 @@
             <a:bodyPr wrap="square" lIns="0" tIns="0" rIns="0" bIns="0" rtlCol="0"/>
             <a:lstStyle/>
             <a:p>
-              <a:endParaRPr>
-                <a:latin typeface="Adobe Clean Han Regular" panose="020B0500000000000000" pitchFamily="34" charset="-128"/>
-                <a:ea typeface="Adobe Clean Han Regular" panose="020B0500000000000000" pitchFamily="34" charset="-128"/>
-              </a:endParaRPr>
+              <a:endParaRPr/>
             </a:p>
           </p:txBody>
         </p:sp>
@@ -10796,8 +10908,8 @@
         </p:nvSpPr>
         <p:spPr>
           <a:xfrm>
-            <a:off x="3976901" y="2790952"/>
-            <a:ext cx="3543300" cy="782265"/>
+            <a:off x="3950231" y="2790952"/>
+            <a:ext cx="3543300" cy="597599"/>
           </a:xfrm>
           <a:prstGeom prst="rect">
             <a:avLst/>
@@ -10818,28 +10930,28 @@
               </a:spcBef>
             </a:pPr>
             <a:r>
-              <a:rPr lang="ja-JP" sz="1000" dirty="0">
+              <a:rPr lang="ja-JP" sz="950" dirty="0">
                 <a:solidFill>
                   <a:srgbClr val="4B4B4B"/>
                 </a:solidFill>
-                <a:latin typeface="Adobe Clean Han Regular" panose="020B0500000000000000" pitchFamily="34" charset="-128"/>
-                <a:ea typeface="Adobe Clean Han Regular" panose="020B0500000000000000" pitchFamily="34" charset="-128"/>
+                <a:latin typeface="Adobe Clean Han Light" panose="020B0300000000000000" pitchFamily="34" charset="-128"/>
+                <a:ea typeface="Adobe Clean Han Light" panose="020B0300000000000000" pitchFamily="34" charset="-128"/>
                 <a:cs typeface="AdobeClean-Light"/>
               </a:rPr>
               <a:t>フィールドサービス</a:t>
             </a:r>
             <a:r>
-              <a:rPr lang="ja-JP" sz="1000" dirty="0">
+              <a:rPr lang="ja-JP" sz="950" dirty="0">
                 <a:solidFill>
                   <a:srgbClr val="4B4B4B"/>
                 </a:solidFill>
-                <a:latin typeface="Adobe Clean Han Regular" panose="020B0500000000000000" pitchFamily="34" charset="-128"/>
-                <a:ea typeface="Adobe Clean Han Regular" panose="020B0500000000000000" pitchFamily="34" charset="-128"/>
+                <a:latin typeface="Adobe Clean Han Light" panose="020B0300000000000000" pitchFamily="34" charset="-128"/>
+                <a:ea typeface="Adobe Clean Han Light" panose="020B0300000000000000" pitchFamily="34" charset="-128"/>
               </a:rPr>
               <a:t>は、</a:t>
             </a:r>
             <a:r>
-              <a:rPr lang="ja-JP" sz="1000" b="1" dirty="0">
+              <a:rPr lang="ja-JP" sz="950" b="1" dirty="0">
                 <a:solidFill>
                   <a:srgbClr val="4B4B4B"/>
                 </a:solidFill>
@@ -10849,17 +10961,17 @@
               <a:t>迅速な解決</a:t>
             </a:r>
             <a:r>
-              <a:rPr lang="ja-JP" sz="1000" dirty="0">
+              <a:rPr lang="ja-JP" sz="950" dirty="0">
                 <a:solidFill>
                   <a:srgbClr val="4B4B4B"/>
                 </a:solidFill>
-                <a:latin typeface="Adobe Clean Han Regular" panose="020B0500000000000000" pitchFamily="34" charset="-128"/>
-                <a:ea typeface="Adobe Clean Han Regular" panose="020B0500000000000000" pitchFamily="34" charset="-128"/>
+                <a:latin typeface="Adobe Clean Han Light" panose="020B0300000000000000" pitchFamily="34" charset="-128"/>
+                <a:ea typeface="Adobe Clean Han Light" panose="020B0300000000000000" pitchFamily="34" charset="-128"/>
               </a:rPr>
               <a:t>、集中的なカスタマーサクセス、</a:t>
             </a:r>
             <a:r>
-              <a:rPr lang="ja-JP" sz="1000" b="1" dirty="0">
+              <a:rPr lang="ja-JP" sz="950" b="1" dirty="0">
                 <a:solidFill>
                   <a:srgbClr val="4B4B4B"/>
                 </a:solidFill>
@@ -10869,38 +10981,38 @@
               <a:t>価値実現までの時間</a:t>
             </a:r>
             <a:r>
-              <a:rPr lang="ja-JP" sz="1000" dirty="0">
+              <a:rPr lang="ja-JP" sz="950" dirty="0">
                 <a:solidFill>
                   <a:srgbClr val="4B4B4B"/>
                 </a:solidFill>
-                <a:latin typeface="Adobe Clean Han Regular" panose="020B0500000000000000" pitchFamily="34" charset="-128"/>
-                <a:ea typeface="Adobe Clean Han Regular" panose="020B0500000000000000" pitchFamily="34" charset="-128"/>
+                <a:latin typeface="Adobe Clean Han Light" panose="020B0300000000000000" pitchFamily="34" charset="-128"/>
+                <a:ea typeface="Adobe Clean Han Light" panose="020B0300000000000000" pitchFamily="34" charset="-128"/>
               </a:rPr>
               <a:t>の短縮のために使用されます</a:t>
             </a:r>
             <a:r>
-              <a:rPr lang="ja-JP" sz="1000" dirty="0">
+              <a:rPr lang="ja-JP" sz="950" dirty="0">
                 <a:solidFill>
                   <a:srgbClr val="4B4B4B"/>
                 </a:solidFill>
-                <a:latin typeface="Adobe Clean Han Regular" panose="020B0500000000000000" pitchFamily="34" charset="-128"/>
-                <a:ea typeface="Adobe Clean Han Regular" panose="020B0500000000000000" pitchFamily="34" charset="-128"/>
+                <a:latin typeface="Adobe Clean Han Light" panose="020B0300000000000000" pitchFamily="34" charset="-128"/>
+                <a:ea typeface="Adobe Clean Han Light" panose="020B0300000000000000" pitchFamily="34" charset="-128"/>
                 <a:cs typeface="AdobeClean-Light"/>
               </a:rPr>
               <a:t>。</a:t>
             </a:r>
             <a:r>
-              <a:rPr lang="ja-JP" sz="1000" dirty="0">
+              <a:rPr lang="ja-JP" sz="950" dirty="0">
                 <a:solidFill>
                   <a:srgbClr val="4B4B4B"/>
                 </a:solidFill>
-                <a:latin typeface="Adobe Clean Han Regular" panose="020B0500000000000000" pitchFamily="34" charset="-128"/>
-                <a:ea typeface="Adobe Clean Han Regular" panose="020B0500000000000000" pitchFamily="34" charset="-128"/>
+                <a:latin typeface="Adobe Clean Han Light" panose="020B0300000000000000" pitchFamily="34" charset="-128"/>
+                <a:ea typeface="Adobe Clean Han Light" panose="020B0300000000000000" pitchFamily="34" charset="-128"/>
               </a:rPr>
               <a:t>サポート契約の対象となるソリューション製品で、Launch Advisory が適用される場合、</a:t>
             </a:r>
             <a:r>
-              <a:rPr lang="ja-JP" sz="1000" b="1" dirty="0">
+              <a:rPr lang="ja-JP" sz="950" b="1" dirty="0">
                 <a:solidFill>
                   <a:srgbClr val="4B4B4B"/>
                 </a:solidFill>
@@ -10911,14 +11023,24 @@
               <a:t>1 年目のフィールドサービス</a:t>
             </a:r>
             <a:r>
-              <a:rPr lang="ja-JP" sz="1000" dirty="0">
+              <a:rPr lang="ja-JP" sz="950" b="1" dirty="0">
                 <a:solidFill>
                   <a:srgbClr val="4B4B4B"/>
                 </a:solidFill>
                 <a:latin typeface="Adobe Clean Han Regular" panose="020B0500000000000000" pitchFamily="34" charset="-128"/>
                 <a:ea typeface="Adobe Clean Han Regular" panose="020B0500000000000000" pitchFamily="34" charset="-128"/>
               </a:rPr>
-              <a:t>はありません。</a:t>
+              <a:t>はありません</a:t>
+            </a:r>
+            <a:r>
+              <a:rPr lang="ja-JP" sz="950" dirty="0">
+                <a:solidFill>
+                  <a:srgbClr val="4B4B4B"/>
+                </a:solidFill>
+                <a:latin typeface="Adobe Clean Han Light" panose="020B0300000000000000" pitchFamily="34" charset="-128"/>
+                <a:ea typeface="Adobe Clean Han Light" panose="020B0300000000000000" pitchFamily="34" charset="-128"/>
+              </a:rPr>
+              <a:t>。</a:t>
             </a:r>
           </a:p>
         </p:txBody>
@@ -10931,8 +11053,8 @@
         </p:nvSpPr>
         <p:spPr>
           <a:xfrm>
-            <a:off x="924303" y="2667377"/>
-            <a:ext cx="1455638" cy="54660"/>
+            <a:off x="924304" y="2667377"/>
+            <a:ext cx="1426466" cy="90311"/>
           </a:xfrm>
           <a:custGeom>
             <a:avLst/>
@@ -10961,10 +11083,7 @@
           <a:bodyPr wrap="square" lIns="0" tIns="0" rIns="0" bIns="0" rtlCol="0"/>
           <a:lstStyle/>
           <a:p>
-            <a:endParaRPr>
-              <a:latin typeface="Adobe Clean Han Regular" panose="020B0500000000000000" pitchFamily="34" charset="-128"/>
-              <a:ea typeface="Adobe Clean Han Regular" panose="020B0500000000000000" pitchFamily="34" charset="-128"/>
-            </a:endParaRPr>
+            <a:endParaRPr/>
           </a:p>
         </p:txBody>
       </p:sp>
@@ -10976,7 +11095,7 @@
         </p:nvSpPr>
         <p:spPr>
           <a:xfrm>
-            <a:off x="3692282" y="2413489"/>
+            <a:off x="3711332" y="2413489"/>
             <a:ext cx="0" cy="1005840"/>
           </a:xfrm>
           <a:custGeom>
@@ -11006,10 +11125,7 @@
           <a:bodyPr wrap="square" lIns="0" tIns="0" rIns="0" bIns="0" rtlCol="0"/>
           <a:lstStyle/>
           <a:p>
-            <a:endParaRPr>
-              <a:latin typeface="Adobe Clean Han Regular" panose="020B0500000000000000" pitchFamily="34" charset="-128"/>
-              <a:ea typeface="Adobe Clean Han Regular" panose="020B0500000000000000" pitchFamily="34" charset="-128"/>
-            </a:endParaRPr>
+            <a:endParaRPr/>
           </a:p>
         </p:txBody>
       </p:sp>
@@ -11021,8 +11137,8 @@
         </p:nvSpPr>
         <p:spPr>
           <a:xfrm>
-            <a:off x="263463" y="5348732"/>
-            <a:ext cx="3335019" cy="628377"/>
+            <a:off x="263464" y="5268722"/>
+            <a:ext cx="3114040" cy="597599"/>
           </a:xfrm>
           <a:prstGeom prst="rect">
             <a:avLst/>
@@ -11043,12 +11159,27 @@
               </a:spcBef>
             </a:pPr>
             <a:r>
-              <a:rPr lang="ja-JP" sz="1000" dirty="0">
-                <a:latin typeface="Adobe Clean Han Regular" panose="020B0500000000000000" pitchFamily="34" charset="-128"/>
-                <a:ea typeface="Adobe Clean Han Regular" panose="020B0500000000000000" pitchFamily="34" charset="-128"/>
+              <a:rPr lang="ja-JP" sz="950" dirty="0">
+                <a:latin typeface="Adobe Clean Han Light" panose="020B0300000000000000" pitchFamily="34" charset="-128"/>
+                <a:ea typeface="Adobe Clean Han Light" panose="020B0300000000000000" pitchFamily="34" charset="-128"/>
                 <a:cs typeface="AdobeClean-Light"/>
               </a:rPr>
-              <a:t>Launch Advisory では、お客様のプロジェクトスケジュールの一般的なマイルストーン（キックオフ、定義、デザイン、サービスイン、ポストローンチ）に合わせて、ガイド、検証、評価、提案を行います。</a:t>
+              <a:t>Launch Advisory では、お客様のプロジェクトスケジュールの一般的なマイルストーン（キックオフ、定義、デザイン、サービスイン、ポストローンチ）に合わせて、</a:t>
+            </a:r>
+            <a:br>
+              <a:rPr lang="sk-SK" altLang="ja-JP" sz="950" dirty="0">
+                <a:latin typeface="Adobe Clean Han Light" panose="020B0300000000000000" pitchFamily="34" charset="-128"/>
+                <a:ea typeface="Adobe Clean Han Light" panose="020B0300000000000000" pitchFamily="34" charset="-128"/>
+                <a:cs typeface="AdobeClean-Light"/>
+              </a:rPr>
+            </a:br>
+            <a:r>
+              <a:rPr lang="ja-JP" sz="950" dirty="0">
+                <a:latin typeface="Adobe Clean Han Light" panose="020B0300000000000000" pitchFamily="34" charset="-128"/>
+                <a:ea typeface="Adobe Clean Han Light" panose="020B0300000000000000" pitchFamily="34" charset="-128"/>
+                <a:cs typeface="AdobeClean-Light"/>
+              </a:rPr>
+              <a:t>ガイド、検証、評価、提案を行います。</a:t>
             </a:r>
           </a:p>
         </p:txBody>
@@ -11061,7 +11192,7 @@
         </p:nvSpPr>
         <p:spPr>
           <a:xfrm>
-            <a:off x="263464" y="5982715"/>
+            <a:off x="263464" y="5948425"/>
             <a:ext cx="1247140" cy="166712"/>
           </a:xfrm>
           <a:prstGeom prst="rect">
@@ -11083,9 +11214,9 @@
               </a:spcBef>
             </a:pPr>
             <a:r>
-              <a:rPr lang="ja-JP" sz="1000">
-                <a:latin typeface="Adobe Clean Han Regular" panose="020B0500000000000000" pitchFamily="34" charset="-128"/>
-                <a:ea typeface="Adobe Clean Han Regular" panose="020B0500000000000000" pitchFamily="34" charset="-128"/>
+              <a:rPr lang="ja-JP" sz="1000" dirty="0">
+                <a:latin typeface="Adobe Clean Han Light" panose="020B0300000000000000" pitchFamily="34" charset="-128"/>
+                <a:ea typeface="Adobe Clean Han Light" panose="020B0300000000000000" pitchFamily="34" charset="-128"/>
                 <a:cs typeface="AdobeClean-Light"/>
               </a:rPr>
               <a:t>主な成果物：</a:t>
@@ -11101,8 +11232,8 @@
         </p:nvSpPr>
         <p:spPr>
           <a:xfrm>
-            <a:off x="205422" y="6308299"/>
-            <a:ext cx="3771479" cy="592470"/>
+            <a:off x="205422" y="6186379"/>
+            <a:ext cx="2834958" cy="746358"/>
           </a:xfrm>
           <a:prstGeom prst="rect">
             <a:avLst/>
@@ -11122,12 +11253,12 @@
               <a:buChar char="•"/>
             </a:pPr>
             <a:r>
-              <a:rPr lang="ja-JP" sz="900" dirty="0">
+              <a:rPr lang="ja-JP" sz="1000" dirty="0">
                 <a:solidFill>
                   <a:prstClr val="black"/>
                 </a:solidFill>
-                <a:latin typeface="Adobe Clean Han Regular" panose="020B0500000000000000" pitchFamily="34" charset="-128"/>
-                <a:ea typeface="Adobe Clean Han Regular" panose="020B0500000000000000" pitchFamily="34" charset="-128"/>
+                <a:latin typeface="Adobe Clean Han Light" panose="020B0300000000000000" pitchFamily="34" charset="-128"/>
+                <a:ea typeface="Adobe Clean Han Light" panose="020B0300000000000000" pitchFamily="34" charset="-128"/>
               </a:rPr>
               <a:t>キックオフ（プロジェクトコラボレーション計画を含む）資料</a:t>
             </a:r>
@@ -11145,8 +11276,8 @@
                 <a:solidFill>
                   <a:prstClr val="black"/>
                 </a:solidFill>
-                <a:latin typeface="Adobe Clean Han Regular" panose="020B0500000000000000" pitchFamily="34" charset="-128"/>
-                <a:ea typeface="Adobe Clean Han Regular" panose="020B0500000000000000" pitchFamily="34" charset="-128"/>
+                <a:latin typeface="Adobe Clean Han Light" panose="020B0300000000000000" pitchFamily="34" charset="-128"/>
+                <a:ea typeface="Adobe Clean Han Light" panose="020B0300000000000000" pitchFamily="34" charset="-128"/>
               </a:rPr>
               <a:t>評価および提案ドキュメント</a:t>
             </a:r>
@@ -11164,10 +11295,10 @@
                 <a:solidFill>
                   <a:prstClr val="black"/>
                 </a:solidFill>
-                <a:latin typeface="Adobe Clean Han Regular" panose="020B0500000000000000" pitchFamily="34" charset="-128"/>
-                <a:ea typeface="Adobe Clean Han Regular" panose="020B0500000000000000" pitchFamily="34" charset="-128"/>
+                <a:latin typeface="Adobe Clean Han Light" panose="020B0300000000000000" pitchFamily="34" charset="-128"/>
+                <a:ea typeface="Adobe Clean Han Light" panose="020B0300000000000000" pitchFamily="34" charset="-128"/>
               </a:rPr>
-              <a:t>エンゲージメントの概要</a:t>
+              <a:t>エンゲージメントサマリー</a:t>
             </a:r>
           </a:p>
         </p:txBody>
@@ -11181,7 +11312,7 @@
         <p:spPr>
           <a:xfrm>
             <a:off x="263464" y="4126991"/>
-            <a:ext cx="3141980" cy="1066959"/>
+            <a:ext cx="3141980" cy="1036181"/>
           </a:xfrm>
           <a:prstGeom prst="rect">
             <a:avLst/>
@@ -11206,8 +11337,8 @@
                 <a:solidFill>
                   <a:srgbClr val="FFFFFF"/>
                 </a:solidFill>
-                <a:latin typeface="Adobe Clean Han Regular" panose="020B0500000000000000" pitchFamily="34" charset="-128"/>
-                <a:ea typeface="Adobe Clean Han Regular" panose="020B0500000000000000" pitchFamily="34" charset="-128"/>
+                <a:latin typeface="Adobe Clean Han Light" panose="020B0300000000000000" pitchFamily="34" charset="-128"/>
+                <a:ea typeface="Adobe Clean Han Light" panose="020B0300000000000000" pitchFamily="34" charset="-128"/>
                 <a:cs typeface="Arial"/>
               </a:rPr>
               <a:t>実装</a:t>
@@ -11223,9 +11354,9 @@
               </a:spcBef>
             </a:pPr>
             <a:r>
-              <a:rPr lang="ja-JP" sz="1000" dirty="0">
-                <a:latin typeface="Adobe Clean Han Regular" panose="020B0500000000000000" pitchFamily="34" charset="-128"/>
-                <a:ea typeface="Adobe Clean Han Regular" panose="020B0500000000000000" pitchFamily="34" charset="-128"/>
+              <a:rPr lang="ja-JP" sz="950" dirty="0">
+                <a:latin typeface="Adobe Clean Han Light" panose="020B0300000000000000" pitchFamily="34" charset="-128"/>
+                <a:ea typeface="Adobe Clean Han Light" panose="020B0300000000000000" pitchFamily="34" charset="-128"/>
               </a:rPr>
               <a:t>アドビソリューションエキスパートは、お客様や実装パートナーに対して、ベストプラクティスに基づいたガイダンスで、要件、アーキテクチャ、開発プロセス、ローンチ準備レビューの検証を支援します。</a:t>
             </a:r>
@@ -11239,7 +11370,7 @@
           <p:nvPr/>
         </p:nvPicPr>
         <p:blipFill>
-          <a:blip r:embed="rId3">
+          <a:blip r:embed="rId3" cstate="print">
             <a:extLst>
               <a:ext uri="{28A0092B-C50C-407E-A947-70E740481C1C}">
                 <a14:useLocalDpi xmlns:a14="http://schemas.microsoft.com/office/drawing/2010/main" val="0"/>
@@ -11251,8 +11382,8 @@
         </p:blipFill>
         <p:spPr>
           <a:xfrm>
-            <a:off x="363328" y="6932449"/>
-            <a:ext cx="3053821" cy="2815984"/>
+            <a:off x="363328" y="6984326"/>
+            <a:ext cx="3053821" cy="2818911"/>
           </a:xfrm>
           <a:prstGeom prst="rect">
             <a:avLst/>
@@ -11267,7 +11398,7 @@
         </p:nvSpPr>
         <p:spPr>
           <a:xfrm>
-            <a:off x="3947346" y="5363972"/>
+            <a:off x="3947346" y="5283962"/>
             <a:ext cx="3335020" cy="659765"/>
           </a:xfrm>
           <a:prstGeom prst="rect">
@@ -11297,21 +11428,21 @@
             </a:r>
             <a:r>
               <a:rPr lang="ja-JP" sz="1000" dirty="0">
-                <a:latin typeface="Adobe Clean Han Regular" panose="020B0500000000000000" pitchFamily="34" charset="-128"/>
-                <a:ea typeface="Adobe Clean Han Regular" panose="020B0500000000000000" pitchFamily="34" charset="-128"/>
+                <a:latin typeface="Adobe Clean Han Light" panose="020B0300000000000000" pitchFamily="34" charset="-128"/>
+                <a:ea typeface="Adobe Clean Han Light" panose="020B0300000000000000" pitchFamily="34" charset="-128"/>
               </a:rPr>
               <a:t>は、お客様が技術的に安定し、ツールを最大限に活用できるようにします。</a:t>
             </a:r>
             <a:br>
               <a:rPr lang="sk-SK" altLang="ja-JP" sz="1000" dirty="0">
-                <a:latin typeface="Adobe Clean Han Regular" panose="020B0500000000000000" pitchFamily="34" charset="-128"/>
-                <a:ea typeface="Adobe Clean Han Regular" panose="020B0500000000000000" pitchFamily="34" charset="-128"/>
+                <a:latin typeface="Adobe Clean Han Light" panose="020B0300000000000000" pitchFamily="34" charset="-128"/>
+                <a:ea typeface="Adobe Clean Han Light" panose="020B0300000000000000" pitchFamily="34" charset="-128"/>
               </a:rPr>
             </a:br>
             <a:r>
               <a:rPr lang="ja-JP" sz="1000" dirty="0">
-                <a:latin typeface="Adobe Clean Han Regular" panose="020B0500000000000000" pitchFamily="34" charset="-128"/>
-                <a:ea typeface="Adobe Clean Han Regular" panose="020B0500000000000000" pitchFamily="34" charset="-128"/>
+                <a:latin typeface="Adobe Clean Han Light" panose="020B0300000000000000" pitchFamily="34" charset="-128"/>
+                <a:ea typeface="Adobe Clean Han Light" panose="020B0300000000000000" pitchFamily="34" charset="-128"/>
                 <a:cs typeface="AdobeClean-Light"/>
               </a:rPr>
               <a:t>具体的には、プラットフォームの設定、統合、トラブルシューティングに関するサポートや提案などがあります。</a:t>
@@ -11327,8 +11458,8 @@
         </p:nvSpPr>
         <p:spPr>
           <a:xfrm>
-            <a:off x="3947345" y="6174740"/>
-            <a:ext cx="3335019" cy="1436291"/>
+            <a:off x="3947345" y="6094730"/>
+            <a:ext cx="3429519" cy="1436291"/>
           </a:xfrm>
           <a:prstGeom prst="rect">
             <a:avLst/>
@@ -11350,8 +11481,8 @@
             </a:pPr>
             <a:r>
               <a:rPr lang="ja-JP" sz="1000" dirty="0">
-                <a:latin typeface="Adobe Clean Han Regular" panose="020B0500000000000000" pitchFamily="34" charset="-128"/>
-                <a:ea typeface="Adobe Clean Han Regular" panose="020B0500000000000000" pitchFamily="34" charset="-128"/>
+                <a:latin typeface="Adobe Clean Han Light" panose="020B0300000000000000" pitchFamily="34" charset="-128"/>
+                <a:ea typeface="Adobe Clean Han Light" panose="020B0300000000000000" pitchFamily="34" charset="-128"/>
                 <a:cs typeface="AdobeClean-Light"/>
               </a:rPr>
               <a:t>利用可能なテクニカルアクティビティのタイプ：</a:t>
@@ -11373,8 +11504,8 @@
                 <a:solidFill>
                   <a:prstClr val="black"/>
                 </a:solidFill>
-                <a:latin typeface="Adobe Clean Han Regular" panose="020B0500000000000000" pitchFamily="34" charset="-128"/>
-                <a:ea typeface="Adobe Clean Han Regular" panose="020B0500000000000000" pitchFamily="34" charset="-128"/>
+                <a:latin typeface="Adobe Clean Han Light" panose="020B0300000000000000" pitchFamily="34" charset="-128"/>
+                <a:ea typeface="Adobe Clean Han Light" panose="020B0300000000000000" pitchFamily="34" charset="-128"/>
               </a:rPr>
               <a:t>健全性監査</a:t>
             </a:r>
@@ -11395,8 +11526,8 @@
                 <a:solidFill>
                   <a:prstClr val="black"/>
                 </a:solidFill>
-                <a:latin typeface="Adobe Clean Han Regular" panose="020B0500000000000000" pitchFamily="34" charset="-128"/>
-                <a:ea typeface="Adobe Clean Han Regular" panose="020B0500000000000000" pitchFamily="34" charset="-128"/>
+                <a:latin typeface="Adobe Clean Han Light" panose="020B0300000000000000" pitchFamily="34" charset="-128"/>
+                <a:ea typeface="Adobe Clean Han Light" panose="020B0300000000000000" pitchFamily="34" charset="-128"/>
               </a:rPr>
               <a:t>プラットフォーム監査</a:t>
             </a:r>
@@ -11417,8 +11548,8 @@
                 <a:solidFill>
                   <a:prstClr val="black"/>
                 </a:solidFill>
-                <a:latin typeface="Adobe Clean Han Regular" panose="020B0500000000000000" pitchFamily="34" charset="-128"/>
-                <a:ea typeface="Adobe Clean Han Regular" panose="020B0500000000000000" pitchFamily="34" charset="-128"/>
+                <a:latin typeface="Adobe Clean Han Light" panose="020B0300000000000000" pitchFamily="34" charset="-128"/>
+                <a:ea typeface="Adobe Clean Han Light" panose="020B0300000000000000" pitchFamily="34" charset="-128"/>
               </a:rPr>
               <a:t>機能セットの有効化</a:t>
             </a:r>
@@ -11439,8 +11570,8 @@
                 <a:solidFill>
                   <a:prstClr val="black"/>
                 </a:solidFill>
-                <a:latin typeface="Adobe Clean Han Regular" panose="020B0500000000000000" pitchFamily="34" charset="-128"/>
-                <a:ea typeface="Adobe Clean Han Regular" panose="020B0500000000000000" pitchFamily="34" charset="-128"/>
+                <a:latin typeface="Adobe Clean Han Light" panose="020B0300000000000000" pitchFamily="34" charset="-128"/>
+                <a:ea typeface="Adobe Clean Han Light" panose="020B0300000000000000" pitchFamily="34" charset="-128"/>
               </a:rPr>
               <a:t>基本的な統合と設定</a:t>
             </a:r>
@@ -11461,8 +11592,8 @@
                 <a:solidFill>
                   <a:prstClr val="black"/>
                 </a:solidFill>
-                <a:latin typeface="Adobe Clean Han Regular" panose="020B0500000000000000" pitchFamily="34" charset="-128"/>
-                <a:ea typeface="Adobe Clean Han Regular" panose="020B0500000000000000" pitchFamily="34" charset="-128"/>
+                <a:latin typeface="Adobe Clean Han Light" panose="020B0300000000000000" pitchFamily="34" charset="-128"/>
+                <a:ea typeface="Adobe Clean Han Light" panose="020B0300000000000000" pitchFamily="34" charset="-128"/>
               </a:rPr>
               <a:t>お客様のソリューションのトラブルシューティング</a:t>
             </a:r>
@@ -11483,8 +11614,8 @@
                 <a:solidFill>
                   <a:prstClr val="black"/>
                 </a:solidFill>
-                <a:latin typeface="Adobe Clean Han Regular" panose="020B0500000000000000" pitchFamily="34" charset="-128"/>
-                <a:ea typeface="Adobe Clean Han Regular" panose="020B0500000000000000" pitchFamily="34" charset="-128"/>
+                <a:latin typeface="Adobe Clean Han Light" panose="020B0300000000000000" pitchFamily="34" charset="-128"/>
+                <a:ea typeface="Adobe Clean Han Light" panose="020B0300000000000000" pitchFamily="34" charset="-128"/>
               </a:rPr>
               <a:t>クラウドサービスのサポート</a:t>
             </a:r>
@@ -11499,7 +11630,7 @@
         </p:nvSpPr>
         <p:spPr>
           <a:xfrm>
-            <a:off x="3942774" y="7717028"/>
+            <a:off x="3942774" y="7637018"/>
             <a:ext cx="3208655" cy="1989006"/>
           </a:xfrm>
           <a:prstGeom prst="rect">
@@ -11529,33 +11660,18 @@
             </a:r>
             <a:r>
               <a:rPr lang="ja-JP" sz="1000" dirty="0">
-                <a:latin typeface="Adobe Clean Han Regular" panose="020B0500000000000000" pitchFamily="34" charset="-128"/>
-                <a:ea typeface="Adobe Clean Han Regular" panose="020B0500000000000000" pitchFamily="34" charset="-128"/>
+                <a:latin typeface="Adobe Clean Han Light" panose="020B0300000000000000" pitchFamily="34" charset="-128"/>
+                <a:ea typeface="Adobe Clean Han Light" panose="020B0300000000000000" pitchFamily="34" charset="-128"/>
               </a:rPr>
               <a:t>は、お客様のアドビソリューションから価値が実現されるようにするオポチュニティを提供します。</a:t>
             </a:r>
             <a:r>
               <a:rPr lang="ja-JP" sz="1000" dirty="0">
-                <a:latin typeface="Adobe Clean Han Regular" panose="020B0500000000000000" pitchFamily="34" charset="-128"/>
-                <a:ea typeface="Adobe Clean Han Regular" panose="020B0500000000000000" pitchFamily="34" charset="-128"/>
+                <a:latin typeface="Adobe Clean Han Light" panose="020B0300000000000000" pitchFamily="34" charset="-128"/>
+                <a:ea typeface="Adobe Clean Han Light" panose="020B0300000000000000" pitchFamily="34" charset="-128"/>
                 <a:cs typeface="AdobeClean-Light"/>
               </a:rPr>
-              <a:t>これには、1 つ以上のアドビソリューションで価値実現を促進するための戦略、</a:t>
-            </a:r>
-            <a:br>
-              <a:rPr lang="sk-SK" altLang="ja-JP" sz="1000" dirty="0">
-                <a:latin typeface="Adobe Clean Han Regular" panose="020B0500000000000000" pitchFamily="34" charset="-128"/>
-                <a:ea typeface="Adobe Clean Han Regular" panose="020B0500000000000000" pitchFamily="34" charset="-128"/>
-                <a:cs typeface="AdobeClean-Light"/>
-              </a:rPr>
-            </a:br>
-            <a:r>
-              <a:rPr lang="ja-JP" sz="1000" dirty="0">
-                <a:latin typeface="Adobe Clean Han Regular" panose="020B0500000000000000" pitchFamily="34" charset="-128"/>
-                <a:ea typeface="Adobe Clean Han Regular" panose="020B0500000000000000" pitchFamily="34" charset="-128"/>
-                <a:cs typeface="AdobeClean-Light"/>
-              </a:rPr>
-              <a:t>測定、成熟度に関するサポートの提案が含まれます。</a:t>
+              <a:t>これには、1 つ以上のアドビソリューションで価値実現を促進するための戦略、測定、成熟度に関するサポートの提案が含まれます。</a:t>
             </a:r>
           </a:p>
           <a:p>
@@ -11568,8 +11684,8 @@
               </a:spcBef>
             </a:pPr>
             <a:endParaRPr sz="1100" dirty="0">
-              <a:latin typeface="Adobe Clean Han Regular" panose="020B0500000000000000" pitchFamily="34" charset="-128"/>
-              <a:ea typeface="Adobe Clean Han Regular" panose="020B0500000000000000" pitchFamily="34" charset="-128"/>
+              <a:latin typeface="Adobe Clean Han Light" panose="020B0300000000000000" pitchFamily="34" charset="-128"/>
+              <a:ea typeface="Adobe Clean Han Light" panose="020B0300000000000000" pitchFamily="34" charset="-128"/>
               <a:cs typeface="AdobeClean-Light"/>
             </a:endParaRPr>
           </a:p>
@@ -11581,8 +11697,8 @@
             </a:pPr>
             <a:r>
               <a:rPr lang="ja-JP" sz="1000" dirty="0">
-                <a:latin typeface="Adobe Clean Han Regular" panose="020B0500000000000000" pitchFamily="34" charset="-128"/>
-                <a:ea typeface="Adobe Clean Han Regular" panose="020B0500000000000000" pitchFamily="34" charset="-128"/>
+                <a:latin typeface="Adobe Clean Han Light" panose="020B0300000000000000" pitchFamily="34" charset="-128"/>
+                <a:ea typeface="Adobe Clean Han Light" panose="020B0300000000000000" pitchFamily="34" charset="-128"/>
                 <a:cs typeface="AdobeClean-Light"/>
               </a:rPr>
               <a:t>利用可能な戦略的アクティビティのタイプ：</a:t>
@@ -11604,8 +11720,8 @@
                 <a:solidFill>
                   <a:prstClr val="black"/>
                 </a:solidFill>
-                <a:latin typeface="Adobe Clean Han Regular" panose="020B0500000000000000" pitchFamily="34" charset="-128"/>
-                <a:ea typeface="Adobe Clean Han Regular" panose="020B0500000000000000" pitchFamily="34" charset="-128"/>
+                <a:latin typeface="Adobe Clean Han Light" panose="020B0300000000000000" pitchFamily="34" charset="-128"/>
+                <a:ea typeface="Adobe Clean Han Light" panose="020B0300000000000000" pitchFamily="34" charset="-128"/>
               </a:rPr>
               <a:t>成熟度ロードマップ</a:t>
             </a:r>
@@ -11626,8 +11742,8 @@
                 <a:solidFill>
                   <a:prstClr val="black"/>
                 </a:solidFill>
-                <a:latin typeface="Adobe Clean Han Regular" panose="020B0500000000000000" pitchFamily="34" charset="-128"/>
-                <a:ea typeface="Adobe Clean Han Regular" panose="020B0500000000000000" pitchFamily="34" charset="-128"/>
+                <a:latin typeface="Adobe Clean Han Light" panose="020B0300000000000000" pitchFamily="34" charset="-128"/>
+                <a:ea typeface="Adobe Clean Han Light" panose="020B0300000000000000" pitchFamily="34" charset="-128"/>
               </a:rPr>
               <a:t>ユースケース開発／測定</a:t>
             </a:r>
@@ -11648,8 +11764,8 @@
                 <a:solidFill>
                   <a:prstClr val="black"/>
                 </a:solidFill>
-                <a:latin typeface="Adobe Clean Han Regular" panose="020B0500000000000000" pitchFamily="34" charset="-128"/>
-                <a:ea typeface="Adobe Clean Han Regular" panose="020B0500000000000000" pitchFamily="34" charset="-128"/>
+                <a:latin typeface="Adobe Clean Han Light" panose="020B0300000000000000" pitchFamily="34" charset="-128"/>
+                <a:ea typeface="Adobe Clean Han Light" panose="020B0300000000000000" pitchFamily="34" charset="-128"/>
               </a:rPr>
               <a:t>レポートおよび分析</a:t>
             </a:r>
@@ -11670,8 +11786,8 @@
                 <a:solidFill>
                   <a:prstClr val="black"/>
                 </a:solidFill>
-                <a:latin typeface="Adobe Clean Han Regular" panose="020B0500000000000000" pitchFamily="34" charset="-128"/>
-                <a:ea typeface="Adobe Clean Han Regular" panose="020B0500000000000000" pitchFamily="34" charset="-128"/>
+                <a:latin typeface="Adobe Clean Han Light" panose="020B0300000000000000" pitchFamily="34" charset="-128"/>
+                <a:ea typeface="Adobe Clean Han Light" panose="020B0300000000000000" pitchFamily="34" charset="-128"/>
               </a:rPr>
               <a:t>ベストプラクティスの有効化</a:t>
             </a:r>
@@ -11687,14 +11803,14 @@
         <p:spPr>
           <a:xfrm>
             <a:off x="3942773" y="4126991"/>
-            <a:ext cx="3275329" cy="1092607"/>
+            <a:ext cx="3275329" cy="925894"/>
           </a:xfrm>
           <a:prstGeom prst="rect">
             <a:avLst/>
           </a:prstGeom>
         </p:spPr>
         <p:txBody>
-          <a:bodyPr vert="horz" wrap="square" lIns="0" tIns="12700" rIns="0" bIns="0" rtlCol="0">
+          <a:bodyPr vert="horz" wrap="square" lIns="0" tIns="12700" rIns="0" bIns="0" rtlCol="0" anchor="t">
             <a:spAutoFit/>
           </a:bodyPr>
           <a:lstStyle/>
@@ -11712,63 +11828,72 @@
                 <a:solidFill>
                   <a:srgbClr val="FFFFFF"/>
                 </a:solidFill>
+                <a:latin typeface="Arial"/>
+                <a:ea typeface="MS Mincho"/>
+                <a:cs typeface="Arial"/>
+              </a:rPr>
+              <a:t>実行と運用</a:t>
+            </a:r>
+          </a:p>
+          <a:p>
+            <a:pPr marL="12700">
+              <a:spcBef>
+                <a:spcPts val="1595"/>
+              </a:spcBef>
+            </a:pPr>
+            <a:r>
+              <a:rPr lang="ja-JP" sz="1000" dirty="0">
+                <a:solidFill>
+                  <a:srgbClr val="1F1F1F"/>
+                </a:solidFill>
+                <a:latin typeface="Adobe Clean Han Light" panose="020B0300000000000000" pitchFamily="34" charset="-128"/>
+                <a:ea typeface="Adobe Clean Han Light" panose="020B0300000000000000" pitchFamily="34" charset="-128"/>
+                <a:cs typeface="Adobe Clean"/>
+              </a:rPr>
+              <a:t>エリートのお客様は、</a:t>
+            </a:r>
+            <a:r>
+              <a:rPr lang="ja-JP" sz="1000" b="1" dirty="0">
+                <a:solidFill>
+                  <a:srgbClr val="1F1F1F"/>
+                </a:solidFill>
+                <a:uFill>
+                  <a:solidFill>
+                    <a:srgbClr val="1F1F1F"/>
+                  </a:solidFill>
+                </a:uFill>
                 <a:latin typeface="Adobe Clean Han Regular" panose="020B0500000000000000" pitchFamily="34" charset="-128"/>
                 <a:ea typeface="Adobe Clean Han Regular" panose="020B0500000000000000" pitchFamily="34" charset="-128"/>
                 <a:cs typeface="Arial"/>
               </a:rPr>
-              <a:t>実行と運用</a:t>
-            </a:r>
-          </a:p>
-          <a:p>
-            <a:pPr marL="12700">
-              <a:lnSpc>
-                <a:spcPct val="100000"/>
-              </a:lnSpc>
-              <a:spcBef>
-                <a:spcPts val="1595"/>
-              </a:spcBef>
-            </a:pPr>
-            <a:r>
-              <a:rPr lang="ja-JP" sz="1000" dirty="0">
+              <a:t>1 年ごとに </a:t>
+            </a:r>
+            <a:r>
+              <a:rPr lang="ja-JP" sz="1000" u="sng" dirty="0">
                 <a:solidFill>
                   <a:srgbClr val="1F1F1F"/>
                 </a:solidFill>
+                <a:uFill>
+                  <a:solidFill>
+                    <a:srgbClr val="1F1F1F"/>
+                  </a:solidFill>
+                </a:uFill>
                 <a:latin typeface="Adobe Clean Han Regular" panose="020B0500000000000000" pitchFamily="34" charset="-128"/>
                 <a:ea typeface="Adobe Clean Han Regular" panose="020B0500000000000000" pitchFamily="34" charset="-128"/>
-                <a:cs typeface="Adobe Clean"/>
+                <a:cs typeface="Times New Roman"/>
               </a:rPr>
-              <a:t>エリートのお客様は、</a:t>
-            </a:r>
-          </a:p>
-          <a:p>
-            <a:pPr marL="12700">
-              <a:lnSpc>
-                <a:spcPct val="100000"/>
-              </a:lnSpc>
-              <a:spcBef>
-                <a:spcPts val="55"/>
-              </a:spcBef>
-            </a:pPr>
-            <a:r>
-              <a:rPr lang="ja-JP" sz="1000" dirty="0">
+              <a:t>4</a:t>
+            </a:r>
+            <a:r>
+              <a:rPr lang="ja-JP" sz="1000" b="1" dirty="0">
                 <a:solidFill>
                   <a:srgbClr val="1F1F1F"/>
                 </a:solidFill>
-                <a:latin typeface="Adobe Clean Han Regular" panose="020B0500000000000000" pitchFamily="34" charset="-128"/>
-                <a:ea typeface="Adobe Clean Han Regular" panose="020B0500000000000000" pitchFamily="34" charset="-128"/>
-                <a:cs typeface="Adobe Clean"/>
+                <a:latin typeface="Adobe Clean Han Light" panose="020B0300000000000000" pitchFamily="34" charset="-128"/>
+                <a:ea typeface="Adobe Clean Han Light" panose="020B0300000000000000" pitchFamily="34" charset="-128"/>
+                <a:cs typeface="Arial"/>
               </a:rPr>
-              <a:t>2 つのトラック</a:t>
-            </a:r>
-            <a:r>
-              <a:rPr lang="ja-JP" sz="1000" dirty="0">
-                <a:solidFill>
-                  <a:srgbClr val="1F1F1F"/>
-                </a:solidFill>
-                <a:latin typeface="Adobe Clean Han Regular" panose="020B0500000000000000" pitchFamily="34" charset="-128"/>
-                <a:ea typeface="Adobe Clean Han Regular" panose="020B0500000000000000" pitchFamily="34" charset="-128"/>
-              </a:rPr>
-              <a:t>（</a:t>
+              <a:t> </a:t>
             </a:r>
             <a:r>
               <a:rPr lang="ja-JP" sz="1000" b="1" dirty="0">
@@ -11777,58 +11902,85 @@
                 </a:solidFill>
                 <a:latin typeface="Adobe Clean Han Regular" panose="020B0500000000000000" pitchFamily="34" charset="-128"/>
                 <a:ea typeface="Adobe Clean Han Regular" panose="020B0500000000000000" pitchFamily="34" charset="-128"/>
+                <a:cs typeface="Arial"/>
               </a:rPr>
-              <a:t>テクニカルトラック</a:t>
+              <a:t>つのアクティビティを</a:t>
             </a:r>
             <a:r>
               <a:rPr lang="ja-JP" sz="1000" dirty="0">
                 <a:solidFill>
                   <a:srgbClr val="1F1F1F"/>
                 </a:solidFill>
-                <a:latin typeface="Adobe Clean Han Regular" panose="020B0500000000000000" pitchFamily="34" charset="-128"/>
-                <a:ea typeface="Adobe Clean Han Regular" panose="020B0500000000000000" pitchFamily="34" charset="-128"/>
+                <a:latin typeface="Adobe Clean Han Light" panose="020B0300000000000000" pitchFamily="34" charset="-128"/>
+                <a:ea typeface="Adobe Clean Han Light" panose="020B0300000000000000" pitchFamily="34" charset="-128"/>
+                <a:cs typeface="Arial"/>
               </a:rPr>
-              <a:t>および／または</a:t>
+              <a:t> 2 つのトラック</a:t>
+            </a:r>
+            <a:r>
+              <a:rPr lang="ja-JP" sz="1000" dirty="0">
+                <a:solidFill>
+                  <a:srgbClr val="1F1F1F"/>
+                </a:solidFill>
+                <a:latin typeface="Adobe Clean Han Light" panose="020B0300000000000000" pitchFamily="34" charset="-128"/>
+                <a:ea typeface="Adobe Clean Han Light" panose="020B0300000000000000" pitchFamily="34" charset="-128"/>
+              </a:rPr>
+              <a:t>（</a:t>
             </a:r>
             <a:r>
               <a:rPr lang="ja-JP" sz="1000" b="1" dirty="0">
                 <a:solidFill>
                   <a:srgbClr val="1F1F1F"/>
                 </a:solidFill>
-                <a:latin typeface="Adobe Clean Han Regular" panose="020B0500000000000000" pitchFamily="34" charset="-128"/>
-                <a:ea typeface="Adobe Clean Han Regular" panose="020B0500000000000000" pitchFamily="34" charset="-128"/>
+                <a:latin typeface="Adobe Clean Han Light" panose="020B0300000000000000" pitchFamily="34" charset="-128"/>
+                <a:ea typeface="Adobe Clean Han Light" panose="020B0300000000000000" pitchFamily="34" charset="-128"/>
+                <a:cs typeface="Arial"/>
               </a:rPr>
-              <a:t>戦略的トラック</a:t>
+              <a:t>テクニカルトラック</a:t>
             </a:r>
             <a:r>
               <a:rPr lang="ja-JP" sz="1000" dirty="0">
                 <a:solidFill>
                   <a:srgbClr val="1F1F1F"/>
                 </a:solidFill>
-                <a:latin typeface="Adobe Clean Han Regular" panose="020B0500000000000000" pitchFamily="34" charset="-128"/>
-                <a:ea typeface="Adobe Clean Han Regular" panose="020B0500000000000000" pitchFamily="34" charset="-128"/>
+                <a:latin typeface="Adobe Clean Han Light" panose="020B0300000000000000" pitchFamily="34" charset="-128"/>
+                <a:ea typeface="Adobe Clean Han Light" panose="020B0300000000000000" pitchFamily="34" charset="-128"/>
+                <a:cs typeface="Adobe Clean"/>
               </a:rPr>
-              <a:t>）から、</a:t>
+              <a:t>および／または</a:t>
             </a:r>
             <a:r>
               <a:rPr lang="ja-JP" sz="1000" b="1" dirty="0">
                 <a:solidFill>
                   <a:srgbClr val="1F1F1F"/>
                 </a:solidFill>
-                <a:latin typeface="Adobe Clean Han Regular" panose="020B0500000000000000" pitchFamily="34" charset="-128"/>
-                <a:ea typeface="Adobe Clean Han Regular" panose="020B0500000000000000" pitchFamily="34" charset="-128"/>
+                <a:latin typeface="Adobe Clean Han Light" panose="020B0300000000000000" pitchFamily="34" charset="-128"/>
+                <a:ea typeface="Adobe Clean Han Light" panose="020B0300000000000000" pitchFamily="34" charset="-128"/>
+                <a:cs typeface="Arial"/>
               </a:rPr>
-              <a:t>1 年ごとに 4 つのアクティビティ</a:t>
+              <a:t>戦略的トラック</a:t>
             </a:r>
             <a:r>
               <a:rPr lang="ja-JP" sz="1000" dirty="0">
                 <a:solidFill>
                   <a:srgbClr val="1F1F1F"/>
                 </a:solidFill>
-                <a:latin typeface="Adobe Clean Han Regular" panose="020B0500000000000000" pitchFamily="34" charset="-128"/>
-                <a:ea typeface="Adobe Clean Han Regular" panose="020B0500000000000000" pitchFamily="34" charset="-128"/>
+                <a:latin typeface="Adobe Clean Han Light" panose="020B0300000000000000" pitchFamily="34" charset="-128"/>
+                <a:ea typeface="Adobe Clean Han Light" panose="020B0300000000000000" pitchFamily="34" charset="-128"/>
+                <a:cs typeface="Arial"/>
               </a:rPr>
-              <a:t>を利用できます。</a:t>
+              <a:t>）から利用できます</a:t>
+            </a:r>
+            <a:r>
+              <a:rPr lang="ja-JP" sz="1000" b="1" dirty="0">
+                <a:solidFill>
+                  <a:srgbClr val="1F1F1F"/>
+                </a:solidFill>
+                <a:latin typeface="Adobe Clean Han Light" panose="020B0300000000000000" pitchFamily="34" charset="-128"/>
+                <a:ea typeface="Adobe Clean Han Light" panose="020B0300000000000000" pitchFamily="34" charset="-128"/>
+                <a:cs typeface="Arial"/>
+              </a:rPr>
+              <a:t>。</a:t>
             </a:r>
           </a:p>
         </p:txBody>
@@ -11841,8 +11993,8 @@
         </p:nvSpPr>
         <p:spPr>
           <a:xfrm>
-            <a:off x="923023" y="538479"/>
-            <a:ext cx="3920246" cy="228268"/>
+            <a:off x="923023" y="538480"/>
+            <a:ext cx="3763277" cy="228268"/>
           </a:xfrm>
           <a:prstGeom prst="rect">
             <a:avLst/>
@@ -11885,7 +12037,7 @@
         <p:spPr>
           <a:xfrm>
             <a:off x="924894" y="814263"/>
-            <a:ext cx="3266106" cy="45719"/>
+            <a:ext cx="3323256" cy="111357"/>
           </a:xfrm>
           <a:custGeom>
             <a:avLst/>
@@ -11914,10 +12066,7 @@
           <a:bodyPr wrap="square" lIns="0" tIns="0" rIns="0" bIns="0" rtlCol="0"/>
           <a:lstStyle/>
           <a:p>
-            <a:endParaRPr>
-              <a:latin typeface="Adobe Clean Han Regular" panose="020B0500000000000000" pitchFamily="34" charset="-128"/>
-              <a:ea typeface="Adobe Clean Han Regular" panose="020B0500000000000000" pitchFamily="34" charset="-128"/>
-            </a:endParaRPr>
+            <a:endParaRPr/>
           </a:p>
         </p:txBody>
       </p:sp>
@@ -11991,10 +12140,6 @@
           </p:nvPr>
         </p:nvSpPr>
         <p:spPr>
-          <a:xfrm>
-            <a:off x="97787" y="9861194"/>
-            <a:ext cx="2820499" cy="133370"/>
-          </a:xfrm>
           <a:prstGeom prst="rect">
             <a:avLst/>
           </a:prstGeom>
@@ -12014,10 +12159,7 @@
               </a:spcBef>
             </a:pPr>
             <a:r>
-              <a:rPr lang="ja-JP" dirty="0">
-                <a:latin typeface="Adobe Clean Han Regular" panose="020B0500000000000000" pitchFamily="34" charset="-128"/>
-                <a:ea typeface="Adobe Clean Han Regular" panose="020B0500000000000000" pitchFamily="34" charset="-128"/>
-              </a:rPr>
+              <a:rPr lang="ja-JP"/>
               <a:t>©2021 Adobe.All Rights Reserved.Adobe Confidential.</a:t>
             </a:r>
           </a:p>
@@ -12134,7 +12276,7 @@
           <a:p>
             <a:pPr algn="ctr"/>
             <a:r>
-              <a:rPr lang="ja-JP" sz="1600">
+              <a:rPr lang="ja-JP" sz="1600" dirty="0">
                 <a:latin typeface="Adobe Clean Han Regular" panose="020B0500000000000000" pitchFamily="34" charset="-128"/>
                 <a:ea typeface="Adobe Clean Han Regular" panose="020B0500000000000000" pitchFamily="34" charset="-128"/>
               </a:rPr>
@@ -12157,8 +12299,8 @@
         </p:nvSpPr>
         <p:spPr>
           <a:xfrm>
-            <a:off x="2918286" y="3455313"/>
-            <a:ext cx="933111" cy="430887"/>
+            <a:off x="2868756" y="3521990"/>
+            <a:ext cx="933111" cy="400110"/>
           </a:xfrm>
           <a:prstGeom prst="rect">
             <a:avLst/>
@@ -12173,11 +12315,24 @@
           <a:p>
             <a:pPr algn="ctr"/>
             <a:r>
-              <a:rPr lang="ja-JP" sz="1100" dirty="0">
+              <a:rPr lang="ja-JP" sz="1000" dirty="0">
                 <a:latin typeface="Adobe Clean Han Regular" panose="020B0500000000000000" pitchFamily="34" charset="-128"/>
                 <a:ea typeface="Adobe Clean Han Regular" panose="020B0500000000000000" pitchFamily="34" charset="-128"/>
               </a:rPr>
-              <a:t>ポストローンチ</a:t>
+              <a:t>ポスト</a:t>
+            </a:r>
+            <a:br>
+              <a:rPr lang="en-US" altLang="ja-JP" sz="1000" dirty="0">
+                <a:latin typeface="Adobe Clean Han Regular" panose="020B0500000000000000" pitchFamily="34" charset="-128"/>
+                <a:ea typeface="Adobe Clean Han Regular" panose="020B0500000000000000" pitchFamily="34" charset="-128"/>
+              </a:rPr>
+            </a:br>
+            <a:r>
+              <a:rPr lang="ja-JP" sz="1000" dirty="0">
+                <a:latin typeface="Adobe Clean Han Regular" panose="020B0500000000000000" pitchFamily="34" charset="-128"/>
+                <a:ea typeface="Adobe Clean Han Regular" panose="020B0500000000000000" pitchFamily="34" charset="-128"/>
+              </a:rPr>
+              <a:t>ローンチ</a:t>
             </a:r>
           </a:p>
         </p:txBody>
@@ -12196,8 +12351,8 @@
         </p:nvSpPr>
         <p:spPr>
           <a:xfrm>
-            <a:off x="2232154" y="3455313"/>
-            <a:ext cx="815846" cy="430887"/>
+            <a:off x="2258994" y="3521990"/>
+            <a:ext cx="826006" cy="400110"/>
           </a:xfrm>
           <a:prstGeom prst="rect">
             <a:avLst/>
@@ -12212,11 +12367,24 @@
           <a:p>
             <a:pPr algn="ctr"/>
             <a:r>
-              <a:rPr lang="ja-JP" sz="1100" dirty="0">
+              <a:rPr lang="ja-JP" sz="1000" dirty="0">
                 <a:latin typeface="Adobe Clean Han Regular" panose="020B0500000000000000" pitchFamily="34" charset="-128"/>
                 <a:ea typeface="Adobe Clean Han Regular" panose="020B0500000000000000" pitchFamily="34" charset="-128"/>
               </a:rPr>
-              <a:t>サービスイン</a:t>
+              <a:t>サービス</a:t>
+            </a:r>
+            <a:br>
+              <a:rPr lang="sk-SK" altLang="ja-JP" sz="1000" dirty="0">
+                <a:latin typeface="Adobe Clean Han Regular" panose="020B0500000000000000" pitchFamily="34" charset="-128"/>
+                <a:ea typeface="Adobe Clean Han Regular" panose="020B0500000000000000" pitchFamily="34" charset="-128"/>
+              </a:rPr>
+            </a:br>
+            <a:r>
+              <a:rPr lang="ja-JP" sz="1000" dirty="0">
+                <a:latin typeface="Adobe Clean Han Regular" panose="020B0500000000000000" pitchFamily="34" charset="-128"/>
+                <a:ea typeface="Adobe Clean Han Regular" panose="020B0500000000000000" pitchFamily="34" charset="-128"/>
+              </a:rPr>
+              <a:t>イン</a:t>
             </a:r>
           </a:p>
         </p:txBody>
@@ -12235,8 +12403,8 @@
         </p:nvSpPr>
         <p:spPr>
           <a:xfrm>
-            <a:off x="878679" y="3589913"/>
-            <a:ext cx="826006" cy="261610"/>
+            <a:off x="878679" y="3616583"/>
+            <a:ext cx="826006" cy="246221"/>
           </a:xfrm>
           <a:prstGeom prst="rect">
             <a:avLst/>
@@ -12251,7 +12419,7 @@
           <a:p>
             <a:pPr algn="ctr"/>
             <a:r>
-              <a:rPr lang="ja-JP" sz="1100">
+              <a:rPr lang="ja-JP" sz="1000">
                 <a:latin typeface="Adobe Clean Han Regular" panose="020B0500000000000000" pitchFamily="34" charset="-128"/>
                 <a:ea typeface="Adobe Clean Han Regular" panose="020B0500000000000000" pitchFamily="34" charset="-128"/>
               </a:rPr>
@@ -12274,8 +12442,8 @@
         </p:nvSpPr>
         <p:spPr>
           <a:xfrm>
-            <a:off x="152400" y="3599713"/>
-            <a:ext cx="933641" cy="261610"/>
+            <a:off x="137160" y="3626383"/>
+            <a:ext cx="962530" cy="246221"/>
           </a:xfrm>
           <a:prstGeom prst="rect">
             <a:avLst/>
@@ -12290,7 +12458,7 @@
           <a:p>
             <a:pPr algn="ctr"/>
             <a:r>
-              <a:rPr lang="ja-JP" sz="1100" dirty="0">
+              <a:rPr lang="ja-JP" sz="1000" dirty="0">
                 <a:latin typeface="Adobe Clean Han Regular" panose="020B0500000000000000" pitchFamily="34" charset="-128"/>
                 <a:ea typeface="Adobe Clean Han Regular" panose="020B0500000000000000" pitchFamily="34" charset="-128"/>
               </a:rPr>
@@ -12313,8 +12481,8 @@
         </p:nvSpPr>
         <p:spPr>
           <a:xfrm>
-            <a:off x="1558548" y="3589913"/>
-            <a:ext cx="826006" cy="261610"/>
+            <a:off x="1558548" y="3616583"/>
+            <a:ext cx="826006" cy="246221"/>
           </a:xfrm>
           <a:prstGeom prst="rect">
             <a:avLst/>
@@ -12329,7 +12497,7 @@
           <a:p>
             <a:pPr algn="ctr"/>
             <a:r>
-              <a:rPr lang="ja-JP" sz="1100">
+              <a:rPr lang="ja-JP" sz="1000" dirty="0">
                 <a:latin typeface="Adobe Clean Han Regular" panose="020B0500000000000000" pitchFamily="34" charset="-128"/>
                 <a:ea typeface="Adobe Clean Han Regular" panose="020B0500000000000000" pitchFamily="34" charset="-128"/>
               </a:rPr>
@@ -12440,12 +12608,12 @@
               </a:spcBef>
             </a:pPr>
             <a:r>
-              <a:rPr lang="ja-JP" sz="1000">
+              <a:rPr lang="ja-JP" sz="1000" dirty="0">
                 <a:solidFill>
                   <a:srgbClr val="4B4B4B"/>
                 </a:solidFill>
-                <a:latin typeface="Adobe Clean Han Regular" panose="020B0500000000000000" pitchFamily="34" charset="-128"/>
-                <a:ea typeface="Adobe Clean Han Regular" panose="020B0500000000000000" pitchFamily="34" charset="-128"/>
+                <a:latin typeface="Adobe Clean Han Light" panose="020B0300000000000000" pitchFamily="34" charset="-128"/>
+                <a:ea typeface="Adobe Clean Han Light" panose="020B0300000000000000" pitchFamily="34" charset="-128"/>
               </a:rPr>
               <a:t>AEM as a Cloud Service におけるカスタマイズのベストプラクティスとコアコンポーネントの採用を促進します。</a:t>
             </a:r>
@@ -12492,8 +12660,8 @@
                 <a:solidFill>
                   <a:srgbClr val="4B4B4B"/>
                 </a:solidFill>
-                <a:latin typeface="Adobe Clean Han Regular" panose="020B0500000000000000" pitchFamily="34" charset="-128"/>
-                <a:ea typeface="Adobe Clean Han Regular" panose="020B0500000000000000" pitchFamily="34" charset="-128"/>
+                <a:latin typeface="Adobe Clean Han Light" panose="020B0300000000000000" pitchFamily="34" charset="-128"/>
+                <a:ea typeface="Adobe Clean Han Light" panose="020B0300000000000000" pitchFamily="34" charset="-128"/>
               </a:rPr>
               <a:t>最適化のチャンスがあるカスタマイズソリューションの採用領域を特定、レビュー、提案します。</a:t>
             </a:r>
@@ -12540,10 +12708,10 @@
                 <a:solidFill>
                   <a:srgbClr val="4B4B4B"/>
                 </a:solidFill>
-                <a:latin typeface="Adobe Clean Han Regular" panose="020B0500000000000000" pitchFamily="34" charset="-128"/>
-                <a:ea typeface="Adobe Clean Han Regular" panose="020B0500000000000000" pitchFamily="34" charset="-128"/>
+                <a:latin typeface="Adobe Clean Han Light" panose="020B0300000000000000" pitchFamily="34" charset="-128"/>
+                <a:ea typeface="Adobe Clean Han Light" panose="020B0300000000000000" pitchFamily="34" charset="-128"/>
               </a:rPr>
-              <a:t>AEM as a Cloud Service のお客様が業界標準や AEM as a Cloud Service のベストプラクティスを遵守することを支援するための技術的および運用上のガバナンスを提供します。</a:t>
+              <a:t>AEM as a Cloud Service のお客様が業界標準や AEM as a Cloud Service のベストプラクティスを遵守することを支援するための技術的および運用上のガバナンスです。</a:t>
             </a:r>
           </a:p>
         </p:txBody>
@@ -12563,7 +12731,7 @@
         <p:spPr>
           <a:xfrm>
             <a:off x="5181600" y="936612"/>
-            <a:ext cx="1972258" cy="646331"/>
+            <a:ext cx="2449830" cy="461665"/>
           </a:xfrm>
           <a:prstGeom prst="rect">
             <a:avLst/>
@@ -12584,7 +12752,7 @@
               </a:spcBef>
             </a:pPr>
             <a:r>
-              <a:rPr lang="ja-JP" sz="1200" b="1">
+              <a:rPr lang="ja-JP" sz="1200" b="1" dirty="0">
                 <a:solidFill>
                   <a:srgbClr val="020302"/>
                 </a:solidFill>
@@ -12611,8 +12779,8 @@
         </p:nvSpPr>
         <p:spPr>
           <a:xfrm>
-            <a:off x="2752588" y="908302"/>
-            <a:ext cx="1708650" cy="646331"/>
+            <a:off x="2752587" y="908302"/>
+            <a:ext cx="2090681" cy="461665"/>
           </a:xfrm>
           <a:prstGeom prst="rect">
             <a:avLst/>
@@ -12682,7 +12850,7 @@
               </a:spcBef>
             </a:pPr>
             <a:r>
-              <a:rPr lang="ja-JP" sz="1200" b="1">
+              <a:rPr lang="ja-JP" sz="1200" b="1" dirty="0">
                 <a:solidFill>
                   <a:srgbClr val="020302"/>
                 </a:solidFill>
@@ -12756,8 +12924,8 @@
                 <a:solidFill>
                   <a:srgbClr val="6C6C6C"/>
                 </a:solidFill>
-                <a:latin typeface="Adobe Clean Han Regular" panose="020B0500000000000000" pitchFamily="34" charset="-128"/>
-                <a:ea typeface="Adobe Clean Han Regular" panose="020B0500000000000000" pitchFamily="34" charset="-128"/>
+                <a:latin typeface="Adobe Clean"/>
+                <a:ea typeface="MS Mincho"/>
                 <a:cs typeface="Adobe Clean"/>
               </a:rPr>
               <a:t>©2020 Adobe.All Rights Reserved.Adobe Confidential.</a:t>
@@ -12773,8 +12941,7 @@
               </a:spcBef>
             </a:pPr>
             <a:endParaRPr sz="800">
-              <a:latin typeface="Adobe Clean Han Regular" panose="020B0500000000000000" pitchFamily="34" charset="-128"/>
-              <a:ea typeface="Adobe Clean Han Regular" panose="020B0500000000000000" pitchFamily="34" charset="-128"/>
+              <a:latin typeface="Adobe Clean"/>
               <a:cs typeface="Adobe Clean"/>
             </a:endParaRPr>
           </a:p>
@@ -12792,8 +12959,8 @@
                 <a:solidFill>
                   <a:srgbClr val="6D6D6D"/>
                 </a:solidFill>
-                <a:latin typeface="Adobe Clean Han Regular" panose="020B0500000000000000" pitchFamily="34" charset="-128"/>
-                <a:ea typeface="Adobe Clean Han Regular" panose="020B0500000000000000" pitchFamily="34" charset="-128"/>
+                <a:latin typeface="Adobe Clean"/>
+                <a:ea typeface="MS Mincho"/>
                 <a:cs typeface="Adobe Clean"/>
               </a:rPr>
               <a:t>©2020 Adobe.All Rights Reserved.Adobe Confidential.</a:t>
@@ -12847,10 +13014,7 @@
           <a:bodyPr wrap="square" lIns="0" tIns="0" rIns="0" bIns="0" rtlCol="0"/>
           <a:lstStyle/>
           <a:p>
-            <a:endParaRPr>
-              <a:latin typeface="Adobe Clean Han Regular" panose="020B0500000000000000" pitchFamily="34" charset="-128"/>
-              <a:ea typeface="Adobe Clean Han Regular" panose="020B0500000000000000" pitchFamily="34" charset="-128"/>
-            </a:endParaRPr>
+            <a:endParaRPr/>
           </a:p>
         </p:txBody>
       </p:sp>
@@ -12884,7 +13048,7 @@
               </a:spcBef>
             </a:pPr>
             <a:r>
-              <a:rPr lang="ja-JP" sz="1400" b="1">
+              <a:rPr lang="ja-JP" sz="1400" b="1" dirty="0">
                 <a:solidFill>
                   <a:srgbClr val="020302"/>
                 </a:solidFill>
@@ -12905,8 +13069,8 @@
         </p:nvSpPr>
         <p:spPr>
           <a:xfrm>
-            <a:off x="6754821" y="9283729"/>
-            <a:ext cx="930275" cy="758541"/>
+            <a:off x="6754820" y="9283729"/>
+            <a:ext cx="1017579" cy="643125"/>
           </a:xfrm>
           <a:prstGeom prst="rect">
             <a:avLst/>
@@ -12927,12 +13091,12 @@
               </a:spcBef>
             </a:pPr>
             <a:r>
-              <a:rPr lang="ja-JP" sz="800">
+              <a:rPr lang="ja-JP" sz="800" dirty="0">
                 <a:solidFill>
                   <a:srgbClr val="777879"/>
                 </a:solidFill>
-                <a:latin typeface="Adobe Clean Han Regular" panose="020B0500000000000000" pitchFamily="34" charset="-128"/>
-                <a:ea typeface="Adobe Clean Han Regular" panose="020B0500000000000000" pitchFamily="34" charset="-128"/>
+                <a:latin typeface="Adobe Clean"/>
+                <a:ea typeface="MS Mincho"/>
                 <a:cs typeface="Adobe Clean"/>
               </a:rPr>
               <a:t>Adobe</a:t>
@@ -12945,12 +13109,12 @@
               </a:lnSpc>
             </a:pPr>
             <a:r>
-              <a:rPr lang="ja-JP" sz="800">
+              <a:rPr lang="ja-JP" sz="800" dirty="0">
                 <a:solidFill>
                   <a:srgbClr val="777879"/>
                 </a:solidFill>
-                <a:latin typeface="Adobe Clean Han Regular" panose="020B0500000000000000" pitchFamily="34" charset="-128"/>
-                <a:ea typeface="Adobe Clean Han Regular" panose="020B0500000000000000" pitchFamily="34" charset="-128"/>
+                <a:latin typeface="Adobe Clean"/>
+                <a:ea typeface="MS Mincho"/>
                 <a:cs typeface="Adobe Clean"/>
               </a:rPr>
               <a:t>345 Park Avenue</a:t>
@@ -12963,12 +13127,12 @@
               </a:lnSpc>
             </a:pPr>
             <a:r>
-              <a:rPr lang="ja-JP" sz="800">
+              <a:rPr lang="ja-JP" sz="800" spc="-10" dirty="0">
                 <a:solidFill>
                   <a:srgbClr val="777879"/>
                 </a:solidFill>
-                <a:latin typeface="Adobe Clean Han Regular" panose="020B0500000000000000" pitchFamily="34" charset="-128"/>
-                <a:ea typeface="Adobe Clean Han Regular" panose="020B0500000000000000" pitchFamily="34" charset="-128"/>
+                <a:latin typeface="Adobe Clean"/>
+                <a:ea typeface="MS Mincho"/>
                 <a:cs typeface="Adobe Clean"/>
               </a:rPr>
               <a:t>San Jose, CA95110-2704</a:t>
@@ -12984,12 +13148,12 @@
               </a:spcBef>
             </a:pPr>
             <a:r>
-              <a:rPr lang="ja-JP" sz="800">
+              <a:rPr lang="ja-JP" sz="800" dirty="0">
                 <a:solidFill>
                   <a:srgbClr val="777879"/>
                 </a:solidFill>
-                <a:latin typeface="Adobe Clean Han Regular" panose="020B0500000000000000" pitchFamily="34" charset="-128"/>
-                <a:ea typeface="Adobe Clean Han Regular" panose="020B0500000000000000" pitchFamily="34" charset="-128"/>
+                <a:latin typeface="Adobe Clean"/>
+                <a:ea typeface="MS Mincho"/>
                 <a:cs typeface="Adobe Clean"/>
               </a:rPr>
               <a:t>USA</a:t>
@@ -13005,7 +13169,7 @@
               </a:spcBef>
             </a:pPr>
             <a:r>
-              <a:rPr lang="ja-JP" sz="800" u="sng">
+              <a:rPr lang="ja-JP" sz="800" u="sng" dirty="0">
                 <a:solidFill>
                   <a:srgbClr val="5F5F5F"/>
                 </a:solidFill>
@@ -13014,8 +13178,8 @@
                     <a:srgbClr val="0000FF"/>
                   </a:solidFill>
                 </a:uFill>
-                <a:latin typeface="Adobe Clean Han Regular" panose="020B0500000000000000" pitchFamily="34" charset="-128"/>
-                <a:ea typeface="Adobe Clean Han Regular" panose="020B0500000000000000" pitchFamily="34" charset="-128"/>
+                <a:latin typeface="Adobe Clean"/>
+                <a:ea typeface="MS Mincho"/>
                 <a:cs typeface="Adobe Clean"/>
                 <a:hlinkClick r:id="rId3"/>
               </a:rPr>
@@ -13049,10 +13213,7 @@
           <a:bodyPr wrap="square" lIns="0" tIns="0" rIns="0" bIns="0" rtlCol="0"/>
           <a:lstStyle/>
           <a:p>
-            <a:endParaRPr>
-              <a:latin typeface="Adobe Clean Han Regular" panose="020B0500000000000000" pitchFamily="34" charset="-128"/>
-              <a:ea typeface="Adobe Clean Han Regular" panose="020B0500000000000000" pitchFamily="34" charset="-128"/>
-            </a:endParaRPr>
+            <a:endParaRPr/>
           </a:p>
         </p:txBody>
       </p:sp>
@@ -13135,10 +13296,7 @@
           <a:bodyPr wrap="square" lIns="0" tIns="0" rIns="0" bIns="0" rtlCol="0"/>
           <a:lstStyle/>
           <a:p>
-            <a:endParaRPr>
-              <a:latin typeface="Adobe Clean Han Regular" panose="020B0500000000000000" pitchFamily="34" charset="-128"/>
-              <a:ea typeface="Adobe Clean Han Regular" panose="020B0500000000000000" pitchFamily="34" charset="-128"/>
-            </a:endParaRPr>
+            <a:endParaRPr/>
           </a:p>
         </p:txBody>
       </p:sp>
@@ -13167,10 +13325,7 @@
           <a:bodyPr wrap="square" lIns="0" tIns="0" rIns="0" bIns="0" rtlCol="0"/>
           <a:lstStyle/>
           <a:p>
-            <a:endParaRPr>
-              <a:latin typeface="Adobe Clean Han Regular" panose="020B0500000000000000" pitchFamily="34" charset="-128"/>
-              <a:ea typeface="Adobe Clean Han Regular" panose="020B0500000000000000" pitchFamily="34" charset="-128"/>
-            </a:endParaRPr>
+            <a:endParaRPr/>
           </a:p>
         </p:txBody>
       </p:sp>
@@ -13204,12 +13359,12 @@
               </a:spcBef>
             </a:pPr>
             <a:r>
-              <a:rPr lang="ja-JP" sz="1100" i="1" dirty="0">
+              <a:rPr lang="ja-JP" sz="1100" i="1" spc="-40" dirty="0">
                 <a:solidFill>
                   <a:srgbClr val="777879"/>
                 </a:solidFill>
-                <a:latin typeface="Adobe Clean Han Regular" panose="020B0500000000000000" pitchFamily="34" charset="-128"/>
-                <a:ea typeface="Adobe Clean Han Regular" panose="020B0500000000000000" pitchFamily="34" charset="-128"/>
+                <a:latin typeface="Adobe Clean Han Light" panose="020B0300000000000000" pitchFamily="34" charset="-128"/>
+                <a:ea typeface="Adobe Clean Han Light" panose="020B0300000000000000" pitchFamily="34" charset="-128"/>
                 <a:cs typeface="AdobeClean-LightIt"/>
               </a:rPr>
               <a:t>アドビサポートのサービスやお客様に最適なレベルについて詳しくは、専任アカウントマネージャー（NAM）またはカスタマーサクセスマネージャー（CSM）にお問い合わせください。</a:t>
@@ -13229,8 +13384,8 @@
                 <a:solidFill>
                   <a:srgbClr val="6D6D6D"/>
                 </a:solidFill>
-                <a:latin typeface="Adobe Clean Han Regular" panose="020B0500000000000000" pitchFamily="34" charset="-128"/>
-                <a:ea typeface="Adobe Clean Han Regular" panose="020B0500000000000000" pitchFamily="34" charset="-128"/>
+                <a:latin typeface="Adobe Clean"/>
+                <a:ea typeface="MS Mincho"/>
                 <a:cs typeface="Adobe Clean"/>
               </a:rPr>
               <a:t>©2021 Adobe.All Rights Reserved.Adobe Confidential.</a:t>
@@ -13293,29 +13448,10 @@
                 <a:solidFill>
                   <a:srgbClr val="1F1F1F"/>
                 </a:solidFill>
-                <a:latin typeface="Adobe Clean Han Regular" panose="020B0500000000000000" pitchFamily="34" charset="-128"/>
-                <a:ea typeface="Adobe Clean Han Regular" panose="020B0500000000000000" pitchFamily="34" charset="-128"/>
+                <a:latin typeface="Adobe Clean Han Light" panose="020B0300000000000000" pitchFamily="34" charset="-128"/>
+                <a:ea typeface="Adobe Clean Han Light" panose="020B0300000000000000" pitchFamily="34" charset="-128"/>
               </a:rPr>
-              <a:t>アドビサポートの対象地域と現地営業時間は、以下のとおりです。対象地域は、</a:t>
-            </a:r>
-            <a:br>
-              <a:rPr lang="sk-SK" altLang="ja-JP" sz="1000" dirty="0">
-                <a:solidFill>
-                  <a:srgbClr val="1F1F1F"/>
-                </a:solidFill>
-                <a:latin typeface="Adobe Clean Han Regular" panose="020B0500000000000000" pitchFamily="34" charset="-128"/>
-                <a:ea typeface="Adobe Clean Han Regular" panose="020B0500000000000000" pitchFamily="34" charset="-128"/>
-              </a:rPr>
-            </a:br>
-            <a:r>
-              <a:rPr lang="ja-JP" sz="1000" dirty="0">
-                <a:solidFill>
-                  <a:srgbClr val="1F1F1F"/>
-                </a:solidFill>
-                <a:latin typeface="Adobe Clean Han Regular" panose="020B0500000000000000" pitchFamily="34" charset="-128"/>
-                <a:ea typeface="Adobe Clean Han Regular" panose="020B0500000000000000" pitchFamily="34" charset="-128"/>
-              </a:rPr>
-              <a:t>お客様のセールスオーダーやその他のアドビサポートの購買記録に記載されている請求先の地域に準じます。</a:t>
+              <a:t>アドビサポートの対象地域と現地営業時間は、以下のとおりです。対象地域は、お客様のセールスオーダーやその他のアドビサポートのご契約資料に記載されている請求先の地域に準じます。</a:t>
             </a:r>
           </a:p>
         </p:txBody>
@@ -13335,7 +13471,7 @@
           <p:nvPr>
             <p:extLst>
               <p:ext uri="{D42A27DB-BD31-4B8C-83A1-F6EECF244321}">
-                <p14:modId xmlns:p14="http://schemas.microsoft.com/office/powerpoint/2010/main" val="1761200756"/>
+                <p14:modId xmlns:p14="http://schemas.microsoft.com/office/powerpoint/2010/main" val="3391328245"/>
               </p:ext>
             </p:extLst>
           </p:nvPr>
@@ -13388,7 +13524,7 @@
                     <a:p>
                       <a:pPr algn="ctr"/>
                       <a:r>
-                        <a:rPr lang="ja-JP" sz="1100">
+                        <a:rPr lang="ja-JP" sz="1100" dirty="0">
                           <a:solidFill>
                             <a:schemeClr val="tx1"/>
                           </a:solidFill>
@@ -13461,7 +13597,26 @@
                           <a:latin typeface="Adobe Clean Han Regular" panose="020B0500000000000000" pitchFamily="34" charset="-128"/>
                           <a:ea typeface="Adobe Clean Han Regular" panose="020B0500000000000000" pitchFamily="34" charset="-128"/>
                         </a:rPr>
-                        <a:t>ヨーロッパ、中東、アフリカ</a:t>
+                        <a:t>ヨーロッパ、中東、</a:t>
+                      </a:r>
+                      <a:br>
+                        <a:rPr lang="sk-SK" altLang="ja-JP" sz="1100" dirty="0">
+                          <a:solidFill>
+                            <a:schemeClr val="tx1"/>
+                          </a:solidFill>
+                          <a:latin typeface="Adobe Clean Han Regular" panose="020B0500000000000000" pitchFamily="34" charset="-128"/>
+                          <a:ea typeface="Adobe Clean Han Regular" panose="020B0500000000000000" pitchFamily="34" charset="-128"/>
+                        </a:rPr>
+                      </a:br>
+                      <a:r>
+                        <a:rPr lang="ja-JP" sz="1100" dirty="0">
+                          <a:solidFill>
+                            <a:schemeClr val="tx1"/>
+                          </a:solidFill>
+                          <a:latin typeface="Adobe Clean Han Regular" panose="020B0500000000000000" pitchFamily="34" charset="-128"/>
+                          <a:ea typeface="Adobe Clean Han Regular" panose="020B0500000000000000" pitchFamily="34" charset="-128"/>
+                        </a:rPr>
+                        <a:t>アフリカ</a:t>
                       </a:r>
                     </a:p>
                   </a:txBody>
@@ -13520,7 +13675,7 @@
                     <a:p>
                       <a:pPr algn="ctr"/>
                       <a:r>
-                        <a:rPr lang="ja-JP" sz="1100">
+                        <a:rPr lang="ja-JP" sz="1100" dirty="0">
                           <a:solidFill>
                             <a:schemeClr val="tx1"/>
                           </a:solidFill>
@@ -13801,7 +13956,7 @@
                     <a:p>
                       <a:pPr algn="ctr"/>
                       <a:r>
-                        <a:rPr lang="ja-JP" sz="1100">
+                        <a:rPr lang="ja-JP" sz="1100" dirty="0">
                           <a:solidFill>
                             <a:schemeClr val="tx1"/>
                           </a:solidFill>
@@ -13867,7 +14022,7 @@
                     <a:p>
                       <a:pPr algn="ctr"/>
                       <a:r>
-                        <a:rPr lang="ja-JP" sz="1100">
+                        <a:rPr lang="ja-JP" sz="1100" dirty="0">
                           <a:solidFill>
                             <a:schemeClr val="tx1"/>
                           </a:solidFill>
@@ -14084,7 +14239,7 @@
                     <a:bodyPr/>
                     <a:lstStyle/>
                     <a:p>
-                      <a:endParaRPr lang="en-US" sz="1100" dirty="0">
+                      <a:endParaRPr lang="en-US" sz="1100">
                         <a:solidFill>
                           <a:schemeClr val="tx1"/>
                         </a:solidFill>
@@ -14145,7 +14300,7 @@
                     <a:bodyPr/>
                     <a:lstStyle/>
                     <a:p>
-                      <a:endParaRPr lang="en-US" sz="1100" dirty="0">
+                      <a:endParaRPr lang="en-US" sz="1100">
                         <a:solidFill>
                           <a:schemeClr val="tx1"/>
                         </a:solidFill>
@@ -14206,7 +14361,7 @@
                     <a:bodyPr/>
                     <a:lstStyle/>
                     <a:p>
-                      <a:endParaRPr lang="en-US" sz="1100" dirty="0">
+                      <a:endParaRPr lang="en-US" sz="1100">
                         <a:solidFill>
                           <a:schemeClr val="tx1"/>
                         </a:solidFill>
@@ -14324,10 +14479,7 @@
           <a:bodyPr wrap="square" lIns="0" tIns="0" rIns="0" bIns="0" rtlCol="0"/>
           <a:lstStyle/>
           <a:p>
-            <a:endParaRPr>
-              <a:latin typeface="Adobe Clean Han Regular" panose="020B0500000000000000" pitchFamily="34" charset="-128"/>
-              <a:ea typeface="Adobe Clean Han Regular" panose="020B0500000000000000" pitchFamily="34" charset="-128"/>
-            </a:endParaRPr>
+            <a:endParaRPr/>
           </a:p>
         </p:txBody>
       </p:sp>
@@ -14374,7 +14526,7 @@
         <p:spPr>
           <a:xfrm>
             <a:off x="2840871" y="8528519"/>
-            <a:ext cx="810895" cy="370230"/>
+            <a:ext cx="810895" cy="385445"/>
           </a:xfrm>
           <a:prstGeom prst="rect">
             <a:avLst/>
@@ -14395,7 +14547,7 @@
               </a:spcBef>
             </a:pPr>
             <a:r>
-              <a:rPr lang="ja-JP" sz="1000" b="1" dirty="0">
+              <a:rPr lang="ja-JP" sz="1200" b="1" dirty="0">
                 <a:solidFill>
                   <a:srgbClr val="FFFFFF"/>
                 </a:solidFill>
@@ -14406,7 +14558,7 @@
               <a:t>卓越した</a:t>
             </a:r>
             <a:br>
-              <a:rPr lang="ja-JP" sz="1000" b="1" dirty="0">
+              <a:rPr lang="ja-JP" sz="1200" b="1" dirty="0">
                 <a:solidFill>
                   <a:srgbClr val="FFFFFF"/>
                 </a:solidFill>
@@ -14416,7 +14568,7 @@
               </a:rPr>
             </a:br>
             <a:r>
-              <a:rPr lang="ja-JP" sz="1000" b="1" dirty="0">
+              <a:rPr lang="ja-JP" sz="1200" b="1" dirty="0">
                 <a:solidFill>
                   <a:srgbClr val="FFFFFF"/>
                 </a:solidFill>
@@ -14443,8 +14595,8 @@
         </p:nvSpPr>
         <p:spPr>
           <a:xfrm>
-            <a:off x="4648200" y="8541244"/>
-            <a:ext cx="810895" cy="382797"/>
+            <a:off x="4522786" y="8541244"/>
+            <a:ext cx="1230314" cy="382797"/>
           </a:xfrm>
           <a:prstGeom prst="rect">
             <a:avLst/>
@@ -14513,8 +14665,8 @@
         </p:nvSpPr>
         <p:spPr>
           <a:xfrm>
-            <a:off x="6400800" y="8543943"/>
-            <a:ext cx="930274" cy="382797"/>
+            <a:off x="6357853" y="8543943"/>
+            <a:ext cx="1043072" cy="382797"/>
           </a:xfrm>
           <a:prstGeom prst="rect">
             <a:avLst/>
@@ -14584,7 +14736,7 @@
           <p:nvPr>
             <p:extLst>
               <p:ext uri="{D42A27DB-BD31-4B8C-83A1-F6EECF244321}">
-                <p14:modId xmlns:p14="http://schemas.microsoft.com/office/powerpoint/2010/main" val="1024323629"/>
+                <p14:modId xmlns:p14="http://schemas.microsoft.com/office/powerpoint/2010/main" val="3861737228"/>
               </p:ext>
             </p:extLst>
           </p:nvPr>
@@ -14706,12 +14858,12 @@
                         <a:defRPr/>
                       </a:pPr>
                       <a:r>
-                        <a:rPr lang="ja-JP" sz="1000" b="0">
+                        <a:rPr lang="ja-JP" sz="1000" b="0" dirty="0">
                           <a:solidFill>
                             <a:srgbClr val="000000"/>
                           </a:solidFill>
-                          <a:latin typeface="Adobe Clean Han Regular" panose="020B0500000000000000" pitchFamily="34" charset="-128"/>
-                          <a:ea typeface="Adobe Clean Han Regular" panose="020B0500000000000000" pitchFamily="34" charset="-128"/>
+                          <a:latin typeface="Adobe Clean Han Light" panose="020B0300000000000000" pitchFamily="34" charset="-128"/>
+                          <a:ea typeface="Adobe Clean Han Light" panose="020B0300000000000000" pitchFamily="34" charset="-128"/>
                           <a:cs typeface="+mn-cs"/>
                         </a:rPr>
                         <a:t>Experience League では、アドビへの投資に対して企業が期待している価値を実現するための支援を行います。セルフサービスのチュートリアル、製品ドキュメント、講師によるトレーニング、コミュニティ、テクニカルサポートなど、パーソナライズされた成功への道筋に沿って、お客様が学習し、繋がり、成長できる、統合された場所です。 </a:t>
@@ -14796,7 +14948,7 @@
                         <a:defRPr/>
                       </a:pPr>
                       <a:r>
-                        <a:rPr lang="ja-JP" sz="1100">
+                        <a:rPr lang="ja-JP" sz="1100" dirty="0">
                           <a:solidFill>
                             <a:schemeClr val="dk1"/>
                           </a:solidFill>
@@ -14808,7 +14960,7 @@
                         <a:t>トレーニング</a:t>
                       </a:r>
                       <a:r>
-                        <a:rPr lang="ja-JP" sz="1100">
+                        <a:rPr lang="ja-JP" sz="1100" dirty="0">
                           <a:solidFill>
                             <a:schemeClr val="dk1"/>
                           </a:solidFill>
@@ -14895,8 +15047,8 @@
                           <a:solidFill>
                             <a:srgbClr val="000000"/>
                           </a:solidFill>
-                          <a:latin typeface="Adobe Clean Han Regular" panose="020B0500000000000000" pitchFamily="34" charset="-128"/>
-                          <a:ea typeface="Adobe Clean Han Regular" panose="020B0500000000000000" pitchFamily="34" charset="-128"/>
+                          <a:latin typeface="Adobe Clean Han Light" panose="020B0300000000000000" pitchFamily="34" charset="-128"/>
+                          <a:ea typeface="Adobe Clean Han Light" panose="020B0300000000000000" pitchFamily="34" charset="-128"/>
                           <a:cs typeface="+mn-cs"/>
                         </a:rPr>
                         <a:t>Adobe Digital Learning Services のコースには、Experience League からアクセスできます。ラーニングコースは、オンデマンドレッスンと講師によるレッスンが統合されています。  市場価値が認められたスキルを習得し、組織での成功を促進するために活用できます。</a:t>
@@ -14981,7 +15133,7 @@
                         <a:defRPr/>
                       </a:pPr>
                       <a:r>
-                        <a:rPr lang="ja-JP" sz="1100">
+                        <a:rPr lang="ja-JP" sz="1100" dirty="0">
                           <a:solidFill>
                             <a:schemeClr val="tx1"/>
                           </a:solidFill>
@@ -15069,8 +15221,8 @@
                           <a:solidFill>
                             <a:srgbClr val="000000"/>
                           </a:solidFill>
-                          <a:latin typeface="Adobe Clean Han Regular" panose="020B0500000000000000" pitchFamily="34" charset="-128"/>
-                          <a:ea typeface="Adobe Clean Han Regular" panose="020B0500000000000000" pitchFamily="34" charset="-128"/>
+                          <a:latin typeface="Adobe Clean Han Light" panose="020B0300000000000000" pitchFamily="34" charset="-128"/>
+                          <a:ea typeface="Adobe Clean Han Light" panose="020B0300000000000000" pitchFamily="34" charset="-128"/>
                           <a:cs typeface="+mn-cs"/>
                         </a:rPr>
                         <a:t>status.adobe.com では、マルチテナント環境にデプロイされたすべてのアドビ製品およびサービスのシステムステータス情報が表示されます。お客様は、アドビが製品イベントを作成、更新、解決した際に電子メール通知を受け取るようサブスクリプション設定を選択できます。イベントには、定期的なメンテナンスや、様々な重大度レベルの問題が含まれています。 </a:t>
@@ -15155,7 +15307,7 @@
                         <a:defRPr/>
                       </a:pPr>
                       <a:r>
-                        <a:rPr lang="ja-JP" sz="1100">
+                        <a:rPr lang="ja-JP" sz="1100" dirty="0">
                           <a:solidFill>
                             <a:schemeClr val="tx1"/>
                           </a:solidFill>
@@ -15164,7 +15316,7 @@
                           <a:cs typeface="+mn-cs"/>
                           <a:hlinkClick r:id="rId10"/>
                         </a:rPr>
-                        <a:t>利用規約</a:t>
+                        <a:t>利用条件</a:t>
                       </a:r>
                     </a:p>
                   </a:txBody>
@@ -15226,8 +15378,8 @@
                           <a:solidFill>
                             <a:srgbClr val="000000"/>
                           </a:solidFill>
-                          <a:latin typeface="Adobe Clean Han Regular" panose="020B0500000000000000" pitchFamily="34" charset="-128"/>
-                          <a:ea typeface="Adobe Clean Han Regular" panose="020B0500000000000000" pitchFamily="34" charset="-128"/>
+                          <a:latin typeface="Adobe Clean Han Light" panose="020B0300000000000000" pitchFamily="34" charset="-128"/>
+                          <a:ea typeface="Adobe Clean Han Light" panose="020B0300000000000000" pitchFamily="34" charset="-128"/>
                           <a:cs typeface="+mn-cs"/>
                         </a:rPr>
                         <a:t>提供するサポートサービスについて詳しく説明されています。</a:t>
@@ -15849,21 +16001,6 @@
 </file>
 
 <file path=customXml/item1.xml><?xml version="1.0" encoding="utf-8"?>
-<?mso-contentType ?>
-<FormTemplates xmlns="http://schemas.microsoft.com/sharepoint/v3/contenttype/forms">
-  <Display>DocumentLibraryForm</Display>
-  <Edit>DocumentLibraryForm</Edit>
-  <New>DocumentLibraryForm</New>
-</FormTemplates>
-</file>
-
-<file path=customXml/item2.xml><?xml version="1.0" encoding="utf-8"?>
-<p:properties xmlns:p="http://schemas.microsoft.com/office/2006/metadata/properties" xmlns:xsi="http://www.w3.org/2001/XMLSchema-instance" xmlns:pc="http://schemas.microsoft.com/office/infopath/2007/PartnerControls">
-  <documentManagement/>
-</p:properties>
-</file>
-
-<file path=customXml/item3.xml><?xml version="1.0" encoding="utf-8"?>
 <ct:contentTypeSchema xmlns:ct="http://schemas.microsoft.com/office/2006/metadata/contentType" xmlns:ma="http://schemas.microsoft.com/office/2006/metadata/properties/metaAttributes" ct:_="" ma:_="" ma:contentTypeName="Document" ma:contentTypeID="0x010100E783BF6876BCC646A459363AF21A7736" ma:contentTypeVersion="10" ma:contentTypeDescription="Create a new document." ma:contentTypeScope="" ma:versionID="c4ffda7f4f415767600769e454c2ea87">
   <xsd:schema xmlns:xsd="http://www.w3.org/2001/XMLSchema" xmlns:xs="http://www.w3.org/2001/XMLSchema" xmlns:p="http://schemas.microsoft.com/office/2006/metadata/properties" xmlns:ns2="8a053bff-88be-49e4-9a87-e748e18b8b62" xmlns:ns3="6c8368ec-3776-49b5-a5bb-90648cf9530f" targetNamespace="http://schemas.microsoft.com/office/2006/metadata/properties" ma:root="true" ma:fieldsID="df3ec33bccc23e23bce7bc897fad43d1" ns2:_="" ns3:_="">
     <xsd:import namespace="8a053bff-88be-49e4-9a87-e748e18b8b62"/>
@@ -16068,10 +16205,36 @@
 </ct:contentTypeSchema>
 </file>
 
+<file path=customXml/item2.xml><?xml version="1.0" encoding="utf-8"?>
+<p:properties xmlns:p="http://schemas.microsoft.com/office/2006/metadata/properties" xmlns:xsi="http://www.w3.org/2001/XMLSchema-instance" xmlns:pc="http://schemas.microsoft.com/office/infopath/2007/PartnerControls">
+  <documentManagement/>
+</p:properties>
+</file>
+
+<file path=customXml/item3.xml><?xml version="1.0" encoding="utf-8"?>
+<?mso-contentType ?>
+<FormTemplates xmlns="http://schemas.microsoft.com/sharepoint/v3/contenttype/forms">
+  <Display>DocumentLibraryForm</Display>
+  <Edit>DocumentLibraryForm</Edit>
+  <New>DocumentLibraryForm</New>
+</FormTemplates>
+</file>
+
 <file path=customXml/itemProps1.xml><?xml version="1.0" encoding="utf-8"?>
-<ds:datastoreItem xmlns:ds="http://schemas.openxmlformats.org/officeDocument/2006/customXml" ds:itemID="{669D9D3B-3229-44EE-9964-24A06AE66887}">
+<ds:datastoreItem xmlns:ds="http://schemas.openxmlformats.org/officeDocument/2006/customXml" ds:itemID="{75C1A8FD-3884-41A0-BE37-D15776C885D1}">
   <ds:schemaRefs>
-    <ds:schemaRef ds:uri="http://schemas.microsoft.com/sharepoint/v3/contenttype/forms"/>
+    <ds:schemaRef ds:uri="6c8368ec-3776-49b5-a5bb-90648cf9530f"/>
+    <ds:schemaRef ds:uri="8a053bff-88be-49e4-9a87-e748e18b8b62"/>
+    <ds:schemaRef ds:uri="http://purl.org/dc/elements/1.1/"/>
+    <ds:schemaRef ds:uri="http://purl.org/dc/terms/"/>
+    <ds:schemaRef ds:uri="http://schemas.microsoft.com/internal/obd"/>
+    <ds:schemaRef ds:uri="http://schemas.microsoft.com/office/2006/documentManagement/types"/>
+    <ds:schemaRef ds:uri="http://schemas.microsoft.com/office/2006/metadata/contentType"/>
+    <ds:schemaRef ds:uri="http://schemas.microsoft.com/office/2006/metadata/properties"/>
+    <ds:schemaRef ds:uri="http://schemas.microsoft.com/office/2006/metadata/properties/metaAttributes"/>
+    <ds:schemaRef ds:uri="http://schemas.microsoft.com/office/infopath/2007/PartnerControls"/>
+    <ds:schemaRef ds:uri="http://schemas.openxmlformats.org/package/2006/metadata/core-properties"/>
+    <ds:schemaRef ds:uri="http://www.w3.org/2001/XMLSchema"/>
   </ds:schemaRefs>
 </ds:datastoreItem>
 </file>
@@ -16086,20 +16249,9 @@
 </file>
 
 <file path=customXml/itemProps3.xml><?xml version="1.0" encoding="utf-8"?>
-<ds:datastoreItem xmlns:ds="http://schemas.openxmlformats.org/officeDocument/2006/customXml" ds:itemID="{75C1A8FD-3884-41A0-BE37-D15776C885D1}">
+<ds:datastoreItem xmlns:ds="http://schemas.openxmlformats.org/officeDocument/2006/customXml" ds:itemID="{669D9D3B-3229-44EE-9964-24A06AE66887}">
   <ds:schemaRefs>
-    <ds:schemaRef ds:uri="http://schemas.microsoft.com/office/2006/metadata/contentType"/>
-    <ds:schemaRef ds:uri="http://schemas.microsoft.com/office/2006/metadata/properties/metaAttributes"/>
-    <ds:schemaRef ds:uri="http://www.w3.org/2001/XMLSchema"/>
-    <ds:schemaRef ds:uri="http://schemas.microsoft.com/office/2006/metadata/properties"/>
-    <ds:schemaRef ds:uri="8a053bff-88be-49e4-9a87-e748e18b8b62"/>
-    <ds:schemaRef ds:uri="6c8368ec-3776-49b5-a5bb-90648cf9530f"/>
-    <ds:schemaRef ds:uri="http://schemas.microsoft.com/office/2006/documentManagement/types"/>
-    <ds:schemaRef ds:uri="http://schemas.microsoft.com/office/infopath/2007/PartnerControls"/>
-    <ds:schemaRef ds:uri="http://schemas.openxmlformats.org/package/2006/metadata/core-properties"/>
-    <ds:schemaRef ds:uri="http://purl.org/dc/elements/1.1/"/>
-    <ds:schemaRef ds:uri="http://purl.org/dc/terms/"/>
-    <ds:schemaRef ds:uri="http://schemas.microsoft.com/internal/obd"/>
+    <ds:schemaRef ds:uri="http://schemas.microsoft.com/sharepoint/v3/contenttype/forms"/>
   </ds:schemaRefs>
 </ds:datastoreItem>
 </file>
--- a/help/data-sheets/assets/EliteSupportDatasheet.pptx
+++ b/help/data-sheets/assets/EliteSupportDatasheet.pptx
@@ -151,13 +151,61 @@
 <file path=ppt/revisionInfo.xml><?xml version="1.0" encoding="utf-8"?>
 <p1510:revInfo xmlns:a="http://schemas.openxmlformats.org/drawingml/2006/main" xmlns:r="http://schemas.openxmlformats.org/officeDocument/2006/relationships" xmlns:p1510="http://schemas.microsoft.com/office/powerpoint/2015/10/main">
   <p1510:revLst>
-    <p1510:client id="{0BC4D7A0-4BBD-1B49-BE14-170949F0EA37}" v="4" dt="2021-10-13T19:10:14.670"/>
+    <p1510:client id="{1E4B2740-C02D-6848-8C88-402A980B28DC}" v="27" dt="2022-01-20T17:33:40.354"/>
   </p1510:revLst>
 </p1510:revInfo>
 </file>
 
 <file path=ppt/changesInfos/changesInfo1.xml><?xml version="1.0" encoding="utf-8"?>
 <pc:chgInfo xmlns:a="http://schemas.openxmlformats.org/drawingml/2006/main" xmlns:r="http://schemas.openxmlformats.org/officeDocument/2006/relationships" xmlns:ac="http://schemas.microsoft.com/office/drawing/2013/main/command" xmlns:pc="http://schemas.microsoft.com/office/powerpoint/2013/main/command">
+  <pc:docChgLst>
+    <pc:chgData name="Akilah Johnson" userId="2fa3aa60-0c9c-4d06-bae2-795983241227" providerId="ADAL" clId="{4F9F8D59-37FF-0B43-9EF5-31D48C73FC8D}"/>
+    <pc:docChg chg="modSld">
+      <pc:chgData name="Akilah Johnson" userId="2fa3aa60-0c9c-4d06-bae2-795983241227" providerId="ADAL" clId="{4F9F8D59-37FF-0B43-9EF5-31D48C73FC8D}" dt="2021-11-24T00:07:01.857" v="8" actId="20577"/>
+      <pc:docMkLst>
+        <pc:docMk/>
+      </pc:docMkLst>
+      <pc:sldChg chg="modSp mod">
+        <pc:chgData name="Akilah Johnson" userId="2fa3aa60-0c9c-4d06-bae2-795983241227" providerId="ADAL" clId="{4F9F8D59-37FF-0B43-9EF5-31D48C73FC8D}" dt="2021-11-24T00:07:01.857" v="8" actId="20577"/>
+        <pc:sldMkLst>
+          <pc:docMk/>
+          <pc:sldMk cId="0" sldId="256"/>
+        </pc:sldMkLst>
+        <pc:graphicFrameChg chg="modGraphic">
+          <ac:chgData name="Akilah Johnson" userId="2fa3aa60-0c9c-4d06-bae2-795983241227" providerId="ADAL" clId="{4F9F8D59-37FF-0B43-9EF5-31D48C73FC8D}" dt="2021-11-24T00:07:01.857" v="8" actId="20577"/>
+          <ac:graphicFrameMkLst>
+            <pc:docMk/>
+            <pc:sldMk cId="0" sldId="256"/>
+            <ac:graphicFrameMk id="7" creationId="{00000000-0000-0000-0000-000000000000}"/>
+          </ac:graphicFrameMkLst>
+        </pc:graphicFrameChg>
+      </pc:sldChg>
+    </pc:docChg>
+  </pc:docChgLst>
+  <pc:docChgLst>
+    <pc:chgData name="Akilah Johnson" userId="S::akjohnso@adobe.com::2fa3aa60-0c9c-4d06-bae2-795983241227" providerId="AD" clId="Web-{6321287A-37E3-E99F-4766-DFF993179103}"/>
+    <pc:docChg chg="modSld">
+      <pc:chgData name="Akilah Johnson" userId="S::akjohnso@adobe.com::2fa3aa60-0c9c-4d06-bae2-795983241227" providerId="AD" clId="Web-{6321287A-37E3-E99F-4766-DFF993179103}" dt="2021-11-24T00:05:14.840" v="5"/>
+      <pc:docMkLst>
+        <pc:docMk/>
+      </pc:docMkLst>
+      <pc:sldChg chg="modSp">
+        <pc:chgData name="Akilah Johnson" userId="S::akjohnso@adobe.com::2fa3aa60-0c9c-4d06-bae2-795983241227" providerId="AD" clId="Web-{6321287A-37E3-E99F-4766-DFF993179103}" dt="2021-11-24T00:05:14.840" v="5"/>
+        <pc:sldMkLst>
+          <pc:docMk/>
+          <pc:sldMk cId="0" sldId="256"/>
+        </pc:sldMkLst>
+        <pc:graphicFrameChg chg="mod modGraphic">
+          <ac:chgData name="Akilah Johnson" userId="S::akjohnso@adobe.com::2fa3aa60-0c9c-4d06-bae2-795983241227" providerId="AD" clId="Web-{6321287A-37E3-E99F-4766-DFF993179103}" dt="2021-11-24T00:05:14.840" v="5"/>
+          <ac:graphicFrameMkLst>
+            <pc:docMk/>
+            <pc:sldMk cId="0" sldId="256"/>
+            <ac:graphicFrameMk id="7" creationId="{00000000-0000-0000-0000-000000000000}"/>
+          </ac:graphicFrameMkLst>
+        </pc:graphicFrameChg>
+      </pc:sldChg>
+    </pc:docChg>
+  </pc:docChgLst>
   <pc:docChgLst>
     <pc:chgData name="Lauren Schutte" userId="6e08b2d3-447a-4d66-86be-444d50df187f" providerId="ADAL" clId="{0BC4D7A0-4BBD-1B49-BE14-170949F0EA37}"/>
     <pc:docChg chg="modSld">
@@ -177,6 +225,61 @@
             <pc:docMk/>
             <pc:sldMk cId="0" sldId="256"/>
             <ac:spMk id="4" creationId="{00000000-0000-0000-0000-000000000000}"/>
+          </ac:spMkLst>
+        </pc:spChg>
+      </pc:sldChg>
+    </pc:docChg>
+  </pc:docChgLst>
+  <pc:docChgLst>
+    <pc:chgData name="Ankita Sood" userId="c93a62e3-2a47-429d-82c6-c2a8fd110ae7" providerId="ADAL" clId="{1E4B2740-C02D-6848-8C88-402A980B28DC}"/>
+    <pc:docChg chg="modSld">
+      <pc:chgData name="Ankita Sood" userId="c93a62e3-2a47-429d-82c6-c2a8fd110ae7" providerId="ADAL" clId="{1E4B2740-C02D-6848-8C88-402A980B28DC}" dt="2022-01-20T19:39:05.294" v="34" actId="20577"/>
+      <pc:docMkLst>
+        <pc:docMk/>
+      </pc:docMkLst>
+      <pc:sldChg chg="modSp mod">
+        <pc:chgData name="Ankita Sood" userId="c93a62e3-2a47-429d-82c6-c2a8fd110ae7" providerId="ADAL" clId="{1E4B2740-C02D-6848-8C88-402A980B28DC}" dt="2022-01-20T19:39:05.294" v="34" actId="20577"/>
+        <pc:sldMkLst>
+          <pc:docMk/>
+          <pc:sldMk cId="0" sldId="256"/>
+        </pc:sldMkLst>
+        <pc:spChg chg="mod">
+          <ac:chgData name="Ankita Sood" userId="c93a62e3-2a47-429d-82c6-c2a8fd110ae7" providerId="ADAL" clId="{1E4B2740-C02D-6848-8C88-402A980B28DC}" dt="2022-01-20T19:39:05.294" v="34" actId="20577"/>
+          <ac:spMkLst>
+            <pc:docMk/>
+            <pc:sldMk cId="0" sldId="256"/>
+            <ac:spMk id="3" creationId="{00000000-0000-0000-0000-000000000000}"/>
+          </ac:spMkLst>
+        </pc:spChg>
+        <pc:graphicFrameChg chg="modGraphic">
+          <ac:chgData name="Ankita Sood" userId="c93a62e3-2a47-429d-82c6-c2a8fd110ae7" providerId="ADAL" clId="{1E4B2740-C02D-6848-8C88-402A980B28DC}" dt="2022-01-20T17:33:31.472" v="18" actId="20577"/>
+          <ac:graphicFrameMkLst>
+            <pc:docMk/>
+            <pc:sldMk cId="0" sldId="256"/>
+            <ac:graphicFrameMk id="7" creationId="{00000000-0000-0000-0000-000000000000}"/>
+          </ac:graphicFrameMkLst>
+        </pc:graphicFrameChg>
+        <pc:graphicFrameChg chg="modGraphic">
+          <ac:chgData name="Ankita Sood" userId="c93a62e3-2a47-429d-82c6-c2a8fd110ae7" providerId="ADAL" clId="{1E4B2740-C02D-6848-8C88-402A980B28DC}" dt="2022-01-20T17:33:27.794" v="10" actId="20577"/>
+          <ac:graphicFrameMkLst>
+            <pc:docMk/>
+            <pc:sldMk cId="0" sldId="256"/>
+            <ac:graphicFrameMk id="13" creationId="{8FC06D05-42C7-D14C-86E4-0F01711669B9}"/>
+          </ac:graphicFrameMkLst>
+        </pc:graphicFrameChg>
+      </pc:sldChg>
+      <pc:sldChg chg="modSp mod">
+        <pc:chgData name="Ankita Sood" userId="c93a62e3-2a47-429d-82c6-c2a8fd110ae7" providerId="ADAL" clId="{1E4B2740-C02D-6848-8C88-402A980B28DC}" dt="2022-01-20T17:33:40.355" v="26" actId="20577"/>
+        <pc:sldMkLst>
+          <pc:docMk/>
+          <pc:sldMk cId="3982262141" sldId="262"/>
+        </pc:sldMkLst>
+        <pc:spChg chg="mod">
+          <ac:chgData name="Ankita Sood" userId="c93a62e3-2a47-429d-82c6-c2a8fd110ae7" providerId="ADAL" clId="{1E4B2740-C02D-6848-8C88-402A980B28DC}" dt="2022-01-20T17:33:40.355" v="26" actId="20577"/>
+          <ac:spMkLst>
+            <pc:docMk/>
+            <pc:sldMk cId="3982262141" sldId="262"/>
+            <ac:spMk id="81" creationId="{68CE4601-87A9-E645-841C-EE142932AEED}"/>
           </ac:spMkLst>
         </pc:spChg>
       </pc:sldChg>
@@ -267,7 +370,7 @@
           <a:p>
             <a:fld id="{C12E57D6-2086-AA47-A7A4-C0CDE7C14E44}" type="datetimeFigureOut">
               <a:rPr lang="en-US" smtClean="0"/>
-              <a:t>1/27/2022</a:t>
+              <a:t>3/3/2022</a:t>
             </a:fld>
             <a:endParaRPr lang="en-US"/>
           </a:p>
@@ -637,6 +740,90 @@
       </p:grpSpPr>
       <p:sp>
         <p:nvSpPr>
+          <p:cNvPr id="2" name="Zástupný symbol pro obrázek snímku 1"/>
+          <p:cNvSpPr>
+            <a:spLocks noGrp="1" noRot="1" noChangeAspect="1"/>
+          </p:cNvSpPr>
+          <p:nvPr>
+            <p:ph type="sldImg"/>
+          </p:nvPr>
+        </p:nvSpPr>
+        <p:spPr/>
+      </p:sp>
+      <p:sp>
+        <p:nvSpPr>
+          <p:cNvPr id="3" name="Zástupný symbol pro poznámky 2"/>
+          <p:cNvSpPr>
+            <a:spLocks noGrp="1"/>
+          </p:cNvSpPr>
+          <p:nvPr>
+            <p:ph type="body" idx="1"/>
+          </p:nvPr>
+        </p:nvSpPr>
+        <p:spPr/>
+        <p:txBody>
+          <a:bodyPr/>
+          <a:lstStyle/>
+          <a:p>
+            <a:endParaRPr lang="cs-CZ" dirty="0"/>
+          </a:p>
+        </p:txBody>
+      </p:sp>
+      <p:sp>
+        <p:nvSpPr>
+          <p:cNvPr id="4" name="Zástupný symbol pro číslo snímku 3"/>
+          <p:cNvSpPr>
+            <a:spLocks noGrp="1"/>
+          </p:cNvSpPr>
+          <p:nvPr>
+            <p:ph type="sldNum" sz="quarter" idx="5"/>
+          </p:nvPr>
+        </p:nvSpPr>
+        <p:spPr/>
+        <p:txBody>
+          <a:bodyPr/>
+          <a:lstStyle/>
+          <a:p>
+            <a:fld id="{3FE59989-9CFD-3E47-ADC5-9472F49CBD92}" type="slidenum">
+              <a:rPr lang="en-US" smtClean="0"/>
+              <a:t>2</a:t>
+            </a:fld>
+            <a:endParaRPr lang="en-US"/>
+          </a:p>
+        </p:txBody>
+      </p:sp>
+    </p:spTree>
+    <p:extLst>
+      <p:ext uri="{BB962C8B-B14F-4D97-AF65-F5344CB8AC3E}">
+        <p14:creationId xmlns:p14="http://schemas.microsoft.com/office/powerpoint/2010/main" val="1344780954"/>
+      </p:ext>
+    </p:extLst>
+  </p:cSld>
+  <p:clrMapOvr>
+    <a:masterClrMapping/>
+  </p:clrMapOvr>
+</p:notes>
+</file>
+
+<file path=ppt/notesSlides/notesSlide3.xml><?xml version="1.0" encoding="utf-8"?>
+<p:notes xmlns:a="http://schemas.openxmlformats.org/drawingml/2006/main" xmlns:r="http://schemas.openxmlformats.org/officeDocument/2006/relationships" xmlns:p="http://schemas.openxmlformats.org/presentationml/2006/main">
+  <p:cSld>
+    <p:spTree>
+      <p:nvGrpSpPr>
+        <p:cNvPr id="1" name=""/>
+        <p:cNvGrpSpPr/>
+        <p:nvPr/>
+      </p:nvGrpSpPr>
+      <p:grpSpPr>
+        <a:xfrm>
+          <a:off x="0" y="0"/>
+          <a:ext cx="0" cy="0"/>
+          <a:chOff x="0" y="0"/>
+          <a:chExt cx="0" cy="0"/>
+        </a:xfrm>
+      </p:grpSpPr>
+      <p:sp>
+        <p:nvSpPr>
           <p:cNvPr id="2" name="Slide Image Placeholder 1"/>
           <p:cNvSpPr>
             <a:spLocks noGrp="1" noRot="1" noChangeAspect="1"/>
@@ -732,7 +919,7 @@
         <p:spPr>
           <a:xfrm>
             <a:off x="582930" y="3118104"/>
-            <a:ext cx="6606540" cy="2112264"/>
+            <a:ext cx="6606540" cy="369332"/>
           </a:xfrm>
           <a:prstGeom prst="rect">
             <a:avLst/>
@@ -744,11 +931,13 @@
           </a:bodyPr>
           <a:lstStyle>
             <a:lvl1pPr>
-              <a:defRPr/>
+              <a:defRPr>
+                <a:latin typeface="Adobe Clean Han Bold" panose="020B0600000000000000" pitchFamily="34" charset="-128"/>
+              </a:defRPr>
             </a:lvl1pPr>
           </a:lstStyle>
           <a:p>
-            <a:endParaRPr/>
+            <a:endParaRPr dirty="0"/>
           </a:p>
         </p:txBody>
       </p:sp>
@@ -781,7 +970,7 @@
             </a:lvl1pPr>
           </a:lstStyle>
           <a:p>
-            <a:endParaRPr/>
+            <a:endParaRPr dirty="0"/>
           </a:p>
         </p:txBody>
       </p:sp>
@@ -841,7 +1030,7 @@
           <a:p>
             <a:fld id="{1D8BD707-D9CF-40AE-B4C6-C98DA3205C09}" type="datetimeFigureOut">
               <a:rPr lang="en-US"/>
-              <a:t>1/27/2022</a:t>
+              <a:t>3/3/2022</a:t>
             </a:fld>
             <a:endParaRPr lang="en-US"/>
           </a:p>
@@ -857,7 +1046,12 @@
             <p:ph type="sldNum" sz="quarter" idx="7"/>
           </p:nvPr>
         </p:nvSpPr>
-        <p:spPr/>
+        <p:spPr>
+          <a:xfrm>
+            <a:off x="97787" y="9861194"/>
+            <a:ext cx="2224405" cy="246221"/>
+          </a:xfrm>
+        </p:spPr>
         <p:txBody>
           <a:bodyPr lIns="0" tIns="0" rIns="0" bIns="0"/>
           <a:lstStyle>
@@ -873,51 +1067,73 @@
           </a:lstStyle>
           <a:p>
             <a:pPr marL="12700">
-              <a:lnSpc>
-                <a:spcPct val="100000"/>
-              </a:lnSpc>
               <a:spcBef>
                 <a:spcPts val="80"/>
               </a:spcBef>
             </a:pPr>
             <a:r>
-              <a:rPr spc="-5"/>
+              <a:rPr lang="en-US" spc="-5" dirty="0">
+                <a:latin typeface="Adobe Clean Han Bold" panose="020B0600000000000000" pitchFamily="34" charset="-128"/>
+              </a:rPr>
               <a:t>©</a:t>
             </a:r>
             <a:fld id="{81D60167-4931-47E6-BA6A-407CBD079E47}" type="slidenum">
-              <a:rPr spc="-5" dirty="0"/>
+              <a:rPr lang="en-US" spc="-5" smtClean="0">
+                <a:latin typeface="Adobe Clean Han Bold" panose="020B0600000000000000" pitchFamily="34" charset="-128"/>
+              </a:rPr>
+              <a:pPr marL="12700">
+                <a:spcBef>
+                  <a:spcPts val="80"/>
+                </a:spcBef>
+              </a:pPr>
               <a:t>‹#›</a:t>
             </a:fld>
             <a:r>
-              <a:rPr spc="-5"/>
+              <a:rPr lang="en-US" spc="-5" dirty="0">
+                <a:latin typeface="Adobe Clean Han Bold" panose="020B0600000000000000" pitchFamily="34" charset="-128"/>
+              </a:rPr>
               <a:t> Adobe. All</a:t>
             </a:r>
             <a:r>
-              <a:rPr spc="-15"/>
+              <a:rPr lang="en-US" spc="-15" dirty="0">
+                <a:latin typeface="Adobe Clean Han Bold" panose="020B0600000000000000" pitchFamily="34" charset="-128"/>
+              </a:rPr>
               <a:t> Rights</a:t>
             </a:r>
             <a:r>
-              <a:rPr spc="-10"/>
+              <a:rPr lang="en-US" spc="-10" dirty="0">
+                <a:latin typeface="Adobe Clean Han Bold" panose="020B0600000000000000" pitchFamily="34" charset="-128"/>
+              </a:rPr>
               <a:t> </a:t>
             </a:r>
             <a:r>
-              <a:rPr spc="-15"/>
+              <a:rPr lang="en-US" spc="-15" dirty="0">
+                <a:latin typeface="Adobe Clean Han Bold" panose="020B0600000000000000" pitchFamily="34" charset="-128"/>
+              </a:rPr>
               <a:t>Reserved.</a:t>
             </a:r>
             <a:r>
-              <a:rPr spc="-10"/>
+              <a:rPr lang="en-US" spc="-10" dirty="0">
+                <a:latin typeface="Adobe Clean Han Bold" panose="020B0600000000000000" pitchFamily="34" charset="-128"/>
+              </a:rPr>
               <a:t> </a:t>
             </a:r>
             <a:r>
-              <a:rPr spc="-5"/>
+              <a:rPr lang="en-US" spc="-5" dirty="0">
+                <a:latin typeface="Adobe Clean Han Bold" panose="020B0600000000000000" pitchFamily="34" charset="-128"/>
+              </a:rPr>
               <a:t>Adobe</a:t>
             </a:r>
             <a:r>
-              <a:rPr spc="60"/>
+              <a:rPr lang="en-US" spc="60" dirty="0">
+                <a:latin typeface="Adobe Clean Han Bold" panose="020B0600000000000000" pitchFamily="34" charset="-128"/>
+              </a:rPr>
               <a:t> </a:t>
             </a:r>
             <a:r>
-              <a:rPr spc="-15"/>
+              <a:rPr lang="en-US" spc="-15" dirty="0">
+                <a:latin typeface="Adobe Clean Han Bold" panose="020B0600000000000000" pitchFamily="34" charset="-128"/>
+              </a:rPr>
               <a:t>Confidential.</a:t>
             </a:r>
           </a:p>
@@ -997,13 +1213,13 @@
                 <a:solidFill>
                   <a:schemeClr val="bg1"/>
                 </a:solidFill>
-                <a:latin typeface="Adobe Clean"/>
-                <a:cs typeface="Adobe Clean"/>
+                <a:latin typeface="Adobe Clean Han Bold" panose="020B0600000000000000" pitchFamily="34" charset="-128"/>
+                <a:cs typeface="Adobe Clean Han Bold" panose="020B0600000000000000" pitchFamily="34" charset="-128"/>
               </a:defRPr>
             </a:lvl1pPr>
           </a:lstStyle>
           <a:p>
-            <a:endParaRPr/>
+            <a:endParaRPr dirty="0"/>
           </a:p>
         </p:txBody>
       </p:sp>
@@ -1086,7 +1302,7 @@
           <a:p>
             <a:fld id="{1D8BD707-D9CF-40AE-B4C6-C98DA3205C09}" type="datetimeFigureOut">
               <a:rPr lang="en-US"/>
-              <a:t>1/27/2022</a:t>
+              <a:t>3/3/2022</a:t>
             </a:fld>
             <a:endParaRPr lang="en-US"/>
           </a:p>
@@ -1102,7 +1318,12 @@
             <p:ph type="sldNum" sz="quarter" idx="7"/>
           </p:nvPr>
         </p:nvSpPr>
-        <p:spPr/>
+        <p:spPr>
+          <a:xfrm>
+            <a:off x="97787" y="9861194"/>
+            <a:ext cx="2224405" cy="246221"/>
+          </a:xfrm>
+        </p:spPr>
         <p:txBody>
           <a:bodyPr lIns="0" tIns="0" rIns="0" bIns="0"/>
           <a:lstStyle>
@@ -1118,51 +1339,73 @@
           </a:lstStyle>
           <a:p>
             <a:pPr marL="12700">
-              <a:lnSpc>
-                <a:spcPct val="100000"/>
-              </a:lnSpc>
               <a:spcBef>
                 <a:spcPts val="80"/>
               </a:spcBef>
             </a:pPr>
             <a:r>
-              <a:rPr spc="-5"/>
+              <a:rPr lang="en-US" spc="-5" dirty="0">
+                <a:latin typeface="Adobe Clean Han Bold" panose="020B0600000000000000" pitchFamily="34" charset="-128"/>
+              </a:rPr>
               <a:t>©</a:t>
             </a:r>
             <a:fld id="{81D60167-4931-47E6-BA6A-407CBD079E47}" type="slidenum">
-              <a:rPr spc="-5" dirty="0"/>
+              <a:rPr lang="en-US" spc="-5" smtClean="0">
+                <a:latin typeface="Adobe Clean Han Bold" panose="020B0600000000000000" pitchFamily="34" charset="-128"/>
+              </a:rPr>
+              <a:pPr marL="12700">
+                <a:spcBef>
+                  <a:spcPts val="80"/>
+                </a:spcBef>
+              </a:pPr>
               <a:t>‹#›</a:t>
             </a:fld>
             <a:r>
-              <a:rPr spc="-5"/>
+              <a:rPr lang="en-US" spc="-5" dirty="0">
+                <a:latin typeface="Adobe Clean Han Bold" panose="020B0600000000000000" pitchFamily="34" charset="-128"/>
+              </a:rPr>
               <a:t> Adobe. All</a:t>
             </a:r>
             <a:r>
-              <a:rPr spc="-15"/>
+              <a:rPr lang="en-US" spc="-15" dirty="0">
+                <a:latin typeface="Adobe Clean Han Bold" panose="020B0600000000000000" pitchFamily="34" charset="-128"/>
+              </a:rPr>
               <a:t> Rights</a:t>
             </a:r>
             <a:r>
-              <a:rPr spc="-10"/>
+              <a:rPr lang="en-US" spc="-10" dirty="0">
+                <a:latin typeface="Adobe Clean Han Bold" panose="020B0600000000000000" pitchFamily="34" charset="-128"/>
+              </a:rPr>
               <a:t> </a:t>
             </a:r>
             <a:r>
-              <a:rPr spc="-15"/>
+              <a:rPr lang="en-US" spc="-15" dirty="0">
+                <a:latin typeface="Adobe Clean Han Bold" panose="020B0600000000000000" pitchFamily="34" charset="-128"/>
+              </a:rPr>
               <a:t>Reserved.</a:t>
             </a:r>
             <a:r>
-              <a:rPr spc="-10"/>
+              <a:rPr lang="en-US" spc="-10" dirty="0">
+                <a:latin typeface="Adobe Clean Han Bold" panose="020B0600000000000000" pitchFamily="34" charset="-128"/>
+              </a:rPr>
               <a:t> </a:t>
             </a:r>
             <a:r>
-              <a:rPr spc="-5"/>
+              <a:rPr lang="en-US" spc="-5" dirty="0">
+                <a:latin typeface="Adobe Clean Han Bold" panose="020B0600000000000000" pitchFamily="34" charset="-128"/>
+              </a:rPr>
               <a:t>Adobe</a:t>
             </a:r>
             <a:r>
-              <a:rPr spc="60"/>
+              <a:rPr lang="en-US" spc="60" dirty="0">
+                <a:latin typeface="Adobe Clean Han Bold" panose="020B0600000000000000" pitchFamily="34" charset="-128"/>
+              </a:rPr>
               <a:t> </a:t>
             </a:r>
             <a:r>
-              <a:rPr spc="-15"/>
+              <a:rPr lang="en-US" spc="-15" dirty="0">
+                <a:latin typeface="Adobe Clean Han Bold" panose="020B0600000000000000" pitchFamily="34" charset="-128"/>
+              </a:rPr>
               <a:t>Confidential.</a:t>
             </a:r>
           </a:p>
@@ -1212,13 +1455,13 @@
                 <a:solidFill>
                   <a:schemeClr val="bg1"/>
                 </a:solidFill>
-                <a:latin typeface="Adobe Clean"/>
-                <a:cs typeface="Adobe Clean"/>
+                <a:latin typeface="Adobe Clean Han Bold" panose="020B0600000000000000" pitchFamily="34" charset="-128"/>
+                <a:cs typeface="Adobe Clean Han Bold" panose="020B0600000000000000" pitchFamily="34" charset="-128"/>
               </a:defRPr>
             </a:lvl1pPr>
           </a:lstStyle>
           <a:p>
-            <a:endParaRPr/>
+            <a:endParaRPr dirty="0"/>
           </a:p>
         </p:txBody>
       </p:sp>
@@ -1344,7 +1587,7 @@
           <a:p>
             <a:fld id="{1D8BD707-D9CF-40AE-B4C6-C98DA3205C09}" type="datetimeFigureOut">
               <a:rPr lang="en-US"/>
-              <a:t>1/27/2022</a:t>
+              <a:t>3/3/2022</a:t>
             </a:fld>
             <a:endParaRPr lang="en-US"/>
           </a:p>
@@ -1360,7 +1603,12 @@
             <p:ph type="sldNum" sz="quarter" idx="7"/>
           </p:nvPr>
         </p:nvSpPr>
-        <p:spPr/>
+        <p:spPr>
+          <a:xfrm>
+            <a:off x="97787" y="9861194"/>
+            <a:ext cx="2224405" cy="246221"/>
+          </a:xfrm>
+        </p:spPr>
         <p:txBody>
           <a:bodyPr lIns="0" tIns="0" rIns="0" bIns="0"/>
           <a:lstStyle>
@@ -1376,51 +1624,73 @@
           </a:lstStyle>
           <a:p>
             <a:pPr marL="12700">
-              <a:lnSpc>
-                <a:spcPct val="100000"/>
-              </a:lnSpc>
               <a:spcBef>
                 <a:spcPts val="80"/>
               </a:spcBef>
             </a:pPr>
             <a:r>
-              <a:rPr spc="-5"/>
+              <a:rPr lang="en-US" spc="-5" dirty="0">
+                <a:latin typeface="Adobe Clean Han Bold" panose="020B0600000000000000" pitchFamily="34" charset="-128"/>
+              </a:rPr>
               <a:t>©</a:t>
             </a:r>
             <a:fld id="{81D60167-4931-47E6-BA6A-407CBD079E47}" type="slidenum">
-              <a:rPr spc="-5" dirty="0"/>
+              <a:rPr lang="en-US" spc="-5" smtClean="0">
+                <a:latin typeface="Adobe Clean Han Bold" panose="020B0600000000000000" pitchFamily="34" charset="-128"/>
+              </a:rPr>
+              <a:pPr marL="12700">
+                <a:spcBef>
+                  <a:spcPts val="80"/>
+                </a:spcBef>
+              </a:pPr>
               <a:t>‹#›</a:t>
             </a:fld>
             <a:r>
-              <a:rPr spc="-5"/>
+              <a:rPr lang="en-US" spc="-5" dirty="0">
+                <a:latin typeface="Adobe Clean Han Bold" panose="020B0600000000000000" pitchFamily="34" charset="-128"/>
+              </a:rPr>
               <a:t> Adobe. All</a:t>
             </a:r>
             <a:r>
-              <a:rPr spc="-15"/>
+              <a:rPr lang="en-US" spc="-15" dirty="0">
+                <a:latin typeface="Adobe Clean Han Bold" panose="020B0600000000000000" pitchFamily="34" charset="-128"/>
+              </a:rPr>
               <a:t> Rights</a:t>
             </a:r>
             <a:r>
-              <a:rPr spc="-10"/>
+              <a:rPr lang="en-US" spc="-10" dirty="0">
+                <a:latin typeface="Adobe Clean Han Bold" panose="020B0600000000000000" pitchFamily="34" charset="-128"/>
+              </a:rPr>
               <a:t> </a:t>
             </a:r>
             <a:r>
-              <a:rPr spc="-15"/>
+              <a:rPr lang="en-US" spc="-15" dirty="0">
+                <a:latin typeface="Adobe Clean Han Bold" panose="020B0600000000000000" pitchFamily="34" charset="-128"/>
+              </a:rPr>
               <a:t>Reserved.</a:t>
             </a:r>
             <a:r>
-              <a:rPr spc="-10"/>
+              <a:rPr lang="en-US" spc="-10" dirty="0">
+                <a:latin typeface="Adobe Clean Han Bold" panose="020B0600000000000000" pitchFamily="34" charset="-128"/>
+              </a:rPr>
               <a:t> </a:t>
             </a:r>
             <a:r>
-              <a:rPr spc="-5"/>
+              <a:rPr lang="en-US" spc="-5" dirty="0">
+                <a:latin typeface="Adobe Clean Han Bold" panose="020B0600000000000000" pitchFamily="34" charset="-128"/>
+              </a:rPr>
               <a:t>Adobe</a:t>
             </a:r>
             <a:r>
-              <a:rPr spc="60"/>
+              <a:rPr lang="en-US" spc="60" dirty="0">
+                <a:latin typeface="Adobe Clean Han Bold" panose="020B0600000000000000" pitchFamily="34" charset="-128"/>
+              </a:rPr>
               <a:t> </a:t>
             </a:r>
             <a:r>
-              <a:rPr spc="-15"/>
+              <a:rPr lang="en-US" spc="-15" dirty="0">
+                <a:latin typeface="Adobe Clean Han Bold" panose="020B0600000000000000" pitchFamily="34" charset="-128"/>
+              </a:rPr>
               <a:t>Confidential.</a:t>
             </a:r>
           </a:p>
@@ -1470,13 +1740,13 @@
                 <a:solidFill>
                   <a:schemeClr val="bg1"/>
                 </a:solidFill>
-                <a:latin typeface="Adobe Clean"/>
-                <a:cs typeface="Adobe Clean"/>
+                <a:latin typeface="Adobe Clean Han Bold" panose="020B0600000000000000" pitchFamily="34" charset="-128"/>
+                <a:cs typeface="Adobe Clean Han Bold" panose="020B0600000000000000" pitchFamily="34" charset="-128"/>
               </a:defRPr>
             </a:lvl1pPr>
           </a:lstStyle>
           <a:p>
-            <a:endParaRPr/>
+            <a:endParaRPr dirty="0"/>
           </a:p>
         </p:txBody>
       </p:sp>
@@ -1536,7 +1806,7 @@
           <a:p>
             <a:fld id="{1D8BD707-D9CF-40AE-B4C6-C98DA3205C09}" type="datetimeFigureOut">
               <a:rPr lang="en-US"/>
-              <a:t>1/27/2022</a:t>
+              <a:t>3/3/2022</a:t>
             </a:fld>
             <a:endParaRPr lang="en-US"/>
           </a:p>
@@ -1552,7 +1822,12 @@
             <p:ph type="sldNum" sz="quarter" idx="7"/>
           </p:nvPr>
         </p:nvSpPr>
-        <p:spPr/>
+        <p:spPr>
+          <a:xfrm>
+            <a:off x="97787" y="9861194"/>
+            <a:ext cx="2224405" cy="246221"/>
+          </a:xfrm>
+        </p:spPr>
         <p:txBody>
           <a:bodyPr lIns="0" tIns="0" rIns="0" bIns="0"/>
           <a:lstStyle>
@@ -1568,51 +1843,73 @@
           </a:lstStyle>
           <a:p>
             <a:pPr marL="12700">
-              <a:lnSpc>
-                <a:spcPct val="100000"/>
-              </a:lnSpc>
               <a:spcBef>
                 <a:spcPts val="80"/>
               </a:spcBef>
             </a:pPr>
             <a:r>
-              <a:rPr spc="-5"/>
+              <a:rPr lang="en-US" spc="-5" dirty="0">
+                <a:latin typeface="Adobe Clean Han Bold" panose="020B0600000000000000" pitchFamily="34" charset="-128"/>
+              </a:rPr>
               <a:t>©</a:t>
             </a:r>
             <a:fld id="{81D60167-4931-47E6-BA6A-407CBD079E47}" type="slidenum">
-              <a:rPr spc="-5" dirty="0"/>
+              <a:rPr lang="en-US" spc="-5" smtClean="0">
+                <a:latin typeface="Adobe Clean Han Bold" panose="020B0600000000000000" pitchFamily="34" charset="-128"/>
+              </a:rPr>
+              <a:pPr marL="12700">
+                <a:spcBef>
+                  <a:spcPts val="80"/>
+                </a:spcBef>
+              </a:pPr>
               <a:t>‹#›</a:t>
             </a:fld>
             <a:r>
-              <a:rPr spc="-5"/>
+              <a:rPr lang="en-US" spc="-5" dirty="0">
+                <a:latin typeface="Adobe Clean Han Bold" panose="020B0600000000000000" pitchFamily="34" charset="-128"/>
+              </a:rPr>
               <a:t> Adobe. All</a:t>
             </a:r>
             <a:r>
-              <a:rPr spc="-15"/>
+              <a:rPr lang="en-US" spc="-15" dirty="0">
+                <a:latin typeface="Adobe Clean Han Bold" panose="020B0600000000000000" pitchFamily="34" charset="-128"/>
+              </a:rPr>
               <a:t> Rights</a:t>
             </a:r>
             <a:r>
-              <a:rPr spc="-10"/>
+              <a:rPr lang="en-US" spc="-10" dirty="0">
+                <a:latin typeface="Adobe Clean Han Bold" panose="020B0600000000000000" pitchFamily="34" charset="-128"/>
+              </a:rPr>
               <a:t> </a:t>
             </a:r>
             <a:r>
-              <a:rPr spc="-15"/>
+              <a:rPr lang="en-US" spc="-15" dirty="0">
+                <a:latin typeface="Adobe Clean Han Bold" panose="020B0600000000000000" pitchFamily="34" charset="-128"/>
+              </a:rPr>
               <a:t>Reserved.</a:t>
             </a:r>
             <a:r>
-              <a:rPr spc="-10"/>
+              <a:rPr lang="en-US" spc="-10" dirty="0">
+                <a:latin typeface="Adobe Clean Han Bold" panose="020B0600000000000000" pitchFamily="34" charset="-128"/>
+              </a:rPr>
               <a:t> </a:t>
             </a:r>
             <a:r>
-              <a:rPr spc="-5"/>
+              <a:rPr lang="en-US" spc="-5" dirty="0">
+                <a:latin typeface="Adobe Clean Han Bold" panose="020B0600000000000000" pitchFamily="34" charset="-128"/>
+              </a:rPr>
               <a:t>Adobe</a:t>
             </a:r>
             <a:r>
-              <a:rPr spc="60"/>
+              <a:rPr lang="en-US" spc="60" dirty="0">
+                <a:latin typeface="Adobe Clean Han Bold" panose="020B0600000000000000" pitchFamily="34" charset="-128"/>
+              </a:rPr>
               <a:t> </a:t>
             </a:r>
             <a:r>
-              <a:rPr spc="-15"/>
+              <a:rPr lang="en-US" spc="-15" dirty="0">
+                <a:latin typeface="Adobe Clean Han Bold" panose="020B0600000000000000" pitchFamily="34" charset="-128"/>
+              </a:rPr>
               <a:t>Confidential.</a:t>
             </a:r>
           </a:p>
@@ -1699,7 +1996,7 @@
           <a:p>
             <a:fld id="{1D8BD707-D9CF-40AE-B4C6-C98DA3205C09}" type="datetimeFigureOut">
               <a:rPr lang="en-US"/>
-              <a:t>1/27/2022</a:t>
+              <a:t>3/3/2022</a:t>
             </a:fld>
             <a:endParaRPr lang="en-US"/>
           </a:p>
@@ -1715,7 +2012,12 @@
             <p:ph type="sldNum" sz="quarter" idx="7"/>
           </p:nvPr>
         </p:nvSpPr>
-        <p:spPr/>
+        <p:spPr>
+          <a:xfrm>
+            <a:off x="97787" y="9861194"/>
+            <a:ext cx="2224405" cy="246221"/>
+          </a:xfrm>
+        </p:spPr>
         <p:txBody>
           <a:bodyPr lIns="0" tIns="0" rIns="0" bIns="0"/>
           <a:lstStyle>
@@ -1731,51 +2033,73 @@
           </a:lstStyle>
           <a:p>
             <a:pPr marL="12700">
-              <a:lnSpc>
-                <a:spcPct val="100000"/>
-              </a:lnSpc>
               <a:spcBef>
                 <a:spcPts val="80"/>
               </a:spcBef>
             </a:pPr>
             <a:r>
-              <a:rPr spc="-5"/>
+              <a:rPr lang="en-US" spc="-5" dirty="0">
+                <a:latin typeface="Adobe Clean Han Bold" panose="020B0600000000000000" pitchFamily="34" charset="-128"/>
+              </a:rPr>
               <a:t>©</a:t>
             </a:r>
             <a:fld id="{81D60167-4931-47E6-BA6A-407CBD079E47}" type="slidenum">
-              <a:rPr spc="-5" dirty="0"/>
+              <a:rPr lang="en-US" spc="-5" smtClean="0">
+                <a:latin typeface="Adobe Clean Han Bold" panose="020B0600000000000000" pitchFamily="34" charset="-128"/>
+              </a:rPr>
+              <a:pPr marL="12700">
+                <a:spcBef>
+                  <a:spcPts val="80"/>
+                </a:spcBef>
+              </a:pPr>
               <a:t>‹#›</a:t>
             </a:fld>
             <a:r>
-              <a:rPr spc="-5"/>
+              <a:rPr lang="en-US" spc="-5" dirty="0">
+                <a:latin typeface="Adobe Clean Han Bold" panose="020B0600000000000000" pitchFamily="34" charset="-128"/>
+              </a:rPr>
               <a:t> Adobe. All</a:t>
             </a:r>
             <a:r>
-              <a:rPr spc="-15"/>
+              <a:rPr lang="en-US" spc="-15" dirty="0">
+                <a:latin typeface="Adobe Clean Han Bold" panose="020B0600000000000000" pitchFamily="34" charset="-128"/>
+              </a:rPr>
               <a:t> Rights</a:t>
             </a:r>
             <a:r>
-              <a:rPr spc="-10"/>
+              <a:rPr lang="en-US" spc="-10" dirty="0">
+                <a:latin typeface="Adobe Clean Han Bold" panose="020B0600000000000000" pitchFamily="34" charset="-128"/>
+              </a:rPr>
               <a:t> </a:t>
             </a:r>
             <a:r>
-              <a:rPr spc="-15"/>
+              <a:rPr lang="en-US" spc="-15" dirty="0">
+                <a:latin typeface="Adobe Clean Han Bold" panose="020B0600000000000000" pitchFamily="34" charset="-128"/>
+              </a:rPr>
               <a:t>Reserved.</a:t>
             </a:r>
             <a:r>
-              <a:rPr spc="-10"/>
+              <a:rPr lang="en-US" spc="-10" dirty="0">
+                <a:latin typeface="Adobe Clean Han Bold" panose="020B0600000000000000" pitchFamily="34" charset="-128"/>
+              </a:rPr>
               <a:t> </a:t>
             </a:r>
             <a:r>
-              <a:rPr spc="-5"/>
+              <a:rPr lang="en-US" spc="-5" dirty="0">
+                <a:latin typeface="Adobe Clean Han Bold" panose="020B0600000000000000" pitchFamily="34" charset="-128"/>
+              </a:rPr>
               <a:t>Adobe</a:t>
             </a:r>
             <a:r>
-              <a:rPr spc="60"/>
+              <a:rPr lang="en-US" spc="60" dirty="0">
+                <a:latin typeface="Adobe Clean Han Bold" panose="020B0600000000000000" pitchFamily="34" charset="-128"/>
+              </a:rPr>
               <a:t> </a:t>
             </a:r>
             <a:r>
-              <a:rPr spc="-15"/>
+              <a:rPr lang="en-US" spc="-15" dirty="0">
+                <a:latin typeface="Adobe Clean Han Bold" panose="020B0600000000000000" pitchFamily="34" charset="-128"/>
+              </a:rPr>
               <a:t>Confidential.</a:t>
             </a:r>
           </a:p>
@@ -1827,7 +2151,7 @@
         <p:spPr>
           <a:xfrm>
             <a:off x="488944" y="456692"/>
-            <a:ext cx="6794510" cy="391159"/>
+            <a:ext cx="6794510" cy="369332"/>
           </a:xfrm>
           <a:prstGeom prst="rect">
             <a:avLst/>
@@ -1849,7 +2173,7 @@
             </a:lvl1pPr>
           </a:lstStyle>
           <a:p>
-            <a:endParaRPr/>
+            <a:endParaRPr dirty="0"/>
           </a:p>
         </p:txBody>
       </p:sp>
@@ -1962,7 +2286,7 @@
           <a:p>
             <a:fld id="{1D8BD707-D9CF-40AE-B4C6-C98DA3205C09}" type="datetimeFigureOut">
               <a:rPr lang="en-US"/>
-              <a:t>1/27/2022</a:t>
+              <a:t>3/3/2022</a:t>
             </a:fld>
             <a:endParaRPr lang="en-US"/>
           </a:p>
@@ -1981,7 +2305,7 @@
         <p:spPr>
           <a:xfrm>
             <a:off x="97787" y="9861194"/>
-            <a:ext cx="2224405" cy="149859"/>
+            <a:ext cx="2224405" cy="246221"/>
           </a:xfrm>
           <a:prstGeom prst="rect">
             <a:avLst/>
@@ -2004,51 +2328,73 @@
           </a:lstStyle>
           <a:p>
             <a:pPr marL="12700">
-              <a:lnSpc>
-                <a:spcPct val="100000"/>
-              </a:lnSpc>
               <a:spcBef>
                 <a:spcPts val="80"/>
               </a:spcBef>
             </a:pPr>
             <a:r>
-              <a:rPr spc="-5"/>
+              <a:rPr lang="en-US" spc="-5" dirty="0">
+                <a:latin typeface="Adobe Clean Han Bold" panose="020B0600000000000000" pitchFamily="34" charset="-128"/>
+              </a:rPr>
               <a:t>©</a:t>
             </a:r>
             <a:fld id="{81D60167-4931-47E6-BA6A-407CBD079E47}" type="slidenum">
-              <a:rPr spc="-5" dirty="0"/>
+              <a:rPr lang="en-US" spc="-5" smtClean="0">
+                <a:latin typeface="Adobe Clean Han Bold" panose="020B0600000000000000" pitchFamily="34" charset="-128"/>
+              </a:rPr>
+              <a:pPr marL="12700">
+                <a:spcBef>
+                  <a:spcPts val="80"/>
+                </a:spcBef>
+              </a:pPr>
               <a:t>‹#›</a:t>
             </a:fld>
             <a:r>
-              <a:rPr spc="-5"/>
+              <a:rPr lang="en-US" spc="-5" dirty="0">
+                <a:latin typeface="Adobe Clean Han Bold" panose="020B0600000000000000" pitchFamily="34" charset="-128"/>
+              </a:rPr>
               <a:t> Adobe. All</a:t>
             </a:r>
             <a:r>
-              <a:rPr spc="-15"/>
+              <a:rPr lang="en-US" spc="-15" dirty="0">
+                <a:latin typeface="Adobe Clean Han Bold" panose="020B0600000000000000" pitchFamily="34" charset="-128"/>
+              </a:rPr>
               <a:t> Rights</a:t>
             </a:r>
             <a:r>
-              <a:rPr spc="-10"/>
+              <a:rPr lang="en-US" spc="-10" dirty="0">
+                <a:latin typeface="Adobe Clean Han Bold" panose="020B0600000000000000" pitchFamily="34" charset="-128"/>
+              </a:rPr>
               <a:t> </a:t>
             </a:r>
             <a:r>
-              <a:rPr spc="-15"/>
+              <a:rPr lang="en-US" spc="-15" dirty="0">
+                <a:latin typeface="Adobe Clean Han Bold" panose="020B0600000000000000" pitchFamily="34" charset="-128"/>
+              </a:rPr>
               <a:t>Reserved.</a:t>
             </a:r>
             <a:r>
-              <a:rPr spc="-10"/>
+              <a:rPr lang="en-US" spc="-10" dirty="0">
+                <a:latin typeface="Adobe Clean Han Bold" panose="020B0600000000000000" pitchFamily="34" charset="-128"/>
+              </a:rPr>
               <a:t> </a:t>
             </a:r>
             <a:r>
-              <a:rPr spc="-5"/>
+              <a:rPr lang="en-US" spc="-5" dirty="0">
+                <a:latin typeface="Adobe Clean Han Bold" panose="020B0600000000000000" pitchFamily="34" charset="-128"/>
+              </a:rPr>
               <a:t>Adobe</a:t>
             </a:r>
             <a:r>
-              <a:rPr spc="60"/>
+              <a:rPr lang="en-US" spc="60" dirty="0">
+                <a:latin typeface="Adobe Clean Han Bold" panose="020B0600000000000000" pitchFamily="34" charset="-128"/>
+              </a:rPr>
               <a:t> </a:t>
             </a:r>
             <a:r>
-              <a:rPr spc="-15"/>
+              <a:rPr lang="en-US" spc="-15" dirty="0">
+                <a:latin typeface="Adobe Clean Han Bold" panose="020B0600000000000000" pitchFamily="34" charset="-128"/>
+              </a:rPr>
               <a:t>Confidential.</a:t>
             </a:r>
           </a:p>
@@ -2068,7 +2414,7 @@
     <p:titleStyle>
       <a:lvl1pPr>
         <a:defRPr>
-          <a:latin typeface="+mj-lt"/>
+          <a:latin typeface="Adobe Clean Han Bold" panose="020B0600000000000000" pitchFamily="34" charset="-128"/>
           <a:ea typeface="+mj-ea"/>
           <a:cs typeface="+mj-cs"/>
         </a:defRPr>
@@ -2257,8 +2603,7 @@
             </a:pPr>
             <a:r>
               <a:rPr lang="ja-JP" sz="2300" dirty="0">
-                <a:latin typeface="Adobe Clean Han Regular" panose="020B0500000000000000" pitchFamily="34" charset="-128"/>
-                <a:ea typeface="Adobe Clean Han Regular" panose="020B0500000000000000" pitchFamily="34" charset="-128"/>
+                <a:ea typeface="Adobe Clean Han Bold" panose="020B0600000000000000" pitchFamily="34" charset="-128"/>
               </a:rPr>
               <a:t>アドビサポートのプラン</a:t>
             </a:r>
@@ -2273,8 +2618,8 @@
         </p:nvSpPr>
         <p:spPr>
           <a:xfrm>
-            <a:off x="159523" y="560755"/>
-            <a:ext cx="6976608" cy="1411027"/>
+            <a:off x="129705" y="560755"/>
+            <a:ext cx="7086104" cy="1466427"/>
           </a:xfrm>
           <a:prstGeom prst="rect">
             <a:avLst/>
@@ -2295,7 +2640,7 @@
               </a:spcBef>
             </a:pPr>
             <a:r>
-              <a:rPr lang="ja-JP" sz="1100" dirty="0">
+              <a:rPr lang="ja-JP" sz="1100" spc="-30" dirty="0">
                 <a:solidFill>
                   <a:srgbClr val="FFFFFF"/>
                 </a:solidFill>
@@ -2303,15 +2648,15 @@
                 <a:ea typeface="Adobe Clean Han Light" panose="020B0300000000000000" pitchFamily="34" charset="-128"/>
                 <a:cs typeface="AdobeClean-Light"/>
               </a:rPr>
-              <a:t>オンライン | ビジネス | エンタープライズ | </a:t>
-            </a:r>
-            <a:r>
-              <a:rPr lang="ja-JP" sz="1100" b="1" dirty="0">
+              <a:t>標準 | エンタープライズ | </a:t>
+            </a:r>
+            <a:r>
+              <a:rPr lang="ja-JP" sz="1100" b="1" spc="-30" dirty="0">
                 <a:solidFill>
                   <a:srgbClr val="FFFFFF"/>
                 </a:solidFill>
-                <a:latin typeface="Adobe Clean Han Regular" panose="020B0500000000000000" pitchFamily="34" charset="-128"/>
-                <a:ea typeface="Adobe Clean Han Regular" panose="020B0500000000000000" pitchFamily="34" charset="-128"/>
+                <a:latin typeface="Adobe Clean Han Bold" panose="020B0600000000000000" pitchFamily="34" charset="-128"/>
+                <a:ea typeface="Adobe Clean Han Bold" panose="020B0600000000000000" pitchFamily="34" charset="-128"/>
                 <a:cs typeface="Arial"/>
               </a:rPr>
               <a:t>エリート</a:t>
@@ -2324,14 +2669,33 @@
               </a:spcBef>
             </a:pPr>
             <a:r>
-              <a:rPr lang="ja-JP" sz="860" spc="-10" dirty="0">
+              <a:rPr lang="ja-JP" sz="900" spc="-30" dirty="0">
                 <a:solidFill>
                   <a:schemeClr val="bg1"/>
                 </a:solidFill>
                 <a:latin typeface="Adobe Clean Han Light" panose="020B0300000000000000" pitchFamily="34" charset="-128"/>
                 <a:ea typeface="Adobe Clean Han Light" panose="020B0300000000000000" pitchFamily="34" charset="-128"/>
               </a:rPr>
-              <a:t>アドビでは、お客様のビジネスをサポートするために、包括的なテクニカルリソースを提供しています。これらのリソースは Experience Cloud のライセンスサブスクリプションに含まれており、エリートサポートではさらに充実したリソースを利用可能です。エリートサポートでは、Adobe Experience League のパーソナライズされたラーニングパスやモニタリングされているコミュニティフォーラムへのアクセスが提供されます。アドビ製品に関する詳細なテクニカルドキュメントや最新のリリースノートは、いつでも参照可能です。また、エリートサポートのお客様には、アドビサポートチーム内における専任の技術相談窓口として、専任サポートエンジニアとテクニカルアカウントマネージャーが対応します。お客様を支援するために、最高水準のプロアクティブサポートおよびリアクティブサポートを提供します。お客様がお使いの Experience Cloud ソリューションに関する豊富な知識と経験を持つアドビサポートチームが、お客様のニーズがどれほど複雑であろうとも、投資効果を最大化し、問題の発生を未然に防ぐために、常にお客様に寄り添います。</a:t>
+              <a:t>アドビでは、お客様のビジネスをサポートするために、包括的なテクニカルリソースを提供しています。これらのリソースは Experience Cloud のライセンスサブスクリプションに含まれており、エリートサポートではさらに充実したリソースを利用可能です。エリートサポートでは、Adobe Experience League のパーソナライズされたラーニングパスやモニタリングされているコミュニティフォーラムへのアクセスが提供されます。アドビ製品に関する詳細なテクニカルドキュメントや最新のリリースノートは、いつでも参照可能です。また、エリートサポートのお客様には、アドビサポートチーム内における専任の技術相談窓口として、専任サポートエンジニアとテクニカルアカウントマネージャーが対応します。お客様を支援するために、最高水準のプロアクティブサポートおよびリアクティブサポートを提供します。お客様がお使いの Experience Cloud ソリューションに関する豊富な知識と経験を持つアドビサポートチームが、お客様のニーズがどれほ</a:t>
+            </a:r>
+            <a:br>
+              <a:rPr lang="cs-CZ" altLang="ja-JP" sz="900" spc="-30" dirty="0">
+                <a:solidFill>
+                  <a:schemeClr val="bg1"/>
+                </a:solidFill>
+                <a:latin typeface="Adobe Clean Han Light" panose="020B0300000000000000" pitchFamily="34" charset="-128"/>
+                <a:ea typeface="Adobe Clean Han Light" panose="020B0300000000000000" pitchFamily="34" charset="-128"/>
+              </a:rPr>
+            </a:br>
+            <a:r>
+              <a:rPr lang="ja-JP" sz="900" spc="-30" dirty="0">
+                <a:solidFill>
+                  <a:schemeClr val="bg1"/>
+                </a:solidFill>
+                <a:latin typeface="Adobe Clean Han Light" panose="020B0300000000000000" pitchFamily="34" charset="-128"/>
+                <a:ea typeface="Adobe Clean Han Light" panose="020B0300000000000000" pitchFamily="34" charset="-128"/>
+              </a:rPr>
+              <a:t>ど複雑であろうとも、投資効果を最大化し、問題の発生を未然に防ぐために、常にお客様に寄り添います。</a:t>
             </a:r>
           </a:p>
         </p:txBody>
@@ -2345,7 +2709,7 @@
         <p:spPr>
           <a:xfrm>
             <a:off x="168564" y="7162800"/>
-            <a:ext cx="4418676" cy="228268"/>
+            <a:ext cx="3528793" cy="228268"/>
           </a:xfrm>
           <a:prstGeom prst="rect">
             <a:avLst/>
@@ -2375,8 +2739,8 @@
                     <a:srgbClr val="020302"/>
                   </a:solidFill>
                 </a:uFill>
-                <a:latin typeface="Adobe Clean Han Regular" panose="020B0500000000000000" pitchFamily="34" charset="-128"/>
-                <a:ea typeface="Adobe Clean Han Regular" panose="020B0500000000000000" pitchFamily="34" charset="-128"/>
+                <a:latin typeface="Adobe Clean Han Bold" panose="020B0600000000000000" pitchFamily="34" charset="-128"/>
+                <a:ea typeface="Adobe Clean Han Bold" panose="020B0600000000000000" pitchFamily="34" charset="-128"/>
                 <a:cs typeface="Adobe Clean"/>
               </a:rPr>
               <a:t>サービスレベルターゲット：初期対応</a:t>
@@ -2384,1228 +2748,6 @@
           </a:p>
         </p:txBody>
       </p:sp>
-      <p:graphicFrame>
-        <p:nvGraphicFramePr>
-          <p:cNvPr id="7" name="object 7"/>
-          <p:cNvGraphicFramePr>
-            <a:graphicFrameLocks noGrp="1"/>
-          </p:cNvGraphicFramePr>
-          <p:nvPr>
-            <p:extLst>
-              <p:ext uri="{D42A27DB-BD31-4B8C-83A1-F6EECF244321}">
-                <p14:modId xmlns:p14="http://schemas.microsoft.com/office/powerpoint/2010/main" val="2766205288"/>
-              </p:ext>
-            </p:extLst>
-          </p:nvPr>
-        </p:nvGraphicFramePr>
-        <p:xfrm>
-          <a:off x="145668" y="7473158"/>
-          <a:ext cx="7405032" cy="2202176"/>
-        </p:xfrm>
-        <a:graphic>
-          <a:graphicData uri="http://schemas.openxmlformats.org/drawingml/2006/table">
-            <a:tbl>
-              <a:tblPr firstRow="1" bandRow="1">
-                <a:tableStyleId>{2D5ABB26-0587-4C30-8999-92F81FD0307C}</a:tableStyleId>
-              </a:tblPr>
-              <a:tblGrid>
-                <a:gridCol w="4654932">
-                  <a:extLst>
-                    <a:ext uri="{9D8B030D-6E8A-4147-A177-3AD203B41FA5}">
-                      <a16:colId xmlns:a16="http://schemas.microsoft.com/office/drawing/2014/main" val="20000"/>
-                    </a:ext>
-                  </a:extLst>
-                </a:gridCol>
-                <a:gridCol w="1436370">
-                  <a:extLst>
-                    <a:ext uri="{9D8B030D-6E8A-4147-A177-3AD203B41FA5}">
-                      <a16:colId xmlns:a16="http://schemas.microsoft.com/office/drawing/2014/main" val="20001"/>
-                    </a:ext>
-                  </a:extLst>
-                </a:gridCol>
-                <a:gridCol w="1313730">
-                  <a:extLst>
-                    <a:ext uri="{9D8B030D-6E8A-4147-A177-3AD203B41FA5}">
-                      <a16:colId xmlns:a16="http://schemas.microsoft.com/office/drawing/2014/main" val="20002"/>
-                    </a:ext>
-                  </a:extLst>
-                </a:gridCol>
-              </a:tblGrid>
-              <a:tr h="375442">
-                <a:tc>
-                  <a:txBody>
-                    <a:bodyPr/>
-                    <a:lstStyle/>
-                    <a:p>
-                      <a:pPr marL="50165" algn="l">
-                        <a:lnSpc>
-                          <a:spcPct val="100000"/>
-                        </a:lnSpc>
-                        <a:spcBef>
-                          <a:spcPts val="45"/>
-                        </a:spcBef>
-                      </a:pPr>
-                      <a:r>
-                        <a:rPr lang="ja-JP" sz="900" dirty="0">
-                          <a:solidFill>
-                            <a:srgbClr val="020302"/>
-                          </a:solidFill>
-                          <a:latin typeface="Adobe Clean Han Regular" panose="020B0500000000000000" pitchFamily="34" charset="-128"/>
-                          <a:ea typeface="Adobe Clean Han Regular" panose="020B0500000000000000" pitchFamily="34" charset="-128"/>
-                          <a:cs typeface="Adobe Clean"/>
-                        </a:rPr>
-                        <a:t>優先度</a:t>
-                      </a:r>
-                    </a:p>
-                  </a:txBody>
-                  <a:tcPr marL="0" marR="0" marT="5715" marB="0" anchor="ctr">
-                    <a:lnL w="6350">
-                      <a:solidFill>
-                        <a:srgbClr val="B7B8B8"/>
-                      </a:solidFill>
-                      <a:prstDash val="solid"/>
-                    </a:lnL>
-                    <a:lnR w="6350">
-                      <a:solidFill>
-                        <a:srgbClr val="B7B8B8"/>
-                      </a:solidFill>
-                      <a:prstDash val="solid"/>
-                    </a:lnR>
-                    <a:lnT w="6350">
-                      <a:solidFill>
-                        <a:srgbClr val="B7B8B8"/>
-                      </a:solidFill>
-                      <a:prstDash val="solid"/>
-                    </a:lnT>
-                    <a:lnB w="6350">
-                      <a:solidFill>
-                        <a:srgbClr val="B7B8B8"/>
-                      </a:solidFill>
-                      <a:prstDash val="solid"/>
-                    </a:lnB>
-                    <a:solidFill>
-                      <a:srgbClr val="F7F7F7"/>
-                    </a:solidFill>
-                  </a:tcPr>
-                </a:tc>
-                <a:tc>
-                  <a:txBody>
-                    <a:bodyPr/>
-                    <a:lstStyle/>
-                    <a:p>
-                      <a:pPr marL="0" indent="0" algn="ctr">
-                        <a:lnSpc>
-                          <a:spcPct val="100000"/>
-                        </a:lnSpc>
-                        <a:spcBef>
-                          <a:spcPts val="45"/>
-                        </a:spcBef>
-                      </a:pPr>
-                      <a:r>
-                        <a:rPr lang="ja-JP" sz="900" dirty="0">
-                          <a:solidFill>
-                            <a:srgbClr val="020302"/>
-                          </a:solidFill>
-                          <a:latin typeface="Adobe Clean Han Regular" panose="020B0500000000000000" pitchFamily="34" charset="-128"/>
-                          <a:ea typeface="Adobe Clean Han Regular" panose="020B0500000000000000" pitchFamily="34" charset="-128"/>
-                          <a:cs typeface="Adobe Clean"/>
-                        </a:rPr>
-                        <a:t>オンラインサポート</a:t>
-                      </a:r>
-                    </a:p>
-                  </a:txBody>
-                  <a:tcPr marL="0" marR="0" marT="5715" marB="0" anchor="ctr">
-                    <a:lnL w="6350">
-                      <a:solidFill>
-                        <a:srgbClr val="B7B8B8"/>
-                      </a:solidFill>
-                      <a:prstDash val="solid"/>
-                    </a:lnL>
-                    <a:lnR w="6350">
-                      <a:solidFill>
-                        <a:srgbClr val="B7B8B8"/>
-                      </a:solidFill>
-                      <a:prstDash val="solid"/>
-                    </a:lnR>
-                    <a:lnT w="6350">
-                      <a:solidFill>
-                        <a:srgbClr val="B7B8B8"/>
-                      </a:solidFill>
-                      <a:prstDash val="solid"/>
-                    </a:lnT>
-                    <a:lnB w="57150" cap="flat" cmpd="sng" algn="ctr">
-                      <a:solidFill>
-                        <a:srgbClr val="A8A8A8"/>
-                      </a:solidFill>
-                      <a:prstDash val="solid"/>
-                      <a:round/>
-                      <a:headEnd type="none" w="med" len="med"/>
-                      <a:tailEnd type="none" w="med" len="med"/>
-                    </a:lnB>
-                    <a:solidFill>
-                      <a:srgbClr val="D9D9D9"/>
-                    </a:solidFill>
-                  </a:tcPr>
-                </a:tc>
-                <a:tc>
-                  <a:txBody>
-                    <a:bodyPr/>
-                    <a:lstStyle/>
-                    <a:p>
-                      <a:pPr marL="0" indent="0" algn="ctr">
-                        <a:lnSpc>
-                          <a:spcPct val="100000"/>
-                        </a:lnSpc>
-                        <a:spcBef>
-                          <a:spcPts val="65"/>
-                        </a:spcBef>
-                      </a:pPr>
-                      <a:r>
-                        <a:rPr lang="ja-JP" sz="900" dirty="0">
-                          <a:solidFill>
-                            <a:srgbClr val="FFFFFF"/>
-                          </a:solidFill>
-                          <a:latin typeface="Adobe Clean Han Regular" panose="020B0500000000000000" pitchFamily="34" charset="-128"/>
-                          <a:ea typeface="Adobe Clean Han Regular" panose="020B0500000000000000" pitchFamily="34" charset="-128"/>
-                          <a:cs typeface="Adobe Clean"/>
-                        </a:rPr>
-                        <a:t>エリートサポート</a:t>
-                      </a:r>
-                    </a:p>
-                  </a:txBody>
-                  <a:tcPr marL="0" marR="0" marT="8255" marB="0" anchor="ctr">
-                    <a:lnL w="6350">
-                      <a:solidFill>
-                        <a:srgbClr val="B7B8B8"/>
-                      </a:solidFill>
-                      <a:prstDash val="solid"/>
-                    </a:lnL>
-                    <a:lnR w="9525">
-                      <a:solidFill>
-                        <a:srgbClr val="B7B8B8"/>
-                      </a:solidFill>
-                      <a:prstDash val="solid"/>
-                    </a:lnR>
-                    <a:lnT w="6350">
-                      <a:solidFill>
-                        <a:srgbClr val="B7B8B8"/>
-                      </a:solidFill>
-                      <a:prstDash val="solid"/>
-                    </a:lnT>
-                    <a:lnB w="57150" cap="flat" cmpd="sng" algn="ctr">
-                      <a:solidFill>
-                        <a:srgbClr val="0068E3"/>
-                      </a:solidFill>
-                      <a:prstDash val="solid"/>
-                      <a:round/>
-                      <a:headEnd type="none" w="med" len="med"/>
-                      <a:tailEnd type="none" w="med" len="med"/>
-                    </a:lnB>
-                    <a:solidFill>
-                      <a:schemeClr val="tx1"/>
-                    </a:solidFill>
-                  </a:tcPr>
-                </a:tc>
-                <a:extLst>
-                  <a:ext uri="{0D108BD9-81ED-4DB2-BD59-A6C34878D82A}">
-                    <a16:rowId xmlns:a16="http://schemas.microsoft.com/office/drawing/2014/main" val="10000"/>
-                  </a:ext>
-                </a:extLst>
-              </a:tr>
-              <a:tr h="511415">
-                <a:tc>
-                  <a:txBody>
-                    <a:bodyPr/>
-                    <a:lstStyle/>
-                    <a:p>
-                      <a:pPr marL="50165" algn="l">
-                        <a:lnSpc>
-                          <a:spcPct val="100000"/>
-                        </a:lnSpc>
-                        <a:spcBef>
-                          <a:spcPts val="125"/>
-                        </a:spcBef>
-                      </a:pPr>
-                      <a:r>
-                        <a:rPr lang="ja-JP" sz="900" b="1" dirty="0">
-                          <a:solidFill>
-                            <a:srgbClr val="020302"/>
-                          </a:solidFill>
-                          <a:latin typeface="Adobe Clean Han Regular" panose="020B0500000000000000" pitchFamily="34" charset="-128"/>
-                          <a:ea typeface="Adobe Clean Han Regular" panose="020B0500000000000000" pitchFamily="34" charset="-128"/>
-                          <a:cs typeface="Adobe Clean"/>
-                        </a:rPr>
-                        <a:t>優先度 1</a:t>
-                      </a:r>
-                    </a:p>
-                    <a:p>
-                      <a:pPr marL="50165" marR="495934" algn="l">
-                        <a:lnSpc>
-                          <a:spcPts val="1010"/>
-                        </a:lnSpc>
-                        <a:spcBef>
-                          <a:spcPts val="405"/>
-                        </a:spcBef>
-                      </a:pPr>
-                      <a:r>
-                        <a:rPr lang="ja-JP" sz="900" b="0" i="0" u="none" strike="noStrike" dirty="0">
-                          <a:solidFill>
-                            <a:srgbClr val="000000"/>
-                          </a:solidFill>
-                          <a:latin typeface="Adobe Clean Han Light" panose="020B0300000000000000" pitchFamily="34" charset="-128"/>
-                          <a:ea typeface="Adobe Clean Han Light" panose="020B0300000000000000" pitchFamily="34" charset="-128"/>
-                        </a:rPr>
-                        <a:t>お客様の本番業務機能がダウンしている、または著しいデータ損失やサービス低下があり、機能およびユーザビリティを復元するための早急な処置が必要。</a:t>
-                      </a:r>
-                    </a:p>
-                  </a:txBody>
-                  <a:tcPr marL="0" marR="0" marT="0" marB="0" anchor="ctr">
-                    <a:lnL w="6350">
-                      <a:solidFill>
-                        <a:srgbClr val="B7B8B8"/>
-                      </a:solidFill>
-                      <a:prstDash val="solid"/>
-                    </a:lnL>
-                    <a:lnR w="6350" cap="flat" cmpd="sng" algn="ctr">
-                      <a:solidFill>
-                        <a:srgbClr val="B7B8B8"/>
-                      </a:solidFill>
-                      <a:prstDash val="solid"/>
-                      <a:round/>
-                      <a:headEnd type="none" w="med" len="med"/>
-                      <a:tailEnd type="none" w="med" len="med"/>
-                    </a:lnR>
-                    <a:lnT w="6350">
-                      <a:solidFill>
-                        <a:srgbClr val="B7B8B8"/>
-                      </a:solidFill>
-                      <a:prstDash val="solid"/>
-                    </a:lnT>
-                    <a:lnB w="6350">
-                      <a:solidFill>
-                        <a:srgbClr val="B7B8B8"/>
-                      </a:solidFill>
-                      <a:prstDash val="solid"/>
-                    </a:lnB>
-                  </a:tcPr>
-                </a:tc>
-                <a:tc>
-                  <a:txBody>
-                    <a:bodyPr/>
-                    <a:lstStyle/>
-                    <a:p>
-                      <a:pPr algn="ctr" fontAlgn="t"/>
-                      <a:r>
-                        <a:rPr lang="en-US" altLang="ja-JP" sz="900" b="0" i="0" u="none" strike="noStrike" dirty="0">
-                          <a:solidFill>
-                            <a:srgbClr val="020302"/>
-                          </a:solidFill>
-                          <a:latin typeface="Adobe Clean Han Light" panose="020B0300000000000000" pitchFamily="34" charset="-128"/>
-                          <a:ea typeface="Adobe Clean Han Light" panose="020B0300000000000000" pitchFamily="34" charset="-128"/>
-                        </a:rPr>
-                        <a:t>24 </a:t>
-                      </a:r>
-                      <a:r>
-                        <a:rPr lang="ja-JP" altLang="en-US" sz="900" b="0" i="0" u="none" strike="noStrike" dirty="0">
-                          <a:solidFill>
-                            <a:srgbClr val="020302"/>
-                          </a:solidFill>
-                          <a:latin typeface="Adobe Clean Han Light" panose="020B0300000000000000" pitchFamily="34" charset="-128"/>
-                          <a:ea typeface="Adobe Clean Han Light" panose="020B0300000000000000" pitchFamily="34" charset="-128"/>
-                        </a:rPr>
-                        <a:t>時間年中無休／</a:t>
-                      </a:r>
-                      <a:br>
-                        <a:rPr lang="en-US" altLang="ja-JP" sz="900" b="0" i="0" u="none" strike="noStrike" dirty="0">
-                          <a:solidFill>
-                            <a:srgbClr val="020302"/>
-                          </a:solidFill>
-                          <a:latin typeface="Adobe Clean Han Light" panose="020B0300000000000000" pitchFamily="34" charset="-128"/>
-                          <a:ea typeface="Adobe Clean Han Light" panose="020B0300000000000000" pitchFamily="34" charset="-128"/>
-                        </a:rPr>
-                      </a:br>
-                      <a:r>
-                        <a:rPr lang="en-US" altLang="ja-JP" sz="900" b="0" i="0" u="none" strike="noStrike" dirty="0">
-                          <a:solidFill>
-                            <a:srgbClr val="020302"/>
-                          </a:solidFill>
-                          <a:latin typeface="Adobe Clean Han Light" panose="020B0300000000000000" pitchFamily="34" charset="-128"/>
-                          <a:ea typeface="Adobe Clean Han Light" panose="020B0300000000000000" pitchFamily="34" charset="-128"/>
-                        </a:rPr>
-                        <a:t>1 </a:t>
-                      </a:r>
-                      <a:r>
-                        <a:rPr lang="ja-JP" altLang="en-US" sz="900" b="0" i="0" u="none" strike="noStrike" dirty="0">
-                          <a:solidFill>
-                            <a:srgbClr val="020302"/>
-                          </a:solidFill>
-                          <a:latin typeface="Adobe Clean Han Light" panose="020B0300000000000000" pitchFamily="34" charset="-128"/>
-                          <a:ea typeface="Adobe Clean Han Light" panose="020B0300000000000000" pitchFamily="34" charset="-128"/>
-                        </a:rPr>
-                        <a:t>時間</a:t>
-                      </a:r>
-                    </a:p>
-                  </a:txBody>
-                  <a:tcPr marL="0" marR="0" marT="0" marB="0" anchor="ctr">
-                    <a:lnL w="6350">
-                      <a:solidFill>
-                        <a:srgbClr val="B7B8B8"/>
-                      </a:solidFill>
-                      <a:prstDash val="solid"/>
-                    </a:lnL>
-                    <a:lnR w="6350">
-                      <a:solidFill>
-                        <a:srgbClr val="B7B8B8"/>
-                      </a:solidFill>
-                      <a:prstDash val="solid"/>
-                    </a:lnR>
-                    <a:lnT w="57150" cap="flat" cmpd="sng" algn="ctr">
-                      <a:solidFill>
-                        <a:srgbClr val="A8A8A8"/>
-                      </a:solidFill>
-                      <a:prstDash val="solid"/>
-                      <a:round/>
-                      <a:headEnd type="none" w="med" len="med"/>
-                      <a:tailEnd type="none" w="med" len="med"/>
-                    </a:lnT>
-                    <a:lnB w="6350">
-                      <a:solidFill>
-                        <a:srgbClr val="B7B8B8"/>
-                      </a:solidFill>
-                      <a:prstDash val="solid"/>
-                    </a:lnB>
-                  </a:tcPr>
-                </a:tc>
-                <a:tc>
-                  <a:txBody>
-                    <a:bodyPr/>
-                    <a:lstStyle/>
-                    <a:p>
-                      <a:pPr algn="ctr" fontAlgn="t"/>
-                      <a:r>
-                        <a:rPr lang="en-US" altLang="ja-JP" sz="900" b="0" i="0" u="none" strike="noStrike" dirty="0">
-                          <a:solidFill>
-                            <a:srgbClr val="020302"/>
-                          </a:solidFill>
-                          <a:latin typeface="Adobe Clean Han Light" panose="020B0300000000000000" pitchFamily="34" charset="-128"/>
-                          <a:ea typeface="Adobe Clean Han Light" panose="020B0300000000000000" pitchFamily="34" charset="-128"/>
-                        </a:rPr>
-                        <a:t>24 </a:t>
-                      </a:r>
-                      <a:r>
-                        <a:rPr lang="ja-JP" altLang="en-US" sz="900" b="0" i="0" u="none" strike="noStrike" dirty="0">
-                          <a:solidFill>
-                            <a:srgbClr val="020302"/>
-                          </a:solidFill>
-                          <a:latin typeface="Adobe Clean Han Light" panose="020B0300000000000000" pitchFamily="34" charset="-128"/>
-                          <a:ea typeface="Adobe Clean Han Light" panose="020B0300000000000000" pitchFamily="34" charset="-128"/>
-                        </a:rPr>
-                        <a:t>時間年中無休／</a:t>
-                      </a:r>
-                      <a:br>
-                        <a:rPr lang="en-US" altLang="ja-JP" sz="900" b="0" i="0" u="none" strike="noStrike" dirty="0">
-                          <a:solidFill>
-                            <a:srgbClr val="020302"/>
-                          </a:solidFill>
-                          <a:latin typeface="Adobe Clean Han Light" panose="020B0300000000000000" pitchFamily="34" charset="-128"/>
-                          <a:ea typeface="Adobe Clean Han Light" panose="020B0300000000000000" pitchFamily="34" charset="-128"/>
-                        </a:rPr>
-                      </a:br>
-                      <a:r>
-                        <a:rPr lang="en-US" altLang="ja-JP" sz="900" b="0" i="0" u="none" strike="noStrike" dirty="0">
-                          <a:solidFill>
-                            <a:srgbClr val="020302"/>
-                          </a:solidFill>
-                          <a:latin typeface="Adobe Clean Han Light" panose="020B0300000000000000" pitchFamily="34" charset="-128"/>
-                          <a:ea typeface="Adobe Clean Han Light" panose="020B0300000000000000" pitchFamily="34" charset="-128"/>
-                        </a:rPr>
-                        <a:t>15 </a:t>
-                      </a:r>
-                      <a:r>
-                        <a:rPr lang="ja-JP" altLang="en-US" sz="900" b="0" i="0" u="none" strike="noStrike" dirty="0">
-                          <a:solidFill>
-                            <a:srgbClr val="020302"/>
-                          </a:solidFill>
-                          <a:latin typeface="Adobe Clean Han Light" panose="020B0300000000000000" pitchFamily="34" charset="-128"/>
-                          <a:ea typeface="Adobe Clean Han Light" panose="020B0300000000000000" pitchFamily="34" charset="-128"/>
-                        </a:rPr>
-                        <a:t>分</a:t>
-                      </a:r>
-                    </a:p>
-                  </a:txBody>
-                  <a:tcPr marL="0" marR="0" marT="0" marB="0" anchor="ctr">
-                    <a:lnL w="6350" cap="flat" cmpd="sng" algn="ctr">
-                      <a:solidFill>
-                        <a:srgbClr val="B7B8B8"/>
-                      </a:solidFill>
-                      <a:prstDash val="solid"/>
-                      <a:round/>
-                      <a:headEnd type="none" w="med" len="med"/>
-                      <a:tailEnd type="none" w="med" len="med"/>
-                    </a:lnL>
-                    <a:lnR w="9525">
-                      <a:solidFill>
-                        <a:srgbClr val="B7B8B8"/>
-                      </a:solidFill>
-                      <a:prstDash val="solid"/>
-                    </a:lnR>
-                    <a:lnT w="57150" cap="flat" cmpd="sng" algn="ctr">
-                      <a:solidFill>
-                        <a:srgbClr val="0068E3"/>
-                      </a:solidFill>
-                      <a:prstDash val="solid"/>
-                      <a:round/>
-                      <a:headEnd type="none" w="med" len="med"/>
-                      <a:tailEnd type="none" w="med" len="med"/>
-                    </a:lnT>
-                    <a:lnB w="6350">
-                      <a:solidFill>
-                        <a:srgbClr val="B7B8B8"/>
-                      </a:solidFill>
-                      <a:prstDash val="solid"/>
-                    </a:lnB>
-                    <a:solidFill>
-                      <a:schemeClr val="bg1">
-                        <a:lumMod val="95000"/>
-                      </a:schemeClr>
-                    </a:solidFill>
-                  </a:tcPr>
-                </a:tc>
-                <a:extLst>
-                  <a:ext uri="{0D108BD9-81ED-4DB2-BD59-A6C34878D82A}">
-                    <a16:rowId xmlns:a16="http://schemas.microsoft.com/office/drawing/2014/main" val="10001"/>
-                  </a:ext>
-                </a:extLst>
-              </a:tr>
-              <a:tr h="511415">
-                <a:tc>
-                  <a:txBody>
-                    <a:bodyPr/>
-                    <a:lstStyle/>
-                    <a:p>
-                      <a:pPr marL="50165" algn="l">
-                        <a:lnSpc>
-                          <a:spcPct val="100000"/>
-                        </a:lnSpc>
-                        <a:spcBef>
-                          <a:spcPts val="135"/>
-                        </a:spcBef>
-                      </a:pPr>
-                      <a:r>
-                        <a:rPr lang="ja-JP" sz="900" b="1" dirty="0">
-                          <a:solidFill>
-                            <a:srgbClr val="020302"/>
-                          </a:solidFill>
-                          <a:latin typeface="Adobe Clean Han Regular" panose="020B0500000000000000" pitchFamily="34" charset="-128"/>
-                          <a:ea typeface="Adobe Clean Han Regular" panose="020B0500000000000000" pitchFamily="34" charset="-128"/>
-                          <a:cs typeface="Adobe Clean"/>
-                        </a:rPr>
-                        <a:t>優先度 2</a:t>
-                      </a:r>
-                    </a:p>
-                    <a:p>
-                      <a:pPr marL="49530" marR="719455" algn="l">
-                        <a:lnSpc>
-                          <a:spcPts val="1010"/>
-                        </a:lnSpc>
-                        <a:spcBef>
-                          <a:spcPts val="405"/>
-                        </a:spcBef>
-                      </a:pPr>
-                      <a:r>
-                        <a:rPr lang="ja-JP" sz="900" b="0" i="0" u="none" strike="noStrike" dirty="0">
-                          <a:solidFill>
-                            <a:srgbClr val="000000"/>
-                          </a:solidFill>
-                          <a:latin typeface="Adobe Clean Han Light" panose="020B0300000000000000" pitchFamily="34" charset="-128"/>
-                          <a:ea typeface="Adobe Clean Han Light" panose="020B0300000000000000" pitchFamily="34" charset="-128"/>
-                        </a:rPr>
-                        <a:t>お客様の業務機能に重大なサービス低下や潜在的なデータ損失があるか、主な機能が影響を受けている。</a:t>
-                      </a:r>
-                    </a:p>
-                  </a:txBody>
-                  <a:tcPr marL="0" marR="0" marT="0" marB="0" anchor="ctr">
-                    <a:lnL w="6350">
-                      <a:solidFill>
-                        <a:srgbClr val="B7B8B8"/>
-                      </a:solidFill>
-                      <a:prstDash val="solid"/>
-                    </a:lnL>
-                    <a:lnR w="6350" cap="flat" cmpd="sng" algn="ctr">
-                      <a:solidFill>
-                        <a:srgbClr val="B7B8B8"/>
-                      </a:solidFill>
-                      <a:prstDash val="solid"/>
-                      <a:round/>
-                      <a:headEnd type="none" w="med" len="med"/>
-                      <a:tailEnd type="none" w="med" len="med"/>
-                    </a:lnR>
-                    <a:lnT w="6350">
-                      <a:solidFill>
-                        <a:srgbClr val="B7B8B8"/>
-                      </a:solidFill>
-                      <a:prstDash val="solid"/>
-                    </a:lnT>
-                    <a:lnB w="6350">
-                      <a:solidFill>
-                        <a:srgbClr val="B7B8B8"/>
-                      </a:solidFill>
-                      <a:prstDash val="solid"/>
-                    </a:lnB>
-                  </a:tcPr>
-                </a:tc>
-                <a:tc>
-                  <a:txBody>
-                    <a:bodyPr/>
-                    <a:lstStyle/>
-                    <a:p>
-                      <a:pPr marL="269875" marR="343535" indent="-3175" algn="ctr">
-                        <a:lnSpc>
-                          <a:spcPct val="102200"/>
-                        </a:lnSpc>
-                      </a:pPr>
-                      <a:r>
-                        <a:rPr lang="ja-JP" altLang="en-US" sz="900" dirty="0">
-                          <a:solidFill>
-                            <a:srgbClr val="020302"/>
-                          </a:solidFill>
-                          <a:latin typeface="Adobe Clean Han Light" panose="020B0300000000000000" pitchFamily="34" charset="-128"/>
-                          <a:ea typeface="Adobe Clean Han Light" panose="020B0300000000000000" pitchFamily="34" charset="-128"/>
-                          <a:cs typeface="AdobeClean-Light"/>
-                        </a:rPr>
-                        <a:t>営業時間</a:t>
-                      </a:r>
-                      <a:r>
-                        <a:rPr lang="ja-JP" sz="900" dirty="0">
-                          <a:solidFill>
-                            <a:srgbClr val="020302"/>
-                          </a:solidFill>
-                          <a:latin typeface="Adobe Clean Han Light" panose="020B0300000000000000" pitchFamily="34" charset="-128"/>
-                          <a:ea typeface="Adobe Clean Han Light" panose="020B0300000000000000" pitchFamily="34" charset="-128"/>
-                          <a:cs typeface="AdobeClean-Light"/>
-                        </a:rPr>
-                        <a:t>／</a:t>
-                      </a:r>
-                      <a:br>
-                        <a:rPr lang="sk-SK" altLang="ja-JP" sz="900" dirty="0">
-                          <a:solidFill>
-                            <a:srgbClr val="020302"/>
-                          </a:solidFill>
-                          <a:latin typeface="Adobe Clean Han Light" panose="020B0300000000000000" pitchFamily="34" charset="-128"/>
-                          <a:ea typeface="Adobe Clean Han Light" panose="020B0300000000000000" pitchFamily="34" charset="-128"/>
-                          <a:cs typeface="AdobeClean-Light"/>
-                        </a:rPr>
-                      </a:br>
-                      <a:r>
-                        <a:rPr lang="ja-JP" sz="900" dirty="0">
-                          <a:solidFill>
-                            <a:srgbClr val="020302"/>
-                          </a:solidFill>
-                          <a:latin typeface="Adobe Clean Han Light" panose="020B0300000000000000" pitchFamily="34" charset="-128"/>
-                          <a:ea typeface="Adobe Clean Han Light" panose="020B0300000000000000" pitchFamily="34" charset="-128"/>
-                          <a:cs typeface="AdobeClean-Light"/>
-                        </a:rPr>
-                        <a:t>4 時間</a:t>
-                      </a:r>
-                    </a:p>
-                  </a:txBody>
-                  <a:tcPr marL="0" marR="0" marT="0" marB="0" anchor="ctr">
-                    <a:lnL w="6350">
-                      <a:solidFill>
-                        <a:srgbClr val="B7B8B8"/>
-                      </a:solidFill>
-                      <a:prstDash val="solid"/>
-                    </a:lnL>
-                    <a:lnR w="6350">
-                      <a:solidFill>
-                        <a:srgbClr val="B7B8B8"/>
-                      </a:solidFill>
-                      <a:prstDash val="solid"/>
-                    </a:lnR>
-                    <a:lnT w="6350">
-                      <a:solidFill>
-                        <a:srgbClr val="B7B8B8"/>
-                      </a:solidFill>
-                      <a:prstDash val="solid"/>
-                    </a:lnT>
-                    <a:lnB w="6350">
-                      <a:solidFill>
-                        <a:srgbClr val="B7B8B8"/>
-                      </a:solidFill>
-                      <a:prstDash val="solid"/>
-                    </a:lnB>
-                  </a:tcPr>
-                </a:tc>
-                <a:tc>
-                  <a:txBody>
-                    <a:bodyPr/>
-                    <a:lstStyle/>
-                    <a:p>
-                      <a:pPr algn="ctr" fontAlgn="t"/>
-                      <a:r>
-                        <a:rPr lang="ja-JP" altLang="en-US" sz="900" b="0" i="0" u="none" strike="noStrike" dirty="0">
-                          <a:solidFill>
-                            <a:srgbClr val="020302"/>
-                          </a:solidFill>
-                          <a:latin typeface="Adobe Clean Han Light" panose="020B0300000000000000" pitchFamily="34" charset="-128"/>
-                          <a:ea typeface="Adobe Clean Han Light" panose="020B0300000000000000" pitchFamily="34" charset="-128"/>
-                        </a:rPr>
-                        <a:t>平日</a:t>
-                      </a:r>
-                      <a:r>
-                        <a:rPr lang="en-US" altLang="ja-JP" sz="900" b="0" i="0" u="none" strike="noStrike" dirty="0">
-                          <a:solidFill>
-                            <a:srgbClr val="020302"/>
-                          </a:solidFill>
-                          <a:latin typeface="Adobe Clean Han Light" panose="020B0300000000000000" pitchFamily="34" charset="-128"/>
-                          <a:ea typeface="Adobe Clean Han Light" panose="020B0300000000000000" pitchFamily="34" charset="-128"/>
-                        </a:rPr>
-                        <a:t>24</a:t>
-                      </a:r>
-                      <a:r>
-                        <a:rPr lang="ja-JP" altLang="en-US" sz="900" b="0" i="0" u="none" strike="noStrike" dirty="0">
-                          <a:solidFill>
-                            <a:srgbClr val="020302"/>
-                          </a:solidFill>
-                          <a:latin typeface="Adobe Clean Han Light" panose="020B0300000000000000" pitchFamily="34" charset="-128"/>
-                          <a:ea typeface="Adobe Clean Han Light" panose="020B0300000000000000" pitchFamily="34" charset="-128"/>
-                        </a:rPr>
-                        <a:t>時間／</a:t>
-                      </a:r>
-                      <a:br>
-                        <a:rPr lang="en-US" altLang="ja-JP" sz="900" b="0" i="0" u="none" strike="noStrike" dirty="0">
-                          <a:solidFill>
-                            <a:srgbClr val="020302"/>
-                          </a:solidFill>
-                          <a:latin typeface="Adobe Clean Han Light" panose="020B0300000000000000" pitchFamily="34" charset="-128"/>
-                          <a:ea typeface="Adobe Clean Han Light" panose="020B0300000000000000" pitchFamily="34" charset="-128"/>
-                        </a:rPr>
-                      </a:br>
-                      <a:r>
-                        <a:rPr lang="en-US" altLang="ja-JP" sz="900" b="0" i="0" u="none" strike="noStrike" dirty="0">
-                          <a:solidFill>
-                            <a:srgbClr val="020302"/>
-                          </a:solidFill>
-                          <a:latin typeface="Adobe Clean Han Light" panose="020B0300000000000000" pitchFamily="34" charset="-128"/>
-                          <a:ea typeface="Adobe Clean Han Light" panose="020B0300000000000000" pitchFamily="34" charset="-128"/>
-                        </a:rPr>
-                        <a:t>30 </a:t>
-                      </a:r>
-                      <a:r>
-                        <a:rPr lang="ja-JP" altLang="en-US" sz="900" b="0" i="0" u="none" strike="noStrike" dirty="0">
-                          <a:solidFill>
-                            <a:srgbClr val="020302"/>
-                          </a:solidFill>
-                          <a:latin typeface="Adobe Clean Han Light" panose="020B0300000000000000" pitchFamily="34" charset="-128"/>
-                          <a:ea typeface="Adobe Clean Han Light" panose="020B0300000000000000" pitchFamily="34" charset="-128"/>
-                        </a:rPr>
-                        <a:t>分</a:t>
-                      </a:r>
-                    </a:p>
-                  </a:txBody>
-                  <a:tcPr marL="0" marR="0" marT="0" marB="0" anchor="ctr">
-                    <a:lnL w="6350" cap="flat" cmpd="sng" algn="ctr">
-                      <a:solidFill>
-                        <a:srgbClr val="B7B8B8"/>
-                      </a:solidFill>
-                      <a:prstDash val="solid"/>
-                      <a:round/>
-                      <a:headEnd type="none" w="med" len="med"/>
-                      <a:tailEnd type="none" w="med" len="med"/>
-                    </a:lnL>
-                    <a:lnR w="9525">
-                      <a:solidFill>
-                        <a:srgbClr val="B7B8B8"/>
-                      </a:solidFill>
-                      <a:prstDash val="solid"/>
-                    </a:lnR>
-                    <a:lnT w="6350">
-                      <a:solidFill>
-                        <a:srgbClr val="B7B8B8"/>
-                      </a:solidFill>
-                      <a:prstDash val="solid"/>
-                    </a:lnT>
-                    <a:lnB w="6350">
-                      <a:solidFill>
-                        <a:srgbClr val="B7B8B8"/>
-                      </a:solidFill>
-                      <a:prstDash val="solid"/>
-                    </a:lnB>
-                    <a:solidFill>
-                      <a:schemeClr val="bg1">
-                        <a:lumMod val="95000"/>
-                      </a:schemeClr>
-                    </a:solidFill>
-                  </a:tcPr>
-                </a:tc>
-                <a:extLst>
-                  <a:ext uri="{0D108BD9-81ED-4DB2-BD59-A6C34878D82A}">
-                    <a16:rowId xmlns:a16="http://schemas.microsoft.com/office/drawing/2014/main" val="10002"/>
-                  </a:ext>
-                </a:extLst>
-              </a:tr>
-              <a:tr h="380435">
-                <a:tc>
-                  <a:txBody>
-                    <a:bodyPr/>
-                    <a:lstStyle/>
-                    <a:p>
-                      <a:pPr marL="50165" algn="l">
-                        <a:lnSpc>
-                          <a:spcPct val="100000"/>
-                        </a:lnSpc>
-                        <a:spcBef>
-                          <a:spcPts val="630"/>
-                        </a:spcBef>
-                      </a:pPr>
-                      <a:r>
-                        <a:rPr lang="ja-JP" sz="900" b="1" dirty="0">
-                          <a:solidFill>
-                            <a:srgbClr val="020302"/>
-                          </a:solidFill>
-                          <a:latin typeface="Adobe Clean Han Regular" panose="020B0500000000000000" pitchFamily="34" charset="-128"/>
-                          <a:ea typeface="Adobe Clean Han Regular" panose="020B0500000000000000" pitchFamily="34" charset="-128"/>
-                          <a:cs typeface="Adobe Clean"/>
-                        </a:rPr>
-                        <a:t>優先度 3</a:t>
-                      </a:r>
-                    </a:p>
-                    <a:p>
-                      <a:pPr marL="48895" marR="387985" indent="-2540" algn="l">
-                        <a:lnSpc>
-                          <a:spcPts val="980"/>
-                        </a:lnSpc>
-                        <a:spcBef>
-                          <a:spcPts val="450"/>
-                        </a:spcBef>
-                      </a:pPr>
-                      <a:r>
-                        <a:rPr lang="ja-JP" sz="900" b="0" i="0" u="none" strike="noStrike" dirty="0">
-                          <a:solidFill>
-                            <a:srgbClr val="000000"/>
-                          </a:solidFill>
-                          <a:latin typeface="Adobe Clean Han Light" panose="020B0300000000000000" pitchFamily="34" charset="-128"/>
-                          <a:ea typeface="Adobe Clean Han Light" panose="020B0300000000000000" pitchFamily="34" charset="-128"/>
-                        </a:rPr>
-                        <a:t>お客様の業務機能に軽微なサービス低下があるが、業務機能を正常に続行できる解決策／回避策が存在する。</a:t>
-                      </a:r>
-                    </a:p>
-                  </a:txBody>
-                  <a:tcPr marL="0" marR="0" marT="0" marB="0" anchor="ctr">
-                    <a:lnL w="6350">
-                      <a:solidFill>
-                        <a:srgbClr val="B7B8B8"/>
-                      </a:solidFill>
-                      <a:prstDash val="solid"/>
-                    </a:lnL>
-                    <a:lnR w="6350" cap="flat" cmpd="sng" algn="ctr">
-                      <a:solidFill>
-                        <a:srgbClr val="B7B8B8"/>
-                      </a:solidFill>
-                      <a:prstDash val="solid"/>
-                      <a:round/>
-                      <a:headEnd type="none" w="med" len="med"/>
-                      <a:tailEnd type="none" w="med" len="med"/>
-                    </a:lnR>
-                    <a:lnT w="6350">
-                      <a:solidFill>
-                        <a:srgbClr val="B7B8B8"/>
-                      </a:solidFill>
-                      <a:prstDash val="solid"/>
-                    </a:lnT>
-                    <a:lnB w="6350">
-                      <a:solidFill>
-                        <a:srgbClr val="B7B8B8"/>
-                      </a:solidFill>
-                      <a:prstDash val="solid"/>
-                    </a:lnB>
-                  </a:tcPr>
-                </a:tc>
-                <a:tc>
-                  <a:txBody>
-                    <a:bodyPr/>
-                    <a:lstStyle/>
-                    <a:p>
-                      <a:pPr marL="258763" marR="343535" indent="-7938" algn="ctr">
-                        <a:lnSpc>
-                          <a:spcPct val="102200"/>
-                        </a:lnSpc>
-                      </a:pPr>
-                      <a:r>
-                        <a:rPr lang="ja-JP" altLang="en-US" sz="900" dirty="0">
-                          <a:solidFill>
-                            <a:srgbClr val="020302"/>
-                          </a:solidFill>
-                          <a:latin typeface="Adobe Clean Han Light" panose="020B0300000000000000" pitchFamily="34" charset="-128"/>
-                          <a:ea typeface="Adobe Clean Han Light" panose="020B0300000000000000" pitchFamily="34" charset="-128"/>
-                          <a:cs typeface="AdobeClean-Light"/>
-                        </a:rPr>
-                        <a:t>営業時間</a:t>
-                      </a:r>
-                      <a:r>
-                        <a:rPr lang="ja-JP" sz="900" dirty="0">
-                          <a:solidFill>
-                            <a:srgbClr val="020302"/>
-                          </a:solidFill>
-                          <a:latin typeface="Adobe Clean Han Light" panose="020B0300000000000000" pitchFamily="34" charset="-128"/>
-                          <a:ea typeface="Adobe Clean Han Light" panose="020B0300000000000000" pitchFamily="34" charset="-128"/>
-                          <a:cs typeface="AdobeClean-Light"/>
-                        </a:rPr>
-                        <a:t>／</a:t>
-                      </a:r>
-                      <a:br>
-                        <a:rPr lang="sk-SK" altLang="ja-JP" sz="900" dirty="0">
-                          <a:solidFill>
-                            <a:srgbClr val="020302"/>
-                          </a:solidFill>
-                          <a:latin typeface="Adobe Clean Han Light" panose="020B0300000000000000" pitchFamily="34" charset="-128"/>
-                          <a:ea typeface="Adobe Clean Han Light" panose="020B0300000000000000" pitchFamily="34" charset="-128"/>
-                          <a:cs typeface="AdobeClean-Light"/>
-                        </a:rPr>
-                      </a:br>
-                      <a:r>
-                        <a:rPr lang="ja-JP" sz="900" dirty="0">
-                          <a:solidFill>
-                            <a:srgbClr val="020302"/>
-                          </a:solidFill>
-                          <a:latin typeface="Adobe Clean Han Light" panose="020B0300000000000000" pitchFamily="34" charset="-128"/>
-                          <a:ea typeface="Adobe Clean Han Light" panose="020B0300000000000000" pitchFamily="34" charset="-128"/>
-                          <a:cs typeface="AdobeClean-Light"/>
-                        </a:rPr>
-                        <a:t>6 時間</a:t>
-                      </a:r>
-                    </a:p>
-                  </a:txBody>
-                  <a:tcPr marL="0" marR="0" marT="0" marB="0" anchor="ctr">
-                    <a:lnL w="6350">
-                      <a:solidFill>
-                        <a:srgbClr val="B7B8B8"/>
-                      </a:solidFill>
-                      <a:prstDash val="solid"/>
-                    </a:lnL>
-                    <a:lnR w="6350">
-                      <a:solidFill>
-                        <a:srgbClr val="B7B8B8"/>
-                      </a:solidFill>
-                      <a:prstDash val="solid"/>
-                    </a:lnR>
-                    <a:lnT w="6350">
-                      <a:solidFill>
-                        <a:srgbClr val="B7B8B8"/>
-                      </a:solidFill>
-                      <a:prstDash val="solid"/>
-                    </a:lnT>
-                    <a:lnB w="6350">
-                      <a:solidFill>
-                        <a:srgbClr val="B7B8B8"/>
-                      </a:solidFill>
-                      <a:prstDash val="solid"/>
-                    </a:lnB>
-                  </a:tcPr>
-                </a:tc>
-                <a:tc>
-                  <a:txBody>
-                    <a:bodyPr/>
-                    <a:lstStyle/>
-                    <a:p>
-                      <a:pPr algn="ctr" fontAlgn="t"/>
-                      <a:r>
-                        <a:rPr lang="ja-JP" altLang="en-US" sz="900" b="0" i="0" u="none" strike="noStrike" dirty="0">
-                          <a:solidFill>
-                            <a:srgbClr val="020302"/>
-                          </a:solidFill>
-                          <a:latin typeface="Adobe Clean Han Light" panose="020B0300000000000000" pitchFamily="34" charset="-128"/>
-                          <a:ea typeface="Adobe Clean Han Light" panose="020B0300000000000000" pitchFamily="34" charset="-128"/>
-                        </a:rPr>
-                        <a:t>平日</a:t>
-                      </a:r>
-                      <a:r>
-                        <a:rPr lang="en-US" altLang="ja-JP" sz="900" b="0" i="0" u="none" strike="noStrike" dirty="0">
-                          <a:solidFill>
-                            <a:srgbClr val="020302"/>
-                          </a:solidFill>
-                          <a:latin typeface="Adobe Clean Han Light" panose="020B0300000000000000" pitchFamily="34" charset="-128"/>
-                          <a:ea typeface="Adobe Clean Han Light" panose="020B0300000000000000" pitchFamily="34" charset="-128"/>
-                        </a:rPr>
-                        <a:t>24</a:t>
-                      </a:r>
-                      <a:r>
-                        <a:rPr lang="ja-JP" altLang="en-US" sz="900" b="0" i="0" u="none" strike="noStrike" dirty="0">
-                          <a:solidFill>
-                            <a:srgbClr val="020302"/>
-                          </a:solidFill>
-                          <a:latin typeface="Adobe Clean Han Light" panose="020B0300000000000000" pitchFamily="34" charset="-128"/>
-                          <a:ea typeface="Adobe Clean Han Light" panose="020B0300000000000000" pitchFamily="34" charset="-128"/>
-                        </a:rPr>
-                        <a:t>時間／</a:t>
-                      </a:r>
-                      <a:br>
-                        <a:rPr lang="sk-SK" altLang="ja-JP" sz="900" b="0" i="0" u="none" strike="noStrike" dirty="0">
-                          <a:solidFill>
-                            <a:srgbClr val="020302"/>
-                          </a:solidFill>
-                          <a:latin typeface="Adobe Clean Han Light" panose="020B0300000000000000" pitchFamily="34" charset="-128"/>
-                          <a:ea typeface="Adobe Clean Han Light" panose="020B0300000000000000" pitchFamily="34" charset="-128"/>
-                        </a:rPr>
-                      </a:br>
-                      <a:r>
-                        <a:rPr lang="en-US" altLang="ja-JP" sz="900" b="0" i="0" u="none" strike="noStrike" dirty="0">
-                          <a:solidFill>
-                            <a:srgbClr val="020302"/>
-                          </a:solidFill>
-                          <a:latin typeface="Adobe Clean Han Light" panose="020B0300000000000000" pitchFamily="34" charset="-128"/>
-                          <a:ea typeface="Adobe Clean Han Light" panose="020B0300000000000000" pitchFamily="34" charset="-128"/>
-                        </a:rPr>
-                        <a:t>1 </a:t>
-                      </a:r>
-                      <a:r>
-                        <a:rPr lang="ja-JP" altLang="en-US" sz="900" b="0" i="0" u="none" strike="noStrike" dirty="0">
-                          <a:solidFill>
-                            <a:srgbClr val="020302"/>
-                          </a:solidFill>
-                          <a:latin typeface="Adobe Clean Han Light" panose="020B0300000000000000" pitchFamily="34" charset="-128"/>
-                          <a:ea typeface="Adobe Clean Han Light" panose="020B0300000000000000" pitchFamily="34" charset="-128"/>
-                        </a:rPr>
-                        <a:t>時間</a:t>
-                      </a:r>
-                    </a:p>
-                  </a:txBody>
-                  <a:tcPr marL="0" marR="0" marT="0" marB="0" anchor="ctr">
-                    <a:lnL w="6350" cap="flat" cmpd="sng" algn="ctr">
-                      <a:solidFill>
-                        <a:srgbClr val="B7B8B8"/>
-                      </a:solidFill>
-                      <a:prstDash val="solid"/>
-                      <a:round/>
-                      <a:headEnd type="none" w="med" len="med"/>
-                      <a:tailEnd type="none" w="med" len="med"/>
-                    </a:lnL>
-                    <a:lnR w="9525">
-                      <a:solidFill>
-                        <a:srgbClr val="B7B8B8"/>
-                      </a:solidFill>
-                      <a:prstDash val="solid"/>
-                    </a:lnR>
-                    <a:lnT w="6350">
-                      <a:solidFill>
-                        <a:srgbClr val="B7B8B8"/>
-                      </a:solidFill>
-                      <a:prstDash val="solid"/>
-                    </a:lnT>
-                    <a:lnB w="6350">
-                      <a:solidFill>
-                        <a:srgbClr val="B7B8B8"/>
-                      </a:solidFill>
-                      <a:prstDash val="solid"/>
-                    </a:lnB>
-                    <a:solidFill>
-                      <a:schemeClr val="bg1">
-                        <a:lumMod val="95000"/>
-                      </a:schemeClr>
-                    </a:solidFill>
-                  </a:tcPr>
-                </a:tc>
-                <a:extLst>
-                  <a:ext uri="{0D108BD9-81ED-4DB2-BD59-A6C34878D82A}">
-                    <a16:rowId xmlns:a16="http://schemas.microsoft.com/office/drawing/2014/main" val="10003"/>
-                  </a:ext>
-                </a:extLst>
-              </a:tr>
-              <a:tr h="349244">
-                <a:tc>
-                  <a:txBody>
-                    <a:bodyPr/>
-                    <a:lstStyle/>
-                    <a:p>
-                      <a:pPr marL="48895" algn="l">
-                        <a:lnSpc>
-                          <a:spcPct val="100000"/>
-                        </a:lnSpc>
-                        <a:spcBef>
-                          <a:spcPts val="145"/>
-                        </a:spcBef>
-                      </a:pPr>
-                      <a:r>
-                        <a:rPr lang="ja-JP" sz="900" b="1" dirty="0">
-                          <a:solidFill>
-                            <a:srgbClr val="020302"/>
-                          </a:solidFill>
-                          <a:latin typeface="Adobe Clean Han Regular" panose="020B0500000000000000" pitchFamily="34" charset="-128"/>
-                          <a:ea typeface="Adobe Clean Han Regular" panose="020B0500000000000000" pitchFamily="34" charset="-128"/>
-                          <a:cs typeface="Adobe Clean"/>
-                        </a:rPr>
-                        <a:t>優先度 4</a:t>
-                      </a:r>
-                    </a:p>
-                    <a:p>
-                      <a:pPr marL="62230" algn="l">
-                        <a:lnSpc>
-                          <a:spcPct val="100000"/>
-                        </a:lnSpc>
-                        <a:spcBef>
-                          <a:spcPts val="315"/>
-                        </a:spcBef>
-                      </a:pPr>
-                      <a:r>
-                        <a:rPr lang="ja-JP" sz="900" b="0" i="0" u="none" strike="noStrike" dirty="0">
-                          <a:solidFill>
-                            <a:srgbClr val="000000"/>
-                          </a:solidFill>
-                          <a:latin typeface="Adobe Clean Han Light" panose="020B0300000000000000" pitchFamily="34" charset="-128"/>
-                          <a:ea typeface="Adobe Clean Han Light" panose="020B0300000000000000" pitchFamily="34" charset="-128"/>
-                        </a:rPr>
-                        <a:t>現在の製品機能に関する一般的な質問または機能拡張のリクエスト。</a:t>
-                      </a:r>
-                    </a:p>
-                  </a:txBody>
-                  <a:tcPr marL="0" marR="0" marT="0" marB="0" anchor="ctr">
-                    <a:lnL w="6350">
-                      <a:solidFill>
-                        <a:srgbClr val="B7B8B8"/>
-                      </a:solidFill>
-                      <a:prstDash val="solid"/>
-                    </a:lnL>
-                    <a:lnR w="6350" cap="flat" cmpd="sng" algn="ctr">
-                      <a:solidFill>
-                        <a:srgbClr val="B7B8B8"/>
-                      </a:solidFill>
-                      <a:prstDash val="solid"/>
-                      <a:round/>
-                      <a:headEnd type="none" w="med" len="med"/>
-                      <a:tailEnd type="none" w="med" len="med"/>
-                    </a:lnR>
-                    <a:lnT w="6350">
-                      <a:solidFill>
-                        <a:srgbClr val="B7B8B8"/>
-                      </a:solidFill>
-                      <a:prstDash val="solid"/>
-                    </a:lnT>
-                    <a:lnB w="6350">
-                      <a:solidFill>
-                        <a:srgbClr val="B7B8B8"/>
-                      </a:solidFill>
-                      <a:prstDash val="solid"/>
-                    </a:lnB>
-                  </a:tcPr>
-                </a:tc>
-                <a:tc>
-                  <a:txBody>
-                    <a:bodyPr/>
-                    <a:lstStyle/>
-                    <a:p>
-                      <a:pPr marL="473709" marR="343535" indent="-175895" algn="l">
-                        <a:lnSpc>
-                          <a:spcPct val="102200"/>
-                        </a:lnSpc>
-                      </a:pPr>
-                      <a:r>
-                        <a:rPr lang="ja-JP" sz="900" dirty="0">
-                          <a:solidFill>
-                            <a:srgbClr val="020302"/>
-                          </a:solidFill>
-                          <a:latin typeface="Adobe Clean Han Light" panose="020B0300000000000000" pitchFamily="34" charset="-128"/>
-                          <a:ea typeface="Adobe Clean Han Light" panose="020B0300000000000000" pitchFamily="34" charset="-128"/>
-                          <a:cs typeface="AdobeClean-Light"/>
-                        </a:rPr>
-                        <a:t>営業日／3 日</a:t>
-                      </a:r>
-                    </a:p>
-                  </a:txBody>
-                  <a:tcPr marL="0" marR="0" marT="0" marB="0" anchor="ctr">
-                    <a:lnL w="6350">
-                      <a:solidFill>
-                        <a:srgbClr val="B7B8B8"/>
-                      </a:solidFill>
-                      <a:prstDash val="solid"/>
-                    </a:lnL>
-                    <a:lnR w="6350">
-                      <a:solidFill>
-                        <a:srgbClr val="B7B8B8"/>
-                      </a:solidFill>
-                      <a:prstDash val="solid"/>
-                    </a:lnR>
-                    <a:lnT w="6350">
-                      <a:solidFill>
-                        <a:srgbClr val="B7B8B8"/>
-                      </a:solidFill>
-                      <a:prstDash val="solid"/>
-                    </a:lnT>
-                    <a:lnB w="6350">
-                      <a:solidFill>
-                        <a:srgbClr val="B7B8B8"/>
-                      </a:solidFill>
-                      <a:prstDash val="solid"/>
-                    </a:lnB>
-                  </a:tcPr>
-                </a:tc>
-                <a:tc>
-                  <a:txBody>
-                    <a:bodyPr/>
-                    <a:lstStyle/>
-                    <a:p>
-                      <a:pPr marL="304800" marR="343535" indent="-6350" algn="ctr">
-                        <a:lnSpc>
-                          <a:spcPct val="102200"/>
-                        </a:lnSpc>
-                      </a:pPr>
-                      <a:r>
-                        <a:rPr lang="ja-JP" sz="900" dirty="0">
-                          <a:solidFill>
-                            <a:srgbClr val="020302"/>
-                          </a:solidFill>
-                          <a:latin typeface="Adobe Clean Han Light" panose="020B0300000000000000" pitchFamily="34" charset="-128"/>
-                          <a:ea typeface="Adobe Clean Han Light" panose="020B0300000000000000" pitchFamily="34" charset="-128"/>
-                          <a:cs typeface="AdobeClean-Light"/>
-                        </a:rPr>
-                        <a:t>営業日／1 日</a:t>
-                      </a:r>
-                    </a:p>
-                  </a:txBody>
-                  <a:tcPr marL="0" marR="0" marT="0" marB="0" anchor="ctr">
-                    <a:lnL w="6350" cap="flat" cmpd="sng" algn="ctr">
-                      <a:solidFill>
-                        <a:srgbClr val="B7B8B8"/>
-                      </a:solidFill>
-                      <a:prstDash val="solid"/>
-                      <a:round/>
-                      <a:headEnd type="none" w="med" len="med"/>
-                      <a:tailEnd type="none" w="med" len="med"/>
-                    </a:lnL>
-                    <a:lnR w="9525">
-                      <a:solidFill>
-                        <a:srgbClr val="B7B8B8"/>
-                      </a:solidFill>
-                      <a:prstDash val="solid"/>
-                    </a:lnR>
-                    <a:lnT w="6350">
-                      <a:solidFill>
-                        <a:srgbClr val="B7B8B8"/>
-                      </a:solidFill>
-                      <a:prstDash val="solid"/>
-                    </a:lnT>
-                    <a:lnB w="6350">
-                      <a:solidFill>
-                        <a:srgbClr val="B7B8B8"/>
-                      </a:solidFill>
-                      <a:prstDash val="solid"/>
-                    </a:lnB>
-                    <a:solidFill>
-                      <a:schemeClr val="bg1">
-                        <a:lumMod val="95000"/>
-                      </a:schemeClr>
-                    </a:solidFill>
-                  </a:tcPr>
-                </a:tc>
-                <a:extLst>
-                  <a:ext uri="{0D108BD9-81ED-4DB2-BD59-A6C34878D82A}">
-                    <a16:rowId xmlns:a16="http://schemas.microsoft.com/office/drawing/2014/main" val="10004"/>
-                  </a:ext>
-                </a:extLst>
-              </a:tr>
-            </a:tbl>
-          </a:graphicData>
-        </a:graphic>
-      </p:graphicFrame>
       <p:pic>
         <p:nvPicPr>
           <p:cNvPr id="8" name="object 8"/>
@@ -3628,49 +2770,6 @@
           </a:prstGeom>
         </p:spPr>
       </p:pic>
-      <p:sp>
-        <p:nvSpPr>
-          <p:cNvPr id="10" name="object 10"/>
-          <p:cNvSpPr txBox="1"/>
-          <p:nvPr/>
-        </p:nvSpPr>
-        <p:spPr>
-          <a:xfrm>
-            <a:off x="97787" y="9888626"/>
-            <a:ext cx="2202180" cy="149860"/>
-          </a:xfrm>
-          <a:prstGeom prst="rect">
-            <a:avLst/>
-          </a:prstGeom>
-        </p:spPr>
-        <p:txBody>
-          <a:bodyPr vert="horz" wrap="square" lIns="0" tIns="10160" rIns="0" bIns="0" rtlCol="0">
-            <a:spAutoFit/>
-          </a:bodyPr>
-          <a:lstStyle/>
-          <a:p>
-            <a:pPr marL="12700">
-              <a:lnSpc>
-                <a:spcPct val="100000"/>
-              </a:lnSpc>
-              <a:spcBef>
-                <a:spcPts val="80"/>
-              </a:spcBef>
-            </a:pPr>
-            <a:r>
-              <a:rPr lang="ja-JP" sz="800">
-                <a:solidFill>
-                  <a:srgbClr val="6D6D6D"/>
-                </a:solidFill>
-                <a:latin typeface="Adobe Clean"/>
-                <a:ea typeface="MS Mincho"/>
-                <a:cs typeface="Adobe Clean"/>
-              </a:rPr>
-              <a:t>©2021 Adobe.All Rights Reserved.Adobe Confidential.</a:t>
-            </a:r>
-          </a:p>
-        </p:txBody>
-      </p:sp>
       <p:sp>
         <p:nvSpPr>
           <p:cNvPr id="11" name="TextBox 10">
@@ -3700,7 +2799,7 @@
           <a:lstStyle/>
           <a:p>
             <a:r>
-              <a:rPr lang="ja-JP" sz="700" i="1">
+              <a:rPr lang="en-US" sz="700" i="1" dirty="0">
                 <a:solidFill>
                   <a:schemeClr val="bg1"/>
                 </a:solidFill>
@@ -3725,7 +2824,7 @@
           <p:nvPr>
             <p:extLst>
               <p:ext uri="{D42A27DB-BD31-4B8C-83A1-F6EECF244321}">
-                <p14:modId xmlns:p14="http://schemas.microsoft.com/office/powerpoint/2010/main" val="4145001690"/>
+                <p14:modId xmlns:p14="http://schemas.microsoft.com/office/powerpoint/2010/main" val="957851072"/>
               </p:ext>
             </p:extLst>
           </p:nvPr>
@@ -3741,28 +2840,28 @@
                 <a:tableStyleId>{2D5ABB26-0587-4C30-8999-92F81FD0307C}</a:tableStyleId>
               </a:tblPr>
               <a:tblGrid>
-                <a:gridCol w="1469816">
+                <a:gridCol w="1316711">
                   <a:extLst>
                     <a:ext uri="{9D8B030D-6E8A-4147-A177-3AD203B41FA5}">
                       <a16:colId xmlns:a16="http://schemas.microsoft.com/office/drawing/2014/main" val="1674920574"/>
                     </a:ext>
                   </a:extLst>
                 </a:gridCol>
-                <a:gridCol w="3403944">
+                <a:gridCol w="3389243">
                   <a:extLst>
                     <a:ext uri="{9D8B030D-6E8A-4147-A177-3AD203B41FA5}">
                       <a16:colId xmlns:a16="http://schemas.microsoft.com/office/drawing/2014/main" val="20001"/>
                     </a:ext>
                   </a:extLst>
                 </a:gridCol>
-                <a:gridCol w="1215390">
+                <a:gridCol w="1341783">
                   <a:extLst>
                     <a:ext uri="{9D8B030D-6E8A-4147-A177-3AD203B41FA5}">
                       <a16:colId xmlns:a16="http://schemas.microsoft.com/office/drawing/2014/main" val="2563521174"/>
                     </a:ext>
                   </a:extLst>
                 </a:gridCol>
-                <a:gridCol w="1192785">
+                <a:gridCol w="1234198">
                   <a:extLst>
                     <a:ext uri="{9D8B030D-6E8A-4147-A177-3AD203B41FA5}">
                       <a16:colId xmlns:a16="http://schemas.microsoft.com/office/drawing/2014/main" val="20003"/>
@@ -3814,15 +2913,15 @@
                         <a:defRPr/>
                       </a:pPr>
                       <a:r>
-                        <a:rPr lang="ja-JP" sz="900">
+                        <a:rPr lang="ja-JP" sz="900" dirty="0">
                           <a:solidFill>
                             <a:srgbClr val="404040"/>
                           </a:solidFill>
-                          <a:latin typeface="Adobe Clean Han Regular" panose="020B0500000000000000" pitchFamily="34" charset="-128"/>
-                          <a:ea typeface="Adobe Clean Han Regular" panose="020B0500000000000000" pitchFamily="34" charset="-128"/>
+                          <a:latin typeface="Adobe Clean Han Bold" panose="020B0600000000000000" pitchFamily="34" charset="-128"/>
+                          <a:ea typeface="Adobe Clean Han Bold" panose="020B0600000000000000" pitchFamily="34" charset="-128"/>
                           <a:cs typeface="Adobe Clean"/>
                         </a:rPr>
-                        <a:t>オンラインサポート</a:t>
+                        <a:t>標準サポート</a:t>
                       </a:r>
                     </a:p>
                   </a:txBody>
@@ -3868,8 +2967,8 @@
                           <a:solidFill>
                             <a:srgbClr val="FFFFFF"/>
                           </a:solidFill>
-                          <a:latin typeface="Adobe Clean Han Regular" panose="020B0500000000000000" pitchFamily="34" charset="-128"/>
-                          <a:ea typeface="Adobe Clean Han Regular" panose="020B0500000000000000" pitchFamily="34" charset="-128"/>
+                          <a:latin typeface="Adobe Clean Han Bold" panose="020B0600000000000000" pitchFamily="34" charset="-128"/>
+                          <a:ea typeface="Adobe Clean Han Bold" panose="020B0600000000000000" pitchFamily="34" charset="-128"/>
                           <a:cs typeface="Adobe Clean"/>
                         </a:rPr>
                         <a:t>エリートサポート</a:t>
@@ -3955,11 +3054,11 @@
                         <a:tabLst/>
                         <a:defRPr/>
                       </a:pPr>
-                      <a:endParaRPr lang="en-US" sz="800" i="1">
+                      <a:endParaRPr lang="en-US" sz="800" i="1" dirty="0">
                         <a:solidFill>
                           <a:sysClr val="windowText" lastClr="000000"/>
                         </a:solidFill>
-                        <a:latin typeface="Adobe Clean Light" panose="020B0303020404020204" pitchFamily="34" charset="0"/>
+                        <a:latin typeface="Adobe Clean Han Light" panose="020B0300000000000000" pitchFamily="34" charset="-128"/>
                       </a:endParaRPr>
                     </a:p>
                   </a:txBody>
@@ -4094,8 +3193,8 @@
                           <a:solidFill>
                             <a:schemeClr val="bg1"/>
                           </a:solidFill>
-                          <a:latin typeface="Adobe Clean Han Regular" panose="020B0500000000000000" pitchFamily="34" charset="-128"/>
-                          <a:ea typeface="Adobe Clean Han Regular" panose="020B0500000000000000" pitchFamily="34" charset="-128"/>
+                          <a:latin typeface="Adobe Clean Han Bold" panose="020B0600000000000000" pitchFamily="34" charset="-128"/>
+                          <a:ea typeface="Adobe Clean Han Bold" panose="020B0600000000000000" pitchFamily="34" charset="-128"/>
                           <a:cs typeface="AdobeClean-Light"/>
                         </a:rPr>
                         <a:t>担当エキスパート</a:t>
@@ -4152,7 +3251,7 @@
                           </a:solidFill>
                           <a:latin typeface="Adobe Clean Han Light" panose="020B0300000000000000" pitchFamily="34" charset="-128"/>
                           <a:ea typeface="Adobe Clean Han Light" panose="020B0300000000000000" pitchFamily="34" charset="-128"/>
-                          <a:cs typeface="AdobeClean-Light"/>
+                          <a:cs typeface="+mn-cs"/>
                         </a:rPr>
                         <a:t>アカウントサポートリード</a:t>
                       </a:r>
@@ -4326,7 +3425,7 @@
                           </a:solidFill>
                           <a:latin typeface="Adobe Clean Han Light" panose="020B0300000000000000" pitchFamily="34" charset="-128"/>
                           <a:ea typeface="Adobe Clean Han Light" panose="020B0300000000000000" pitchFamily="34" charset="-128"/>
-                          <a:cs typeface="AdobeClean-Light"/>
+                          <a:cs typeface="+mn-cs"/>
                         </a:rPr>
                         <a:t>専任サポートエンジニア</a:t>
                       </a:r>
@@ -4489,13 +3588,13 @@
                         </a:spcBef>
                       </a:pPr>
                       <a:r>
-                        <a:rPr lang="ja-JP" sz="900" dirty="0">
+                        <a:rPr lang="ja-JP" sz="900">
                           <a:solidFill>
                             <a:srgbClr val="020302"/>
                           </a:solidFill>
                           <a:latin typeface="Adobe Clean Han Light" panose="020B0300000000000000" pitchFamily="34" charset="-128"/>
                           <a:ea typeface="Adobe Clean Han Light" panose="020B0300000000000000" pitchFamily="34" charset="-128"/>
-                          <a:cs typeface="AdobeClean-Light"/>
+                          <a:cs typeface="+mn-cs"/>
                         </a:rPr>
                         <a:t>テクニカルアカウントマネージャー</a:t>
                       </a:r>
@@ -4637,8 +3736,8 @@
                           <a:solidFill>
                             <a:schemeClr val="bg1"/>
                           </a:solidFill>
-                          <a:latin typeface="Adobe Clean Han Regular" panose="020B0500000000000000" pitchFamily="34" charset="-128"/>
-                          <a:ea typeface="Adobe Clean Han Regular" panose="020B0500000000000000" pitchFamily="34" charset="-128"/>
+                          <a:latin typeface="Adobe Clean Han Bold" panose="020B0600000000000000" pitchFamily="34" charset="-128"/>
+                          <a:ea typeface="Adobe Clean Han Bold" panose="020B0600000000000000" pitchFamily="34" charset="-128"/>
                           <a:cs typeface="AdobeClean-Light"/>
                         </a:rPr>
                         <a:t>サポートサービス</a:t>
@@ -4698,15 +3797,15 @@
                         </a:spcBef>
                       </a:pPr>
                       <a:r>
-                        <a:rPr lang="ja-JP" sz="900">
+                        <a:rPr lang="ja-JP" sz="900" dirty="0">
                           <a:solidFill>
                             <a:srgbClr val="020302"/>
                           </a:solidFill>
                           <a:latin typeface="Adobe Clean Han Light" panose="020B0300000000000000" pitchFamily="34" charset="-128"/>
                           <a:ea typeface="Adobe Clean Han Light" panose="020B0300000000000000" pitchFamily="34" charset="-128"/>
-                          <a:cs typeface="AdobeClean-Light"/>
+                          <a:cs typeface="+mn-cs"/>
                         </a:rPr>
-                        <a:t>オンラインサポート</a:t>
+                        <a:t>標準サポート</a:t>
                       </a:r>
                     </a:p>
                   </a:txBody>
@@ -4745,7 +3844,7 @@
                         </a:spcBef>
                       </a:pPr>
                       <a:r>
-                        <a:rPr lang="ja-JP" altLang="en-US" sz="900" dirty="0">
+                        <a:rPr lang="ja-JP" sz="900" dirty="0">
                           <a:solidFill>
                             <a:srgbClr val="020302"/>
                           </a:solidFill>
@@ -4755,14 +3854,6 @@
                         </a:rPr>
                         <a:t>営業時間内</a:t>
                       </a:r>
-                      <a:endParaRPr lang="ja-JP" sz="900" dirty="0">
-                        <a:solidFill>
-                          <a:srgbClr val="020302"/>
-                        </a:solidFill>
-                        <a:latin typeface="Adobe Clean Han Light" panose="020B0300000000000000" pitchFamily="34" charset="-128"/>
-                        <a:ea typeface="Adobe Clean Han Light" panose="020B0300000000000000" pitchFamily="34" charset="-128"/>
-                        <a:cs typeface="AdobeClean-Light"/>
-                      </a:endParaRPr>
                     </a:p>
                   </a:txBody>
                   <a:tcPr marL="0" marR="0" marT="67945" marB="0">
@@ -4792,7 +3883,7 @@
                     <a:bodyPr/>
                     <a:lstStyle/>
                     <a:p>
-                      <a:pPr algn="ctr">
+                      <a:pPr marL="0" algn="ctr">
                         <a:lnSpc>
                           <a:spcPct val="100000"/>
                         </a:lnSpc>
@@ -4809,7 +3900,7 @@
                           <a:ea typeface="Adobe Clean Han Light" panose="020B0300000000000000" pitchFamily="34" charset="-128"/>
                           <a:cs typeface="AdobeClean-Light"/>
                         </a:rPr>
-                        <a:t>平日</a:t>
+                        <a:t>平日 </a:t>
                       </a:r>
                       <a:r>
                         <a:rPr lang="en-US" altLang="ja-JP" sz="900" dirty="0">
@@ -4820,7 +3911,7 @@
                           <a:ea typeface="Adobe Clean Han Light" panose="020B0300000000000000" pitchFamily="34" charset="-128"/>
                           <a:cs typeface="AdobeClean-Light"/>
                         </a:rPr>
-                        <a:t>24</a:t>
+                        <a:t>24 </a:t>
                       </a:r>
                       <a:r>
                         <a:rPr lang="ja-JP" altLang="en-US" sz="900" dirty="0">
@@ -4833,14 +3924,6 @@
                         </a:rPr>
                         <a:t>時間</a:t>
                       </a:r>
-                      <a:endParaRPr lang="ja-JP" sz="900" dirty="0">
-                        <a:solidFill>
-                          <a:srgbClr val="020302"/>
-                        </a:solidFill>
-                        <a:latin typeface="Adobe Clean Han Light" panose="020B0300000000000000" pitchFamily="34" charset="-128"/>
-                        <a:ea typeface="Adobe Clean Han Light" panose="020B0300000000000000" pitchFamily="34" charset="-128"/>
-                        <a:cs typeface="AdobeClean-Light"/>
-                      </a:endParaRPr>
                     </a:p>
                   </a:txBody>
                   <a:tcPr marL="0" marR="0" marT="67945" marB="0" anchor="ctr">
@@ -4921,15 +4004,81 @@
                         </a:spcBef>
                       </a:pPr>
                       <a:r>
+                        <a:rPr lang="en-US" sz="900">
+                          <a:solidFill>
+                            <a:srgbClr val="020302"/>
+                          </a:solidFill>
+                          <a:latin typeface="Adobe Clean Han Light" panose="020B0300000000000000" pitchFamily="34" charset="-128"/>
+                          <a:ea typeface="Adobe Clean Han Light" panose="020B0300000000000000" pitchFamily="34" charset="-128"/>
+                          <a:cs typeface="+mn-cs"/>
+                        </a:rPr>
+                        <a:t>24 </a:t>
+                      </a:r>
+                      <a:r>
                         <a:rPr lang="ja-JP" sz="900">
                           <a:solidFill>
                             <a:srgbClr val="020302"/>
                           </a:solidFill>
                           <a:latin typeface="Adobe Clean Han Light" panose="020B0300000000000000" pitchFamily="34" charset="-128"/>
                           <a:ea typeface="Adobe Clean Han Light" panose="020B0300000000000000" pitchFamily="34" charset="-128"/>
-                          <a:cs typeface="AdobeClean-Light"/>
+                          <a:cs typeface="+mn-cs"/>
                         </a:rPr>
-                        <a:t>24 時間年中無休の P1 の問題のサポート</a:t>
+                        <a:t>時</a:t>
+                      </a:r>
+                      <a:r>
+                        <a:rPr lang="ja-JP" sz="900" dirty="0">
+                          <a:solidFill>
+                            <a:srgbClr val="020302"/>
+                          </a:solidFill>
+                          <a:latin typeface="Adobe Clean Han Light" panose="020B0300000000000000" pitchFamily="34" charset="-128"/>
+                          <a:ea typeface="Adobe Clean Han Light" panose="020B0300000000000000" pitchFamily="34" charset="-128"/>
+                          <a:cs typeface="+mn-cs"/>
+                        </a:rPr>
+                        <a:t>間年中無休</a:t>
+                      </a:r>
+                      <a:r>
+                        <a:rPr lang="ja-JP" sz="900">
+                          <a:solidFill>
+                            <a:srgbClr val="020302"/>
+                          </a:solidFill>
+                          <a:latin typeface="Adobe Clean Han Light" panose="020B0300000000000000" pitchFamily="34" charset="-128"/>
+                          <a:ea typeface="Adobe Clean Han Light" panose="020B0300000000000000" pitchFamily="34" charset="-128"/>
+                          <a:cs typeface="+mn-cs"/>
+                        </a:rPr>
+                        <a:t>の </a:t>
+                      </a:r>
+                      <a:r>
+                        <a:rPr lang="en-US" sz="900">
+                          <a:solidFill>
+                            <a:srgbClr val="020302"/>
+                          </a:solidFill>
+                          <a:latin typeface="Adobe Clean Han Light" panose="020B0300000000000000" pitchFamily="34" charset="-128"/>
+                          <a:ea typeface="Adobe Clean Han Light" panose="020B0300000000000000" pitchFamily="34" charset="-128"/>
+                          <a:cs typeface="+mn-cs"/>
+                        </a:rPr>
+                        <a:t>P1 </a:t>
+                      </a:r>
+                      <a:r>
+                        <a:rPr lang="ja-JP" sz="900">
+                          <a:solidFill>
+                            <a:srgbClr val="020302"/>
+                          </a:solidFill>
+                          <a:latin typeface="Adobe Clean Han Light" panose="020B0300000000000000" pitchFamily="34" charset="-128"/>
+                          <a:ea typeface="Adobe Clean Han Light" panose="020B0300000000000000" pitchFamily="34" charset="-128"/>
+                          <a:cs typeface="+mn-cs"/>
+                        </a:rPr>
+                        <a:t>の</a:t>
+                      </a:r>
+                      <a:r>
+                        <a:rPr lang="ja-JP" sz="900" dirty="0">
+                          <a:solidFill>
+                            <a:srgbClr val="020302"/>
+                          </a:solidFill>
+                          <a:latin typeface="Adobe Clean Han Light" panose="020B0300000000000000" pitchFamily="34" charset="-128"/>
+                          <a:ea typeface="Adobe Clean Han Light" panose="020B0300000000000000" pitchFamily="34" charset="-128"/>
+                          <a:cs typeface="+mn-cs"/>
+                        </a:rPr>
+                        <a:t>問題のサポート</a:t>
                       </a:r>
                     </a:p>
                   </a:txBody>
@@ -5091,13 +4240,13 @@
                         </a:spcBef>
                       </a:pPr>
                       <a:r>
-                        <a:rPr lang="ja-JP" sz="900" dirty="0">
+                        <a:rPr lang="ja-JP" sz="900">
                           <a:solidFill>
                             <a:srgbClr val="020302"/>
                           </a:solidFill>
                           <a:latin typeface="Adobe Clean Han Light" panose="020B0300000000000000" pitchFamily="34" charset="-128"/>
                           <a:ea typeface="Adobe Clean Han Light" panose="020B0300000000000000" pitchFamily="34" charset="-128"/>
-                          <a:cs typeface="AdobeClean-Light"/>
+                          <a:cs typeface="+mn-cs"/>
                         </a:rPr>
                         <a:t>サポート対象ユーザー（製品単位）</a:t>
                       </a:r>
@@ -5129,16 +4278,16 @@
                     <a:bodyPr/>
                     <a:lstStyle/>
                     <a:p>
-                      <a:pPr algn="ctr">
+                      <a:pPr marL="0" algn="ctr">
                         <a:lnSpc>
                           <a:spcPct val="100000"/>
                         </a:lnSpc>
                         <a:spcBef>
-                          <a:spcPts val="455"/>
+                          <a:spcPts val="535"/>
                         </a:spcBef>
                       </a:pPr>
                       <a:r>
-                        <a:rPr lang="ja-JP" sz="900" dirty="0">
+                        <a:rPr lang="en-US" altLang="ja-JP" sz="900" dirty="0">
                           <a:solidFill>
                             <a:srgbClr val="020302"/>
                           </a:solidFill>
@@ -5168,16 +4317,16 @@
                     <a:bodyPr/>
                     <a:lstStyle/>
                     <a:p>
-                      <a:pPr algn="ctr">
+                      <a:pPr marL="0" algn="ctr">
                         <a:lnSpc>
                           <a:spcPct val="100000"/>
                         </a:lnSpc>
                         <a:spcBef>
-                          <a:spcPts val="455"/>
+                          <a:spcPts val="535"/>
                         </a:spcBef>
                       </a:pPr>
                       <a:r>
-                        <a:rPr lang="ja-JP" sz="900" dirty="0">
+                        <a:rPr lang="en-US" altLang="ja-JP" sz="900" dirty="0">
                           <a:solidFill>
                             <a:srgbClr val="020302"/>
                           </a:solidFill>
@@ -5264,7 +4413,7 @@
                           </a:solidFill>
                           <a:latin typeface="Adobe Clean Han Light" panose="020B0300000000000000" pitchFamily="34" charset="-128"/>
                           <a:ea typeface="Adobe Clean Han Light" panose="020B0300000000000000" pitchFamily="34" charset="-128"/>
-                          <a:cs typeface="AdobeClean-Light"/>
+                          <a:cs typeface="+mn-cs"/>
                         </a:rPr>
                         <a:t>電話サポート（ライブ）</a:t>
                       </a:r>
@@ -5418,7 +4567,7 @@
                           </a:solidFill>
                           <a:latin typeface="Adobe Clean Han Light" panose="020B0300000000000000" pitchFamily="34" charset="-128"/>
                           <a:ea typeface="Adobe Clean Han Light" panose="020B0300000000000000" pitchFamily="34" charset="-128"/>
-                          <a:cs typeface="AdobeClean-Light"/>
+                          <a:cs typeface="+mn-cs"/>
                         </a:rPr>
                         <a:t>エスカレーション管理</a:t>
                       </a:r>
@@ -5566,13 +4715,13 @@
                         </a:spcBef>
                       </a:pPr>
                       <a:r>
-                        <a:rPr lang="ja-JP" sz="900" dirty="0">
+                        <a:rPr lang="ja-JP" sz="900">
                           <a:solidFill>
                             <a:srgbClr val="020302"/>
                           </a:solidFill>
                           <a:latin typeface="Adobe Clean Han Light" panose="020B0300000000000000" pitchFamily="34" charset="-128"/>
                           <a:ea typeface="Adobe Clean Han Light" panose="020B0300000000000000" pitchFamily="34" charset="-128"/>
-                          <a:cs typeface="AdobeClean-Light"/>
+                          <a:cs typeface="+mn-cs"/>
                         </a:rPr>
                         <a:t>年間のサービスレビュー</a:t>
                       </a:r>
@@ -5627,13 +4776,19 @@
                     <a:bodyPr/>
                     <a:lstStyle/>
                     <a:p>
-                      <a:pPr algn="ctr">
+                      <a:pPr marL="0" algn="ctr">
                         <a:lnSpc>
                           <a:spcPct val="100000"/>
                         </a:lnSpc>
+                        <a:spcBef>
+                          <a:spcPts val="535"/>
+                        </a:spcBef>
                       </a:pPr>
                       <a:r>
-                        <a:rPr lang="ja-JP" sz="900" dirty="0">
+                        <a:rPr lang="en-US" altLang="ja-JP" sz="900" dirty="0">
+                          <a:solidFill>
+                            <a:srgbClr val="020302"/>
+                          </a:solidFill>
                           <a:latin typeface="Adobe Clean Han Light" panose="020B0300000000000000" pitchFamily="34" charset="-128"/>
                           <a:ea typeface="Adobe Clean Han Light" panose="020B0300000000000000" pitchFamily="34" charset="-128"/>
                           <a:cs typeface="Times New Roman"/>
@@ -5681,10 +4836,10 @@
                         </a:spcBef>
                       </a:pPr>
                       <a:r>
-                        <a:rPr lang="ja-JP" sz="900" dirty="0">
+                        <a:rPr lang="ja-JP" sz="900">
                           <a:latin typeface="Adobe Clean Han Light" panose="020B0300000000000000" pitchFamily="34" charset="-128"/>
                           <a:ea typeface="Adobe Clean Han Light" panose="020B0300000000000000" pitchFamily="34" charset="-128"/>
-                          <a:cs typeface="AdobeClean-Light"/>
+                          <a:cs typeface="+mn-cs"/>
                         </a:rPr>
                         <a:t>年間のエキスパートセッション</a:t>
                       </a:r>
@@ -5745,13 +4900,19 @@
                     <a:bodyPr/>
                     <a:lstStyle/>
                     <a:p>
-                      <a:pPr algn="ctr">
+                      <a:pPr marL="0" algn="ctr">
                         <a:lnSpc>
                           <a:spcPct val="100000"/>
                         </a:lnSpc>
+                        <a:spcBef>
+                          <a:spcPts val="535"/>
+                        </a:spcBef>
                       </a:pPr>
                       <a:r>
-                        <a:rPr lang="ja-JP" sz="900" dirty="0">
+                        <a:rPr lang="en-US" altLang="ja-JP" sz="900" dirty="0">
+                          <a:solidFill>
+                            <a:srgbClr val="020302"/>
+                          </a:solidFill>
                           <a:latin typeface="Adobe Clean Han Light" panose="020B0300000000000000" pitchFamily="34" charset="-128"/>
                           <a:ea typeface="Adobe Clean Han Light" panose="020B0300000000000000" pitchFamily="34" charset="-128"/>
                           <a:cs typeface="Times New Roman"/>
@@ -5802,7 +4963,7 @@
                         <a:rPr lang="ja-JP" sz="900">
                           <a:latin typeface="Adobe Clean Han Light" panose="020B0300000000000000" pitchFamily="34" charset="-128"/>
                           <a:ea typeface="Adobe Clean Han Light" panose="020B0300000000000000" pitchFamily="34" charset="-128"/>
-                          <a:cs typeface="AdobeClean-Light"/>
+                          <a:cs typeface="+mn-cs"/>
                         </a:rPr>
                         <a:t>ケースレビュー</a:t>
                       </a:r>
@@ -5971,13 +5132,13 @@
                         </a:spcBef>
                       </a:pPr>
                       <a:r>
-                        <a:rPr lang="ja-JP" sz="900" dirty="0">
+                        <a:rPr lang="ja-JP" sz="900">
                           <a:solidFill>
                             <a:srgbClr val="020302"/>
                           </a:solidFill>
                           <a:latin typeface="Adobe Clean Han Light" panose="020B0300000000000000" pitchFamily="34" charset="-128"/>
                           <a:ea typeface="Adobe Clean Han Light" panose="020B0300000000000000" pitchFamily="34" charset="-128"/>
-                          <a:cs typeface="AdobeClean-Light"/>
+                          <a:cs typeface="+mn-cs"/>
                         </a:rPr>
                         <a:t>イベント管理</a:t>
                       </a:r>
@@ -6143,7 +5304,7 @@
                           </a:solidFill>
                           <a:latin typeface="Adobe Clean Han Light" panose="020B0300000000000000" pitchFamily="34" charset="-128"/>
                           <a:ea typeface="Adobe Clean Han Light" panose="020B0300000000000000" pitchFamily="34" charset="-128"/>
-                          <a:cs typeface="AdobeClean-Light"/>
+                          <a:cs typeface="+mn-cs"/>
                         </a:rPr>
                         <a:t>環境レビュー、メンテナンスと監視</a:t>
                       </a:r>
@@ -6303,7 +5464,7 @@
                           </a:solidFill>
                           <a:latin typeface="Adobe Clean Han Light" panose="020B0300000000000000" pitchFamily="34" charset="-128"/>
                           <a:ea typeface="Adobe Clean Han Light" panose="020B0300000000000000" pitchFamily="34" charset="-128"/>
-                          <a:cs typeface="AdobeClean-Light"/>
+                          <a:cs typeface="+mn-cs"/>
                         </a:rPr>
                         <a:t>リリース、移行、アップグレード、製品ロードマップのレビュー</a:t>
                       </a:r>
@@ -6334,7 +5495,7 @@
                           <a:spcPct val="100000"/>
                         </a:lnSpc>
                       </a:pPr>
-                      <a:endParaRPr sz="900" dirty="0">
+                      <a:endParaRPr sz="900">
                         <a:latin typeface="Times New Roman"/>
                         <a:cs typeface="Times New Roman"/>
                       </a:endParaRPr>
@@ -6469,10 +5630,31 @@
                         <a:rPr lang="ja-JP" sz="900" dirty="0">
                           <a:latin typeface="Adobe Clean Han Light" panose="020B0300000000000000" pitchFamily="34" charset="-128"/>
                           <a:ea typeface="Adobe Clean Han Light" panose="020B0300000000000000" pitchFamily="34" charset="-128"/>
-                          <a:cs typeface="AdobeClean-Light"/>
+                          <a:cs typeface="+mn-cs"/>
                         </a:rPr>
-                        <a:t>クラウドサポートアクティビティ – Experience Manager as Cloud</a:t>
+                        <a:t>クラウドサポートアクティビテ</a:t>
                       </a:r>
+                      <a:r>
+                        <a:rPr lang="ja-JP" sz="900">
+                          <a:latin typeface="Adobe Clean Han Light" panose="020B0300000000000000" pitchFamily="34" charset="-128"/>
+                          <a:ea typeface="Adobe Clean Han Light" panose="020B0300000000000000" pitchFamily="34" charset="-128"/>
+                          <a:cs typeface="+mn-cs"/>
+                        </a:rPr>
+                        <a:t>ィ </a:t>
+                      </a:r>
+                      <a:r>
+                        <a:rPr lang="en-US" sz="900">
+                          <a:latin typeface="Adobe Clean Han Light" panose="020B0300000000000000" pitchFamily="34" charset="-128"/>
+                          <a:ea typeface="Adobe Clean Han Light" panose="020B0300000000000000" pitchFamily="34" charset="-128"/>
+                          <a:cs typeface="+mn-cs"/>
+                        </a:rPr>
+                        <a:t>– Experience Manager as Cloud</a:t>
+                      </a:r>
+                      <a:endParaRPr lang="en-US" sz="900" dirty="0">
+                        <a:latin typeface="Adobe Clean Han Light" panose="020B0300000000000000" pitchFamily="34" charset="-128"/>
+                        <a:ea typeface="Adobe Clean Han Light" panose="020B0300000000000000" pitchFamily="34" charset="-128"/>
+                        <a:cs typeface="+mn-cs"/>
+                      </a:endParaRPr>
                     </a:p>
                   </a:txBody>
                   <a:tcPr marL="0" marR="0" marT="67310" marB="0">
@@ -6611,8 +5793,8 @@
                           <a:solidFill>
                             <a:schemeClr val="bg1"/>
                           </a:solidFill>
-                          <a:latin typeface="Adobe Clean Han Regular" panose="020B0500000000000000" pitchFamily="34" charset="-128"/>
-                          <a:ea typeface="Adobe Clean Han Regular" panose="020B0500000000000000" pitchFamily="34" charset="-128"/>
+                          <a:latin typeface="Adobe Clean Han Bold" panose="020B0600000000000000" pitchFamily="34" charset="-128"/>
+                          <a:ea typeface="Adobe Clean Han Bold" panose="020B0600000000000000" pitchFamily="34" charset="-128"/>
                           <a:cs typeface="AdobeClean-Light"/>
                         </a:rPr>
                         <a:t>フィールドサービス</a:t>
@@ -6669,15 +5851,81 @@
                         </a:spcBef>
                       </a:pPr>
                       <a:r>
+                        <a:rPr lang="en-US" sz="900">
+                          <a:solidFill>
+                            <a:srgbClr val="020302"/>
+                          </a:solidFill>
+                          <a:latin typeface="Adobe Clean Han Light" panose="020B0300000000000000" pitchFamily="34" charset="-128"/>
+                          <a:ea typeface="Adobe Clean Han Light" panose="020B0300000000000000" pitchFamily="34" charset="-128"/>
+                          <a:cs typeface="+mn-cs"/>
+                        </a:rPr>
+                        <a:t>Launch Advisory </a:t>
+                      </a:r>
+                      <a:r>
+                        <a:rPr lang="ja-JP" sz="900">
+                          <a:solidFill>
+                            <a:srgbClr val="020302"/>
+                          </a:solidFill>
+                          <a:latin typeface="Adobe Clean Han Light" panose="020B0300000000000000" pitchFamily="34" charset="-128"/>
+                          <a:ea typeface="Adobe Clean Han Light" panose="020B0300000000000000" pitchFamily="34" charset="-128"/>
+                          <a:cs typeface="+mn-cs"/>
+                        </a:rPr>
+                        <a:t>サ</a:t>
+                      </a:r>
+                      <a:r>
                         <a:rPr lang="ja-JP" sz="900" dirty="0">
                           <a:solidFill>
                             <a:srgbClr val="020302"/>
                           </a:solidFill>
                           <a:latin typeface="Adobe Clean Han Light" panose="020B0300000000000000" pitchFamily="34" charset="-128"/>
                           <a:ea typeface="Adobe Clean Han Light" panose="020B0300000000000000" pitchFamily="34" charset="-128"/>
-                          <a:cs typeface="AdobeClean-Light"/>
+                          <a:cs typeface="+mn-cs"/>
                         </a:rPr>
-                        <a:t>Launch Advisory サービス – 製品導入の初年度</a:t>
+                        <a:t>ービ</a:t>
+                      </a:r>
+                      <a:r>
+                        <a:rPr lang="ja-JP" sz="900">
+                          <a:solidFill>
+                            <a:srgbClr val="020302"/>
+                          </a:solidFill>
+                          <a:latin typeface="Adobe Clean Han Light" panose="020B0300000000000000" pitchFamily="34" charset="-128"/>
+                          <a:ea typeface="Adobe Clean Han Light" panose="020B0300000000000000" pitchFamily="34" charset="-128"/>
+                          <a:cs typeface="+mn-cs"/>
+                        </a:rPr>
+                        <a:t>ス </a:t>
+                      </a:r>
+                      <a:r>
+                        <a:rPr lang="en-US" sz="900">
+                          <a:solidFill>
+                            <a:srgbClr val="020302"/>
+                          </a:solidFill>
+                          <a:latin typeface="Adobe Clean Han Light" panose="020B0300000000000000" pitchFamily="34" charset="-128"/>
+                          <a:ea typeface="Adobe Clean Han Light" panose="020B0300000000000000" pitchFamily="34" charset="-128"/>
+                          <a:cs typeface="+mn-cs"/>
+                        </a:rPr>
+                        <a:t>– </a:t>
+                      </a:r>
+                      <a:r>
+                        <a:rPr lang="ja-JP" sz="900">
+                          <a:solidFill>
+                            <a:srgbClr val="020302"/>
+                          </a:solidFill>
+                          <a:latin typeface="Adobe Clean Han Light" panose="020B0300000000000000" pitchFamily="34" charset="-128"/>
+                          <a:ea typeface="Adobe Clean Han Light" panose="020B0300000000000000" pitchFamily="34" charset="-128"/>
+                          <a:cs typeface="+mn-cs"/>
+                        </a:rPr>
+                        <a:t>製</a:t>
+                      </a:r>
+                      <a:r>
+                        <a:rPr lang="ja-JP" sz="900" dirty="0">
+                          <a:solidFill>
+                            <a:srgbClr val="020302"/>
+                          </a:solidFill>
+                          <a:latin typeface="Adobe Clean Han Light" panose="020B0300000000000000" pitchFamily="34" charset="-128"/>
+                          <a:ea typeface="Adobe Clean Han Light" panose="020B0300000000000000" pitchFamily="34" charset="-128"/>
+                          <a:cs typeface="+mn-cs"/>
+                        </a:rPr>
+                        <a:t>品導入の初年度</a:t>
                       </a:r>
                     </a:p>
                   </a:txBody>
@@ -6880,7 +6128,7 @@
                         <a:rPr lang="ja-JP" sz="900" dirty="0">
                           <a:latin typeface="Adobe Clean Han Light" panose="020B0300000000000000" pitchFamily="34" charset="-128"/>
                           <a:ea typeface="Adobe Clean Han Light" panose="020B0300000000000000" pitchFamily="34" charset="-128"/>
-                          <a:cs typeface="AdobeClean-Light"/>
+                          <a:cs typeface="+mn-cs"/>
                         </a:rPr>
                         <a:t>フィールドサービスアクティビティ </a:t>
                       </a:r>
@@ -6963,9 +6211,19 @@
                     <a:bodyPr/>
                     <a:lstStyle/>
                     <a:p>
-                      <a:pPr algn="ctr"/>
+                      <a:pPr marL="0" algn="ctr">
+                        <a:lnSpc>
+                          <a:spcPct val="100000"/>
+                        </a:lnSpc>
+                        <a:spcBef>
+                          <a:spcPts val="535"/>
+                        </a:spcBef>
+                      </a:pPr>
                       <a:r>
-                        <a:rPr lang="ja-JP" sz="900" dirty="0">
+                        <a:rPr lang="en-US" altLang="ja-JP" sz="900" dirty="0">
+                          <a:solidFill>
+                            <a:srgbClr val="020302"/>
+                          </a:solidFill>
                           <a:latin typeface="Adobe Clean Han Light" panose="020B0300000000000000" pitchFamily="34" charset="-128"/>
                           <a:ea typeface="Adobe Clean Han Light" panose="020B0300000000000000" pitchFamily="34" charset="-128"/>
                           <a:cs typeface="Times New Roman"/>
@@ -7000,6 +6258,1264 @@
                 <a:extLst>
                   <a:ext uri="{0D108BD9-81ED-4DB2-BD59-A6C34878D82A}">
                     <a16:rowId xmlns:a16="http://schemas.microsoft.com/office/drawing/2014/main" val="3280708421"/>
+                  </a:ext>
+                </a:extLst>
+              </a:tr>
+            </a:tbl>
+          </a:graphicData>
+        </a:graphic>
+      </p:graphicFrame>
+      <p:sp>
+        <p:nvSpPr>
+          <p:cNvPr id="12" name="object 10">
+            <a:extLst>
+              <a:ext uri="{FF2B5EF4-FFF2-40B4-BE49-F238E27FC236}">
+                <a16:creationId xmlns:a16="http://schemas.microsoft.com/office/drawing/2014/main" id="{E56EE0A9-2AFE-4372-8F9F-2240804161A7}"/>
+              </a:ext>
+            </a:extLst>
+          </p:cNvPr>
+          <p:cNvSpPr txBox="1"/>
+          <p:nvPr/>
+        </p:nvSpPr>
+        <p:spPr>
+          <a:xfrm>
+            <a:off x="97787" y="9888626"/>
+            <a:ext cx="2202180" cy="149860"/>
+          </a:xfrm>
+          <a:prstGeom prst="rect">
+            <a:avLst/>
+          </a:prstGeom>
+        </p:spPr>
+        <p:txBody>
+          <a:bodyPr vert="horz" wrap="square" lIns="0" tIns="10160" rIns="0" bIns="0" rtlCol="0">
+            <a:spAutoFit/>
+          </a:bodyPr>
+          <a:lstStyle/>
+          <a:p>
+            <a:pPr marL="12700">
+              <a:lnSpc>
+                <a:spcPct val="100000"/>
+              </a:lnSpc>
+              <a:spcBef>
+                <a:spcPts val="80"/>
+              </a:spcBef>
+            </a:pPr>
+            <a:r>
+              <a:rPr sz="800" spc="-15" dirty="0">
+                <a:solidFill>
+                  <a:srgbClr val="6D6D6D"/>
+                </a:solidFill>
+                <a:latin typeface="Adobe Clean"/>
+                <a:cs typeface="Adobe Clean"/>
+              </a:rPr>
+              <a:t>©2021 </a:t>
+            </a:r>
+            <a:r>
+              <a:rPr sz="800" spc="-5" dirty="0">
+                <a:solidFill>
+                  <a:srgbClr val="6D6D6D"/>
+                </a:solidFill>
+                <a:latin typeface="Adobe Clean"/>
+                <a:cs typeface="Adobe Clean"/>
+              </a:rPr>
+              <a:t>Adobe. All</a:t>
+            </a:r>
+            <a:r>
+              <a:rPr sz="800" spc="-15" dirty="0">
+                <a:solidFill>
+                  <a:srgbClr val="6D6D6D"/>
+                </a:solidFill>
+                <a:latin typeface="Adobe Clean"/>
+                <a:cs typeface="Adobe Clean"/>
+              </a:rPr>
+              <a:t> Rights</a:t>
+            </a:r>
+            <a:r>
+              <a:rPr sz="800" spc="-5" dirty="0">
+                <a:solidFill>
+                  <a:srgbClr val="6D6D6D"/>
+                </a:solidFill>
+                <a:latin typeface="Adobe Clean"/>
+                <a:cs typeface="Adobe Clean"/>
+              </a:rPr>
+              <a:t> </a:t>
+            </a:r>
+            <a:r>
+              <a:rPr sz="800" spc="-15" dirty="0">
+                <a:solidFill>
+                  <a:srgbClr val="6D6D6D"/>
+                </a:solidFill>
+                <a:latin typeface="Adobe Clean"/>
+                <a:cs typeface="Adobe Clean"/>
+              </a:rPr>
+              <a:t>Reserved.</a:t>
+            </a:r>
+            <a:r>
+              <a:rPr sz="800" spc="-10" dirty="0">
+                <a:solidFill>
+                  <a:srgbClr val="6D6D6D"/>
+                </a:solidFill>
+                <a:latin typeface="Adobe Clean"/>
+                <a:cs typeface="Adobe Clean"/>
+              </a:rPr>
+              <a:t> </a:t>
+            </a:r>
+            <a:r>
+              <a:rPr sz="800" spc="-5" dirty="0">
+                <a:solidFill>
+                  <a:srgbClr val="6D6D6D"/>
+                </a:solidFill>
+                <a:latin typeface="Adobe Clean"/>
+                <a:cs typeface="Adobe Clean"/>
+              </a:rPr>
+              <a:t>Adobe</a:t>
+            </a:r>
+            <a:r>
+              <a:rPr sz="800" spc="65" dirty="0">
+                <a:solidFill>
+                  <a:srgbClr val="6D6D6D"/>
+                </a:solidFill>
+                <a:latin typeface="Adobe Clean"/>
+                <a:cs typeface="Adobe Clean"/>
+              </a:rPr>
+              <a:t> </a:t>
+            </a:r>
+            <a:r>
+              <a:rPr sz="800" spc="-15" dirty="0">
+                <a:solidFill>
+                  <a:srgbClr val="6D6D6D"/>
+                </a:solidFill>
+                <a:latin typeface="Adobe Clean"/>
+                <a:cs typeface="Adobe Clean"/>
+              </a:rPr>
+              <a:t>Confidential.</a:t>
+            </a:r>
+            <a:endParaRPr sz="800" dirty="0">
+              <a:latin typeface="Adobe Clean"/>
+              <a:cs typeface="Adobe Clean"/>
+            </a:endParaRPr>
+          </a:p>
+        </p:txBody>
+      </p:sp>
+      <p:graphicFrame>
+        <p:nvGraphicFramePr>
+          <p:cNvPr id="10" name="object 9">
+            <a:extLst>
+              <a:ext uri="{FF2B5EF4-FFF2-40B4-BE49-F238E27FC236}">
+                <a16:creationId xmlns:a16="http://schemas.microsoft.com/office/drawing/2014/main" id="{5BDE11E9-4D3C-4316-B9EC-CBE851D642C0}"/>
+              </a:ext>
+            </a:extLst>
+          </p:cNvPr>
+          <p:cNvGraphicFramePr>
+            <a:graphicFrameLocks noGrp="1"/>
+          </p:cNvGraphicFramePr>
+          <p:nvPr>
+            <p:extLst>
+              <p:ext uri="{D42A27DB-BD31-4B8C-83A1-F6EECF244321}">
+                <p14:modId xmlns:p14="http://schemas.microsoft.com/office/powerpoint/2010/main" val="1502984206"/>
+              </p:ext>
+            </p:extLst>
+          </p:nvPr>
+        </p:nvGraphicFramePr>
+        <p:xfrm>
+          <a:off x="139400" y="7485668"/>
+          <a:ext cx="7409815" cy="2201891"/>
+        </p:xfrm>
+        <a:graphic>
+          <a:graphicData uri="http://schemas.openxmlformats.org/drawingml/2006/table">
+            <a:tbl>
+              <a:tblPr firstRow="1" bandRow="1">
+                <a:tableStyleId>{2D5ABB26-0587-4C30-8999-92F81FD0307C}</a:tableStyleId>
+              </a:tblPr>
+              <a:tblGrid>
+                <a:gridCol w="4611816">
+                  <a:extLst>
+                    <a:ext uri="{9D8B030D-6E8A-4147-A177-3AD203B41FA5}">
+                      <a16:colId xmlns:a16="http://schemas.microsoft.com/office/drawing/2014/main" val="20000"/>
+                    </a:ext>
+                  </a:extLst>
+                </a:gridCol>
+                <a:gridCol w="1495716">
+                  <a:extLst>
+                    <a:ext uri="{9D8B030D-6E8A-4147-A177-3AD203B41FA5}">
+                      <a16:colId xmlns:a16="http://schemas.microsoft.com/office/drawing/2014/main" val="20001"/>
+                    </a:ext>
+                  </a:extLst>
+                </a:gridCol>
+                <a:gridCol w="1302283">
+                  <a:extLst>
+                    <a:ext uri="{9D8B030D-6E8A-4147-A177-3AD203B41FA5}">
+                      <a16:colId xmlns:a16="http://schemas.microsoft.com/office/drawing/2014/main" val="20002"/>
+                    </a:ext>
+                  </a:extLst>
+                </a:gridCol>
+              </a:tblGrid>
+              <a:tr h="361067">
+                <a:tc>
+                  <a:txBody>
+                    <a:bodyPr/>
+                    <a:lstStyle/>
+                    <a:p>
+                      <a:pPr marL="50165" algn="l">
+                        <a:lnSpc>
+                          <a:spcPct val="100000"/>
+                        </a:lnSpc>
+                        <a:spcBef>
+                          <a:spcPts val="45"/>
+                        </a:spcBef>
+                      </a:pPr>
+                      <a:r>
+                        <a:rPr lang="ja-JP" sz="900" dirty="0">
+                          <a:solidFill>
+                            <a:srgbClr val="020302"/>
+                          </a:solidFill>
+                          <a:latin typeface="Adobe Clean Han Bold" panose="020B0600000000000000" pitchFamily="34" charset="-128"/>
+                          <a:ea typeface="Adobe Clean Han Bold" panose="020B0600000000000000" pitchFamily="34" charset="-128"/>
+                          <a:cs typeface="Adobe Clean"/>
+                        </a:rPr>
+                        <a:t>優先度</a:t>
+                      </a:r>
+                    </a:p>
+                  </a:txBody>
+                  <a:tcPr marL="0" marR="0" marT="5715" marB="0" anchor="ctr">
+                    <a:lnL w="6350">
+                      <a:solidFill>
+                        <a:srgbClr val="B7B8B8"/>
+                      </a:solidFill>
+                      <a:prstDash val="solid"/>
+                    </a:lnL>
+                    <a:lnR w="6350">
+                      <a:solidFill>
+                        <a:srgbClr val="B7B8B8"/>
+                      </a:solidFill>
+                      <a:prstDash val="solid"/>
+                    </a:lnR>
+                    <a:lnT w="6350">
+                      <a:solidFill>
+                        <a:srgbClr val="B7B8B8"/>
+                      </a:solidFill>
+                      <a:prstDash val="solid"/>
+                    </a:lnT>
+                    <a:lnB w="6350">
+                      <a:solidFill>
+                        <a:srgbClr val="B7B8B8"/>
+                      </a:solidFill>
+                      <a:prstDash val="solid"/>
+                    </a:lnB>
+                    <a:solidFill>
+                      <a:srgbClr val="F7F7F7"/>
+                    </a:solidFill>
+                  </a:tcPr>
+                </a:tc>
+                <a:tc>
+                  <a:txBody>
+                    <a:bodyPr/>
+                    <a:lstStyle/>
+                    <a:p>
+                      <a:pPr marL="381000">
+                        <a:lnSpc>
+                          <a:spcPct val="100000"/>
+                        </a:lnSpc>
+                        <a:spcBef>
+                          <a:spcPts val="55"/>
+                        </a:spcBef>
+                      </a:pPr>
+                      <a:r>
+                        <a:rPr lang="ja-JP" sz="900" dirty="0">
+                          <a:solidFill>
+                            <a:srgbClr val="020302"/>
+                          </a:solidFill>
+                          <a:latin typeface="Adobe Clean Han Bold" panose="020B0600000000000000" pitchFamily="34" charset="-128"/>
+                          <a:ea typeface="Adobe Clean Han Bold" panose="020B0600000000000000" pitchFamily="34" charset="-128"/>
+                          <a:cs typeface="Adobe Clean"/>
+                        </a:rPr>
+                        <a:t>標準サポート</a:t>
+                      </a:r>
+                    </a:p>
+                  </a:txBody>
+                  <a:tcPr marL="0" marR="0" marT="0" marB="0" anchor="ctr">
+                    <a:lnL w="6350" cap="flat" cmpd="sng" algn="ctr">
+                      <a:solidFill>
+                        <a:srgbClr val="B7B8B8"/>
+                      </a:solidFill>
+                      <a:prstDash val="solid"/>
+                      <a:round/>
+                      <a:headEnd type="none" w="med" len="med"/>
+                      <a:tailEnd type="none" w="med" len="med"/>
+                    </a:lnL>
+                    <a:lnR w="6350">
+                      <a:solidFill>
+                        <a:srgbClr val="B7B8B8"/>
+                      </a:solidFill>
+                      <a:prstDash val="solid"/>
+                    </a:lnR>
+                    <a:lnT w="6350">
+                      <a:solidFill>
+                        <a:srgbClr val="B7B8B8"/>
+                      </a:solidFill>
+                      <a:prstDash val="solid"/>
+                    </a:lnT>
+                    <a:lnB w="76200" cap="flat" cmpd="sng" algn="ctr">
+                      <a:solidFill>
+                        <a:srgbClr val="B3B3B3"/>
+                      </a:solidFill>
+                      <a:prstDash val="solid"/>
+                      <a:round/>
+                      <a:headEnd type="none" w="med" len="med"/>
+                      <a:tailEnd type="none" w="med" len="med"/>
+                    </a:lnB>
+                    <a:solidFill>
+                      <a:srgbClr val="D9D9D9"/>
+                    </a:solidFill>
+                  </a:tcPr>
+                </a:tc>
+                <a:tc>
+                  <a:txBody>
+                    <a:bodyPr/>
+                    <a:lstStyle/>
+                    <a:p>
+                      <a:pPr marL="0" indent="0" algn="ctr">
+                        <a:lnSpc>
+                          <a:spcPct val="100000"/>
+                        </a:lnSpc>
+                        <a:spcBef>
+                          <a:spcPts val="65"/>
+                        </a:spcBef>
+                      </a:pPr>
+                      <a:r>
+                        <a:rPr lang="ja-JP" altLang="en-US" sz="900" dirty="0">
+                          <a:solidFill>
+                            <a:srgbClr val="FFFFFF"/>
+                          </a:solidFill>
+                          <a:latin typeface="Adobe Clean Han Bold" panose="020B0600000000000000" pitchFamily="34" charset="-128"/>
+                          <a:ea typeface="Adobe Clean Han Bold" panose="020B0600000000000000" pitchFamily="34" charset="-128"/>
+                          <a:cs typeface="Adobe Clean"/>
+                        </a:rPr>
+                        <a:t>エリートサポート</a:t>
+                      </a:r>
+                    </a:p>
+                  </a:txBody>
+                  <a:tcPr marL="0" marR="0" marT="0" marB="0" anchor="ctr">
+                    <a:lnL w="6350">
+                      <a:solidFill>
+                        <a:srgbClr val="B7B8B8"/>
+                      </a:solidFill>
+                      <a:prstDash val="solid"/>
+                    </a:lnL>
+                    <a:lnR w="6350" cap="flat" cmpd="sng" algn="ctr">
+                      <a:solidFill>
+                        <a:srgbClr val="B7B8B8"/>
+                      </a:solidFill>
+                      <a:prstDash val="solid"/>
+                      <a:round/>
+                      <a:headEnd type="none" w="med" len="med"/>
+                      <a:tailEnd type="none" w="med" len="med"/>
+                    </a:lnR>
+                    <a:lnT w="6350">
+                      <a:solidFill>
+                        <a:srgbClr val="B7B8B8"/>
+                      </a:solidFill>
+                      <a:prstDash val="solid"/>
+                    </a:lnT>
+                    <a:lnB w="57150" cap="flat" cmpd="sng" algn="ctr">
+                      <a:solidFill>
+                        <a:srgbClr val="2E8FFF"/>
+                      </a:solidFill>
+                      <a:prstDash val="solid"/>
+                      <a:round/>
+                      <a:headEnd type="none" w="med" len="med"/>
+                      <a:tailEnd type="none" w="med" len="med"/>
+                    </a:lnB>
+                    <a:solidFill>
+                      <a:schemeClr val="tx1"/>
+                    </a:solidFill>
+                  </a:tcPr>
+                </a:tc>
+                <a:extLst>
+                  <a:ext uri="{0D108BD9-81ED-4DB2-BD59-A6C34878D82A}">
+                    <a16:rowId xmlns:a16="http://schemas.microsoft.com/office/drawing/2014/main" val="10000"/>
+                  </a:ext>
+                </a:extLst>
+              </a:tr>
+              <a:tr h="519735">
+                <a:tc>
+                  <a:txBody>
+                    <a:bodyPr/>
+                    <a:lstStyle/>
+                    <a:p>
+                      <a:pPr marL="50165" algn="l">
+                        <a:lnSpc>
+                          <a:spcPct val="100000"/>
+                        </a:lnSpc>
+                        <a:spcBef>
+                          <a:spcPts val="125"/>
+                        </a:spcBef>
+                      </a:pPr>
+                      <a:r>
+                        <a:rPr lang="ja-JP" sz="900" b="1" dirty="0">
+                          <a:solidFill>
+                            <a:srgbClr val="020302"/>
+                          </a:solidFill>
+                          <a:latin typeface="Adobe Clean Han Bold" panose="020B0600000000000000" pitchFamily="34" charset="-128"/>
+                          <a:ea typeface="Adobe Clean Han Bold" panose="020B0600000000000000" pitchFamily="34" charset="-128"/>
+                          <a:cs typeface="Adobe Clean"/>
+                        </a:rPr>
+                        <a:t>優先度 1</a:t>
+                      </a:r>
+                    </a:p>
+                    <a:p>
+                      <a:pPr marL="50165" marR="495300" algn="l">
+                        <a:lnSpc>
+                          <a:spcPts val="1010"/>
+                        </a:lnSpc>
+                        <a:spcBef>
+                          <a:spcPts val="405"/>
+                        </a:spcBef>
+                      </a:pPr>
+                      <a:r>
+                        <a:rPr lang="ja-JP" sz="900" b="0" i="0" u="none" strike="noStrike" dirty="0">
+                          <a:solidFill>
+                            <a:srgbClr val="000000"/>
+                          </a:solidFill>
+                          <a:latin typeface="Adobe Clean Han Light" panose="020B0300000000000000" pitchFamily="34" charset="-128"/>
+                          <a:ea typeface="Adobe Clean Han Light" panose="020B0300000000000000" pitchFamily="34" charset="-128"/>
+                        </a:rPr>
+                        <a:t>お客様の本番業務機能がダウンしている、または著しいデータ損失やサービス低下があり、機能およびユーザビリティを復元するための早急な処置が必要。</a:t>
+                      </a:r>
+                    </a:p>
+                  </a:txBody>
+                  <a:tcPr marL="0" marR="0" marT="0" marB="0" anchor="ctr">
+                    <a:lnL w="6350">
+                      <a:solidFill>
+                        <a:srgbClr val="B7B8B8"/>
+                      </a:solidFill>
+                      <a:prstDash val="solid"/>
+                    </a:lnL>
+                    <a:lnR w="6350" cap="flat" cmpd="sng" algn="ctr">
+                      <a:solidFill>
+                        <a:srgbClr val="B7B8B8"/>
+                      </a:solidFill>
+                      <a:prstDash val="solid"/>
+                      <a:round/>
+                      <a:headEnd type="none" w="med" len="med"/>
+                      <a:tailEnd type="none" w="med" len="med"/>
+                    </a:lnR>
+                    <a:lnT w="6350">
+                      <a:solidFill>
+                        <a:srgbClr val="B7B8B8"/>
+                      </a:solidFill>
+                      <a:prstDash val="solid"/>
+                    </a:lnT>
+                    <a:lnB w="6350">
+                      <a:solidFill>
+                        <a:srgbClr val="B7B8B8"/>
+                      </a:solidFill>
+                      <a:prstDash val="solid"/>
+                    </a:lnB>
+                  </a:tcPr>
+                </a:tc>
+                <a:tc>
+                  <a:txBody>
+                    <a:bodyPr/>
+                    <a:lstStyle/>
+                    <a:p>
+                      <a:pPr algn="ctr" fontAlgn="ctr"/>
+                      <a:r>
+                        <a:rPr lang="ja-JP" sz="900" b="0" i="0" u="none" strike="noStrike" dirty="0">
+                          <a:solidFill>
+                            <a:srgbClr val="020302"/>
+                          </a:solidFill>
+                          <a:latin typeface="Adobe Clean Han Light" panose="020B0300000000000000" pitchFamily="34" charset="-128"/>
+                          <a:ea typeface="Adobe Clean Han Light" panose="020B0300000000000000" pitchFamily="34" charset="-128"/>
+                        </a:rPr>
+                        <a:t>24 時間年中無休／1 時間</a:t>
+                      </a:r>
+                    </a:p>
+                  </a:txBody>
+                  <a:tcPr marL="9525" marR="9525" marT="9525" marB="0" anchor="ctr">
+                    <a:lnL w="6350" cap="flat" cmpd="sng" algn="ctr">
+                      <a:solidFill>
+                        <a:srgbClr val="B7B8B8"/>
+                      </a:solidFill>
+                      <a:prstDash val="solid"/>
+                      <a:round/>
+                      <a:headEnd type="none" w="med" len="med"/>
+                      <a:tailEnd type="none" w="med" len="med"/>
+                    </a:lnL>
+                    <a:lnR w="6350" cap="flat" cmpd="sng" algn="ctr">
+                      <a:solidFill>
+                        <a:srgbClr val="B7B8B8"/>
+                      </a:solidFill>
+                      <a:prstDash val="solid"/>
+                      <a:round/>
+                      <a:headEnd type="none" w="med" len="med"/>
+                      <a:tailEnd type="none" w="med" len="med"/>
+                    </a:lnR>
+                    <a:lnT w="76200">
+                      <a:solidFill>
+                        <a:srgbClr val="B3B3B3"/>
+                      </a:solidFill>
+                      <a:prstDash val="solid"/>
+                    </a:lnT>
+                    <a:lnB w="6350">
+                      <a:solidFill>
+                        <a:srgbClr val="B7B8B8"/>
+                      </a:solidFill>
+                      <a:prstDash val="solid"/>
+                    </a:lnB>
+                  </a:tcPr>
+                </a:tc>
+                <a:tc>
+                  <a:txBody>
+                    <a:bodyPr/>
+                    <a:lstStyle/>
+                    <a:p>
+                      <a:pPr algn="ctr" fontAlgn="ctr"/>
+                      <a:r>
+                        <a:rPr lang="ja-JP" sz="900" b="0" i="0" u="none" strike="noStrike" dirty="0">
+                          <a:solidFill>
+                            <a:srgbClr val="020302"/>
+                          </a:solidFill>
+                          <a:latin typeface="Adobe Clean Han Light" panose="020B0300000000000000" pitchFamily="34" charset="-128"/>
+                          <a:ea typeface="Adobe Clean Han Light" panose="020B0300000000000000" pitchFamily="34" charset="-128"/>
+                        </a:rPr>
+                        <a:t>24 時間年中無休／</a:t>
+                      </a:r>
+                      <a:r>
+                        <a:rPr lang="cs-CZ" altLang="ja-JP" sz="900" b="0" i="0" u="none" strike="noStrike" dirty="0">
+                          <a:solidFill>
+                            <a:srgbClr val="020302"/>
+                          </a:solidFill>
+                          <a:latin typeface="Adobe Clean Han Light" panose="020B0300000000000000" pitchFamily="34" charset="-128"/>
+                          <a:ea typeface="Adobe Clean Han Light" panose="020B0300000000000000" pitchFamily="34" charset="-128"/>
+                        </a:rPr>
+                        <a:t>15</a:t>
+                      </a:r>
+                      <a:r>
+                        <a:rPr lang="ja-JP" sz="900" b="0" i="0" u="none" strike="noStrike" dirty="0">
+                          <a:solidFill>
+                            <a:srgbClr val="020302"/>
+                          </a:solidFill>
+                          <a:latin typeface="Adobe Clean Han Light" panose="020B0300000000000000" pitchFamily="34" charset="-128"/>
+                          <a:ea typeface="Adobe Clean Han Light" panose="020B0300000000000000" pitchFamily="34" charset="-128"/>
+                        </a:rPr>
+                        <a:t> 分</a:t>
+                      </a:r>
+                    </a:p>
+                  </a:txBody>
+                  <a:tcPr marL="9525" marR="9525" marT="9525" marB="0" anchor="ctr">
+                    <a:lnL w="6350" cap="flat" cmpd="sng" algn="ctr">
+                      <a:solidFill>
+                        <a:srgbClr val="B7B8B8"/>
+                      </a:solidFill>
+                      <a:prstDash val="solid"/>
+                      <a:round/>
+                      <a:headEnd type="none" w="med" len="med"/>
+                      <a:tailEnd type="none" w="med" len="med"/>
+                    </a:lnL>
+                    <a:lnR w="6350" cap="flat" cmpd="sng" algn="ctr">
+                      <a:solidFill>
+                        <a:srgbClr val="B7B8B8"/>
+                      </a:solidFill>
+                      <a:prstDash val="solid"/>
+                      <a:round/>
+                      <a:headEnd type="none" w="med" len="med"/>
+                      <a:tailEnd type="none" w="med" len="med"/>
+                    </a:lnR>
+                    <a:lnT w="57150" cap="flat" cmpd="sng" algn="ctr">
+                      <a:solidFill>
+                        <a:srgbClr val="2E8FFF"/>
+                      </a:solidFill>
+                      <a:prstDash val="solid"/>
+                      <a:round/>
+                      <a:headEnd type="none" w="med" len="med"/>
+                      <a:tailEnd type="none" w="med" len="med"/>
+                    </a:lnT>
+                    <a:lnB w="6350">
+                      <a:solidFill>
+                        <a:srgbClr val="B7B8B8"/>
+                      </a:solidFill>
+                      <a:prstDash val="solid"/>
+                    </a:lnB>
+                    <a:solidFill>
+                      <a:schemeClr val="bg1">
+                        <a:lumMod val="95000"/>
+                      </a:schemeClr>
+                    </a:solidFill>
+                  </a:tcPr>
+                </a:tc>
+                <a:extLst>
+                  <a:ext uri="{0D108BD9-81ED-4DB2-BD59-A6C34878D82A}">
+                    <a16:rowId xmlns:a16="http://schemas.microsoft.com/office/drawing/2014/main" val="10001"/>
+                  </a:ext>
+                </a:extLst>
+              </a:tr>
+              <a:tr h="454788">
+                <a:tc>
+                  <a:txBody>
+                    <a:bodyPr/>
+                    <a:lstStyle/>
+                    <a:p>
+                      <a:pPr marL="50165" algn="l">
+                        <a:lnSpc>
+                          <a:spcPct val="100000"/>
+                        </a:lnSpc>
+                        <a:spcBef>
+                          <a:spcPts val="125"/>
+                        </a:spcBef>
+                      </a:pPr>
+                      <a:r>
+                        <a:rPr lang="ja-JP" altLang="en-US" sz="900" b="1" dirty="0">
+                          <a:solidFill>
+                            <a:srgbClr val="020302"/>
+                          </a:solidFill>
+                          <a:latin typeface="Adobe Clean Han Bold" panose="020B0600000000000000" pitchFamily="34" charset="-128"/>
+                          <a:ea typeface="Adobe Clean Han Bold" panose="020B0600000000000000" pitchFamily="34" charset="-128"/>
+                          <a:cs typeface="Adobe Clean"/>
+                        </a:rPr>
+                        <a:t>優先度 </a:t>
+                      </a:r>
+                      <a:r>
+                        <a:rPr lang="en-US" altLang="ja-JP" sz="900" b="1" dirty="0">
+                          <a:solidFill>
+                            <a:srgbClr val="020302"/>
+                          </a:solidFill>
+                          <a:latin typeface="Adobe Clean Han Bold" panose="020B0600000000000000" pitchFamily="34" charset="-128"/>
+                          <a:ea typeface="Adobe Clean Han Bold" panose="020B0600000000000000" pitchFamily="34" charset="-128"/>
+                          <a:cs typeface="Adobe Clean"/>
+                        </a:rPr>
+                        <a:t>2</a:t>
+                      </a:r>
+                    </a:p>
+                    <a:p>
+                      <a:pPr marL="49530" marR="719455" algn="l">
+                        <a:lnSpc>
+                          <a:spcPts val="1010"/>
+                        </a:lnSpc>
+                        <a:spcBef>
+                          <a:spcPts val="405"/>
+                        </a:spcBef>
+                      </a:pPr>
+                      <a:r>
+                        <a:rPr lang="ja-JP" sz="900" b="0" i="0" u="none" strike="noStrike" dirty="0">
+                          <a:solidFill>
+                            <a:srgbClr val="000000"/>
+                          </a:solidFill>
+                          <a:latin typeface="Adobe Clean Han Light" panose="020B0300000000000000" pitchFamily="34" charset="-128"/>
+                          <a:ea typeface="Adobe Clean Han Light" panose="020B0300000000000000" pitchFamily="34" charset="-128"/>
+                        </a:rPr>
+                        <a:t>お客様の業務機能に重大なサービス低下や潜在的なデータ損失があるか、主な機能が影響を受けている。</a:t>
+                      </a:r>
+                    </a:p>
+                  </a:txBody>
+                  <a:tcPr marL="0" marR="0" marT="0" marB="0" anchor="ctr">
+                    <a:lnL w="6350">
+                      <a:solidFill>
+                        <a:srgbClr val="B7B8B8"/>
+                      </a:solidFill>
+                      <a:prstDash val="solid"/>
+                    </a:lnL>
+                    <a:lnR w="6350" cap="flat" cmpd="sng" algn="ctr">
+                      <a:solidFill>
+                        <a:srgbClr val="B7B8B8"/>
+                      </a:solidFill>
+                      <a:prstDash val="solid"/>
+                      <a:round/>
+                      <a:headEnd type="none" w="med" len="med"/>
+                      <a:tailEnd type="none" w="med" len="med"/>
+                    </a:lnR>
+                    <a:lnT w="6350">
+                      <a:solidFill>
+                        <a:srgbClr val="B7B8B8"/>
+                      </a:solidFill>
+                      <a:prstDash val="solid"/>
+                    </a:lnT>
+                    <a:lnB w="6350">
+                      <a:solidFill>
+                        <a:srgbClr val="B7B8B8"/>
+                      </a:solidFill>
+                      <a:prstDash val="solid"/>
+                    </a:lnB>
+                  </a:tcPr>
+                </a:tc>
+                <a:tc>
+                  <a:txBody>
+                    <a:bodyPr/>
+                    <a:lstStyle/>
+                    <a:p>
+                      <a:pPr algn="ctr" fontAlgn="ctr"/>
+                      <a:r>
+                        <a:rPr lang="ja-JP" sz="900" b="0" i="0" u="none" strike="noStrike" dirty="0">
+                          <a:solidFill>
+                            <a:srgbClr val="020302"/>
+                          </a:solidFill>
+                          <a:latin typeface="Adobe Clean Han Light" panose="020B0300000000000000" pitchFamily="34" charset="-128"/>
+                          <a:ea typeface="Adobe Clean Han Light" panose="020B0300000000000000" pitchFamily="34" charset="-128"/>
+                        </a:rPr>
+                        <a:t>営業時間内／4 時間</a:t>
+                      </a:r>
+                    </a:p>
+                  </a:txBody>
+                  <a:tcPr marL="9525" marR="9525" marT="9525" marB="0" anchor="ctr">
+                    <a:lnL w="6350" cap="flat" cmpd="sng" algn="ctr">
+                      <a:solidFill>
+                        <a:srgbClr val="B7B8B8"/>
+                      </a:solidFill>
+                      <a:prstDash val="solid"/>
+                      <a:round/>
+                      <a:headEnd type="none" w="med" len="med"/>
+                      <a:tailEnd type="none" w="med" len="med"/>
+                    </a:lnL>
+                    <a:lnR w="6350" cap="flat" cmpd="sng" algn="ctr">
+                      <a:solidFill>
+                        <a:srgbClr val="B7B8B8"/>
+                      </a:solidFill>
+                      <a:prstDash val="solid"/>
+                      <a:round/>
+                      <a:headEnd type="none" w="med" len="med"/>
+                      <a:tailEnd type="none" w="med" len="med"/>
+                    </a:lnR>
+                    <a:lnT w="6350">
+                      <a:solidFill>
+                        <a:srgbClr val="B7B8B8"/>
+                      </a:solidFill>
+                      <a:prstDash val="solid"/>
+                    </a:lnT>
+                    <a:lnB w="6350">
+                      <a:solidFill>
+                        <a:srgbClr val="B7B8B8"/>
+                      </a:solidFill>
+                      <a:prstDash val="solid"/>
+                    </a:lnB>
+                  </a:tcPr>
+                </a:tc>
+                <a:tc>
+                  <a:txBody>
+                    <a:bodyPr/>
+                    <a:lstStyle/>
+                    <a:p>
+                      <a:pPr algn="ctr" fontAlgn="ctr"/>
+                      <a:r>
+                        <a:rPr lang="ja-JP" sz="900" b="0" i="0" u="none" strike="noStrike" dirty="0">
+                          <a:solidFill>
+                            <a:srgbClr val="020302"/>
+                          </a:solidFill>
+                          <a:latin typeface="Adobe Clean Han Light" panose="020B0300000000000000" pitchFamily="34" charset="-128"/>
+                          <a:ea typeface="Adobe Clean Han Light" panose="020B0300000000000000" pitchFamily="34" charset="-128"/>
+                        </a:rPr>
+                        <a:t>平日 24 時間／</a:t>
+                      </a:r>
+                      <a:r>
+                        <a:rPr lang="cs-CZ" altLang="ja-JP" sz="900" b="0" i="0" u="none" strike="noStrike" dirty="0">
+                          <a:solidFill>
+                            <a:srgbClr val="020302"/>
+                          </a:solidFill>
+                          <a:latin typeface="Adobe Clean Han Light" panose="020B0300000000000000" pitchFamily="34" charset="-128"/>
+                          <a:ea typeface="Adobe Clean Han Light" panose="020B0300000000000000" pitchFamily="34" charset="-128"/>
+                        </a:rPr>
+                        <a:t>30 </a:t>
+                      </a:r>
+                      <a:r>
+                        <a:rPr lang="ja-JP" altLang="en-US" sz="900" b="0" i="0" u="none" strike="noStrike" dirty="0">
+                          <a:solidFill>
+                            <a:srgbClr val="020302"/>
+                          </a:solidFill>
+                          <a:latin typeface="Adobe Clean Han Light" panose="020B0300000000000000" pitchFamily="34" charset="-128"/>
+                          <a:ea typeface="Adobe Clean Han Light" panose="020B0300000000000000" pitchFamily="34" charset="-128"/>
+                        </a:rPr>
+                        <a:t>分</a:t>
+                      </a:r>
+                      <a:endParaRPr lang="ja-JP" sz="900" b="0" i="0" u="none" strike="noStrike" dirty="0">
+                        <a:solidFill>
+                          <a:srgbClr val="020302"/>
+                        </a:solidFill>
+                        <a:latin typeface="Adobe Clean Han Light" panose="020B0300000000000000" pitchFamily="34" charset="-128"/>
+                        <a:ea typeface="Adobe Clean Han Light" panose="020B0300000000000000" pitchFamily="34" charset="-128"/>
+                      </a:endParaRPr>
+                    </a:p>
+                  </a:txBody>
+                  <a:tcPr marL="9525" marR="9525" marT="9525" marB="0" anchor="ctr">
+                    <a:lnL w="6350" cap="flat" cmpd="sng" algn="ctr">
+                      <a:solidFill>
+                        <a:srgbClr val="B7B8B8"/>
+                      </a:solidFill>
+                      <a:prstDash val="solid"/>
+                      <a:round/>
+                      <a:headEnd type="none" w="med" len="med"/>
+                      <a:tailEnd type="none" w="med" len="med"/>
+                    </a:lnL>
+                    <a:lnR w="6350" cap="flat" cmpd="sng" algn="ctr">
+                      <a:solidFill>
+                        <a:srgbClr val="B7B8B8"/>
+                      </a:solidFill>
+                      <a:prstDash val="solid"/>
+                      <a:round/>
+                      <a:headEnd type="none" w="med" len="med"/>
+                      <a:tailEnd type="none" w="med" len="med"/>
+                    </a:lnR>
+                    <a:lnT w="6350">
+                      <a:solidFill>
+                        <a:srgbClr val="B7B8B8"/>
+                      </a:solidFill>
+                      <a:prstDash val="solid"/>
+                    </a:lnT>
+                    <a:lnB w="6350">
+                      <a:solidFill>
+                        <a:srgbClr val="B7B8B8"/>
+                      </a:solidFill>
+                      <a:prstDash val="solid"/>
+                    </a:lnB>
+                    <a:solidFill>
+                      <a:schemeClr val="bg1">
+                        <a:lumMod val="95000"/>
+                      </a:schemeClr>
+                    </a:solidFill>
+                  </a:tcPr>
+                </a:tc>
+                <a:extLst>
+                  <a:ext uri="{0D108BD9-81ED-4DB2-BD59-A6C34878D82A}">
+                    <a16:rowId xmlns:a16="http://schemas.microsoft.com/office/drawing/2014/main" val="10002"/>
+                  </a:ext>
+                </a:extLst>
+              </a:tr>
+              <a:tr h="480326">
+                <a:tc>
+                  <a:txBody>
+                    <a:bodyPr/>
+                    <a:lstStyle/>
+                    <a:p>
+                      <a:pPr marL="50165" algn="l">
+                        <a:lnSpc>
+                          <a:spcPct val="100000"/>
+                        </a:lnSpc>
+                        <a:spcBef>
+                          <a:spcPts val="630"/>
+                        </a:spcBef>
+                      </a:pPr>
+                      <a:r>
+                        <a:rPr lang="ja-JP" altLang="en-US" sz="900" b="1" dirty="0">
+                          <a:solidFill>
+                            <a:srgbClr val="020302"/>
+                          </a:solidFill>
+                          <a:latin typeface="Adobe Clean Han Bold" panose="020B0600000000000000" pitchFamily="34" charset="-128"/>
+                          <a:ea typeface="Adobe Clean Han Bold" panose="020B0600000000000000" pitchFamily="34" charset="-128"/>
+                          <a:cs typeface="Adobe Clean"/>
+                        </a:rPr>
+                        <a:t>優先度 </a:t>
+                      </a:r>
+                      <a:r>
+                        <a:rPr lang="en-US" altLang="ja-JP" sz="900" b="1" dirty="0">
+                          <a:solidFill>
+                            <a:srgbClr val="020302"/>
+                          </a:solidFill>
+                          <a:latin typeface="Adobe Clean Han Bold" panose="020B0600000000000000" pitchFamily="34" charset="-128"/>
+                          <a:ea typeface="Adobe Clean Han Bold" panose="020B0600000000000000" pitchFamily="34" charset="-128"/>
+                          <a:cs typeface="Adobe Clean"/>
+                        </a:rPr>
+                        <a:t>3</a:t>
+                      </a:r>
+                    </a:p>
+                    <a:p>
+                      <a:pPr marL="48895" marR="387985" indent="-2540" algn="l">
+                        <a:lnSpc>
+                          <a:spcPts val="980"/>
+                        </a:lnSpc>
+                        <a:spcBef>
+                          <a:spcPts val="450"/>
+                        </a:spcBef>
+                      </a:pPr>
+                      <a:r>
+                        <a:rPr lang="ja-JP" altLang="en-US" sz="900" b="1" dirty="0">
+                          <a:solidFill>
+                            <a:srgbClr val="020302"/>
+                          </a:solidFill>
+                          <a:latin typeface="Adobe Clean Han Light" panose="020B0300000000000000" pitchFamily="34" charset="-128"/>
+                          <a:ea typeface="Adobe Clean Han Light" panose="020B0300000000000000" pitchFamily="34" charset="-128"/>
+                        </a:rPr>
+                        <a:t>お客様の</a:t>
+                      </a:r>
+                      <a:r>
+                        <a:rPr lang="ja-JP" sz="900" b="0" i="0" u="none" strike="noStrike" dirty="0">
+                          <a:solidFill>
+                            <a:srgbClr val="000000"/>
+                          </a:solidFill>
+                          <a:latin typeface="Adobe Clean Han Light" panose="020B0300000000000000" pitchFamily="34" charset="-128"/>
+                          <a:ea typeface="Adobe Clean Han Light" panose="020B0300000000000000" pitchFamily="34" charset="-128"/>
+                        </a:rPr>
+                        <a:t>業務機能に軽微なサービス低下があるが、業務機能を正常に続行できる解決策／回避策が存在する。</a:t>
+                      </a:r>
+                    </a:p>
+                  </a:txBody>
+                  <a:tcPr marL="0" marR="0" marT="0" marB="0" anchor="ctr">
+                    <a:lnL w="6350">
+                      <a:solidFill>
+                        <a:srgbClr val="B7B8B8"/>
+                      </a:solidFill>
+                      <a:prstDash val="solid"/>
+                    </a:lnL>
+                    <a:lnR w="6350" cap="flat" cmpd="sng" algn="ctr">
+                      <a:solidFill>
+                        <a:srgbClr val="B7B8B8"/>
+                      </a:solidFill>
+                      <a:prstDash val="solid"/>
+                      <a:round/>
+                      <a:headEnd type="none" w="med" len="med"/>
+                      <a:tailEnd type="none" w="med" len="med"/>
+                    </a:lnR>
+                    <a:lnT w="6350">
+                      <a:solidFill>
+                        <a:srgbClr val="B7B8B8"/>
+                      </a:solidFill>
+                      <a:prstDash val="solid"/>
+                    </a:lnT>
+                    <a:lnB w="6350">
+                      <a:solidFill>
+                        <a:srgbClr val="B7B8B8"/>
+                      </a:solidFill>
+                      <a:prstDash val="solid"/>
+                    </a:lnB>
+                  </a:tcPr>
+                </a:tc>
+                <a:tc>
+                  <a:txBody>
+                    <a:bodyPr/>
+                    <a:lstStyle/>
+                    <a:p>
+                      <a:pPr algn="ctr" fontAlgn="ctr"/>
+                      <a:r>
+                        <a:rPr lang="ja-JP" sz="900" b="0" i="0" u="none" strike="noStrike" dirty="0">
+                          <a:solidFill>
+                            <a:srgbClr val="020302"/>
+                          </a:solidFill>
+                          <a:latin typeface="Adobe Clean Han Light" panose="020B0300000000000000" pitchFamily="34" charset="-128"/>
+                          <a:ea typeface="Adobe Clean Han Light" panose="020B0300000000000000" pitchFamily="34" charset="-128"/>
+                        </a:rPr>
+                        <a:t>営業時間内／6 時間</a:t>
+                      </a:r>
+                    </a:p>
+                  </a:txBody>
+                  <a:tcPr marL="9525" marR="9525" marT="9525" marB="0" anchor="ctr">
+                    <a:lnL w="6350" cap="flat" cmpd="sng" algn="ctr">
+                      <a:solidFill>
+                        <a:srgbClr val="B7B8B8"/>
+                      </a:solidFill>
+                      <a:prstDash val="solid"/>
+                      <a:round/>
+                      <a:headEnd type="none" w="med" len="med"/>
+                      <a:tailEnd type="none" w="med" len="med"/>
+                    </a:lnL>
+                    <a:lnR w="6350" cap="flat" cmpd="sng" algn="ctr">
+                      <a:solidFill>
+                        <a:srgbClr val="B7B8B8"/>
+                      </a:solidFill>
+                      <a:prstDash val="solid"/>
+                      <a:round/>
+                      <a:headEnd type="none" w="med" len="med"/>
+                      <a:tailEnd type="none" w="med" len="med"/>
+                    </a:lnR>
+                    <a:lnT w="6350">
+                      <a:solidFill>
+                        <a:srgbClr val="B7B8B8"/>
+                      </a:solidFill>
+                      <a:prstDash val="solid"/>
+                    </a:lnT>
+                    <a:lnB w="6350">
+                      <a:solidFill>
+                        <a:srgbClr val="B7B8B8"/>
+                      </a:solidFill>
+                      <a:prstDash val="solid"/>
+                    </a:lnB>
+                  </a:tcPr>
+                </a:tc>
+                <a:tc>
+                  <a:txBody>
+                    <a:bodyPr/>
+                    <a:lstStyle/>
+                    <a:p>
+                      <a:pPr algn="ctr" fontAlgn="ctr"/>
+                      <a:r>
+                        <a:rPr lang="ja-JP" altLang="en-US" sz="900" b="0" i="0" u="none" strike="noStrike" dirty="0">
+                          <a:solidFill>
+                            <a:srgbClr val="020302"/>
+                          </a:solidFill>
+                          <a:latin typeface="Adobe Clean Han Light" panose="020B0300000000000000" pitchFamily="34" charset="-128"/>
+                          <a:ea typeface="Adobe Clean Han Light" panose="020B0300000000000000" pitchFamily="34" charset="-128"/>
+                        </a:rPr>
+                        <a:t>平日 </a:t>
+                      </a:r>
+                      <a:r>
+                        <a:rPr lang="en-US" altLang="ja-JP" sz="900" b="0" i="0" u="none" strike="noStrike" dirty="0">
+                          <a:solidFill>
+                            <a:srgbClr val="020302"/>
+                          </a:solidFill>
+                          <a:latin typeface="Adobe Clean Han Light" panose="020B0300000000000000" pitchFamily="34" charset="-128"/>
+                          <a:ea typeface="Adobe Clean Han Light" panose="020B0300000000000000" pitchFamily="34" charset="-128"/>
+                        </a:rPr>
+                        <a:t>24 </a:t>
+                      </a:r>
+                      <a:r>
+                        <a:rPr lang="ja-JP" altLang="en-US" sz="900" b="0" i="0" u="none" strike="noStrike" dirty="0">
+                          <a:solidFill>
+                            <a:srgbClr val="020302"/>
+                          </a:solidFill>
+                          <a:latin typeface="Adobe Clean Han Light" panose="020B0300000000000000" pitchFamily="34" charset="-128"/>
+                          <a:ea typeface="Adobe Clean Han Light" panose="020B0300000000000000" pitchFamily="34" charset="-128"/>
+                        </a:rPr>
+                        <a:t>時間／</a:t>
+                      </a:r>
+                      <a:r>
+                        <a:rPr lang="cs-CZ" altLang="ja-JP" sz="900" b="0" i="0" u="none" strike="noStrike" dirty="0">
+                          <a:solidFill>
+                            <a:srgbClr val="020302"/>
+                          </a:solidFill>
+                          <a:latin typeface="Adobe Clean Han Light" panose="020B0300000000000000" pitchFamily="34" charset="-128"/>
+                          <a:ea typeface="Adobe Clean Han Light" panose="020B0300000000000000" pitchFamily="34" charset="-128"/>
+                        </a:rPr>
+                        <a:t>1</a:t>
+                      </a:r>
+                      <a:r>
+                        <a:rPr lang="ja-JP" sz="900" b="0" i="0" u="none" strike="noStrike" dirty="0">
+                          <a:solidFill>
+                            <a:srgbClr val="020302"/>
+                          </a:solidFill>
+                          <a:latin typeface="Adobe Clean Han Light" panose="020B0300000000000000" pitchFamily="34" charset="-128"/>
+                          <a:ea typeface="Adobe Clean Han Light" panose="020B0300000000000000" pitchFamily="34" charset="-128"/>
+                        </a:rPr>
+                        <a:t> 時間</a:t>
+                      </a:r>
+                    </a:p>
+                  </a:txBody>
+                  <a:tcPr marL="9525" marR="9525" marT="9525" marB="0" anchor="ctr">
+                    <a:lnL w="6350" cap="flat" cmpd="sng" algn="ctr">
+                      <a:solidFill>
+                        <a:srgbClr val="B7B8B8"/>
+                      </a:solidFill>
+                      <a:prstDash val="solid"/>
+                      <a:round/>
+                      <a:headEnd type="none" w="med" len="med"/>
+                      <a:tailEnd type="none" w="med" len="med"/>
+                    </a:lnL>
+                    <a:lnR w="6350" cap="flat" cmpd="sng" algn="ctr">
+                      <a:solidFill>
+                        <a:srgbClr val="B7B8B8"/>
+                      </a:solidFill>
+                      <a:prstDash val="solid"/>
+                      <a:round/>
+                      <a:headEnd type="none" w="med" len="med"/>
+                      <a:tailEnd type="none" w="med" len="med"/>
+                    </a:lnR>
+                    <a:lnT w="6350">
+                      <a:solidFill>
+                        <a:srgbClr val="B7B8B8"/>
+                      </a:solidFill>
+                      <a:prstDash val="solid"/>
+                    </a:lnT>
+                    <a:lnB w="6350">
+                      <a:solidFill>
+                        <a:srgbClr val="B7B8B8"/>
+                      </a:solidFill>
+                      <a:prstDash val="solid"/>
+                    </a:lnB>
+                    <a:solidFill>
+                      <a:schemeClr val="bg1">
+                        <a:lumMod val="95000"/>
+                      </a:schemeClr>
+                    </a:solidFill>
+                  </a:tcPr>
+                </a:tc>
+                <a:extLst>
+                  <a:ext uri="{0D108BD9-81ED-4DB2-BD59-A6C34878D82A}">
+                    <a16:rowId xmlns:a16="http://schemas.microsoft.com/office/drawing/2014/main" val="10003"/>
+                  </a:ext>
+                </a:extLst>
+              </a:tr>
+              <a:tr h="385975">
+                <a:tc>
+                  <a:txBody>
+                    <a:bodyPr/>
+                    <a:lstStyle/>
+                    <a:p>
+                      <a:pPr marL="48895" algn="l">
+                        <a:lnSpc>
+                          <a:spcPct val="100000"/>
+                        </a:lnSpc>
+                        <a:spcBef>
+                          <a:spcPts val="145"/>
+                        </a:spcBef>
+                      </a:pPr>
+                      <a:r>
+                        <a:rPr lang="ja-JP" sz="900" b="1" dirty="0">
+                          <a:solidFill>
+                            <a:srgbClr val="020302"/>
+                          </a:solidFill>
+                          <a:latin typeface="Adobe Clean Han Bold" panose="020B0600000000000000" pitchFamily="34" charset="-128"/>
+                          <a:ea typeface="Adobe Clean Han Bold" panose="020B0600000000000000" pitchFamily="34" charset="-128"/>
+                          <a:cs typeface="Adobe Clean"/>
+                        </a:rPr>
+                        <a:t>優先度 4</a:t>
+                      </a:r>
+                    </a:p>
+                    <a:p>
+                      <a:pPr marL="62230" algn="l">
+                        <a:lnSpc>
+                          <a:spcPct val="100000"/>
+                        </a:lnSpc>
+                        <a:spcBef>
+                          <a:spcPts val="315"/>
+                        </a:spcBef>
+                      </a:pPr>
+                      <a:r>
+                        <a:rPr lang="ja-JP" sz="900" b="0" i="0" u="none" strike="noStrike" dirty="0">
+                          <a:solidFill>
+                            <a:srgbClr val="000000"/>
+                          </a:solidFill>
+                          <a:latin typeface="Adobe Clean Han Light" panose="020B0300000000000000" pitchFamily="34" charset="-128"/>
+                          <a:ea typeface="Adobe Clean Han Light" panose="020B0300000000000000" pitchFamily="34" charset="-128"/>
+                        </a:rPr>
+                        <a:t>現在の製品機能に関する一般的な質問または機能拡張のリクエスト。</a:t>
+                      </a:r>
+                    </a:p>
+                  </a:txBody>
+                  <a:tcPr marL="0" marR="0" marT="0" marB="0" anchor="ctr">
+                    <a:lnL w="6350">
+                      <a:solidFill>
+                        <a:srgbClr val="B7B8B8"/>
+                      </a:solidFill>
+                      <a:prstDash val="solid"/>
+                    </a:lnL>
+                    <a:lnR w="6350" cap="flat" cmpd="sng" algn="ctr">
+                      <a:solidFill>
+                        <a:srgbClr val="B7B8B8"/>
+                      </a:solidFill>
+                      <a:prstDash val="solid"/>
+                      <a:round/>
+                      <a:headEnd type="none" w="med" len="med"/>
+                      <a:tailEnd type="none" w="med" len="med"/>
+                    </a:lnR>
+                    <a:lnT w="6350">
+                      <a:solidFill>
+                        <a:srgbClr val="B7B8B8"/>
+                      </a:solidFill>
+                      <a:prstDash val="solid"/>
+                    </a:lnT>
+                    <a:lnB w="6350">
+                      <a:solidFill>
+                        <a:srgbClr val="B7B8B8"/>
+                      </a:solidFill>
+                      <a:prstDash val="solid"/>
+                    </a:lnB>
+                  </a:tcPr>
+                </a:tc>
+                <a:tc>
+                  <a:txBody>
+                    <a:bodyPr/>
+                    <a:lstStyle/>
+                    <a:p>
+                      <a:pPr algn="ctr" fontAlgn="ctr"/>
+                      <a:r>
+                        <a:rPr lang="ja-JP" sz="900" b="0" i="0" u="none" strike="noStrike">
+                          <a:solidFill>
+                            <a:srgbClr val="020302"/>
+                          </a:solidFill>
+                          <a:latin typeface="Adobe Clean Han Light" panose="020B0300000000000000" pitchFamily="34" charset="-128"/>
+                          <a:ea typeface="Adobe Clean Han Light" panose="020B0300000000000000" pitchFamily="34" charset="-128"/>
+                        </a:rPr>
+                        <a:t>営業日／3 日</a:t>
+                      </a:r>
+                    </a:p>
+                  </a:txBody>
+                  <a:tcPr marL="9525" marR="9525" marT="9525" marB="0" anchor="ctr">
+                    <a:lnL w="6350" cap="flat" cmpd="sng" algn="ctr">
+                      <a:solidFill>
+                        <a:srgbClr val="B7B8B8"/>
+                      </a:solidFill>
+                      <a:prstDash val="solid"/>
+                      <a:round/>
+                      <a:headEnd type="none" w="med" len="med"/>
+                      <a:tailEnd type="none" w="med" len="med"/>
+                    </a:lnL>
+                    <a:lnR w="6350" cap="flat" cmpd="sng" algn="ctr">
+                      <a:solidFill>
+                        <a:srgbClr val="B7B8B8"/>
+                      </a:solidFill>
+                      <a:prstDash val="solid"/>
+                      <a:round/>
+                      <a:headEnd type="none" w="med" len="med"/>
+                      <a:tailEnd type="none" w="med" len="med"/>
+                    </a:lnR>
+                    <a:lnT w="6350">
+                      <a:solidFill>
+                        <a:srgbClr val="B7B8B8"/>
+                      </a:solidFill>
+                      <a:prstDash val="solid"/>
+                    </a:lnT>
+                    <a:lnB w="6350">
+                      <a:solidFill>
+                        <a:srgbClr val="B7B8B8"/>
+                      </a:solidFill>
+                      <a:prstDash val="solid"/>
+                    </a:lnB>
+                  </a:tcPr>
+                </a:tc>
+                <a:tc>
+                  <a:txBody>
+                    <a:bodyPr/>
+                    <a:lstStyle/>
+                    <a:p>
+                      <a:pPr algn="ctr" fontAlgn="ctr"/>
+                      <a:r>
+                        <a:rPr lang="ja-JP" sz="900" b="0" i="0" u="none" strike="noStrike" dirty="0">
+                          <a:solidFill>
+                            <a:srgbClr val="020302"/>
+                          </a:solidFill>
+                          <a:latin typeface="Adobe Clean Han Light" panose="020B0300000000000000" pitchFamily="34" charset="-128"/>
+                          <a:ea typeface="Adobe Clean Han Light" panose="020B0300000000000000" pitchFamily="34" charset="-128"/>
+                        </a:rPr>
+                        <a:t>営業日／1 日</a:t>
+                      </a:r>
+                    </a:p>
+                  </a:txBody>
+                  <a:tcPr marL="9525" marR="9525" marT="9525" marB="0" anchor="ctr">
+                    <a:lnL w="6350" cap="flat" cmpd="sng" algn="ctr">
+                      <a:solidFill>
+                        <a:srgbClr val="B7B8B8"/>
+                      </a:solidFill>
+                      <a:prstDash val="solid"/>
+                      <a:round/>
+                      <a:headEnd type="none" w="med" len="med"/>
+                      <a:tailEnd type="none" w="med" len="med"/>
+                    </a:lnL>
+                    <a:lnR w="6350" cap="flat" cmpd="sng" algn="ctr">
+                      <a:solidFill>
+                        <a:srgbClr val="B7B8B8"/>
+                      </a:solidFill>
+                      <a:prstDash val="solid"/>
+                      <a:round/>
+                      <a:headEnd type="none" w="med" len="med"/>
+                      <a:tailEnd type="none" w="med" len="med"/>
+                    </a:lnR>
+                    <a:lnT w="6350">
+                      <a:solidFill>
+                        <a:srgbClr val="B7B8B8"/>
+                      </a:solidFill>
+                      <a:prstDash val="solid"/>
+                    </a:lnT>
+                    <a:lnB w="6350">
+                      <a:solidFill>
+                        <a:srgbClr val="B7B8B8"/>
+                      </a:solidFill>
+                      <a:prstDash val="solid"/>
+                    </a:lnB>
+                    <a:solidFill>
+                      <a:schemeClr val="bg1">
+                        <a:lumMod val="95000"/>
+                      </a:schemeClr>
+                    </a:solidFill>
+                  </a:tcPr>
+                </a:tc>
+                <a:extLst>
+                  <a:ext uri="{0D108BD9-81ED-4DB2-BD59-A6C34878D82A}">
+                    <a16:rowId xmlns:a16="http://schemas.microsoft.com/office/drawing/2014/main" val="10004"/>
                   </a:ext>
                 </a:extLst>
               </a:tr>
@@ -7039,7 +7555,7 @@
           <p:nvPr/>
         </p:nvPicPr>
         <p:blipFill>
-          <a:blip r:embed="rId2" cstate="print"/>
+          <a:blip r:embed="rId3" cstate="print"/>
           <a:stretch>
             <a:fillRect/>
           </a:stretch>
@@ -7061,9 +7577,9 @@
           <p:nvPr/>
         </p:nvSpPr>
         <p:spPr>
-          <a:xfrm flipV="1">
-            <a:off x="357339" y="851767"/>
-            <a:ext cx="2054391" cy="45719"/>
+          <a:xfrm>
+            <a:off x="357339" y="837852"/>
+            <a:ext cx="2087687" cy="56127"/>
           </a:xfrm>
           <a:custGeom>
             <a:avLst/>
@@ -7104,8 +7620,8 @@
         </p:nvSpPr>
         <p:spPr>
           <a:xfrm>
-            <a:off x="357339" y="608961"/>
-            <a:ext cx="2161562" cy="228268"/>
+            <a:off x="357339" y="549327"/>
+            <a:ext cx="2407636" cy="228268"/>
           </a:xfrm>
           <a:prstGeom prst="rect">
             <a:avLst/>
@@ -7130,8 +7646,8 @@
                 <a:solidFill>
                   <a:srgbClr val="020302"/>
                 </a:solidFill>
-                <a:latin typeface="Adobe Clean Han Regular" panose="020B0500000000000000" pitchFamily="34" charset="-128"/>
-                <a:ea typeface="Adobe Clean Han Regular" panose="020B0500000000000000" pitchFamily="34" charset="-128"/>
+                <a:latin typeface="Adobe Clean Han Bold" panose="020B0600000000000000" pitchFamily="34" charset="-128"/>
+                <a:ea typeface="Adobe Clean Han Bold" panose="020B0600000000000000" pitchFamily="34" charset="-128"/>
                 <a:cs typeface="Adobe Clean"/>
               </a:rPr>
               <a:t>エリートサポートの特長</a:t>
@@ -7147,8 +7663,8 @@
         </p:nvSpPr>
         <p:spPr>
           <a:xfrm>
-            <a:off x="2868167" y="1433668"/>
-            <a:ext cx="2194560" cy="843821"/>
+            <a:off x="2883797" y="1270669"/>
+            <a:ext cx="2194560" cy="936154"/>
           </a:xfrm>
           <a:prstGeom prst="rect">
             <a:avLst/>
@@ -7169,7 +7685,7 @@
               </a:spcBef>
             </a:pPr>
             <a:r>
-              <a:rPr lang="ja-JP" sz="900" dirty="0">
+              <a:rPr lang="ja-JP" sz="1000">
                 <a:solidFill>
                   <a:srgbClr val="4B4B4B"/>
                 </a:solidFill>
@@ -7191,14 +7707,14 @@
           <p:nvPr/>
         </p:nvPicPr>
         <p:blipFill>
-          <a:blip r:embed="rId3" cstate="print"/>
+          <a:blip r:embed="rId4" cstate="print"/>
           <a:stretch>
             <a:fillRect/>
           </a:stretch>
         </p:blipFill>
         <p:spPr>
           <a:xfrm>
-            <a:off x="2768925" y="1066800"/>
+            <a:off x="2768925" y="927654"/>
             <a:ext cx="365760" cy="365760"/>
           </a:xfrm>
           <a:prstGeom prst="rect">
@@ -7215,15 +7731,15 @@
           <p:nvPr/>
         </p:nvPicPr>
         <p:blipFill>
-          <a:blip r:embed="rId4" cstate="print"/>
+          <a:blip r:embed="rId5" cstate="print"/>
           <a:stretch>
             <a:fillRect/>
           </a:stretch>
         </p:blipFill>
         <p:spPr>
           <a:xfrm>
-            <a:off x="5294417" y="2503114"/>
-            <a:ext cx="292526" cy="292526"/>
+            <a:off x="5257800" y="2353028"/>
+            <a:ext cx="365760" cy="365760"/>
           </a:xfrm>
           <a:prstGeom prst="rect">
             <a:avLst/>
@@ -7238,8 +7754,8 @@
         </p:nvSpPr>
         <p:spPr>
           <a:xfrm>
-            <a:off x="5333365" y="1433668"/>
-            <a:ext cx="2194560" cy="705321"/>
+            <a:off x="5280025" y="1270669"/>
+            <a:ext cx="2194560" cy="936154"/>
           </a:xfrm>
           <a:prstGeom prst="rect">
             <a:avLst/>
@@ -7260,7 +7776,7 @@
               </a:spcBef>
             </a:pPr>
             <a:r>
-              <a:rPr lang="ja-JP" sz="900" dirty="0">
+              <a:rPr lang="ja-JP" sz="1000">
                 <a:solidFill>
                   <a:srgbClr val="4B4B4B"/>
                 </a:solidFill>
@@ -7282,14 +7798,14 @@
           <p:nvPr/>
         </p:nvPicPr>
         <p:blipFill>
-          <a:blip r:embed="rId5" cstate="print"/>
+          <a:blip r:embed="rId6" cstate="print"/>
           <a:stretch>
             <a:fillRect/>
           </a:stretch>
         </p:blipFill>
         <p:spPr>
           <a:xfrm>
-            <a:off x="2768925" y="2432207"/>
+            <a:off x="2768925" y="2292068"/>
             <a:ext cx="241555" cy="365760"/>
           </a:xfrm>
           <a:prstGeom prst="rect">
@@ -7305,8 +7821,8 @@
         </p:nvSpPr>
         <p:spPr>
           <a:xfrm>
-            <a:off x="324341" y="1433668"/>
-            <a:ext cx="2273188" cy="843821"/>
+            <a:off x="339971" y="1270669"/>
+            <a:ext cx="2273188" cy="936154"/>
           </a:xfrm>
           <a:prstGeom prst="rect">
             <a:avLst/>
@@ -7327,7 +7843,7 @@
               </a:spcBef>
             </a:pPr>
             <a:r>
-              <a:rPr lang="ja-JP" sz="900" dirty="0">
+              <a:rPr lang="ja-JP" sz="1000" dirty="0">
                 <a:solidFill>
                   <a:srgbClr val="020302"/>
                 </a:solidFill>
@@ -7348,8 +7864,8 @@
         </p:nvSpPr>
         <p:spPr>
           <a:xfrm>
-            <a:off x="689237" y="1084335"/>
-            <a:ext cx="1861191" cy="338554"/>
+            <a:off x="689237" y="917526"/>
+            <a:ext cx="1804414" cy="338554"/>
           </a:xfrm>
           <a:prstGeom prst="rect">
             <a:avLst/>
@@ -7374,32 +7890,11 @@
                 <a:solidFill>
                   <a:srgbClr val="020302"/>
                 </a:solidFill>
-                <a:latin typeface="Adobe Clean Han Regular" panose="020B0500000000000000" pitchFamily="34" charset="-128"/>
-                <a:ea typeface="Adobe Clean Han Regular" panose="020B0500000000000000" pitchFamily="34" charset="-128"/>
+                <a:latin typeface="Adobe Clean Han Bold" panose="020B0600000000000000" pitchFamily="34" charset="-128"/>
+                <a:ea typeface="Adobe Clean Han Bold" panose="020B0600000000000000" pitchFamily="34" charset="-128"/>
                 <a:cs typeface="Arial"/>
               </a:rPr>
-              <a:t>テクニカルアカウント</a:t>
-            </a:r>
-            <a:br>
-              <a:rPr lang="en-US" altLang="ja-JP" sz="1100" b="1" dirty="0">
-                <a:solidFill>
-                  <a:srgbClr val="020302"/>
-                </a:solidFill>
-                <a:latin typeface="Adobe Clean Han Regular" panose="020B0500000000000000" pitchFamily="34" charset="-128"/>
-                <a:ea typeface="Adobe Clean Han Regular" panose="020B0500000000000000" pitchFamily="34" charset="-128"/>
-                <a:cs typeface="Arial"/>
-              </a:rPr>
-            </a:br>
-            <a:r>
-              <a:rPr lang="ja-JP" sz="1100" b="1" dirty="0">
-                <a:solidFill>
-                  <a:srgbClr val="020302"/>
-                </a:solidFill>
-                <a:latin typeface="Adobe Clean Han Regular" panose="020B0500000000000000" pitchFamily="34" charset="-128"/>
-                <a:ea typeface="Adobe Clean Han Regular" panose="020B0500000000000000" pitchFamily="34" charset="-128"/>
-                <a:cs typeface="Arial"/>
-              </a:rPr>
-              <a:t>マネージャー</a:t>
+              <a:t>テクニカルアカウントマネージャー</a:t>
             </a:r>
           </a:p>
         </p:txBody>
@@ -7413,14 +7908,14 @@
           <p:nvPr/>
         </p:nvPicPr>
         <p:blipFill>
-          <a:blip r:embed="rId6" cstate="print"/>
+          <a:blip r:embed="rId7" cstate="print"/>
           <a:stretch>
             <a:fillRect/>
           </a:stretch>
         </p:blipFill>
         <p:spPr>
           <a:xfrm>
-            <a:off x="228600" y="1066800"/>
+            <a:off x="228600" y="927654"/>
             <a:ext cx="365760" cy="365760"/>
           </a:xfrm>
           <a:prstGeom prst="rect">
@@ -7437,14 +7932,14 @@
           <p:nvPr/>
         </p:nvPicPr>
         <p:blipFill>
-          <a:blip r:embed="rId7" cstate="print"/>
+          <a:blip r:embed="rId8" cstate="print"/>
           <a:stretch>
             <a:fillRect/>
           </a:stretch>
         </p:blipFill>
         <p:spPr>
           <a:xfrm>
-            <a:off x="5257800" y="1066800"/>
+            <a:off x="5257800" y="927654"/>
             <a:ext cx="365760" cy="365760"/>
           </a:xfrm>
           <a:prstGeom prst="rect">
@@ -7460,8 +7955,8 @@
         </p:nvSpPr>
         <p:spPr>
           <a:xfrm>
-            <a:off x="2791726" y="5111840"/>
-            <a:ext cx="2194560" cy="605743"/>
+            <a:off x="2791726" y="5094835"/>
+            <a:ext cx="2194560" cy="672877"/>
           </a:xfrm>
           <a:prstGeom prst="rect">
             <a:avLst/>
@@ -7482,7 +7977,7 @@
               </a:spcBef>
             </a:pPr>
             <a:r>
-              <a:rPr lang="ja-JP" sz="900" dirty="0">
+              <a:rPr lang="ja-JP" sz="1000">
                 <a:solidFill>
                   <a:srgbClr val="020302"/>
                 </a:solidFill>
@@ -7503,8 +7998,8 @@
         </p:nvSpPr>
         <p:spPr>
           <a:xfrm>
-            <a:off x="5265661" y="5111840"/>
-            <a:ext cx="2308619" cy="605743"/>
+            <a:off x="5265660" y="5094835"/>
+            <a:ext cx="2383494" cy="671915"/>
           </a:xfrm>
           <a:prstGeom prst="rect">
             <a:avLst/>
@@ -7525,7 +8020,7 @@
               </a:spcBef>
             </a:pPr>
             <a:r>
-              <a:rPr lang="ja-JP" sz="900" spc="-30" dirty="0">
+              <a:rPr lang="ja-JP" sz="1000" spc="-30" dirty="0">
                 <a:solidFill>
                   <a:srgbClr val="020302"/>
                 </a:solidFill>
@@ -7546,8 +8041,8 @@
         </p:nvSpPr>
         <p:spPr>
           <a:xfrm>
-            <a:off x="324341" y="5160604"/>
-            <a:ext cx="2333134" cy="792396"/>
+            <a:off x="324340" y="5113119"/>
+            <a:ext cx="2226087" cy="879280"/>
           </a:xfrm>
           <a:prstGeom prst="rect">
             <a:avLst/>
@@ -7559,7 +8054,7 @@
           </a:bodyPr>
           <a:lstStyle/>
           <a:p>
-            <a:pPr marL="12700" marR="5080" indent="6350">
+            <a:pPr marL="12700" marR="5080" indent="97790">
               <a:lnSpc>
                 <a:spcPct val="116199"/>
               </a:lnSpc>
@@ -7568,7 +8063,7 @@
               </a:spcBef>
             </a:pPr>
             <a:r>
-              <a:rPr lang="ja-JP" sz="900" dirty="0">
+              <a:rPr lang="ja-JP" sz="1000" spc="-30" dirty="0">
                 <a:solidFill>
                   <a:srgbClr val="020302"/>
                 </a:solidFill>
@@ -7577,49 +8072,6 @@
                 <a:cs typeface="AdobeClean-Light"/>
               </a:rPr>
               <a:t>最新のイノベーションを活用するために新製品の機能についてパーソナライズされたガイダンスを受けたり、アドビのエキスパートがリリースやアップグレード計画をレビューしたりします。</a:t>
-            </a:r>
-          </a:p>
-        </p:txBody>
-      </p:sp>
-      <p:sp>
-        <p:nvSpPr>
-          <p:cNvPr id="54" name="object 54"/>
-          <p:cNvSpPr txBox="1"/>
-          <p:nvPr/>
-        </p:nvSpPr>
-        <p:spPr>
-          <a:xfrm>
-            <a:off x="97787" y="9888626"/>
-            <a:ext cx="2202180" cy="149860"/>
-          </a:xfrm>
-          <a:prstGeom prst="rect">
-            <a:avLst/>
-          </a:prstGeom>
-        </p:spPr>
-        <p:txBody>
-          <a:bodyPr vert="horz" wrap="square" lIns="0" tIns="10160" rIns="0" bIns="0" rtlCol="0">
-            <a:spAutoFit/>
-          </a:bodyPr>
-          <a:lstStyle/>
-          <a:p>
-            <a:pPr marL="12700">
-              <a:lnSpc>
-                <a:spcPct val="100000"/>
-              </a:lnSpc>
-              <a:spcBef>
-                <a:spcPts val="80"/>
-              </a:spcBef>
-            </a:pPr>
-            <a:r>
-              <a:rPr lang="ja-JP" sz="800">
-                <a:solidFill>
-                  <a:srgbClr val="6D6D6D"/>
-                </a:solidFill>
-                <a:latin typeface="Adobe Clean"/>
-                <a:ea typeface="MS Mincho"/>
-                <a:cs typeface="Adobe Clean"/>
-              </a:rPr>
-              <a:t>©2021 Adobe.All Rights Reserved.Adobe Confidential.</a:t>
             </a:r>
           </a:p>
         </p:txBody>
@@ -7639,13 +8091,13 @@
           <p:nvPr/>
         </p:nvPicPr>
         <p:blipFill>
-          <a:blip r:embed="rId8" cstate="print">
+          <a:blip r:embed="rId9" cstate="print">
             <a:extLst>
               <a:ext uri="{28A0092B-C50C-407E-A947-70E740481C1C}">
                 <a14:useLocalDpi xmlns:a14="http://schemas.microsoft.com/office/drawing/2010/main" val="0"/>
               </a:ext>
               <a:ext uri="{96DAC541-7B7A-43D3-8B79-37D633B846F1}">
-                <asvg:svgBlip xmlns:asvg="http://schemas.microsoft.com/office/drawing/2016/SVG/main" r:embed="rId9"/>
+                <asvg:svgBlip xmlns:asvg="http://schemas.microsoft.com/office/drawing/2016/SVG/main" r:embed="rId10"/>
               </a:ext>
             </a:extLst>
           </a:blip>
@@ -7655,7 +8107,7 @@
         </p:blipFill>
         <p:spPr>
           <a:xfrm>
-            <a:off x="228599" y="2403989"/>
+            <a:off x="228599" y="2263850"/>
             <a:ext cx="365760" cy="365760"/>
           </a:xfrm>
           <a:prstGeom prst="rect">
@@ -7677,8 +8129,8 @@
         </p:nvSpPr>
         <p:spPr>
           <a:xfrm>
-            <a:off x="2875546" y="8793787"/>
-            <a:ext cx="2194560" cy="1007968"/>
+            <a:off x="2791726" y="8825926"/>
+            <a:ext cx="2356744" cy="1102866"/>
           </a:xfrm>
           <a:prstGeom prst="rect">
             <a:avLst/>
@@ -7702,7 +8154,7 @@
               </a:tabLst>
             </a:pPr>
             <a:r>
-              <a:rPr lang="ja-JP" sz="900" dirty="0">
+              <a:rPr lang="ja-JP" sz="1000" dirty="0">
                 <a:solidFill>
                   <a:srgbClr val="020302"/>
                 </a:solidFill>
@@ -7726,7 +8178,7 @@
               </a:tabLst>
             </a:pPr>
             <a:r>
-              <a:rPr lang="ja-JP" sz="900" i="1" dirty="0">
+              <a:rPr lang="ja-JP" sz="1000" i="1" dirty="0">
                 <a:solidFill>
                   <a:srgbClr val="7A7A7A"/>
                 </a:solidFill>
@@ -7734,31 +8186,10 @@
                 <a:ea typeface="Adobe Clean Han Light" panose="020B0300000000000000" pitchFamily="34" charset="-128"/>
                 <a:cs typeface="AdobeClean-LightIt"/>
               </a:rPr>
-              <a:t>* すべての製品にライブチャットサポートがあるわけではありません。  </a:t>
-            </a:r>
-            <a:endParaRPr lang="en-US" altLang="ja-JP" sz="900" i="1" dirty="0">
-              <a:solidFill>
-                <a:srgbClr val="7A7A7A"/>
-              </a:solidFill>
-              <a:latin typeface="Adobe Clean Han Light" panose="020B0300000000000000" pitchFamily="34" charset="-128"/>
-              <a:ea typeface="Adobe Clean Han Light" panose="020B0300000000000000" pitchFamily="34" charset="-128"/>
-              <a:cs typeface="AdobeClean-LightIt"/>
-            </a:endParaRPr>
-          </a:p>
-          <a:p>
-            <a:pPr marL="33020" marR="159385">
-              <a:lnSpc>
-                <a:spcPct val="100000"/>
-              </a:lnSpc>
-              <a:spcBef>
-                <a:spcPts val="100"/>
-              </a:spcBef>
-              <a:tabLst>
-                <a:tab pos="1786889" algn="l"/>
-              </a:tabLst>
-            </a:pPr>
-            <a:r>
-              <a:rPr lang="ja-JP" altLang="en-US" sz="900" i="1" dirty="0">
+              <a:t>* すべての製品にライブチャットサポートがあるわけではありません。</a:t>
+            </a:r>
+            <a:br>
+              <a:rPr lang="ja-JP" sz="1000" i="1" dirty="0">
                 <a:solidFill>
                   <a:srgbClr val="7A7A7A"/>
                 </a:solidFill>
@@ -7766,16 +8197,29 @@
                 <a:ea typeface="Adobe Clean Han Light" panose="020B0300000000000000" pitchFamily="34" charset="-128"/>
                 <a:cs typeface="AdobeClean-LightIt"/>
               </a:rPr>
-              <a:t>* チャットサポートは日本語に対応していません。</a:t>
-            </a:r>
-            <a:endParaRPr lang="ja-JP" sz="900" i="1" dirty="0">
-              <a:solidFill>
-                <a:srgbClr val="7A7A7A"/>
-              </a:solidFill>
-              <a:latin typeface="Adobe Clean Han Light" panose="020B0300000000000000" pitchFamily="34" charset="-128"/>
-              <a:ea typeface="Adobe Clean Han Light" panose="020B0300000000000000" pitchFamily="34" charset="-128"/>
-              <a:cs typeface="AdobeClean-LightIt"/>
-            </a:endParaRPr>
+            </a:br>
+            <a:r>
+              <a:rPr lang="ja-JP" sz="1000" i="1" dirty="0">
+                <a:solidFill>
+                  <a:srgbClr val="7A7A7A"/>
+                </a:solidFill>
+                <a:latin typeface="Adobe Clean Han Light" panose="020B0300000000000000" pitchFamily="34" charset="-128"/>
+                <a:ea typeface="Adobe Clean Han Light" panose="020B0300000000000000" pitchFamily="34" charset="-128"/>
+                <a:cs typeface="AdobeClean-LightIt"/>
+              </a:rPr>
+              <a:t>* チャットサポートは日本語に対応していません</a:t>
+            </a:r>
+            <a:r>
+              <a:rPr lang="ja-JP" sz="900" i="1" dirty="0">
+                <a:solidFill>
+                  <a:srgbClr val="7A7A7A"/>
+                </a:solidFill>
+                <a:latin typeface="Adobe Clean Han Light" panose="020B0300000000000000" pitchFamily="34" charset="-128"/>
+                <a:ea typeface="Adobe Clean Han Light" panose="020B0300000000000000" pitchFamily="34" charset="-128"/>
+                <a:cs typeface="AdobeClean-LightIt"/>
+              </a:rPr>
+              <a:t>。  </a:t>
+            </a:r>
           </a:p>
         </p:txBody>
       </p:sp>
@@ -7795,8 +8239,8 @@
         </p:nvSpPr>
         <p:spPr>
           <a:xfrm>
-            <a:off x="689237" y="6566414"/>
-            <a:ext cx="1829664" cy="184666"/>
+            <a:off x="689237" y="6607829"/>
+            <a:ext cx="1804414" cy="184666"/>
           </a:xfrm>
           <a:prstGeom prst="rect">
             <a:avLst/>
@@ -7850,8 +8294,8 @@
         </p:nvSpPr>
         <p:spPr>
           <a:xfrm>
-            <a:off x="689237" y="6769600"/>
-            <a:ext cx="1720294" cy="184666"/>
+            <a:off x="689237" y="6811014"/>
+            <a:ext cx="1861190" cy="184666"/>
           </a:xfrm>
           <a:prstGeom prst="rect">
             <a:avLst/>
@@ -7873,8 +8317,8 @@
             </a:pPr>
             <a:r>
               <a:rPr lang="ja-JP" sz="1200" b="1" dirty="0">
-                <a:latin typeface="Adobe Clean Han Regular" panose="020B0500000000000000" pitchFamily="34" charset="-128"/>
-                <a:ea typeface="Adobe Clean Han Regular" panose="020B0500000000000000" pitchFamily="34" charset="-128"/>
+                <a:latin typeface="Adobe Clean Han Bold" panose="020B0600000000000000" pitchFamily="34" charset="-128"/>
+                <a:ea typeface="Adobe Clean Han Bold" panose="020B0600000000000000" pitchFamily="34" charset="-128"/>
                 <a:cs typeface="Open Sans" pitchFamily="34" charset="0"/>
               </a:rPr>
               <a:t>オンラインフォーラム</a:t>
@@ -7896,8 +8340,8 @@
         </p:nvSpPr>
         <p:spPr>
           <a:xfrm>
-            <a:off x="324341" y="6961861"/>
-            <a:ext cx="2194560" cy="866904"/>
+            <a:off x="324341" y="7003276"/>
+            <a:ext cx="2194560" cy="1113125"/>
           </a:xfrm>
           <a:prstGeom prst="rect">
             <a:avLst/>
@@ -7910,7 +8354,7 @@
           <a:lstStyle/>
           <a:p>
             <a:r>
-              <a:rPr lang="ja-JP" sz="900" dirty="0">
+              <a:rPr lang="ja-JP" sz="1000" dirty="0">
                 <a:solidFill>
                   <a:srgbClr val="4B4B4B"/>
                 </a:solidFill>
@@ -7938,7 +8382,7 @@
         </p:nvSpPr>
         <p:spPr>
           <a:xfrm>
-            <a:off x="5723508" y="6566414"/>
+            <a:off x="5723508" y="6607829"/>
             <a:ext cx="1463040" cy="184666"/>
           </a:xfrm>
           <a:prstGeom prst="rect">
@@ -7965,7 +8409,7 @@
               <a:defRPr/>
             </a:pPr>
             <a:r>
-              <a:rPr lang="ja-JP" sz="1200">
+              <a:rPr lang="ja-JP" sz="1200" dirty="0">
                 <a:solidFill>
                   <a:srgbClr val="000000"/>
                 </a:solidFill>
@@ -7993,7 +8437,7 @@
         </p:nvSpPr>
         <p:spPr>
           <a:xfrm>
-            <a:off x="5723508" y="6769600"/>
+            <a:off x="5723508" y="6811015"/>
             <a:ext cx="1745671" cy="184666"/>
           </a:xfrm>
           <a:prstGeom prst="rect">
@@ -8015,9 +8459,9 @@
               </a:spcAft>
             </a:pPr>
             <a:r>
-              <a:rPr lang="ja-JP" sz="1200" b="1" dirty="0">
-                <a:latin typeface="Adobe Clean Han Regular" panose="020B0500000000000000" pitchFamily="34" charset="-128"/>
-                <a:ea typeface="Adobe Clean Han Regular" panose="020B0500000000000000" pitchFamily="34" charset="-128"/>
+              <a:rPr lang="ja-JP" sz="1200" b="1">
+                <a:latin typeface="Adobe Clean Han Bold" panose="020B0600000000000000" pitchFamily="34" charset="-128"/>
+                <a:ea typeface="Adobe Clean Han Bold" panose="020B0600000000000000" pitchFamily="34" charset="-128"/>
                 <a:cs typeface="Open Sans" pitchFamily="34" charset="0"/>
               </a:rPr>
               <a:t>セルフガイドジャーニー</a:t>
@@ -8039,8 +8483,8 @@
         </p:nvSpPr>
         <p:spPr>
           <a:xfrm>
-            <a:off x="5265660" y="6961861"/>
-            <a:ext cx="2360419" cy="1005403"/>
+            <a:off x="5265661" y="7003276"/>
+            <a:ext cx="2262264" cy="1267014"/>
           </a:xfrm>
           <a:prstGeom prst="rect">
             <a:avLst/>
@@ -8053,7 +8497,7 @@
           <a:lstStyle/>
           <a:p>
             <a:r>
-              <a:rPr lang="ja-JP" sz="900" dirty="0">
+              <a:rPr lang="ja-JP" sz="1000" spc="-30" dirty="0">
                 <a:solidFill>
                   <a:srgbClr val="4B4B4B"/>
                 </a:solidFill>
@@ -8081,8 +8525,8 @@
         </p:nvSpPr>
         <p:spPr>
           <a:xfrm>
-            <a:off x="3285364" y="8293530"/>
-            <a:ext cx="1820036" cy="184666"/>
+            <a:off x="3201544" y="8381328"/>
+            <a:ext cx="1944863" cy="184666"/>
           </a:xfrm>
           <a:prstGeom prst="rect">
             <a:avLst/>
@@ -8108,7 +8552,7 @@
               <a:defRPr/>
             </a:pPr>
             <a:r>
-              <a:rPr lang="ja-JP" sz="1200" spc="-30" dirty="0">
+              <a:rPr lang="ja-JP" sz="1200" dirty="0">
                 <a:solidFill>
                   <a:srgbClr val="000000"/>
                 </a:solidFill>
@@ -8136,7 +8580,7 @@
         </p:nvSpPr>
         <p:spPr>
           <a:xfrm>
-            <a:off x="3285364" y="8474749"/>
+            <a:off x="3201544" y="8562547"/>
             <a:ext cx="1269578" cy="184666"/>
           </a:xfrm>
           <a:prstGeom prst="rect">
@@ -8159,8 +8603,8 @@
             </a:pPr>
             <a:r>
               <a:rPr lang="ja-JP" sz="1200" b="1">
-                <a:latin typeface="Adobe Clean Han Regular" panose="020B0500000000000000" pitchFamily="34" charset="-128"/>
-                <a:ea typeface="Adobe Clean Han Regular" panose="020B0500000000000000" pitchFamily="34" charset="-128"/>
+                <a:latin typeface="Adobe Clean Han Bold" panose="020B0600000000000000" pitchFamily="34" charset="-128"/>
+                <a:ea typeface="Adobe Clean Han Bold" panose="020B0600000000000000" pitchFamily="34" charset="-128"/>
                 <a:cs typeface="Open Sans" pitchFamily="34" charset="0"/>
               </a:rPr>
               <a:t>チャットサポート</a:t>
@@ -8184,7 +8628,7 @@
         </p:nvSpPr>
         <p:spPr>
           <a:xfrm>
-            <a:off x="3285364" y="6566414"/>
+            <a:off x="3201544" y="6607829"/>
             <a:ext cx="2520000" cy="184666"/>
           </a:xfrm>
           <a:prstGeom prst="rect">
@@ -8239,7 +8683,7 @@
         </p:nvSpPr>
         <p:spPr>
           <a:xfrm>
-            <a:off x="3285364" y="6769600"/>
+            <a:off x="3201544" y="6811015"/>
             <a:ext cx="952184" cy="184666"/>
           </a:xfrm>
           <a:prstGeom prst="rect">
@@ -8261,9 +8705,9 @@
               </a:spcAft>
             </a:pPr>
             <a:r>
-              <a:rPr lang="ja-JP" sz="1200" b="1" dirty="0">
-                <a:latin typeface="Adobe Clean Han Regular" panose="020B0500000000000000" pitchFamily="34" charset="-128"/>
-                <a:ea typeface="Adobe Clean Han Regular" panose="020B0500000000000000" pitchFamily="34" charset="-128"/>
+              <a:rPr lang="ja-JP" sz="1200" b="1">
+                <a:latin typeface="Adobe Clean Han Bold" panose="020B0600000000000000" pitchFamily="34" charset="-128"/>
+                <a:ea typeface="Adobe Clean Han Bold" panose="020B0600000000000000" pitchFamily="34" charset="-128"/>
                 <a:cs typeface="Open Sans" pitchFamily="34" charset="0"/>
               </a:rPr>
               <a:t>電話サポート</a:t>
@@ -8285,8 +8729,8 @@
         </p:nvSpPr>
         <p:spPr>
           <a:xfrm>
-            <a:off x="2875546" y="6961861"/>
-            <a:ext cx="2194560" cy="866904"/>
+            <a:off x="2791726" y="7003276"/>
+            <a:ext cx="2194560" cy="959237"/>
           </a:xfrm>
           <a:prstGeom prst="rect">
             <a:avLst/>
@@ -8299,7 +8743,7 @@
           <a:lstStyle/>
           <a:p>
             <a:r>
-              <a:rPr lang="ja-JP" sz="900" dirty="0">
+              <a:rPr lang="ja-JP" sz="1000" dirty="0">
                 <a:solidFill>
                   <a:srgbClr val="020302"/>
                 </a:solidFill>
@@ -8309,7 +8753,7 @@
               <a:t>承認済みユーザーまたは</a:t>
             </a:r>
             <a:r>
-              <a:rPr lang="ja-JP" sz="900" b="1" dirty="0">
+              <a:rPr lang="ja-JP" sz="1000" b="1" dirty="0">
                 <a:solidFill>
                   <a:srgbClr val="020302"/>
                 </a:solidFill>
@@ -8319,7 +8763,7 @@
               <a:t>サポート対象ユーザー</a:t>
             </a:r>
             <a:r>
-              <a:rPr lang="ja-JP" sz="900" dirty="0">
+              <a:rPr lang="ja-JP" sz="1000" dirty="0">
                 <a:latin typeface="Adobe Clean Han Light" panose="020B0300000000000000" pitchFamily="34" charset="-128"/>
                 <a:ea typeface="Adobe Clean Han Light" panose="020B0300000000000000" pitchFamily="34" charset="-128"/>
               </a:rPr>
@@ -8342,8 +8786,8 @@
         </p:nvSpPr>
         <p:spPr>
           <a:xfrm>
-            <a:off x="214971" y="6447157"/>
-            <a:ext cx="2194560" cy="45719"/>
+            <a:off x="214971" y="6467035"/>
+            <a:ext cx="1848207" cy="45719"/>
           </a:xfrm>
           <a:custGeom>
             <a:avLst/>
@@ -8392,7 +8836,7 @@
         </p:nvSpPr>
         <p:spPr>
           <a:xfrm>
-            <a:off x="689237" y="8293530"/>
+            <a:off x="689237" y="8381328"/>
             <a:ext cx="991521" cy="184666"/>
           </a:xfrm>
           <a:prstGeom prst="rect">
@@ -8419,7 +8863,7 @@
               <a:defRPr/>
             </a:pPr>
             <a:r>
-              <a:rPr lang="ja-JP" sz="1200">
+              <a:rPr lang="ja-JP" sz="1200" dirty="0">
                 <a:solidFill>
                   <a:srgbClr val="000000"/>
                 </a:solidFill>
@@ -8447,7 +8891,7 @@
         </p:nvSpPr>
         <p:spPr>
           <a:xfrm>
-            <a:off x="689237" y="8474749"/>
+            <a:off x="689237" y="8562547"/>
             <a:ext cx="793487" cy="184666"/>
           </a:xfrm>
           <a:prstGeom prst="rect">
@@ -8470,8 +8914,8 @@
             </a:pPr>
             <a:r>
               <a:rPr lang="ja-JP" sz="1200" b="1">
-                <a:latin typeface="Adobe Clean Han Regular" panose="020B0500000000000000" pitchFamily="34" charset="-128"/>
-                <a:ea typeface="Adobe Clean Han Regular" panose="020B0500000000000000" pitchFamily="34" charset="-128"/>
+                <a:latin typeface="Adobe Clean Han Bold" panose="020B0600000000000000" pitchFamily="34" charset="-128"/>
+                <a:ea typeface="Adobe Clean Han Bold" panose="020B0600000000000000" pitchFamily="34" charset="-128"/>
                 <a:cs typeface="Open Sans" pitchFamily="34" charset="0"/>
               </a:rPr>
               <a:t>ウェビナー</a:t>
@@ -8493,8 +8937,8 @@
         </p:nvSpPr>
         <p:spPr>
           <a:xfrm>
-            <a:off x="355868" y="8759359"/>
-            <a:ext cx="2435858" cy="866904"/>
+            <a:off x="355868" y="8791498"/>
+            <a:ext cx="2194560" cy="1113125"/>
           </a:xfrm>
           <a:prstGeom prst="rect">
             <a:avLst/>
@@ -8507,7 +8951,7 @@
           <a:lstStyle/>
           <a:p>
             <a:r>
-              <a:rPr lang="ja-JP" sz="900" spc="-30" dirty="0">
+              <a:rPr lang="ja-JP" sz="1000" dirty="0">
                 <a:solidFill>
                   <a:srgbClr val="4B4B4B"/>
                 </a:solidFill>
@@ -8535,7 +8979,7 @@
         </p:nvSpPr>
         <p:spPr>
           <a:xfrm>
-            <a:off x="5723507" y="8205900"/>
+            <a:off x="5723507" y="8381328"/>
             <a:ext cx="2015239" cy="184666"/>
           </a:xfrm>
           <a:prstGeom prst="rect">
@@ -8590,41 +9034,31 @@
         </p:nvSpPr>
         <p:spPr>
           <a:xfrm>
-            <a:off x="5723508" y="8387119"/>
-            <a:ext cx="1328056" cy="369332"/>
+            <a:off x="5723508" y="8562547"/>
+            <a:ext cx="1693024" cy="333425"/>
           </a:xfrm>
           <a:prstGeom prst="rect">
             <a:avLst/>
           </a:prstGeom>
         </p:spPr>
         <p:txBody>
-          <a:bodyPr wrap="none" lIns="0" tIns="0" rIns="0" bIns="0">
+          <a:bodyPr wrap="square" lIns="0" tIns="0" rIns="0" bIns="0">
             <a:spAutoFit/>
           </a:bodyPr>
           <a:lstStyle/>
           <a:p>
+            <a:pPr>
+              <a:lnSpc>
+                <a:spcPts val="1300"/>
+              </a:lnSpc>
+            </a:pPr>
             <a:r>
               <a:rPr lang="ja-JP" sz="1200" b="1" dirty="0">
-                <a:latin typeface="Adobe Clean Han Regular" panose="020B0500000000000000" pitchFamily="34" charset="-128"/>
-                <a:ea typeface="Adobe Clean Han Regular" panose="020B0500000000000000" pitchFamily="34" charset="-128"/>
+                <a:latin typeface="Adobe Clean Han Bold" panose="020B0600000000000000" pitchFamily="34" charset="-128"/>
+                <a:ea typeface="Adobe Clean Han Bold" panose="020B0600000000000000" pitchFamily="34" charset="-128"/>
                 <a:cs typeface="Open Sans" pitchFamily="34" charset="0"/>
               </a:rPr>
-              <a:t>24 時間年中無休の</a:t>
-            </a:r>
-            <a:endParaRPr lang="sk-SK" altLang="ja-JP" sz="1200" b="1" dirty="0">
-              <a:latin typeface="Adobe Clean Han Regular" panose="020B0500000000000000" pitchFamily="34" charset="-128"/>
-              <a:ea typeface="Adobe Clean Han Regular" panose="020B0500000000000000" pitchFamily="34" charset="-128"/>
-              <a:cs typeface="Open Sans" pitchFamily="34" charset="0"/>
-            </a:endParaRPr>
-          </a:p>
-          <a:p>
-            <a:r>
-              <a:rPr lang="ja-JP" sz="1200" b="1" dirty="0">
-                <a:latin typeface="Adobe Clean Han Regular" panose="020B0500000000000000" pitchFamily="34" charset="-128"/>
-                <a:ea typeface="Adobe Clean Han Regular" panose="020B0500000000000000" pitchFamily="34" charset="-128"/>
-                <a:cs typeface="Open Sans" pitchFamily="34" charset="0"/>
-              </a:rPr>
-              <a:t>サポートポータル</a:t>
+              <a:t>24 時間年中無休のサポートポータル</a:t>
             </a:r>
           </a:p>
         </p:txBody>
@@ -8643,8 +9077,8 @@
         </p:nvSpPr>
         <p:spPr>
           <a:xfrm>
-            <a:off x="5265661" y="8720381"/>
-            <a:ext cx="2360418" cy="866904"/>
+            <a:off x="5265661" y="8818118"/>
+            <a:ext cx="2262264" cy="1113125"/>
           </a:xfrm>
           <a:prstGeom prst="rect">
             <a:avLst/>
@@ -8657,7 +9091,7 @@
           <a:lstStyle/>
           <a:p>
             <a:r>
-              <a:rPr lang="ja-JP" sz="900" dirty="0">
+              <a:rPr lang="ja-JP" sz="1000" dirty="0">
                 <a:solidFill>
                   <a:srgbClr val="4B4B4B"/>
                 </a:solidFill>
@@ -8684,13 +9118,13 @@
           <p:nvPr/>
         </p:nvPicPr>
         <p:blipFill>
-          <a:blip r:embed="rId10">
+          <a:blip r:embed="rId11">
             <a:extLst>
               <a:ext uri="{28A0092B-C50C-407E-A947-70E740481C1C}">
                 <a14:useLocalDpi xmlns:a14="http://schemas.microsoft.com/office/drawing/2010/main" val="0"/>
               </a:ext>
               <a:ext uri="{96DAC541-7B7A-43D3-8B79-37D633B846F1}">
-                <asvg:svgBlip xmlns:asvg="http://schemas.microsoft.com/office/drawing/2016/SVG/main" r:embed="rId11"/>
+                <asvg:svgBlip xmlns:asvg="http://schemas.microsoft.com/office/drawing/2016/SVG/main" r:embed="rId12"/>
               </a:ext>
             </a:extLst>
           </a:blip>
@@ -8700,7 +9134,7 @@
         </p:blipFill>
         <p:spPr>
           <a:xfrm>
-            <a:off x="2852745" y="6581454"/>
+            <a:off x="2768925" y="6622869"/>
             <a:ext cx="411480" cy="411480"/>
           </a:xfrm>
           <a:prstGeom prst="rect">
@@ -8723,13 +9157,13 @@
           <p:nvPr/>
         </p:nvPicPr>
         <p:blipFill>
-          <a:blip r:embed="rId12">
+          <a:blip r:embed="rId13">
             <a:extLst>
               <a:ext uri="{28A0092B-C50C-407E-A947-70E740481C1C}">
                 <a14:useLocalDpi xmlns:a14="http://schemas.microsoft.com/office/drawing/2010/main" val="0"/>
               </a:ext>
               <a:ext uri="{96DAC541-7B7A-43D3-8B79-37D633B846F1}">
-                <asvg:svgBlip xmlns:asvg="http://schemas.microsoft.com/office/drawing/2016/SVG/main" r:embed="rId13"/>
+                <asvg:svgBlip xmlns:asvg="http://schemas.microsoft.com/office/drawing/2016/SVG/main" r:embed="rId14"/>
               </a:ext>
             </a:extLst>
           </a:blip>
@@ -8739,7 +9173,7 @@
         </p:blipFill>
         <p:spPr>
           <a:xfrm>
-            <a:off x="228600" y="8293530"/>
+            <a:off x="228600" y="8381328"/>
             <a:ext cx="411480" cy="411480"/>
           </a:xfrm>
           <a:prstGeom prst="rect">
@@ -8762,13 +9196,13 @@
           <p:nvPr/>
         </p:nvPicPr>
         <p:blipFill>
-          <a:blip r:embed="rId14">
+          <a:blip r:embed="rId15">
             <a:extLst>
               <a:ext uri="{28A0092B-C50C-407E-A947-70E740481C1C}">
                 <a14:useLocalDpi xmlns:a14="http://schemas.microsoft.com/office/drawing/2010/main" val="0"/>
               </a:ext>
               <a:ext uri="{96DAC541-7B7A-43D3-8B79-37D633B846F1}">
-                <asvg:svgBlip xmlns:asvg="http://schemas.microsoft.com/office/drawing/2016/SVG/main" r:embed="rId15"/>
+                <asvg:svgBlip xmlns:asvg="http://schemas.microsoft.com/office/drawing/2016/SVG/main" r:embed="rId16"/>
               </a:ext>
             </a:extLst>
           </a:blip>
@@ -8778,7 +9212,7 @@
         </p:blipFill>
         <p:spPr>
           <a:xfrm>
-            <a:off x="228600" y="6542786"/>
+            <a:off x="228600" y="6584201"/>
             <a:ext cx="411480" cy="411480"/>
           </a:xfrm>
           <a:prstGeom prst="rect">
@@ -8801,13 +9235,13 @@
           <p:nvPr/>
         </p:nvPicPr>
         <p:blipFill>
-          <a:blip r:embed="rId16">
+          <a:blip r:embed="rId17">
             <a:extLst>
               <a:ext uri="{28A0092B-C50C-407E-A947-70E740481C1C}">
                 <a14:useLocalDpi xmlns:a14="http://schemas.microsoft.com/office/drawing/2010/main" val="0"/>
               </a:ext>
               <a:ext uri="{96DAC541-7B7A-43D3-8B79-37D633B846F1}">
-                <asvg:svgBlip xmlns:asvg="http://schemas.microsoft.com/office/drawing/2016/SVG/main" r:embed="rId17"/>
+                <asvg:svgBlip xmlns:asvg="http://schemas.microsoft.com/office/drawing/2016/SVG/main" r:embed="rId18"/>
               </a:ext>
             </a:extLst>
           </a:blip>
@@ -8817,7 +9251,7 @@
         </p:blipFill>
         <p:spPr>
           <a:xfrm>
-            <a:off x="5257800" y="6557646"/>
+            <a:off x="5257800" y="6572391"/>
             <a:ext cx="411480" cy="411480"/>
           </a:xfrm>
           <a:prstGeom prst="rect">
@@ -8840,13 +9274,13 @@
           <p:nvPr/>
         </p:nvPicPr>
         <p:blipFill>
-          <a:blip r:embed="rId18">
+          <a:blip r:embed="rId19">
             <a:extLst>
               <a:ext uri="{28A0092B-C50C-407E-A947-70E740481C1C}">
                 <a14:useLocalDpi xmlns:a14="http://schemas.microsoft.com/office/drawing/2010/main" val="0"/>
               </a:ext>
               <a:ext uri="{96DAC541-7B7A-43D3-8B79-37D633B846F1}">
-                <asvg:svgBlip xmlns:asvg="http://schemas.microsoft.com/office/drawing/2016/SVG/main" r:embed="rId19"/>
+                <asvg:svgBlip xmlns:asvg="http://schemas.microsoft.com/office/drawing/2016/SVG/main" r:embed="rId20"/>
               </a:ext>
             </a:extLst>
           </a:blip>
@@ -8856,7 +9290,7 @@
         </p:blipFill>
         <p:spPr>
           <a:xfrm>
-            <a:off x="5257800" y="8293530"/>
+            <a:off x="5257800" y="8381328"/>
             <a:ext cx="411480" cy="411480"/>
           </a:xfrm>
           <a:prstGeom prst="rect">
@@ -8879,13 +9313,13 @@
           <p:nvPr/>
         </p:nvPicPr>
         <p:blipFill>
-          <a:blip r:embed="rId20">
+          <a:blip r:embed="rId21">
             <a:extLst>
               <a:ext uri="{28A0092B-C50C-407E-A947-70E740481C1C}">
                 <a14:useLocalDpi xmlns:a14="http://schemas.microsoft.com/office/drawing/2010/main" val="0"/>
               </a:ext>
               <a:ext uri="{96DAC541-7B7A-43D3-8B79-37D633B846F1}">
-                <asvg:svgBlip xmlns:asvg="http://schemas.microsoft.com/office/drawing/2016/SVG/main" r:embed="rId21"/>
+                <asvg:svgBlip xmlns:asvg="http://schemas.microsoft.com/office/drawing/2016/SVG/main" r:embed="rId22"/>
               </a:ext>
             </a:extLst>
           </a:blip>
@@ -8895,7 +9329,7 @@
         </p:blipFill>
         <p:spPr>
           <a:xfrm>
-            <a:off x="2860673" y="8293530"/>
+            <a:off x="2776853" y="8381328"/>
             <a:ext cx="411480" cy="411480"/>
           </a:xfrm>
           <a:prstGeom prst="rect">
@@ -8917,7 +9351,7 @@
         </p:nvSpPr>
         <p:spPr>
           <a:xfrm rot="5400000" flipH="1">
-            <a:off x="3863341" y="5295643"/>
+            <a:off x="3863341" y="5520931"/>
             <a:ext cx="45719" cy="5577840"/>
           </a:xfrm>
           <a:custGeom>
@@ -8972,8 +9406,8 @@
         </p:nvSpPr>
         <p:spPr>
           <a:xfrm>
-            <a:off x="214971" y="6124178"/>
-            <a:ext cx="2304477" cy="307777"/>
+            <a:off x="214971" y="6144056"/>
+            <a:ext cx="1751442" cy="307777"/>
           </a:xfrm>
           <a:prstGeom prst="rect">
             <a:avLst/>
@@ -8994,15 +9428,15 @@
               </a:spcBef>
             </a:pPr>
             <a:r>
-              <a:rPr lang="ja-JP" sz="1400" b="1">
+              <a:rPr lang="ja-JP" sz="1400" b="1" dirty="0">
                 <a:solidFill>
                   <a:srgbClr val="020302"/>
                 </a:solidFill>
-                <a:latin typeface="Adobe Clean Han Regular" panose="020B0500000000000000" pitchFamily="34" charset="-128"/>
-                <a:ea typeface="Adobe Clean Han Regular" panose="020B0500000000000000" pitchFamily="34" charset="-128"/>
+                <a:latin typeface="Adobe Clean Han Bold" panose="020B0600000000000000" pitchFamily="34" charset="-128"/>
+                <a:ea typeface="Adobe Clean Han Bold" panose="020B0600000000000000" pitchFamily="34" charset="-128"/>
                 <a:cs typeface="Adobe Clean"/>
               </a:rPr>
-              <a:t>オンラインサポートの特長</a:t>
+              <a:t>標準サポートの特長</a:t>
             </a:r>
           </a:p>
         </p:txBody>
@@ -9148,7 +9582,7 @@
         </p:nvSpPr>
         <p:spPr>
           <a:xfrm rot="5400000" flipH="1">
-            <a:off x="3863341" y="1832610"/>
+            <a:off x="3863341" y="1763535"/>
             <a:ext cx="45719" cy="5577840"/>
           </a:xfrm>
           <a:custGeom>
@@ -9203,8 +9637,8 @@
         </p:nvSpPr>
         <p:spPr>
           <a:xfrm>
-            <a:off x="324341" y="3963125"/>
-            <a:ext cx="2194560" cy="605743"/>
+            <a:off x="324341" y="3882620"/>
+            <a:ext cx="2194560" cy="672877"/>
           </a:xfrm>
           <a:prstGeom prst="rect">
             <a:avLst/>
@@ -9225,7 +9659,7 @@
               </a:spcBef>
             </a:pPr>
             <a:r>
-              <a:rPr lang="ja-JP" sz="900" dirty="0">
+              <a:rPr lang="ja-JP" sz="1000" dirty="0">
                 <a:solidFill>
                   <a:srgbClr val="020302"/>
                 </a:solidFill>
@@ -9233,7 +9667,28 @@
                 <a:ea typeface="Adobe Clean Han Light" panose="020B0300000000000000" pitchFamily="34" charset="-128"/>
                 <a:cs typeface="AdobeClean-Light"/>
               </a:rPr>
-              <a:t>ソリューションのデプロイメント、設定、全体的なアーキテクチャ（統合を含む）のプロアクティブなレビューを行います。</a:t>
+              <a:t>ソリューションのデプロイメント、設定、全体的なアーキテクチャ（統合を含む）のプロアクティ</a:t>
+            </a:r>
+            <a:br>
+              <a:rPr lang="cs-CZ" altLang="ja-JP" sz="1000" dirty="0">
+                <a:solidFill>
+                  <a:srgbClr val="020302"/>
+                </a:solidFill>
+                <a:latin typeface="Adobe Clean Han Light" panose="020B0300000000000000" pitchFamily="34" charset="-128"/>
+                <a:ea typeface="Adobe Clean Han Light" panose="020B0300000000000000" pitchFamily="34" charset="-128"/>
+                <a:cs typeface="AdobeClean-Light"/>
+              </a:rPr>
+            </a:br>
+            <a:r>
+              <a:rPr lang="ja-JP" sz="1000" dirty="0">
+                <a:solidFill>
+                  <a:srgbClr val="020302"/>
+                </a:solidFill>
+                <a:latin typeface="Adobe Clean Han Light" panose="020B0300000000000000" pitchFamily="34" charset="-128"/>
+                <a:ea typeface="Adobe Clean Han Light" panose="020B0300000000000000" pitchFamily="34" charset="-128"/>
+                <a:cs typeface="AdobeClean-Light"/>
+              </a:rPr>
+              <a:t>ブなレビューを行います。</a:t>
             </a:r>
           </a:p>
         </p:txBody>
@@ -9252,8 +9707,8 @@
         </p:nvSpPr>
         <p:spPr>
           <a:xfrm>
-            <a:off x="5265661" y="3963125"/>
-            <a:ext cx="2262264" cy="590098"/>
+            <a:off x="5265661" y="3882620"/>
+            <a:ext cx="2383494" cy="654603"/>
           </a:xfrm>
           <a:prstGeom prst="rect">
             <a:avLst/>
@@ -9274,7 +9729,7 @@
               </a:spcBef>
             </a:pPr>
             <a:r>
-              <a:rPr lang="ja-JP" sz="900" spc="-40" dirty="0">
+              <a:rPr lang="ja-JP" sz="1000" spc="-30" dirty="0">
                 <a:solidFill>
                   <a:srgbClr val="020302"/>
                 </a:solidFill>
@@ -9282,7 +9737,28 @@
                 <a:ea typeface="Adobe Clean Han Light" panose="020B0300000000000000" pitchFamily="34" charset="-128"/>
                 <a:cs typeface="AdobeClean-Light"/>
               </a:rPr>
-              <a:t>メンテナンスのベストプラクティスや最新の修正プログラム（SP、MR、パッチ、FP）を受け取り、すべてのメンテナンスチェックについて最新の状態を維持します。</a:t>
+              <a:t>メンテナンスのベストプラクティスや最</a:t>
+            </a:r>
+            <a:br>
+              <a:rPr lang="cs-CZ" altLang="ja-JP" sz="1000" spc="-30" dirty="0">
+                <a:solidFill>
+                  <a:srgbClr val="020302"/>
+                </a:solidFill>
+                <a:latin typeface="Adobe Clean Han Light" panose="020B0300000000000000" pitchFamily="34" charset="-128"/>
+                <a:ea typeface="Adobe Clean Han Light" panose="020B0300000000000000" pitchFamily="34" charset="-128"/>
+                <a:cs typeface="AdobeClean-Light"/>
+              </a:rPr>
+            </a:br>
+            <a:r>
+              <a:rPr lang="ja-JP" sz="1000" spc="-30" dirty="0">
+                <a:solidFill>
+                  <a:srgbClr val="020302"/>
+                </a:solidFill>
+                <a:latin typeface="Adobe Clean Han Light" panose="020B0300000000000000" pitchFamily="34" charset="-128"/>
+                <a:ea typeface="Adobe Clean Han Light" panose="020B0300000000000000" pitchFamily="34" charset="-128"/>
+                <a:cs typeface="AdobeClean-Light"/>
+              </a:rPr>
+              <a:t>新の修正プログラム（SP、MR、パッチ、FP）を受け取り、すべてのメンテナンスチェックについて最新の状態を維持します。</a:t>
             </a:r>
           </a:p>
         </p:txBody>
@@ -9301,15 +9777,15 @@
         </p:nvSpPr>
         <p:spPr>
           <a:xfrm>
-            <a:off x="2852426" y="2779265"/>
-            <a:ext cx="2332619" cy="553998"/>
+            <a:off x="2852427" y="2692466"/>
+            <a:ext cx="2194560" cy="615553"/>
           </a:xfrm>
           <a:prstGeom prst="rect">
             <a:avLst/>
           </a:prstGeom>
         </p:spPr>
         <p:txBody>
-          <a:bodyPr wrap="square" lIns="0" tIns="0" rIns="0" bIns="0">
+          <a:bodyPr lIns="0" tIns="0" rIns="0" bIns="0">
             <a:spAutoFit/>
           </a:bodyPr>
           <a:lstStyle/>
@@ -9320,7 +9796,7 @@
               </a:spcBef>
             </a:pPr>
             <a:r>
-              <a:rPr lang="ja-JP" sz="900" dirty="0">
+              <a:rPr lang="ja-JP" sz="1000" dirty="0">
                 <a:solidFill>
                   <a:srgbClr val="4B4B4B"/>
                 </a:solidFill>
@@ -9347,8 +9823,8 @@
         </p:nvSpPr>
         <p:spPr>
           <a:xfrm>
-            <a:off x="5431520" y="2785790"/>
-            <a:ext cx="2194560" cy="553998"/>
+            <a:off x="5343107" y="2699478"/>
+            <a:ext cx="2194560" cy="615553"/>
           </a:xfrm>
           <a:prstGeom prst="rect">
             <a:avLst/>
@@ -9366,7 +9842,7 @@
               </a:spcBef>
             </a:pPr>
             <a:r>
-              <a:rPr lang="ja-JP" sz="900" dirty="0">
+              <a:rPr lang="ja-JP" sz="1000" dirty="0">
                 <a:solidFill>
                   <a:srgbClr val="4B4B4B"/>
                 </a:solidFill>
@@ -9393,15 +9869,15 @@
         </p:nvSpPr>
         <p:spPr>
           <a:xfrm>
-            <a:off x="324340" y="2774268"/>
-            <a:ext cx="2226087" cy="553998"/>
+            <a:off x="324341" y="2634129"/>
+            <a:ext cx="2194560" cy="769441"/>
           </a:xfrm>
           <a:prstGeom prst="rect">
             <a:avLst/>
           </a:prstGeom>
         </p:spPr>
         <p:txBody>
-          <a:bodyPr wrap="square" lIns="0" tIns="0" rIns="0" bIns="0">
+          <a:bodyPr lIns="0" tIns="0" rIns="0" bIns="0">
             <a:spAutoFit/>
           </a:bodyPr>
           <a:lstStyle/>
@@ -9412,7 +9888,7 @@
               </a:spcBef>
             </a:pPr>
             <a:r>
-              <a:rPr lang="ja-JP" sz="900" dirty="0">
+              <a:rPr lang="ja-JP" sz="1000" dirty="0">
                 <a:solidFill>
                   <a:srgbClr val="4B4B4B"/>
                 </a:solidFill>
@@ -9439,7 +9915,7 @@
         </p:nvSpPr>
         <p:spPr>
           <a:xfrm>
-            <a:off x="3153726" y="1126245"/>
+            <a:off x="3153726" y="917526"/>
             <a:ext cx="2194560" cy="169277"/>
           </a:xfrm>
           <a:prstGeom prst="rect">
@@ -9458,12 +9934,12 @@
               </a:spcBef>
             </a:pPr>
             <a:r>
-              <a:rPr lang="ja-JP" sz="1100" b="1">
+              <a:rPr lang="ja-JP" sz="1100" b="1" dirty="0">
                 <a:solidFill>
                   <a:srgbClr val="020302"/>
                 </a:solidFill>
-                <a:latin typeface="Adobe Clean Han Regular" panose="020B0500000000000000" pitchFamily="34" charset="-128"/>
-                <a:ea typeface="Adobe Clean Han Regular" panose="020B0500000000000000" pitchFamily="34" charset="-128"/>
+                <a:latin typeface="Adobe Clean Han Bold" panose="020B0600000000000000" pitchFamily="34" charset="-128"/>
+                <a:ea typeface="Adobe Clean Han Bold" panose="020B0600000000000000" pitchFamily="34" charset="-128"/>
                 <a:cs typeface="Arial"/>
               </a:rPr>
               <a:t>専任サポートエンジニア</a:t>
@@ -9485,7 +9961,7 @@
         </p:nvSpPr>
         <p:spPr>
           <a:xfrm>
-            <a:off x="5723508" y="1126245"/>
+            <a:off x="5723508" y="917526"/>
             <a:ext cx="2194560" cy="169277"/>
           </a:xfrm>
           <a:prstGeom prst="rect">
@@ -9508,8 +9984,8 @@
                 <a:solidFill>
                   <a:srgbClr val="020302"/>
                 </a:solidFill>
-                <a:latin typeface="Adobe Clean Han Regular" panose="020B0500000000000000" pitchFamily="34" charset="-128"/>
-                <a:ea typeface="Adobe Clean Han Regular" panose="020B0500000000000000" pitchFamily="34" charset="-128"/>
+                <a:latin typeface="Adobe Clean Han Bold" panose="020B0600000000000000" pitchFamily="34" charset="-128"/>
+                <a:ea typeface="Adobe Clean Han Bold" panose="020B0600000000000000" pitchFamily="34" charset="-128"/>
                 <a:cs typeface="Arial"/>
               </a:rPr>
               <a:t>ケースレビュー</a:t>
@@ -9531,7 +10007,7 @@
         </p:nvSpPr>
         <p:spPr>
           <a:xfrm>
-            <a:off x="5723508" y="3710409"/>
+            <a:off x="5723508" y="3629904"/>
             <a:ext cx="2194560" cy="169277"/>
           </a:xfrm>
           <a:prstGeom prst="rect">
@@ -9550,12 +10026,12 @@
               </a:spcBef>
             </a:pPr>
             <a:r>
-              <a:rPr lang="ja-JP" sz="1100" b="1">
+              <a:rPr lang="ja-JP" sz="1100" b="1" dirty="0">
                 <a:solidFill>
                   <a:srgbClr val="020302"/>
                 </a:solidFill>
-                <a:latin typeface="Adobe Clean Han Regular" panose="020B0500000000000000" pitchFamily="34" charset="-128"/>
-                <a:ea typeface="Adobe Clean Han Regular" panose="020B0500000000000000" pitchFamily="34" charset="-128"/>
+                <a:latin typeface="Adobe Clean Han Bold" panose="020B0600000000000000" pitchFamily="34" charset="-128"/>
+                <a:ea typeface="Adobe Clean Han Bold" panose="020B0600000000000000" pitchFamily="34" charset="-128"/>
                 <a:cs typeface="Adobe Clean"/>
               </a:rPr>
               <a:t>メンテナンスと監視</a:t>
@@ -9577,8 +10053,8 @@
         </p:nvSpPr>
         <p:spPr>
           <a:xfrm>
-            <a:off x="3138805" y="3626589"/>
-            <a:ext cx="2194560" cy="338554"/>
+            <a:off x="3138805" y="3540453"/>
+            <a:ext cx="1820304" cy="338554"/>
           </a:xfrm>
           <a:prstGeom prst="rect">
             <a:avLst/>
@@ -9600,32 +10076,11 @@
                 <a:solidFill>
                   <a:srgbClr val="020302"/>
                 </a:solidFill>
-                <a:latin typeface="Adobe Clean Han Regular" panose="020B0500000000000000" pitchFamily="34" charset="-128"/>
-                <a:ea typeface="Adobe Clean Han Regular" panose="020B0500000000000000" pitchFamily="34" charset="-128"/>
+                <a:latin typeface="Adobe Clean Han Bold" panose="020B0600000000000000" pitchFamily="34" charset="-128"/>
+                <a:ea typeface="Adobe Clean Han Bold" panose="020B0600000000000000" pitchFamily="34" charset="-128"/>
                 <a:cs typeface="Adobe Clean"/>
               </a:rPr>
-              <a:t>ソリューションロード</a:t>
-            </a:r>
-            <a:br>
-              <a:rPr lang="sk-SK" altLang="ja-JP" sz="1100" b="1" dirty="0">
-                <a:solidFill>
-                  <a:srgbClr val="020302"/>
-                </a:solidFill>
-                <a:latin typeface="Adobe Clean Han Regular" panose="020B0500000000000000" pitchFamily="34" charset="-128"/>
-                <a:ea typeface="Adobe Clean Han Regular" panose="020B0500000000000000" pitchFamily="34" charset="-128"/>
-                <a:cs typeface="Adobe Clean"/>
-              </a:rPr>
-            </a:br>
-            <a:r>
-              <a:rPr lang="ja-JP" sz="1100" b="1" dirty="0">
-                <a:solidFill>
-                  <a:srgbClr val="020302"/>
-                </a:solidFill>
-                <a:latin typeface="Adobe Clean Han Regular" panose="020B0500000000000000" pitchFamily="34" charset="-128"/>
-                <a:ea typeface="Adobe Clean Han Regular" panose="020B0500000000000000" pitchFamily="34" charset="-128"/>
-                <a:cs typeface="Adobe Clean"/>
-              </a:rPr>
-              <a:t>マップのレビュー</a:t>
+              <a:t>ソリューションロードマップのレビュー</a:t>
             </a:r>
           </a:p>
         </p:txBody>
@@ -9644,7 +10099,7 @@
         </p:nvSpPr>
         <p:spPr>
           <a:xfrm>
-            <a:off x="689237" y="3710409"/>
+            <a:off x="689237" y="3629904"/>
             <a:ext cx="2194560" cy="169277"/>
           </a:xfrm>
           <a:prstGeom prst="rect">
@@ -9663,12 +10118,12 @@
               </a:spcBef>
             </a:pPr>
             <a:r>
-              <a:rPr lang="ja-JP" sz="1100" b="1">
+              <a:rPr lang="ja-JP" sz="1100" b="1" dirty="0">
                 <a:solidFill>
                   <a:srgbClr val="020302"/>
                 </a:solidFill>
-                <a:latin typeface="Adobe Clean Han Regular" panose="020B0500000000000000" pitchFamily="34" charset="-128"/>
-                <a:ea typeface="Adobe Clean Han Regular" panose="020B0500000000000000" pitchFamily="34" charset="-128"/>
+                <a:latin typeface="Adobe Clean Han Bold" panose="020B0600000000000000" pitchFamily="34" charset="-128"/>
+                <a:ea typeface="Adobe Clean Han Bold" panose="020B0600000000000000" pitchFamily="34" charset="-128"/>
                 <a:cs typeface="Adobe Clean"/>
               </a:rPr>
               <a:t>環境レビュー</a:t>
@@ -9690,7 +10145,7 @@
         </p:nvSpPr>
         <p:spPr>
           <a:xfrm>
-            <a:off x="689237" y="2531059"/>
+            <a:off x="689237" y="2390920"/>
             <a:ext cx="2194560" cy="169277"/>
           </a:xfrm>
           <a:prstGeom prst="rect">
@@ -9713,8 +10168,8 @@
                 <a:solidFill>
                   <a:srgbClr val="020302"/>
                 </a:solidFill>
-                <a:latin typeface="Adobe Clean Han Regular" panose="020B0500000000000000" pitchFamily="34" charset="-128"/>
-                <a:ea typeface="Adobe Clean Han Regular" panose="020B0500000000000000" pitchFamily="34" charset="-128"/>
+                <a:latin typeface="Adobe Clean Han Bold" panose="020B0600000000000000" pitchFamily="34" charset="-128"/>
+                <a:ea typeface="Adobe Clean Han Bold" panose="020B0600000000000000" pitchFamily="34" charset="-128"/>
                 <a:cs typeface="Adobe Clean"/>
               </a:rPr>
               <a:t>エスカレーション管理</a:t>
@@ -9736,7 +10191,7 @@
         </p:nvSpPr>
         <p:spPr>
           <a:xfrm>
-            <a:off x="3153726" y="2531059"/>
+            <a:off x="3153726" y="2390920"/>
             <a:ext cx="2194560" cy="169277"/>
           </a:xfrm>
           <a:prstGeom prst="rect">
@@ -9755,12 +10210,12 @@
               </a:spcBef>
             </a:pPr>
             <a:r>
-              <a:rPr lang="ja-JP" sz="1100" b="1">
+              <a:rPr lang="ja-JP" sz="1100" b="1" dirty="0">
                 <a:solidFill>
                   <a:srgbClr val="020302"/>
                 </a:solidFill>
-                <a:latin typeface="Adobe Clean Han Regular" panose="020B0500000000000000" pitchFamily="34" charset="-128"/>
-                <a:ea typeface="Adobe Clean Han Regular" panose="020B0500000000000000" pitchFamily="34" charset="-128"/>
+                <a:latin typeface="Adobe Clean Han Bold" panose="020B0600000000000000" pitchFamily="34" charset="-128"/>
+                <a:ea typeface="Adobe Clean Han Bold" panose="020B0600000000000000" pitchFamily="34" charset="-128"/>
                 <a:cs typeface="Adobe Clean"/>
               </a:rPr>
               <a:t>サービスレビュー</a:t>
@@ -9782,7 +10237,7 @@
         </p:nvSpPr>
         <p:spPr>
           <a:xfrm>
-            <a:off x="5723508" y="2531059"/>
+            <a:off x="5723508" y="2390920"/>
             <a:ext cx="2194560" cy="169277"/>
           </a:xfrm>
           <a:prstGeom prst="rect">
@@ -9805,8 +10260,8 @@
                 <a:solidFill>
                   <a:srgbClr val="020302"/>
                 </a:solidFill>
-                <a:latin typeface="Adobe Clean Han Regular" panose="020B0500000000000000" pitchFamily="34" charset="-128"/>
-                <a:ea typeface="Adobe Clean Han Regular" panose="020B0500000000000000" pitchFamily="34" charset="-128"/>
+                <a:latin typeface="Adobe Clean Han Bold" panose="020B0600000000000000" pitchFamily="34" charset="-128"/>
+                <a:ea typeface="Adobe Clean Han Bold" panose="020B0600000000000000" pitchFamily="34" charset="-128"/>
                 <a:cs typeface="Adobe Clean"/>
               </a:rPr>
               <a:t>エキスパートセッション</a:t>
@@ -9828,7 +10283,7 @@
         </p:nvSpPr>
         <p:spPr>
           <a:xfrm>
-            <a:off x="689237" y="4806276"/>
+            <a:off x="689237" y="4786096"/>
             <a:ext cx="2194560" cy="169277"/>
           </a:xfrm>
           <a:prstGeom prst="rect">
@@ -9847,12 +10302,12 @@
               </a:spcBef>
             </a:pPr>
             <a:r>
-              <a:rPr lang="ja-JP" sz="1100" b="1">
+              <a:rPr lang="ja-JP" sz="1100" b="1" dirty="0">
                 <a:solidFill>
                   <a:srgbClr val="020302"/>
                 </a:solidFill>
-                <a:latin typeface="Adobe Clean Han Regular" panose="020B0500000000000000" pitchFamily="34" charset="-128"/>
-                <a:ea typeface="Adobe Clean Han Regular" panose="020B0500000000000000" pitchFamily="34" charset="-128"/>
+                <a:latin typeface="Adobe Clean Han Bold" panose="020B0600000000000000" pitchFamily="34" charset="-128"/>
+                <a:ea typeface="Adobe Clean Han Bold" panose="020B0600000000000000" pitchFamily="34" charset="-128"/>
                 <a:cs typeface="Adobe Clean"/>
               </a:rPr>
               <a:t>リリースの準備とレビュー</a:t>
@@ -9874,7 +10329,7 @@
         </p:nvSpPr>
         <p:spPr>
           <a:xfrm>
-            <a:off x="3113405" y="4806276"/>
+            <a:off x="3113405" y="4786096"/>
             <a:ext cx="2194560" cy="169277"/>
           </a:xfrm>
           <a:prstGeom prst="rect">
@@ -9896,12 +10351,12 @@
               </a:spcBef>
             </a:pPr>
             <a:r>
-              <a:rPr lang="ja-JP" sz="1100" b="1">
+              <a:rPr lang="ja-JP" sz="1100" b="1" dirty="0">
                 <a:solidFill>
                   <a:srgbClr val="020302"/>
                 </a:solidFill>
-                <a:latin typeface="Adobe Clean Han Regular" panose="020B0500000000000000" pitchFamily="34" charset="-128"/>
-                <a:ea typeface="Adobe Clean Han Regular" panose="020B0500000000000000" pitchFamily="34" charset="-128"/>
+                <a:latin typeface="Adobe Clean Han Bold" panose="020B0600000000000000" pitchFamily="34" charset="-128"/>
+                <a:ea typeface="Adobe Clean Han Bold" panose="020B0600000000000000" pitchFamily="34" charset="-128"/>
                 <a:cs typeface="Adobe Clean"/>
               </a:rPr>
               <a:t>ナレッジトランスファー</a:t>
@@ -9923,7 +10378,7 @@
         </p:nvSpPr>
         <p:spPr>
           <a:xfrm>
-            <a:off x="5723508" y="4806276"/>
+            <a:off x="5723508" y="4786096"/>
             <a:ext cx="2194560" cy="169277"/>
           </a:xfrm>
           <a:prstGeom prst="rect">
@@ -9945,12 +10400,12 @@
               </a:spcBef>
             </a:pPr>
             <a:r>
-              <a:rPr lang="ja-JP" sz="1100" b="1">
+              <a:rPr lang="ja-JP" sz="1100" b="1" dirty="0">
                 <a:solidFill>
                   <a:srgbClr val="020302"/>
                 </a:solidFill>
-                <a:latin typeface="Adobe Clean Han Regular" panose="020B0500000000000000" pitchFamily="34" charset="-128"/>
-                <a:ea typeface="Adobe Clean Han Regular" panose="020B0500000000000000" pitchFamily="34" charset="-128"/>
+                <a:latin typeface="Adobe Clean Han Bold" panose="020B0600000000000000" pitchFamily="34" charset="-128"/>
+                <a:ea typeface="Adobe Clean Han Bold" panose="020B0600000000000000" pitchFamily="34" charset="-128"/>
                 <a:cs typeface="Adobe Clean"/>
               </a:rPr>
               <a:t>イベント管理</a:t>
@@ -9972,7 +10427,7 @@
         </p:nvSpPr>
         <p:spPr>
           <a:xfrm rot="5400000" flipH="1">
-            <a:off x="3863341" y="680085"/>
+            <a:off x="3863341" y="627713"/>
             <a:ext cx="45719" cy="5577840"/>
           </a:xfrm>
           <a:custGeom>
@@ -10027,7 +10482,7 @@
         </p:nvSpPr>
         <p:spPr>
           <a:xfrm rot="5400000" flipH="1">
-            <a:off x="3863341" y="-391160"/>
+            <a:off x="3863341" y="-531299"/>
             <a:ext cx="45719" cy="5577840"/>
           </a:xfrm>
           <a:custGeom>
@@ -10083,13 +10538,13 @@
           <p:nvPr/>
         </p:nvPicPr>
         <p:blipFill>
-          <a:blip r:embed="rId22">
+          <a:blip r:embed="rId23">
             <a:extLst>
               <a:ext uri="{28A0092B-C50C-407E-A947-70E740481C1C}">
                 <a14:useLocalDpi xmlns:a14="http://schemas.microsoft.com/office/drawing/2010/main" val="0"/>
               </a:ext>
               <a:ext uri="{96DAC541-7B7A-43D3-8B79-37D633B846F1}">
-                <asvg:svgBlip xmlns:asvg="http://schemas.microsoft.com/office/drawing/2016/SVG/main" r:embed="rId23"/>
+                <asvg:svgBlip xmlns:asvg="http://schemas.microsoft.com/office/drawing/2016/SVG/main" r:embed="rId24"/>
               </a:ext>
             </a:extLst>
           </a:blip>
@@ -10099,7 +10554,7 @@
         </p:blipFill>
         <p:spPr>
           <a:xfrm>
-            <a:off x="228599" y="3565801"/>
+            <a:off x="228599" y="3485296"/>
             <a:ext cx="457200" cy="457200"/>
           </a:xfrm>
           <a:prstGeom prst="rect">
@@ -10122,14 +10577,14 @@
           <p:nvPr/>
         </p:nvPicPr>
         <p:blipFill>
-          <a:blip r:embed="rId24"/>
+          <a:blip r:embed="rId25"/>
           <a:stretch>
             <a:fillRect/>
           </a:stretch>
         </p:blipFill>
         <p:spPr>
           <a:xfrm>
-            <a:off x="2768925" y="3654167"/>
+            <a:off x="2768925" y="3573662"/>
             <a:ext cx="309943" cy="288000"/>
           </a:xfrm>
           <a:prstGeom prst="rect">
@@ -10152,14 +10607,14 @@
           <p:nvPr/>
         </p:nvPicPr>
         <p:blipFill>
-          <a:blip r:embed="rId25"/>
+          <a:blip r:embed="rId26"/>
           <a:stretch>
             <a:fillRect/>
           </a:stretch>
         </p:blipFill>
         <p:spPr>
           <a:xfrm>
-            <a:off x="355868" y="4749488"/>
+            <a:off x="355868" y="4729308"/>
             <a:ext cx="240657" cy="300821"/>
           </a:xfrm>
           <a:prstGeom prst="rect">
@@ -10182,14 +10637,14 @@
           <p:nvPr/>
         </p:nvPicPr>
         <p:blipFill>
-          <a:blip r:embed="rId26"/>
+          <a:blip r:embed="rId27"/>
           <a:stretch>
             <a:fillRect/>
           </a:stretch>
         </p:blipFill>
         <p:spPr>
           <a:xfrm>
-            <a:off x="5276601" y="3652297"/>
+            <a:off x="5276601" y="3571792"/>
             <a:ext cx="328157" cy="284207"/>
           </a:xfrm>
           <a:prstGeom prst="rect">
@@ -10212,14 +10667,14 @@
           <p:nvPr/>
         </p:nvPicPr>
         <p:blipFill>
-          <a:blip r:embed="rId27"/>
+          <a:blip r:embed="rId28"/>
           <a:stretch>
             <a:fillRect/>
           </a:stretch>
         </p:blipFill>
         <p:spPr>
           <a:xfrm>
-            <a:off x="5276601" y="4799424"/>
+            <a:off x="5276601" y="4779244"/>
             <a:ext cx="347646" cy="264530"/>
           </a:xfrm>
           <a:prstGeom prst="rect">
@@ -10242,13 +10697,13 @@
           <p:nvPr/>
         </p:nvPicPr>
         <p:blipFill>
-          <a:blip r:embed="rId28" cstate="print">
+          <a:blip r:embed="rId29" cstate="print">
             <a:extLst>
               <a:ext uri="{28A0092B-C50C-407E-A947-70E740481C1C}">
                 <a14:useLocalDpi xmlns:a14="http://schemas.microsoft.com/office/drawing/2010/main" val="0"/>
               </a:ext>
               <a:ext uri="{96DAC541-7B7A-43D3-8B79-37D633B846F1}">
-                <asvg:svgBlip xmlns:asvg="http://schemas.microsoft.com/office/drawing/2016/SVG/main" r:embed="rId29"/>
+                <asvg:svgBlip xmlns:asvg="http://schemas.microsoft.com/office/drawing/2016/SVG/main" r:embed="rId30"/>
               </a:ext>
             </a:extLst>
           </a:blip>
@@ -10258,7 +10713,7 @@
         </p:blipFill>
         <p:spPr>
           <a:xfrm>
-            <a:off x="2768925" y="4707875"/>
+            <a:off x="2768925" y="4687695"/>
             <a:ext cx="365760" cy="365760"/>
           </a:xfrm>
           <a:prstGeom prst="rect">
@@ -10280,8 +10735,8 @@
         </p:nvSpPr>
         <p:spPr>
           <a:xfrm>
-            <a:off x="2764975" y="3970950"/>
-            <a:ext cx="2463047" cy="797975"/>
+            <a:off x="2764975" y="3890445"/>
+            <a:ext cx="2383495" cy="881203"/>
           </a:xfrm>
           <a:prstGeom prst="rect">
             <a:avLst/>
@@ -10302,7 +10757,7 @@
               </a:spcBef>
             </a:pPr>
             <a:r>
-              <a:rPr lang="ja-JP" sz="900" dirty="0">
+              <a:rPr lang="ja-JP" sz="1000" dirty="0">
                 <a:solidFill>
                   <a:srgbClr val="020302"/>
                 </a:solidFill>
@@ -10323,7 +10778,7 @@
               </a:spcBef>
             </a:pPr>
             <a:r>
-              <a:rPr lang="ja-JP" sz="900" dirty="0">
+              <a:rPr lang="ja-JP" sz="1000" dirty="0">
                 <a:solidFill>
                   <a:srgbClr val="020302"/>
                 </a:solidFill>
@@ -10333,6 +10788,138 @@
               </a:rPr>
               <a:t>。</a:t>
             </a:r>
+          </a:p>
+        </p:txBody>
+      </p:sp>
+      <p:sp>
+        <p:nvSpPr>
+          <p:cNvPr id="97" name="object 10">
+            <a:extLst>
+              <a:ext uri="{FF2B5EF4-FFF2-40B4-BE49-F238E27FC236}">
+                <a16:creationId xmlns:a16="http://schemas.microsoft.com/office/drawing/2014/main" id="{E6D12F57-3D79-4850-8452-F5A8D5BE7E0F}"/>
+              </a:ext>
+            </a:extLst>
+          </p:cNvPr>
+          <p:cNvSpPr txBox="1"/>
+          <p:nvPr/>
+        </p:nvSpPr>
+        <p:spPr>
+          <a:xfrm>
+            <a:off x="97787" y="9888626"/>
+            <a:ext cx="2202180" cy="149860"/>
+          </a:xfrm>
+          <a:prstGeom prst="rect">
+            <a:avLst/>
+          </a:prstGeom>
+        </p:spPr>
+        <p:txBody>
+          <a:bodyPr vert="horz" wrap="square" lIns="0" tIns="10160" rIns="0" bIns="0" rtlCol="0">
+            <a:spAutoFit/>
+          </a:bodyPr>
+          <a:lstStyle/>
+          <a:p>
+            <a:pPr marL="12700">
+              <a:lnSpc>
+                <a:spcPct val="100000"/>
+              </a:lnSpc>
+              <a:spcBef>
+                <a:spcPts val="80"/>
+              </a:spcBef>
+            </a:pPr>
+            <a:r>
+              <a:rPr sz="800" spc="-15" dirty="0">
+                <a:solidFill>
+                  <a:srgbClr val="6D6D6D"/>
+                </a:solidFill>
+                <a:latin typeface="Adobe Clean"/>
+                <a:cs typeface="Adobe Clean"/>
+              </a:rPr>
+              <a:t>©2021 </a:t>
+            </a:r>
+            <a:r>
+              <a:rPr sz="800" spc="-5" dirty="0">
+                <a:solidFill>
+                  <a:srgbClr val="6D6D6D"/>
+                </a:solidFill>
+                <a:latin typeface="Adobe Clean"/>
+                <a:cs typeface="Adobe Clean"/>
+              </a:rPr>
+              <a:t>Adobe. All</a:t>
+            </a:r>
+            <a:r>
+              <a:rPr sz="800" spc="-15" dirty="0">
+                <a:solidFill>
+                  <a:srgbClr val="6D6D6D"/>
+                </a:solidFill>
+                <a:latin typeface="Adobe Clean"/>
+                <a:cs typeface="Adobe Clean"/>
+              </a:rPr>
+              <a:t> Rights</a:t>
+            </a:r>
+            <a:r>
+              <a:rPr sz="800" spc="-5" dirty="0">
+                <a:solidFill>
+                  <a:srgbClr val="6D6D6D"/>
+                </a:solidFill>
+                <a:latin typeface="Adobe Clean"/>
+                <a:cs typeface="Adobe Clean"/>
+              </a:rPr>
+              <a:t> </a:t>
+            </a:r>
+            <a:r>
+              <a:rPr sz="800" spc="-15" dirty="0">
+                <a:solidFill>
+                  <a:srgbClr val="6D6D6D"/>
+                </a:solidFill>
+                <a:latin typeface="Adobe Clean"/>
+                <a:cs typeface="Adobe Clean"/>
+              </a:rPr>
+              <a:t>Reserved.</a:t>
+            </a:r>
+            <a:r>
+              <a:rPr sz="800" spc="-10" dirty="0">
+                <a:solidFill>
+                  <a:srgbClr val="6D6D6D"/>
+                </a:solidFill>
+                <a:latin typeface="Adobe Clean"/>
+                <a:cs typeface="Adobe Clean"/>
+              </a:rPr>
+              <a:t> </a:t>
+            </a:r>
+            <a:r>
+              <a:rPr sz="800" spc="-5" dirty="0">
+                <a:solidFill>
+                  <a:srgbClr val="6D6D6D"/>
+                </a:solidFill>
+                <a:latin typeface="Adobe Clean"/>
+                <a:cs typeface="Adobe Clean"/>
+              </a:rPr>
+              <a:t>Adobe</a:t>
+            </a:r>
+            <a:r>
+              <a:rPr sz="800" spc="65" dirty="0">
+                <a:solidFill>
+                  <a:srgbClr val="6D6D6D"/>
+                </a:solidFill>
+                <a:latin typeface="Adobe Clean"/>
+                <a:cs typeface="Adobe Clean"/>
+              </a:rPr>
+              <a:t> </a:t>
+            </a:r>
+            <a:r>
+              <a:rPr sz="800" spc="-15" dirty="0">
+                <a:solidFill>
+                  <a:srgbClr val="6D6D6D"/>
+                </a:solidFill>
+                <a:latin typeface="Adobe Clean"/>
+                <a:cs typeface="Adobe Clean"/>
+              </a:rPr>
+              <a:t>Confidential.</a:t>
+            </a:r>
+            <a:endParaRPr sz="800" dirty="0">
+              <a:latin typeface="Adobe Clean"/>
+              <a:cs typeface="Adobe Clean"/>
+            </a:endParaRPr>
           </a:p>
         </p:txBody>
       </p:sp>
@@ -10618,9 +11205,9 @@
           <p:nvPr/>
         </p:nvSpPr>
         <p:spPr>
-          <a:xfrm>
-            <a:off x="4469509" y="2654678"/>
-            <a:ext cx="2819021" cy="132288"/>
+          <a:xfrm flipV="1">
+            <a:off x="4204253" y="2616576"/>
+            <a:ext cx="2947176" cy="45719"/>
           </a:xfrm>
           <a:custGeom>
             <a:avLst/>
@@ -10661,8 +11248,8 @@
         </p:nvSpPr>
         <p:spPr>
           <a:xfrm>
-            <a:off x="4439408" y="2329688"/>
-            <a:ext cx="2971039" cy="228268"/>
+            <a:off x="4224663" y="2329687"/>
+            <a:ext cx="3013232" cy="228268"/>
           </a:xfrm>
           <a:prstGeom prst="rect">
             <a:avLst/>
@@ -10683,12 +11270,12 @@
               </a:spcBef>
             </a:pPr>
             <a:r>
-              <a:rPr lang="ja-JP" sz="1400" b="1" spc="-30" dirty="0">
+              <a:rPr lang="ja-JP" sz="1400" b="1" dirty="0">
                 <a:solidFill>
                   <a:srgbClr val="020302"/>
                 </a:solidFill>
-                <a:latin typeface="Adobe Clean Han Regular" panose="020B0500000000000000" pitchFamily="34" charset="-128"/>
-                <a:ea typeface="Adobe Clean Han Regular" panose="020B0500000000000000" pitchFamily="34" charset="-128"/>
+                <a:latin typeface="Adobe Clean Han Bold" panose="020B0600000000000000" pitchFamily="34" charset="-128"/>
+                <a:ea typeface="Adobe Clean Han Bold" panose="020B0600000000000000" pitchFamily="34" charset="-128"/>
                 <a:cs typeface="Adobe Clean"/>
               </a:rPr>
               <a:t>フィールドサービスアクティビティ</a:t>
@@ -10705,7 +11292,7 @@
         <p:spPr>
           <a:xfrm>
             <a:off x="914421" y="2342312"/>
-            <a:ext cx="1562077" cy="228268"/>
+            <a:ext cx="1636005" cy="228268"/>
           </a:xfrm>
           <a:prstGeom prst="rect">
             <a:avLst/>
@@ -10730,8 +11317,8 @@
                 <a:solidFill>
                   <a:srgbClr val="020302"/>
                 </a:solidFill>
-                <a:latin typeface="Adobe Clean Han Regular" panose="020B0500000000000000" pitchFamily="34" charset="-128"/>
-                <a:ea typeface="Adobe Clean Han Regular" panose="020B0500000000000000" pitchFamily="34" charset="-128"/>
+                <a:latin typeface="Adobe Clean Han Bold" panose="020B0600000000000000" pitchFamily="34" charset="-128"/>
+                <a:ea typeface="Adobe Clean Han Bold" panose="020B0600000000000000" pitchFamily="34" charset="-128"/>
                 <a:cs typeface="Adobe Clean"/>
               </a:rPr>
               <a:t>Launch Advisory</a:t>
@@ -10747,8 +11334,8 @@
         </p:nvSpPr>
         <p:spPr>
           <a:xfrm>
-            <a:off x="242188" y="2787904"/>
-            <a:ext cx="3357498" cy="597599"/>
+            <a:off x="242187" y="2787904"/>
+            <a:ext cx="3004185" cy="782265"/>
           </a:xfrm>
           <a:prstGeom prst="rect">
             <a:avLst/>
@@ -10769,31 +11356,88 @@
               </a:spcBef>
             </a:pPr>
             <a:r>
-              <a:rPr lang="ja-JP" sz="950" b="1" dirty="0">
+              <a:rPr lang="ja-JP" sz="1000" dirty="0">
                 <a:solidFill>
                   <a:srgbClr val="1F1F1F"/>
                 </a:solidFill>
-                <a:latin typeface="Adobe Clean Han Regular" panose="020B0500000000000000" pitchFamily="34" charset="-128"/>
-                <a:ea typeface="Adobe Clean Han Regular" panose="020B0500000000000000" pitchFamily="34" charset="-128"/>
+                <a:latin typeface="Adobe Clean Han Light" panose="020B0300000000000000" pitchFamily="34" charset="-128"/>
+                <a:ea typeface="Adobe Clean Han Light" panose="020B0300000000000000" pitchFamily="34" charset="-128"/>
                 <a:cs typeface="AdobeClean-Light"/>
               </a:rPr>
               <a:t>新しい Adobe Experience Cloud ソリューション</a:t>
+            </a:r>
+            <a:br>
+              <a:rPr lang="cs-CZ" altLang="ja-JP" sz="1000" dirty="0">
+                <a:solidFill>
+                  <a:srgbClr val="1F1F1F"/>
+                </a:solidFill>
+                <a:latin typeface="Adobe Clean Han Light" panose="020B0300000000000000" pitchFamily="34" charset="-128"/>
+                <a:ea typeface="Adobe Clean Han Light" panose="020B0300000000000000" pitchFamily="34" charset="-128"/>
+                <a:cs typeface="AdobeClean-Light"/>
+              </a:rPr>
+            </a:br>
+            <a:r>
+              <a:rPr lang="ja-JP" sz="1000" b="1" dirty="0">
+                <a:latin typeface="Adobe Clean Han Bold" panose="020B0600000000000000" pitchFamily="34" charset="-128"/>
+                <a:ea typeface="Adobe Clean Han Bold" panose="020B0600000000000000" pitchFamily="34" charset="-128"/>
+                <a:cs typeface="Adobe Clean"/>
+              </a:rPr>
+              <a:t>を実装するお客様のための</a:t>
+            </a:r>
+            <a:r>
+              <a:rPr lang="ja-JP" sz="1000" b="1" dirty="0">
+                <a:latin typeface="Adobe Clean Han Bold" panose="020B0600000000000000" pitchFamily="34" charset="-128"/>
+                <a:ea typeface="MS Mincho"/>
+                <a:cs typeface="Adobe Clean"/>
+              </a:rPr>
+              <a:t> </a:t>
+            </a:r>
+            <a:r>
+              <a:rPr lang="ja-JP" sz="1000" dirty="0">
+                <a:latin typeface="Adobe Clean Han Light" panose="020B0300000000000000" pitchFamily="34" charset="-128"/>
+                <a:ea typeface="Adobe Clean Han Light" panose="020B0300000000000000" pitchFamily="34" charset="-128"/>
+                <a:cs typeface="AdobeClean-Light"/>
+              </a:rPr>
+              <a:t>Launch Advisory</a:t>
+            </a:r>
+            <a:r>
+              <a:rPr lang="ja-JP" sz="1000" dirty="0">
+                <a:latin typeface="Adobe Clean Han Light" panose="020B0300000000000000" pitchFamily="34" charset="-128"/>
+                <a:ea typeface="Adobe Clean Han Light" panose="020B0300000000000000" pitchFamily="34" charset="-128"/>
+                <a:cs typeface="AdobeClean-SemiLight"/>
+              </a:rPr>
+              <a:t> は</a:t>
             </a:r>
             <a:r>
               <a:rPr lang="ja-JP" sz="950" dirty="0">
                 <a:latin typeface="Adobe Clean Han Light" panose="020B0300000000000000" pitchFamily="34" charset="-128"/>
                 <a:ea typeface="Adobe Clean Han Light" panose="020B0300000000000000" pitchFamily="34" charset="-128"/>
-                <a:cs typeface="Adobe Clean"/>
-              </a:rPr>
-              <a:t>を実装するお客様のための</a:t>
-            </a:r>
-            <a:r>
-              <a:rPr lang="ja-JP" sz="950" b="1" dirty="0">
+                <a:cs typeface="AdobeClean-SemiLight"/>
+              </a:rPr>
+              <a:t>、</a:t>
+            </a:r>
+          </a:p>
+          <a:p>
+            <a:pPr marL="12700" marR="86995" indent="-635">
+              <a:lnSpc>
+                <a:spcPct val="100000"/>
+              </a:lnSpc>
+            </a:pPr>
+            <a:r>
+              <a:rPr lang="ja-JP" sz="950" dirty="0">
                 <a:latin typeface="Adobe Clean Han Light" panose="020B0300000000000000" pitchFamily="34" charset="-128"/>
                 <a:ea typeface="Adobe Clean Han Light" panose="020B0300000000000000" pitchFamily="34" charset="-128"/>
-                <a:cs typeface="Adobe Clean"/>
-              </a:rPr>
-              <a:t> </a:t>
+                <a:cs typeface="AdobeClean-SemiLight"/>
+              </a:rPr>
+              <a:t>デプロイメント</a:t>
+            </a:r>
+            <a:r>
+              <a:rPr lang="ja-JP" sz="1000" dirty="0">
+                <a:latin typeface="Adobe Clean Han Light" panose="020B0300000000000000" pitchFamily="34" charset="-128"/>
+                <a:ea typeface="Adobe Clean Han Light" panose="020B0300000000000000" pitchFamily="34" charset="-128"/>
+                <a:cs typeface="AdobeClean-Light"/>
+              </a:rPr>
+              <a:t>の成功をサポートし、価値実現まで</a:t>
             </a:r>
             <a:r>
               <a:rPr lang="ja-JP" sz="950" dirty="0">
@@ -10801,22 +11445,31 @@
                 <a:ea typeface="Adobe Clean Han Light" panose="020B0300000000000000" pitchFamily="34" charset="-128"/>
                 <a:cs typeface="AdobeClean-Light"/>
               </a:rPr>
-              <a:t>Launch Advisory</a:t>
+              <a:t>の時間を短縮することが実証されている、</a:t>
+            </a:r>
+            <a:r>
+              <a:rPr lang="ja-JP" sz="1000" dirty="0">
+                <a:latin typeface="Adobe Clean Han Light" panose="020B0300000000000000" pitchFamily="34" charset="-128"/>
+                <a:ea typeface="Adobe Clean Han Light" panose="020B0300000000000000" pitchFamily="34" charset="-128"/>
+                <a:cs typeface="AdobeClean-Light"/>
+              </a:rPr>
+              <a:t>アドバイザリサービスおよび提案</a:t>
             </a:r>
             <a:r>
               <a:rPr lang="ja-JP" sz="950" dirty="0">
                 <a:latin typeface="Adobe Clean Han Light" panose="020B0300000000000000" pitchFamily="34" charset="-128"/>
                 <a:ea typeface="Adobe Clean Han Light" panose="020B0300000000000000" pitchFamily="34" charset="-128"/>
-                <a:cs typeface="AdobeClean-SemiLight"/>
-              </a:rPr>
-              <a:t> は、</a:t>
-            </a:r>
-            <a:r>
-              <a:rPr lang="ja-JP" sz="950" dirty="0">
+                <a:cs typeface="AdobeClean-Light"/>
+              </a:rPr>
+              <a:t>の中核です</a:t>
+            </a:r>
+            <a:r>
+              <a:rPr lang="ja-JP" sz="1000" dirty="0">
                 <a:latin typeface="Adobe Clean Han Light" panose="020B0300000000000000" pitchFamily="34" charset="-128"/>
                 <a:ea typeface="Adobe Clean Han Light" panose="020B0300000000000000" pitchFamily="34" charset="-128"/>
-              </a:rPr>
-              <a:t>デプロイメントの成功をサポートし、価値実現までの時間を短縮することが実証されている、アドバイザリサービスおよび提案の中核です。</a:t>
+                <a:cs typeface="AdobeClean-Light"/>
+              </a:rPr>
+              <a:t>。</a:t>
             </a:r>
           </a:p>
         </p:txBody>
@@ -10908,8 +11561,8 @@
         </p:nvSpPr>
         <p:spPr>
           <a:xfrm>
-            <a:off x="3950231" y="2790952"/>
-            <a:ext cx="3543300" cy="597599"/>
+            <a:off x="3976901" y="2790952"/>
+            <a:ext cx="3543300" cy="782265"/>
           </a:xfrm>
           <a:prstGeom prst="rect">
             <a:avLst/>
@@ -10930,7 +11583,7 @@
               </a:spcBef>
             </a:pPr>
             <a:r>
-              <a:rPr lang="ja-JP" sz="950" dirty="0">
+              <a:rPr lang="ja-JP" sz="1000" dirty="0">
                 <a:solidFill>
                   <a:srgbClr val="4B4B4B"/>
                 </a:solidFill>
@@ -10938,60 +11591,21 @@
                 <a:ea typeface="Adobe Clean Han Light" panose="020B0300000000000000" pitchFamily="34" charset="-128"/>
                 <a:cs typeface="AdobeClean-Light"/>
               </a:rPr>
-              <a:t>フィールドサービス</a:t>
-            </a:r>
-            <a:r>
-              <a:rPr lang="ja-JP" sz="950" dirty="0">
+              <a:t>フィールドサービスは、</a:t>
+            </a:r>
+            <a:r>
+              <a:rPr lang="ja-JP" sz="1000" b="1" dirty="0">
                 <a:solidFill>
                   <a:srgbClr val="4B4B4B"/>
                 </a:solidFill>
-                <a:latin typeface="Adobe Clean Han Light" panose="020B0300000000000000" pitchFamily="34" charset="-128"/>
-                <a:ea typeface="Adobe Clean Han Light" panose="020B0300000000000000" pitchFamily="34" charset="-128"/>
-              </a:rPr>
-              <a:t>は、</a:t>
-            </a:r>
-            <a:r>
-              <a:rPr lang="ja-JP" sz="950" b="1" dirty="0">
-                <a:solidFill>
-                  <a:srgbClr val="4B4B4B"/>
-                </a:solidFill>
-                <a:latin typeface="Adobe Clean Han Regular" panose="020B0500000000000000" pitchFamily="34" charset="-128"/>
-                <a:ea typeface="Adobe Clean Han Regular" panose="020B0500000000000000" pitchFamily="34" charset="-128"/>
+                <a:latin typeface="Adobe Clean Han Bold" panose="020B0600000000000000" pitchFamily="34" charset="-128"/>
+                <a:ea typeface="Adobe Clean Han Bold" panose="020B0600000000000000" pitchFamily="34" charset="-128"/>
+                <a:cs typeface="Adobe Clean"/>
               </a:rPr>
               <a:t>迅速な解決</a:t>
             </a:r>
             <a:r>
-              <a:rPr lang="ja-JP" sz="950" dirty="0">
-                <a:solidFill>
-                  <a:srgbClr val="4B4B4B"/>
-                </a:solidFill>
-                <a:latin typeface="Adobe Clean Han Light" panose="020B0300000000000000" pitchFamily="34" charset="-128"/>
-                <a:ea typeface="Adobe Clean Han Light" panose="020B0300000000000000" pitchFamily="34" charset="-128"/>
-              </a:rPr>
-              <a:t>、集中的なカスタマーサクセス、</a:t>
-            </a:r>
-            <a:r>
-              <a:rPr lang="ja-JP" sz="950" b="1" dirty="0">
-                <a:solidFill>
-                  <a:srgbClr val="4B4B4B"/>
-                </a:solidFill>
-                <a:latin typeface="Adobe Clean Han Regular" panose="020B0500000000000000" pitchFamily="34" charset="-128"/>
-                <a:ea typeface="Adobe Clean Han Regular" panose="020B0500000000000000" pitchFamily="34" charset="-128"/>
-              </a:rPr>
-              <a:t>価値実現までの時間</a:t>
-            </a:r>
-            <a:r>
-              <a:rPr lang="ja-JP" sz="950" dirty="0">
-                <a:solidFill>
-                  <a:srgbClr val="4B4B4B"/>
-                </a:solidFill>
-                <a:latin typeface="Adobe Clean Han Light" panose="020B0300000000000000" pitchFamily="34" charset="-128"/>
-                <a:ea typeface="Adobe Clean Han Light" panose="020B0300000000000000" pitchFamily="34" charset="-128"/>
-              </a:rPr>
-              <a:t>の短縮のために使用されます</a:t>
-            </a:r>
-            <a:r>
-              <a:rPr lang="ja-JP" sz="950" dirty="0">
+              <a:rPr lang="ja-JP" sz="1000" dirty="0">
                 <a:solidFill>
                   <a:srgbClr val="4B4B4B"/>
                 </a:solidFill>
@@ -10999,48 +11613,61 @@
                 <a:ea typeface="Adobe Clean Han Light" panose="020B0300000000000000" pitchFamily="34" charset="-128"/>
                 <a:cs typeface="AdobeClean-Light"/>
               </a:rPr>
-              <a:t>。</a:t>
-            </a:r>
-            <a:r>
-              <a:rPr lang="ja-JP" sz="950" dirty="0">
+              <a:t>、集中的なカスタマーサクセス、</a:t>
+            </a:r>
+            <a:r>
+              <a:rPr lang="ja-JP" sz="1000" b="1" dirty="0">
+                <a:solidFill>
+                  <a:srgbClr val="4B4B4B"/>
+                </a:solidFill>
+                <a:latin typeface="Adobe Clean Han Bold" panose="020B0600000000000000" pitchFamily="34" charset="-128"/>
+                <a:ea typeface="Adobe Clean Han Bold" panose="020B0600000000000000" pitchFamily="34" charset="-128"/>
+                <a:cs typeface="Adobe Clean"/>
+              </a:rPr>
+              <a:t>価値実現までの時間の短縮</a:t>
+            </a:r>
+            <a:r>
+              <a:rPr lang="ja-JP" sz="1000" dirty="0">
                 <a:solidFill>
                   <a:srgbClr val="4B4B4B"/>
                 </a:solidFill>
                 <a:latin typeface="Adobe Clean Han Light" panose="020B0300000000000000" pitchFamily="34" charset="-128"/>
                 <a:ea typeface="Adobe Clean Han Light" panose="020B0300000000000000" pitchFamily="34" charset="-128"/>
-              </a:rPr>
-              <a:t>サポート契約の対象となるソリューション製品で、Launch Advisory が適用される場合、</a:t>
-            </a:r>
-            <a:r>
-              <a:rPr lang="ja-JP" sz="950" b="1" dirty="0">
+                <a:cs typeface="AdobeClean-Light"/>
+              </a:rPr>
+              <a:t>のために使用されます。サポート契約の対象となるソリューション製品で、Launch Advisory が適用される場合、</a:t>
+            </a:r>
+            <a:r>
+              <a:rPr lang="ja-JP" sz="1000" b="1" dirty="0">
                 <a:solidFill>
                   <a:srgbClr val="4B4B4B"/>
                 </a:solidFill>
-                <a:latin typeface="Adobe Clean Han Regular" panose="020B0500000000000000" pitchFamily="34" charset="-128"/>
-                <a:ea typeface="Adobe Clean Han Regular" panose="020B0500000000000000" pitchFamily="34" charset="-128"/>
+                <a:latin typeface="Adobe Clean Han Bold" panose="020B0600000000000000" pitchFamily="34" charset="-128"/>
+                <a:ea typeface="Adobe Clean Han Bold" panose="020B0600000000000000" pitchFamily="34" charset="-128"/>
                 <a:cs typeface="Adobe Clean"/>
               </a:rPr>
               <a:t>1 年目のフィールドサービス</a:t>
             </a:r>
-            <a:r>
-              <a:rPr lang="ja-JP" sz="950" b="1" dirty="0">
+            <a:br>
+              <a:rPr lang="cs-CZ" altLang="ja-JP" sz="1000" b="1" dirty="0">
                 <a:solidFill>
                   <a:srgbClr val="4B4B4B"/>
                 </a:solidFill>
-                <a:latin typeface="Adobe Clean Han Regular" panose="020B0500000000000000" pitchFamily="34" charset="-128"/>
-                <a:ea typeface="Adobe Clean Han Regular" panose="020B0500000000000000" pitchFamily="34" charset="-128"/>
-              </a:rPr>
-              <a:t>はありません</a:t>
-            </a:r>
-            <a:r>
-              <a:rPr lang="ja-JP" sz="950" dirty="0">
+                <a:latin typeface="Adobe Clean Han Bold" panose="020B0600000000000000" pitchFamily="34" charset="-128"/>
+                <a:ea typeface="Adobe Clean Han Bold" panose="020B0600000000000000" pitchFamily="34" charset="-128"/>
+                <a:cs typeface="Adobe Clean"/>
+              </a:rPr>
+            </a:br>
+            <a:r>
+              <a:rPr lang="ja-JP" sz="1000" dirty="0">
                 <a:solidFill>
                   <a:srgbClr val="4B4B4B"/>
                 </a:solidFill>
                 <a:latin typeface="Adobe Clean Han Light" panose="020B0300000000000000" pitchFamily="34" charset="-128"/>
                 <a:ea typeface="Adobe Clean Han Light" panose="020B0300000000000000" pitchFamily="34" charset="-128"/>
-              </a:rPr>
-              <a:t>。</a:t>
+                <a:cs typeface="AdobeClean-Light"/>
+              </a:rPr>
+              <a:t>はありません。</a:t>
             </a:r>
           </a:p>
         </p:txBody>
@@ -11052,9 +11679,9 @@
           <p:nvPr/>
         </p:nvSpPr>
         <p:spPr>
-          <a:xfrm>
-            <a:off x="924304" y="2667377"/>
-            <a:ext cx="1426466" cy="90311"/>
+          <a:xfrm flipV="1">
+            <a:off x="924303" y="2621659"/>
+            <a:ext cx="1455635" cy="45719"/>
           </a:xfrm>
           <a:custGeom>
             <a:avLst/>
@@ -11095,7 +11722,7 @@
         </p:nvSpPr>
         <p:spPr>
           <a:xfrm>
-            <a:off x="3711332" y="2413489"/>
+            <a:off x="3692282" y="2413489"/>
             <a:ext cx="0" cy="1005840"/>
           </a:xfrm>
           <a:custGeom>
@@ -11137,8 +11764,8 @@
         </p:nvSpPr>
         <p:spPr>
           <a:xfrm>
-            <a:off x="263464" y="5268722"/>
-            <a:ext cx="3114040" cy="597599"/>
+            <a:off x="263464" y="5303012"/>
+            <a:ext cx="3114040" cy="628377"/>
           </a:xfrm>
           <a:prstGeom prst="rect">
             <a:avLst/>
@@ -11159,27 +11786,12 @@
               </a:spcBef>
             </a:pPr>
             <a:r>
-              <a:rPr lang="ja-JP" sz="950" dirty="0">
+              <a:rPr lang="ja-JP" sz="1000" dirty="0">
                 <a:latin typeface="Adobe Clean Han Light" panose="020B0300000000000000" pitchFamily="34" charset="-128"/>
                 <a:ea typeface="Adobe Clean Han Light" panose="020B0300000000000000" pitchFamily="34" charset="-128"/>
                 <a:cs typeface="AdobeClean-Light"/>
               </a:rPr>
-              <a:t>Launch Advisory では、お客様のプロジェクトスケジュールの一般的なマイルストーン（キックオフ、定義、デザイン、サービスイン、ポストローンチ）に合わせて、</a:t>
-            </a:r>
-            <a:br>
-              <a:rPr lang="sk-SK" altLang="ja-JP" sz="950" dirty="0">
-                <a:latin typeface="Adobe Clean Han Light" panose="020B0300000000000000" pitchFamily="34" charset="-128"/>
-                <a:ea typeface="Adobe Clean Han Light" panose="020B0300000000000000" pitchFamily="34" charset="-128"/>
-                <a:cs typeface="AdobeClean-Light"/>
-              </a:rPr>
-            </a:br>
-            <a:r>
-              <a:rPr lang="ja-JP" sz="950" dirty="0">
-                <a:latin typeface="Adobe Clean Han Light" panose="020B0300000000000000" pitchFamily="34" charset="-128"/>
-                <a:ea typeface="Adobe Clean Han Light" panose="020B0300000000000000" pitchFamily="34" charset="-128"/>
-                <a:cs typeface="AdobeClean-Light"/>
-              </a:rPr>
-              <a:t>ガイド、検証、評価、提案を行います。</a:t>
+              <a:t>Launch Advisory では、お客様のプロジェクトスケジュールの一般的なマイルストーン（キックオフ、定義、デザイン、サービスイン、ポストローンチ）に合わせて、ガイド、検証、評価、提案を行います。</a:t>
             </a:r>
           </a:p>
         </p:txBody>
@@ -11192,7 +11804,7 @@
         </p:nvSpPr>
         <p:spPr>
           <a:xfrm>
-            <a:off x="263464" y="5948425"/>
+            <a:off x="263464" y="6036055"/>
             <a:ext cx="1247140" cy="166712"/>
           </a:xfrm>
           <a:prstGeom prst="rect">
@@ -11232,8 +11844,8 @@
         </p:nvSpPr>
         <p:spPr>
           <a:xfrm>
-            <a:off x="205422" y="6186379"/>
-            <a:ext cx="2834958" cy="746358"/>
+            <a:off x="205422" y="6239719"/>
+            <a:ext cx="3200022" cy="746358"/>
           </a:xfrm>
           <a:prstGeom prst="rect">
             <a:avLst/>
@@ -11312,7 +11924,7 @@
         <p:spPr>
           <a:xfrm>
             <a:off x="263464" y="4126991"/>
-            <a:ext cx="3141980" cy="1036181"/>
+            <a:ext cx="3141980" cy="1070610"/>
           </a:xfrm>
           <a:prstGeom prst="rect">
             <a:avLst/>
@@ -11333,7 +11945,7 @@
               </a:spcBef>
             </a:pPr>
             <a:r>
-              <a:rPr lang="ja-JP" sz="1600" dirty="0">
+              <a:rPr lang="ja-JP" sz="1600">
                 <a:solidFill>
                   <a:srgbClr val="FFFFFF"/>
                 </a:solidFill>
@@ -11354,11 +11966,36 @@
               </a:spcBef>
             </a:pPr>
             <a:r>
-              <a:rPr lang="ja-JP" sz="950" dirty="0">
+              <a:rPr lang="ja-JP" sz="1000">
                 <a:latin typeface="Adobe Clean Han Light" panose="020B0300000000000000" pitchFamily="34" charset="-128"/>
                 <a:ea typeface="Adobe Clean Han Light" panose="020B0300000000000000" pitchFamily="34" charset="-128"/>
-              </a:rPr>
-              <a:t>アドビソリューションエキスパートは、お客様や実装パートナーに対して、ベストプラクティスに基づいたガイダンスで、要件、アーキテクチャ、開発プロセス、ローンチ準備レビューの検証を支援します。</a:t>
+                <a:cs typeface="AdobeClean-Light"/>
+              </a:rPr>
+              <a:t>アドビソリューションエキスパートは、お客様や実装パートナーに対して、ベストプラクティスに基づいたガイダンスで、</a:t>
+            </a:r>
+            <a:r>
+              <a:rPr lang="ja-JP" sz="1000">
+                <a:latin typeface="Adobe Clean Han Light" panose="020B0300000000000000" pitchFamily="34" charset="-128"/>
+                <a:ea typeface="Adobe Clean Han Light" panose="020B0300000000000000" pitchFamily="34" charset="-128"/>
+                <a:cs typeface="AdobeClean-SemiLight"/>
+              </a:rPr>
+              <a:t>要件、</a:t>
+            </a:r>
+            <a:r>
+              <a:rPr lang="ja-JP" sz="950">
+                <a:latin typeface="Adobe Clean Han Light" panose="020B0300000000000000" pitchFamily="34" charset="-128"/>
+                <a:ea typeface="Adobe Clean Han Light" panose="020B0300000000000000" pitchFamily="34" charset="-128"/>
+                <a:cs typeface="AdobeClean-SemiLight"/>
+              </a:rPr>
+              <a:t>アーキテクチャ、</a:t>
+            </a:r>
+            <a:r>
+              <a:rPr lang="ja-JP" sz="1000">
+                <a:latin typeface="Adobe Clean Han Light" panose="020B0300000000000000" pitchFamily="34" charset="-128"/>
+                <a:ea typeface="Adobe Clean Han Light" panose="020B0300000000000000" pitchFamily="34" charset="-128"/>
+                <a:cs typeface="AdobeClean-SemiLight"/>
+              </a:rPr>
+              <a:t>開発プロセス、ローンチ準備レビューの検証を支援します。</a:t>
             </a:r>
           </a:p>
         </p:txBody>
@@ -11370,20 +12007,15 @@
           <p:nvPr/>
         </p:nvPicPr>
         <p:blipFill>
-          <a:blip r:embed="rId3" cstate="print">
-            <a:extLst>
-              <a:ext uri="{28A0092B-C50C-407E-A947-70E740481C1C}">
-                <a14:useLocalDpi xmlns:a14="http://schemas.microsoft.com/office/drawing/2010/main" val="0"/>
-              </a:ext>
-            </a:extLst>
-          </a:blip>
-          <a:srcRect/>
-          <a:stretch/>
+          <a:blip r:embed="rId3" cstate="print"/>
+          <a:stretch>
+            <a:fillRect/>
+          </a:stretch>
         </p:blipFill>
         <p:spPr>
           <a:xfrm>
-            <a:off x="363328" y="6984326"/>
-            <a:ext cx="3053821" cy="2818911"/>
+            <a:off x="363328" y="7007185"/>
+            <a:ext cx="3053821" cy="2818913"/>
           </a:xfrm>
           <a:prstGeom prst="rect">
             <a:avLst/>
@@ -11398,7 +12030,7 @@
         </p:nvSpPr>
         <p:spPr>
           <a:xfrm>
-            <a:off x="3947346" y="5283962"/>
+            <a:off x="3947346" y="5363972"/>
             <a:ext cx="3335020" cy="659765"/>
           </a:xfrm>
           <a:prstGeom prst="rect">
@@ -11421,8 +12053,9 @@
             </a:pPr>
             <a:r>
               <a:rPr lang="ja-JP" sz="1000" b="1" dirty="0">
-                <a:latin typeface="Adobe Clean Han Regular" panose="020B0500000000000000" pitchFamily="34" charset="-128"/>
-                <a:ea typeface="Adobe Clean Han Regular" panose="020B0500000000000000" pitchFamily="34" charset="-128"/>
+                <a:latin typeface="Adobe Clean Han Bold" panose="020B0600000000000000" pitchFamily="34" charset="-128"/>
+                <a:ea typeface="Adobe Clean Han Bold" panose="020B0600000000000000" pitchFamily="34" charset="-128"/>
+                <a:cs typeface="Arial"/>
               </a:rPr>
               <a:t>テクニカルトラックアクティビティ</a:t>
             </a:r>
@@ -11430,13 +12063,15 @@
               <a:rPr lang="ja-JP" sz="1000" dirty="0">
                 <a:latin typeface="Adobe Clean Han Light" panose="020B0300000000000000" pitchFamily="34" charset="-128"/>
                 <a:ea typeface="Adobe Clean Han Light" panose="020B0300000000000000" pitchFamily="34" charset="-128"/>
+                <a:cs typeface="AdobeClean-Light"/>
               </a:rPr>
               <a:t>は、お客様が技術的に安定し、ツールを最大限に活用できるようにします。</a:t>
             </a:r>
             <a:br>
-              <a:rPr lang="sk-SK" altLang="ja-JP" sz="1000" dirty="0">
+              <a:rPr lang="cs-CZ" altLang="ja-JP" sz="1000" dirty="0">
                 <a:latin typeface="Adobe Clean Han Light" panose="020B0300000000000000" pitchFamily="34" charset="-128"/>
                 <a:ea typeface="Adobe Clean Han Light" panose="020B0300000000000000" pitchFamily="34" charset="-128"/>
+                <a:cs typeface="AdobeClean-Light"/>
               </a:rPr>
             </a:br>
             <a:r>
@@ -11458,8 +12093,8 @@
         </p:nvSpPr>
         <p:spPr>
           <a:xfrm>
-            <a:off x="3947345" y="6094730"/>
-            <a:ext cx="3429519" cy="1436291"/>
+            <a:off x="3947346" y="6174740"/>
+            <a:ext cx="3270756" cy="1436291"/>
           </a:xfrm>
           <a:prstGeom prst="rect">
             <a:avLst/>
@@ -11630,7 +12265,7 @@
         </p:nvSpPr>
         <p:spPr>
           <a:xfrm>
-            <a:off x="3942774" y="7637018"/>
+            <a:off x="3942774" y="7717028"/>
             <a:ext cx="3208655" cy="1989006"/>
           </a:xfrm>
           <a:prstGeom prst="rect">
@@ -11653,17 +12288,11 @@
             </a:pPr>
             <a:r>
               <a:rPr lang="ja-JP" sz="1000" b="1" dirty="0">
-                <a:latin typeface="Adobe Clean Han Regular" panose="020B0500000000000000" pitchFamily="34" charset="-128"/>
-                <a:ea typeface="Adobe Clean Han Regular" panose="020B0500000000000000" pitchFamily="34" charset="-128"/>
+                <a:latin typeface="Adobe Clean Han Bold" panose="020B0600000000000000" pitchFamily="34" charset="-128"/>
+                <a:ea typeface="Adobe Clean Han Bold" panose="020B0600000000000000" pitchFamily="34" charset="-128"/>
+                <a:cs typeface="Arial"/>
               </a:rPr>
               <a:t>戦略的トラックアクティビティ</a:t>
-            </a:r>
-            <a:r>
-              <a:rPr lang="ja-JP" sz="1000" dirty="0">
-                <a:latin typeface="Adobe Clean Han Light" panose="020B0300000000000000" pitchFamily="34" charset="-128"/>
-                <a:ea typeface="Adobe Clean Han Light" panose="020B0300000000000000" pitchFamily="34" charset="-128"/>
-              </a:rPr>
-              <a:t>は、お客様のアドビソリューションから価値が実現されるようにするオポチュニティを提供します。</a:t>
             </a:r>
             <a:r>
               <a:rPr lang="ja-JP" sz="1000" dirty="0">
@@ -11671,7 +12300,7 @@
                 <a:ea typeface="Adobe Clean Han Light" panose="020B0300000000000000" pitchFamily="34" charset="-128"/>
                 <a:cs typeface="AdobeClean-Light"/>
               </a:rPr>
-              <a:t>これには、1 つ以上のアドビソリューションで価値実現を促進するための戦略、測定、成熟度に関するサポートの提案が含まれます。</a:t>
+              <a:t>は、お客様のアドビソリューションから価値が実現されるようにするオポチュニティを提供します。これには、1 つ以上のアドビソリューションで価値実現を促進するための戦略、測定、成熟度に関するサポートの提案が含まれます。</a:t>
             </a:r>
           </a:p>
           <a:p>
@@ -11803,7 +12432,7 @@
         <p:spPr>
           <a:xfrm>
             <a:off x="3942773" y="4126991"/>
-            <a:ext cx="3275329" cy="925894"/>
+            <a:ext cx="3275329" cy="969496"/>
           </a:xfrm>
           <a:prstGeom prst="rect">
             <a:avLst/>
@@ -11853,7 +12482,7 @@
               <a:t>エリートのお客様は、</a:t>
             </a:r>
             <a:r>
-              <a:rPr lang="ja-JP" sz="1000" b="1" dirty="0">
+              <a:rPr lang="ja-JP" sz="1200" b="1" dirty="0">
                 <a:solidFill>
                   <a:srgbClr val="1F1F1F"/>
                 </a:solidFill>
@@ -11862,14 +12491,14 @@
                     <a:srgbClr val="1F1F1F"/>
                   </a:solidFill>
                 </a:uFill>
-                <a:latin typeface="Adobe Clean Han Regular" panose="020B0500000000000000" pitchFamily="34" charset="-128"/>
-                <a:ea typeface="Adobe Clean Han Regular" panose="020B0500000000000000" pitchFamily="34" charset="-128"/>
+                <a:latin typeface="Adobe Clean Han Bold" panose="020B0600000000000000" pitchFamily="34" charset="-128"/>
+                <a:ea typeface="Adobe Clean Han Bold" panose="020B0600000000000000" pitchFamily="34" charset="-128"/>
                 <a:cs typeface="Arial"/>
               </a:rPr>
               <a:t>1 年ごとに </a:t>
             </a:r>
             <a:r>
-              <a:rPr lang="ja-JP" sz="1000" u="sng" dirty="0">
+              <a:rPr lang="ja-JP" sz="1200" u="sng" dirty="0">
                 <a:solidFill>
                   <a:srgbClr val="1F1F1F"/>
                 </a:solidFill>
@@ -11878,11 +12507,22 @@
                     <a:srgbClr val="1F1F1F"/>
                   </a:solidFill>
                 </a:uFill>
-                <a:latin typeface="Adobe Clean Han Regular" panose="020B0500000000000000" pitchFamily="34" charset="-128"/>
-                <a:ea typeface="Adobe Clean Han Regular" panose="020B0500000000000000" pitchFamily="34" charset="-128"/>
+                <a:latin typeface="Times New Roman"/>
+                <a:ea typeface="MS Mincho"/>
                 <a:cs typeface="Times New Roman"/>
               </a:rPr>
               <a:t>4</a:t>
+            </a:r>
+            <a:r>
+              <a:rPr lang="ja-JP" sz="1000" b="1" dirty="0">
+                <a:solidFill>
+                  <a:srgbClr val="1F1F1F"/>
+                </a:solidFill>
+                <a:latin typeface="Arial"/>
+                <a:ea typeface="MS Mincho"/>
+                <a:cs typeface="Arial"/>
+              </a:rPr>
+              <a:t> </a:t>
             </a:r>
             <a:r>
               <a:rPr lang="ja-JP" sz="1000" b="1" dirty="0">
@@ -11893,18 +12533,7 @@
                 <a:ea typeface="Adobe Clean Han Light" panose="020B0300000000000000" pitchFamily="34" charset="-128"/>
                 <a:cs typeface="Arial"/>
               </a:rPr>
-              <a:t> </a:t>
-            </a:r>
-            <a:r>
-              <a:rPr lang="ja-JP" sz="1000" b="1" dirty="0">
-                <a:solidFill>
-                  <a:srgbClr val="1F1F1F"/>
-                </a:solidFill>
-                <a:latin typeface="Adobe Clean Han Regular" panose="020B0500000000000000" pitchFamily="34" charset="-128"/>
-                <a:ea typeface="Adobe Clean Han Regular" panose="020B0500000000000000" pitchFamily="34" charset="-128"/>
-                <a:cs typeface="Arial"/>
-              </a:rPr>
-              <a:t>つのアクティビティを</a:t>
+              <a:t>つ</a:t>
             </a:r>
             <a:r>
               <a:rPr lang="ja-JP" sz="1000" dirty="0">
@@ -11915,6 +12544,17 @@
                 <a:ea typeface="Adobe Clean Han Light" panose="020B0300000000000000" pitchFamily="34" charset="-128"/>
                 <a:cs typeface="Arial"/>
               </a:rPr>
+              <a:t>のアクティビティを</a:t>
+            </a:r>
+            <a:r>
+              <a:rPr lang="ja-JP" sz="1000" dirty="0">
+                <a:solidFill>
+                  <a:srgbClr val="1F1F1F"/>
+                </a:solidFill>
+                <a:latin typeface="Adobe Clean Han Light" panose="020B0300000000000000" pitchFamily="34" charset="-128"/>
+                <a:ea typeface="Adobe Clean Han Light" panose="020B0300000000000000" pitchFamily="34" charset="-128"/>
+                <a:cs typeface="Adobe Clean"/>
+              </a:rPr>
               <a:t> 2 つのトラック</a:t>
             </a:r>
             <a:r>
@@ -11947,7 +12587,39 @@
                 <a:ea typeface="Adobe Clean Han Light" panose="020B0300000000000000" pitchFamily="34" charset="-128"/>
                 <a:cs typeface="Adobe Clean"/>
               </a:rPr>
-              <a:t>および／または</a:t>
+              <a:t>および／</a:t>
+            </a:r>
+            <a:br>
+              <a:rPr lang="cs-CZ" altLang="ja-JP" sz="1000" dirty="0">
+                <a:solidFill>
+                  <a:srgbClr val="1F1F1F"/>
+                </a:solidFill>
+                <a:latin typeface="Adobe Clean Han Light" panose="020B0300000000000000" pitchFamily="34" charset="-128"/>
+                <a:ea typeface="Adobe Clean Han Light" panose="020B0300000000000000" pitchFamily="34" charset="-128"/>
+                <a:cs typeface="Adobe Clean"/>
+              </a:rPr>
+            </a:br>
+            <a:r>
+              <a:rPr lang="ja-JP" sz="1000" dirty="0">
+                <a:solidFill>
+                  <a:srgbClr val="1F1F1F"/>
+                </a:solidFill>
+                <a:latin typeface="Adobe Clean Han Light" panose="020B0300000000000000" pitchFamily="34" charset="-128"/>
+                <a:ea typeface="Adobe Clean Han Light" panose="020B0300000000000000" pitchFamily="34" charset="-128"/>
+                <a:cs typeface="Adobe Clean"/>
+              </a:rPr>
+              <a:t>または</a:t>
+            </a:r>
+            <a:r>
+              <a:rPr lang="ja-JP" sz="1000" b="1" dirty="0">
+                <a:solidFill>
+                  <a:srgbClr val="1F1F1F"/>
+                </a:solidFill>
+                <a:latin typeface="Adobe Clean Han Bold" panose="020B0600000000000000" pitchFamily="34" charset="-128"/>
+                <a:ea typeface="Adobe Clean Han Bold" panose="020B0600000000000000" pitchFamily="34" charset="-128"/>
+                <a:cs typeface="Arial"/>
+              </a:rPr>
+              <a:t>戦略的ト</a:t>
             </a:r>
             <a:r>
               <a:rPr lang="ja-JP" sz="1000" b="1" dirty="0">
@@ -11958,18 +12630,18 @@
                 <a:ea typeface="Adobe Clean Han Light" panose="020B0300000000000000" pitchFamily="34" charset="-128"/>
                 <a:cs typeface="Arial"/>
               </a:rPr>
-              <a:t>戦略的トラック</a:t>
-            </a:r>
-            <a:r>
-              <a:rPr lang="ja-JP" sz="1000" dirty="0">
+              <a:t>ラック）</a:t>
+            </a:r>
+            <a:r>
+              <a:rPr lang="ja-JP" sz="1000" b="1" dirty="0">
                 <a:solidFill>
                   <a:srgbClr val="1F1F1F"/>
                 </a:solidFill>
-                <a:latin typeface="Adobe Clean Han Light" panose="020B0300000000000000" pitchFamily="34" charset="-128"/>
-                <a:ea typeface="Adobe Clean Han Light" panose="020B0300000000000000" pitchFamily="34" charset="-128"/>
+                <a:latin typeface="Adobe Clean Han Bold" panose="020B0600000000000000" pitchFamily="34" charset="-128"/>
+                <a:ea typeface="Adobe Clean Han Bold" panose="020B0600000000000000" pitchFamily="34" charset="-128"/>
                 <a:cs typeface="Arial"/>
               </a:rPr>
-              <a:t>）から利用できます</a:t>
+              <a:t>から利用できます</a:t>
             </a:r>
             <a:r>
               <a:rPr lang="ja-JP" sz="1000" b="1" dirty="0">
@@ -11993,8 +12665,8 @@
         </p:nvSpPr>
         <p:spPr>
           <a:xfrm>
-            <a:off x="923023" y="538480"/>
-            <a:ext cx="3763277" cy="228268"/>
+            <a:off x="923023" y="538479"/>
+            <a:ext cx="4107536" cy="228268"/>
           </a:xfrm>
           <a:prstGeom prst="rect">
             <a:avLst/>
@@ -12019,8 +12691,8 @@
                 <a:solidFill>
                   <a:srgbClr val="020302"/>
                 </a:solidFill>
-                <a:latin typeface="Adobe Clean Han Regular" panose="020B0500000000000000" pitchFamily="34" charset="-128"/>
-                <a:ea typeface="Adobe Clean Han Regular" panose="020B0500000000000000" pitchFamily="34" charset="-128"/>
+                <a:latin typeface="Adobe Clean Han Bold" panose="020B0600000000000000" pitchFamily="34" charset="-128"/>
+                <a:ea typeface="Adobe Clean Han Bold" panose="020B0600000000000000" pitchFamily="34" charset="-128"/>
                 <a:cs typeface="Adobe Clean"/>
               </a:rPr>
               <a:t>クラウドサポートアクティビティ - AEM</a:t>
@@ -12037,7 +12709,7 @@
         <p:spPr>
           <a:xfrm>
             <a:off x="924894" y="814263"/>
-            <a:ext cx="3323256" cy="111357"/>
+            <a:ext cx="3438384" cy="45719"/>
           </a:xfrm>
           <a:custGeom>
             <a:avLst/>
@@ -12131,42 +12803,6 @@
       </p:grpSp>
       <p:sp>
         <p:nvSpPr>
-          <p:cNvPr id="39" name="object 39"/>
-          <p:cNvSpPr txBox="1">
-            <a:spLocks noGrp="1"/>
-          </p:cNvSpPr>
-          <p:nvPr>
-            <p:ph type="sldNum" sz="quarter" idx="7"/>
-          </p:nvPr>
-        </p:nvSpPr>
-        <p:spPr>
-          <a:prstGeom prst="rect">
-            <a:avLst/>
-          </a:prstGeom>
-        </p:spPr>
-        <p:txBody>
-          <a:bodyPr vert="horz" wrap="square" lIns="0" tIns="10160" rIns="0" bIns="0" rtlCol="0">
-            <a:spAutoFit/>
-          </a:bodyPr>
-          <a:lstStyle/>
-          <a:p>
-            <a:pPr marL="12700">
-              <a:lnSpc>
-                <a:spcPct val="100000"/>
-              </a:lnSpc>
-              <a:spcBef>
-                <a:spcPts val="80"/>
-              </a:spcBef>
-            </a:pPr>
-            <a:r>
-              <a:rPr lang="ja-JP"/>
-              <a:t>©2021 Adobe.All Rights Reserved.Adobe Confidential.</a:t>
-            </a:r>
-          </a:p>
-        </p:txBody>
-      </p:sp>
-      <p:sp>
-        <p:nvSpPr>
           <p:cNvPr id="44" name="Pentagon 43">
             <a:extLst>
               <a:ext uri="{FF2B5EF4-FFF2-40B4-BE49-F238E27FC236}">
@@ -12217,8 +12853,8 @@
             <a:pPr algn="ctr"/>
             <a:r>
               <a:rPr lang="ja-JP" sz="1600">
-                <a:latin typeface="Adobe Clean Han Regular" panose="020B0500000000000000" pitchFamily="34" charset="-128"/>
-                <a:ea typeface="Adobe Clean Han Regular" panose="020B0500000000000000" pitchFamily="34" charset="-128"/>
+                <a:latin typeface="Adobe Clean Han Light" panose="020B0300000000000000" pitchFamily="34" charset="-128"/>
+                <a:ea typeface="Adobe Clean Han Light" panose="020B0300000000000000" pitchFamily="34" charset="-128"/>
               </a:rPr>
               <a:t>実行と運用</a:t>
             </a:r>
@@ -12277,8 +12913,8 @@
             <a:pPr algn="ctr"/>
             <a:r>
               <a:rPr lang="ja-JP" sz="1600" dirty="0">
-                <a:latin typeface="Adobe Clean Han Regular" panose="020B0500000000000000" pitchFamily="34" charset="-128"/>
-                <a:ea typeface="Adobe Clean Han Regular" panose="020B0500000000000000" pitchFamily="34" charset="-128"/>
+                <a:latin typeface="Adobe Clean Han Light" panose="020B0300000000000000" pitchFamily="34" charset="-128"/>
+                <a:ea typeface="Adobe Clean Han Light" panose="020B0300000000000000" pitchFamily="34" charset="-128"/>
               </a:rPr>
               <a:t>実装</a:t>
             </a:r>
@@ -12299,8 +12935,8 @@
         </p:nvSpPr>
         <p:spPr>
           <a:xfrm>
-            <a:off x="2868756" y="3521990"/>
-            <a:ext cx="933111" cy="400110"/>
+            <a:off x="2838774" y="3586760"/>
+            <a:ext cx="1058614" cy="246221"/>
           </a:xfrm>
           <a:prstGeom prst="rect">
             <a:avLst/>
@@ -12315,24 +12951,11 @@
           <a:p>
             <a:pPr algn="ctr"/>
             <a:r>
-              <a:rPr lang="ja-JP" sz="1000" dirty="0">
-                <a:latin typeface="Adobe Clean Han Regular" panose="020B0500000000000000" pitchFamily="34" charset="-128"/>
-                <a:ea typeface="Adobe Clean Han Regular" panose="020B0500000000000000" pitchFamily="34" charset="-128"/>
-              </a:rPr>
-              <a:t>ポスト</a:t>
-            </a:r>
-            <a:br>
-              <a:rPr lang="en-US" altLang="ja-JP" sz="1000" dirty="0">
-                <a:latin typeface="Adobe Clean Han Regular" panose="020B0500000000000000" pitchFamily="34" charset="-128"/>
-                <a:ea typeface="Adobe Clean Han Regular" panose="020B0500000000000000" pitchFamily="34" charset="-128"/>
-              </a:rPr>
-            </a:br>
-            <a:r>
-              <a:rPr lang="ja-JP" sz="1000" dirty="0">
-                <a:latin typeface="Adobe Clean Han Regular" panose="020B0500000000000000" pitchFamily="34" charset="-128"/>
-                <a:ea typeface="Adobe Clean Han Regular" panose="020B0500000000000000" pitchFamily="34" charset="-128"/>
-              </a:rPr>
-              <a:t>ローンチ</a:t>
+              <a:rPr lang="ja-JP" sz="1000" spc="-200" dirty="0">
+                <a:latin typeface="Adobe Clean Han Light" panose="020B0300000000000000" pitchFamily="34" charset="-128"/>
+                <a:ea typeface="Adobe Clean Han Light" panose="020B0300000000000000" pitchFamily="34" charset="-128"/>
+              </a:rPr>
+              <a:t>ポストローンチ</a:t>
             </a:r>
           </a:p>
         </p:txBody>
@@ -12351,8 +12974,8 @@
         </p:nvSpPr>
         <p:spPr>
           <a:xfrm>
-            <a:off x="2258994" y="3521990"/>
-            <a:ext cx="826006" cy="400110"/>
+            <a:off x="2138968" y="3586760"/>
+            <a:ext cx="933111" cy="246221"/>
           </a:xfrm>
           <a:prstGeom prst="rect">
             <a:avLst/>
@@ -12367,24 +12990,11 @@
           <a:p>
             <a:pPr algn="ctr"/>
             <a:r>
-              <a:rPr lang="ja-JP" sz="1000" dirty="0">
-                <a:latin typeface="Adobe Clean Han Regular" panose="020B0500000000000000" pitchFamily="34" charset="-128"/>
-                <a:ea typeface="Adobe Clean Han Regular" panose="020B0500000000000000" pitchFamily="34" charset="-128"/>
-              </a:rPr>
-              <a:t>サービス</a:t>
-            </a:r>
-            <a:br>
-              <a:rPr lang="sk-SK" altLang="ja-JP" sz="1000" dirty="0">
-                <a:latin typeface="Adobe Clean Han Regular" panose="020B0500000000000000" pitchFamily="34" charset="-128"/>
-                <a:ea typeface="Adobe Clean Han Regular" panose="020B0500000000000000" pitchFamily="34" charset="-128"/>
-              </a:rPr>
-            </a:br>
-            <a:r>
-              <a:rPr lang="ja-JP" sz="1000" dirty="0">
-                <a:latin typeface="Adobe Clean Han Regular" panose="020B0500000000000000" pitchFamily="34" charset="-128"/>
-                <a:ea typeface="Adobe Clean Han Regular" panose="020B0500000000000000" pitchFamily="34" charset="-128"/>
-              </a:rPr>
-              <a:t>イン</a:t>
+              <a:rPr lang="ja-JP" sz="1000" spc="-200" dirty="0">
+                <a:latin typeface="Adobe Clean Han Light" panose="020B0300000000000000" pitchFamily="34" charset="-128"/>
+                <a:ea typeface="Adobe Clean Han Light" panose="020B0300000000000000" pitchFamily="34" charset="-128"/>
+              </a:rPr>
+              <a:t>サービスイン</a:t>
             </a:r>
           </a:p>
         </p:txBody>
@@ -12403,7 +13013,7 @@
         </p:nvSpPr>
         <p:spPr>
           <a:xfrm>
-            <a:off x="878679" y="3616583"/>
+            <a:off x="878679" y="3589913"/>
             <a:ext cx="826006" cy="246221"/>
           </a:xfrm>
           <a:prstGeom prst="rect">
@@ -12419,9 +13029,9 @@
           <a:p>
             <a:pPr algn="ctr"/>
             <a:r>
-              <a:rPr lang="ja-JP" sz="1000">
-                <a:latin typeface="Adobe Clean Han Regular" panose="020B0500000000000000" pitchFamily="34" charset="-128"/>
-                <a:ea typeface="Adobe Clean Han Regular" panose="020B0500000000000000" pitchFamily="34" charset="-128"/>
+              <a:rPr lang="ja-JP" sz="1000" spc="-100">
+                <a:latin typeface="Adobe Clean Han Light" panose="020B0300000000000000" pitchFamily="34" charset="-128"/>
+                <a:ea typeface="Adobe Clean Han Light" panose="020B0300000000000000" pitchFamily="34" charset="-128"/>
               </a:rPr>
               <a:t>定義</a:t>
             </a:r>
@@ -12442,8 +13052,8 @@
         </p:nvSpPr>
         <p:spPr>
           <a:xfrm>
-            <a:off x="137160" y="3626383"/>
-            <a:ext cx="962530" cy="246221"/>
+            <a:off x="205422" y="3599713"/>
+            <a:ext cx="826006" cy="253916"/>
           </a:xfrm>
           <a:prstGeom prst="rect">
             <a:avLst/>
@@ -12458,9 +13068,9 @@
           <a:p>
             <a:pPr algn="ctr"/>
             <a:r>
-              <a:rPr lang="ja-JP" sz="1000" dirty="0">
-                <a:latin typeface="Adobe Clean Han Regular" panose="020B0500000000000000" pitchFamily="34" charset="-128"/>
-                <a:ea typeface="Adobe Clean Han Regular" panose="020B0500000000000000" pitchFamily="34" charset="-128"/>
+              <a:rPr lang="ja-JP" sz="1000" spc="-100">
+                <a:latin typeface="Adobe Clean Han Light" panose="020B0300000000000000" pitchFamily="34" charset="-128"/>
+                <a:ea typeface="Adobe Clean Han Light" panose="020B0300000000000000" pitchFamily="34" charset="-128"/>
               </a:rPr>
               <a:t>キックオフ</a:t>
             </a:r>
@@ -12481,7 +13091,7 @@
         </p:nvSpPr>
         <p:spPr>
           <a:xfrm>
-            <a:off x="1558548" y="3616583"/>
+            <a:off x="1558548" y="3589913"/>
             <a:ext cx="826006" cy="246221"/>
           </a:xfrm>
           <a:prstGeom prst="rect">
@@ -12497,9 +13107,9 @@
           <a:p>
             <a:pPr algn="ctr"/>
             <a:r>
-              <a:rPr lang="ja-JP" sz="1000" dirty="0">
-                <a:latin typeface="Adobe Clean Han Regular" panose="020B0500000000000000" pitchFamily="34" charset="-128"/>
-                <a:ea typeface="Adobe Clean Han Regular" panose="020B0500000000000000" pitchFamily="34" charset="-128"/>
+              <a:rPr lang="ja-JP" sz="1000" spc="-100">
+                <a:latin typeface="Adobe Clean Han Light" panose="020B0300000000000000" pitchFamily="34" charset="-128"/>
+                <a:ea typeface="Adobe Clean Han Light" panose="020B0300000000000000" pitchFamily="34" charset="-128"/>
               </a:rPr>
               <a:t>デザイン</a:t>
             </a:r>
@@ -12564,8 +13174,8 @@
                     <a:lumMod val="50000"/>
                   </a:schemeClr>
                 </a:solidFill>
-                <a:latin typeface="Adobe Clean Han Regular" panose="020B0500000000000000" pitchFamily="34" charset="-128"/>
-                <a:ea typeface="Adobe Clean Han Regular" panose="020B0500000000000000" pitchFamily="34" charset="-128"/>
+                <a:latin typeface="Adobe Clean Han Light" panose="020B0300000000000000" pitchFamily="34" charset="-128"/>
+                <a:ea typeface="Adobe Clean Han Light" panose="020B0300000000000000" pitchFamily="34" charset="-128"/>
               </a:rPr>
               <a:t>1 年ごとに 4 つのアクティビティ</a:t>
             </a:r>
@@ -12586,7 +13196,7 @@
         </p:nvSpPr>
         <p:spPr>
           <a:xfrm>
-            <a:off x="5265661" y="1471646"/>
+            <a:off x="5265661" y="1380206"/>
             <a:ext cx="2194560" cy="536622"/>
           </a:xfrm>
           <a:prstGeom prst="rect">
@@ -12634,8 +13244,8 @@
         </p:nvSpPr>
         <p:spPr>
           <a:xfrm>
-            <a:off x="2835999" y="1464006"/>
-            <a:ext cx="2194560" cy="540276"/>
+            <a:off x="2835999" y="1372566"/>
+            <a:ext cx="2194560" cy="538161"/>
           </a:xfrm>
           <a:prstGeom prst="rect">
             <a:avLst/>
@@ -12656,14 +13266,33 @@
               </a:spcBef>
             </a:pPr>
             <a:r>
-              <a:rPr lang="ja-JP" sz="1000">
+              <a:rPr lang="ja-JP" sz="1000" dirty="0">
                 <a:solidFill>
                   <a:srgbClr val="4B4B4B"/>
                 </a:solidFill>
                 <a:latin typeface="Adobe Clean Han Light" panose="020B0300000000000000" pitchFamily="34" charset="-128"/>
                 <a:ea typeface="Adobe Clean Han Light" panose="020B0300000000000000" pitchFamily="34" charset="-128"/>
               </a:rPr>
-              <a:t>最適化のチャンスがあるカスタマイズソリューションの採用領域を特定、レビュー、提案します。</a:t>
+              <a:t>最適化のチャンスがあるカスタマイズソリューションの採用領域を特定、</a:t>
+            </a:r>
+            <a:br>
+              <a:rPr lang="cs-CZ" altLang="ja-JP" sz="1000" dirty="0">
+                <a:solidFill>
+                  <a:srgbClr val="4B4B4B"/>
+                </a:solidFill>
+                <a:latin typeface="Adobe Clean Han Light" panose="020B0300000000000000" pitchFamily="34" charset="-128"/>
+                <a:ea typeface="Adobe Clean Han Light" panose="020B0300000000000000" pitchFamily="34" charset="-128"/>
+              </a:rPr>
+            </a:br>
+            <a:r>
+              <a:rPr lang="ja-JP" sz="1000" dirty="0">
+                <a:solidFill>
+                  <a:srgbClr val="4B4B4B"/>
+                </a:solidFill>
+                <a:latin typeface="Adobe Clean Han Light" panose="020B0300000000000000" pitchFamily="34" charset="-128"/>
+                <a:ea typeface="Adobe Clean Han Light" panose="020B0300000000000000" pitchFamily="34" charset="-128"/>
+              </a:rPr>
+              <a:t>レビュー、提案します。</a:t>
             </a:r>
           </a:p>
         </p:txBody>
@@ -12682,8 +13311,8 @@
         </p:nvSpPr>
         <p:spPr>
           <a:xfrm>
-            <a:off x="355868" y="1417898"/>
-            <a:ext cx="2194560" cy="900375"/>
+            <a:off x="355868" y="1379798"/>
+            <a:ext cx="2194560" cy="898259"/>
           </a:xfrm>
           <a:prstGeom prst="rect">
             <a:avLst/>
@@ -12711,7 +13340,7 @@
                 <a:latin typeface="Adobe Clean Han Light" panose="020B0300000000000000" pitchFamily="34" charset="-128"/>
                 <a:ea typeface="Adobe Clean Han Light" panose="020B0300000000000000" pitchFamily="34" charset="-128"/>
               </a:rPr>
-              <a:t>AEM as a Cloud Service のお客様が業界標準や AEM as a Cloud Service のベストプラクティスを遵守することを支援するための技術的および運用上のガバナンスです。</a:t>
+              <a:t>AEM as a Cloud Service のお客様が業界標準や AEM as a Cloud Service のベストプラクティスを遵守することを支援するための技術的および運用上のガバナンスを提供します。</a:t>
             </a:r>
           </a:p>
         </p:txBody>
@@ -12731,7 +13360,7 @@
         <p:spPr>
           <a:xfrm>
             <a:off x="5181600" y="936612"/>
-            <a:ext cx="2449830" cy="461665"/>
+            <a:ext cx="2521226" cy="461665"/>
           </a:xfrm>
           <a:prstGeom prst="rect">
             <a:avLst/>
@@ -12756,8 +13385,8 @@
                 <a:solidFill>
                   <a:srgbClr val="020302"/>
                 </a:solidFill>
-                <a:latin typeface="Adobe Clean Han Regular" panose="020B0500000000000000" pitchFamily="34" charset="-128"/>
-                <a:ea typeface="Adobe Clean Han Regular" panose="020B0500000000000000" pitchFamily="34" charset="-128"/>
+                <a:latin typeface="Adobe Clean Han Bold" panose="020B0600000000000000" pitchFamily="34" charset="-128"/>
+                <a:ea typeface="Adobe Clean Han Bold" panose="020B0600000000000000" pitchFamily="34" charset="-128"/>
                 <a:cs typeface="Adobe Clean"/>
               </a:rPr>
               <a:t>AEM as a Cloud Service のカスタマイズのベストプラクティス</a:t>
@@ -12780,7 +13409,7 @@
         <p:spPr>
           <a:xfrm>
             <a:off x="2752587" y="908302"/>
-            <a:ext cx="2090681" cy="461665"/>
+            <a:ext cx="2122649" cy="461665"/>
           </a:xfrm>
           <a:prstGeom prst="rect">
             <a:avLst/>
@@ -12805,8 +13434,8 @@
                 <a:solidFill>
                   <a:srgbClr val="020302"/>
                 </a:solidFill>
-                <a:latin typeface="Adobe Clean Han Regular" panose="020B0500000000000000" pitchFamily="34" charset="-128"/>
-                <a:ea typeface="Adobe Clean Han Regular" panose="020B0500000000000000" pitchFamily="34" charset="-128"/>
+                <a:latin typeface="Adobe Clean Han Bold" panose="020B0600000000000000" pitchFamily="34" charset="-128"/>
+                <a:ea typeface="Adobe Clean Han Bold" panose="020B0600000000000000" pitchFamily="34" charset="-128"/>
                 <a:cs typeface="Adobe Clean"/>
               </a:rPr>
               <a:t>AEM as a Cloud Service の付加価値サービス</a:t>
@@ -12854,12 +13483,144 @@
                 <a:solidFill>
                   <a:srgbClr val="020302"/>
                 </a:solidFill>
-                <a:latin typeface="Adobe Clean Han Regular" panose="020B0500000000000000" pitchFamily="34" charset="-128"/>
-                <a:ea typeface="Adobe Clean Han Regular" panose="020B0500000000000000" pitchFamily="34" charset="-128"/>
+                <a:latin typeface="Adobe Clean Han Bold" panose="020B0600000000000000" pitchFamily="34" charset="-128"/>
+                <a:ea typeface="Adobe Clean Han Bold" panose="020B0600000000000000" pitchFamily="34" charset="-128"/>
                 <a:cs typeface="Adobe Clean"/>
               </a:rPr>
               <a:t>AEM as a Cloud Service 向けガバナンス</a:t>
             </a:r>
+          </a:p>
+        </p:txBody>
+      </p:sp>
+      <p:sp>
+        <p:nvSpPr>
+          <p:cNvPr id="57" name="object 10">
+            <a:extLst>
+              <a:ext uri="{FF2B5EF4-FFF2-40B4-BE49-F238E27FC236}">
+                <a16:creationId xmlns:a16="http://schemas.microsoft.com/office/drawing/2014/main" id="{50B92A6C-609D-4DF2-BE3B-930B952D936E}"/>
+              </a:ext>
+            </a:extLst>
+          </p:cNvPr>
+          <p:cNvSpPr txBox="1"/>
+          <p:nvPr/>
+        </p:nvSpPr>
+        <p:spPr>
+          <a:xfrm>
+            <a:off x="97787" y="9888626"/>
+            <a:ext cx="2202180" cy="149860"/>
+          </a:xfrm>
+          <a:prstGeom prst="rect">
+            <a:avLst/>
+          </a:prstGeom>
+        </p:spPr>
+        <p:txBody>
+          <a:bodyPr vert="horz" wrap="square" lIns="0" tIns="10160" rIns="0" bIns="0" rtlCol="0">
+            <a:spAutoFit/>
+          </a:bodyPr>
+          <a:lstStyle/>
+          <a:p>
+            <a:pPr marL="12700">
+              <a:lnSpc>
+                <a:spcPct val="100000"/>
+              </a:lnSpc>
+              <a:spcBef>
+                <a:spcPts val="80"/>
+              </a:spcBef>
+            </a:pPr>
+            <a:r>
+              <a:rPr sz="800" spc="-15" dirty="0">
+                <a:solidFill>
+                  <a:srgbClr val="6D6D6D"/>
+                </a:solidFill>
+                <a:latin typeface="Adobe Clean"/>
+                <a:cs typeface="Adobe Clean"/>
+              </a:rPr>
+              <a:t>©2021 </a:t>
+            </a:r>
+            <a:r>
+              <a:rPr sz="800" spc="-5" dirty="0">
+                <a:solidFill>
+                  <a:srgbClr val="6D6D6D"/>
+                </a:solidFill>
+                <a:latin typeface="Adobe Clean"/>
+                <a:cs typeface="Adobe Clean"/>
+              </a:rPr>
+              <a:t>Adobe. All</a:t>
+            </a:r>
+            <a:r>
+              <a:rPr sz="800" spc="-15" dirty="0">
+                <a:solidFill>
+                  <a:srgbClr val="6D6D6D"/>
+                </a:solidFill>
+                <a:latin typeface="Adobe Clean"/>
+                <a:cs typeface="Adobe Clean"/>
+              </a:rPr>
+              <a:t> Rights</a:t>
+            </a:r>
+            <a:r>
+              <a:rPr sz="800" spc="-5" dirty="0">
+                <a:solidFill>
+                  <a:srgbClr val="6D6D6D"/>
+                </a:solidFill>
+                <a:latin typeface="Adobe Clean"/>
+                <a:cs typeface="Adobe Clean"/>
+              </a:rPr>
+              <a:t> </a:t>
+            </a:r>
+            <a:r>
+              <a:rPr sz="800" spc="-15" dirty="0">
+                <a:solidFill>
+                  <a:srgbClr val="6D6D6D"/>
+                </a:solidFill>
+                <a:latin typeface="Adobe Clean"/>
+                <a:cs typeface="Adobe Clean"/>
+              </a:rPr>
+              <a:t>Reserved.</a:t>
+            </a:r>
+            <a:r>
+              <a:rPr sz="800" spc="-10" dirty="0">
+                <a:solidFill>
+                  <a:srgbClr val="6D6D6D"/>
+                </a:solidFill>
+                <a:latin typeface="Adobe Clean"/>
+                <a:cs typeface="Adobe Clean"/>
+              </a:rPr>
+              <a:t> </a:t>
+            </a:r>
+            <a:r>
+              <a:rPr sz="800" spc="-5" dirty="0">
+                <a:solidFill>
+                  <a:srgbClr val="6D6D6D"/>
+                </a:solidFill>
+                <a:latin typeface="Adobe Clean"/>
+                <a:cs typeface="Adobe Clean"/>
+              </a:rPr>
+              <a:t>Adobe</a:t>
+            </a:r>
+            <a:r>
+              <a:rPr sz="800" spc="65" dirty="0">
+                <a:solidFill>
+                  <a:srgbClr val="6D6D6D"/>
+                </a:solidFill>
+                <a:latin typeface="Adobe Clean"/>
+                <a:cs typeface="Adobe Clean"/>
+              </a:rPr>
+              <a:t> </a:t>
+            </a:r>
+            <a:r>
+              <a:rPr sz="800" spc="-15" dirty="0">
+                <a:solidFill>
+                  <a:srgbClr val="6D6D6D"/>
+                </a:solidFill>
+                <a:latin typeface="Adobe Clean"/>
+                <a:cs typeface="Adobe Clean"/>
+              </a:rPr>
+              <a:t>Confidential.</a:t>
+            </a:r>
+            <a:endParaRPr sz="800" dirty="0">
+              <a:latin typeface="Adobe Clean"/>
+              <a:cs typeface="Adobe Clean"/>
+            </a:endParaRPr>
           </a:p>
         </p:txBody>
       </p:sp>
@@ -12920,11 +13681,11 @@
               </a:lnSpc>
             </a:pPr>
             <a:r>
-              <a:rPr lang="ja-JP" sz="500">
+              <a:rPr lang="ja-JP" sz="500" dirty="0">
                 <a:solidFill>
                   <a:srgbClr val="6C6C6C"/>
                 </a:solidFill>
-                <a:latin typeface="Adobe Clean"/>
+                <a:latin typeface="Adobe Clean Han Bold" panose="020B0600000000000000" pitchFamily="34" charset="-128"/>
                 <a:ea typeface="MS Mincho"/>
                 <a:cs typeface="Adobe Clean"/>
               </a:rPr>
@@ -12940,8 +13701,8 @@
                 <a:spcPts val="25"/>
               </a:spcBef>
             </a:pPr>
-            <a:endParaRPr sz="800">
-              <a:latin typeface="Adobe Clean"/>
+            <a:endParaRPr sz="800" dirty="0">
+              <a:latin typeface="Adobe Clean Han Bold" panose="020B0600000000000000" pitchFamily="34" charset="-128"/>
               <a:cs typeface="Adobe Clean"/>
             </a:endParaRPr>
           </a:p>
@@ -12955,11 +13716,11 @@
               </a:spcBef>
             </a:pPr>
             <a:r>
-              <a:rPr lang="ja-JP" sz="800">
+              <a:rPr lang="ja-JP" sz="800" dirty="0">
                 <a:solidFill>
                   <a:srgbClr val="6D6D6D"/>
                 </a:solidFill>
-                <a:latin typeface="Adobe Clean"/>
+                <a:latin typeface="Adobe Clean Han Bold" panose="020B0600000000000000" pitchFamily="34" charset="-128"/>
                 <a:ea typeface="MS Mincho"/>
                 <a:cs typeface="Adobe Clean"/>
               </a:rPr>
@@ -13052,138 +13813,11 @@
                 <a:solidFill>
                   <a:srgbClr val="020302"/>
                 </a:solidFill>
-                <a:latin typeface="Adobe Clean Han Regular" panose="020B0500000000000000" pitchFamily="34" charset="-128"/>
-                <a:ea typeface="Adobe Clean Han Regular" panose="020B0500000000000000" pitchFamily="34" charset="-128"/>
+                <a:latin typeface="Adobe Clean Han Bold" panose="020B0600000000000000" pitchFamily="34" charset="-128"/>
+                <a:ea typeface="Adobe Clean Han Bold" panose="020B0600000000000000" pitchFamily="34" charset="-128"/>
                 <a:cs typeface="Adobe Clean"/>
               </a:rPr>
               <a:t>リソース</a:t>
-            </a:r>
-          </a:p>
-        </p:txBody>
-      </p:sp>
-      <p:sp>
-        <p:nvSpPr>
-          <p:cNvPr id="24" name="object 24"/>
-          <p:cNvSpPr txBox="1"/>
-          <p:nvPr/>
-        </p:nvSpPr>
-        <p:spPr>
-          <a:xfrm>
-            <a:off x="6754820" y="9283729"/>
-            <a:ext cx="1017579" cy="643125"/>
-          </a:xfrm>
-          <a:prstGeom prst="rect">
-            <a:avLst/>
-          </a:prstGeom>
-        </p:spPr>
-        <p:txBody>
-          <a:bodyPr vert="horz" wrap="square" lIns="0" tIns="12065" rIns="0" bIns="0" rtlCol="0">
-            <a:spAutoFit/>
-          </a:bodyPr>
-          <a:lstStyle/>
-          <a:p>
-            <a:pPr marL="12700">
-              <a:lnSpc>
-                <a:spcPts val="930"/>
-              </a:lnSpc>
-              <a:spcBef>
-                <a:spcPts val="95"/>
-              </a:spcBef>
-            </a:pPr>
-            <a:r>
-              <a:rPr lang="ja-JP" sz="800" dirty="0">
-                <a:solidFill>
-                  <a:srgbClr val="777879"/>
-                </a:solidFill>
-                <a:latin typeface="Adobe Clean"/>
-                <a:ea typeface="MS Mincho"/>
-                <a:cs typeface="Adobe Clean"/>
-              </a:rPr>
-              <a:t>Adobe</a:t>
-            </a:r>
-          </a:p>
-          <a:p>
-            <a:pPr marL="12700">
-              <a:lnSpc>
-                <a:spcPts val="915"/>
-              </a:lnSpc>
-            </a:pPr>
-            <a:r>
-              <a:rPr lang="ja-JP" sz="800" dirty="0">
-                <a:solidFill>
-                  <a:srgbClr val="777879"/>
-                </a:solidFill>
-                <a:latin typeface="Adobe Clean"/>
-                <a:ea typeface="MS Mincho"/>
-                <a:cs typeface="Adobe Clean"/>
-              </a:rPr>
-              <a:t>345 Park Avenue</a:t>
-            </a:r>
-          </a:p>
-          <a:p>
-            <a:pPr marL="12700">
-              <a:lnSpc>
-                <a:spcPts val="944"/>
-              </a:lnSpc>
-            </a:pPr>
-            <a:r>
-              <a:rPr lang="ja-JP" sz="800" spc="-10" dirty="0">
-                <a:solidFill>
-                  <a:srgbClr val="777879"/>
-                </a:solidFill>
-                <a:latin typeface="Adobe Clean"/>
-                <a:ea typeface="MS Mincho"/>
-                <a:cs typeface="Adobe Clean"/>
-              </a:rPr>
-              <a:t>San Jose, CA95110-2704</a:t>
-            </a:r>
-          </a:p>
-          <a:p>
-            <a:pPr marL="12700">
-              <a:lnSpc>
-                <a:spcPct val="100000"/>
-              </a:lnSpc>
-              <a:spcBef>
-                <a:spcPts val="45"/>
-              </a:spcBef>
-            </a:pPr>
-            <a:r>
-              <a:rPr lang="ja-JP" sz="800" dirty="0">
-                <a:solidFill>
-                  <a:srgbClr val="777879"/>
-                </a:solidFill>
-                <a:latin typeface="Adobe Clean"/>
-                <a:ea typeface="MS Mincho"/>
-                <a:cs typeface="Adobe Clean"/>
-              </a:rPr>
-              <a:t>USA</a:t>
-            </a:r>
-          </a:p>
-          <a:p>
-            <a:pPr marL="12700">
-              <a:lnSpc>
-                <a:spcPct val="100000"/>
-              </a:lnSpc>
-              <a:spcBef>
-                <a:spcPts val="265"/>
-              </a:spcBef>
-            </a:pPr>
-            <a:r>
-              <a:rPr lang="ja-JP" sz="800" u="sng" dirty="0">
-                <a:solidFill>
-                  <a:srgbClr val="5F5F5F"/>
-                </a:solidFill>
-                <a:uFill>
-                  <a:solidFill>
-                    <a:srgbClr val="0000FF"/>
-                  </a:solidFill>
-                </a:uFill>
-                <a:latin typeface="Adobe Clean"/>
-                <a:ea typeface="MS Mincho"/>
-                <a:cs typeface="Adobe Clean"/>
-                <a:hlinkClick r:id="rId3"/>
-              </a:rPr>
-              <a:t>www.adobe.com</a:t>
             </a:r>
           </a:p>
         </p:txBody>
@@ -13203,7 +13837,7 @@
             <a:avLst/>
           </a:prstGeom>
           <a:blipFill>
-            <a:blip r:embed="rId4" cstate="print"/>
+            <a:blip r:embed="rId3" cstate="print"/>
             <a:stretch>
               <a:fillRect/>
             </a:stretch>
@@ -13315,7 +13949,7 @@
             <a:avLst/>
           </a:prstGeom>
           <a:blipFill>
-            <a:blip r:embed="rId5" cstate="print"/>
+            <a:blip r:embed="rId4" cstate="print"/>
             <a:stretch>
               <a:fillRect/>
             </a:stretch>
@@ -13359,7 +13993,7 @@
               </a:spcBef>
             </a:pPr>
             <a:r>
-              <a:rPr lang="ja-JP" sz="1100" i="1" spc="-40" dirty="0">
+              <a:rPr lang="ja-JP" sz="1100" i="1" dirty="0">
                 <a:solidFill>
                   <a:srgbClr val="777879"/>
                 </a:solidFill>
@@ -13380,16 +14014,39 @@
               </a:spcBef>
             </a:pPr>
             <a:r>
-              <a:rPr lang="ja-JP" sz="800" dirty="0">
+              <a:rPr lang="en-US" sz="800" spc="-5" dirty="0">
                 <a:solidFill>
                   <a:srgbClr val="6D6D6D"/>
                 </a:solidFill>
                 <a:latin typeface="Adobe Clean"/>
-                <a:ea typeface="MS Mincho"/>
                 <a:cs typeface="Adobe Clean"/>
               </a:rPr>
-              <a:t>©2021 Adobe.All Rights Reserved.Adobe Confidential.</a:t>
-            </a:r>
+              <a:t>©2021 Adobe. All Rights Reserved. Adobe</a:t>
+            </a:r>
+            <a:r>
+              <a:rPr lang="en-US" sz="800" spc="75" dirty="0">
+                <a:solidFill>
+                  <a:srgbClr val="6D6D6D"/>
+                </a:solidFill>
+                <a:latin typeface="Adobe Clean"/>
+                <a:cs typeface="Adobe Clean"/>
+              </a:rPr>
+              <a:t> </a:t>
+            </a:r>
+            <a:r>
+              <a:rPr lang="en-US" sz="800" spc="-5" dirty="0">
+                <a:solidFill>
+                  <a:srgbClr val="6D6D6D"/>
+                </a:solidFill>
+                <a:latin typeface="Adobe Clean"/>
+                <a:cs typeface="Adobe Clean"/>
+              </a:rPr>
+              <a:t>Confidential.</a:t>
+            </a:r>
+            <a:endParaRPr lang="en-US" sz="800" dirty="0">
+              <a:latin typeface="Adobe Clean"/>
+              <a:cs typeface="Adobe Clean"/>
+            </a:endParaRPr>
           </a:p>
         </p:txBody>
       </p:sp>
@@ -13430,8 +14087,8 @@
                 <a:solidFill>
                   <a:srgbClr val="020302"/>
                 </a:solidFill>
-                <a:latin typeface="Adobe Clean Han Regular" panose="020B0500000000000000" pitchFamily="34" charset="-128"/>
-                <a:ea typeface="Adobe Clean Han Regular" panose="020B0500000000000000" pitchFamily="34" charset="-128"/>
+                <a:latin typeface="Adobe Clean Han Bold" panose="020B0600000000000000" pitchFamily="34" charset="-128"/>
+                <a:ea typeface="Adobe Clean Han Bold" panose="020B0600000000000000" pitchFamily="34" charset="-128"/>
                 <a:cs typeface="Adobe Clean"/>
               </a:rPr>
               <a:t>アドビサポートの対象地域、現地の営業時間、言語サポート</a:t>
@@ -13451,27 +14108,7 @@
                 <a:latin typeface="Adobe Clean Han Light" panose="020B0300000000000000" pitchFamily="34" charset="-128"/>
                 <a:ea typeface="Adobe Clean Han Light" panose="020B0300000000000000" pitchFamily="34" charset="-128"/>
               </a:rPr>
-              <a:t>アドビサポートの対象地域と現地営業時間は、以下のとおりです。対象地域は、お客様のセールスオーダーやその他のアドビサポートの</a:t>
-            </a:r>
-            <a:r>
-              <a:rPr lang="ja-JP" altLang="en-US" sz="1000" dirty="0">
-                <a:solidFill>
-                  <a:srgbClr val="1F1F1F"/>
-                </a:solidFill>
-                <a:latin typeface="Adobe Clean Han Light" panose="020B0300000000000000" pitchFamily="34" charset="-128"/>
-                <a:ea typeface="Adobe Clean Han Light" panose="020B0300000000000000" pitchFamily="34" charset="-128"/>
-              </a:rPr>
-              <a:t>ご契約資料</a:t>
-            </a:r>
-            <a:r>
-              <a:rPr lang="ja-JP" sz="1000" dirty="0">
-                <a:solidFill>
-                  <a:srgbClr val="1F1F1F"/>
-                </a:solidFill>
-                <a:latin typeface="Adobe Clean Han Light" panose="020B0300000000000000" pitchFamily="34" charset="-128"/>
-                <a:ea typeface="Adobe Clean Han Light" panose="020B0300000000000000" pitchFamily="34" charset="-128"/>
-              </a:rPr>
-              <a:t>に記載されている請求先の地域に準じます。</a:t>
+              <a:t>アドビサポートの対象地域と現地営業時間は、以下のとおりです。対象地域は、お客様のセールスオーダーやその他のアドビサポートのご契約資料に記載されている請求先の地域に準じます。</a:t>
             </a:r>
           </a:p>
         </p:txBody>
@@ -13491,7 +14128,7 @@
           <p:nvPr>
             <p:extLst>
               <p:ext uri="{D42A27DB-BD31-4B8C-83A1-F6EECF244321}">
-                <p14:modId xmlns:p14="http://schemas.microsoft.com/office/powerpoint/2010/main" val="3391328245"/>
+                <p14:modId xmlns:p14="http://schemas.microsoft.com/office/powerpoint/2010/main" val="999902825"/>
               </p:ext>
             </p:extLst>
           </p:nvPr>
@@ -13548,8 +14185,8 @@
                           <a:solidFill>
                             <a:schemeClr val="tx1"/>
                           </a:solidFill>
-                          <a:latin typeface="Adobe Clean Han Regular" panose="020B0500000000000000" pitchFamily="34" charset="-128"/>
-                          <a:ea typeface="Adobe Clean Han Regular" panose="020B0500000000000000" pitchFamily="34" charset="-128"/>
+                          <a:latin typeface="Adobe Clean Han Bold" panose="020B0600000000000000" pitchFamily="34" charset="-128"/>
+                          <a:ea typeface="Adobe Clean Han Bold" panose="020B0600000000000000" pitchFamily="34" charset="-128"/>
                         </a:rPr>
                         <a:t>南北アメリカ</a:t>
                       </a:r>
@@ -13614,18 +14251,18 @@
                           <a:solidFill>
                             <a:schemeClr val="tx1"/>
                           </a:solidFill>
-                          <a:latin typeface="Adobe Clean Han Regular" panose="020B0500000000000000" pitchFamily="34" charset="-128"/>
-                          <a:ea typeface="Adobe Clean Han Regular" panose="020B0500000000000000" pitchFamily="34" charset="-128"/>
+                          <a:latin typeface="Adobe Clean Han Bold" panose="020B0600000000000000" pitchFamily="34" charset="-128"/>
+                          <a:ea typeface="Adobe Clean Han Bold" panose="020B0600000000000000" pitchFamily="34" charset="-128"/>
                         </a:rPr>
                         <a:t>ヨーロッパ、中東、</a:t>
                       </a:r>
                       <a:br>
-                        <a:rPr lang="sk-SK" altLang="ja-JP" sz="1100" dirty="0">
+                        <a:rPr lang="cs-CZ" altLang="ja-JP" sz="1100" dirty="0">
                           <a:solidFill>
                             <a:schemeClr val="tx1"/>
                           </a:solidFill>
-                          <a:latin typeface="Adobe Clean Han Regular" panose="020B0500000000000000" pitchFamily="34" charset="-128"/>
-                          <a:ea typeface="Adobe Clean Han Regular" panose="020B0500000000000000" pitchFamily="34" charset="-128"/>
+                          <a:latin typeface="Adobe Clean Han Bold" panose="020B0600000000000000" pitchFamily="34" charset="-128"/>
+                          <a:ea typeface="Adobe Clean Han Bold" panose="020B0600000000000000" pitchFamily="34" charset="-128"/>
                         </a:rPr>
                       </a:br>
                       <a:r>
@@ -13633,8 +14270,8 @@
                           <a:solidFill>
                             <a:schemeClr val="tx1"/>
                           </a:solidFill>
-                          <a:latin typeface="Adobe Clean Han Regular" panose="020B0500000000000000" pitchFamily="34" charset="-128"/>
-                          <a:ea typeface="Adobe Clean Han Regular" panose="020B0500000000000000" pitchFamily="34" charset="-128"/>
+                          <a:latin typeface="Adobe Clean Han Bold" panose="020B0600000000000000" pitchFamily="34" charset="-128"/>
+                          <a:ea typeface="Adobe Clean Han Bold" panose="020B0600000000000000" pitchFamily="34" charset="-128"/>
                         </a:rPr>
                         <a:t>アフリカ</a:t>
                       </a:r>
@@ -13699,8 +14336,8 @@
                           <a:solidFill>
                             <a:schemeClr val="tx1"/>
                           </a:solidFill>
-                          <a:latin typeface="Adobe Clean Han Regular" panose="020B0500000000000000" pitchFamily="34" charset="-128"/>
-                          <a:ea typeface="Adobe Clean Han Regular" panose="020B0500000000000000" pitchFamily="34" charset="-128"/>
+                          <a:latin typeface="Adobe Clean Han Bold" panose="020B0600000000000000" pitchFamily="34" charset="-128"/>
+                          <a:ea typeface="Adobe Clean Han Bold" panose="020B0600000000000000" pitchFamily="34" charset="-128"/>
                         </a:rPr>
                         <a:t>アジア太平洋</a:t>
                       </a:r>
@@ -13761,22 +14398,22 @@
                     <a:p>
                       <a:pPr algn="ctr"/>
                       <a:r>
-                        <a:rPr lang="ja-JP" sz="1100">
+                        <a:rPr lang="ja-JP" sz="1100" dirty="0">
                           <a:solidFill>
                             <a:schemeClr val="tx1"/>
                           </a:solidFill>
-                          <a:latin typeface="Adobe Clean Han Regular" panose="020B0500000000000000" pitchFamily="34" charset="-128"/>
-                          <a:ea typeface="Adobe Clean Han Regular" panose="020B0500000000000000" pitchFamily="34" charset="-128"/>
+                          <a:latin typeface="Adobe Clean Han Bold" panose="020B0600000000000000" pitchFamily="34" charset="-128"/>
+                          <a:ea typeface="Adobe Clean Han Bold" panose="020B0600000000000000" pitchFamily="34" charset="-128"/>
                         </a:rPr>
                         <a:t>日本 </a:t>
                       </a:r>
                       <a:r>
-                        <a:rPr lang="ja-JP" sz="1100" baseline="30000">
+                        <a:rPr lang="ja-JP" sz="1100" baseline="30000" dirty="0">
                           <a:solidFill>
                             <a:schemeClr val="tx1"/>
                           </a:solidFill>
-                          <a:latin typeface="Adobe Clean Han Regular" panose="020B0500000000000000" pitchFamily="34" charset="-128"/>
-                          <a:ea typeface="Adobe Clean Han Regular" panose="020B0500000000000000" pitchFamily="34" charset="-128"/>
+                          <a:latin typeface="Adobe Clean Han Bold" panose="020B0600000000000000" pitchFamily="34" charset="-128"/>
+                          <a:ea typeface="Adobe Clean Han Bold" panose="020B0600000000000000" pitchFamily="34" charset="-128"/>
                         </a:rPr>
                         <a:t>1 </a:t>
                       </a:r>
@@ -13844,80 +14481,14 @@
                     <a:p>
                       <a:pPr algn="ctr"/>
                       <a:r>
-                        <a:rPr lang="ja-JP" sz="1100">
+                        <a:rPr lang="ja-JP" sz="1100" dirty="0">
                           <a:solidFill>
                             <a:schemeClr val="tx1"/>
                           </a:solidFill>
-                          <a:latin typeface="Adobe Clean Han Regular" panose="020B0500000000000000" pitchFamily="34" charset="-128"/>
-                          <a:ea typeface="Adobe Clean Han Regular" panose="020B0500000000000000" pitchFamily="34" charset="-128"/>
+                          <a:latin typeface="Adobe Clean Han Bold" panose="020B0600000000000000" pitchFamily="34" charset="-128"/>
+                          <a:ea typeface="Adobe Clean Han Bold" panose="020B0600000000000000" pitchFamily="34" charset="-128"/>
                         </a:rPr>
                         <a:t>午前 6:00 ～午後 5:30</a:t>
-                      </a:r>
-                    </a:p>
-                  </a:txBody>
-                  <a:tcPr anchor="ctr">
-                    <a:lnL w="12700" cap="flat" cmpd="sng" algn="ctr">
-                      <a:solidFill>
-                        <a:schemeClr val="bg1">
-                          <a:lumMod val="85000"/>
-                        </a:schemeClr>
-                      </a:solidFill>
-                      <a:prstDash val="solid"/>
-                      <a:round/>
-                      <a:headEnd type="none" w="med" len="med"/>
-                      <a:tailEnd type="none" w="med" len="med"/>
-                    </a:lnL>
-                    <a:lnR w="12700" cap="flat" cmpd="sng" algn="ctr">
-                      <a:solidFill>
-                        <a:schemeClr val="bg1">
-                          <a:lumMod val="85000"/>
-                        </a:schemeClr>
-                      </a:solidFill>
-                      <a:prstDash val="solid"/>
-                      <a:round/>
-                      <a:headEnd type="none" w="med" len="med"/>
-                      <a:tailEnd type="none" w="med" len="med"/>
-                    </a:lnR>
-                    <a:lnT w="12700" cap="flat" cmpd="sng" algn="ctr">
-                      <a:solidFill>
-                        <a:schemeClr val="bg1">
-                          <a:lumMod val="85000"/>
-                        </a:schemeClr>
-                      </a:solidFill>
-                      <a:prstDash val="solid"/>
-                      <a:round/>
-                      <a:headEnd type="none" w="med" len="med"/>
-                      <a:tailEnd type="none" w="med" len="med"/>
-                    </a:lnT>
-                    <a:lnB w="12700" cap="flat" cmpd="sng" algn="ctr">
-                      <a:solidFill>
-                        <a:schemeClr val="bg1">
-                          <a:lumMod val="85000"/>
-                        </a:schemeClr>
-                      </a:solidFill>
-                      <a:prstDash val="solid"/>
-                      <a:round/>
-                      <a:headEnd type="none" w="med" len="med"/>
-                      <a:tailEnd type="none" w="med" len="med"/>
-                    </a:lnB>
-                    <a:noFill/>
-                  </a:tcPr>
-                </a:tc>
-                <a:tc>
-                  <a:txBody>
-                    <a:bodyPr/>
-                    <a:lstStyle/>
-                    <a:p>
-                      <a:pPr algn="ctr"/>
-                      <a:r>
-                        <a:rPr lang="ja-JP" sz="1100">
-                          <a:solidFill>
-                            <a:schemeClr val="tx1"/>
-                          </a:solidFill>
-                          <a:latin typeface="Adobe Clean Han Regular" panose="020B0500000000000000" pitchFamily="34" charset="-128"/>
-                          <a:ea typeface="Adobe Clean Han Regular" panose="020B0500000000000000" pitchFamily="34" charset="-128"/>
-                        </a:rPr>
-                        <a:t>午前 9:00 ～午後 5:00</a:t>
                       </a:r>
                     </a:p>
                   </a:txBody>
@@ -13980,8 +14551,8 @@
                           <a:solidFill>
                             <a:schemeClr val="tx1"/>
                           </a:solidFill>
-                          <a:latin typeface="Adobe Clean Han Regular" panose="020B0500000000000000" pitchFamily="34" charset="-128"/>
-                          <a:ea typeface="Adobe Clean Han Regular" panose="020B0500000000000000" pitchFamily="34" charset="-128"/>
+                          <a:latin typeface="Adobe Clean Han Bold" panose="020B0600000000000000" pitchFamily="34" charset="-128"/>
+                          <a:ea typeface="Adobe Clean Han Bold" panose="020B0600000000000000" pitchFamily="34" charset="-128"/>
                         </a:rPr>
                         <a:t>午前 9:00 ～午後 5:00</a:t>
                       </a:r>
@@ -14046,8 +14617,74 @@
                           <a:solidFill>
                             <a:schemeClr val="tx1"/>
                           </a:solidFill>
-                          <a:latin typeface="Adobe Clean Han Regular" panose="020B0500000000000000" pitchFamily="34" charset="-128"/>
-                          <a:ea typeface="Adobe Clean Han Regular" panose="020B0500000000000000" pitchFamily="34" charset="-128"/>
+                          <a:latin typeface="Adobe Clean Han Bold" panose="020B0600000000000000" pitchFamily="34" charset="-128"/>
+                          <a:ea typeface="Adobe Clean Han Bold" panose="020B0600000000000000" pitchFamily="34" charset="-128"/>
+                        </a:rPr>
+                        <a:t>午前 9:00 ～午後 5:00</a:t>
+                      </a:r>
+                    </a:p>
+                  </a:txBody>
+                  <a:tcPr anchor="ctr">
+                    <a:lnL w="12700" cap="flat" cmpd="sng" algn="ctr">
+                      <a:solidFill>
+                        <a:schemeClr val="bg1">
+                          <a:lumMod val="85000"/>
+                        </a:schemeClr>
+                      </a:solidFill>
+                      <a:prstDash val="solid"/>
+                      <a:round/>
+                      <a:headEnd type="none" w="med" len="med"/>
+                      <a:tailEnd type="none" w="med" len="med"/>
+                    </a:lnL>
+                    <a:lnR w="12700" cap="flat" cmpd="sng" algn="ctr">
+                      <a:solidFill>
+                        <a:schemeClr val="bg1">
+                          <a:lumMod val="85000"/>
+                        </a:schemeClr>
+                      </a:solidFill>
+                      <a:prstDash val="solid"/>
+                      <a:round/>
+                      <a:headEnd type="none" w="med" len="med"/>
+                      <a:tailEnd type="none" w="med" len="med"/>
+                    </a:lnR>
+                    <a:lnT w="12700" cap="flat" cmpd="sng" algn="ctr">
+                      <a:solidFill>
+                        <a:schemeClr val="bg1">
+                          <a:lumMod val="85000"/>
+                        </a:schemeClr>
+                      </a:solidFill>
+                      <a:prstDash val="solid"/>
+                      <a:round/>
+                      <a:headEnd type="none" w="med" len="med"/>
+                      <a:tailEnd type="none" w="med" len="med"/>
+                    </a:lnT>
+                    <a:lnB w="12700" cap="flat" cmpd="sng" algn="ctr">
+                      <a:solidFill>
+                        <a:schemeClr val="bg1">
+                          <a:lumMod val="85000"/>
+                        </a:schemeClr>
+                      </a:solidFill>
+                      <a:prstDash val="solid"/>
+                      <a:round/>
+                      <a:headEnd type="none" w="med" len="med"/>
+                      <a:tailEnd type="none" w="med" len="med"/>
+                    </a:lnB>
+                    <a:noFill/>
+                  </a:tcPr>
+                </a:tc>
+                <a:tc>
+                  <a:txBody>
+                    <a:bodyPr/>
+                    <a:lstStyle/>
+                    <a:p>
+                      <a:pPr algn="ctr"/>
+                      <a:r>
+                        <a:rPr lang="ja-JP" sz="1100" dirty="0">
+                          <a:solidFill>
+                            <a:schemeClr val="tx1"/>
+                          </a:solidFill>
+                          <a:latin typeface="Adobe Clean Han Bold" panose="020B0600000000000000" pitchFamily="34" charset="-128"/>
+                          <a:ea typeface="Adobe Clean Han Bold" panose="020B0600000000000000" pitchFamily="34" charset="-128"/>
                         </a:rPr>
                         <a:t>午前 9:00 ～午後 5:30</a:t>
                       </a:r>
@@ -14133,8 +14770,8 @@
                           <a:solidFill>
                             <a:schemeClr val="tx1"/>
                           </a:solidFill>
-                          <a:latin typeface="Adobe Clean Han Regular" panose="020B0500000000000000" pitchFamily="34" charset="-128"/>
-                          <a:ea typeface="Adobe Clean Han Regular" panose="020B0500000000000000" pitchFamily="34" charset="-128"/>
+                          <a:latin typeface="Adobe Clean Han Bold" panose="020B0600000000000000" pitchFamily="34" charset="-128"/>
+                          <a:ea typeface="Adobe Clean Han Bold" panose="020B0600000000000000" pitchFamily="34" charset="-128"/>
                         </a:rPr>
                         <a:t>サポートで対応している言語は、英語および日本語のみです。 </a:t>
                       </a:r>
@@ -14167,8 +14804,8 @@
                         <a:effectLst/>
                         <a:uLnTx/>
                         <a:uFillTx/>
-                        <a:latin typeface="Adobe Clean Han Regular" panose="020B0500000000000000" pitchFamily="34" charset="-128"/>
-                        <a:ea typeface="Adobe Clean Han Regular" panose="020B0500000000000000" pitchFamily="34" charset="-128"/>
+                        <a:latin typeface="Adobe Clean Han Bold" panose="020B0600000000000000" pitchFamily="34" charset="-128"/>
+                        <a:ea typeface="Adobe Clean Han Bold" panose="020B0600000000000000" pitchFamily="34" charset="-128"/>
                         <a:cs typeface="+mn-cs"/>
                       </a:endParaRPr>
                     </a:p>
@@ -14179,8 +14816,8 @@
                           <a:solidFill>
                             <a:schemeClr val="tx1"/>
                           </a:solidFill>
-                          <a:latin typeface="Adobe Clean Han Regular" panose="020B0500000000000000" pitchFamily="34" charset="-128"/>
-                          <a:ea typeface="Adobe Clean Han Regular" panose="020B0500000000000000" pitchFamily="34" charset="-128"/>
+                          <a:latin typeface="Adobe Clean Han Bold" panose="020B0600000000000000" pitchFamily="34" charset="-128"/>
+                          <a:ea typeface="Adobe Clean Han Bold" panose="020B0600000000000000" pitchFamily="34" charset="-128"/>
                         </a:rPr>
                         <a:t> </a:t>
                       </a:r>
@@ -14189,8 +14826,8 @@
                           <a:solidFill>
                             <a:schemeClr val="tx1"/>
                           </a:solidFill>
-                          <a:latin typeface="Adobe Clean Han Regular" panose="020B0500000000000000" pitchFamily="34" charset="-128"/>
-                          <a:ea typeface="Adobe Clean Han Regular" panose="020B0500000000000000" pitchFamily="34" charset="-128"/>
+                          <a:latin typeface="Adobe Clean Han Bold" panose="020B0600000000000000" pitchFamily="34" charset="-128"/>
+                          <a:ea typeface="Adobe Clean Han Bold" panose="020B0600000000000000" pitchFamily="34" charset="-128"/>
                         </a:rPr>
                         <a:t>1 </a:t>
                       </a:r>
@@ -14199,8 +14836,8 @@
                           <a:solidFill>
                             <a:schemeClr val="tx1"/>
                           </a:solidFill>
-                          <a:latin typeface="Adobe Clean Han Regular" panose="020B0500000000000000" pitchFamily="34" charset="-128"/>
-                          <a:ea typeface="Adobe Clean Han Regular" panose="020B0500000000000000" pitchFamily="34" charset="-128"/>
+                          <a:latin typeface="Adobe Clean Han Bold" panose="020B0600000000000000" pitchFamily="34" charset="-128"/>
+                          <a:ea typeface="Adobe Clean Han Bold" panose="020B0600000000000000" pitchFamily="34" charset="-128"/>
                         </a:rPr>
                         <a:t>P2、P3、P4 の場合は、営業時間内のみの対応です。</a:t>
                       </a:r>
@@ -14516,7 +15153,7 @@
           <p:nvPr/>
         </p:nvPicPr>
         <p:blipFill>
-          <a:blip r:embed="rId6" cstate="print"/>
+          <a:blip r:embed="rId5" cstate="print"/>
           <a:stretch>
             <a:fillRect/>
           </a:stretch>
@@ -14546,7 +15183,7 @@
         <p:spPr>
           <a:xfrm>
             <a:off x="2840871" y="8528519"/>
-            <a:ext cx="810895" cy="385445"/>
+            <a:ext cx="810895" cy="408445"/>
           </a:xfrm>
           <a:prstGeom prst="rect">
             <a:avLst/>
@@ -14558,7 +15195,7 @@
           </a:bodyPr>
           <a:lstStyle/>
           <a:p>
-            <a:pPr marR="5080" algn="ctr">
+            <a:pPr marL="139065" marR="5080" indent="-139065" algn="ctr">
               <a:lnSpc>
                 <a:spcPts val="1390"/>
               </a:lnSpc>
@@ -14571,29 +15208,37 @@
                 <a:solidFill>
                   <a:srgbClr val="FFFFFF"/>
                 </a:solidFill>
-                <a:latin typeface="Adobe Clean Han Regular" panose="020B0500000000000000" pitchFamily="34" charset="-128"/>
-                <a:ea typeface="Adobe Clean Han Regular" panose="020B0500000000000000" pitchFamily="34" charset="-128"/>
+                <a:latin typeface="Adobe Clean Han Bold" panose="020B0600000000000000" pitchFamily="34" charset="-128"/>
+                <a:ea typeface="Adobe Clean Han Bold" panose="020B0600000000000000" pitchFamily="34" charset="-128"/>
                 <a:cs typeface="Adobe Clean"/>
               </a:rPr>
               <a:t>卓越した</a:t>
             </a:r>
-            <a:br>
+            <a:endParaRPr lang="cs-CZ" altLang="ja-JP" sz="1200" b="1" dirty="0">
+              <a:solidFill>
+                <a:srgbClr val="FFFFFF"/>
+              </a:solidFill>
+              <a:latin typeface="Adobe Clean Han Bold" panose="020B0600000000000000" pitchFamily="34" charset="-128"/>
+              <a:ea typeface="Adobe Clean Han Bold" panose="020B0600000000000000" pitchFamily="34" charset="-128"/>
+              <a:cs typeface="Adobe Clean"/>
+            </a:endParaRPr>
+          </a:p>
+          <a:p>
+            <a:pPr marL="139065" marR="5080" indent="-139065" algn="ctr">
+              <a:lnSpc>
+                <a:spcPts val="1390"/>
+              </a:lnSpc>
+              <a:spcBef>
+                <a:spcPts val="185"/>
+              </a:spcBef>
+            </a:pPr>
+            <a:r>
               <a:rPr lang="ja-JP" sz="1200" b="1" dirty="0">
                 <a:solidFill>
                   <a:srgbClr val="FFFFFF"/>
                 </a:solidFill>
-                <a:latin typeface="Adobe Clean Han Regular" panose="020B0500000000000000" pitchFamily="34" charset="-128"/>
-                <a:ea typeface="Adobe Clean Han Regular" panose="020B0500000000000000" pitchFamily="34" charset="-128"/>
-                <a:cs typeface="Adobe Clean"/>
-              </a:rPr>
-            </a:br>
-            <a:r>
-              <a:rPr lang="ja-JP" sz="1200" b="1" dirty="0">
-                <a:solidFill>
-                  <a:srgbClr val="FFFFFF"/>
-                </a:solidFill>
-                <a:latin typeface="Adobe Clean Han Regular" panose="020B0500000000000000" pitchFamily="34" charset="-128"/>
-                <a:ea typeface="Adobe Clean Han Regular" panose="020B0500000000000000" pitchFamily="34" charset="-128"/>
+                <a:latin typeface="Adobe Clean Han Bold" panose="020B0600000000000000" pitchFamily="34" charset="-128"/>
+                <a:ea typeface="Adobe Clean Han Bold" panose="020B0600000000000000" pitchFamily="34" charset="-128"/>
                 <a:cs typeface="Adobe Clean"/>
               </a:rPr>
               <a:t>専門知識</a:t>
@@ -14615,8 +15260,8 @@
         </p:nvSpPr>
         <p:spPr>
           <a:xfrm>
-            <a:off x="4522786" y="8541244"/>
-            <a:ext cx="1230314" cy="382797"/>
+            <a:off x="4732495" y="8541244"/>
+            <a:ext cx="810895" cy="408445"/>
           </a:xfrm>
           <a:prstGeom prst="rect">
             <a:avLst/>
@@ -14628,7 +15273,7 @@
           </a:bodyPr>
           <a:lstStyle/>
           <a:p>
-            <a:pPr marR="5080" algn="ctr">
+            <a:pPr marL="139065" marR="5080" indent="-139065" algn="ctr">
               <a:lnSpc>
                 <a:spcPts val="1390"/>
               </a:lnSpc>
@@ -14641,29 +15286,37 @@
                 <a:solidFill>
                   <a:srgbClr val="FFFFFF"/>
                 </a:solidFill>
-                <a:latin typeface="Adobe Clean Han Regular" panose="020B0500000000000000" pitchFamily="34" charset="-128"/>
-                <a:ea typeface="Adobe Clean Han Regular" panose="020B0500000000000000" pitchFamily="34" charset="-128"/>
+                <a:latin typeface="Adobe Clean Han Bold" panose="020B0600000000000000" pitchFamily="34" charset="-128"/>
+                <a:ea typeface="Adobe Clean Han Bold" panose="020B0600000000000000" pitchFamily="34" charset="-128"/>
                 <a:cs typeface="Adobe Clean"/>
               </a:rPr>
               <a:t>迅速な</a:t>
             </a:r>
-            <a:br>
+            <a:endParaRPr lang="cs-CZ" altLang="ja-JP" sz="1200" b="1" dirty="0">
+              <a:solidFill>
+                <a:srgbClr val="FFFFFF"/>
+              </a:solidFill>
+              <a:latin typeface="Adobe Clean Han Bold" panose="020B0600000000000000" pitchFamily="34" charset="-128"/>
+              <a:ea typeface="Adobe Clean Han Bold" panose="020B0600000000000000" pitchFamily="34" charset="-128"/>
+              <a:cs typeface="Adobe Clean"/>
+            </a:endParaRPr>
+          </a:p>
+          <a:p>
+            <a:pPr marL="139065" marR="5080" indent="-139065" algn="ctr">
+              <a:lnSpc>
+                <a:spcPts val="1390"/>
+              </a:lnSpc>
+              <a:spcBef>
+                <a:spcPts val="185"/>
+              </a:spcBef>
+            </a:pPr>
+            <a:r>
               <a:rPr lang="ja-JP" sz="1200" b="1" dirty="0">
                 <a:solidFill>
                   <a:srgbClr val="FFFFFF"/>
                 </a:solidFill>
-                <a:latin typeface="Adobe Clean Han Regular" panose="020B0500000000000000" pitchFamily="34" charset="-128"/>
-                <a:ea typeface="Adobe Clean Han Regular" panose="020B0500000000000000" pitchFamily="34" charset="-128"/>
-                <a:cs typeface="Adobe Clean"/>
-              </a:rPr>
-            </a:br>
-            <a:r>
-              <a:rPr lang="ja-JP" sz="1200" b="1" dirty="0">
-                <a:solidFill>
-                  <a:srgbClr val="FFFFFF"/>
-                </a:solidFill>
-                <a:latin typeface="Adobe Clean Han Regular" panose="020B0500000000000000" pitchFamily="34" charset="-128"/>
-                <a:ea typeface="Adobe Clean Han Regular" panose="020B0500000000000000" pitchFamily="34" charset="-128"/>
+                <a:latin typeface="Adobe Clean Han Bold" panose="020B0600000000000000" pitchFamily="34" charset="-128"/>
+                <a:ea typeface="Adobe Clean Han Bold" panose="020B0600000000000000" pitchFamily="34" charset="-128"/>
                 <a:cs typeface="Adobe Clean"/>
               </a:rPr>
               <a:t>サポート</a:t>
@@ -14685,8 +15338,8 @@
         </p:nvSpPr>
         <p:spPr>
           <a:xfrm>
-            <a:off x="6357853" y="8543943"/>
-            <a:ext cx="1043072" cy="382797"/>
+            <a:off x="6489064" y="8543943"/>
+            <a:ext cx="810895" cy="408445"/>
           </a:xfrm>
           <a:prstGeom prst="rect">
             <a:avLst/>
@@ -14698,7 +15351,7 @@
           </a:bodyPr>
           <a:lstStyle/>
           <a:p>
-            <a:pPr marR="5080" algn="ctr">
+            <a:pPr marL="50800" marR="5080" indent="-51435" algn="ctr">
               <a:lnSpc>
                 <a:spcPts val="1390"/>
               </a:lnSpc>
@@ -14711,29 +15364,37 @@
                 <a:solidFill>
                   <a:srgbClr val="FFFFFF"/>
                 </a:solidFill>
-                <a:latin typeface="Adobe Clean Han Regular" panose="020B0500000000000000" pitchFamily="34" charset="-128"/>
-                <a:ea typeface="Adobe Clean Han Regular" panose="020B0500000000000000" pitchFamily="34" charset="-128"/>
+                <a:latin typeface="Adobe Clean Han Bold" panose="020B0600000000000000" pitchFamily="34" charset="-128"/>
+                <a:ea typeface="Adobe Clean Han Bold" panose="020B0600000000000000" pitchFamily="34" charset="-128"/>
                 <a:cs typeface="Adobe Clean"/>
               </a:rPr>
               <a:t>戦略的</a:t>
             </a:r>
-            <a:br>
+            <a:endParaRPr lang="cs-CZ" altLang="ja-JP" sz="1200" b="1" dirty="0">
+              <a:solidFill>
+                <a:srgbClr val="FFFFFF"/>
+              </a:solidFill>
+              <a:latin typeface="Adobe Clean Han Bold" panose="020B0600000000000000" pitchFamily="34" charset="-128"/>
+              <a:ea typeface="Adobe Clean Han Bold" panose="020B0600000000000000" pitchFamily="34" charset="-128"/>
+              <a:cs typeface="Adobe Clean"/>
+            </a:endParaRPr>
+          </a:p>
+          <a:p>
+            <a:pPr marL="50800" marR="5080" indent="-51435" algn="ctr">
+              <a:lnSpc>
+                <a:spcPts val="1390"/>
+              </a:lnSpc>
+              <a:spcBef>
+                <a:spcPts val="185"/>
+              </a:spcBef>
+            </a:pPr>
+            <a:r>
               <a:rPr lang="ja-JP" sz="1200" b="1" dirty="0">
                 <a:solidFill>
                   <a:srgbClr val="FFFFFF"/>
                 </a:solidFill>
-                <a:latin typeface="Adobe Clean Han Regular" panose="020B0500000000000000" pitchFamily="34" charset="-128"/>
-                <a:ea typeface="Adobe Clean Han Regular" panose="020B0500000000000000" pitchFamily="34" charset="-128"/>
-                <a:cs typeface="Adobe Clean"/>
-              </a:rPr>
-            </a:br>
-            <a:r>
-              <a:rPr lang="ja-JP" sz="1200" b="1" dirty="0">
-                <a:solidFill>
-                  <a:srgbClr val="FFFFFF"/>
-                </a:solidFill>
-                <a:latin typeface="Adobe Clean Han Regular" panose="020B0500000000000000" pitchFamily="34" charset="-128"/>
-                <a:ea typeface="Adobe Clean Han Regular" panose="020B0500000000000000" pitchFamily="34" charset="-128"/>
+                <a:latin typeface="Adobe Clean Han Bold" panose="020B0600000000000000" pitchFamily="34" charset="-128"/>
+                <a:ea typeface="Adobe Clean Han Bold" panose="020B0600000000000000" pitchFamily="34" charset="-128"/>
                 <a:cs typeface="Adobe Clean"/>
               </a:rPr>
               <a:t>アドバイス</a:t>
@@ -14756,14 +15417,14 @@
           <p:nvPr>
             <p:extLst>
               <p:ext uri="{D42A27DB-BD31-4B8C-83A1-F6EECF244321}">
-                <p14:modId xmlns:p14="http://schemas.microsoft.com/office/powerpoint/2010/main" val="3861737228"/>
+                <p14:modId xmlns:p14="http://schemas.microsoft.com/office/powerpoint/2010/main" val="3636112562"/>
               </p:ext>
             </p:extLst>
           </p:nvPr>
         </p:nvGraphicFramePr>
         <p:xfrm>
           <a:off x="194236" y="1059345"/>
-          <a:ext cx="7368291" cy="3388360"/>
+          <a:ext cx="7368291" cy="3235960"/>
         </p:xfrm>
         <a:graphic>
           <a:graphicData uri="http://schemas.openxmlformats.org/drawingml/2006/table">
@@ -14772,14 +15433,14 @@
                 <a:tableStyleId>{5C22544A-7EE6-4342-B048-85BDC9FD1C3A}</a:tableStyleId>
               </a:tblPr>
               <a:tblGrid>
-                <a:gridCol w="3691964">
+                <a:gridCol w="3615764">
                   <a:extLst>
                     <a:ext uri="{9D8B030D-6E8A-4147-A177-3AD203B41FA5}">
                       <a16:colId xmlns:a16="http://schemas.microsoft.com/office/drawing/2014/main" val="2364693614"/>
                     </a:ext>
                   </a:extLst>
                 </a:gridCol>
-                <a:gridCol w="3676327">
+                <a:gridCol w="3752527">
                   <a:extLst>
                     <a:ext uri="{9D8B030D-6E8A-4147-A177-3AD203B41FA5}">
                       <a16:colId xmlns:a16="http://schemas.microsoft.com/office/drawing/2014/main" val="1545335406"/>
@@ -14798,10 +15459,10 @@
                           <a:solidFill>
                             <a:schemeClr val="tx1"/>
                           </a:solidFill>
-                          <a:latin typeface="Adobe Clean Han Regular" panose="020B0500000000000000" pitchFamily="34" charset="-128"/>
-                          <a:ea typeface="Adobe Clean Han Regular" panose="020B0500000000000000" pitchFamily="34" charset="-128"/>
+                          <a:latin typeface="Adobe Clean Han Bold" panose="020B0600000000000000" pitchFamily="34" charset="-128"/>
+                          <a:ea typeface="Adobe Clean Han Bold" panose="020B0600000000000000" pitchFamily="34" charset="-128"/>
                           <a:cs typeface="+mn-cs"/>
-                          <a:hlinkClick r:id="rId7"/>
+                          <a:hlinkClick r:id="rId6"/>
                         </a:rPr>
                         <a:t>Experience League</a:t>
                       </a:r>
@@ -14886,7 +15547,28 @@
                           <a:ea typeface="Adobe Clean Han Light" panose="020B0300000000000000" pitchFamily="34" charset="-128"/>
                           <a:cs typeface="+mn-cs"/>
                         </a:rPr>
-                        <a:t>Experience League では、アドビへの投資に対して企業が期待している価値を実現するための支援を行います。セルフサービスのチュートリアル、製品ドキュメント、講師によるトレーニング、コミュニティ、テクニカルサポートなど、パーソナライズされた成功への道筋に沿って、お客様が学習し、繋がり、成長できる、統合された場所です。 </a:t>
+                        <a:t>Experience League では、アドビへの投資に対して企業が期待している価値を実現するための支援を行います。セルフサービスのチュートリアル、製品ドキュメント、講師によるトレーニング、コミュニティ、テクニカルサポートなど、パーソナライズされた成功への道筋に沿って、お客様が学習し、繋がり、</a:t>
+                      </a:r>
+                      <a:br>
+                        <a:rPr lang="cs-CZ" altLang="ja-JP" sz="1000" b="0" dirty="0">
+                          <a:solidFill>
+                            <a:srgbClr val="000000"/>
+                          </a:solidFill>
+                          <a:latin typeface="Adobe Clean Han Light" panose="020B0300000000000000" pitchFamily="34" charset="-128"/>
+                          <a:ea typeface="Adobe Clean Han Light" panose="020B0300000000000000" pitchFamily="34" charset="-128"/>
+                          <a:cs typeface="+mn-cs"/>
+                        </a:rPr>
+                      </a:br>
+                      <a:r>
+                        <a:rPr lang="ja-JP" sz="1000" b="0" dirty="0">
+                          <a:solidFill>
+                            <a:srgbClr val="000000"/>
+                          </a:solidFill>
+                          <a:latin typeface="Adobe Clean Han Light" panose="020B0300000000000000" pitchFamily="34" charset="-128"/>
+                          <a:ea typeface="Adobe Clean Han Light" panose="020B0300000000000000" pitchFamily="34" charset="-128"/>
+                          <a:cs typeface="+mn-cs"/>
+                        </a:rPr>
+                        <a:t>成長できる、統合された場所です。 </a:t>
                       </a:r>
                     </a:p>
                   </a:txBody>
@@ -14972,10 +15654,10 @@
                           <a:solidFill>
                             <a:schemeClr val="dk1"/>
                           </a:solidFill>
-                          <a:latin typeface="Adobe Clean Han Regular" panose="020B0500000000000000" pitchFamily="34" charset="-128"/>
-                          <a:ea typeface="Adobe Clean Han Regular" panose="020B0500000000000000" pitchFamily="34" charset="-128"/>
+                          <a:latin typeface="Adobe Clean Han Bold" panose="020B0600000000000000" pitchFamily="34" charset="-128"/>
+                          <a:ea typeface="Adobe Clean Han Bold" panose="020B0600000000000000" pitchFamily="34" charset="-128"/>
                           <a:cs typeface="+mn-cs"/>
-                          <a:hlinkClick r:id="rId8"/>
+                          <a:hlinkClick r:id="rId7"/>
                         </a:rPr>
                         <a:t>トレーニング</a:t>
                       </a:r>
@@ -14984,8 +15666,8 @@
                           <a:solidFill>
                             <a:schemeClr val="dk1"/>
                           </a:solidFill>
-                          <a:latin typeface="Adobe Clean Han Regular" panose="020B0500000000000000" pitchFamily="34" charset="-128"/>
-                          <a:ea typeface="Adobe Clean Han Regular" panose="020B0500000000000000" pitchFamily="34" charset="-128"/>
+                          <a:latin typeface="Adobe Clean Han Bold" panose="020B0600000000000000" pitchFamily="34" charset="-128"/>
+                          <a:ea typeface="Adobe Clean Han Bold" panose="020B0600000000000000" pitchFamily="34" charset="-128"/>
                           <a:cs typeface="+mn-cs"/>
                         </a:rPr>
                         <a:t> </a:t>
@@ -15071,7 +15753,49 @@
                           <a:ea typeface="Adobe Clean Han Light" panose="020B0300000000000000" pitchFamily="34" charset="-128"/>
                           <a:cs typeface="+mn-cs"/>
                         </a:rPr>
-                        <a:t>Adobe Digital Learning Services のコースには、Experience League からアクセスできます。ラーニングコースは、オンデマンドレッスンと講師によるレッスンが統合されています。  市場価値が認められたスキルを習得し、組織での成功を促進するために活用できます。</a:t>
+                        <a:t>Adobe Digital Learning Services のコースには、Experience League からアクセスできます。ラーニングコースは、オン</a:t>
+                      </a:r>
+                      <a:br>
+                        <a:rPr lang="cs-CZ" altLang="ja-JP" sz="1000" dirty="0">
+                          <a:solidFill>
+                            <a:srgbClr val="000000"/>
+                          </a:solidFill>
+                          <a:latin typeface="Adobe Clean Han Light" panose="020B0300000000000000" pitchFamily="34" charset="-128"/>
+                          <a:ea typeface="Adobe Clean Han Light" panose="020B0300000000000000" pitchFamily="34" charset="-128"/>
+                          <a:cs typeface="+mn-cs"/>
+                        </a:rPr>
+                      </a:br>
+                      <a:r>
+                        <a:rPr lang="ja-JP" sz="1000" dirty="0">
+                          <a:solidFill>
+                            <a:srgbClr val="000000"/>
+                          </a:solidFill>
+                          <a:latin typeface="Adobe Clean Han Light" panose="020B0300000000000000" pitchFamily="34" charset="-128"/>
+                          <a:ea typeface="Adobe Clean Han Light" panose="020B0300000000000000" pitchFamily="34" charset="-128"/>
+                          <a:cs typeface="+mn-cs"/>
+                        </a:rPr>
+                        <a:t>デマンドレッスンと講師によるレッスンが統合されています。  市場価値が認められたスキルを習得し、組織での成功</a:t>
+                      </a:r>
+                      <a:br>
+                        <a:rPr lang="cs-CZ" altLang="ja-JP" sz="1000" dirty="0">
+                          <a:solidFill>
+                            <a:srgbClr val="000000"/>
+                          </a:solidFill>
+                          <a:latin typeface="Adobe Clean Han Light" panose="020B0300000000000000" pitchFamily="34" charset="-128"/>
+                          <a:ea typeface="Adobe Clean Han Light" panose="020B0300000000000000" pitchFamily="34" charset="-128"/>
+                          <a:cs typeface="+mn-cs"/>
+                        </a:rPr>
+                      </a:br>
+                      <a:r>
+                        <a:rPr lang="ja-JP" sz="1000" dirty="0">
+                          <a:solidFill>
+                            <a:srgbClr val="000000"/>
+                          </a:solidFill>
+                          <a:latin typeface="Adobe Clean Han Light" panose="020B0300000000000000" pitchFamily="34" charset="-128"/>
+                          <a:ea typeface="Adobe Clean Han Light" panose="020B0300000000000000" pitchFamily="34" charset="-128"/>
+                          <a:cs typeface="+mn-cs"/>
+                        </a:rPr>
+                        <a:t>を促進するために活用できます。</a:t>
                       </a:r>
                     </a:p>
                   </a:txBody>
@@ -15157,10 +15881,10 @@
                           <a:solidFill>
                             <a:schemeClr val="tx1"/>
                           </a:solidFill>
-                          <a:latin typeface="Adobe Clean Han Regular" panose="020B0500000000000000" pitchFamily="34" charset="-128"/>
-                          <a:ea typeface="Adobe Clean Han Regular" panose="020B0500000000000000" pitchFamily="34" charset="-128"/>
+                          <a:latin typeface="Adobe Clean Han Bold" panose="020B0600000000000000" pitchFamily="34" charset="-128"/>
+                          <a:ea typeface="Adobe Clean Han Bold" panose="020B0600000000000000" pitchFamily="34" charset="-128"/>
                           <a:cs typeface="+mn-cs"/>
-                          <a:hlinkClick r:id="rId9"/>
+                          <a:hlinkClick r:id="rId8"/>
                         </a:rPr>
                         <a:t>本番環境の問題とシステム障害</a:t>
                       </a:r>
@@ -15331,10 +16055,10 @@
                           <a:solidFill>
                             <a:schemeClr val="tx1"/>
                           </a:solidFill>
-                          <a:latin typeface="Adobe Clean Han Regular" panose="020B0500000000000000" pitchFamily="34" charset="-128"/>
-                          <a:ea typeface="Adobe Clean Han Regular" panose="020B0500000000000000" pitchFamily="34" charset="-128"/>
+                          <a:latin typeface="Adobe Clean Han Bold" panose="020B0600000000000000" pitchFamily="34" charset="-128"/>
+                          <a:ea typeface="Adobe Clean Han Bold" panose="020B0600000000000000" pitchFamily="34" charset="-128"/>
                           <a:cs typeface="+mn-cs"/>
-                          <a:hlinkClick r:id="rId10"/>
+                          <a:hlinkClick r:id="rId9"/>
                         </a:rPr>
                         <a:t>利用条件</a:t>
                       </a:r>
@@ -15479,13 +16203,13 @@
           <p:nvPr/>
         </p:nvPicPr>
         <p:blipFill>
-          <a:blip r:embed="rId11">
+          <a:blip r:embed="rId10">
             <a:extLst>
               <a:ext uri="{28A0092B-C50C-407E-A947-70E740481C1C}">
                 <a14:useLocalDpi xmlns:a14="http://schemas.microsoft.com/office/drawing/2010/main" val="0"/>
               </a:ext>
               <a:ext uri="{96DAC541-7B7A-43D3-8B79-37D633B846F1}">
-                <asvg:svgBlip xmlns:asvg="http://schemas.microsoft.com/office/drawing/2016/SVG/main" r:embed="rId12"/>
+                <asvg:svgBlip xmlns:asvg="http://schemas.microsoft.com/office/drawing/2016/SVG/main" r:embed="rId11"/>
               </a:ext>
             </a:extLst>
           </a:blip>
@@ -15518,13 +16242,13 @@
           <p:nvPr/>
         </p:nvPicPr>
         <p:blipFill>
-          <a:blip r:embed="rId13">
+          <a:blip r:embed="rId12">
             <a:extLst>
               <a:ext uri="{28A0092B-C50C-407E-A947-70E740481C1C}">
                 <a14:useLocalDpi xmlns:a14="http://schemas.microsoft.com/office/drawing/2010/main" val="0"/>
               </a:ext>
               <a:ext uri="{96DAC541-7B7A-43D3-8B79-37D633B846F1}">
-                <asvg:svgBlip xmlns:asvg="http://schemas.microsoft.com/office/drawing/2016/SVG/main" r:embed="rId14"/>
+                <asvg:svgBlip xmlns:asvg="http://schemas.microsoft.com/office/drawing/2016/SVG/main" r:embed="rId13"/>
               </a:ext>
             </a:extLst>
           </a:blip>
@@ -15557,13 +16281,13 @@
           <p:nvPr/>
         </p:nvPicPr>
         <p:blipFill>
-          <a:blip r:embed="rId15">
+          <a:blip r:embed="rId14">
             <a:extLst>
               <a:ext uri="{28A0092B-C50C-407E-A947-70E740481C1C}">
                 <a14:useLocalDpi xmlns:a14="http://schemas.microsoft.com/office/drawing/2010/main" val="0"/>
               </a:ext>
               <a:ext uri="{96DAC541-7B7A-43D3-8B79-37D633B846F1}">
-                <asvg:svgBlip xmlns:asvg="http://schemas.microsoft.com/office/drawing/2016/SVG/main" r:embed="rId16"/>
+                <asvg:svgBlip xmlns:asvg="http://schemas.microsoft.com/office/drawing/2016/SVG/main" r:embed="rId15"/>
               </a:ext>
             </a:extLst>
           </a:blip>
@@ -15581,6 +16305,204 @@
           </a:prstGeom>
         </p:spPr>
       </p:pic>
+      <p:sp>
+        <p:nvSpPr>
+          <p:cNvPr id="21" name="object 24">
+            <a:extLst>
+              <a:ext uri="{FF2B5EF4-FFF2-40B4-BE49-F238E27FC236}">
+                <a16:creationId xmlns:a16="http://schemas.microsoft.com/office/drawing/2014/main" id="{9D68FC84-116F-4286-A7BD-5A9D79E140CE}"/>
+              </a:ext>
+            </a:extLst>
+          </p:cNvPr>
+          <p:cNvSpPr txBox="1"/>
+          <p:nvPr/>
+        </p:nvSpPr>
+        <p:spPr>
+          <a:xfrm>
+            <a:off x="6754821" y="9283729"/>
+            <a:ext cx="930275" cy="662305"/>
+          </a:xfrm>
+          <a:prstGeom prst="rect">
+            <a:avLst/>
+          </a:prstGeom>
+        </p:spPr>
+        <p:txBody>
+          <a:bodyPr vert="horz" wrap="square" lIns="0" tIns="12065" rIns="0" bIns="0" rtlCol="0">
+            <a:spAutoFit/>
+          </a:bodyPr>
+          <a:lstStyle/>
+          <a:p>
+            <a:pPr marL="12700">
+              <a:lnSpc>
+                <a:spcPts val="930"/>
+              </a:lnSpc>
+              <a:spcBef>
+                <a:spcPts val="95"/>
+              </a:spcBef>
+            </a:pPr>
+            <a:r>
+              <a:rPr sz="800" spc="-15" dirty="0">
+                <a:solidFill>
+                  <a:srgbClr val="777879"/>
+                </a:solidFill>
+                <a:latin typeface="Adobe Clean"/>
+                <a:cs typeface="Adobe Clean"/>
+              </a:rPr>
+              <a:t>Adobe</a:t>
+            </a:r>
+            <a:endParaRPr sz="800" dirty="0">
+              <a:latin typeface="Adobe Clean"/>
+              <a:cs typeface="Adobe Clean"/>
+            </a:endParaRPr>
+          </a:p>
+          <a:p>
+            <a:pPr marL="12700">
+              <a:lnSpc>
+                <a:spcPts val="915"/>
+              </a:lnSpc>
+            </a:pPr>
+            <a:r>
+              <a:rPr sz="800" spc="-15" dirty="0">
+                <a:solidFill>
+                  <a:srgbClr val="777879"/>
+                </a:solidFill>
+                <a:latin typeface="Adobe Clean"/>
+                <a:cs typeface="Adobe Clean"/>
+              </a:rPr>
+              <a:t>345 Park</a:t>
+            </a:r>
+            <a:r>
+              <a:rPr sz="800" spc="-100" dirty="0">
+                <a:solidFill>
+                  <a:srgbClr val="777879"/>
+                </a:solidFill>
+                <a:latin typeface="Adobe Clean"/>
+                <a:cs typeface="Adobe Clean"/>
+              </a:rPr>
+              <a:t> </a:t>
+            </a:r>
+            <a:r>
+              <a:rPr sz="800" spc="-15" dirty="0">
+                <a:solidFill>
+                  <a:srgbClr val="777879"/>
+                </a:solidFill>
+                <a:latin typeface="Adobe Clean"/>
+                <a:cs typeface="Adobe Clean"/>
+              </a:rPr>
+              <a:t>Avenue</a:t>
+            </a:r>
+            <a:endParaRPr sz="800" dirty="0">
+              <a:latin typeface="Adobe Clean"/>
+              <a:cs typeface="Adobe Clean"/>
+            </a:endParaRPr>
+          </a:p>
+          <a:p>
+            <a:pPr marL="12700">
+              <a:lnSpc>
+                <a:spcPts val="944"/>
+              </a:lnSpc>
+            </a:pPr>
+            <a:r>
+              <a:rPr sz="800" spc="-10" dirty="0">
+                <a:solidFill>
+                  <a:srgbClr val="777879"/>
+                </a:solidFill>
+                <a:latin typeface="Adobe Clean"/>
+                <a:cs typeface="Adobe Clean"/>
+              </a:rPr>
+              <a:t>San </a:t>
+            </a:r>
+            <a:r>
+              <a:rPr sz="800" spc="-15" dirty="0">
+                <a:solidFill>
+                  <a:srgbClr val="777879"/>
+                </a:solidFill>
+                <a:latin typeface="Adobe Clean"/>
+                <a:cs typeface="Adobe Clean"/>
+              </a:rPr>
+              <a:t>Jose,</a:t>
+            </a:r>
+            <a:r>
+              <a:rPr sz="800" spc="-140" dirty="0">
+                <a:solidFill>
+                  <a:srgbClr val="777879"/>
+                </a:solidFill>
+                <a:latin typeface="Adobe Clean"/>
+                <a:cs typeface="Adobe Clean"/>
+              </a:rPr>
+              <a:t> </a:t>
+            </a:r>
+            <a:r>
+              <a:rPr sz="800" spc="-20" dirty="0">
+                <a:solidFill>
+                  <a:srgbClr val="777879"/>
+                </a:solidFill>
+                <a:latin typeface="Adobe Clean"/>
+                <a:cs typeface="Adobe Clean"/>
+              </a:rPr>
+              <a:t>CA95110-2704</a:t>
+            </a:r>
+            <a:endParaRPr sz="800" dirty="0">
+              <a:latin typeface="Adobe Clean"/>
+              <a:cs typeface="Adobe Clean"/>
+            </a:endParaRPr>
+          </a:p>
+          <a:p>
+            <a:pPr marL="12700">
+              <a:lnSpc>
+                <a:spcPct val="100000"/>
+              </a:lnSpc>
+              <a:spcBef>
+                <a:spcPts val="45"/>
+              </a:spcBef>
+            </a:pPr>
+            <a:r>
+              <a:rPr sz="800" spc="-10" dirty="0">
+                <a:solidFill>
+                  <a:srgbClr val="777879"/>
+                </a:solidFill>
+                <a:latin typeface="Adobe Clean"/>
+                <a:cs typeface="Adobe Clean"/>
+              </a:rPr>
+              <a:t>USA</a:t>
+            </a:r>
+            <a:endParaRPr sz="800" dirty="0">
+              <a:latin typeface="Adobe Clean"/>
+              <a:cs typeface="Adobe Clean"/>
+            </a:endParaRPr>
+          </a:p>
+          <a:p>
+            <a:pPr marL="12700">
+              <a:lnSpc>
+                <a:spcPct val="100000"/>
+              </a:lnSpc>
+              <a:spcBef>
+                <a:spcPts val="265"/>
+              </a:spcBef>
+            </a:pPr>
+            <a:r>
+              <a:rPr sz="800" u="sng" spc="-25" dirty="0">
+                <a:solidFill>
+                  <a:srgbClr val="5F5F5F"/>
+                </a:solidFill>
+                <a:uFill>
+                  <a:solidFill>
+                    <a:srgbClr val="0000FF"/>
+                  </a:solidFill>
+                </a:uFill>
+                <a:latin typeface="Adobe Clean"/>
+                <a:cs typeface="Adobe Clean"/>
+                <a:hlinkClick r:id="rId16"/>
+              </a:rPr>
+              <a:t>www.adobe.com</a:t>
+            </a:r>
+            <a:endParaRPr sz="800" dirty="0">
+              <a:latin typeface="Adobe Clean"/>
+              <a:cs typeface="Adobe Clean"/>
+            </a:endParaRPr>
+          </a:p>
+        </p:txBody>
+      </p:sp>
     </p:spTree>
     <p:extLst>
       <p:ext uri="{BB962C8B-B14F-4D97-AF65-F5344CB8AC3E}">
@@ -16021,21 +16943,6 @@
 </file>
 
 <file path=customXml/item1.xml><?xml version="1.0" encoding="utf-8"?>
-<?mso-contentType ?>
-<FormTemplates xmlns="http://schemas.microsoft.com/sharepoint/v3/contenttype/forms">
-  <Display>DocumentLibraryForm</Display>
-  <Edit>DocumentLibraryForm</Edit>
-  <New>DocumentLibraryForm</New>
-</FormTemplates>
-</file>
-
-<file path=customXml/item2.xml><?xml version="1.0" encoding="utf-8"?>
-<p:properties xmlns:p="http://schemas.microsoft.com/office/2006/metadata/properties" xmlns:xsi="http://www.w3.org/2001/XMLSchema-instance" xmlns:pc="http://schemas.microsoft.com/office/infopath/2007/PartnerControls">
-  <documentManagement/>
-</p:properties>
-</file>
-
-<file path=customXml/item3.xml><?xml version="1.0" encoding="utf-8"?>
 <ct:contentTypeSchema xmlns:ct="http://schemas.microsoft.com/office/2006/metadata/contentType" xmlns:ma="http://schemas.microsoft.com/office/2006/metadata/properties/metaAttributes" ct:_="" ma:_="" ma:contentTypeName="Document" ma:contentTypeID="0x010100E783BF6876BCC646A459363AF21A7736" ma:contentTypeVersion="10" ma:contentTypeDescription="Create a new document." ma:contentTypeScope="" ma:versionID="c4ffda7f4f415767600769e454c2ea87">
   <xsd:schema xmlns:xsd="http://www.w3.org/2001/XMLSchema" xmlns:xs="http://www.w3.org/2001/XMLSchema" xmlns:p="http://schemas.microsoft.com/office/2006/metadata/properties" xmlns:ns2="8a053bff-88be-49e4-9a87-e748e18b8b62" xmlns:ns3="6c8368ec-3776-49b5-a5bb-90648cf9530f" targetNamespace="http://schemas.microsoft.com/office/2006/metadata/properties" ma:root="true" ma:fieldsID="df3ec33bccc23e23bce7bc897fad43d1" ns2:_="" ns3:_="">
     <xsd:import namespace="8a053bff-88be-49e4-9a87-e748e18b8b62"/>
@@ -16240,24 +17147,22 @@
 </ct:contentTypeSchema>
 </file>
 
-<file path=customXml/itemProps1.xml><?xml version="1.0" encoding="utf-8"?>
-<ds:datastoreItem xmlns:ds="http://schemas.openxmlformats.org/officeDocument/2006/customXml" ds:itemID="{669D9D3B-3229-44EE-9964-24A06AE66887}">
-  <ds:schemaRefs>
-    <ds:schemaRef ds:uri="http://schemas.microsoft.com/sharepoint/v3/contenttype/forms"/>
-  </ds:schemaRefs>
-</ds:datastoreItem>
+<file path=customXml/item2.xml><?xml version="1.0" encoding="utf-8"?>
+<?mso-contentType ?>
+<FormTemplates xmlns="http://schemas.microsoft.com/sharepoint/v3/contenttype/forms">
+  <Display>DocumentLibraryForm</Display>
+  <Edit>DocumentLibraryForm</Edit>
+  <New>DocumentLibraryForm</New>
+</FormTemplates>
 </file>
 
-<file path=customXml/itemProps2.xml><?xml version="1.0" encoding="utf-8"?>
-<ds:datastoreItem xmlns:ds="http://schemas.openxmlformats.org/officeDocument/2006/customXml" ds:itemID="{CED41536-010B-47B1-9229-B72BE4090090}">
-  <ds:schemaRefs>
-    <ds:schemaRef ds:uri="http://schemas.microsoft.com/office/2006/metadata/properties"/>
-    <ds:schemaRef ds:uri="http://schemas.microsoft.com/office/infopath/2007/PartnerControls"/>
-  </ds:schemaRefs>
-</ds:datastoreItem>
+<file path=customXml/item3.xml><?xml version="1.0" encoding="utf-8"?>
+<p:properties xmlns:p="http://schemas.microsoft.com/office/2006/metadata/properties" xmlns:xsi="http://www.w3.org/2001/XMLSchema-instance" xmlns:pc="http://schemas.microsoft.com/office/infopath/2007/PartnerControls">
+  <documentManagement/>
+</p:properties>
 </file>
 
-<file path=customXml/itemProps3.xml><?xml version="1.0" encoding="utf-8"?>
+<file path=customXml/itemProps1.xml><?xml version="1.0" encoding="utf-8"?>
 <ds:datastoreItem xmlns:ds="http://schemas.openxmlformats.org/officeDocument/2006/customXml" ds:itemID="{75C1A8FD-3884-41A0-BE37-D15776C885D1}">
   <ds:schemaRefs>
     <ds:schemaRef ds:uri="6c8368ec-3776-49b5-a5bb-90648cf9530f"/>
@@ -16274,4 +17179,21 @@
     <ds:schemaRef ds:uri="http://www.w3.org/2001/XMLSchema"/>
   </ds:schemaRefs>
 </ds:datastoreItem>
+</file>
+
+<file path=customXml/itemProps2.xml><?xml version="1.0" encoding="utf-8"?>
+<ds:datastoreItem xmlns:ds="http://schemas.openxmlformats.org/officeDocument/2006/customXml" ds:itemID="{669D9D3B-3229-44EE-9964-24A06AE66887}">
+  <ds:schemaRefs>
+    <ds:schemaRef ds:uri="http://schemas.microsoft.com/sharepoint/v3/contenttype/forms"/>
+  </ds:schemaRefs>
+</ds:datastoreItem>
+</file>
+
+<file path=customXml/itemProps3.xml><?xml version="1.0" encoding="utf-8"?>
+<ds:datastoreItem xmlns:ds="http://schemas.openxmlformats.org/officeDocument/2006/customXml" ds:itemID="{CED41536-010B-47B1-9229-B72BE4090090}">
+  <ds:schemaRefs>
+    <ds:schemaRef ds:uri="http://schemas.microsoft.com/office/2006/metadata/properties"/>
+    <ds:schemaRef ds:uri="http://schemas.microsoft.com/office/infopath/2007/PartnerControls"/>
+  </ds:schemaRefs>
+</ds:datastoreItem>
 </file>